--- a/React Vs Shared State Deck.pptx
+++ b/React Vs Shared State Deck.pptx
@@ -15,9 +15,10 @@
     <p:sldId id="263" r:id="rId9"/>
     <p:sldId id="264" r:id="rId10"/>
     <p:sldId id="265" r:id="rId11"/>
-    <p:sldId id="266" r:id="rId12"/>
-    <p:sldId id="268" r:id="rId13"/>
-    <p:sldId id="267" r:id="rId14"/>
+    <p:sldId id="269" r:id="rId12"/>
+    <p:sldId id="266" r:id="rId13"/>
+    <p:sldId id="268" r:id="rId14"/>
+    <p:sldId id="267" r:id="rId15"/>
   </p:sldIdLst>
   <p:sldSz cx="9144000" cy="6858000" type="screen4x3"/>
   <p:notesSz cx="6858000" cy="9144000"/>
@@ -116,6 +117,34 @@
       </a:defRPr>
     </a:lvl9pPr>
   </p:defaultTextStyle>
+  <p:extLst>
+    <p:ext uri="{521415D9-36F7-43E2-AB2F-B90AF26B5E84}">
+      <p14:sectionLst xmlns:p14="http://schemas.microsoft.com/office/powerpoint/2010/main">
+        <p14:section name="Default Section" id="{E59A0559-7AE1-AA46-9D61-7CDE4117ED85}">
+          <p14:sldIdLst>
+            <p14:sldId id="256"/>
+            <p14:sldId id="257"/>
+            <p14:sldId id="258"/>
+            <p14:sldId id="259"/>
+            <p14:sldId id="260"/>
+            <p14:sldId id="261"/>
+            <p14:sldId id="262"/>
+            <p14:sldId id="263"/>
+            <p14:sldId id="264"/>
+            <p14:sldId id="265"/>
+          </p14:sldIdLst>
+        </p14:section>
+        <p14:section name="Untitled Section" id="{CC53A510-CAFF-7348-A3D5-B3357FAEC6BD}">
+          <p14:sldIdLst>
+            <p14:sldId id="269"/>
+            <p14:sldId id="266"/>
+            <p14:sldId id="268"/>
+            <p14:sldId id="267"/>
+          </p14:sldIdLst>
+        </p14:section>
+      </p14:sectionLst>
+    </p:ext>
+  </p:extLst>
 </p:presentation>
 </file>
 
@@ -3385,7 +3414,15 @@
           <a:p>
             <a:r>
               <a:rPr lang="en-US" dirty="0" smtClean="0"/>
-              <a:t>Okay enough slides</a:t>
+              <a:t>A Quick </a:t>
+            </a:r>
+            <a:r>
+              <a:rPr lang="en-US" dirty="0" err="1" smtClean="0"/>
+              <a:t>Dev</a:t>
+            </a:r>
+            <a:r>
+              <a:rPr lang="en-US" dirty="0" smtClean="0"/>
+              <a:t> Ops Slide</a:t>
             </a:r>
             <a:endParaRPr lang="en-US" dirty="0"/>
           </a:p>
@@ -3401,29 +3438,249 @@
             <p:ph idx="1"/>
           </p:nvPr>
         </p:nvSpPr>
-        <p:spPr/>
-        <p:txBody>
-          <a:bodyPr/>
-          <a:lstStyle/>
-          <a:p>
-            <a:r>
-              <a:rPr lang="en-US" dirty="0" smtClean="0"/>
-              <a:t>Let’s look at and run some code!</a:t>
+        <p:spPr>
+          <a:xfrm>
+            <a:off x="457200" y="1600200"/>
+            <a:ext cx="4114800" cy="4525963"/>
+          </a:xfrm>
+        </p:spPr>
+        <p:txBody>
+          <a:bodyPr>
+            <a:normAutofit fontScale="62500" lnSpcReduction="20000"/>
+          </a:bodyPr>
+          <a:lstStyle/>
+          <a:p>
+            <a:r>
+              <a:rPr lang="en-US" dirty="0" smtClean="0"/>
+              <a:t>HBC is very focused on </a:t>
+            </a:r>
+            <a:r>
+              <a:rPr lang="en-US" dirty="0" err="1" smtClean="0"/>
+              <a:t>Dev</a:t>
+            </a:r>
+            <a:r>
+              <a:rPr lang="en-US" dirty="0" smtClean="0"/>
+              <a:t> Ops</a:t>
+            </a:r>
+          </a:p>
+          <a:p>
+            <a:r>
+              <a:rPr lang="en-US" dirty="0" smtClean="0"/>
+              <a:t>Developers are empowered to work with Infrastructure to create </a:t>
+            </a:r>
+            <a:r>
+              <a:rPr lang="en-US" dirty="0" err="1" smtClean="0"/>
+              <a:t>dev</a:t>
+            </a:r>
+            <a:r>
+              <a:rPr lang="en-US" dirty="0" smtClean="0"/>
+              <a:t> environments that can move all the way to Production</a:t>
+            </a:r>
+          </a:p>
+          <a:p>
+            <a:r>
+              <a:rPr lang="en-US" dirty="0" smtClean="0"/>
+              <a:t>We are using </a:t>
+            </a:r>
+          </a:p>
+          <a:p>
+            <a:pPr lvl="1"/>
+            <a:r>
+              <a:rPr lang="en-US" dirty="0" smtClean="0"/>
+              <a:t>Kitchen (testing)</a:t>
+            </a:r>
+          </a:p>
+          <a:p>
+            <a:pPr lvl="1"/>
+            <a:r>
+              <a:rPr lang="en-US" dirty="0" smtClean="0"/>
+              <a:t>Vagrant (virtual machines)</a:t>
+            </a:r>
+          </a:p>
+          <a:p>
+            <a:pPr lvl="1"/>
+            <a:r>
+              <a:rPr lang="en-US" dirty="0" smtClean="0"/>
+              <a:t>Puppet (provisioning)</a:t>
+            </a:r>
+          </a:p>
+          <a:p>
+            <a:pPr lvl="1"/>
+            <a:r>
+              <a:rPr lang="en-US" dirty="0" smtClean="0"/>
+              <a:t>Librarian Puppet (more provisioning)</a:t>
+            </a:r>
+          </a:p>
+          <a:p>
+            <a:pPr lvl="1"/>
+            <a:r>
+              <a:rPr lang="en-US" dirty="0" err="1" smtClean="0"/>
+              <a:t>Docker</a:t>
+            </a:r>
+            <a:r>
+              <a:rPr lang="en-US" dirty="0" smtClean="0"/>
+              <a:t> (containers)</a:t>
+            </a:r>
+          </a:p>
+          <a:p>
+            <a:r>
+              <a:rPr lang="en-US" dirty="0" smtClean="0"/>
+              <a:t>This allows us to treat infrastructure as code- versioning, pull requests, code review, regression testing, reproducibility</a:t>
             </a:r>
             <a:endParaRPr lang="en-US" dirty="0"/>
+          </a:p>
+        </p:txBody>
+      </p:sp>
+      <p:sp>
+        <p:nvSpPr>
+          <p:cNvPr id="4" name="TextBox 3"/>
+          <p:cNvSpPr txBox="1"/>
+          <p:nvPr/>
+        </p:nvSpPr>
+        <p:spPr>
+          <a:xfrm>
+            <a:off x="4967110" y="1600200"/>
+            <a:ext cx="3826970" cy="5324535"/>
+          </a:xfrm>
+          <a:prstGeom prst="rect">
+            <a:avLst/>
+          </a:prstGeom>
+          <a:noFill/>
+        </p:spPr>
+        <p:txBody>
+          <a:bodyPr wrap="square" rtlCol="0">
+            <a:spAutoFit/>
+          </a:bodyPr>
+          <a:lstStyle/>
+          <a:p>
+            <a:pPr marL="285750" indent="-285750">
+              <a:buFont typeface="Arial"/>
+              <a:buChar char="•"/>
+            </a:pPr>
+            <a:r>
+              <a:rPr lang="en-US" sz="2000" dirty="0" smtClean="0"/>
+              <a:t>For this project I started with a </a:t>
+            </a:r>
+            <a:r>
+              <a:rPr lang="en-US" sz="2000" dirty="0"/>
+              <a:t>L</a:t>
+            </a:r>
+            <a:r>
+              <a:rPr lang="en-US" sz="2000" dirty="0" smtClean="0"/>
+              <a:t>inux base box</a:t>
+            </a:r>
+          </a:p>
+          <a:p>
+            <a:pPr marL="285750" indent="-285750">
+              <a:buFont typeface="Arial"/>
+              <a:buChar char="•"/>
+            </a:pPr>
+            <a:r>
+              <a:rPr lang="en-US" sz="2000" dirty="0" smtClean="0"/>
+              <a:t>I used Puppet Librarian to source modules for SBT, Java, </a:t>
+            </a:r>
+            <a:r>
+              <a:rPr lang="en-US" sz="2000" dirty="0" err="1" smtClean="0"/>
+              <a:t>MongoSB</a:t>
+            </a:r>
+            <a:r>
+              <a:rPr lang="en-US" sz="2000" dirty="0" smtClean="0"/>
+              <a:t>, and </a:t>
+            </a:r>
+            <a:r>
+              <a:rPr lang="en-US" sz="2000" dirty="0" err="1" smtClean="0"/>
+              <a:t>Docker</a:t>
+            </a:r>
+            <a:endParaRPr lang="en-US" sz="2000" dirty="0" smtClean="0"/>
+          </a:p>
+          <a:p>
+            <a:pPr marL="285750" indent="-285750">
+              <a:buFont typeface="Arial"/>
+              <a:buChar char="•"/>
+            </a:pPr>
+            <a:r>
+              <a:rPr lang="en-US" sz="2000" dirty="0" smtClean="0"/>
+              <a:t>Then I used Puppet to install those modules in my base box (provision).</a:t>
+            </a:r>
+          </a:p>
+          <a:p>
+            <a:pPr marL="285750" indent="-285750">
+              <a:buFont typeface="Arial"/>
+              <a:buChar char="•"/>
+            </a:pPr>
+            <a:r>
+              <a:rPr lang="en-US" sz="2000" dirty="0" smtClean="0"/>
+              <a:t>Finally, I used Puppet to spin up and deploy a </a:t>
+            </a:r>
+            <a:r>
+              <a:rPr lang="en-US" sz="2000" dirty="0" err="1" smtClean="0"/>
+              <a:t>Docker</a:t>
+            </a:r>
+            <a:r>
+              <a:rPr lang="en-US" sz="2000" dirty="0" smtClean="0"/>
+              <a:t> container running </a:t>
+            </a:r>
+            <a:r>
+              <a:rPr lang="en-US" sz="2000" dirty="0" err="1" smtClean="0"/>
+              <a:t>StatsD</a:t>
+            </a:r>
+            <a:r>
+              <a:rPr lang="en-US" sz="2000" dirty="0" smtClean="0"/>
+              <a:t> and Graphite.</a:t>
+            </a:r>
+          </a:p>
+          <a:p>
+            <a:pPr marL="285750" indent="-285750">
+              <a:buFont typeface="Arial"/>
+              <a:buChar char="•"/>
+            </a:pPr>
+            <a:r>
+              <a:rPr lang="en-US" sz="2000" dirty="0" smtClean="0"/>
+              <a:t>At the end of all this I could run my Play applications with SBT and Java and I had running </a:t>
+            </a:r>
+            <a:r>
+              <a:rPr lang="en-US" sz="2000" dirty="0" err="1" smtClean="0"/>
+              <a:t>MongoDB</a:t>
+            </a:r>
+            <a:r>
+              <a:rPr lang="en-US" sz="2000" dirty="0" smtClean="0"/>
+              <a:t>, </a:t>
+            </a:r>
+            <a:r>
+              <a:rPr lang="en-US" sz="2000" dirty="0" err="1" smtClean="0"/>
+              <a:t>StatsD</a:t>
+            </a:r>
+            <a:r>
+              <a:rPr lang="en-US" sz="2000" dirty="0" smtClean="0"/>
+              <a:t>, and Graphite instances ready to use.</a:t>
+            </a:r>
+          </a:p>
+          <a:p>
+            <a:pPr marL="285750" indent="-285750">
+              <a:buFont typeface="Arial"/>
+              <a:buChar char="•"/>
+            </a:pPr>
+            <a:endParaRPr lang="en-US" sz="2000" dirty="0"/>
           </a:p>
         </p:txBody>
       </p:sp>
     </p:spTree>
     <p:extLst>
       <p:ext uri="{BB962C8B-B14F-4D97-AF65-F5344CB8AC3E}">
-        <p14:creationId xmlns:p14="http://schemas.microsoft.com/office/powerpoint/2010/main" val="3691453240"/>
+        <p14:creationId xmlns:p14="http://schemas.microsoft.com/office/powerpoint/2010/main" val="2096971870"/>
       </p:ext>
     </p:extLst>
   </p:cSld>
   <p:clrMapOvr>
     <a:masterClrMapping/>
   </p:clrMapOvr>
+  <p:timing>
+    <p:tnLst>
+      <p:par>
+        <p:cTn xmlns:p14="http://schemas.microsoft.com/office/powerpoint/2010/main" id="1" dur="indefinite" restart="never" nodeType="tmRoot"/>
+      </p:par>
+    </p:tnLst>
+  </p:timing>
 </p:sld>
 </file>
 
@@ -3461,6 +3718,82 @@
           <a:p>
             <a:r>
               <a:rPr lang="en-US" dirty="0" smtClean="0"/>
+              <a:t>Okay enough slides</a:t>
+            </a:r>
+            <a:endParaRPr lang="en-US" dirty="0"/>
+          </a:p>
+        </p:txBody>
+      </p:sp>
+      <p:sp>
+        <p:nvSpPr>
+          <p:cNvPr id="3" name="Content Placeholder 2"/>
+          <p:cNvSpPr>
+            <a:spLocks noGrp="1"/>
+          </p:cNvSpPr>
+          <p:nvPr>
+            <p:ph idx="1"/>
+          </p:nvPr>
+        </p:nvSpPr>
+        <p:spPr/>
+        <p:txBody>
+          <a:bodyPr/>
+          <a:lstStyle/>
+          <a:p>
+            <a:r>
+              <a:rPr lang="en-US" dirty="0" smtClean="0"/>
+              <a:t>Let’s look at and run some code!</a:t>
+            </a:r>
+            <a:endParaRPr lang="en-US" dirty="0"/>
+          </a:p>
+        </p:txBody>
+      </p:sp>
+    </p:spTree>
+    <p:extLst>
+      <p:ext uri="{BB962C8B-B14F-4D97-AF65-F5344CB8AC3E}">
+        <p14:creationId xmlns:p14="http://schemas.microsoft.com/office/powerpoint/2010/main" val="3691453240"/>
+      </p:ext>
+    </p:extLst>
+  </p:cSld>
+  <p:clrMapOvr>
+    <a:masterClrMapping/>
+  </p:clrMapOvr>
+</p:sld>
+</file>
+
+<file path=ppt/slides/slide13.xml><?xml version="1.0" encoding="utf-8"?>
+<p:sld xmlns:a="http://schemas.openxmlformats.org/drawingml/2006/main" xmlns:r="http://schemas.openxmlformats.org/officeDocument/2006/relationships" xmlns:p="http://schemas.openxmlformats.org/presentationml/2006/main">
+  <p:cSld>
+    <p:spTree>
+      <p:nvGrpSpPr>
+        <p:cNvPr id="1" name=""/>
+        <p:cNvGrpSpPr/>
+        <p:nvPr/>
+      </p:nvGrpSpPr>
+      <p:grpSpPr>
+        <a:xfrm>
+          <a:off x="0" y="0"/>
+          <a:ext cx="0" cy="0"/>
+          <a:chOff x="0" y="0"/>
+          <a:chExt cx="0" cy="0"/>
+        </a:xfrm>
+      </p:grpSpPr>
+      <p:sp>
+        <p:nvSpPr>
+          <p:cNvPr id="2" name="Title 1"/>
+          <p:cNvSpPr>
+            <a:spLocks noGrp="1"/>
+          </p:cNvSpPr>
+          <p:nvPr>
+            <p:ph type="title"/>
+          </p:nvPr>
+        </p:nvSpPr>
+        <p:spPr/>
+        <p:txBody>
+          <a:bodyPr/>
+          <a:lstStyle/>
+          <a:p>
+            <a:r>
+              <a:rPr lang="en-US" dirty="0" smtClean="0"/>
               <a:t>Questions</a:t>
             </a:r>
             <a:endParaRPr lang="en-US" dirty="0"/>
@@ -3503,7 +3836,7 @@
 </p:sld>
 </file>
 
-<file path=ppt/slides/slide13.xml><?xml version="1.0" encoding="utf-8"?>
+<file path=ppt/slides/slide14.xml><?xml version="1.0" encoding="utf-8"?>
 <p:sld xmlns:a="http://schemas.openxmlformats.org/drawingml/2006/main" xmlns:r="http://schemas.openxmlformats.org/officeDocument/2006/relationships" xmlns:p="http://schemas.openxmlformats.org/presentationml/2006/main">
   <p:cSld>
     <p:spTree>

--- a/React Vs Shared State Deck.pptx
+++ b/React Vs Shared State Deck.pptx
@@ -15,10 +15,11 @@
     <p:sldId id="263" r:id="rId9"/>
     <p:sldId id="264" r:id="rId10"/>
     <p:sldId id="265" r:id="rId11"/>
-    <p:sldId id="269" r:id="rId12"/>
-    <p:sldId id="266" r:id="rId13"/>
-    <p:sldId id="268" r:id="rId14"/>
-    <p:sldId id="267" r:id="rId15"/>
+    <p:sldId id="270" r:id="rId12"/>
+    <p:sldId id="269" r:id="rId13"/>
+    <p:sldId id="266" r:id="rId14"/>
+    <p:sldId id="268" r:id="rId15"/>
+    <p:sldId id="267" r:id="rId16"/>
   </p:sldIdLst>
   <p:sldSz cx="9144000" cy="6858000" type="screen4x3"/>
   <p:notesSz cx="6858000" cy="9144000"/>
@@ -132,10 +133,7 @@
             <p14:sldId id="263"/>
             <p14:sldId id="264"/>
             <p14:sldId id="265"/>
-          </p14:sldIdLst>
-        </p14:section>
-        <p14:section name="Untitled Section" id="{CC53A510-CAFF-7348-A3D5-B3357FAEC6BD}">
-          <p14:sldIdLst>
+            <p14:sldId id="270"/>
             <p14:sldId id="269"/>
             <p14:sldId id="266"/>
             <p14:sldId id="268"/>
@@ -329,7 +327,7 @@
           <a:p>
             <a:fld id="{E17F266A-11E8-D443-84E0-C53593F8DADD}" type="datetimeFigureOut">
               <a:rPr lang="en-US" smtClean="0"/>
-              <a:t>6/4/15</a:t>
+              <a:t>6/11/15</a:t>
             </a:fld>
             <a:endParaRPr lang="en-US"/>
           </a:p>
@@ -499,7 +497,7 @@
           <a:p>
             <a:fld id="{E17F266A-11E8-D443-84E0-C53593F8DADD}" type="datetimeFigureOut">
               <a:rPr lang="en-US" smtClean="0"/>
-              <a:t>6/4/15</a:t>
+              <a:t>6/11/15</a:t>
             </a:fld>
             <a:endParaRPr lang="en-US"/>
           </a:p>
@@ -679,7 +677,7 @@
           <a:p>
             <a:fld id="{E17F266A-11E8-D443-84E0-C53593F8DADD}" type="datetimeFigureOut">
               <a:rPr lang="en-US" smtClean="0"/>
-              <a:t>6/4/15</a:t>
+              <a:t>6/11/15</a:t>
             </a:fld>
             <a:endParaRPr lang="en-US"/>
           </a:p>
@@ -849,7 +847,7 @@
           <a:p>
             <a:fld id="{E17F266A-11E8-D443-84E0-C53593F8DADD}" type="datetimeFigureOut">
               <a:rPr lang="en-US" smtClean="0"/>
-              <a:t>6/4/15</a:t>
+              <a:t>6/11/15</a:t>
             </a:fld>
             <a:endParaRPr lang="en-US"/>
           </a:p>
@@ -1095,7 +1093,7 @@
           <a:p>
             <a:fld id="{E17F266A-11E8-D443-84E0-C53593F8DADD}" type="datetimeFigureOut">
               <a:rPr lang="en-US" smtClean="0"/>
-              <a:t>6/4/15</a:t>
+              <a:t>6/11/15</a:t>
             </a:fld>
             <a:endParaRPr lang="en-US"/>
           </a:p>
@@ -1383,7 +1381,7 @@
           <a:p>
             <a:fld id="{E17F266A-11E8-D443-84E0-C53593F8DADD}" type="datetimeFigureOut">
               <a:rPr lang="en-US" smtClean="0"/>
-              <a:t>6/4/15</a:t>
+              <a:t>6/11/15</a:t>
             </a:fld>
             <a:endParaRPr lang="en-US"/>
           </a:p>
@@ -1805,7 +1803,7 @@
           <a:p>
             <a:fld id="{E17F266A-11E8-D443-84E0-C53593F8DADD}" type="datetimeFigureOut">
               <a:rPr lang="en-US" smtClean="0"/>
-              <a:t>6/4/15</a:t>
+              <a:t>6/11/15</a:t>
             </a:fld>
             <a:endParaRPr lang="en-US"/>
           </a:p>
@@ -1923,7 +1921,7 @@
           <a:p>
             <a:fld id="{E17F266A-11E8-D443-84E0-C53593F8DADD}" type="datetimeFigureOut">
               <a:rPr lang="en-US" smtClean="0"/>
-              <a:t>6/4/15</a:t>
+              <a:t>6/11/15</a:t>
             </a:fld>
             <a:endParaRPr lang="en-US"/>
           </a:p>
@@ -2018,7 +2016,7 @@
           <a:p>
             <a:fld id="{E17F266A-11E8-D443-84E0-C53593F8DADD}" type="datetimeFigureOut">
               <a:rPr lang="en-US" smtClean="0"/>
-              <a:t>6/4/15</a:t>
+              <a:t>6/11/15</a:t>
             </a:fld>
             <a:endParaRPr lang="en-US"/>
           </a:p>
@@ -2295,7 +2293,7 @@
           <a:p>
             <a:fld id="{E17F266A-11E8-D443-84E0-C53593F8DADD}" type="datetimeFigureOut">
               <a:rPr lang="en-US" smtClean="0"/>
-              <a:t>6/4/15</a:t>
+              <a:t>6/11/15</a:t>
             </a:fld>
             <a:endParaRPr lang="en-US"/>
           </a:p>
@@ -2548,7 +2546,7 @@
           <a:p>
             <a:fld id="{E17F266A-11E8-D443-84E0-C53593F8DADD}" type="datetimeFigureOut">
               <a:rPr lang="en-US" smtClean="0"/>
-              <a:t>6/4/15</a:t>
+              <a:t>6/11/15</a:t>
             </a:fld>
             <a:endParaRPr lang="en-US"/>
           </a:p>
@@ -2761,7 +2759,7 @@
           <a:p>
             <a:fld id="{E17F266A-11E8-D443-84E0-C53593F8DADD}" type="datetimeFigureOut">
               <a:rPr lang="en-US" smtClean="0"/>
-              <a:t>6/4/15</a:t>
+              <a:t>6/11/15</a:t>
             </a:fld>
             <a:endParaRPr lang="en-US"/>
           </a:p>
@@ -3414,6 +3412,138 @@
           <a:p>
             <a:r>
               <a:rPr lang="en-US" dirty="0" smtClean="0"/>
+              <a:t>More </a:t>
+            </a:r>
+            <a:r>
+              <a:rPr lang="en-US" dirty="0" err="1" smtClean="0"/>
+              <a:t>Akka</a:t>
+            </a:r>
+            <a:r>
+              <a:rPr lang="en-US" dirty="0" smtClean="0"/>
+              <a:t> Information(!!!)	</a:t>
+            </a:r>
+            <a:endParaRPr lang="en-US" dirty="0"/>
+          </a:p>
+        </p:txBody>
+      </p:sp>
+      <p:sp>
+        <p:nvSpPr>
+          <p:cNvPr id="3" name="Content Placeholder 2"/>
+          <p:cNvSpPr>
+            <a:spLocks noGrp="1"/>
+          </p:cNvSpPr>
+          <p:nvPr>
+            <p:ph idx="1"/>
+          </p:nvPr>
+        </p:nvSpPr>
+        <p:spPr/>
+        <p:txBody>
+          <a:bodyPr/>
+          <a:lstStyle/>
+          <a:p>
+            <a:r>
+              <a:rPr lang="en-US" dirty="0" smtClean="0"/>
+              <a:t>Extremely High Performance:</a:t>
+            </a:r>
+          </a:p>
+          <a:p>
+            <a:pPr lvl="1"/>
+            <a:r>
+              <a:rPr lang="en-US" dirty="0" smtClean="0"/>
+              <a:t>50 million messages/second on a single machine</a:t>
+            </a:r>
+          </a:p>
+          <a:p>
+            <a:r>
+              <a:rPr lang="en-US" dirty="0" smtClean="0"/>
+              <a:t>Small Memory Footprint:</a:t>
+            </a:r>
+          </a:p>
+          <a:p>
+            <a:pPr lvl="1"/>
+            <a:r>
+              <a:rPr lang="en-US" dirty="0" smtClean="0"/>
+              <a:t>2.5 million actors per GB of heap</a:t>
+            </a:r>
+          </a:p>
+          <a:p>
+            <a:r>
+              <a:rPr lang="en-US" dirty="0" smtClean="0"/>
+              <a:t>Hierarchical:</a:t>
+            </a:r>
+          </a:p>
+          <a:p>
+            <a:pPr lvl="1"/>
+            <a:r>
+              <a:rPr lang="en-US" dirty="0" smtClean="0"/>
+              <a:t>All actors have parents and 0-n children</a:t>
+            </a:r>
+          </a:p>
+          <a:p>
+            <a:r>
+              <a:rPr lang="en-US" dirty="0" smtClean="0"/>
+              <a:t>Extended by powerful frameworks</a:t>
+            </a:r>
+          </a:p>
+          <a:p>
+            <a:pPr lvl="1"/>
+            <a:r>
+              <a:rPr lang="en-US" dirty="0" smtClean="0"/>
+              <a:t>Spray (Rest), Play (Web apps), Slick (DB), Streams</a:t>
+            </a:r>
+          </a:p>
+          <a:p>
+            <a:endParaRPr lang="en-US" dirty="0"/>
+          </a:p>
+        </p:txBody>
+      </p:sp>
+    </p:spTree>
+    <p:extLst>
+      <p:ext uri="{BB962C8B-B14F-4D97-AF65-F5344CB8AC3E}">
+        <p14:creationId xmlns:p14="http://schemas.microsoft.com/office/powerpoint/2010/main" val="1970750423"/>
+      </p:ext>
+    </p:extLst>
+  </p:cSld>
+  <p:clrMapOvr>
+    <a:masterClrMapping/>
+  </p:clrMapOvr>
+</p:sld>
+</file>
+
+<file path=ppt/slides/slide12.xml><?xml version="1.0" encoding="utf-8"?>
+<p:sld xmlns:a="http://schemas.openxmlformats.org/drawingml/2006/main" xmlns:r="http://schemas.openxmlformats.org/officeDocument/2006/relationships" xmlns:p="http://schemas.openxmlformats.org/presentationml/2006/main">
+  <p:cSld>
+    <p:spTree>
+      <p:nvGrpSpPr>
+        <p:cNvPr id="1" name=""/>
+        <p:cNvGrpSpPr/>
+        <p:nvPr/>
+      </p:nvGrpSpPr>
+      <p:grpSpPr>
+        <a:xfrm>
+          <a:off x="0" y="0"/>
+          <a:ext cx="0" cy="0"/>
+          <a:chOff x="0" y="0"/>
+          <a:chExt cx="0" cy="0"/>
+        </a:xfrm>
+      </p:grpSpPr>
+      <p:sp>
+        <p:nvSpPr>
+          <p:cNvPr id="2" name="Title 1"/>
+          <p:cNvSpPr>
+            <a:spLocks noGrp="1"/>
+          </p:cNvSpPr>
+          <p:nvPr>
+            <p:ph type="title"/>
+          </p:nvPr>
+        </p:nvSpPr>
+        <p:spPr/>
+        <p:txBody>
+          <a:bodyPr/>
+          <a:lstStyle/>
+          <a:p>
+            <a:r>
+              <a:rPr lang="en-US" dirty="0" smtClean="0"/>
               <a:t>A Quick </a:t>
             </a:r>
             <a:r>
@@ -3684,82 +3814,6 @@
 </p:sld>
 </file>
 
-<file path=ppt/slides/slide12.xml><?xml version="1.0" encoding="utf-8"?>
-<p:sld xmlns:a="http://schemas.openxmlformats.org/drawingml/2006/main" xmlns:r="http://schemas.openxmlformats.org/officeDocument/2006/relationships" xmlns:p="http://schemas.openxmlformats.org/presentationml/2006/main">
-  <p:cSld>
-    <p:spTree>
-      <p:nvGrpSpPr>
-        <p:cNvPr id="1" name=""/>
-        <p:cNvGrpSpPr/>
-        <p:nvPr/>
-      </p:nvGrpSpPr>
-      <p:grpSpPr>
-        <a:xfrm>
-          <a:off x="0" y="0"/>
-          <a:ext cx="0" cy="0"/>
-          <a:chOff x="0" y="0"/>
-          <a:chExt cx="0" cy="0"/>
-        </a:xfrm>
-      </p:grpSpPr>
-      <p:sp>
-        <p:nvSpPr>
-          <p:cNvPr id="2" name="Title 1"/>
-          <p:cNvSpPr>
-            <a:spLocks noGrp="1"/>
-          </p:cNvSpPr>
-          <p:nvPr>
-            <p:ph type="title"/>
-          </p:nvPr>
-        </p:nvSpPr>
-        <p:spPr/>
-        <p:txBody>
-          <a:bodyPr/>
-          <a:lstStyle/>
-          <a:p>
-            <a:r>
-              <a:rPr lang="en-US" dirty="0" smtClean="0"/>
-              <a:t>Okay enough slides</a:t>
-            </a:r>
-            <a:endParaRPr lang="en-US" dirty="0"/>
-          </a:p>
-        </p:txBody>
-      </p:sp>
-      <p:sp>
-        <p:nvSpPr>
-          <p:cNvPr id="3" name="Content Placeholder 2"/>
-          <p:cNvSpPr>
-            <a:spLocks noGrp="1"/>
-          </p:cNvSpPr>
-          <p:nvPr>
-            <p:ph idx="1"/>
-          </p:nvPr>
-        </p:nvSpPr>
-        <p:spPr/>
-        <p:txBody>
-          <a:bodyPr/>
-          <a:lstStyle/>
-          <a:p>
-            <a:r>
-              <a:rPr lang="en-US" dirty="0" smtClean="0"/>
-              <a:t>Let’s look at and run some code!</a:t>
-            </a:r>
-            <a:endParaRPr lang="en-US" dirty="0"/>
-          </a:p>
-        </p:txBody>
-      </p:sp>
-    </p:spTree>
-    <p:extLst>
-      <p:ext uri="{BB962C8B-B14F-4D97-AF65-F5344CB8AC3E}">
-        <p14:creationId xmlns:p14="http://schemas.microsoft.com/office/powerpoint/2010/main" val="3691453240"/>
-      </p:ext>
-    </p:extLst>
-  </p:cSld>
-  <p:clrMapOvr>
-    <a:masterClrMapping/>
-  </p:clrMapOvr>
-</p:sld>
-</file>
-
 <file path=ppt/slides/slide13.xml><?xml version="1.0" encoding="utf-8"?>
 <p:sld xmlns:a="http://schemas.openxmlformats.org/drawingml/2006/main" xmlns:r="http://schemas.openxmlformats.org/officeDocument/2006/relationships" xmlns:p="http://schemas.openxmlformats.org/presentationml/2006/main">
   <p:cSld>
@@ -3794,6 +3848,82 @@
           <a:p>
             <a:r>
               <a:rPr lang="en-US" dirty="0" smtClean="0"/>
+              <a:t>Okay enough slides</a:t>
+            </a:r>
+            <a:endParaRPr lang="en-US" dirty="0"/>
+          </a:p>
+        </p:txBody>
+      </p:sp>
+      <p:sp>
+        <p:nvSpPr>
+          <p:cNvPr id="3" name="Content Placeholder 2"/>
+          <p:cNvSpPr>
+            <a:spLocks noGrp="1"/>
+          </p:cNvSpPr>
+          <p:nvPr>
+            <p:ph idx="1"/>
+          </p:nvPr>
+        </p:nvSpPr>
+        <p:spPr/>
+        <p:txBody>
+          <a:bodyPr/>
+          <a:lstStyle/>
+          <a:p>
+            <a:r>
+              <a:rPr lang="en-US" dirty="0" smtClean="0"/>
+              <a:t>Let’s look at and run some code!</a:t>
+            </a:r>
+            <a:endParaRPr lang="en-US" dirty="0"/>
+          </a:p>
+        </p:txBody>
+      </p:sp>
+    </p:spTree>
+    <p:extLst>
+      <p:ext uri="{BB962C8B-B14F-4D97-AF65-F5344CB8AC3E}">
+        <p14:creationId xmlns:p14="http://schemas.microsoft.com/office/powerpoint/2010/main" val="3691453240"/>
+      </p:ext>
+    </p:extLst>
+  </p:cSld>
+  <p:clrMapOvr>
+    <a:masterClrMapping/>
+  </p:clrMapOvr>
+</p:sld>
+</file>
+
+<file path=ppt/slides/slide14.xml><?xml version="1.0" encoding="utf-8"?>
+<p:sld xmlns:a="http://schemas.openxmlformats.org/drawingml/2006/main" xmlns:r="http://schemas.openxmlformats.org/officeDocument/2006/relationships" xmlns:p="http://schemas.openxmlformats.org/presentationml/2006/main">
+  <p:cSld>
+    <p:spTree>
+      <p:nvGrpSpPr>
+        <p:cNvPr id="1" name=""/>
+        <p:cNvGrpSpPr/>
+        <p:nvPr/>
+      </p:nvGrpSpPr>
+      <p:grpSpPr>
+        <a:xfrm>
+          <a:off x="0" y="0"/>
+          <a:ext cx="0" cy="0"/>
+          <a:chOff x="0" y="0"/>
+          <a:chExt cx="0" cy="0"/>
+        </a:xfrm>
+      </p:grpSpPr>
+      <p:sp>
+        <p:nvSpPr>
+          <p:cNvPr id="2" name="Title 1"/>
+          <p:cNvSpPr>
+            <a:spLocks noGrp="1"/>
+          </p:cNvSpPr>
+          <p:nvPr>
+            <p:ph type="title"/>
+          </p:nvPr>
+        </p:nvSpPr>
+        <p:spPr/>
+        <p:txBody>
+          <a:bodyPr/>
+          <a:lstStyle/>
+          <a:p>
+            <a:r>
+              <a:rPr lang="en-US" dirty="0" smtClean="0"/>
               <a:t>Questions</a:t>
             </a:r>
             <a:endParaRPr lang="en-US" dirty="0"/>
@@ -3836,7 +3966,7 @@
 </p:sld>
 </file>
 
-<file path=ppt/slides/slide14.xml><?xml version="1.0" encoding="utf-8"?>
+<file path=ppt/slides/slide15.xml><?xml version="1.0" encoding="utf-8"?>
 <p:sld xmlns:a="http://schemas.openxmlformats.org/drawingml/2006/main" xmlns:r="http://schemas.openxmlformats.org/officeDocument/2006/relationships" xmlns:p="http://schemas.openxmlformats.org/presentationml/2006/main">
   <p:cSld>
     <p:spTree>

--- a/React Vs Shared State Deck.pptx
+++ b/React Vs Shared State Deck.pptx
@@ -1,33 +1,35 @@
 
 <file path=ppt/presentation.xml><?xml version="1.0" encoding="utf-8"?>
-<p:presentation xmlns:a="http://schemas.openxmlformats.org/drawingml/2006/main" xmlns:r="http://schemas.openxmlformats.org/officeDocument/2006/relationships" xmlns:p="http://schemas.openxmlformats.org/presentationml/2006/main" saveSubsetFonts="1" autoCompressPictures="0">
+<p:presentation xmlns:a="http://schemas.openxmlformats.org/drawingml/2006/main" xmlns:r="http://schemas.openxmlformats.org/officeDocument/2006/relationships" xmlns:p="http://schemas.openxmlformats.org/presentationml/2006/main" saveSubsetFonts="1">
   <p:sldMasterIdLst>
-    <p:sldMasterId id="2147483648" r:id="rId1"/>
+    <p:sldMasterId id="2147483962" r:id="rId1"/>
   </p:sldMasterIdLst>
+  <p:notesMasterIdLst>
+    <p:notesMasterId r:id="rId16"/>
+  </p:notesMasterIdLst>
   <p:sldIdLst>
     <p:sldId id="256" r:id="rId2"/>
-    <p:sldId id="257" r:id="rId3"/>
-    <p:sldId id="258" r:id="rId4"/>
-    <p:sldId id="259" r:id="rId5"/>
-    <p:sldId id="260" r:id="rId6"/>
-    <p:sldId id="261" r:id="rId7"/>
-    <p:sldId id="262" r:id="rId8"/>
-    <p:sldId id="263" r:id="rId9"/>
-    <p:sldId id="264" r:id="rId10"/>
-    <p:sldId id="265" r:id="rId11"/>
-    <p:sldId id="270" r:id="rId12"/>
-    <p:sldId id="269" r:id="rId13"/>
-    <p:sldId id="266" r:id="rId14"/>
-    <p:sldId id="268" r:id="rId15"/>
-    <p:sldId id="267" r:id="rId16"/>
+    <p:sldId id="273" r:id="rId3"/>
+    <p:sldId id="263" r:id="rId4"/>
+    <p:sldId id="271" r:id="rId5"/>
+    <p:sldId id="274" r:id="rId6"/>
+    <p:sldId id="275" r:id="rId7"/>
+    <p:sldId id="276" r:id="rId8"/>
+    <p:sldId id="277" r:id="rId9"/>
+    <p:sldId id="280" r:id="rId10"/>
+    <p:sldId id="281" r:id="rId11"/>
+    <p:sldId id="284" r:id="rId12"/>
+    <p:sldId id="279" r:id="rId13"/>
+    <p:sldId id="278" r:id="rId14"/>
+    <p:sldId id="282" r:id="rId15"/>
   </p:sldIdLst>
   <p:sldSz cx="9144000" cy="6858000" type="screen4x3"/>
-  <p:notesSz cx="6858000" cy="9144000"/>
+  <p:notesSz cx="7010400" cy="9296400"/>
   <p:defaultTextStyle>
     <a:defPPr>
       <a:defRPr lang="en-US"/>
     </a:defPPr>
-    <a:lvl1pPr marL="0" algn="l" defTabSz="457200" rtl="0" eaLnBrk="1" latinLnBrk="0" hangingPunct="1">
+    <a:lvl1pPr marL="0" algn="l" defTabSz="914400" rtl="0" eaLnBrk="1" latinLnBrk="0" hangingPunct="1">
       <a:defRPr sz="1800" kern="1200">
         <a:solidFill>
           <a:schemeClr val="tx1"/>
@@ -37,7 +39,7 @@
         <a:cs typeface="+mn-cs"/>
       </a:defRPr>
     </a:lvl1pPr>
-    <a:lvl2pPr marL="457200" algn="l" defTabSz="457200" rtl="0" eaLnBrk="1" latinLnBrk="0" hangingPunct="1">
+    <a:lvl2pPr marL="457200" algn="l" defTabSz="914400" rtl="0" eaLnBrk="1" latinLnBrk="0" hangingPunct="1">
       <a:defRPr sz="1800" kern="1200">
         <a:solidFill>
           <a:schemeClr val="tx1"/>
@@ -47,7 +49,7 @@
         <a:cs typeface="+mn-cs"/>
       </a:defRPr>
     </a:lvl2pPr>
-    <a:lvl3pPr marL="914400" algn="l" defTabSz="457200" rtl="0" eaLnBrk="1" latinLnBrk="0" hangingPunct="1">
+    <a:lvl3pPr marL="914400" algn="l" defTabSz="914400" rtl="0" eaLnBrk="1" latinLnBrk="0" hangingPunct="1">
       <a:defRPr sz="1800" kern="1200">
         <a:solidFill>
           <a:schemeClr val="tx1"/>
@@ -57,7 +59,7 @@
         <a:cs typeface="+mn-cs"/>
       </a:defRPr>
     </a:lvl3pPr>
-    <a:lvl4pPr marL="1371600" algn="l" defTabSz="457200" rtl="0" eaLnBrk="1" latinLnBrk="0" hangingPunct="1">
+    <a:lvl4pPr marL="1371600" algn="l" defTabSz="914400" rtl="0" eaLnBrk="1" latinLnBrk="0" hangingPunct="1">
       <a:defRPr sz="1800" kern="1200">
         <a:solidFill>
           <a:schemeClr val="tx1"/>
@@ -67,7 +69,7 @@
         <a:cs typeface="+mn-cs"/>
       </a:defRPr>
     </a:lvl4pPr>
-    <a:lvl5pPr marL="1828800" algn="l" defTabSz="457200" rtl="0" eaLnBrk="1" latinLnBrk="0" hangingPunct="1">
+    <a:lvl5pPr marL="1828800" algn="l" defTabSz="914400" rtl="0" eaLnBrk="1" latinLnBrk="0" hangingPunct="1">
       <a:defRPr sz="1800" kern="1200">
         <a:solidFill>
           <a:schemeClr val="tx1"/>
@@ -77,7 +79,7 @@
         <a:cs typeface="+mn-cs"/>
       </a:defRPr>
     </a:lvl5pPr>
-    <a:lvl6pPr marL="2286000" algn="l" defTabSz="457200" rtl="0" eaLnBrk="1" latinLnBrk="0" hangingPunct="1">
+    <a:lvl6pPr marL="2286000" algn="l" defTabSz="914400" rtl="0" eaLnBrk="1" latinLnBrk="0" hangingPunct="1">
       <a:defRPr sz="1800" kern="1200">
         <a:solidFill>
           <a:schemeClr val="tx1"/>
@@ -87,7 +89,7 @@
         <a:cs typeface="+mn-cs"/>
       </a:defRPr>
     </a:lvl6pPr>
-    <a:lvl7pPr marL="2743200" algn="l" defTabSz="457200" rtl="0" eaLnBrk="1" latinLnBrk="0" hangingPunct="1">
+    <a:lvl7pPr marL="2743200" algn="l" defTabSz="914400" rtl="0" eaLnBrk="1" latinLnBrk="0" hangingPunct="1">
       <a:defRPr sz="1800" kern="1200">
         <a:solidFill>
           <a:schemeClr val="tx1"/>
@@ -97,7 +99,7 @@
         <a:cs typeface="+mn-cs"/>
       </a:defRPr>
     </a:lvl7pPr>
-    <a:lvl8pPr marL="3200400" algn="l" defTabSz="457200" rtl="0" eaLnBrk="1" latinLnBrk="0" hangingPunct="1">
+    <a:lvl8pPr marL="3200400" algn="l" defTabSz="914400" rtl="0" eaLnBrk="1" latinLnBrk="0" hangingPunct="1">
       <a:defRPr sz="1800" kern="1200">
         <a:solidFill>
           <a:schemeClr val="tx1"/>
@@ -107,7 +109,7 @@
         <a:cs typeface="+mn-cs"/>
       </a:defRPr>
     </a:lvl8pPr>
-    <a:lvl9pPr marL="3657600" algn="l" defTabSz="457200" rtl="0" eaLnBrk="1" latinLnBrk="0" hangingPunct="1">
+    <a:lvl9pPr marL="3657600" algn="l" defTabSz="914400" rtl="0" eaLnBrk="1" latinLnBrk="0" hangingPunct="1">
       <a:defRPr sz="1800" kern="1200">
         <a:solidFill>
           <a:schemeClr val="tx1"/>
@@ -118,32 +120,741 @@
       </a:defRPr>
     </a:lvl9pPr>
   </p:defaultTextStyle>
-  <p:extLst>
-    <p:ext uri="{521415D9-36F7-43E2-AB2F-B90AF26B5E84}">
-      <p14:sectionLst xmlns:p14="http://schemas.microsoft.com/office/powerpoint/2010/main">
-        <p14:section name="Default Section" id="{E59A0559-7AE1-AA46-9D61-7CDE4117ED85}">
-          <p14:sldIdLst>
-            <p14:sldId id="256"/>
-            <p14:sldId id="257"/>
-            <p14:sldId id="258"/>
-            <p14:sldId id="259"/>
-            <p14:sldId id="260"/>
-            <p14:sldId id="261"/>
-            <p14:sldId id="262"/>
-            <p14:sldId id="263"/>
-            <p14:sldId id="264"/>
-            <p14:sldId id="265"/>
-            <p14:sldId id="270"/>
-            <p14:sldId id="269"/>
-            <p14:sldId id="266"/>
-            <p14:sldId id="268"/>
-            <p14:sldId id="267"/>
-          </p14:sldIdLst>
-        </p14:section>
-      </p14:sectionLst>
-    </p:ext>
-  </p:extLst>
 </p:presentation>
+</file>
+
+<file path=ppt/notesMasters/notesMaster1.xml><?xml version="1.0" encoding="utf-8"?>
+<p:notesMaster xmlns:a="http://schemas.openxmlformats.org/drawingml/2006/main" xmlns:r="http://schemas.openxmlformats.org/officeDocument/2006/relationships" xmlns:p="http://schemas.openxmlformats.org/presentationml/2006/main">
+  <p:cSld>
+    <p:bg>
+      <p:bgRef idx="1001">
+        <a:schemeClr val="bg1"/>
+      </p:bgRef>
+    </p:bg>
+    <p:spTree>
+      <p:nvGrpSpPr>
+        <p:cNvPr id="1" name=""/>
+        <p:cNvGrpSpPr/>
+        <p:nvPr/>
+      </p:nvGrpSpPr>
+      <p:grpSpPr>
+        <a:xfrm>
+          <a:off x="0" y="0"/>
+          <a:ext cx="0" cy="0"/>
+          <a:chOff x="0" y="0"/>
+          <a:chExt cx="0" cy="0"/>
+        </a:xfrm>
+      </p:grpSpPr>
+      <p:sp>
+        <p:nvSpPr>
+          <p:cNvPr id="2" name="Header Placeholder 1"/>
+          <p:cNvSpPr>
+            <a:spLocks noGrp="1"/>
+          </p:cNvSpPr>
+          <p:nvPr>
+            <p:ph type="hdr" sz="quarter"/>
+          </p:nvPr>
+        </p:nvSpPr>
+        <p:spPr>
+          <a:xfrm>
+            <a:off x="0" y="0"/>
+            <a:ext cx="3038475" cy="465138"/>
+          </a:xfrm>
+          <a:prstGeom prst="rect">
+            <a:avLst/>
+          </a:prstGeom>
+        </p:spPr>
+        <p:txBody>
+          <a:bodyPr vert="horz" lIns="91440" tIns="45720" rIns="91440" bIns="45720" rtlCol="0"/>
+          <a:lstStyle>
+            <a:lvl1pPr algn="l">
+              <a:defRPr sz="1200"/>
+            </a:lvl1pPr>
+          </a:lstStyle>
+          <a:p>
+            <a:endParaRPr lang="en-US"/>
+          </a:p>
+        </p:txBody>
+      </p:sp>
+      <p:sp>
+        <p:nvSpPr>
+          <p:cNvPr id="3" name="Date Placeholder 2"/>
+          <p:cNvSpPr>
+            <a:spLocks noGrp="1"/>
+          </p:cNvSpPr>
+          <p:nvPr>
+            <p:ph type="dt" idx="1"/>
+          </p:nvPr>
+        </p:nvSpPr>
+        <p:spPr>
+          <a:xfrm>
+            <a:off x="3970338" y="0"/>
+            <a:ext cx="3038475" cy="465138"/>
+          </a:xfrm>
+          <a:prstGeom prst="rect">
+            <a:avLst/>
+          </a:prstGeom>
+        </p:spPr>
+        <p:txBody>
+          <a:bodyPr vert="horz" lIns="91440" tIns="45720" rIns="91440" bIns="45720" rtlCol="0"/>
+          <a:lstStyle>
+            <a:lvl1pPr algn="r">
+              <a:defRPr sz="1200"/>
+            </a:lvl1pPr>
+          </a:lstStyle>
+          <a:p>
+            <a:fld id="{AA264099-19E7-294B-9293-3A85FEE5B6C7}" type="datetimeFigureOut">
+              <a:rPr lang="en-US" smtClean="0"/>
+              <a:t>6/12/15</a:t>
+            </a:fld>
+            <a:endParaRPr lang="en-US"/>
+          </a:p>
+        </p:txBody>
+      </p:sp>
+      <p:sp>
+        <p:nvSpPr>
+          <p:cNvPr id="4" name="Slide Image Placeholder 3"/>
+          <p:cNvSpPr>
+            <a:spLocks noGrp="1" noRot="1" noChangeAspect="1"/>
+          </p:cNvSpPr>
+          <p:nvPr>
+            <p:ph type="sldImg" idx="2"/>
+          </p:nvPr>
+        </p:nvSpPr>
+        <p:spPr>
+          <a:xfrm>
+            <a:off x="1181100" y="696913"/>
+            <a:ext cx="4648200" cy="3486150"/>
+          </a:xfrm>
+          <a:prstGeom prst="rect">
+            <a:avLst/>
+          </a:prstGeom>
+          <a:noFill/>
+          <a:ln w="12700">
+            <a:solidFill>
+              <a:prstClr val="black"/>
+            </a:solidFill>
+          </a:ln>
+        </p:spPr>
+        <p:txBody>
+          <a:bodyPr vert="horz" lIns="91440" tIns="45720" rIns="91440" bIns="45720" rtlCol="0" anchor="ctr"/>
+          <a:lstStyle/>
+          <a:p>
+            <a:endParaRPr lang="en-US"/>
+          </a:p>
+        </p:txBody>
+      </p:sp>
+      <p:sp>
+        <p:nvSpPr>
+          <p:cNvPr id="5" name="Notes Placeholder 4"/>
+          <p:cNvSpPr>
+            <a:spLocks noGrp="1"/>
+          </p:cNvSpPr>
+          <p:nvPr>
+            <p:ph type="body" sz="quarter" idx="3"/>
+          </p:nvPr>
+        </p:nvSpPr>
+        <p:spPr>
+          <a:xfrm>
+            <a:off x="701675" y="4416425"/>
+            <a:ext cx="5607050" cy="4183063"/>
+          </a:xfrm>
+          <a:prstGeom prst="rect">
+            <a:avLst/>
+          </a:prstGeom>
+        </p:spPr>
+        <p:txBody>
+          <a:bodyPr vert="horz" lIns="91440" tIns="45720" rIns="91440" bIns="45720" rtlCol="0"/>
+          <a:lstStyle/>
+          <a:p>
+            <a:pPr lvl="0"/>
+            <a:r>
+              <a:rPr lang="en-US" smtClean="0"/>
+              <a:t>Click to edit Master text styles</a:t>
+            </a:r>
+          </a:p>
+          <a:p>
+            <a:pPr lvl="1"/>
+            <a:r>
+              <a:rPr lang="en-US" smtClean="0"/>
+              <a:t>Second level</a:t>
+            </a:r>
+          </a:p>
+          <a:p>
+            <a:pPr lvl="2"/>
+            <a:r>
+              <a:rPr lang="en-US" smtClean="0"/>
+              <a:t>Third level</a:t>
+            </a:r>
+          </a:p>
+          <a:p>
+            <a:pPr lvl="3"/>
+            <a:r>
+              <a:rPr lang="en-US" smtClean="0"/>
+              <a:t>Fourth level</a:t>
+            </a:r>
+          </a:p>
+          <a:p>
+            <a:pPr lvl="4"/>
+            <a:r>
+              <a:rPr lang="en-US" smtClean="0"/>
+              <a:t>Fifth level</a:t>
+            </a:r>
+            <a:endParaRPr lang="en-US"/>
+          </a:p>
+        </p:txBody>
+      </p:sp>
+      <p:sp>
+        <p:nvSpPr>
+          <p:cNvPr id="6" name="Footer Placeholder 5"/>
+          <p:cNvSpPr>
+            <a:spLocks noGrp="1"/>
+          </p:cNvSpPr>
+          <p:nvPr>
+            <p:ph type="ftr" sz="quarter" idx="4"/>
+          </p:nvPr>
+        </p:nvSpPr>
+        <p:spPr>
+          <a:xfrm>
+            <a:off x="0" y="8829675"/>
+            <a:ext cx="3038475" cy="465138"/>
+          </a:xfrm>
+          <a:prstGeom prst="rect">
+            <a:avLst/>
+          </a:prstGeom>
+        </p:spPr>
+        <p:txBody>
+          <a:bodyPr vert="horz" lIns="91440" tIns="45720" rIns="91440" bIns="45720" rtlCol="0" anchor="b"/>
+          <a:lstStyle>
+            <a:lvl1pPr algn="l">
+              <a:defRPr sz="1200"/>
+            </a:lvl1pPr>
+          </a:lstStyle>
+          <a:p>
+            <a:endParaRPr lang="en-US"/>
+          </a:p>
+        </p:txBody>
+      </p:sp>
+      <p:sp>
+        <p:nvSpPr>
+          <p:cNvPr id="7" name="Slide Number Placeholder 6"/>
+          <p:cNvSpPr>
+            <a:spLocks noGrp="1"/>
+          </p:cNvSpPr>
+          <p:nvPr>
+            <p:ph type="sldNum" sz="quarter" idx="5"/>
+          </p:nvPr>
+        </p:nvSpPr>
+        <p:spPr>
+          <a:xfrm>
+            <a:off x="3970338" y="8829675"/>
+            <a:ext cx="3038475" cy="465138"/>
+          </a:xfrm>
+          <a:prstGeom prst="rect">
+            <a:avLst/>
+          </a:prstGeom>
+        </p:spPr>
+        <p:txBody>
+          <a:bodyPr vert="horz" lIns="91440" tIns="45720" rIns="91440" bIns="45720" rtlCol="0" anchor="b"/>
+          <a:lstStyle>
+            <a:lvl1pPr algn="r">
+              <a:defRPr sz="1200"/>
+            </a:lvl1pPr>
+          </a:lstStyle>
+          <a:p>
+            <a:fld id="{1073248B-147C-BA4E-8DD8-0D2978845817}" type="slidenum">
+              <a:rPr lang="en-US" smtClean="0"/>
+              <a:t>‹#›</a:t>
+            </a:fld>
+            <a:endParaRPr lang="en-US"/>
+          </a:p>
+        </p:txBody>
+      </p:sp>
+    </p:spTree>
+    <p:extLst>
+      <p:ext uri="{BB962C8B-B14F-4D97-AF65-F5344CB8AC3E}">
+        <p14:creationId xmlns:p14="http://schemas.microsoft.com/office/powerpoint/2010/main" val="2067850675"/>
+      </p:ext>
+    </p:extLst>
+  </p:cSld>
+  <p:clrMap bg1="lt1" tx1="dk1" bg2="lt2" tx2="dk2" accent1="accent1" accent2="accent2" accent3="accent3" accent4="accent4" accent5="accent5" accent6="accent6" hlink="hlink" folHlink="folHlink"/>
+  <p:notesStyle>
+    <a:lvl1pPr marL="0" algn="l" defTabSz="457200" rtl="0" eaLnBrk="1" latinLnBrk="0" hangingPunct="1">
+      <a:defRPr sz="1200" kern="1200">
+        <a:solidFill>
+          <a:schemeClr val="tx1"/>
+        </a:solidFill>
+        <a:latin typeface="+mn-lt"/>
+        <a:ea typeface="+mn-ea"/>
+        <a:cs typeface="+mn-cs"/>
+      </a:defRPr>
+    </a:lvl1pPr>
+    <a:lvl2pPr marL="457200" algn="l" defTabSz="457200" rtl="0" eaLnBrk="1" latinLnBrk="0" hangingPunct="1">
+      <a:defRPr sz="1200" kern="1200">
+        <a:solidFill>
+          <a:schemeClr val="tx1"/>
+        </a:solidFill>
+        <a:latin typeface="+mn-lt"/>
+        <a:ea typeface="+mn-ea"/>
+        <a:cs typeface="+mn-cs"/>
+      </a:defRPr>
+    </a:lvl2pPr>
+    <a:lvl3pPr marL="914400" algn="l" defTabSz="457200" rtl="0" eaLnBrk="1" latinLnBrk="0" hangingPunct="1">
+      <a:defRPr sz="1200" kern="1200">
+        <a:solidFill>
+          <a:schemeClr val="tx1"/>
+        </a:solidFill>
+        <a:latin typeface="+mn-lt"/>
+        <a:ea typeface="+mn-ea"/>
+        <a:cs typeface="+mn-cs"/>
+      </a:defRPr>
+    </a:lvl3pPr>
+    <a:lvl4pPr marL="1371600" algn="l" defTabSz="457200" rtl="0" eaLnBrk="1" latinLnBrk="0" hangingPunct="1">
+      <a:defRPr sz="1200" kern="1200">
+        <a:solidFill>
+          <a:schemeClr val="tx1"/>
+        </a:solidFill>
+        <a:latin typeface="+mn-lt"/>
+        <a:ea typeface="+mn-ea"/>
+        <a:cs typeface="+mn-cs"/>
+      </a:defRPr>
+    </a:lvl4pPr>
+    <a:lvl5pPr marL="1828800" algn="l" defTabSz="457200" rtl="0" eaLnBrk="1" latinLnBrk="0" hangingPunct="1">
+      <a:defRPr sz="1200" kern="1200">
+        <a:solidFill>
+          <a:schemeClr val="tx1"/>
+        </a:solidFill>
+        <a:latin typeface="+mn-lt"/>
+        <a:ea typeface="+mn-ea"/>
+        <a:cs typeface="+mn-cs"/>
+      </a:defRPr>
+    </a:lvl5pPr>
+    <a:lvl6pPr marL="2286000" algn="l" defTabSz="457200" rtl="0" eaLnBrk="1" latinLnBrk="0" hangingPunct="1">
+      <a:defRPr sz="1200" kern="1200">
+        <a:solidFill>
+          <a:schemeClr val="tx1"/>
+        </a:solidFill>
+        <a:latin typeface="+mn-lt"/>
+        <a:ea typeface="+mn-ea"/>
+        <a:cs typeface="+mn-cs"/>
+      </a:defRPr>
+    </a:lvl6pPr>
+    <a:lvl7pPr marL="2743200" algn="l" defTabSz="457200" rtl="0" eaLnBrk="1" latinLnBrk="0" hangingPunct="1">
+      <a:defRPr sz="1200" kern="1200">
+        <a:solidFill>
+          <a:schemeClr val="tx1"/>
+        </a:solidFill>
+        <a:latin typeface="+mn-lt"/>
+        <a:ea typeface="+mn-ea"/>
+        <a:cs typeface="+mn-cs"/>
+      </a:defRPr>
+    </a:lvl7pPr>
+    <a:lvl8pPr marL="3200400" algn="l" defTabSz="457200" rtl="0" eaLnBrk="1" latinLnBrk="0" hangingPunct="1">
+      <a:defRPr sz="1200" kern="1200">
+        <a:solidFill>
+          <a:schemeClr val="tx1"/>
+        </a:solidFill>
+        <a:latin typeface="+mn-lt"/>
+        <a:ea typeface="+mn-ea"/>
+        <a:cs typeface="+mn-cs"/>
+      </a:defRPr>
+    </a:lvl8pPr>
+    <a:lvl9pPr marL="3657600" algn="l" defTabSz="457200" rtl="0" eaLnBrk="1" latinLnBrk="0" hangingPunct="1">
+      <a:defRPr sz="1200" kern="1200">
+        <a:solidFill>
+          <a:schemeClr val="tx1"/>
+        </a:solidFill>
+        <a:latin typeface="+mn-lt"/>
+        <a:ea typeface="+mn-ea"/>
+        <a:cs typeface="+mn-cs"/>
+      </a:defRPr>
+    </a:lvl9pPr>
+  </p:notesStyle>
+</p:notesMaster>
+</file>
+
+<file path=ppt/notesSlides/notesSlide1.xml><?xml version="1.0" encoding="utf-8"?>
+<p:notes xmlns:a="http://schemas.openxmlformats.org/drawingml/2006/main" xmlns:r="http://schemas.openxmlformats.org/officeDocument/2006/relationships" xmlns:p="http://schemas.openxmlformats.org/presentationml/2006/main">
+  <p:cSld>
+    <p:spTree>
+      <p:nvGrpSpPr>
+        <p:cNvPr id="1" name=""/>
+        <p:cNvGrpSpPr/>
+        <p:nvPr/>
+      </p:nvGrpSpPr>
+      <p:grpSpPr>
+        <a:xfrm>
+          <a:off x="0" y="0"/>
+          <a:ext cx="0" cy="0"/>
+          <a:chOff x="0" y="0"/>
+          <a:chExt cx="0" cy="0"/>
+        </a:xfrm>
+      </p:grpSpPr>
+      <p:sp>
+        <p:nvSpPr>
+          <p:cNvPr id="2" name="Slide Image Placeholder 1"/>
+          <p:cNvSpPr>
+            <a:spLocks noGrp="1" noRot="1" noChangeAspect="1"/>
+          </p:cNvSpPr>
+          <p:nvPr>
+            <p:ph type="sldImg"/>
+          </p:nvPr>
+        </p:nvSpPr>
+        <p:spPr/>
+      </p:sp>
+      <p:sp>
+        <p:nvSpPr>
+          <p:cNvPr id="3" name="Notes Placeholder 2"/>
+          <p:cNvSpPr>
+            <a:spLocks noGrp="1"/>
+          </p:cNvSpPr>
+          <p:nvPr>
+            <p:ph type="body" idx="1"/>
+          </p:nvPr>
+        </p:nvSpPr>
+        <p:spPr/>
+        <p:txBody>
+          <a:bodyPr/>
+          <a:lstStyle/>
+          <a:p>
+            <a:r>
+              <a:rPr lang="en-US" dirty="0" smtClean="0"/>
+              <a:t>There are</a:t>
+            </a:r>
+            <a:r>
+              <a:rPr lang="en-US" baseline="0" dirty="0" smtClean="0"/>
+              <a:t> 7 of top </a:t>
+            </a:r>
+            <a:r>
+              <a:rPr lang="en-US" baseline="0" dirty="0" err="1" smtClean="0"/>
+              <a:t>sku</a:t>
+            </a:r>
+            <a:r>
+              <a:rPr lang="en-US" baseline="0" dirty="0" smtClean="0"/>
+              <a:t>. </a:t>
+            </a:r>
+            <a:r>
+              <a:rPr lang="en-US" dirty="0" smtClean="0"/>
+              <a:t>We </a:t>
+            </a:r>
+            <a:r>
+              <a:rPr lang="en-US" baseline="0" dirty="0" smtClean="0"/>
+              <a:t>send a request for 5 of this </a:t>
+            </a:r>
+            <a:r>
+              <a:rPr lang="en-US" baseline="0" dirty="0" err="1" smtClean="0"/>
+              <a:t>sku</a:t>
+            </a:r>
+            <a:r>
+              <a:rPr lang="en-US" baseline="0" dirty="0" smtClean="0"/>
+              <a:t>. This message is routed to the </a:t>
+            </a:r>
+            <a:r>
+              <a:rPr lang="en-US" baseline="0" dirty="0" err="1" smtClean="0"/>
+              <a:t>InventorySetter</a:t>
+            </a:r>
+            <a:r>
+              <a:rPr lang="en-US" baseline="0" dirty="0" smtClean="0"/>
+              <a:t> actor for this </a:t>
+            </a:r>
+            <a:r>
+              <a:rPr lang="en-US" baseline="0" dirty="0" err="1" smtClean="0"/>
+              <a:t>sku</a:t>
+            </a:r>
+            <a:r>
+              <a:rPr lang="en-US" baseline="0" dirty="0" smtClean="0"/>
+              <a:t>. We receive success response from </a:t>
+            </a:r>
+            <a:r>
+              <a:rPr lang="en-US" baseline="0" dirty="0" err="1" smtClean="0"/>
+              <a:t>InventorySetter</a:t>
+            </a:r>
+            <a:r>
+              <a:rPr lang="en-US" baseline="0" dirty="0" smtClean="0"/>
+              <a:t>. It updates it’s internal state to 2 and it sends update inventory message to each of the pool of </a:t>
+            </a:r>
+            <a:r>
+              <a:rPr lang="en-US" baseline="0" dirty="0" err="1" smtClean="0"/>
+              <a:t>InventoryGetters</a:t>
+            </a:r>
+            <a:r>
+              <a:rPr lang="en-US" baseline="0" dirty="0" smtClean="0"/>
+              <a:t> for this </a:t>
+            </a:r>
+            <a:r>
+              <a:rPr lang="en-US" baseline="0" dirty="0" err="1" smtClean="0"/>
+              <a:t>sku</a:t>
+            </a:r>
+            <a:r>
+              <a:rPr lang="en-US" baseline="0" dirty="0" smtClean="0"/>
+              <a:t> to update their internal state to 2 as well. A request for the current inventory of the top </a:t>
+            </a:r>
+            <a:r>
+              <a:rPr lang="en-US" baseline="0" dirty="0" err="1" smtClean="0"/>
+              <a:t>sku</a:t>
+            </a:r>
+            <a:r>
+              <a:rPr lang="en-US" baseline="0" dirty="0" smtClean="0"/>
+              <a:t> is made. It is routed to one of the </a:t>
+            </a:r>
+            <a:r>
+              <a:rPr lang="en-US" baseline="0" dirty="0" err="1" smtClean="0"/>
+              <a:t>InventoryGetters</a:t>
+            </a:r>
+            <a:r>
+              <a:rPr lang="en-US" baseline="0" dirty="0" smtClean="0"/>
+              <a:t> which returns a response of 2.</a:t>
+            </a:r>
+          </a:p>
+          <a:p>
+            <a:endParaRPr lang="en-US" baseline="0" dirty="0" smtClean="0"/>
+          </a:p>
+          <a:p>
+            <a:pPr marL="0" marR="0" indent="0" algn="l" defTabSz="457200" rtl="0" eaLnBrk="1" fontAlgn="auto" latinLnBrk="0" hangingPunct="1">
+              <a:lnSpc>
+                <a:spcPct val="100000"/>
+              </a:lnSpc>
+              <a:spcBef>
+                <a:spcPts val="0"/>
+              </a:spcBef>
+              <a:spcAft>
+                <a:spcPts val="0"/>
+              </a:spcAft>
+              <a:buClrTx/>
+              <a:buSzTx/>
+              <a:buFontTx/>
+              <a:buNone/>
+              <a:tabLst/>
+              <a:defRPr/>
+            </a:pPr>
+            <a:r>
+              <a:rPr lang="en-US" dirty="0" smtClean="0"/>
+              <a:t>There is</a:t>
+            </a:r>
+            <a:r>
+              <a:rPr lang="en-US" baseline="0" dirty="0" smtClean="0"/>
+              <a:t> 1 of bottom </a:t>
+            </a:r>
+            <a:r>
+              <a:rPr lang="en-US" baseline="0" dirty="0" err="1" smtClean="0"/>
+              <a:t>sku</a:t>
+            </a:r>
+            <a:r>
+              <a:rPr lang="en-US" baseline="0" dirty="0" smtClean="0"/>
+              <a:t>. </a:t>
+            </a:r>
+            <a:r>
+              <a:rPr lang="en-US" dirty="0" smtClean="0"/>
+              <a:t>We </a:t>
+            </a:r>
+            <a:r>
+              <a:rPr lang="en-US" baseline="0" dirty="0" smtClean="0"/>
+              <a:t>send a request for 3 of this </a:t>
+            </a:r>
+            <a:r>
+              <a:rPr lang="en-US" baseline="0" dirty="0" err="1" smtClean="0"/>
+              <a:t>sku</a:t>
+            </a:r>
+            <a:r>
+              <a:rPr lang="en-US" baseline="0" dirty="0" smtClean="0"/>
+              <a:t>. This message is routed to the </a:t>
+            </a:r>
+            <a:r>
+              <a:rPr lang="en-US" baseline="0" dirty="0" err="1" smtClean="0"/>
+              <a:t>InventorySetter</a:t>
+            </a:r>
+            <a:r>
+              <a:rPr lang="en-US" baseline="0" dirty="0" smtClean="0"/>
+              <a:t> actor for this </a:t>
+            </a:r>
+            <a:r>
+              <a:rPr lang="en-US" baseline="0" dirty="0" err="1" smtClean="0"/>
+              <a:t>sku</a:t>
+            </a:r>
+            <a:r>
+              <a:rPr lang="en-US" baseline="0" dirty="0" smtClean="0"/>
+              <a:t>. We receive failure response from </a:t>
+            </a:r>
+            <a:r>
+              <a:rPr lang="en-US" baseline="0" dirty="0" err="1" smtClean="0"/>
+              <a:t>InventorySetter</a:t>
+            </a:r>
+            <a:r>
+              <a:rPr lang="en-US" baseline="0" dirty="0" smtClean="0"/>
+              <a:t>. A request for the current inventory of the bottom </a:t>
+            </a:r>
+            <a:r>
+              <a:rPr lang="en-US" baseline="0" dirty="0" err="1" smtClean="0"/>
+              <a:t>sku</a:t>
+            </a:r>
+            <a:r>
+              <a:rPr lang="en-US" baseline="0" dirty="0" smtClean="0"/>
+              <a:t> is made. It is routed to one of the </a:t>
+            </a:r>
+            <a:r>
+              <a:rPr lang="en-US" baseline="0" dirty="0" err="1" smtClean="0"/>
+              <a:t>InventoryGetters</a:t>
+            </a:r>
+            <a:r>
+              <a:rPr lang="en-US" baseline="0" dirty="0" smtClean="0"/>
+              <a:t> which returns a response of 1.</a:t>
+            </a:r>
+          </a:p>
+          <a:p>
+            <a:endParaRPr lang="en-US" dirty="0"/>
+          </a:p>
+        </p:txBody>
+      </p:sp>
+      <p:sp>
+        <p:nvSpPr>
+          <p:cNvPr id="4" name="Slide Number Placeholder 3"/>
+          <p:cNvSpPr>
+            <a:spLocks noGrp="1"/>
+          </p:cNvSpPr>
+          <p:nvPr>
+            <p:ph type="sldNum" sz="quarter" idx="10"/>
+          </p:nvPr>
+        </p:nvSpPr>
+        <p:spPr/>
+        <p:txBody>
+          <a:bodyPr/>
+          <a:lstStyle/>
+          <a:p>
+            <a:fld id="{1073248B-147C-BA4E-8DD8-0D2978845817}" type="slidenum">
+              <a:rPr lang="en-US" smtClean="0"/>
+              <a:t>9</a:t>
+            </a:fld>
+            <a:endParaRPr lang="en-US"/>
+          </a:p>
+        </p:txBody>
+      </p:sp>
+    </p:spTree>
+    <p:extLst>
+      <p:ext uri="{BB962C8B-B14F-4D97-AF65-F5344CB8AC3E}">
+        <p14:creationId xmlns:p14="http://schemas.microsoft.com/office/powerpoint/2010/main" val="807728405"/>
+      </p:ext>
+    </p:extLst>
+  </p:cSld>
+  <p:clrMapOvr>
+    <a:masterClrMapping/>
+  </p:clrMapOvr>
+</p:notes>
+</file>
+
+<file path=ppt/notesSlides/notesSlide2.xml><?xml version="1.0" encoding="utf-8"?>
+<p:notes xmlns:a="http://schemas.openxmlformats.org/drawingml/2006/main" xmlns:r="http://schemas.openxmlformats.org/officeDocument/2006/relationships" xmlns:p="http://schemas.openxmlformats.org/presentationml/2006/main">
+  <p:cSld>
+    <p:spTree>
+      <p:nvGrpSpPr>
+        <p:cNvPr id="1" name=""/>
+        <p:cNvGrpSpPr/>
+        <p:nvPr/>
+      </p:nvGrpSpPr>
+      <p:grpSpPr>
+        <a:xfrm>
+          <a:off x="0" y="0"/>
+          <a:ext cx="0" cy="0"/>
+          <a:chOff x="0" y="0"/>
+          <a:chExt cx="0" cy="0"/>
+        </a:xfrm>
+      </p:grpSpPr>
+      <p:sp>
+        <p:nvSpPr>
+          <p:cNvPr id="2" name="Slide Image Placeholder 1"/>
+          <p:cNvSpPr>
+            <a:spLocks noGrp="1" noRot="1" noChangeAspect="1"/>
+          </p:cNvSpPr>
+          <p:nvPr>
+            <p:ph type="sldImg"/>
+          </p:nvPr>
+        </p:nvSpPr>
+        <p:spPr/>
+      </p:sp>
+      <p:sp>
+        <p:nvSpPr>
+          <p:cNvPr id="3" name="Notes Placeholder 2"/>
+          <p:cNvSpPr>
+            <a:spLocks noGrp="1"/>
+          </p:cNvSpPr>
+          <p:nvPr>
+            <p:ph type="body" idx="1"/>
+          </p:nvPr>
+        </p:nvSpPr>
+        <p:spPr/>
+        <p:txBody>
+          <a:bodyPr/>
+          <a:lstStyle/>
+          <a:p>
+            <a:r>
+              <a:rPr lang="en-US" dirty="0" smtClean="0"/>
+              <a:t>Right column is </a:t>
+            </a:r>
+            <a:r>
+              <a:rPr lang="en-US" dirty="0" err="1" smtClean="0"/>
+              <a:t>Dev</a:t>
+            </a:r>
+            <a:r>
+              <a:rPr lang="en-US" dirty="0" smtClean="0"/>
+              <a:t> Ops used</a:t>
+            </a:r>
+            <a:r>
+              <a:rPr lang="en-US" baseline="0" dirty="0" smtClean="0"/>
+              <a:t> in this </a:t>
+            </a:r>
+            <a:r>
+              <a:rPr lang="en-US" baseline="0" smtClean="0"/>
+              <a:t>demo. </a:t>
+            </a:r>
+            <a:r>
+              <a:rPr lang="en-US" smtClean="0"/>
+              <a:t>Now</a:t>
+            </a:r>
+            <a:r>
+              <a:rPr lang="en-US" baseline="0" smtClean="0"/>
+              <a:t> </a:t>
+            </a:r>
+            <a:r>
+              <a:rPr lang="en-US" baseline="0" dirty="0" smtClean="0"/>
+              <a:t>let’s look at code!!!</a:t>
+            </a:r>
+            <a:endParaRPr lang="en-US" dirty="0"/>
+          </a:p>
+        </p:txBody>
+      </p:sp>
+      <p:sp>
+        <p:nvSpPr>
+          <p:cNvPr id="4" name="Slide Number Placeholder 3"/>
+          <p:cNvSpPr>
+            <a:spLocks noGrp="1"/>
+          </p:cNvSpPr>
+          <p:nvPr>
+            <p:ph type="sldNum" sz="quarter" idx="10"/>
+          </p:nvPr>
+        </p:nvSpPr>
+        <p:spPr/>
+        <p:txBody>
+          <a:bodyPr/>
+          <a:lstStyle/>
+          <a:p>
+            <a:fld id="{1073248B-147C-BA4E-8DD8-0D2978845817}" type="slidenum">
+              <a:rPr lang="en-US" smtClean="0"/>
+              <a:t>12</a:t>
+            </a:fld>
+            <a:endParaRPr lang="en-US"/>
+          </a:p>
+        </p:txBody>
+      </p:sp>
+    </p:spTree>
+    <p:extLst>
+      <p:ext uri="{BB962C8B-B14F-4D97-AF65-F5344CB8AC3E}">
+        <p14:creationId xmlns:p14="http://schemas.microsoft.com/office/powerpoint/2010/main" val="3099288007"/>
+      </p:ext>
+    </p:extLst>
+  </p:cSld>
+  <p:clrMapOvr>
+    <a:masterClrMapping/>
+  </p:clrMapOvr>
+</p:notes>
 </file>
 
 <file path=ppt/slideLayouts/slideLayout1.xml><?xml version="1.0" encoding="utf-8"?>
@@ -325,9 +1036,10 @@
           <a:bodyPr/>
           <a:lstStyle/>
           <a:p>
-            <a:fld id="{E17F266A-11E8-D443-84E0-C53593F8DADD}" type="datetimeFigureOut">
-              <a:rPr lang="en-US" smtClean="0"/>
-              <a:t>6/11/15</a:t>
+            <a:fld id="{04AF466F-BDA4-4F18-9C7B-FF0A9A1B0E80}" type="datetime1">
+              <a:rPr lang="en-US" smtClean="0"/>
+              <a:pPr/>
+              <a:t>6/12/15</a:t>
             </a:fld>
             <a:endParaRPr lang="en-US"/>
           </a:p>
@@ -367,18 +1079,19 @@
           <a:bodyPr/>
           <a:lstStyle/>
           <a:p>
-            <a:fld id="{67FCEF94-251D-664D-AD97-1EDAE7C591A8}" type="slidenum">
-              <a:rPr lang="en-US" smtClean="0"/>
+            <a:fld id="{6E2D2B3B-882E-40F3-A32F-6DD516915044}" type="slidenum">
+              <a:rPr lang="en-US" smtClean="0"/>
+              <a:pPr/>
               <a:t>‹#›</a:t>
             </a:fld>
-            <a:endParaRPr lang="en-US"/>
+            <a:endParaRPr lang="en-US" dirty="0"/>
           </a:p>
         </p:txBody>
       </p:sp>
     </p:spTree>
     <p:extLst>
       <p:ext uri="{BB962C8B-B14F-4D97-AF65-F5344CB8AC3E}">
-        <p14:creationId xmlns:p14="http://schemas.microsoft.com/office/powerpoint/2010/main" val="855045343"/>
+        <p14:creationId xmlns:p14="http://schemas.microsoft.com/office/powerpoint/2010/main" val="3931254326"/>
       </p:ext>
     </p:extLst>
   </p:cSld>
@@ -495,9 +1208,10 @@
           <a:bodyPr/>
           <a:lstStyle/>
           <a:p>
-            <a:fld id="{E17F266A-11E8-D443-84E0-C53593F8DADD}" type="datetimeFigureOut">
-              <a:rPr lang="en-US" smtClean="0"/>
-              <a:t>6/11/15</a:t>
+            <a:fld id="{58FB4290-6522-4139-852E-05BD9E7F0D2E}" type="datetime1">
+              <a:rPr lang="en-US" smtClean="0"/>
+              <a:pPr/>
+              <a:t>6/12/15</a:t>
             </a:fld>
             <a:endParaRPr lang="en-US"/>
           </a:p>
@@ -537,8 +1251,9 @@
           <a:bodyPr/>
           <a:lstStyle/>
           <a:p>
-            <a:fld id="{67FCEF94-251D-664D-AD97-1EDAE7C591A8}" type="slidenum">
-              <a:rPr lang="en-US" smtClean="0"/>
+            <a:fld id="{6E2D2B3B-882E-40F3-A32F-6DD516915044}" type="slidenum">
+              <a:rPr lang="en-US" smtClean="0"/>
+              <a:pPr/>
               <a:t>‹#›</a:t>
             </a:fld>
             <a:endParaRPr lang="en-US"/>
@@ -548,7 +1263,7 @@
     </p:spTree>
     <p:extLst>
       <p:ext uri="{BB962C8B-B14F-4D97-AF65-F5344CB8AC3E}">
-        <p14:creationId xmlns:p14="http://schemas.microsoft.com/office/powerpoint/2010/main" val="302409920"/>
+        <p14:creationId xmlns:p14="http://schemas.microsoft.com/office/powerpoint/2010/main" val="2411172300"/>
       </p:ext>
     </p:extLst>
   </p:cSld>
@@ -675,9 +1390,10 @@
           <a:bodyPr/>
           <a:lstStyle/>
           <a:p>
-            <a:fld id="{E17F266A-11E8-D443-84E0-C53593F8DADD}" type="datetimeFigureOut">
-              <a:rPr lang="en-US" smtClean="0"/>
-              <a:t>6/11/15</a:t>
+            <a:fld id="{AAB955F9-81EA-47C5-8059-9E5C2B437C70}" type="datetime1">
+              <a:rPr lang="en-US" smtClean="0"/>
+              <a:pPr/>
+              <a:t>6/12/15</a:t>
             </a:fld>
             <a:endParaRPr lang="en-US"/>
           </a:p>
@@ -717,8 +1433,9 @@
           <a:bodyPr/>
           <a:lstStyle/>
           <a:p>
-            <a:fld id="{67FCEF94-251D-664D-AD97-1EDAE7C591A8}" type="slidenum">
-              <a:rPr lang="en-US" smtClean="0"/>
+            <a:fld id="{6E2D2B3B-882E-40F3-A32F-6DD516915044}" type="slidenum">
+              <a:rPr lang="en-US" smtClean="0"/>
+              <a:pPr/>
               <a:t>‹#›</a:t>
             </a:fld>
             <a:endParaRPr lang="en-US"/>
@@ -728,7 +1445,7 @@
     </p:spTree>
     <p:extLst>
       <p:ext uri="{BB962C8B-B14F-4D97-AF65-F5344CB8AC3E}">
-        <p14:creationId xmlns:p14="http://schemas.microsoft.com/office/powerpoint/2010/main" val="3275958866"/>
+        <p14:creationId xmlns:p14="http://schemas.microsoft.com/office/powerpoint/2010/main" val="2726314298"/>
       </p:ext>
     </p:extLst>
   </p:cSld>
@@ -845,9 +1562,10 @@
           <a:bodyPr/>
           <a:lstStyle/>
           <a:p>
-            <a:fld id="{E17F266A-11E8-D443-84E0-C53593F8DADD}" type="datetimeFigureOut">
-              <a:rPr lang="en-US" smtClean="0"/>
-              <a:t>6/11/15</a:t>
+            <a:fld id="{1CEF607B-A47E-422C-9BEF-122CCDB7C526}" type="datetime1">
+              <a:rPr lang="en-US" smtClean="0"/>
+              <a:pPr/>
+              <a:t>6/12/15</a:t>
             </a:fld>
             <a:endParaRPr lang="en-US"/>
           </a:p>
@@ -887,8 +1605,9 @@
           <a:bodyPr/>
           <a:lstStyle/>
           <a:p>
-            <a:fld id="{67FCEF94-251D-664D-AD97-1EDAE7C591A8}" type="slidenum">
-              <a:rPr lang="en-US" smtClean="0"/>
+            <a:fld id="{6E2D2B3B-882E-40F3-A32F-6DD516915044}" type="slidenum">
+              <a:rPr lang="en-US" smtClean="0"/>
+              <a:pPr/>
               <a:t>‹#›</a:t>
             </a:fld>
             <a:endParaRPr lang="en-US"/>
@@ -898,7 +1617,7 @@
     </p:spTree>
     <p:extLst>
       <p:ext uri="{BB962C8B-B14F-4D97-AF65-F5344CB8AC3E}">
-        <p14:creationId xmlns:p14="http://schemas.microsoft.com/office/powerpoint/2010/main" val="571706712"/>
+        <p14:creationId xmlns:p14="http://schemas.microsoft.com/office/powerpoint/2010/main" val="1652810896"/>
       </p:ext>
     </p:extLst>
   </p:cSld>
@@ -1091,9 +1810,10 @@
           <a:bodyPr/>
           <a:lstStyle/>
           <a:p>
-            <a:fld id="{E17F266A-11E8-D443-84E0-C53593F8DADD}" type="datetimeFigureOut">
-              <a:rPr lang="en-US" smtClean="0"/>
-              <a:t>6/11/15</a:t>
+            <a:fld id="{63A9A7CB-BEE6-4F99-898E-913F06E8E125}" type="datetime1">
+              <a:rPr lang="en-US" smtClean="0"/>
+              <a:pPr/>
+              <a:t>6/12/15</a:t>
             </a:fld>
             <a:endParaRPr lang="en-US"/>
           </a:p>
@@ -1114,7 +1834,7 @@
           <a:bodyPr/>
           <a:lstStyle/>
           <a:p>
-            <a:endParaRPr lang="en-US"/>
+            <a:endParaRPr lang="en-US" dirty="0"/>
           </a:p>
         </p:txBody>
       </p:sp>
@@ -1133,8 +1853,9 @@
           <a:bodyPr/>
           <a:lstStyle/>
           <a:p>
-            <a:fld id="{67FCEF94-251D-664D-AD97-1EDAE7C591A8}" type="slidenum">
-              <a:rPr lang="en-US" smtClean="0"/>
+            <a:fld id="{6E2D2B3B-882E-40F3-A32F-6DD516915044}" type="slidenum">
+              <a:rPr lang="en-US" smtClean="0"/>
+              <a:pPr/>
               <a:t>‹#›</a:t>
             </a:fld>
             <a:endParaRPr lang="en-US"/>
@@ -1144,7 +1865,7 @@
     </p:spTree>
     <p:extLst>
       <p:ext uri="{BB962C8B-B14F-4D97-AF65-F5344CB8AC3E}">
-        <p14:creationId xmlns:p14="http://schemas.microsoft.com/office/powerpoint/2010/main" val="2422144539"/>
+        <p14:creationId xmlns:p14="http://schemas.microsoft.com/office/powerpoint/2010/main" val="912835429"/>
       </p:ext>
     </p:extLst>
   </p:cSld>
@@ -1379,9 +2100,10 @@
           <a:bodyPr/>
           <a:lstStyle/>
           <a:p>
-            <a:fld id="{E17F266A-11E8-D443-84E0-C53593F8DADD}" type="datetimeFigureOut">
-              <a:rPr lang="en-US" smtClean="0"/>
-              <a:t>6/11/15</a:t>
+            <a:fld id="{B6EE300C-6FC5-4FC3-AF1A-075E4F50620D}" type="datetime1">
+              <a:rPr lang="en-US" smtClean="0"/>
+              <a:pPr/>
+              <a:t>6/12/15</a:t>
             </a:fld>
             <a:endParaRPr lang="en-US"/>
           </a:p>
@@ -1421,8 +2143,9 @@
           <a:bodyPr/>
           <a:lstStyle/>
           <a:p>
-            <a:fld id="{67FCEF94-251D-664D-AD97-1EDAE7C591A8}" type="slidenum">
-              <a:rPr lang="en-US" smtClean="0"/>
+            <a:fld id="{6E2D2B3B-882E-40F3-A32F-6DD516915044}" type="slidenum">
+              <a:rPr lang="en-US" smtClean="0"/>
+              <a:pPr/>
               <a:t>‹#›</a:t>
             </a:fld>
             <a:endParaRPr lang="en-US"/>
@@ -1432,7 +2155,7 @@
     </p:spTree>
     <p:extLst>
       <p:ext uri="{BB962C8B-B14F-4D97-AF65-F5344CB8AC3E}">
-        <p14:creationId xmlns:p14="http://schemas.microsoft.com/office/powerpoint/2010/main" val="1823577282"/>
+        <p14:creationId xmlns:p14="http://schemas.microsoft.com/office/powerpoint/2010/main" val="1679314378"/>
       </p:ext>
     </p:extLst>
   </p:cSld>
@@ -1801,9 +2524,10 @@
           <a:bodyPr/>
           <a:lstStyle/>
           <a:p>
-            <a:fld id="{E17F266A-11E8-D443-84E0-C53593F8DADD}" type="datetimeFigureOut">
-              <a:rPr lang="en-US" smtClean="0"/>
-              <a:t>6/11/15</a:t>
+            <a:fld id="{F50D295D-4A77-4DEB-B04C-9F4282A8BC04}" type="datetime1">
+              <a:rPr lang="en-US" smtClean="0"/>
+              <a:pPr/>
+              <a:t>6/12/15</a:t>
             </a:fld>
             <a:endParaRPr lang="en-US"/>
           </a:p>
@@ -1843,8 +2567,9 @@
           <a:bodyPr/>
           <a:lstStyle/>
           <a:p>
-            <a:fld id="{67FCEF94-251D-664D-AD97-1EDAE7C591A8}" type="slidenum">
-              <a:rPr lang="en-US" smtClean="0"/>
+            <a:fld id="{6E2D2B3B-882E-40F3-A32F-6DD516915044}" type="slidenum">
+              <a:rPr lang="en-US" smtClean="0"/>
+              <a:pPr/>
               <a:t>‹#›</a:t>
             </a:fld>
             <a:endParaRPr lang="en-US"/>
@@ -1854,7 +2579,7 @@
     </p:spTree>
     <p:extLst>
       <p:ext uri="{BB962C8B-B14F-4D97-AF65-F5344CB8AC3E}">
-        <p14:creationId xmlns:p14="http://schemas.microsoft.com/office/powerpoint/2010/main" val="3473609895"/>
+        <p14:creationId xmlns:p14="http://schemas.microsoft.com/office/powerpoint/2010/main" val="2720858603"/>
       </p:ext>
     </p:extLst>
   </p:cSld>
@@ -1919,9 +2644,10 @@
           <a:bodyPr/>
           <a:lstStyle/>
           <a:p>
-            <a:fld id="{E17F266A-11E8-D443-84E0-C53593F8DADD}" type="datetimeFigureOut">
-              <a:rPr lang="en-US" smtClean="0"/>
-              <a:t>6/11/15</a:t>
+            <a:fld id="{02B28685-4D0C-42D5-8013-B5904CD1FCBC}" type="datetime1">
+              <a:rPr lang="en-US" smtClean="0"/>
+              <a:pPr/>
+              <a:t>6/12/15</a:t>
             </a:fld>
             <a:endParaRPr lang="en-US"/>
           </a:p>
@@ -1961,8 +2687,9 @@
           <a:bodyPr/>
           <a:lstStyle/>
           <a:p>
-            <a:fld id="{67FCEF94-251D-664D-AD97-1EDAE7C591A8}" type="slidenum">
-              <a:rPr lang="en-US" smtClean="0"/>
+            <a:fld id="{6E2D2B3B-882E-40F3-A32F-6DD516915044}" type="slidenum">
+              <a:rPr lang="en-US" smtClean="0"/>
+              <a:pPr/>
               <a:t>‹#›</a:t>
             </a:fld>
             <a:endParaRPr lang="en-US"/>
@@ -1972,7 +2699,7 @@
     </p:spTree>
     <p:extLst>
       <p:ext uri="{BB962C8B-B14F-4D97-AF65-F5344CB8AC3E}">
-        <p14:creationId xmlns:p14="http://schemas.microsoft.com/office/powerpoint/2010/main" val="1799121545"/>
+        <p14:creationId xmlns:p14="http://schemas.microsoft.com/office/powerpoint/2010/main" val="4176737907"/>
       </p:ext>
     </p:extLst>
   </p:cSld>
@@ -2014,9 +2741,10 @@
           <a:bodyPr/>
           <a:lstStyle/>
           <a:p>
-            <a:fld id="{E17F266A-11E8-D443-84E0-C53593F8DADD}" type="datetimeFigureOut">
-              <a:rPr lang="en-US" smtClean="0"/>
-              <a:t>6/11/15</a:t>
+            <a:fld id="{FDF226C0-9885-4BA9-BBFA-A52CBFEBB775}" type="datetime1">
+              <a:rPr lang="en-US" smtClean="0"/>
+              <a:pPr/>
+              <a:t>6/12/15</a:t>
             </a:fld>
             <a:endParaRPr lang="en-US"/>
           </a:p>
@@ -2056,8 +2784,9 @@
           <a:bodyPr/>
           <a:lstStyle/>
           <a:p>
-            <a:fld id="{67FCEF94-251D-664D-AD97-1EDAE7C591A8}" type="slidenum">
-              <a:rPr lang="en-US" smtClean="0"/>
+            <a:fld id="{6E2D2B3B-882E-40F3-A32F-6DD516915044}" type="slidenum">
+              <a:rPr lang="en-US" smtClean="0"/>
+              <a:pPr/>
               <a:t>‹#›</a:t>
             </a:fld>
             <a:endParaRPr lang="en-US"/>
@@ -2067,7 +2796,7 @@
     </p:spTree>
     <p:extLst>
       <p:ext uri="{BB962C8B-B14F-4D97-AF65-F5344CB8AC3E}">
-        <p14:creationId xmlns:p14="http://schemas.microsoft.com/office/powerpoint/2010/main" val="59475164"/>
+        <p14:creationId xmlns:p14="http://schemas.microsoft.com/office/powerpoint/2010/main" val="255367883"/>
       </p:ext>
     </p:extLst>
   </p:cSld>
@@ -2291,9 +3020,10 @@
           <a:bodyPr/>
           <a:lstStyle/>
           <a:p>
-            <a:fld id="{E17F266A-11E8-D443-84E0-C53593F8DADD}" type="datetimeFigureOut">
-              <a:rPr lang="en-US" smtClean="0"/>
-              <a:t>6/11/15</a:t>
+            <a:fld id="{EBEE1B38-C5EB-4D66-9137-0AFE9CDEDE8F}" type="datetime1">
+              <a:rPr lang="en-US" smtClean="0"/>
+              <a:pPr/>
+              <a:t>6/12/15</a:t>
             </a:fld>
             <a:endParaRPr lang="en-US"/>
           </a:p>
@@ -2333,8 +3063,9 @@
           <a:bodyPr/>
           <a:lstStyle/>
           <a:p>
-            <a:fld id="{67FCEF94-251D-664D-AD97-1EDAE7C591A8}" type="slidenum">
-              <a:rPr lang="en-US" smtClean="0"/>
+            <a:fld id="{6E2D2B3B-882E-40F3-A32F-6DD516915044}" type="slidenum">
+              <a:rPr lang="en-US" smtClean="0"/>
+              <a:pPr/>
               <a:t>‹#›</a:t>
             </a:fld>
             <a:endParaRPr lang="en-US"/>
@@ -2344,7 +3075,7 @@
     </p:spTree>
     <p:extLst>
       <p:ext uri="{BB962C8B-B14F-4D97-AF65-F5344CB8AC3E}">
-        <p14:creationId xmlns:p14="http://schemas.microsoft.com/office/powerpoint/2010/main" val="1257362627"/>
+        <p14:creationId xmlns:p14="http://schemas.microsoft.com/office/powerpoint/2010/main" val="3744303328"/>
       </p:ext>
     </p:extLst>
   </p:cSld>
@@ -2544,11 +3275,12 @@
           <a:bodyPr/>
           <a:lstStyle/>
           <a:p>
-            <a:fld id="{E17F266A-11E8-D443-84E0-C53593F8DADD}" type="datetimeFigureOut">
-              <a:rPr lang="en-US" smtClean="0"/>
-              <a:t>6/11/15</a:t>
+            <a:fld id="{327B613C-1AD7-49D3-885D-F654C5CDBAA6}" type="datetime1">
+              <a:rPr lang="en-US" smtClean="0"/>
+              <a:pPr/>
+              <a:t>6/12/15</a:t>
             </a:fld>
-            <a:endParaRPr lang="en-US"/>
+            <a:endParaRPr lang="en-US" dirty="0"/>
           </a:p>
         </p:txBody>
       </p:sp>
@@ -2567,7 +3299,7 @@
           <a:bodyPr/>
           <a:lstStyle/>
           <a:p>
-            <a:endParaRPr lang="en-US"/>
+            <a:endParaRPr lang="en-US" dirty="0"/>
           </a:p>
         </p:txBody>
       </p:sp>
@@ -2586,18 +3318,19 @@
           <a:bodyPr/>
           <a:lstStyle/>
           <a:p>
-            <a:fld id="{67FCEF94-251D-664D-AD97-1EDAE7C591A8}" type="slidenum">
-              <a:rPr lang="en-US" smtClean="0"/>
+            <a:fld id="{6E2D2B3B-882E-40F3-A32F-6DD516915044}" type="slidenum">
+              <a:rPr lang="en-US" smtClean="0"/>
+              <a:pPr/>
               <a:t>‹#›</a:t>
             </a:fld>
-            <a:endParaRPr lang="en-US"/>
+            <a:endParaRPr lang="en-US" dirty="0"/>
           </a:p>
         </p:txBody>
       </p:sp>
     </p:spTree>
     <p:extLst>
       <p:ext uri="{BB962C8B-B14F-4D97-AF65-F5344CB8AC3E}">
-        <p14:creationId xmlns:p14="http://schemas.microsoft.com/office/powerpoint/2010/main" val="2130076281"/>
+        <p14:creationId xmlns:p14="http://schemas.microsoft.com/office/powerpoint/2010/main" val="3123838686"/>
       </p:ext>
     </p:extLst>
   </p:cSld>
@@ -2757,11 +3490,12 @@
             </a:lvl1pPr>
           </a:lstStyle>
           <a:p>
-            <a:fld id="{E17F266A-11E8-D443-84E0-C53593F8DADD}" type="datetimeFigureOut">
-              <a:rPr lang="en-US" smtClean="0"/>
-              <a:t>6/11/15</a:t>
+            <a:fld id="{327B613C-1AD7-49D3-885D-F654C5CDBAA6}" type="datetime1">
+              <a:rPr lang="en-US" smtClean="0"/>
+              <a:pPr/>
+              <a:t>6/12/15</a:t>
             </a:fld>
-            <a:endParaRPr lang="en-US"/>
+            <a:endParaRPr lang="en-US" dirty="0"/>
           </a:p>
         </p:txBody>
       </p:sp>
@@ -2798,7 +3532,7 @@
             </a:lvl1pPr>
           </a:lstStyle>
           <a:p>
-            <a:endParaRPr lang="en-US"/>
+            <a:endParaRPr lang="en-US" dirty="0"/>
           </a:p>
         </p:txBody>
       </p:sp>
@@ -2835,35 +3569,37 @@
             </a:lvl1pPr>
           </a:lstStyle>
           <a:p>
-            <a:fld id="{67FCEF94-251D-664D-AD97-1EDAE7C591A8}" type="slidenum">
-              <a:rPr lang="en-US" smtClean="0"/>
+            <a:fld id="{6E2D2B3B-882E-40F3-A32F-6DD516915044}" type="slidenum">
+              <a:rPr lang="en-US" smtClean="0"/>
+              <a:pPr/>
               <a:t>‹#›</a:t>
             </a:fld>
-            <a:endParaRPr lang="en-US"/>
+            <a:endParaRPr lang="en-US" dirty="0"/>
           </a:p>
         </p:txBody>
       </p:sp>
     </p:spTree>
     <p:extLst>
       <p:ext uri="{BB962C8B-B14F-4D97-AF65-F5344CB8AC3E}">
-        <p14:creationId xmlns:p14="http://schemas.microsoft.com/office/powerpoint/2010/main" val="380177588"/>
+        <p14:creationId xmlns:p14="http://schemas.microsoft.com/office/powerpoint/2010/main" val="1764883739"/>
       </p:ext>
     </p:extLst>
   </p:cSld>
   <p:clrMap bg1="lt1" tx1="dk1" bg2="lt2" tx2="dk2" accent1="accent1" accent2="accent2" accent3="accent3" accent4="accent4" accent5="accent5" accent6="accent6" hlink="hlink" folHlink="folHlink"/>
   <p:sldLayoutIdLst>
-    <p:sldLayoutId id="2147483649" r:id="rId1"/>
-    <p:sldLayoutId id="2147483650" r:id="rId2"/>
-    <p:sldLayoutId id="2147483651" r:id="rId3"/>
-    <p:sldLayoutId id="2147483652" r:id="rId4"/>
-    <p:sldLayoutId id="2147483653" r:id="rId5"/>
-    <p:sldLayoutId id="2147483654" r:id="rId6"/>
-    <p:sldLayoutId id="2147483655" r:id="rId7"/>
-    <p:sldLayoutId id="2147483656" r:id="rId8"/>
-    <p:sldLayoutId id="2147483657" r:id="rId9"/>
-    <p:sldLayoutId id="2147483658" r:id="rId10"/>
-    <p:sldLayoutId id="2147483659" r:id="rId11"/>
+    <p:sldLayoutId id="2147483963" r:id="rId1"/>
+    <p:sldLayoutId id="2147483964" r:id="rId2"/>
+    <p:sldLayoutId id="2147483965" r:id="rId3"/>
+    <p:sldLayoutId id="2147483966" r:id="rId4"/>
+    <p:sldLayoutId id="2147483967" r:id="rId5"/>
+    <p:sldLayoutId id="2147483968" r:id="rId6"/>
+    <p:sldLayoutId id="2147483969" r:id="rId7"/>
+    <p:sldLayoutId id="2147483970" r:id="rId8"/>
+    <p:sldLayoutId id="2147483971" r:id="rId9"/>
+    <p:sldLayoutId id="2147483972" r:id="rId10"/>
+    <p:sldLayoutId id="2147483973" r:id="rId11"/>
   </p:sldLayoutIdLst>
+  <p:hf sldNum="0" hdr="0" ftr="0" dt="0"/>
   <p:txStyles>
     <p:titleStyle>
       <a:lvl1pPr algn="ctr" defTabSz="457200" rtl="0" eaLnBrk="1" latinLnBrk="0" hangingPunct="1">
@@ -3134,6 +3870,60 @@
           <a:chExt cx="0" cy="0"/>
         </a:xfrm>
       </p:grpSpPr>
+      <p:pic>
+        <p:nvPicPr>
+          <p:cNvPr id="1034" name="Picture 10"/>
+          <p:cNvPicPr>
+            <a:picLocks noChangeAspect="1" noChangeArrowheads="1"/>
+          </p:cNvPicPr>
+          <p:nvPr/>
+        </p:nvPicPr>
+        <p:blipFill>
+          <a:blip r:embed="rId2">
+            <a:extLst>
+              <a:ext uri="{28A0092B-C50C-407E-A947-70E740481C1C}">
+                <a14:useLocalDpi xmlns:a14="http://schemas.microsoft.com/office/drawing/2010/main" val="0"/>
+              </a:ext>
+            </a:extLst>
+          </a:blip>
+          <a:srcRect/>
+          <a:stretch>
+            <a:fillRect/>
+          </a:stretch>
+        </p:blipFill>
+        <p:spPr bwMode="auto">
+          <a:xfrm>
+            <a:off x="-2" y="-1"/>
+            <a:ext cx="9568000" cy="6880000"/>
+          </a:xfrm>
+          <a:prstGeom prst="rect">
+            <a:avLst/>
+          </a:prstGeom>
+          <a:noFill/>
+          <a:ln>
+            <a:noFill/>
+          </a:ln>
+          <a:extLst>
+            <a:ext uri="{909E8E84-426E-40dd-AFC4-6F175D3DCCD1}">
+              <a14:hiddenFill xmlns:a14="http://schemas.microsoft.com/office/drawing/2010/main">
+                <a:solidFill>
+                  <a:schemeClr val="accent1"/>
+                </a:solidFill>
+              </a14:hiddenFill>
+            </a:ext>
+            <a:ext uri="{91240B29-F687-4f45-9708-019B960494DF}">
+              <a14:hiddenLine xmlns:a14="http://schemas.microsoft.com/office/drawing/2010/main" w="9525">
+                <a:solidFill>
+                  <a:schemeClr val="tx1"/>
+                </a:solidFill>
+                <a:miter lim="800000"/>
+                <a:headEnd/>
+                <a:tailEnd/>
+              </a14:hiddenLine>
+            </a:ext>
+          </a:extLst>
+        </p:spPr>
+      </p:pic>
       <p:sp>
         <p:nvSpPr>
           <p:cNvPr id="2" name="Title 1"/>
@@ -3144,27 +3934,50 @@
             <p:ph type="ctrTitle"/>
           </p:nvPr>
         </p:nvSpPr>
-        <p:spPr/>
-        <p:txBody>
-          <a:bodyPr/>
+        <p:spPr>
+          <a:xfrm>
+            <a:off x="319218" y="2287587"/>
+            <a:ext cx="8350120" cy="1470025"/>
+          </a:xfrm>
+        </p:spPr>
+        <p:txBody>
+          <a:bodyPr>
+            <a:normAutofit/>
+          </a:bodyPr>
           <a:lstStyle/>
           <a:p>
-            <a:r>
-              <a:rPr lang="en-US" dirty="0" smtClean="0"/>
-              <a:t>Concurrency: Reactive </a:t>
-            </a:r>
-            <a:br>
-              <a:rPr lang="en-US" dirty="0" smtClean="0"/>
-            </a:br>
-            <a:r>
-              <a:rPr lang="en-US" dirty="0" err="1" smtClean="0"/>
-              <a:t>vs</a:t>
-            </a:r>
-            <a:r>
-              <a:rPr lang="en-US" dirty="0" smtClean="0"/>
-              <a:t> Shared State</a:t>
-            </a:r>
-            <a:endParaRPr lang="en-US" dirty="0"/>
+            <a:pPr algn="l"/>
+            <a:r>
+              <a:rPr lang="en-US" sz="4000" b="1" dirty="0">
+                <a:solidFill>
+                  <a:srgbClr val="102F4B"/>
+                </a:solidFill>
+              </a:rPr>
+              <a:t>Concurrency</a:t>
+            </a:r>
+            <a:r>
+              <a:rPr lang="en-US" sz="4000" b="1" dirty="0" smtClean="0">
+                <a:solidFill>
+                  <a:srgbClr val="102F4B"/>
+                </a:solidFill>
+              </a:rPr>
+              <a:t>: Reactive vs </a:t>
+            </a:r>
+            <a:r>
+              <a:rPr lang="en-US" sz="4000" b="1" dirty="0">
+                <a:solidFill>
+                  <a:srgbClr val="102F4B"/>
+                </a:solidFill>
+              </a:rPr>
+              <a:t>Shared State</a:t>
+            </a:r>
+            <a:endParaRPr lang="en-US" sz="4000" b="1" spc="0" dirty="0">
+              <a:solidFill>
+                <a:srgbClr val="102F4B"/>
+              </a:solidFill>
+              <a:latin typeface="Arial"/>
+              <a:cs typeface="Arial"/>
+            </a:endParaRPr>
           </a:p>
         </p:txBody>
       </p:sp>
@@ -3178,41 +3991,137 @@
             <p:ph type="subTitle" idx="1"/>
           </p:nvPr>
         </p:nvSpPr>
-        <p:spPr/>
-        <p:txBody>
-          <a:bodyPr/>
+        <p:spPr>
+          <a:xfrm>
+            <a:off x="343177" y="3757612"/>
+            <a:ext cx="8147679" cy="2594431"/>
+          </a:xfrm>
+        </p:spPr>
+        <p:txBody>
+          <a:bodyPr>
+            <a:normAutofit/>
+          </a:bodyPr>
           <a:lstStyle/>
           <a:p>
-            <a:r>
-              <a:rPr lang="en-US" dirty="0" smtClean="0"/>
+            <a:pPr algn="l"/>
+            <a:r>
+              <a:rPr lang="en-US" sz="2800" dirty="0">
+                <a:solidFill>
+                  <a:srgbClr val="102F4B"/>
+                </a:solidFill>
+              </a:rPr>
               <a:t>Benchmarking </a:t>
             </a:r>
             <a:r>
-              <a:rPr lang="en-US" dirty="0" err="1" smtClean="0"/>
+              <a:rPr lang="en-US" sz="2800" dirty="0" err="1">
+                <a:solidFill>
+                  <a:srgbClr val="102F4B"/>
+                </a:solidFill>
+              </a:rPr>
               <a:t>Akka</a:t>
             </a:r>
             <a:r>
-              <a:rPr lang="en-US" dirty="0"/>
-              <a:t> a</a:t>
-            </a:r>
-            <a:r>
-              <a:rPr lang="en-US" dirty="0" smtClean="0"/>
-              <a:t>ctors against shared-state concurrency</a:t>
-            </a:r>
-            <a:endParaRPr lang="en-US" dirty="0"/>
-          </a:p>
-        </p:txBody>
-      </p:sp>
+              <a:rPr lang="en-US" sz="2800" dirty="0">
+                <a:solidFill>
+                  <a:srgbClr val="102F4B"/>
+                </a:solidFill>
+              </a:rPr>
+              <a:t> actors against shared-state concurrency</a:t>
+            </a:r>
+          </a:p>
+          <a:p>
+            <a:pPr algn="l"/>
+            <a:endParaRPr lang="en-US" sz="1600" dirty="0" smtClean="0">
+              <a:solidFill>
+                <a:srgbClr val="102F4B"/>
+              </a:solidFill>
+              <a:latin typeface="Arial"/>
+              <a:cs typeface="Arial"/>
+            </a:endParaRPr>
+          </a:p>
+          <a:p>
+            <a:pPr algn="l"/>
+            <a:r>
+              <a:rPr lang="en-US" sz="1600" dirty="0" smtClean="0">
+                <a:solidFill>
+                  <a:srgbClr val="102F4B"/>
+                </a:solidFill>
+                <a:latin typeface="Arial"/>
+                <a:cs typeface="Arial"/>
+              </a:rPr>
+              <a:t>June 17</a:t>
+            </a:r>
+            <a:r>
+              <a:rPr lang="en-US" sz="1600" baseline="30000" dirty="0" smtClean="0">
+                <a:solidFill>
+                  <a:srgbClr val="102F4B"/>
+                </a:solidFill>
+                <a:latin typeface="Arial"/>
+                <a:cs typeface="Arial"/>
+              </a:rPr>
+              <a:t>th</a:t>
+            </a:r>
+            <a:r>
+              <a:rPr lang="en-US" sz="1600" dirty="0" smtClean="0">
+                <a:solidFill>
+                  <a:srgbClr val="102F4B"/>
+                </a:solidFill>
+                <a:latin typeface="Arial"/>
+                <a:cs typeface="Arial"/>
+              </a:rPr>
+              <a:t>, 2015</a:t>
+            </a:r>
+            <a:endParaRPr lang="en-US" sz="1600" dirty="0">
+              <a:solidFill>
+                <a:srgbClr val="102F4B"/>
+              </a:solidFill>
+              <a:latin typeface="Arial"/>
+              <a:cs typeface="Arial"/>
+            </a:endParaRPr>
+          </a:p>
+        </p:txBody>
+      </p:sp>
+      <p:pic>
+        <p:nvPicPr>
+          <p:cNvPr id="17" name="Picture 16"/>
+          <p:cNvPicPr>
+            <a:picLocks noChangeAspect="1"/>
+          </p:cNvPicPr>
+          <p:nvPr/>
+        </p:nvPicPr>
+        <p:blipFill>
+          <a:blip r:embed="rId3"/>
+          <a:stretch>
+            <a:fillRect/>
+          </a:stretch>
+        </p:blipFill>
+        <p:spPr>
+          <a:xfrm>
+            <a:off x="443540" y="1201752"/>
+            <a:ext cx="1733487" cy="1170102"/>
+          </a:xfrm>
+          <a:prstGeom prst="rect">
+            <a:avLst/>
+          </a:prstGeom>
+        </p:spPr>
+      </p:pic>
     </p:spTree>
     <p:extLst>
       <p:ext uri="{BB962C8B-B14F-4D97-AF65-F5344CB8AC3E}">
-        <p14:creationId xmlns:p14="http://schemas.microsoft.com/office/powerpoint/2010/main" val="3272702556"/>
+        <p14:creationId xmlns:p14="http://schemas.microsoft.com/office/powerpoint/2010/main" val="3767695361"/>
       </p:ext>
     </p:extLst>
   </p:cSld>
   <p:clrMapOvr>
     <a:masterClrMapping/>
   </p:clrMapOvr>
+  <p:timing>
+    <p:tnLst>
+      <p:par>
+        <p:cTn xmlns:p14="http://schemas.microsoft.com/office/powerpoint/2010/main" id="1" dur="indefinite" restart="never" nodeType="tmRoot"/>
+      </p:par>
+    </p:tnLst>
+  </p:timing>
 </p:sld>
 </file>
 
@@ -3235,146 +4144,362 @@
       </p:grpSpPr>
       <p:sp>
         <p:nvSpPr>
-          <p:cNvPr id="2" name="Title 1"/>
-          <p:cNvSpPr>
-            <a:spLocks noGrp="1"/>
-          </p:cNvSpPr>
-          <p:nvPr>
-            <p:ph type="title"/>
-          </p:nvPr>
-        </p:nvSpPr>
-        <p:spPr/>
-        <p:txBody>
-          <a:bodyPr/>
-          <a:lstStyle/>
-          <a:p>
-            <a:r>
-              <a:rPr lang="en-US" dirty="0" smtClean="0"/>
-              <a:t>Other Concurrency Strategies</a:t>
-            </a:r>
-            <a:endParaRPr lang="en-US" dirty="0"/>
-          </a:p>
-        </p:txBody>
-      </p:sp>
-      <p:sp>
-        <p:nvSpPr>
-          <p:cNvPr id="3" name="Content Placeholder 2"/>
-          <p:cNvSpPr>
-            <a:spLocks noGrp="1"/>
-          </p:cNvSpPr>
-          <p:nvPr>
-            <p:ph idx="1"/>
-          </p:nvPr>
+          <p:cNvPr id="4" name="Rectangle 3"/>
+          <p:cNvSpPr/>
+          <p:nvPr/>
         </p:nvSpPr>
         <p:spPr>
           <a:xfrm>
-            <a:off x="457200" y="1284111"/>
-            <a:ext cx="8229600" cy="5362221"/>
+            <a:off x="0" y="0"/>
+            <a:ext cx="9144000" cy="964642"/>
           </a:xfrm>
+          <a:prstGeom prst="rect">
+            <a:avLst/>
+          </a:prstGeom>
+          <a:solidFill>
+            <a:srgbClr val="102F4B"/>
+          </a:solidFill>
+          <a:ln>
+            <a:noFill/>
+          </a:ln>
         </p:spPr>
-        <p:txBody>
-          <a:bodyPr>
-            <a:normAutofit fontScale="92500" lnSpcReduction="20000"/>
+        <p:style>
+          <a:lnRef idx="1">
+            <a:schemeClr val="accent1"/>
+          </a:lnRef>
+          <a:fillRef idx="3">
+            <a:schemeClr val="accent1"/>
+          </a:fillRef>
+          <a:effectRef idx="2">
+            <a:schemeClr val="accent1"/>
+          </a:effectRef>
+          <a:fontRef idx="minor">
+            <a:schemeClr val="lt1"/>
+          </a:fontRef>
+        </p:style>
+        <p:txBody>
+          <a:bodyPr rtlCol="0" anchor="ctr"/>
+          <a:lstStyle/>
+          <a:p>
+            <a:r>
+              <a:rPr lang="en-US" sz="4800" dirty="0">
+                <a:solidFill>
+                  <a:srgbClr val="FFFFFF"/>
+                </a:solidFill>
+              </a:rPr>
+              <a:t>More </a:t>
+            </a:r>
+            <a:r>
+              <a:rPr lang="en-US" sz="4800" dirty="0" err="1">
+                <a:solidFill>
+                  <a:srgbClr val="FFFFFF"/>
+                </a:solidFill>
+              </a:rPr>
+              <a:t>Akka</a:t>
+            </a:r>
+            <a:r>
+              <a:rPr lang="en-US" sz="4800" dirty="0">
+                <a:solidFill>
+                  <a:srgbClr val="FFFFFF"/>
+                </a:solidFill>
+              </a:rPr>
+              <a:t> Information(!!!)	</a:t>
+            </a:r>
+          </a:p>
+        </p:txBody>
+      </p:sp>
+      <p:pic>
+        <p:nvPicPr>
+          <p:cNvPr id="5" name="Picture 4"/>
+          <p:cNvPicPr>
+            <a:picLocks noChangeAspect="1"/>
+          </p:cNvPicPr>
+          <p:nvPr/>
+        </p:nvPicPr>
+        <p:blipFill>
+          <a:blip r:embed="rId2"/>
+          <a:stretch>
+            <a:fillRect/>
+          </a:stretch>
+        </p:blipFill>
+        <p:spPr>
+          <a:xfrm>
+            <a:off x="427268" y="6118657"/>
+            <a:ext cx="529526" cy="356061"/>
+          </a:xfrm>
+          <a:prstGeom prst="rect">
+            <a:avLst/>
+          </a:prstGeom>
+        </p:spPr>
+      </p:pic>
+      <p:sp>
+        <p:nvSpPr>
+          <p:cNvPr id="7" name="Content Placeholder 2"/>
+          <p:cNvSpPr txBox="1">
+            <a:spLocks/>
+          </p:cNvSpPr>
+          <p:nvPr/>
+        </p:nvSpPr>
+        <p:spPr>
+          <a:xfrm>
+            <a:off x="268514" y="1287009"/>
+            <a:ext cx="8229600" cy="4525963"/>
+          </a:xfrm>
+          <a:prstGeom prst="rect">
+            <a:avLst/>
+          </a:prstGeom>
+        </p:spPr>
+        <p:txBody>
+          <a:bodyPr vert="horz" lIns="91440" tIns="45720" rIns="91440" bIns="45720" rtlCol="0">
+            <a:normAutofit/>
           </a:bodyPr>
-          <a:lstStyle/>
-          <a:p>
-            <a:r>
-              <a:rPr lang="en-US" dirty="0" smtClean="0"/>
-              <a:t>Functional Reactive Programming</a:t>
+          <a:lstStyle>
+            <a:lvl1pPr marL="342900" indent="-342900" algn="l" defTabSz="457200" rtl="0" eaLnBrk="1" latinLnBrk="0" hangingPunct="1">
+              <a:spcBef>
+                <a:spcPct val="20000"/>
+              </a:spcBef>
+              <a:buFont typeface="Arial"/>
+              <a:buChar char="•"/>
+              <a:defRPr sz="3200" kern="1200">
+                <a:solidFill>
+                  <a:schemeClr val="tx1"/>
+                </a:solidFill>
+                <a:latin typeface="+mn-lt"/>
+                <a:ea typeface="+mn-ea"/>
+                <a:cs typeface="+mn-cs"/>
+              </a:defRPr>
+            </a:lvl1pPr>
+            <a:lvl2pPr marL="742950" indent="-285750" algn="l" defTabSz="457200" rtl="0" eaLnBrk="1" latinLnBrk="0" hangingPunct="1">
+              <a:spcBef>
+                <a:spcPct val="20000"/>
+              </a:spcBef>
+              <a:buFont typeface="Arial"/>
+              <a:buChar char="–"/>
+              <a:defRPr sz="2800" kern="1200">
+                <a:solidFill>
+                  <a:schemeClr val="tx1"/>
+                </a:solidFill>
+                <a:latin typeface="+mn-lt"/>
+                <a:ea typeface="+mn-ea"/>
+                <a:cs typeface="+mn-cs"/>
+              </a:defRPr>
+            </a:lvl2pPr>
+            <a:lvl3pPr marL="1143000" indent="-228600" algn="l" defTabSz="457200" rtl="0" eaLnBrk="1" latinLnBrk="0" hangingPunct="1">
+              <a:spcBef>
+                <a:spcPct val="20000"/>
+              </a:spcBef>
+              <a:buFont typeface="Arial"/>
+              <a:buChar char="•"/>
+              <a:defRPr sz="2400" kern="1200">
+                <a:solidFill>
+                  <a:schemeClr val="tx1"/>
+                </a:solidFill>
+                <a:latin typeface="+mn-lt"/>
+                <a:ea typeface="+mn-ea"/>
+                <a:cs typeface="+mn-cs"/>
+              </a:defRPr>
+            </a:lvl3pPr>
+            <a:lvl4pPr marL="1600200" indent="-228600" algn="l" defTabSz="457200" rtl="0" eaLnBrk="1" latinLnBrk="0" hangingPunct="1">
+              <a:spcBef>
+                <a:spcPct val="20000"/>
+              </a:spcBef>
+              <a:buFont typeface="Arial"/>
+              <a:buChar char="–"/>
+              <a:defRPr sz="2000" kern="1200">
+                <a:solidFill>
+                  <a:schemeClr val="tx1"/>
+                </a:solidFill>
+                <a:latin typeface="+mn-lt"/>
+                <a:ea typeface="+mn-ea"/>
+                <a:cs typeface="+mn-cs"/>
+              </a:defRPr>
+            </a:lvl4pPr>
+            <a:lvl5pPr marL="2057400" indent="-228600" algn="l" defTabSz="457200" rtl="0" eaLnBrk="1" latinLnBrk="0" hangingPunct="1">
+              <a:spcBef>
+                <a:spcPct val="20000"/>
+              </a:spcBef>
+              <a:buFont typeface="Arial"/>
+              <a:buChar char="»"/>
+              <a:defRPr sz="2000" kern="1200">
+                <a:solidFill>
+                  <a:schemeClr val="tx1"/>
+                </a:solidFill>
+                <a:latin typeface="+mn-lt"/>
+                <a:ea typeface="+mn-ea"/>
+                <a:cs typeface="+mn-cs"/>
+              </a:defRPr>
+            </a:lvl5pPr>
+            <a:lvl6pPr marL="2514600" indent="-228600" algn="l" defTabSz="457200" rtl="0" eaLnBrk="1" latinLnBrk="0" hangingPunct="1">
+              <a:spcBef>
+                <a:spcPct val="20000"/>
+              </a:spcBef>
+              <a:buFont typeface="Arial"/>
+              <a:buChar char="•"/>
+              <a:defRPr sz="2000" kern="1200">
+                <a:solidFill>
+                  <a:schemeClr val="tx1"/>
+                </a:solidFill>
+                <a:latin typeface="+mn-lt"/>
+                <a:ea typeface="+mn-ea"/>
+                <a:cs typeface="+mn-cs"/>
+              </a:defRPr>
+            </a:lvl6pPr>
+            <a:lvl7pPr marL="2971800" indent="-228600" algn="l" defTabSz="457200" rtl="0" eaLnBrk="1" latinLnBrk="0" hangingPunct="1">
+              <a:spcBef>
+                <a:spcPct val="20000"/>
+              </a:spcBef>
+              <a:buFont typeface="Arial"/>
+              <a:buChar char="•"/>
+              <a:defRPr sz="2000" kern="1200">
+                <a:solidFill>
+                  <a:schemeClr val="tx1"/>
+                </a:solidFill>
+                <a:latin typeface="+mn-lt"/>
+                <a:ea typeface="+mn-ea"/>
+                <a:cs typeface="+mn-cs"/>
+              </a:defRPr>
+            </a:lvl7pPr>
+            <a:lvl8pPr marL="3429000" indent="-228600" algn="l" defTabSz="457200" rtl="0" eaLnBrk="1" latinLnBrk="0" hangingPunct="1">
+              <a:spcBef>
+                <a:spcPct val="20000"/>
+              </a:spcBef>
+              <a:buFont typeface="Arial"/>
+              <a:buChar char="•"/>
+              <a:defRPr sz="2000" kern="1200">
+                <a:solidFill>
+                  <a:schemeClr val="tx1"/>
+                </a:solidFill>
+                <a:latin typeface="+mn-lt"/>
+                <a:ea typeface="+mn-ea"/>
+                <a:cs typeface="+mn-cs"/>
+              </a:defRPr>
+            </a:lvl8pPr>
+            <a:lvl9pPr marL="3886200" indent="-228600" algn="l" defTabSz="457200" rtl="0" eaLnBrk="1" latinLnBrk="0" hangingPunct="1">
+              <a:spcBef>
+                <a:spcPct val="20000"/>
+              </a:spcBef>
+              <a:buFont typeface="Arial"/>
+              <a:buChar char="•"/>
+              <a:defRPr sz="2000" kern="1200">
+                <a:solidFill>
+                  <a:schemeClr val="tx1"/>
+                </a:solidFill>
+                <a:latin typeface="+mn-lt"/>
+                <a:ea typeface="+mn-ea"/>
+                <a:cs typeface="+mn-cs"/>
+              </a:defRPr>
+            </a:lvl9pPr>
+          </a:lstStyle>
+          <a:p>
+            <a:r>
+              <a:rPr lang="en-US" dirty="0" smtClean="0">
+                <a:solidFill>
+                  <a:srgbClr val="102F4B"/>
+                </a:solidFill>
+              </a:rPr>
+              <a:t>Extremely High Performance:</a:t>
             </a:r>
           </a:p>
           <a:p>
             <a:pPr lvl="1"/>
             <a:r>
-              <a:rPr lang="en-US" dirty="0" smtClean="0"/>
-              <a:t>Instead of messages or events, a signal is passed which represents a value over time.</a:t>
+              <a:rPr lang="en-US" dirty="0" smtClean="0">
+                <a:solidFill>
+                  <a:srgbClr val="102F4B"/>
+                </a:solidFill>
+              </a:rPr>
+              <a:t>50 million messages/second on a single machine</a:t>
+            </a:r>
+          </a:p>
+          <a:p>
+            <a:r>
+              <a:rPr lang="en-US" dirty="0" smtClean="0">
+                <a:solidFill>
+                  <a:srgbClr val="102F4B"/>
+                </a:solidFill>
+              </a:rPr>
+              <a:t>Small Memory Footprint:</a:t>
             </a:r>
           </a:p>
           <a:p>
             <a:pPr lvl="1"/>
             <a:r>
-              <a:rPr lang="en-US" dirty="0" smtClean="0"/>
-              <a:t>Signals are aggregated to form new signals</a:t>
+              <a:rPr lang="en-US" dirty="0" smtClean="0">
+                <a:solidFill>
+                  <a:srgbClr val="102F4B"/>
+                </a:solidFill>
+              </a:rPr>
+              <a:t>2.5 million actors per GB of heap</a:t>
+            </a:r>
+          </a:p>
+          <a:p>
+            <a:r>
+              <a:rPr lang="en-US" dirty="0" smtClean="0">
+                <a:solidFill>
+                  <a:srgbClr val="102F4B"/>
+                </a:solidFill>
+              </a:rPr>
+              <a:t>Hierarchical:</a:t>
             </a:r>
           </a:p>
           <a:p>
             <a:pPr lvl="1"/>
             <a:r>
-              <a:rPr lang="en-US" dirty="0" smtClean="0"/>
-              <a:t>Con: Not good for two way communication or state which can be concurrently modified</a:t>
-            </a:r>
-          </a:p>
-          <a:p>
-            <a:r>
-              <a:rPr lang="en-US" dirty="0" smtClean="0"/>
-              <a:t>Publisher/Subscriber</a:t>
+              <a:rPr lang="en-US" dirty="0" smtClean="0">
+                <a:solidFill>
+                  <a:srgbClr val="102F4B"/>
+                </a:solidFill>
+              </a:rPr>
+              <a:t>All actors have parent and 0-n children</a:t>
+            </a:r>
+          </a:p>
+          <a:p>
+            <a:r>
+              <a:rPr lang="en-US" dirty="0" smtClean="0">
+                <a:solidFill>
+                  <a:srgbClr val="102F4B"/>
+                </a:solidFill>
+              </a:rPr>
+              <a:t>Extended by powerful frameworks</a:t>
             </a:r>
           </a:p>
           <a:p>
             <a:pPr lvl="1"/>
             <a:r>
-              <a:rPr lang="en-US" dirty="0" err="1" smtClean="0"/>
-              <a:t>Javascript</a:t>
-            </a:r>
-            <a:r>
-              <a:rPr lang="en-US" dirty="0" smtClean="0"/>
-              <a:t> event handling for example</a:t>
-            </a:r>
-          </a:p>
-          <a:p>
-            <a:pPr lvl="1"/>
-            <a:r>
-              <a:rPr lang="en-US" dirty="0" smtClean="0"/>
-              <a:t>Listeners register a handler with an event source</a:t>
-            </a:r>
-          </a:p>
-          <a:p>
-            <a:pPr lvl="1"/>
-            <a:r>
-              <a:rPr lang="en-US" dirty="0" smtClean="0"/>
-              <a:t>Cons</a:t>
-            </a:r>
-          </a:p>
-          <a:p>
-            <a:pPr lvl="2"/>
-            <a:r>
-              <a:rPr lang="en-US" dirty="0" smtClean="0"/>
-              <a:t>Forces imperative style</a:t>
-            </a:r>
-          </a:p>
-          <a:p>
-            <a:pPr lvl="2"/>
-            <a:r>
-              <a:rPr lang="en-US" dirty="0" smtClean="0"/>
-              <a:t>Concurrency gets very complicated (callback hell)</a:t>
-            </a:r>
-          </a:p>
-          <a:p>
-            <a:pPr lvl="2"/>
-            <a:r>
-              <a:rPr lang="en-US" dirty="0" smtClean="0"/>
-              <a:t>Tightly coupled code</a:t>
-            </a:r>
-          </a:p>
-          <a:p>
-            <a:pPr lvl="1"/>
-            <a:endParaRPr lang="en-US" dirty="0" smtClean="0"/>
-          </a:p>
-          <a:p>
-            <a:endParaRPr lang="en-US" dirty="0"/>
+              <a:rPr lang="en-US" dirty="0" smtClean="0">
+                <a:solidFill>
+                  <a:srgbClr val="102F4B"/>
+                </a:solidFill>
+              </a:rPr>
+              <a:t>Spray (Rest), Play (Web apps), Slick (DB), Streams</a:t>
+            </a:r>
+          </a:p>
+          <a:p>
+            <a:endParaRPr lang="en-US" dirty="0">
+              <a:solidFill>
+                <a:srgbClr val="102F4B"/>
+              </a:solidFill>
+            </a:endParaRPr>
           </a:p>
         </p:txBody>
       </p:sp>
     </p:spTree>
     <p:extLst>
       <p:ext uri="{BB962C8B-B14F-4D97-AF65-F5344CB8AC3E}">
-        <p14:creationId xmlns:p14="http://schemas.microsoft.com/office/powerpoint/2010/main" val="1737580478"/>
+        <p14:creationId xmlns:p14="http://schemas.microsoft.com/office/powerpoint/2010/main" val="1526130513"/>
       </p:ext>
     </p:extLst>
   </p:cSld>
   <p:clrMapOvr>
     <a:masterClrMapping/>
   </p:clrMapOvr>
+  <p:timing>
+    <p:tnLst>
+      <p:par>
+        <p:cTn xmlns:p14="http://schemas.microsoft.com/office/powerpoint/2010/main" id="1" dur="indefinite" restart="never" nodeType="tmRoot"/>
+      </p:par>
+    </p:tnLst>
+  </p:timing>
 </p:sld>
 </file>
 
@@ -3397,38 +4522,81 @@
       </p:grpSpPr>
       <p:sp>
         <p:nvSpPr>
-          <p:cNvPr id="2" name="Title 1"/>
-          <p:cNvSpPr>
-            <a:spLocks noGrp="1"/>
-          </p:cNvSpPr>
-          <p:nvPr>
-            <p:ph type="title"/>
-          </p:nvPr>
-        </p:nvSpPr>
-        <p:spPr/>
-        <p:txBody>
-          <a:bodyPr/>
+          <p:cNvPr id="4" name="Rectangle 3"/>
+          <p:cNvSpPr/>
+          <p:nvPr/>
+        </p:nvSpPr>
+        <p:spPr>
+          <a:xfrm>
+            <a:off x="0" y="0"/>
+            <a:ext cx="9144000" cy="964642"/>
+          </a:xfrm>
+          <a:prstGeom prst="rect">
+            <a:avLst/>
+          </a:prstGeom>
+          <a:solidFill>
+            <a:srgbClr val="102F4B"/>
+          </a:solidFill>
+          <a:ln>
+            <a:noFill/>
+          </a:ln>
+        </p:spPr>
+        <p:style>
+          <a:lnRef idx="1">
+            <a:schemeClr val="accent1"/>
+          </a:lnRef>
+          <a:fillRef idx="3">
+            <a:schemeClr val="accent1"/>
+          </a:fillRef>
+          <a:effectRef idx="2">
+            <a:schemeClr val="accent1"/>
+          </a:effectRef>
+          <a:fontRef idx="minor">
+            <a:schemeClr val="lt1"/>
+          </a:fontRef>
+        </p:style>
+        <p:txBody>
+          <a:bodyPr rtlCol="0" anchor="ctr"/>
           <a:lstStyle/>
           <a:p>
             <a:r>
-              <a:rPr lang="en-US" dirty="0" smtClean="0"/>
-              <a:t>More </a:t>
-            </a:r>
-            <a:r>
-              <a:rPr lang="en-US" dirty="0" err="1" smtClean="0"/>
-              <a:t>Akka</a:t>
-            </a:r>
-            <a:r>
-              <a:rPr lang="en-US" dirty="0" smtClean="0"/>
-              <a:t> Information(!!!)	</a:t>
-            </a:r>
-            <a:endParaRPr lang="en-US" dirty="0"/>
-          </a:p>
-        </p:txBody>
-      </p:sp>
-      <p:sp>
-        <p:nvSpPr>
-          <p:cNvPr id="3" name="Content Placeholder 2"/>
+              <a:rPr lang="en-US" sz="4800" dirty="0">
+                <a:solidFill>
+                  <a:srgbClr val="FFFFFF"/>
+                </a:solidFill>
+              </a:rPr>
+              <a:t>Other Concurrency Strategies</a:t>
+            </a:r>
+          </a:p>
+        </p:txBody>
+      </p:sp>
+      <p:pic>
+        <p:nvPicPr>
+          <p:cNvPr id="5" name="Picture 4"/>
+          <p:cNvPicPr>
+            <a:picLocks noChangeAspect="1"/>
+          </p:cNvPicPr>
+          <p:nvPr/>
+        </p:nvPicPr>
+        <p:blipFill>
+          <a:blip r:embed="rId2"/>
+          <a:stretch>
+            <a:fillRect/>
+          </a:stretch>
+        </p:blipFill>
+        <p:spPr>
+          <a:xfrm>
+            <a:off x="427268" y="6118657"/>
+            <a:ext cx="529526" cy="356061"/>
+          </a:xfrm>
+          <a:prstGeom prst="rect">
+            <a:avLst/>
+          </a:prstGeom>
+        </p:spPr>
+      </p:pic>
+      <p:sp>
+        <p:nvSpPr>
+          <p:cNvPr id="6" name="Content Placeholder 2"/>
           <p:cNvSpPr>
             <a:spLocks noGrp="1"/>
           </p:cNvSpPr>
@@ -3436,77 +4604,178 @@
             <p:ph idx="1"/>
           </p:nvPr>
         </p:nvSpPr>
-        <p:spPr/>
-        <p:txBody>
-          <a:bodyPr/>
+        <p:spPr>
+          <a:xfrm>
+            <a:off x="325668" y="1128763"/>
+            <a:ext cx="8229600" cy="5362221"/>
+          </a:xfrm>
+        </p:spPr>
+        <p:txBody>
+          <a:bodyPr>
+            <a:normAutofit fontScale="92500" lnSpcReduction="20000"/>
+          </a:bodyPr>
           <a:lstStyle/>
           <a:p>
             <a:r>
-              <a:rPr lang="en-US" dirty="0" smtClean="0"/>
-              <a:t>Extremely High Performance:</a:t>
+              <a:rPr lang="en-US" dirty="0" smtClean="0">
+                <a:solidFill>
+                  <a:srgbClr val="102F4B"/>
+                </a:solidFill>
+              </a:rPr>
+              <a:t>Functional Reactive Programming</a:t>
             </a:r>
           </a:p>
           <a:p>
             <a:pPr lvl="1"/>
             <a:r>
-              <a:rPr lang="en-US" dirty="0" smtClean="0"/>
-              <a:t>50 million messages/second on a single machine</a:t>
-            </a:r>
-          </a:p>
-          <a:p>
-            <a:r>
-              <a:rPr lang="en-US" dirty="0" smtClean="0"/>
-              <a:t>Small Memory Footprint:</a:t>
+              <a:rPr lang="en-US" dirty="0" smtClean="0">
+                <a:solidFill>
+                  <a:srgbClr val="102F4B"/>
+                </a:solidFill>
+              </a:rPr>
+              <a:t>Instead of messages or events, a signal is continually emitted which represents a value over time</a:t>
             </a:r>
           </a:p>
           <a:p>
             <a:pPr lvl="1"/>
             <a:r>
-              <a:rPr lang="en-US" dirty="0" smtClean="0"/>
-              <a:t>2.5 million actors per GB of heap</a:t>
-            </a:r>
-          </a:p>
-          <a:p>
-            <a:r>
-              <a:rPr lang="en-US" dirty="0" smtClean="0"/>
-              <a:t>Hierarchical:</a:t>
+              <a:rPr lang="en-US" dirty="0" smtClean="0">
+                <a:solidFill>
+                  <a:srgbClr val="102F4B"/>
+                </a:solidFill>
+              </a:rPr>
+              <a:t>Signals are aggregated to form new signals</a:t>
             </a:r>
           </a:p>
           <a:p>
             <a:pPr lvl="1"/>
             <a:r>
-              <a:rPr lang="en-US" dirty="0" smtClean="0"/>
-              <a:t>All actors have parents and 0-n children</a:t>
-            </a:r>
-          </a:p>
-          <a:p>
-            <a:r>
-              <a:rPr lang="en-US" dirty="0" smtClean="0"/>
-              <a:t>Extended by powerful frameworks</a:t>
+              <a:rPr lang="en-US" dirty="0" smtClean="0">
+                <a:solidFill>
+                  <a:srgbClr val="102F4B"/>
+                </a:solidFill>
+              </a:rPr>
+              <a:t>Con: Not good for two way communication or state which can be concurrently modified</a:t>
+            </a:r>
+          </a:p>
+          <a:p>
+            <a:r>
+              <a:rPr lang="en-US" dirty="0" smtClean="0">
+                <a:solidFill>
+                  <a:srgbClr val="102F4B"/>
+                </a:solidFill>
+              </a:rPr>
+              <a:t>Publisher/Subscriber</a:t>
             </a:r>
           </a:p>
           <a:p>
             <a:pPr lvl="1"/>
             <a:r>
-              <a:rPr lang="en-US" dirty="0" smtClean="0"/>
-              <a:t>Spray (Rest), Play (Web apps), Slick (DB), Streams</a:t>
-            </a:r>
-          </a:p>
-          <a:p>
-            <a:endParaRPr lang="en-US" dirty="0"/>
+              <a:rPr lang="en-US" dirty="0" err="1" smtClean="0">
+                <a:solidFill>
+                  <a:srgbClr val="102F4B"/>
+                </a:solidFill>
+              </a:rPr>
+              <a:t>Javascript</a:t>
+            </a:r>
+            <a:r>
+              <a:rPr lang="en-US" dirty="0" smtClean="0">
+                <a:solidFill>
+                  <a:srgbClr val="102F4B"/>
+                </a:solidFill>
+              </a:rPr>
+              <a:t> event handling for example</a:t>
+            </a:r>
+          </a:p>
+          <a:p>
+            <a:pPr lvl="1"/>
+            <a:r>
+              <a:rPr lang="en-US" dirty="0" smtClean="0">
+                <a:solidFill>
+                  <a:srgbClr val="102F4B"/>
+                </a:solidFill>
+              </a:rPr>
+              <a:t>Listeners register a handler with an event source</a:t>
+            </a:r>
+          </a:p>
+          <a:p>
+            <a:pPr lvl="1"/>
+            <a:r>
+              <a:rPr lang="en-US" dirty="0" smtClean="0">
+                <a:solidFill>
+                  <a:srgbClr val="102F4B"/>
+                </a:solidFill>
+              </a:rPr>
+              <a:t>Cons</a:t>
+            </a:r>
+          </a:p>
+          <a:p>
+            <a:pPr lvl="2"/>
+            <a:r>
+              <a:rPr lang="en-US" dirty="0" smtClean="0">
+                <a:solidFill>
+                  <a:srgbClr val="102F4B"/>
+                </a:solidFill>
+              </a:rPr>
+              <a:t>Forces imperative style</a:t>
+            </a:r>
+          </a:p>
+          <a:p>
+            <a:pPr lvl="2"/>
+            <a:r>
+              <a:rPr lang="en-US" dirty="0" smtClean="0">
+                <a:solidFill>
+                  <a:srgbClr val="102F4B"/>
+                </a:solidFill>
+              </a:rPr>
+              <a:t>Concurrency gets very complicated (callback hell)</a:t>
+            </a:r>
+          </a:p>
+          <a:p>
+            <a:pPr lvl="2"/>
+            <a:r>
+              <a:rPr lang="en-US" dirty="0" smtClean="0">
+                <a:solidFill>
+                  <a:srgbClr val="102F4B"/>
+                </a:solidFill>
+              </a:rPr>
+              <a:t>Tightly coupled code</a:t>
+            </a:r>
+          </a:p>
+          <a:p>
+            <a:pPr lvl="1"/>
+            <a:endParaRPr lang="en-US" dirty="0" smtClean="0">
+              <a:solidFill>
+                <a:srgbClr val="102F4B"/>
+              </a:solidFill>
+            </a:endParaRPr>
+          </a:p>
+          <a:p>
+            <a:endParaRPr lang="en-US" dirty="0">
+              <a:solidFill>
+                <a:srgbClr val="102F4B"/>
+              </a:solidFill>
+            </a:endParaRPr>
           </a:p>
         </p:txBody>
       </p:sp>
     </p:spTree>
     <p:extLst>
       <p:ext uri="{BB962C8B-B14F-4D97-AF65-F5344CB8AC3E}">
-        <p14:creationId xmlns:p14="http://schemas.microsoft.com/office/powerpoint/2010/main" val="1970750423"/>
+        <p14:creationId xmlns:p14="http://schemas.microsoft.com/office/powerpoint/2010/main" val="1378695423"/>
       </p:ext>
     </p:extLst>
   </p:cSld>
   <p:clrMapOvr>
     <a:masterClrMapping/>
   </p:clrMapOvr>
+  <p:timing>
+    <p:tnLst>
+      <p:par>
+        <p:cTn xmlns:p14="http://schemas.microsoft.com/office/powerpoint/2010/main" id="1" dur="indefinite" restart="never" nodeType="tmRoot"/>
+      </p:par>
+    </p:tnLst>
+  </p:timing>
 </p:sld>
 </file>
 
@@ -3529,38 +4798,81 @@
       </p:grpSpPr>
       <p:sp>
         <p:nvSpPr>
-          <p:cNvPr id="2" name="Title 1"/>
-          <p:cNvSpPr>
-            <a:spLocks noGrp="1"/>
-          </p:cNvSpPr>
-          <p:nvPr>
-            <p:ph type="title"/>
-          </p:nvPr>
-        </p:nvSpPr>
-        <p:spPr/>
-        <p:txBody>
-          <a:bodyPr/>
+          <p:cNvPr id="4" name="Rectangle 3"/>
+          <p:cNvSpPr/>
+          <p:nvPr/>
+        </p:nvSpPr>
+        <p:spPr>
+          <a:xfrm>
+            <a:off x="0" y="0"/>
+            <a:ext cx="9144000" cy="964642"/>
+          </a:xfrm>
+          <a:prstGeom prst="rect">
+            <a:avLst/>
+          </a:prstGeom>
+          <a:solidFill>
+            <a:srgbClr val="102F4B"/>
+          </a:solidFill>
+          <a:ln>
+            <a:noFill/>
+          </a:ln>
+        </p:spPr>
+        <p:style>
+          <a:lnRef idx="1">
+            <a:schemeClr val="accent1"/>
+          </a:lnRef>
+          <a:fillRef idx="3">
+            <a:schemeClr val="accent1"/>
+          </a:fillRef>
+          <a:effectRef idx="2">
+            <a:schemeClr val="accent1"/>
+          </a:effectRef>
+          <a:fontRef idx="minor">
+            <a:schemeClr val="lt1"/>
+          </a:fontRef>
+        </p:style>
+        <p:txBody>
+          <a:bodyPr rtlCol="0" anchor="ctr"/>
           <a:lstStyle/>
           <a:p>
             <a:r>
-              <a:rPr lang="en-US" dirty="0" smtClean="0"/>
-              <a:t>A Quick </a:t>
-            </a:r>
-            <a:r>
-              <a:rPr lang="en-US" dirty="0" err="1" smtClean="0"/>
-              <a:t>Dev</a:t>
-            </a:r>
-            <a:r>
-              <a:rPr lang="en-US" dirty="0" smtClean="0"/>
-              <a:t> Ops Slide</a:t>
-            </a:r>
-            <a:endParaRPr lang="en-US" dirty="0"/>
-          </a:p>
-        </p:txBody>
-      </p:sp>
-      <p:sp>
-        <p:nvSpPr>
-          <p:cNvPr id="3" name="Content Placeholder 2"/>
+              <a:rPr lang="en-US" sz="4800" dirty="0">
+                <a:solidFill>
+                  <a:srgbClr val="FFFFFF"/>
+                </a:solidFill>
+              </a:rPr>
+              <a:t>DevOps</a:t>
+            </a:r>
+          </a:p>
+        </p:txBody>
+      </p:sp>
+      <p:pic>
+        <p:nvPicPr>
+          <p:cNvPr id="5" name="Picture 4"/>
+          <p:cNvPicPr>
+            <a:picLocks noChangeAspect="1"/>
+          </p:cNvPicPr>
+          <p:nvPr/>
+        </p:nvPicPr>
+        <p:blipFill>
+          <a:blip r:embed="rId3"/>
+          <a:stretch>
+            <a:fillRect/>
+          </a:stretch>
+        </p:blipFill>
+        <p:spPr>
+          <a:xfrm>
+            <a:off x="427268" y="6118657"/>
+            <a:ext cx="529526" cy="356061"/>
+          </a:xfrm>
+          <a:prstGeom prst="rect">
+            <a:avLst/>
+          </a:prstGeom>
+        </p:spPr>
+      </p:pic>
+      <p:sp>
+        <p:nvSpPr>
+          <p:cNvPr id="6" name="Content Placeholder 2"/>
           <p:cNvSpPr>
             <a:spLocks noGrp="1"/>
           </p:cNvSpPr>
@@ -3570,107 +4882,180 @@
         </p:nvSpPr>
         <p:spPr>
           <a:xfrm>
-            <a:off x="457200" y="1600200"/>
-            <a:ext cx="4114800" cy="4525963"/>
+            <a:off x="166914" y="1135742"/>
+            <a:ext cx="4114800" cy="4700392"/>
           </a:xfrm>
         </p:spPr>
         <p:txBody>
           <a:bodyPr>
-            <a:normAutofit fontScale="62500" lnSpcReduction="20000"/>
+            <a:normAutofit fontScale="70000" lnSpcReduction="20000"/>
           </a:bodyPr>
           <a:lstStyle/>
           <a:p>
             <a:r>
-              <a:rPr lang="en-US" dirty="0" smtClean="0"/>
-              <a:t>HBC is very focused on </a:t>
-            </a:r>
-            <a:r>
-              <a:rPr lang="en-US" dirty="0" err="1" smtClean="0"/>
-              <a:t>Dev</a:t>
-            </a:r>
-            <a:r>
-              <a:rPr lang="en-US" dirty="0" smtClean="0"/>
-              <a:t> Ops</a:t>
-            </a:r>
-          </a:p>
-          <a:p>
-            <a:r>
-              <a:rPr lang="en-US" dirty="0" smtClean="0"/>
-              <a:t>Developers are empowered to work with Infrastructure to create </a:t>
-            </a:r>
-            <a:r>
-              <a:rPr lang="en-US" dirty="0" err="1" smtClean="0"/>
-              <a:t>dev</a:t>
-            </a:r>
-            <a:r>
-              <a:rPr lang="en-US" dirty="0" smtClean="0"/>
-              <a:t> environments that can move all the way to Production</a:t>
-            </a:r>
-          </a:p>
-          <a:p>
-            <a:r>
-              <a:rPr lang="en-US" dirty="0" smtClean="0"/>
-              <a:t>We are using </a:t>
+              <a:rPr lang="en-US" dirty="0" smtClean="0">
+                <a:solidFill>
+                  <a:srgbClr val="102F4B"/>
+                </a:solidFill>
+              </a:rPr>
+              <a:t>At HBC we are using </a:t>
             </a:r>
           </a:p>
           <a:p>
             <a:pPr lvl="1"/>
             <a:r>
-              <a:rPr lang="en-US" dirty="0" smtClean="0"/>
+              <a:rPr lang="en-US" dirty="0" smtClean="0">
+                <a:solidFill>
+                  <a:srgbClr val="102F4B"/>
+                </a:solidFill>
+              </a:rPr>
               <a:t>Kitchen (testing)</a:t>
             </a:r>
           </a:p>
           <a:p>
             <a:pPr lvl="1"/>
             <a:r>
-              <a:rPr lang="en-US" dirty="0" smtClean="0"/>
+              <a:rPr lang="en-US" dirty="0" smtClean="0">
+                <a:solidFill>
+                  <a:srgbClr val="102F4B"/>
+                </a:solidFill>
+              </a:rPr>
               <a:t>Vagrant (virtual machines)</a:t>
             </a:r>
           </a:p>
           <a:p>
             <a:pPr lvl="1"/>
             <a:r>
-              <a:rPr lang="en-US" dirty="0" smtClean="0"/>
+              <a:rPr lang="en-US" dirty="0" smtClean="0">
+                <a:solidFill>
+                  <a:srgbClr val="102F4B"/>
+                </a:solidFill>
+              </a:rPr>
               <a:t>Puppet (provisioning)</a:t>
             </a:r>
           </a:p>
           <a:p>
             <a:pPr lvl="1"/>
             <a:r>
-              <a:rPr lang="en-US" dirty="0" smtClean="0"/>
+              <a:rPr lang="en-US" dirty="0" smtClean="0">
+                <a:solidFill>
+                  <a:srgbClr val="102F4B"/>
+                </a:solidFill>
+              </a:rPr>
               <a:t>Librarian Puppet (more provisioning)</a:t>
             </a:r>
           </a:p>
           <a:p>
             <a:pPr lvl="1"/>
             <a:r>
-              <a:rPr lang="en-US" dirty="0" err="1" smtClean="0"/>
+              <a:rPr lang="en-US" dirty="0" err="1" smtClean="0">
+                <a:solidFill>
+                  <a:srgbClr val="102F4B"/>
+                </a:solidFill>
+              </a:rPr>
               <a:t>Docker</a:t>
             </a:r>
             <a:r>
-              <a:rPr lang="en-US" dirty="0" smtClean="0"/>
+              <a:rPr lang="en-US" dirty="0" smtClean="0">
+                <a:solidFill>
+                  <a:srgbClr val="102F4B"/>
+                </a:solidFill>
+              </a:rPr>
               <a:t> (containers)</a:t>
             </a:r>
           </a:p>
           <a:p>
-            <a:r>
-              <a:rPr lang="en-US" dirty="0" smtClean="0"/>
-              <a:t>This allows us to treat infrastructure as code- versioning, pull requests, code review, regression testing, reproducibility</a:t>
-            </a:r>
-            <a:endParaRPr lang="en-US" dirty="0"/>
-          </a:p>
-        </p:txBody>
-      </p:sp>
-      <p:sp>
-        <p:nvSpPr>
-          <p:cNvPr id="4" name="TextBox 3"/>
+            <a:pPr marL="457200" lvl="1" indent="0">
+              <a:buNone/>
+            </a:pPr>
+            <a:endParaRPr lang="en-US" dirty="0" smtClean="0">
+              <a:solidFill>
+                <a:srgbClr val="102F4B"/>
+              </a:solidFill>
+            </a:endParaRPr>
+          </a:p>
+          <a:p>
+            <a:r>
+              <a:rPr lang="en-US" dirty="0" smtClean="0">
+                <a:solidFill>
+                  <a:srgbClr val="102F4B"/>
+                </a:solidFill>
+              </a:rPr>
+              <a:t>We practice Infrastructure as code</a:t>
+            </a:r>
+          </a:p>
+          <a:p>
+            <a:pPr lvl="1"/>
+            <a:r>
+              <a:rPr lang="en-US" dirty="0" smtClean="0">
+                <a:solidFill>
+                  <a:srgbClr val="102F4B"/>
+                </a:solidFill>
+              </a:rPr>
+              <a:t>versioning </a:t>
+            </a:r>
+          </a:p>
+          <a:p>
+            <a:pPr lvl="1"/>
+            <a:r>
+              <a:rPr lang="en-US" dirty="0" smtClean="0">
+                <a:solidFill>
+                  <a:srgbClr val="102F4B"/>
+                </a:solidFill>
+              </a:rPr>
+              <a:t>pull requests </a:t>
+            </a:r>
+          </a:p>
+          <a:p>
+            <a:pPr lvl="1"/>
+            <a:r>
+              <a:rPr lang="en-US" dirty="0" smtClean="0">
+                <a:solidFill>
+                  <a:srgbClr val="102F4B"/>
+                </a:solidFill>
+              </a:rPr>
+              <a:t>code review </a:t>
+            </a:r>
+          </a:p>
+          <a:p>
+            <a:pPr lvl="1"/>
+            <a:r>
+              <a:rPr lang="en-US" dirty="0" smtClean="0">
+                <a:solidFill>
+                  <a:srgbClr val="102F4B"/>
+                </a:solidFill>
+              </a:rPr>
+              <a:t>regression testing</a:t>
+            </a:r>
+          </a:p>
+          <a:p>
+            <a:pPr lvl="1"/>
+            <a:r>
+              <a:rPr lang="en-US" dirty="0" smtClean="0">
+                <a:solidFill>
+                  <a:srgbClr val="102F4B"/>
+                </a:solidFill>
+              </a:rPr>
+              <a:t>reproducibility</a:t>
+            </a:r>
+            <a:endParaRPr lang="en-US" dirty="0">
+              <a:solidFill>
+                <a:srgbClr val="102F4B"/>
+              </a:solidFill>
+            </a:endParaRPr>
+          </a:p>
+        </p:txBody>
+      </p:sp>
+      <p:sp>
+        <p:nvSpPr>
+          <p:cNvPr id="7" name="TextBox 6"/>
           <p:cNvSpPr txBox="1"/>
           <p:nvPr/>
         </p:nvSpPr>
         <p:spPr>
           <a:xfrm>
-            <a:off x="4967110" y="1600200"/>
-            <a:ext cx="3826970" cy="5324535"/>
+            <a:off x="4659682" y="1167416"/>
+            <a:ext cx="4176470" cy="4376583"/>
           </a:xfrm>
           <a:prstGeom prst="rect">
             <a:avLst/>
@@ -3683,121 +5068,259 @@
           </a:bodyPr>
           <a:lstStyle/>
           <a:p>
-            <a:pPr marL="285750" indent="-285750">
-              <a:buFont typeface="Arial"/>
+            <a:pPr marL="342900" lvl="1" indent="-342900" defTabSz="914400">
+              <a:lnSpc>
+                <a:spcPct val="80000"/>
+              </a:lnSpc>
+              <a:spcBef>
+                <a:spcPct val="20000"/>
+              </a:spcBef>
+              <a:buFont typeface="Arial" panose="020B0604020202020204" pitchFamily="34" charset="0"/>
               <a:buChar char="•"/>
             </a:pPr>
             <a:r>
-              <a:rPr lang="en-US" sz="2000" dirty="0" smtClean="0"/>
-              <a:t>For this project I started with a </a:t>
-            </a:r>
-            <a:r>
-              <a:rPr lang="en-US" sz="2000" dirty="0"/>
-              <a:t>L</a:t>
-            </a:r>
-            <a:r>
-              <a:rPr lang="en-US" sz="2000" dirty="0" smtClean="0"/>
-              <a:t>inux base box</a:t>
-            </a:r>
-          </a:p>
-          <a:p>
-            <a:pPr marL="285750" indent="-285750">
-              <a:buFont typeface="Arial"/>
+              <a:rPr lang="en-US" sz="2200" dirty="0">
+                <a:solidFill>
+                  <a:srgbClr val="102F4B"/>
+                </a:solidFill>
+              </a:rPr>
+              <a:t>Linux base box</a:t>
+            </a:r>
+          </a:p>
+          <a:p>
+            <a:pPr marL="342900" lvl="1" indent="-342900" defTabSz="914400">
+              <a:lnSpc>
+                <a:spcPct val="80000"/>
+              </a:lnSpc>
+              <a:spcBef>
+                <a:spcPct val="20000"/>
+              </a:spcBef>
+              <a:buFont typeface="Arial" panose="020B0604020202020204" pitchFamily="34" charset="0"/>
               <a:buChar char="•"/>
             </a:pPr>
             <a:r>
-              <a:rPr lang="en-US" sz="2000" dirty="0" smtClean="0"/>
-              <a:t>I used Puppet Librarian to source modules for SBT, Java, </a:t>
-            </a:r>
-            <a:r>
-              <a:rPr lang="en-US" sz="2000" dirty="0" err="1" smtClean="0"/>
-              <a:t>MongoSB</a:t>
-            </a:r>
-            <a:r>
-              <a:rPr lang="en-US" sz="2000" dirty="0" smtClean="0"/>
-              <a:t>, and </a:t>
-            </a:r>
-            <a:r>
-              <a:rPr lang="en-US" sz="2000" dirty="0" err="1" smtClean="0"/>
+              <a:rPr lang="en-US" sz="2200" dirty="0">
+                <a:solidFill>
+                  <a:srgbClr val="102F4B"/>
+                </a:solidFill>
+              </a:rPr>
+              <a:t>Puppet Librarian </a:t>
+            </a:r>
+          </a:p>
+          <a:p>
+            <a:pPr marL="742950" lvl="1" indent="-285750" defTabSz="914400">
+              <a:lnSpc>
+                <a:spcPct val="80000"/>
+              </a:lnSpc>
+              <a:spcBef>
+                <a:spcPct val="20000"/>
+              </a:spcBef>
+              <a:buFont typeface="Arial" panose="020B0604020202020204" pitchFamily="34" charset="0"/>
+              <a:buChar char="–"/>
+            </a:pPr>
+            <a:r>
+              <a:rPr lang="en-US" sz="2000" dirty="0">
+                <a:solidFill>
+                  <a:srgbClr val="102F4B"/>
+                </a:solidFill>
+              </a:rPr>
+              <a:t>to source modules for SBT, Java, MongoDB, and </a:t>
+            </a:r>
+            <a:r>
+              <a:rPr lang="en-US" sz="2000" dirty="0" err="1">
+                <a:solidFill>
+                  <a:srgbClr val="102F4B"/>
+                </a:solidFill>
+              </a:rPr>
               <a:t>Docker</a:t>
             </a:r>
-            <a:endParaRPr lang="en-US" sz="2000" dirty="0" smtClean="0"/>
-          </a:p>
-          <a:p>
-            <a:pPr marL="285750" indent="-285750">
-              <a:buFont typeface="Arial"/>
+            <a:r>
+              <a:rPr lang="en-US" sz="2000" dirty="0">
+                <a:solidFill>
+                  <a:srgbClr val="102F4B"/>
+                </a:solidFill>
+              </a:rPr>
+              <a:t> </a:t>
+            </a:r>
+          </a:p>
+          <a:p>
+            <a:pPr marL="742950" lvl="1" indent="-285750" defTabSz="914400">
+              <a:lnSpc>
+                <a:spcPct val="80000"/>
+              </a:lnSpc>
+              <a:spcBef>
+                <a:spcPct val="20000"/>
+              </a:spcBef>
+              <a:buFont typeface="Arial" panose="020B0604020202020204" pitchFamily="34" charset="0"/>
+              <a:buChar char="–"/>
+            </a:pPr>
+            <a:r>
+              <a:rPr lang="en-US" sz="2000" dirty="0">
+                <a:solidFill>
+                  <a:srgbClr val="102F4B"/>
+                </a:solidFill>
+              </a:rPr>
+              <a:t>Installed in my base box (provision)</a:t>
+            </a:r>
+          </a:p>
+          <a:p>
+            <a:pPr marL="742950" lvl="1" indent="-285750" defTabSz="914400">
+              <a:lnSpc>
+                <a:spcPct val="80000"/>
+              </a:lnSpc>
+              <a:spcBef>
+                <a:spcPct val="20000"/>
+              </a:spcBef>
+              <a:buFont typeface="Arial" panose="020B0604020202020204" pitchFamily="34" charset="0"/>
+              <a:buChar char="–"/>
+            </a:pPr>
+            <a:r>
+              <a:rPr lang="en-US" sz="2000" dirty="0">
+                <a:solidFill>
+                  <a:srgbClr val="102F4B"/>
+                </a:solidFill>
+              </a:rPr>
+              <a:t>spin up and deploy a </a:t>
+            </a:r>
+            <a:r>
+              <a:rPr lang="en-US" sz="2000" dirty="0" err="1">
+                <a:solidFill>
+                  <a:srgbClr val="102F4B"/>
+                </a:solidFill>
+              </a:rPr>
+              <a:t>Docker</a:t>
+            </a:r>
+            <a:r>
+              <a:rPr lang="en-US" sz="2000" dirty="0">
+                <a:solidFill>
+                  <a:srgbClr val="102F4B"/>
+                </a:solidFill>
+              </a:rPr>
+              <a:t> container running </a:t>
+            </a:r>
+            <a:r>
+              <a:rPr lang="en-US" sz="2000" dirty="0" err="1">
+                <a:solidFill>
+                  <a:srgbClr val="102F4B"/>
+                </a:solidFill>
+              </a:rPr>
+              <a:t>StatsD</a:t>
+            </a:r>
+            <a:r>
+              <a:rPr lang="en-US" sz="2000" dirty="0">
+                <a:solidFill>
+                  <a:srgbClr val="102F4B"/>
+                </a:solidFill>
+              </a:rPr>
+              <a:t> and </a:t>
+            </a:r>
+            <a:r>
+              <a:rPr lang="en-US" sz="2000" dirty="0" smtClean="0">
+                <a:solidFill>
+                  <a:srgbClr val="102F4B"/>
+                </a:solidFill>
+              </a:rPr>
+              <a:t>Graphite</a:t>
+            </a:r>
+          </a:p>
+          <a:p>
+            <a:pPr lvl="1" defTabSz="914400">
+              <a:lnSpc>
+                <a:spcPct val="80000"/>
+              </a:lnSpc>
+              <a:spcBef>
+                <a:spcPct val="20000"/>
+              </a:spcBef>
+            </a:pPr>
+            <a:endParaRPr lang="en-US" sz="2000" dirty="0">
+              <a:solidFill>
+                <a:srgbClr val="102F4B"/>
+              </a:solidFill>
+            </a:endParaRPr>
+          </a:p>
+          <a:p>
+            <a:pPr marL="342900" lvl="1" indent="-342900" defTabSz="914400">
+              <a:lnSpc>
+                <a:spcPct val="80000"/>
+              </a:lnSpc>
+              <a:spcBef>
+                <a:spcPct val="20000"/>
+              </a:spcBef>
+              <a:buFont typeface="Arial" panose="020B0604020202020204" pitchFamily="34" charset="0"/>
               <a:buChar char="•"/>
             </a:pPr>
             <a:r>
-              <a:rPr lang="en-US" sz="2000" dirty="0" smtClean="0"/>
-              <a:t>Then I used Puppet to install those modules in my base box (provision).</a:t>
-            </a:r>
-          </a:p>
-          <a:p>
-            <a:pPr marL="285750" indent="-285750">
-              <a:buFont typeface="Arial"/>
-              <a:buChar char="•"/>
+              <a:rPr lang="en-US" sz="2200" dirty="0" smtClean="0">
+                <a:solidFill>
+                  <a:srgbClr val="102F4B"/>
+                </a:solidFill>
+              </a:rPr>
+              <a:t>Run </a:t>
+            </a:r>
+            <a:r>
+              <a:rPr lang="en-US" sz="2200" dirty="0">
+                <a:solidFill>
+                  <a:srgbClr val="102F4B"/>
+                </a:solidFill>
+              </a:rPr>
+              <a:t>Play applications with SBT </a:t>
+            </a:r>
+            <a:r>
+              <a:rPr lang="en-US" sz="2200" dirty="0" smtClean="0">
+                <a:solidFill>
+                  <a:srgbClr val="102F4B"/>
+                </a:solidFill>
+              </a:rPr>
+              <a:t>and Java while running </a:t>
+            </a:r>
+            <a:r>
+              <a:rPr lang="en-US" sz="2200" dirty="0">
+                <a:solidFill>
+                  <a:srgbClr val="102F4B"/>
+                </a:solidFill>
+              </a:rPr>
+              <a:t>MongoDB, </a:t>
+            </a:r>
+            <a:r>
+              <a:rPr lang="en-US" sz="2200" dirty="0" err="1">
+                <a:solidFill>
+                  <a:srgbClr val="102F4B"/>
+                </a:solidFill>
+              </a:rPr>
+              <a:t>StatsD</a:t>
+            </a:r>
+            <a:r>
+              <a:rPr lang="en-US" sz="2200" dirty="0">
+                <a:solidFill>
+                  <a:srgbClr val="102F4B"/>
+                </a:solidFill>
+              </a:rPr>
+              <a:t>, and Graphite instances ready to use.</a:t>
+            </a:r>
+          </a:p>
+          <a:p>
+            <a:pPr marL="742950" lvl="1" indent="-285750" defTabSz="914400">
+              <a:lnSpc>
+                <a:spcPct val="80000"/>
+              </a:lnSpc>
+              <a:spcBef>
+                <a:spcPct val="20000"/>
+              </a:spcBef>
+              <a:buFont typeface="Arial" panose="020B0604020202020204" pitchFamily="34" charset="0"/>
+              <a:buChar char="–"/>
             </a:pPr>
-            <a:r>
-              <a:rPr lang="en-US" sz="2000" dirty="0" smtClean="0"/>
-              <a:t>Finally, I used Puppet to spin up and deploy a </a:t>
-            </a:r>
-            <a:r>
-              <a:rPr lang="en-US" sz="2000" dirty="0" err="1" smtClean="0"/>
-              <a:t>Docker</a:t>
-            </a:r>
-            <a:r>
-              <a:rPr lang="en-US" sz="2000" dirty="0" smtClean="0"/>
-              <a:t> container running </a:t>
-            </a:r>
-            <a:r>
-              <a:rPr lang="en-US" sz="2000" dirty="0" err="1" smtClean="0"/>
-              <a:t>StatsD</a:t>
-            </a:r>
-            <a:r>
-              <a:rPr lang="en-US" sz="2000" dirty="0" smtClean="0"/>
-              <a:t> and Graphite.</a:t>
-            </a:r>
-          </a:p>
-          <a:p>
-            <a:pPr marL="285750" indent="-285750">
-              <a:buFont typeface="Arial"/>
-              <a:buChar char="•"/>
-            </a:pPr>
-            <a:r>
-              <a:rPr lang="en-US" sz="2000" dirty="0" smtClean="0"/>
-              <a:t>At the end of all this I could run my Play applications with SBT and Java and I had running </a:t>
-            </a:r>
-            <a:r>
-              <a:rPr lang="en-US" sz="2000" dirty="0" err="1" smtClean="0"/>
-              <a:t>MongoDB</a:t>
-            </a:r>
-            <a:r>
-              <a:rPr lang="en-US" sz="2000" dirty="0" smtClean="0"/>
-              <a:t>, </a:t>
-            </a:r>
-            <a:r>
-              <a:rPr lang="en-US" sz="2000" dirty="0" err="1" smtClean="0"/>
-              <a:t>StatsD</a:t>
-            </a:r>
-            <a:r>
-              <a:rPr lang="en-US" sz="2000" dirty="0" smtClean="0"/>
-              <a:t>, and Graphite instances ready to use.</a:t>
-            </a:r>
-          </a:p>
-          <a:p>
-            <a:pPr marL="285750" indent="-285750">
-              <a:buFont typeface="Arial"/>
-              <a:buChar char="•"/>
-            </a:pPr>
-            <a:endParaRPr lang="en-US" sz="2000" dirty="0"/>
+            <a:endParaRPr lang="en-US" sz="2000" dirty="0">
+              <a:solidFill>
+                <a:srgbClr val="102F4B"/>
+              </a:solidFill>
+            </a:endParaRPr>
           </a:p>
         </p:txBody>
       </p:sp>
     </p:spTree>
     <p:extLst>
       <p:ext uri="{BB962C8B-B14F-4D97-AF65-F5344CB8AC3E}">
-        <p14:creationId xmlns:p14="http://schemas.microsoft.com/office/powerpoint/2010/main" val="2096971870"/>
+        <p14:creationId xmlns:p14="http://schemas.microsoft.com/office/powerpoint/2010/main" val="896646896"/>
       </p:ext>
     </p:extLst>
   </p:cSld>
@@ -3833,60 +5356,264 @@
       </p:grpSpPr>
       <p:sp>
         <p:nvSpPr>
-          <p:cNvPr id="2" name="Title 1"/>
-          <p:cNvSpPr>
-            <a:spLocks noGrp="1"/>
-          </p:cNvSpPr>
-          <p:nvPr>
-            <p:ph type="title"/>
-          </p:nvPr>
-        </p:nvSpPr>
-        <p:spPr/>
-        <p:txBody>
-          <a:bodyPr/>
+          <p:cNvPr id="4" name="Rectangle 3"/>
+          <p:cNvSpPr/>
+          <p:nvPr/>
+        </p:nvSpPr>
+        <p:spPr>
+          <a:xfrm>
+            <a:off x="0" y="0"/>
+            <a:ext cx="9144000" cy="964642"/>
+          </a:xfrm>
+          <a:prstGeom prst="rect">
+            <a:avLst/>
+          </a:prstGeom>
+          <a:solidFill>
+            <a:srgbClr val="102F4B"/>
+          </a:solidFill>
+          <a:ln>
+            <a:noFill/>
+          </a:ln>
+        </p:spPr>
+        <p:style>
+          <a:lnRef idx="1">
+            <a:schemeClr val="accent1"/>
+          </a:lnRef>
+          <a:fillRef idx="3">
+            <a:schemeClr val="accent1"/>
+          </a:fillRef>
+          <a:effectRef idx="2">
+            <a:schemeClr val="accent1"/>
+          </a:effectRef>
+          <a:fontRef idx="minor">
+            <a:schemeClr val="lt1"/>
+          </a:fontRef>
+        </p:style>
+        <p:txBody>
+          <a:bodyPr rtlCol="0" anchor="ctr"/>
           <a:lstStyle/>
           <a:p>
             <a:r>
-              <a:rPr lang="en-US" dirty="0" smtClean="0"/>
-              <a:t>Okay enough slides</a:t>
-            </a:r>
-            <a:endParaRPr lang="en-US" dirty="0"/>
-          </a:p>
-        </p:txBody>
-      </p:sp>
-      <p:sp>
-        <p:nvSpPr>
-          <p:cNvPr id="3" name="Content Placeholder 2"/>
-          <p:cNvSpPr>
-            <a:spLocks noGrp="1"/>
-          </p:cNvSpPr>
-          <p:nvPr>
-            <p:ph idx="1"/>
-          </p:nvPr>
-        </p:nvSpPr>
-        <p:spPr/>
-        <p:txBody>
-          <a:bodyPr/>
-          <a:lstStyle/>
-          <a:p>
-            <a:r>
-              <a:rPr lang="en-US" dirty="0" smtClean="0"/>
-              <a:t>Let’s look at and run some code!</a:t>
-            </a:r>
-            <a:endParaRPr lang="en-US" dirty="0"/>
-          </a:p>
-        </p:txBody>
-      </p:sp>
+              <a:rPr lang="en-US" sz="4800" dirty="0" smtClean="0">
+                <a:solidFill>
+                  <a:srgbClr val="FFFFFF"/>
+                </a:solidFill>
+              </a:rPr>
+              <a:t>Q&amp;A</a:t>
+            </a:r>
+            <a:endParaRPr lang="en-US" sz="4800" dirty="0">
+              <a:solidFill>
+                <a:srgbClr val="FFFFFF"/>
+              </a:solidFill>
+            </a:endParaRPr>
+          </a:p>
+        </p:txBody>
+      </p:sp>
+      <p:pic>
+        <p:nvPicPr>
+          <p:cNvPr id="5" name="Picture 4"/>
+          <p:cNvPicPr>
+            <a:picLocks noChangeAspect="1"/>
+          </p:cNvPicPr>
+          <p:nvPr/>
+        </p:nvPicPr>
+        <p:blipFill>
+          <a:blip r:embed="rId2"/>
+          <a:stretch>
+            <a:fillRect/>
+          </a:stretch>
+        </p:blipFill>
+        <p:spPr>
+          <a:xfrm>
+            <a:off x="427268" y="6118657"/>
+            <a:ext cx="529526" cy="356061"/>
+          </a:xfrm>
+          <a:prstGeom prst="rect">
+            <a:avLst/>
+          </a:prstGeom>
+        </p:spPr>
+      </p:pic>
+      <p:pic>
+        <p:nvPicPr>
+          <p:cNvPr id="6" name="Picture 3" descr="C:\Users\nnelson\Documents\Logos\MongoDB logo.jpg"/>
+          <p:cNvPicPr>
+            <a:picLocks noChangeAspect="1" noChangeArrowheads="1"/>
+          </p:cNvPicPr>
+          <p:nvPr/>
+        </p:nvPicPr>
+        <p:blipFill>
+          <a:blip r:embed="rId3">
+            <a:extLst>
+              <a:ext uri="{28A0092B-C50C-407E-A947-70E740481C1C}">
+                <a14:useLocalDpi xmlns:a14="http://schemas.microsoft.com/office/drawing/2010/main" val="0"/>
+              </a:ext>
+            </a:extLst>
+          </a:blip>
+          <a:srcRect/>
+          <a:stretch>
+            <a:fillRect/>
+          </a:stretch>
+        </p:blipFill>
+        <p:spPr bwMode="auto">
+          <a:xfrm>
+            <a:off x="427268" y="1736136"/>
+            <a:ext cx="4010025" cy="1143000"/>
+          </a:xfrm>
+          <a:prstGeom prst="rect">
+            <a:avLst/>
+          </a:prstGeom>
+          <a:noFill/>
+          <a:extLst>
+            <a:ext uri="{909E8E84-426E-40dd-AFC4-6F175D3DCCD1}">
+              <a14:hiddenFill xmlns:a14="http://schemas.microsoft.com/office/drawing/2010/main">
+                <a:solidFill>
+                  <a:srgbClr val="FFFFFF"/>
+                </a:solidFill>
+              </a14:hiddenFill>
+            </a:ext>
+          </a:extLst>
+        </p:spPr>
+      </p:pic>
+      <p:pic>
+        <p:nvPicPr>
+          <p:cNvPr id="7" name="Picture 5" descr="C:\Users\nnelson\Documents\Logos\Scala logo.jpg"/>
+          <p:cNvPicPr>
+            <a:picLocks noChangeAspect="1" noChangeArrowheads="1"/>
+          </p:cNvPicPr>
+          <p:nvPr/>
+        </p:nvPicPr>
+        <p:blipFill>
+          <a:blip r:embed="rId4">
+            <a:extLst>
+              <a:ext uri="{28A0092B-C50C-407E-A947-70E740481C1C}">
+                <a14:useLocalDpi xmlns:a14="http://schemas.microsoft.com/office/drawing/2010/main" val="0"/>
+              </a:ext>
+            </a:extLst>
+          </a:blip>
+          <a:srcRect/>
+          <a:stretch>
+            <a:fillRect/>
+          </a:stretch>
+        </p:blipFill>
+        <p:spPr bwMode="auto">
+          <a:xfrm>
+            <a:off x="4910200" y="1598023"/>
+            <a:ext cx="3209925" cy="1419225"/>
+          </a:xfrm>
+          <a:prstGeom prst="rect">
+            <a:avLst/>
+          </a:prstGeom>
+          <a:noFill/>
+          <a:extLst>
+            <a:ext uri="{909E8E84-426E-40dd-AFC4-6F175D3DCCD1}">
+              <a14:hiddenFill xmlns:a14="http://schemas.microsoft.com/office/drawing/2010/main">
+                <a:solidFill>
+                  <a:srgbClr val="FFFFFF"/>
+                </a:solidFill>
+              </a14:hiddenFill>
+            </a:ext>
+          </a:extLst>
+        </p:spPr>
+      </p:pic>
+      <p:pic>
+        <p:nvPicPr>
+          <p:cNvPr id="8" name="Picture 4" descr="C:\Users\nnelson\Documents\Logos\Play logo.jpg"/>
+          <p:cNvPicPr>
+            <a:picLocks noChangeAspect="1" noChangeArrowheads="1"/>
+          </p:cNvPicPr>
+          <p:nvPr/>
+        </p:nvPicPr>
+        <p:blipFill>
+          <a:blip r:embed="rId5">
+            <a:extLst>
+              <a:ext uri="{28A0092B-C50C-407E-A947-70E740481C1C}">
+                <a14:useLocalDpi xmlns:a14="http://schemas.microsoft.com/office/drawing/2010/main" val="0"/>
+              </a:ext>
+            </a:extLst>
+          </a:blip>
+          <a:srcRect/>
+          <a:stretch>
+            <a:fillRect/>
+          </a:stretch>
+        </p:blipFill>
+        <p:spPr bwMode="auto">
+          <a:xfrm>
+            <a:off x="579667" y="4034007"/>
+            <a:ext cx="3705225" cy="1238250"/>
+          </a:xfrm>
+          <a:prstGeom prst="rect">
+            <a:avLst/>
+          </a:prstGeom>
+          <a:noFill/>
+          <a:extLst>
+            <a:ext uri="{909E8E84-426E-40dd-AFC4-6F175D3DCCD1}">
+              <a14:hiddenFill xmlns:a14="http://schemas.microsoft.com/office/drawing/2010/main">
+                <a:solidFill>
+                  <a:srgbClr val="FFFFFF"/>
+                </a:solidFill>
+              </a14:hiddenFill>
+            </a:ext>
+          </a:extLst>
+        </p:spPr>
+      </p:pic>
+      <p:pic>
+        <p:nvPicPr>
+          <p:cNvPr id="9" name="Picture 2" descr="C:\Users\nnelson\Documents\Logos\Akka Logo.png"/>
+          <p:cNvPicPr>
+            <a:picLocks noChangeAspect="1" noChangeArrowheads="1"/>
+          </p:cNvPicPr>
+          <p:nvPr/>
+        </p:nvPicPr>
+        <p:blipFill>
+          <a:blip r:embed="rId6">
+            <a:extLst>
+              <a:ext uri="{28A0092B-C50C-407E-A947-70E740481C1C}">
+                <a14:useLocalDpi xmlns:a14="http://schemas.microsoft.com/office/drawing/2010/main" val="0"/>
+              </a:ext>
+            </a:extLst>
+          </a:blip>
+          <a:srcRect/>
+          <a:stretch>
+            <a:fillRect/>
+          </a:stretch>
+        </p:blipFill>
+        <p:spPr bwMode="auto">
+          <a:xfrm>
+            <a:off x="5305487" y="3386307"/>
+            <a:ext cx="2419350" cy="1885950"/>
+          </a:xfrm>
+          <a:prstGeom prst="rect">
+            <a:avLst/>
+          </a:prstGeom>
+          <a:noFill/>
+          <a:extLst>
+            <a:ext uri="{909E8E84-426E-40dd-AFC4-6F175D3DCCD1}">
+              <a14:hiddenFill xmlns:a14="http://schemas.microsoft.com/office/drawing/2010/main">
+                <a:solidFill>
+                  <a:srgbClr val="FFFFFF"/>
+                </a:solidFill>
+              </a14:hiddenFill>
+            </a:ext>
+          </a:extLst>
+        </p:spPr>
+      </p:pic>
     </p:spTree>
     <p:extLst>
       <p:ext uri="{BB962C8B-B14F-4D97-AF65-F5344CB8AC3E}">
-        <p14:creationId xmlns:p14="http://schemas.microsoft.com/office/powerpoint/2010/main" val="3691453240"/>
+        <p14:creationId xmlns:p14="http://schemas.microsoft.com/office/powerpoint/2010/main" val="1090921160"/>
       </p:ext>
     </p:extLst>
   </p:cSld>
   <p:clrMapOvr>
     <a:masterClrMapping/>
   </p:clrMapOvr>
+  <p:timing>
+    <p:tnLst>
+      <p:par>
+        <p:cTn xmlns:p14="http://schemas.microsoft.com/office/powerpoint/2010/main" id="1" dur="indefinite" restart="never" nodeType="tmRoot"/>
+      </p:par>
+    </p:tnLst>
+  </p:timing>
 </p:sld>
 </file>
 
@@ -3909,30 +5636,82 @@
       </p:grpSpPr>
       <p:sp>
         <p:nvSpPr>
-          <p:cNvPr id="2" name="Title 1"/>
-          <p:cNvSpPr>
-            <a:spLocks noGrp="1"/>
-          </p:cNvSpPr>
-          <p:nvPr>
-            <p:ph type="title"/>
-          </p:nvPr>
-        </p:nvSpPr>
-        <p:spPr/>
-        <p:txBody>
-          <a:bodyPr/>
+          <p:cNvPr id="4" name="Rectangle 3"/>
+          <p:cNvSpPr/>
+          <p:nvPr/>
+        </p:nvSpPr>
+        <p:spPr>
+          <a:xfrm>
+            <a:off x="0" y="0"/>
+            <a:ext cx="9144000" cy="964642"/>
+          </a:xfrm>
+          <a:prstGeom prst="rect">
+            <a:avLst/>
+          </a:prstGeom>
+          <a:solidFill>
+            <a:srgbClr val="102F4B"/>
+          </a:solidFill>
+          <a:ln>
+            <a:noFill/>
+          </a:ln>
+        </p:spPr>
+        <p:style>
+          <a:lnRef idx="1">
+            <a:schemeClr val="accent1"/>
+          </a:lnRef>
+          <a:fillRef idx="3">
+            <a:schemeClr val="accent1"/>
+          </a:fillRef>
+          <a:effectRef idx="2">
+            <a:schemeClr val="accent1"/>
+          </a:effectRef>
+          <a:fontRef idx="minor">
+            <a:schemeClr val="lt1"/>
+          </a:fontRef>
+        </p:style>
+        <p:txBody>
+          <a:bodyPr rtlCol="0" anchor="ctr"/>
           <a:lstStyle/>
           <a:p>
             <a:r>
-              <a:rPr lang="en-US" dirty="0" smtClean="0"/>
-              <a:t>Questions</a:t>
-            </a:r>
-            <a:endParaRPr lang="en-US" dirty="0"/>
-          </a:p>
-        </p:txBody>
-      </p:sp>
-      <p:sp>
-        <p:nvSpPr>
-          <p:cNvPr id="3" name="Content Placeholder 2"/>
+              <a:rPr lang="en-US" sz="4800" dirty="0"/>
+              <a:t>Obligatory We Are Hiring Slide</a:t>
+            </a:r>
+            <a:endParaRPr lang="en-US" sz="4800" dirty="0">
+              <a:solidFill>
+                <a:srgbClr val="FFFFFF"/>
+              </a:solidFill>
+            </a:endParaRPr>
+          </a:p>
+        </p:txBody>
+      </p:sp>
+      <p:pic>
+        <p:nvPicPr>
+          <p:cNvPr id="5" name="Picture 4"/>
+          <p:cNvPicPr>
+            <a:picLocks noChangeAspect="1"/>
+          </p:cNvPicPr>
+          <p:nvPr/>
+        </p:nvPicPr>
+        <p:blipFill>
+          <a:blip r:embed="rId2"/>
+          <a:stretch>
+            <a:fillRect/>
+          </a:stretch>
+        </p:blipFill>
+        <p:spPr>
+          <a:xfrm>
+            <a:off x="427268" y="6118657"/>
+            <a:ext cx="529526" cy="356061"/>
+          </a:xfrm>
+          <a:prstGeom prst="rect">
+            <a:avLst/>
+          </a:prstGeom>
+        </p:spPr>
+      </p:pic>
+      <p:sp>
+        <p:nvSpPr>
+          <p:cNvPr id="10" name="Content Placeholder 2"/>
           <p:cNvSpPr>
             <a:spLocks noGrp="1"/>
           </p:cNvSpPr>
@@ -3940,188 +5719,291 @@
             <p:ph idx="1"/>
           </p:nvPr>
         </p:nvSpPr>
-        <p:spPr/>
-        <p:txBody>
-          <a:bodyPr/>
+        <p:spPr>
+          <a:xfrm>
+            <a:off x="155222" y="1237343"/>
+            <a:ext cx="8833556" cy="4881314"/>
+          </a:xfrm>
+        </p:spPr>
+        <p:txBody>
+          <a:bodyPr>
+            <a:normAutofit fontScale="70000" lnSpcReduction="20000"/>
+          </a:bodyPr>
           <a:lstStyle/>
           <a:p>
-            <a:r>
-              <a:rPr lang="en-US" dirty="0" smtClean="0"/>
-              <a:t>??????</a:t>
-            </a:r>
-            <a:endParaRPr lang="en-US" dirty="0"/>
+            <a:pPr marL="0" indent="0">
+              <a:buNone/>
+            </a:pPr>
+            <a:r>
+              <a:rPr lang="en-US" dirty="0" smtClean="0">
+                <a:solidFill>
+                  <a:srgbClr val="102F4B"/>
+                </a:solidFill>
+              </a:rPr>
+              <a:t>Surprise! </a:t>
+            </a:r>
+            <a:r>
+              <a:rPr lang="en-US" dirty="0">
+                <a:solidFill>
+                  <a:srgbClr val="102F4B"/>
+                </a:solidFill>
+              </a:rPr>
+              <a:t>W</a:t>
+            </a:r>
+            <a:r>
+              <a:rPr lang="en-US" dirty="0" smtClean="0">
+                <a:solidFill>
+                  <a:srgbClr val="102F4B"/>
+                </a:solidFill>
+              </a:rPr>
+              <a:t>e are hiring.</a:t>
+            </a:r>
+          </a:p>
+          <a:p>
+            <a:pPr marL="0" indent="0">
+              <a:buNone/>
+            </a:pPr>
+            <a:endParaRPr lang="en-US" dirty="0" smtClean="0">
+              <a:solidFill>
+                <a:srgbClr val="102F4B"/>
+              </a:solidFill>
+            </a:endParaRPr>
+          </a:p>
+          <a:p>
+            <a:pPr marL="0" indent="0">
+              <a:buNone/>
+            </a:pPr>
+            <a:r>
+              <a:rPr lang="en-US" dirty="0" smtClean="0">
+                <a:solidFill>
+                  <a:srgbClr val="102F4B"/>
+                </a:solidFill>
+              </a:rPr>
+              <a:t>Follow </a:t>
+            </a:r>
+            <a:r>
+              <a:rPr lang="en-US" dirty="0">
+                <a:solidFill>
+                  <a:srgbClr val="102F4B"/>
+                </a:solidFill>
+              </a:rPr>
+              <a:t>us:</a:t>
+            </a:r>
+          </a:p>
+          <a:p>
+            <a:pPr lvl="1"/>
+            <a:r>
+              <a:rPr lang="en-US" dirty="0">
+                <a:solidFill>
+                  <a:srgbClr val="102F4B"/>
+                </a:solidFill>
+              </a:rPr>
+              <a:t>Twitter: @</a:t>
+            </a:r>
+            <a:r>
+              <a:rPr lang="en-US" dirty="0" err="1">
+                <a:solidFill>
+                  <a:srgbClr val="102F4B"/>
+                </a:solidFill>
+              </a:rPr>
+              <a:t>HBCDigital</a:t>
+            </a:r>
+            <a:endParaRPr lang="en-US" dirty="0">
+              <a:solidFill>
+                <a:srgbClr val="102F4B"/>
+              </a:solidFill>
+            </a:endParaRPr>
+          </a:p>
+          <a:p>
+            <a:pPr lvl="1"/>
+            <a:r>
+              <a:rPr lang="en-US" dirty="0">
+                <a:solidFill>
+                  <a:srgbClr val="102F4B"/>
+                </a:solidFill>
+              </a:rPr>
+              <a:t>LinkedIn: </a:t>
+            </a:r>
+            <a:r>
+              <a:rPr lang="en-US" dirty="0">
+                <a:solidFill>
+                  <a:srgbClr val="102F4B"/>
+                </a:solidFill>
+                <a:hlinkClick r:id="rId3"/>
+              </a:rPr>
+              <a:t>https://www.linkedin.com/company/hbc_digital?trk=biz-companies-cym</a:t>
+            </a:r>
+            <a:r>
+              <a:rPr lang="en-US" dirty="0">
+                <a:solidFill>
+                  <a:srgbClr val="102F4B"/>
+                </a:solidFill>
+              </a:rPr>
+              <a:t> </a:t>
+            </a:r>
+          </a:p>
+          <a:p>
+            <a:pPr marL="0" indent="0">
+              <a:buNone/>
+            </a:pPr>
+            <a:endParaRPr lang="en-US" dirty="0" smtClean="0">
+              <a:solidFill>
+                <a:srgbClr val="102F4B"/>
+              </a:solidFill>
+            </a:endParaRPr>
+          </a:p>
+          <a:p>
+            <a:pPr marL="0" indent="0">
+              <a:buNone/>
+            </a:pPr>
+            <a:r>
+              <a:rPr lang="en-US" dirty="0" smtClean="0">
+                <a:solidFill>
+                  <a:srgbClr val="102F4B"/>
+                </a:solidFill>
+              </a:rPr>
+              <a:t>Contact Info:</a:t>
+            </a:r>
+          </a:p>
+          <a:p>
+            <a:pPr lvl="1"/>
+            <a:r>
+              <a:rPr lang="en-US" dirty="0" smtClean="0">
+                <a:solidFill>
+                  <a:srgbClr val="102F4B"/>
+                </a:solidFill>
+                <a:hlinkClick r:id="rId4"/>
+              </a:rPr>
+              <a:t>dana_peele@s5a.com</a:t>
+            </a:r>
+            <a:endParaRPr lang="en-US" dirty="0" smtClean="0">
+              <a:solidFill>
+                <a:srgbClr val="102F4B"/>
+              </a:solidFill>
+            </a:endParaRPr>
+          </a:p>
+          <a:p>
+            <a:pPr lvl="1"/>
+            <a:r>
+              <a:rPr lang="en-US" dirty="0" smtClean="0">
+                <a:solidFill>
+                  <a:srgbClr val="102F4B"/>
+                </a:solidFill>
+              </a:rPr>
+              <a:t>@</a:t>
+            </a:r>
+            <a:r>
+              <a:rPr lang="en-US" dirty="0" err="1" smtClean="0">
+                <a:solidFill>
+                  <a:srgbClr val="102F4B"/>
+                </a:solidFill>
+              </a:rPr>
+              <a:t>Dana_S_Peele</a:t>
+            </a:r>
+            <a:endParaRPr lang="en-US" dirty="0" smtClean="0">
+              <a:solidFill>
+                <a:srgbClr val="102F4B"/>
+              </a:solidFill>
+            </a:endParaRPr>
+          </a:p>
+          <a:p>
+            <a:pPr marL="0" indent="0">
+              <a:buNone/>
+            </a:pPr>
+            <a:endParaRPr lang="en-US" dirty="0" smtClean="0">
+              <a:solidFill>
+                <a:srgbClr val="102F4B"/>
+              </a:solidFill>
+            </a:endParaRPr>
+          </a:p>
+          <a:p>
+            <a:pPr marL="0" indent="0">
+              <a:buNone/>
+            </a:pPr>
+            <a:r>
+              <a:rPr lang="en-US" dirty="0" smtClean="0">
+                <a:solidFill>
+                  <a:srgbClr val="102F4B"/>
+                </a:solidFill>
+              </a:rPr>
+              <a:t>Repo </a:t>
+            </a:r>
+            <a:r>
+              <a:rPr lang="en-US" dirty="0">
+                <a:solidFill>
+                  <a:srgbClr val="102F4B"/>
+                </a:solidFill>
+              </a:rPr>
+              <a:t>for the demo and slideshow:</a:t>
+            </a:r>
+          </a:p>
+          <a:p>
+            <a:pPr marL="0" indent="0">
+              <a:buNone/>
+            </a:pPr>
+            <a:r>
+              <a:rPr lang="en-US" dirty="0">
+                <a:solidFill>
+                  <a:srgbClr val="102F4B"/>
+                </a:solidFill>
+                <a:hlinkClick r:id="rId5"/>
+              </a:rPr>
+              <a:t>https://</a:t>
+            </a:r>
+            <a:r>
+              <a:rPr lang="en-US" dirty="0" smtClean="0">
+                <a:solidFill>
+                  <a:srgbClr val="102F4B"/>
+                </a:solidFill>
+                <a:hlinkClick r:id="rId5"/>
+              </a:rPr>
+              <a:t>github.com/saksdirect/react-vs-shared-state-inventory</a:t>
+            </a:r>
+            <a:endParaRPr lang="en-US" dirty="0" smtClean="0">
+              <a:solidFill>
+                <a:srgbClr val="102F4B"/>
+              </a:solidFill>
+            </a:endParaRPr>
+          </a:p>
+          <a:p>
+            <a:pPr marL="0" indent="0">
+              <a:buNone/>
+            </a:pPr>
+            <a:endParaRPr lang="en-US" dirty="0" smtClean="0">
+              <a:solidFill>
+                <a:srgbClr val="102F4B"/>
+              </a:solidFill>
+            </a:endParaRPr>
+          </a:p>
+          <a:p>
+            <a:pPr marL="0" indent="0">
+              <a:buNone/>
+            </a:pPr>
+            <a:endParaRPr lang="en-US" sz="2400" dirty="0">
+              <a:solidFill>
+                <a:srgbClr val="102F4B"/>
+              </a:solidFill>
+            </a:endParaRPr>
           </a:p>
         </p:txBody>
       </p:sp>
     </p:spTree>
     <p:extLst>
       <p:ext uri="{BB962C8B-B14F-4D97-AF65-F5344CB8AC3E}">
-        <p14:creationId xmlns:p14="http://schemas.microsoft.com/office/powerpoint/2010/main" val="2400844213"/>
+        <p14:creationId xmlns:p14="http://schemas.microsoft.com/office/powerpoint/2010/main" val="1422458218"/>
       </p:ext>
     </p:extLst>
   </p:cSld>
   <p:clrMapOvr>
     <a:masterClrMapping/>
   </p:clrMapOvr>
-</p:sld>
-</file>
-
-<file path=ppt/slides/slide15.xml><?xml version="1.0" encoding="utf-8"?>
-<p:sld xmlns:a="http://schemas.openxmlformats.org/drawingml/2006/main" xmlns:r="http://schemas.openxmlformats.org/officeDocument/2006/relationships" xmlns:p="http://schemas.openxmlformats.org/presentationml/2006/main">
-  <p:cSld>
-    <p:spTree>
-      <p:nvGrpSpPr>
-        <p:cNvPr id="1" name=""/>
-        <p:cNvGrpSpPr/>
-        <p:nvPr/>
-      </p:nvGrpSpPr>
-      <p:grpSpPr>
-        <a:xfrm>
-          <a:off x="0" y="0"/>
-          <a:ext cx="0" cy="0"/>
-          <a:chOff x="0" y="0"/>
-          <a:chExt cx="0" cy="0"/>
-        </a:xfrm>
-      </p:grpSpPr>
-      <p:sp>
-        <p:nvSpPr>
-          <p:cNvPr id="2" name="Title 1"/>
-          <p:cNvSpPr>
-            <a:spLocks noGrp="1"/>
-          </p:cNvSpPr>
-          <p:nvPr>
-            <p:ph type="title"/>
-          </p:nvPr>
-        </p:nvSpPr>
-        <p:spPr/>
-        <p:txBody>
-          <a:bodyPr/>
-          <a:lstStyle/>
-          <a:p>
-            <a:r>
-              <a:rPr lang="en-US" dirty="0" smtClean="0"/>
-              <a:t>Obligatory We Are Hiring Slide</a:t>
-            </a:r>
-            <a:endParaRPr lang="en-US" dirty="0"/>
-          </a:p>
-        </p:txBody>
-      </p:sp>
-      <p:sp>
-        <p:nvSpPr>
-          <p:cNvPr id="3" name="Content Placeholder 2"/>
-          <p:cNvSpPr>
-            <a:spLocks noGrp="1"/>
-          </p:cNvSpPr>
-          <p:nvPr>
-            <p:ph idx="1"/>
-          </p:nvPr>
-        </p:nvSpPr>
-        <p:spPr>
-          <a:xfrm>
-            <a:off x="155222" y="1600200"/>
-            <a:ext cx="8833556" cy="4525963"/>
-          </a:xfrm>
-        </p:spPr>
-        <p:txBody>
-          <a:bodyPr/>
-          <a:lstStyle/>
-          <a:p>
-            <a:r>
-              <a:rPr lang="en-US" dirty="0" smtClean="0"/>
-              <a:t>Surprise! </a:t>
-            </a:r>
-            <a:r>
-              <a:rPr lang="en-US" dirty="0"/>
-              <a:t>W</a:t>
-            </a:r>
-            <a:r>
-              <a:rPr lang="en-US" dirty="0" smtClean="0"/>
-              <a:t>e are hiring.</a:t>
-            </a:r>
-          </a:p>
-          <a:p>
-            <a:r>
-              <a:rPr lang="en-US" dirty="0" smtClean="0"/>
-              <a:t>@</a:t>
-            </a:r>
-            <a:r>
-              <a:rPr lang="en-US" dirty="0" err="1" smtClean="0"/>
-              <a:t>HBCDigital</a:t>
-            </a:r>
-            <a:endParaRPr lang="en-US" dirty="0" smtClean="0"/>
-          </a:p>
-          <a:p>
-            <a:r>
-              <a:rPr lang="en-US" dirty="0" smtClean="0">
-                <a:hlinkClick r:id="rId2"/>
-              </a:rPr>
-              <a:t>dana_peele@s5a.com</a:t>
-            </a:r>
-            <a:endParaRPr lang="en-US" dirty="0" smtClean="0"/>
-          </a:p>
-          <a:p>
-            <a:r>
-              <a:rPr lang="en-US" dirty="0" smtClean="0"/>
-              <a:t>@</a:t>
-            </a:r>
-            <a:r>
-              <a:rPr lang="en-US" dirty="0" err="1" smtClean="0"/>
-              <a:t>Dana_S_Peele</a:t>
-            </a:r>
-            <a:endParaRPr lang="en-US" dirty="0" smtClean="0"/>
-          </a:p>
-          <a:p>
-            <a:r>
-              <a:rPr lang="en-US" dirty="0" smtClean="0"/>
-              <a:t>Repo for the demo and slideshow:</a:t>
-            </a:r>
-          </a:p>
-          <a:p>
-            <a:pPr marL="0" indent="0">
-              <a:buNone/>
-            </a:pPr>
-            <a:r>
-              <a:rPr lang="en-US" sz="2400" dirty="0" smtClean="0"/>
-              <a:t>https://</a:t>
-            </a:r>
-            <a:r>
-              <a:rPr lang="en-US" sz="2400" dirty="0" err="1" smtClean="0"/>
-              <a:t>github.com</a:t>
-            </a:r>
-            <a:r>
-              <a:rPr lang="en-US" sz="2400" dirty="0" smtClean="0"/>
-              <a:t>/</a:t>
-            </a:r>
-            <a:r>
-              <a:rPr lang="en-US" sz="2400" dirty="0" err="1" smtClean="0"/>
-              <a:t>saksdirect</a:t>
-            </a:r>
-            <a:r>
-              <a:rPr lang="en-US" sz="2400" dirty="0" smtClean="0"/>
-              <a:t>/react-</a:t>
-            </a:r>
-            <a:r>
-              <a:rPr lang="en-US" sz="2400" dirty="0" err="1" smtClean="0"/>
-              <a:t>vs</a:t>
-            </a:r>
-            <a:r>
-              <a:rPr lang="en-US" sz="2400" dirty="0" smtClean="0"/>
-              <a:t>-shared-state-inventory</a:t>
-            </a:r>
-            <a:endParaRPr lang="en-US" sz="2400" dirty="0"/>
-          </a:p>
-        </p:txBody>
-      </p:sp>
-    </p:spTree>
-    <p:extLst>
-      <p:ext uri="{BB962C8B-B14F-4D97-AF65-F5344CB8AC3E}">
-        <p14:creationId xmlns:p14="http://schemas.microsoft.com/office/powerpoint/2010/main" val="542658872"/>
-      </p:ext>
-    </p:extLst>
-  </p:cSld>
-  <p:clrMapOvr>
-    <a:masterClrMapping/>
-  </p:clrMapOvr>
+  <p:timing>
+    <p:tnLst>
+      <p:par>
+        <p:cTn xmlns:p14="http://schemas.microsoft.com/office/powerpoint/2010/main" id="1" dur="indefinite" restart="never" nodeType="tmRoot"/>
+      </p:par>
+    </p:tnLst>
+  </p:timing>
 </p:sld>
 </file>
 
@@ -4144,94 +6026,85 @@
       </p:grpSpPr>
       <p:sp>
         <p:nvSpPr>
-          <p:cNvPr id="2" name="Title 1"/>
-          <p:cNvSpPr>
-            <a:spLocks noGrp="1"/>
-          </p:cNvSpPr>
-          <p:nvPr>
-            <p:ph type="title"/>
-          </p:nvPr>
-        </p:nvSpPr>
-        <p:spPr/>
-        <p:txBody>
-          <a:bodyPr/>
-          <a:lstStyle/>
-          <a:p>
-            <a:r>
-              <a:rPr lang="en-US" dirty="0" smtClean="0"/>
-              <a:t>About Me</a:t>
-            </a:r>
-            <a:endParaRPr lang="en-US" dirty="0"/>
-          </a:p>
-        </p:txBody>
-      </p:sp>
-      <p:sp>
-        <p:nvSpPr>
-          <p:cNvPr id="3" name="Content Placeholder 2"/>
-          <p:cNvSpPr>
-            <a:spLocks noGrp="1"/>
-          </p:cNvSpPr>
-          <p:nvPr>
-            <p:ph idx="1"/>
-          </p:nvPr>
+          <p:cNvPr id="4" name="Rectangle 3"/>
+          <p:cNvSpPr/>
+          <p:nvPr/>
         </p:nvSpPr>
         <p:spPr>
           <a:xfrm>
-            <a:off x="457200" y="1600201"/>
-            <a:ext cx="4124657" cy="3721704"/>
+            <a:off x="0" y="0"/>
+            <a:ext cx="9144000" cy="964642"/>
           </a:xfrm>
+          <a:prstGeom prst="rect">
+            <a:avLst/>
+          </a:prstGeom>
+          <a:solidFill>
+            <a:srgbClr val="102F4B"/>
+          </a:solidFill>
+          <a:ln>
+            <a:noFill/>
+          </a:ln>
         </p:spPr>
-        <p:txBody>
-          <a:bodyPr>
-            <a:normAutofit/>
-          </a:bodyPr>
+        <p:style>
+          <a:lnRef idx="1">
+            <a:schemeClr val="accent1"/>
+          </a:lnRef>
+          <a:fillRef idx="3">
+            <a:schemeClr val="accent1"/>
+          </a:fillRef>
+          <a:effectRef idx="2">
+            <a:schemeClr val="accent1"/>
+          </a:effectRef>
+          <a:fontRef idx="minor">
+            <a:schemeClr val="lt1"/>
+          </a:fontRef>
+        </p:style>
+        <p:txBody>
+          <a:bodyPr rtlCol="0" anchor="ctr"/>
           <a:lstStyle/>
           <a:p>
             <a:r>
-              <a:rPr lang="en-US" dirty="0" smtClean="0"/>
-              <a:t>Developer</a:t>
-            </a:r>
-          </a:p>
-          <a:p>
-            <a:r>
-              <a:rPr lang="en-US" dirty="0" smtClean="0"/>
-              <a:t>Rock climber</a:t>
-            </a:r>
-          </a:p>
-          <a:p>
-            <a:r>
-              <a:rPr lang="en-US" dirty="0" smtClean="0"/>
-              <a:t>Dad</a:t>
-            </a:r>
-          </a:p>
-          <a:p>
-            <a:r>
-              <a:rPr lang="en-US" dirty="0" err="1" smtClean="0"/>
-              <a:t>Scala</a:t>
-            </a:r>
-            <a:r>
-              <a:rPr lang="en-US" dirty="0" smtClean="0"/>
-              <a:t> junky</a:t>
-            </a:r>
-          </a:p>
-          <a:p>
-            <a:pPr marL="0" indent="0">
-              <a:buNone/>
-            </a:pPr>
-            <a:endParaRPr lang="en-US" dirty="0"/>
+              <a:rPr lang="en-US" sz="2800" dirty="0" smtClean="0"/>
+              <a:t>ABOUT ME | DANA PEELE, SR APPLICATION DEVELOPER</a:t>
+            </a:r>
+            <a:endParaRPr lang="en-US" sz="2800" dirty="0"/>
           </a:p>
         </p:txBody>
       </p:sp>
       <p:pic>
         <p:nvPicPr>
-          <p:cNvPr id="4" name="Picture 3" descr="dana_climbing.jpeg"/>
+          <p:cNvPr id="5" name="Picture 4"/>
           <p:cNvPicPr>
             <a:picLocks noChangeAspect="1"/>
           </p:cNvPicPr>
           <p:nvPr/>
         </p:nvPicPr>
         <p:blipFill>
-          <a:blip r:embed="rId2">
+          <a:blip r:embed="rId2"/>
+          <a:stretch>
+            <a:fillRect/>
+          </a:stretch>
+        </p:blipFill>
+        <p:spPr>
+          <a:xfrm>
+            <a:off x="427268" y="6118657"/>
+            <a:ext cx="529526" cy="356061"/>
+          </a:xfrm>
+          <a:prstGeom prst="rect">
+            <a:avLst/>
+          </a:prstGeom>
+        </p:spPr>
+      </p:pic>
+      <p:pic>
+        <p:nvPicPr>
+          <p:cNvPr id="6" name="Picture 5" descr="dana_climbing.jpeg"/>
+          <p:cNvPicPr>
+            <a:picLocks noChangeAspect="1"/>
+          </p:cNvPicPr>
+          <p:nvPr/>
+        </p:nvPicPr>
+        <p:blipFill>
+          <a:blip r:embed="rId3" cstate="email">
             <a:extLst>
               <a:ext uri="{28A0092B-C50C-407E-A947-70E740481C1C}">
                 <a14:useLocalDpi xmlns:a14="http://schemas.microsoft.com/office/drawing/2010/main" val="0"/>
@@ -4244,24 +6117,109 @@
         </p:blipFill>
         <p:spPr>
           <a:xfrm>
-            <a:off x="4157218" y="1417638"/>
-            <a:ext cx="3893549" cy="5191398"/>
+            <a:off x="5191453" y="1397171"/>
+            <a:ext cx="3108960" cy="4145280"/>
           </a:xfrm>
           <a:prstGeom prst="rect">
             <a:avLst/>
           </a:prstGeom>
         </p:spPr>
       </p:pic>
+      <p:sp>
+        <p:nvSpPr>
+          <p:cNvPr id="2" name="Rectangle 1"/>
+          <p:cNvSpPr/>
+          <p:nvPr/>
+        </p:nvSpPr>
+        <p:spPr>
+          <a:xfrm>
+            <a:off x="427268" y="2087156"/>
+            <a:ext cx="4572000" cy="2554545"/>
+          </a:xfrm>
+          <a:prstGeom prst="rect">
+            <a:avLst/>
+          </a:prstGeom>
+        </p:spPr>
+        <p:txBody>
+          <a:bodyPr>
+            <a:spAutoFit/>
+          </a:bodyPr>
+          <a:lstStyle/>
+          <a:p>
+            <a:pPr marL="285750" indent="-285750">
+              <a:buFont typeface="Arial" panose="020B0604020202020204" pitchFamily="34" charset="0"/>
+              <a:buChar char="•"/>
+            </a:pPr>
+            <a:r>
+              <a:rPr lang="en-US" sz="4000" dirty="0">
+                <a:solidFill>
+                  <a:srgbClr val="102F4B"/>
+                </a:solidFill>
+              </a:rPr>
+              <a:t>Developer</a:t>
+            </a:r>
+          </a:p>
+          <a:p>
+            <a:pPr marL="285750" indent="-285750">
+              <a:buFont typeface="Arial" panose="020B0604020202020204" pitchFamily="34" charset="0"/>
+              <a:buChar char="•"/>
+            </a:pPr>
+            <a:r>
+              <a:rPr lang="en-US" sz="4000" dirty="0">
+                <a:solidFill>
+                  <a:srgbClr val="102F4B"/>
+                </a:solidFill>
+              </a:rPr>
+              <a:t>Rock climber</a:t>
+            </a:r>
+          </a:p>
+          <a:p>
+            <a:pPr marL="285750" indent="-285750">
+              <a:buFont typeface="Arial" panose="020B0604020202020204" pitchFamily="34" charset="0"/>
+              <a:buChar char="•"/>
+            </a:pPr>
+            <a:r>
+              <a:rPr lang="en-US" sz="4000" dirty="0">
+                <a:solidFill>
+                  <a:srgbClr val="102F4B"/>
+                </a:solidFill>
+              </a:rPr>
+              <a:t>Dad</a:t>
+            </a:r>
+          </a:p>
+          <a:p>
+            <a:pPr marL="285750" indent="-285750">
+              <a:buFont typeface="Arial" panose="020B0604020202020204" pitchFamily="34" charset="0"/>
+              <a:buChar char="•"/>
+            </a:pPr>
+            <a:r>
+              <a:rPr lang="en-US" sz="4000" dirty="0">
+                <a:solidFill>
+                  <a:srgbClr val="102F4B"/>
+                </a:solidFill>
+              </a:rPr>
+              <a:t>Scala junkie</a:t>
+            </a:r>
+          </a:p>
+        </p:txBody>
+      </p:sp>
     </p:spTree>
     <p:extLst>
       <p:ext uri="{BB962C8B-B14F-4D97-AF65-F5344CB8AC3E}">
-        <p14:creationId xmlns:p14="http://schemas.microsoft.com/office/powerpoint/2010/main" val="3347717831"/>
+        <p14:creationId xmlns:p14="http://schemas.microsoft.com/office/powerpoint/2010/main" val="316431231"/>
       </p:ext>
     </p:extLst>
   </p:cSld>
   <p:clrMapOvr>
     <a:masterClrMapping/>
   </p:clrMapOvr>
+  <p:timing>
+    <p:tnLst>
+      <p:par>
+        <p:cTn xmlns:p14="http://schemas.microsoft.com/office/powerpoint/2010/main" id="1" dur="indefinite" restart="never" nodeType="tmRoot"/>
+      </p:par>
+    </p:tnLst>
+  </p:timing>
 </p:sld>
 </file>
 
@@ -4282,117 +6240,94 @@
           <a:chExt cx="0" cy="0"/>
         </a:xfrm>
       </p:grpSpPr>
-      <p:sp>
-        <p:nvSpPr>
-          <p:cNvPr id="2" name="Title 1"/>
-          <p:cNvSpPr>
-            <a:spLocks noGrp="1"/>
-          </p:cNvSpPr>
-          <p:nvPr>
-            <p:ph type="title"/>
-          </p:nvPr>
-        </p:nvSpPr>
-        <p:spPr/>
-        <p:txBody>
-          <a:bodyPr/>
-          <a:lstStyle/>
-          <a:p>
-            <a:r>
-              <a:rPr lang="en-US" dirty="0" smtClean="0"/>
-              <a:t>HBC Digital</a:t>
-            </a:r>
-            <a:endParaRPr lang="en-US" dirty="0"/>
-          </a:p>
-        </p:txBody>
-      </p:sp>
-      <p:sp>
-        <p:nvSpPr>
-          <p:cNvPr id="3" name="Content Placeholder 2"/>
-          <p:cNvSpPr>
-            <a:spLocks noGrp="1"/>
-          </p:cNvSpPr>
-          <p:nvPr>
-            <p:ph idx="1"/>
-          </p:nvPr>
-        </p:nvSpPr>
-        <p:spPr>
-          <a:xfrm>
-            <a:off x="457200" y="1600200"/>
-            <a:ext cx="4938102" cy="4525963"/>
-          </a:xfrm>
-        </p:spPr>
-        <p:txBody>
-          <a:bodyPr/>
-          <a:lstStyle/>
-          <a:p>
-            <a:r>
-              <a:rPr lang="en-US" dirty="0" smtClean="0"/>
-              <a:t>The company I work for</a:t>
-            </a:r>
-          </a:p>
-          <a:p>
-            <a:r>
-              <a:rPr lang="en-US" dirty="0" smtClean="0"/>
-              <a:t>Four E-commerce banners</a:t>
-            </a:r>
-          </a:p>
-          <a:p>
-            <a:r>
-              <a:rPr lang="en-US" dirty="0" smtClean="0"/>
-              <a:t>NOT an agency</a:t>
-            </a:r>
-          </a:p>
-          <a:p>
-            <a:r>
-              <a:rPr lang="en-US" dirty="0" smtClean="0"/>
-              <a:t>Strong engineering culture</a:t>
-            </a:r>
-          </a:p>
-          <a:p>
-            <a:r>
-              <a:rPr lang="en-US" dirty="0" smtClean="0"/>
-              <a:t>Incredible stacks</a:t>
-            </a:r>
-          </a:p>
-          <a:p>
-            <a:pPr lvl="1"/>
-            <a:r>
-              <a:rPr lang="en-US" dirty="0" err="1" smtClean="0"/>
-              <a:t>Scala</a:t>
-            </a:r>
-            <a:r>
-              <a:rPr lang="en-US" dirty="0" smtClean="0"/>
-              <a:t>/Play/</a:t>
-            </a:r>
-            <a:r>
-              <a:rPr lang="en-US" dirty="0" err="1" smtClean="0"/>
-              <a:t>Akka</a:t>
-            </a:r>
-            <a:r>
-              <a:rPr lang="en-US" dirty="0" smtClean="0"/>
-              <a:t>/Mongo</a:t>
-            </a:r>
-          </a:p>
-          <a:p>
-            <a:pPr lvl="1"/>
-            <a:r>
-              <a:rPr lang="en-US" dirty="0" smtClean="0"/>
-              <a:t>Node/React/Ember</a:t>
-            </a:r>
-            <a:endParaRPr lang="en-US" dirty="0"/>
-          </a:p>
-        </p:txBody>
-      </p:sp>
       <p:pic>
         <p:nvPicPr>
-          <p:cNvPr id="4" name="Picture 3" descr="saks.jpeg"/>
+          <p:cNvPr id="13" name="Picture 12"/>
           <p:cNvPicPr>
             <a:picLocks noChangeAspect="1"/>
           </p:cNvPicPr>
           <p:nvPr/>
         </p:nvPicPr>
         <p:blipFill>
-          <a:blip r:embed="rId2">
+          <a:blip r:embed="rId2"/>
+          <a:stretch>
+            <a:fillRect/>
+          </a:stretch>
+        </p:blipFill>
+        <p:spPr>
+          <a:xfrm>
+            <a:off x="427268" y="6118657"/>
+            <a:ext cx="529526" cy="356061"/>
+          </a:xfrm>
+          <a:prstGeom prst="rect">
+            <a:avLst/>
+          </a:prstGeom>
+        </p:spPr>
+      </p:pic>
+      <p:pic>
+        <p:nvPicPr>
+          <p:cNvPr id="9" name="Picture 2"/>
+          <p:cNvPicPr>
+            <a:picLocks noChangeAspect="1" noChangeArrowheads="1"/>
+          </p:cNvPicPr>
+          <p:nvPr/>
+        </p:nvPicPr>
+        <p:blipFill>
+          <a:blip r:embed="rId3" cstate="email">
+            <a:extLst>
+              <a:ext uri="{28A0092B-C50C-407E-A947-70E740481C1C}">
+                <a14:useLocalDpi xmlns:a14="http://schemas.microsoft.com/office/drawing/2010/main" val="0"/>
+              </a:ext>
+            </a:extLst>
+          </a:blip>
+          <a:srcRect/>
+          <a:stretch>
+            <a:fillRect/>
+          </a:stretch>
+        </p:blipFill>
+        <p:spPr bwMode="auto">
+          <a:xfrm>
+            <a:off x="427267" y="623047"/>
+            <a:ext cx="2307431" cy="2020824"/>
+          </a:xfrm>
+          <a:prstGeom prst="rect">
+            <a:avLst/>
+          </a:prstGeom>
+          <a:noFill/>
+          <a:ln>
+            <a:noFill/>
+          </a:ln>
+          <a:extLst>
+            <a:ext uri="{909E8E84-426E-40dd-AFC4-6F175D3DCCD1}">
+              <a14:hiddenFill xmlns:a14="http://schemas.microsoft.com/office/drawing/2010/main">
+                <a:solidFill>
+                  <a:schemeClr val="accent1"/>
+                </a:solidFill>
+              </a14:hiddenFill>
+            </a:ext>
+            <a:ext uri="{91240B29-F687-4f45-9708-019B960494DF}">
+              <a14:hiddenLine xmlns:a14="http://schemas.microsoft.com/office/drawing/2010/main" w="9525">
+                <a:solidFill>
+                  <a:schemeClr val="tx1"/>
+                </a:solidFill>
+                <a:miter lim="800000"/>
+                <a:headEnd/>
+                <a:tailEnd/>
+              </a14:hiddenLine>
+            </a:ext>
+          </a:extLst>
+        </p:spPr>
+      </p:pic>
+      <p:pic>
+        <p:nvPicPr>
+          <p:cNvPr id="11" name="Picture 10" descr="hudsonsbay.png"/>
+          <p:cNvPicPr>
+            <a:picLocks noChangeAspect="1"/>
+          </p:cNvPicPr>
+          <p:nvPr/>
+        </p:nvPicPr>
+        <p:blipFill>
+          <a:blip r:embed="rId4" cstate="email">
             <a:extLst>
               <a:ext uri="{28A0092B-C50C-407E-A947-70E740481C1C}">
                 <a14:useLocalDpi xmlns:a14="http://schemas.microsoft.com/office/drawing/2010/main" val="0"/>
@@ -4405,8 +6340,8 @@
         </p:blipFill>
         <p:spPr>
           <a:xfrm>
-            <a:off x="5528110" y="2294901"/>
-            <a:ext cx="1060965" cy="1060965"/>
+            <a:off x="3002729" y="1478367"/>
+            <a:ext cx="2026920" cy="133350"/>
           </a:xfrm>
           <a:prstGeom prst="rect">
             <a:avLst/>
@@ -4415,14 +6350,14 @@
       </p:pic>
       <p:pic>
         <p:nvPicPr>
-          <p:cNvPr id="5" name="Picture 4" descr="hudsonsbay.png"/>
+          <p:cNvPr id="12" name="Picture 11" descr="lordandtaylor.gif"/>
           <p:cNvPicPr>
             <a:picLocks noChangeAspect="1"/>
           </p:cNvPicPr>
           <p:nvPr/>
         </p:nvPicPr>
         <p:blipFill>
-          <a:blip r:embed="rId3">
+          <a:blip r:embed="rId5" cstate="email">
             <a:extLst>
               <a:ext uri="{28A0092B-C50C-407E-A947-70E740481C1C}">
                 <a14:useLocalDpi xmlns:a14="http://schemas.microsoft.com/office/drawing/2010/main" val="0"/>
@@ -4435,8 +6370,8 @@
         </p:blipFill>
         <p:spPr>
           <a:xfrm>
-            <a:off x="5229293" y="5178448"/>
-            <a:ext cx="3643904" cy="239731"/>
+            <a:off x="5295844" y="1125465"/>
+            <a:ext cx="718185" cy="705803"/>
           </a:xfrm>
           <a:prstGeom prst="rect">
             <a:avLst/>
@@ -4445,14 +6380,14 @@
       </p:pic>
       <p:pic>
         <p:nvPicPr>
-          <p:cNvPr id="6" name="Picture 5" descr="off5th.jpg"/>
+          <p:cNvPr id="14" name="Picture 13" descr="saks.jpeg"/>
           <p:cNvPicPr>
             <a:picLocks noChangeAspect="1"/>
           </p:cNvPicPr>
           <p:nvPr/>
         </p:nvPicPr>
         <p:blipFill>
-          <a:blip r:embed="rId4">
+          <a:blip r:embed="rId6" cstate="email">
             <a:extLst>
               <a:ext uri="{28A0092B-C50C-407E-A947-70E740481C1C}">
                 <a14:useLocalDpi xmlns:a14="http://schemas.microsoft.com/office/drawing/2010/main" val="0"/>
@@ -4465,8 +6400,8 @@
         </p:blipFill>
         <p:spPr>
           <a:xfrm>
-            <a:off x="6190652" y="3751246"/>
-            <a:ext cx="1819296" cy="843890"/>
+            <a:off x="6310837" y="1160516"/>
+            <a:ext cx="635699" cy="635699"/>
           </a:xfrm>
           <a:prstGeom prst="rect">
             <a:avLst/>
@@ -4475,14 +6410,14 @@
       </p:pic>
       <p:pic>
         <p:nvPicPr>
-          <p:cNvPr id="7" name="Picture 6" descr="lordandtaylor.gif"/>
+          <p:cNvPr id="15" name="Picture 14" descr="off5th.jpg"/>
           <p:cNvPicPr>
             <a:picLocks noChangeAspect="1"/>
           </p:cNvPicPr>
           <p:nvPr/>
         </p:nvPicPr>
         <p:blipFill>
-          <a:blip r:embed="rId5">
+          <a:blip r:embed="rId7" cstate="email">
             <a:extLst>
               <a:ext uri="{28A0092B-C50C-407E-A947-70E740481C1C}">
                 <a14:useLocalDpi xmlns:a14="http://schemas.microsoft.com/office/drawing/2010/main" val="0"/>
@@ -4495,24 +6430,221 @@
         </p:blipFill>
         <p:spPr>
           <a:xfrm>
-            <a:off x="7190711" y="1900735"/>
-            <a:ext cx="1043349" cy="1025360"/>
+            <a:off x="7194169" y="1170326"/>
+            <a:ext cx="1328166" cy="616077"/>
           </a:xfrm>
           <a:prstGeom prst="rect">
             <a:avLst/>
           </a:prstGeom>
         </p:spPr>
       </p:pic>
+      <p:sp>
+        <p:nvSpPr>
+          <p:cNvPr id="4" name="TextBox 3"/>
+          <p:cNvSpPr txBox="1"/>
+          <p:nvPr/>
+        </p:nvSpPr>
+        <p:spPr>
+          <a:xfrm>
+            <a:off x="546888" y="3152150"/>
+            <a:ext cx="3965453" cy="2246769"/>
+          </a:xfrm>
+          <a:prstGeom prst="rect">
+            <a:avLst/>
+          </a:prstGeom>
+          <a:noFill/>
+        </p:spPr>
+        <p:txBody>
+          <a:bodyPr wrap="square" numCol="1" rtlCol="0">
+            <a:spAutoFit/>
+          </a:bodyPr>
+          <a:lstStyle/>
+          <a:p>
+            <a:pPr marL="285750" indent="-285750">
+              <a:buFont typeface="Arial" panose="020B0604020202020204" pitchFamily="34" charset="0"/>
+              <a:buChar char="•"/>
+            </a:pPr>
+            <a:r>
+              <a:rPr lang="en-US" sz="2800" dirty="0">
+                <a:solidFill>
+                  <a:srgbClr val="102F4B"/>
+                </a:solidFill>
+              </a:rPr>
+              <a:t>Four E-commerce </a:t>
+            </a:r>
+            <a:r>
+              <a:rPr lang="en-US" sz="2800" dirty="0" smtClean="0">
+                <a:solidFill>
+                  <a:srgbClr val="102F4B"/>
+                </a:solidFill>
+              </a:rPr>
+              <a:t>banners </a:t>
+            </a:r>
+            <a:endParaRPr lang="en-US" sz="2800" dirty="0">
+              <a:solidFill>
+                <a:srgbClr val="102F4B"/>
+              </a:solidFill>
+            </a:endParaRPr>
+          </a:p>
+          <a:p>
+            <a:pPr marL="285750" indent="-285750">
+              <a:buFont typeface="Arial" panose="020B0604020202020204" pitchFamily="34" charset="0"/>
+              <a:buChar char="•"/>
+            </a:pPr>
+            <a:r>
+              <a:rPr lang="en-US" sz="2800" dirty="0">
+                <a:solidFill>
+                  <a:srgbClr val="102F4B"/>
+                </a:solidFill>
+              </a:rPr>
+              <a:t>NOT an agency</a:t>
+            </a:r>
+          </a:p>
+          <a:p>
+            <a:pPr marL="285750" indent="-285750">
+              <a:buFont typeface="Arial" panose="020B0604020202020204" pitchFamily="34" charset="0"/>
+              <a:buChar char="•"/>
+            </a:pPr>
+            <a:r>
+              <a:rPr lang="en-US" sz="2800" dirty="0">
+                <a:solidFill>
+                  <a:srgbClr val="102F4B"/>
+                </a:solidFill>
+              </a:rPr>
+              <a:t>Strong engineering </a:t>
+            </a:r>
+            <a:r>
+              <a:rPr lang="en-US" sz="2800" dirty="0" smtClean="0">
+                <a:solidFill>
+                  <a:srgbClr val="102F4B"/>
+                </a:solidFill>
+              </a:rPr>
+              <a:t>culture</a:t>
+            </a:r>
+            <a:endParaRPr lang="en-US" sz="2800" dirty="0">
+              <a:solidFill>
+                <a:srgbClr val="102F4B"/>
+              </a:solidFill>
+            </a:endParaRPr>
+          </a:p>
+        </p:txBody>
+      </p:sp>
+      <p:sp>
+        <p:nvSpPr>
+          <p:cNvPr id="6" name="Rectangle 5"/>
+          <p:cNvSpPr/>
+          <p:nvPr/>
+        </p:nvSpPr>
+        <p:spPr>
+          <a:xfrm>
+            <a:off x="4512341" y="3152150"/>
+            <a:ext cx="4572000" cy="1618905"/>
+          </a:xfrm>
+          <a:prstGeom prst="rect">
+            <a:avLst/>
+          </a:prstGeom>
+        </p:spPr>
+        <p:txBody>
+          <a:bodyPr>
+            <a:spAutoFit/>
+          </a:bodyPr>
+          <a:lstStyle/>
+          <a:p>
+            <a:pPr marL="342900" lvl="0" indent="-342900" defTabSz="457200">
+              <a:spcBef>
+                <a:spcPct val="20000"/>
+              </a:spcBef>
+              <a:buFont typeface="Arial"/>
+              <a:buChar char="•"/>
+            </a:pPr>
+            <a:r>
+              <a:rPr lang="en-US" sz="2800" dirty="0" smtClean="0">
+                <a:solidFill>
+                  <a:srgbClr val="102F4B"/>
+                </a:solidFill>
+              </a:rPr>
+              <a:t>Incredible stacks</a:t>
+            </a:r>
+            <a:endParaRPr lang="en-US" sz="2800" dirty="0">
+              <a:solidFill>
+                <a:srgbClr val="102F4B"/>
+              </a:solidFill>
+            </a:endParaRPr>
+          </a:p>
+          <a:p>
+            <a:pPr marL="742950" lvl="1" indent="-285750" defTabSz="457200">
+              <a:spcBef>
+                <a:spcPct val="20000"/>
+              </a:spcBef>
+              <a:buFont typeface="Arial"/>
+              <a:buChar char="–"/>
+            </a:pPr>
+            <a:r>
+              <a:rPr lang="en-US" sz="2800" dirty="0">
+                <a:solidFill>
+                  <a:srgbClr val="102F4B"/>
+                </a:solidFill>
+              </a:rPr>
+              <a:t>Scala/Play/</a:t>
+            </a:r>
+            <a:r>
+              <a:rPr lang="en-US" sz="2800" dirty="0" err="1">
+                <a:solidFill>
+                  <a:srgbClr val="102F4B"/>
+                </a:solidFill>
+              </a:rPr>
+              <a:t>Akka</a:t>
+            </a:r>
+            <a:r>
+              <a:rPr lang="en-US" sz="2800" dirty="0">
+                <a:solidFill>
+                  <a:srgbClr val="102F4B"/>
+                </a:solidFill>
+              </a:rPr>
+              <a:t>/Mongo</a:t>
+            </a:r>
+          </a:p>
+          <a:p>
+            <a:pPr marL="742950" lvl="1" indent="-285750" defTabSz="457200">
+              <a:spcBef>
+                <a:spcPct val="20000"/>
+              </a:spcBef>
+              <a:buFont typeface="Arial"/>
+              <a:buChar char="–"/>
+            </a:pPr>
+            <a:r>
+              <a:rPr lang="en-US" sz="2800" dirty="0" smtClean="0">
+                <a:solidFill>
+                  <a:srgbClr val="102F4B"/>
+                </a:solidFill>
+              </a:rPr>
+              <a:t>Node/React/Ember</a:t>
+            </a:r>
+            <a:endParaRPr lang="en-US" sz="2800" dirty="0">
+              <a:solidFill>
+                <a:srgbClr val="102F4B"/>
+              </a:solidFill>
+            </a:endParaRPr>
+          </a:p>
+        </p:txBody>
+      </p:sp>
     </p:spTree>
     <p:extLst>
       <p:ext uri="{BB962C8B-B14F-4D97-AF65-F5344CB8AC3E}">
-        <p14:creationId xmlns:p14="http://schemas.microsoft.com/office/powerpoint/2010/main" val="261347441"/>
+        <p14:creationId xmlns:p14="http://schemas.microsoft.com/office/powerpoint/2010/main" val="533392133"/>
       </p:ext>
     </p:extLst>
   </p:cSld>
   <p:clrMapOvr>
     <a:masterClrMapping/>
   </p:clrMapOvr>
+  <p:timing>
+    <p:tnLst>
+      <p:par>
+        <p:cTn xmlns:p14="http://schemas.microsoft.com/office/powerpoint/2010/main" id="1" dur="indefinite" restart="never" nodeType="tmRoot"/>
+      </p:par>
+    </p:tnLst>
+  </p:timing>
 </p:sld>
 </file>
 
@@ -4535,30 +6667,81 @@
       </p:grpSpPr>
       <p:sp>
         <p:nvSpPr>
-          <p:cNvPr id="2" name="Title 1"/>
-          <p:cNvSpPr>
-            <a:spLocks noGrp="1"/>
-          </p:cNvSpPr>
-          <p:nvPr>
-            <p:ph type="title"/>
-          </p:nvPr>
-        </p:nvSpPr>
-        <p:spPr/>
-        <p:txBody>
-          <a:bodyPr/>
+          <p:cNvPr id="4" name="Rectangle 3"/>
+          <p:cNvSpPr/>
+          <p:nvPr/>
+        </p:nvSpPr>
+        <p:spPr>
+          <a:xfrm>
+            <a:off x="0" y="0"/>
+            <a:ext cx="9144000" cy="964642"/>
+          </a:xfrm>
+          <a:prstGeom prst="rect">
+            <a:avLst/>
+          </a:prstGeom>
+          <a:solidFill>
+            <a:srgbClr val="102F4B"/>
+          </a:solidFill>
+          <a:ln>
+            <a:noFill/>
+          </a:ln>
+        </p:spPr>
+        <p:style>
+          <a:lnRef idx="1">
+            <a:schemeClr val="accent1"/>
+          </a:lnRef>
+          <a:fillRef idx="3">
+            <a:schemeClr val="accent1"/>
+          </a:fillRef>
+          <a:effectRef idx="2">
+            <a:schemeClr val="accent1"/>
+          </a:effectRef>
+          <a:fontRef idx="minor">
+            <a:schemeClr val="lt1"/>
+          </a:fontRef>
+        </p:style>
+        <p:txBody>
+          <a:bodyPr rtlCol="0" anchor="ctr"/>
           <a:lstStyle/>
           <a:p>
             <a:r>
-              <a:rPr lang="en-US" dirty="0" smtClean="0"/>
+              <a:rPr lang="en-US" sz="4800" dirty="0">
+                <a:solidFill>
+                  <a:srgbClr val="FFFFFF"/>
+                </a:solidFill>
+              </a:rPr>
               <a:t>Concurrency</a:t>
             </a:r>
-            <a:endParaRPr lang="en-US" dirty="0"/>
-          </a:p>
-        </p:txBody>
-      </p:sp>
-      <p:sp>
-        <p:nvSpPr>
-          <p:cNvPr id="3" name="Content Placeholder 2"/>
+          </a:p>
+        </p:txBody>
+      </p:sp>
+      <p:pic>
+        <p:nvPicPr>
+          <p:cNvPr id="5" name="Picture 4"/>
+          <p:cNvPicPr>
+            <a:picLocks noChangeAspect="1"/>
+          </p:cNvPicPr>
+          <p:nvPr/>
+        </p:nvPicPr>
+        <p:blipFill>
+          <a:blip r:embed="rId2"/>
+          <a:stretch>
+            <a:fillRect/>
+          </a:stretch>
+        </p:blipFill>
+        <p:spPr>
+          <a:xfrm>
+            <a:off x="427268" y="6118657"/>
+            <a:ext cx="529526" cy="356061"/>
+          </a:xfrm>
+          <a:prstGeom prst="rect">
+            <a:avLst/>
+          </a:prstGeom>
+        </p:spPr>
+      </p:pic>
+      <p:sp>
+        <p:nvSpPr>
+          <p:cNvPr id="7" name="Content Placeholder 2"/>
           <p:cNvSpPr>
             <a:spLocks noGrp="1"/>
           </p:cNvSpPr>
@@ -4566,43 +6749,375 @@
             <p:ph idx="1"/>
           </p:nvPr>
         </p:nvSpPr>
-        <p:spPr/>
-        <p:txBody>
-          <a:bodyPr/>
+        <p:spPr>
+          <a:xfrm>
+            <a:off x="457200" y="1440543"/>
+            <a:ext cx="8229599" cy="4525963"/>
+          </a:xfrm>
+        </p:spPr>
+        <p:txBody>
+          <a:bodyPr>
+            <a:normAutofit/>
+          </a:bodyPr>
           <a:lstStyle/>
           <a:p>
             <a:r>
-              <a:rPr lang="en-US" dirty="0" smtClean="0"/>
+              <a:rPr lang="en-US" dirty="0" smtClean="0">
+                <a:solidFill>
+                  <a:srgbClr val="102F4B"/>
+                </a:solidFill>
+              </a:rPr>
               <a:t>Multiple threads executing simultaneously</a:t>
             </a:r>
           </a:p>
           <a:p>
             <a:r>
-              <a:rPr lang="en-US" dirty="0" smtClean="0"/>
+              <a:rPr lang="en-US" dirty="0" smtClean="0">
+                <a:solidFill>
+                  <a:srgbClr val="102F4B"/>
+                </a:solidFill>
+              </a:rPr>
               <a:t>Our example- an inventory web service with multiple clients making requests in parallel</a:t>
             </a:r>
           </a:p>
           <a:p>
-            <a:r>
-              <a:rPr lang="en-US" dirty="0" smtClean="0"/>
+            <a:pPr marL="0" indent="0">
+              <a:buNone/>
+            </a:pPr>
+            <a:endParaRPr lang="en-US" dirty="0" smtClean="0">
+              <a:solidFill>
+                <a:srgbClr val="102F4B"/>
+              </a:solidFill>
+            </a:endParaRPr>
+          </a:p>
+          <a:p>
+            <a:pPr marL="0" indent="0">
+              <a:buNone/>
+            </a:pPr>
+            <a:endParaRPr lang="en-US" dirty="0" smtClean="0">
+              <a:solidFill>
+                <a:srgbClr val="102F4B"/>
+              </a:solidFill>
+            </a:endParaRPr>
+          </a:p>
+          <a:p>
+            <a:pPr marL="0" indent="0">
+              <a:buNone/>
+            </a:pPr>
+            <a:endParaRPr lang="en-US" dirty="0" smtClean="0">
+              <a:solidFill>
+                <a:srgbClr val="102F4B"/>
+              </a:solidFill>
+            </a:endParaRPr>
+          </a:p>
+          <a:p>
+            <a:r>
+              <a:rPr lang="en-US" dirty="0" smtClean="0">
+                <a:solidFill>
+                  <a:srgbClr val="102F4B"/>
+                </a:solidFill>
+              </a:rPr>
               <a:t>Challenge- ensure that we don’t sell inventory we don’t have</a:t>
             </a:r>
           </a:p>
           <a:p>
-            <a:endParaRPr lang="en-US" dirty="0"/>
-          </a:p>
-        </p:txBody>
-      </p:sp>
+            <a:endParaRPr lang="en-US" dirty="0">
+              <a:solidFill>
+                <a:srgbClr val="102F4B"/>
+              </a:solidFill>
+            </a:endParaRPr>
+          </a:p>
+        </p:txBody>
+      </p:sp>
+      <p:grpSp>
+        <p:nvGrpSpPr>
+          <p:cNvPr id="9" name="Group 8"/>
+          <p:cNvGrpSpPr/>
+          <p:nvPr/>
+        </p:nvGrpSpPr>
+        <p:grpSpPr>
+          <a:xfrm>
+            <a:off x="979193" y="3388855"/>
+            <a:ext cx="6108109" cy="1269539"/>
+            <a:chOff x="898804" y="3515871"/>
+            <a:chExt cx="6108109" cy="1269539"/>
+          </a:xfrm>
+        </p:grpSpPr>
+        <p:sp>
+          <p:nvSpPr>
+            <p:cNvPr id="10" name="Left Arrow 9"/>
+            <p:cNvSpPr/>
+            <p:nvPr/>
+          </p:nvSpPr>
+          <p:spPr>
+            <a:xfrm rot="10800000">
+              <a:off x="898804" y="3515871"/>
+              <a:ext cx="978408" cy="242316"/>
+            </a:xfrm>
+            <a:prstGeom prst="leftArrow">
+              <a:avLst/>
+            </a:prstGeom>
+            <a:solidFill>
+              <a:schemeClr val="tx1"/>
+            </a:solidFill>
+            <a:ln>
+              <a:solidFill>
+                <a:schemeClr val="tx1"/>
+              </a:solidFill>
+            </a:ln>
+          </p:spPr>
+          <p:style>
+            <a:lnRef idx="1">
+              <a:schemeClr val="accent1"/>
+            </a:lnRef>
+            <a:fillRef idx="3">
+              <a:schemeClr val="accent1"/>
+            </a:fillRef>
+            <a:effectRef idx="2">
+              <a:schemeClr val="accent1"/>
+            </a:effectRef>
+            <a:fontRef idx="minor">
+              <a:schemeClr val="lt1"/>
+            </a:fontRef>
+          </p:style>
+          <p:txBody>
+            <a:bodyPr rtlCol="0" anchor="ctr"/>
+            <a:lstStyle/>
+            <a:p>
+              <a:pPr algn="ctr"/>
+              <a:endParaRPr lang="en-US"/>
+            </a:p>
+          </p:txBody>
+        </p:sp>
+        <p:sp>
+          <p:nvSpPr>
+            <p:cNvPr id="11" name="Left Arrow 10"/>
+            <p:cNvSpPr/>
+            <p:nvPr/>
+          </p:nvSpPr>
+          <p:spPr>
+            <a:xfrm rot="10800000">
+              <a:off x="1388008" y="3844816"/>
+              <a:ext cx="978408" cy="242316"/>
+            </a:xfrm>
+            <a:prstGeom prst="leftArrow">
+              <a:avLst/>
+            </a:prstGeom>
+            <a:solidFill>
+              <a:srgbClr val="FF0000"/>
+            </a:solidFill>
+            <a:ln>
+              <a:solidFill>
+                <a:srgbClr val="FF0000"/>
+              </a:solidFill>
+            </a:ln>
+          </p:spPr>
+          <p:style>
+            <a:lnRef idx="1">
+              <a:schemeClr val="accent1"/>
+            </a:lnRef>
+            <a:fillRef idx="3">
+              <a:schemeClr val="accent1"/>
+            </a:fillRef>
+            <a:effectRef idx="2">
+              <a:schemeClr val="accent1"/>
+            </a:effectRef>
+            <a:fontRef idx="minor">
+              <a:schemeClr val="lt1"/>
+            </a:fontRef>
+          </p:style>
+          <p:txBody>
+            <a:bodyPr rtlCol="0" anchor="ctr"/>
+            <a:lstStyle/>
+            <a:p>
+              <a:pPr algn="ctr"/>
+              <a:endParaRPr lang="en-US">
+                <a:solidFill>
+                  <a:srgbClr val="FF0000"/>
+                </a:solidFill>
+              </a:endParaRPr>
+            </a:p>
+          </p:txBody>
+        </p:sp>
+        <p:sp>
+          <p:nvSpPr>
+            <p:cNvPr id="12" name="Right Arrow 11"/>
+            <p:cNvSpPr/>
+            <p:nvPr/>
+          </p:nvSpPr>
+          <p:spPr>
+            <a:xfrm>
+              <a:off x="2066209" y="4150640"/>
+              <a:ext cx="978408" cy="242316"/>
+            </a:xfrm>
+            <a:prstGeom prst="rightArrow">
+              <a:avLst/>
+            </a:prstGeom>
+            <a:solidFill>
+              <a:srgbClr val="002060"/>
+            </a:solidFill>
+            <a:ln>
+              <a:solidFill>
+                <a:srgbClr val="002060"/>
+              </a:solidFill>
+            </a:ln>
+          </p:spPr>
+          <p:style>
+            <a:lnRef idx="1">
+              <a:schemeClr val="accent1"/>
+            </a:lnRef>
+            <a:fillRef idx="3">
+              <a:schemeClr val="accent1"/>
+            </a:fillRef>
+            <a:effectRef idx="2">
+              <a:schemeClr val="accent1"/>
+            </a:effectRef>
+            <a:fontRef idx="minor">
+              <a:schemeClr val="lt1"/>
+            </a:fontRef>
+          </p:style>
+          <p:txBody>
+            <a:bodyPr rtlCol="0" anchor="ctr"/>
+            <a:lstStyle/>
+            <a:p>
+              <a:pPr algn="ctr"/>
+              <a:endParaRPr lang="en-US"/>
+            </a:p>
+          </p:txBody>
+        </p:sp>
+        <p:sp>
+          <p:nvSpPr>
+            <p:cNvPr id="13" name="Right Arrow 12"/>
+            <p:cNvSpPr/>
+            <p:nvPr/>
+          </p:nvSpPr>
+          <p:spPr>
+            <a:xfrm>
+              <a:off x="2452011" y="4521481"/>
+              <a:ext cx="978408" cy="242316"/>
+            </a:xfrm>
+            <a:prstGeom prst="rightArrow">
+              <a:avLst/>
+            </a:prstGeom>
+            <a:solidFill>
+              <a:srgbClr val="FFFF00"/>
+            </a:solidFill>
+            <a:ln>
+              <a:solidFill>
+                <a:srgbClr val="FFFF00"/>
+              </a:solidFill>
+            </a:ln>
+          </p:spPr>
+          <p:style>
+            <a:lnRef idx="1">
+              <a:schemeClr val="accent1"/>
+            </a:lnRef>
+            <a:fillRef idx="3">
+              <a:schemeClr val="accent1"/>
+            </a:fillRef>
+            <a:effectRef idx="2">
+              <a:schemeClr val="accent1"/>
+            </a:effectRef>
+            <a:fontRef idx="minor">
+              <a:schemeClr val="lt1"/>
+            </a:fontRef>
+          </p:style>
+          <p:txBody>
+            <a:bodyPr rtlCol="0" anchor="ctr"/>
+            <a:lstStyle/>
+            <a:p>
+              <a:pPr algn="ctr"/>
+              <a:endParaRPr lang="en-US"/>
+            </a:p>
+          </p:txBody>
+        </p:sp>
+        <p:sp>
+          <p:nvSpPr>
+            <p:cNvPr id="14" name="Rectangle 13"/>
+            <p:cNvSpPr/>
+            <p:nvPr/>
+          </p:nvSpPr>
+          <p:spPr>
+            <a:xfrm>
+              <a:off x="3749435" y="3515871"/>
+              <a:ext cx="3257478" cy="1269539"/>
+            </a:xfrm>
+            <a:prstGeom prst="rect">
+              <a:avLst/>
+            </a:prstGeom>
+          </p:spPr>
+          <p:style>
+            <a:lnRef idx="1">
+              <a:schemeClr val="accent1"/>
+            </a:lnRef>
+            <a:fillRef idx="3">
+              <a:schemeClr val="accent1"/>
+            </a:fillRef>
+            <a:effectRef idx="2">
+              <a:schemeClr val="accent1"/>
+            </a:effectRef>
+            <a:fontRef idx="minor">
+              <a:schemeClr val="lt1"/>
+            </a:fontRef>
+          </p:style>
+          <p:txBody>
+            <a:bodyPr rtlCol="0" anchor="ctr"/>
+            <a:lstStyle/>
+            <a:p>
+              <a:pPr algn="ctr"/>
+              <a:endParaRPr lang="en-US" dirty="0"/>
+            </a:p>
+          </p:txBody>
+        </p:sp>
+        <p:sp>
+          <p:nvSpPr>
+            <p:cNvPr id="15" name="TextBox 14"/>
+            <p:cNvSpPr txBox="1"/>
+            <p:nvPr/>
+          </p:nvSpPr>
+          <p:spPr>
+            <a:xfrm>
+              <a:off x="3975258" y="3965974"/>
+              <a:ext cx="2805831" cy="369332"/>
+            </a:xfrm>
+            <a:prstGeom prst="rect">
+              <a:avLst/>
+            </a:prstGeom>
+            <a:noFill/>
+          </p:spPr>
+          <p:txBody>
+            <a:bodyPr wrap="square" rtlCol="0">
+              <a:spAutoFit/>
+            </a:bodyPr>
+            <a:lstStyle/>
+            <a:p>
+              <a:pPr algn="ctr"/>
+              <a:r>
+                <a:rPr lang="en-US" dirty="0" smtClean="0"/>
+                <a:t>Inventory Web Service </a:t>
+              </a:r>
+              <a:endParaRPr lang="en-US" dirty="0"/>
+            </a:p>
+          </p:txBody>
+        </p:sp>
+      </p:grpSp>
     </p:spTree>
     <p:extLst>
       <p:ext uri="{BB962C8B-B14F-4D97-AF65-F5344CB8AC3E}">
-        <p14:creationId xmlns:p14="http://schemas.microsoft.com/office/powerpoint/2010/main" val="3504001052"/>
+        <p14:creationId xmlns:p14="http://schemas.microsoft.com/office/powerpoint/2010/main" val="3695044836"/>
       </p:ext>
     </p:extLst>
   </p:cSld>
   <p:clrMapOvr>
     <a:masterClrMapping/>
   </p:clrMapOvr>
+  <p:timing>
+    <p:tnLst>
+      <p:par>
+        <p:cTn xmlns:p14="http://schemas.microsoft.com/office/powerpoint/2010/main" id="1" dur="indefinite" restart="never" nodeType="tmRoot"/>
+      </p:par>
+    </p:tnLst>
+  </p:timing>
 </p:sld>
 </file>
 
@@ -4625,30 +7140,81 @@
       </p:grpSpPr>
       <p:sp>
         <p:nvSpPr>
-          <p:cNvPr id="2" name="Title 1"/>
-          <p:cNvSpPr>
-            <a:spLocks noGrp="1"/>
-          </p:cNvSpPr>
-          <p:nvPr>
-            <p:ph type="title"/>
-          </p:nvPr>
-        </p:nvSpPr>
-        <p:spPr/>
-        <p:txBody>
-          <a:bodyPr/>
+          <p:cNvPr id="4" name="Rectangle 3"/>
+          <p:cNvSpPr/>
+          <p:nvPr/>
+        </p:nvSpPr>
+        <p:spPr>
+          <a:xfrm>
+            <a:off x="0" y="0"/>
+            <a:ext cx="9144000" cy="964642"/>
+          </a:xfrm>
+          <a:prstGeom prst="rect">
+            <a:avLst/>
+          </a:prstGeom>
+          <a:solidFill>
+            <a:srgbClr val="102F4B"/>
+          </a:solidFill>
+          <a:ln>
+            <a:noFill/>
+          </a:ln>
+        </p:spPr>
+        <p:style>
+          <a:lnRef idx="1">
+            <a:schemeClr val="accent1"/>
+          </a:lnRef>
+          <a:fillRef idx="3">
+            <a:schemeClr val="accent1"/>
+          </a:fillRef>
+          <a:effectRef idx="2">
+            <a:schemeClr val="accent1"/>
+          </a:effectRef>
+          <a:fontRef idx="minor">
+            <a:schemeClr val="lt1"/>
+          </a:fontRef>
+        </p:style>
+        <p:txBody>
+          <a:bodyPr rtlCol="0" anchor="ctr"/>
           <a:lstStyle/>
           <a:p>
             <a:r>
-              <a:rPr lang="en-US" dirty="0" smtClean="0"/>
+              <a:rPr lang="en-US" sz="4800" dirty="0">
+                <a:solidFill>
+                  <a:srgbClr val="FFFFFF"/>
+                </a:solidFill>
+              </a:rPr>
               <a:t>Options to Handle Concurrency</a:t>
             </a:r>
-            <a:endParaRPr lang="en-US" dirty="0"/>
-          </a:p>
-        </p:txBody>
-      </p:sp>
-      <p:sp>
-        <p:nvSpPr>
-          <p:cNvPr id="3" name="Content Placeholder 2"/>
+          </a:p>
+        </p:txBody>
+      </p:sp>
+      <p:pic>
+        <p:nvPicPr>
+          <p:cNvPr id="5" name="Picture 4"/>
+          <p:cNvPicPr>
+            <a:picLocks noChangeAspect="1"/>
+          </p:cNvPicPr>
+          <p:nvPr/>
+        </p:nvPicPr>
+        <p:blipFill>
+          <a:blip r:embed="rId2"/>
+          <a:stretch>
+            <a:fillRect/>
+          </a:stretch>
+        </p:blipFill>
+        <p:spPr>
+          <a:xfrm>
+            <a:off x="427268" y="6118657"/>
+            <a:ext cx="529526" cy="356061"/>
+          </a:xfrm>
+          <a:prstGeom prst="rect">
+            <a:avLst/>
+          </a:prstGeom>
+        </p:spPr>
+      </p:pic>
+      <p:sp>
+        <p:nvSpPr>
+          <p:cNvPr id="16" name="Content Placeholder 2"/>
           <p:cNvSpPr>
             <a:spLocks noGrp="1"/>
           </p:cNvSpPr>
@@ -4656,59 +7222,99 @@
             <p:ph idx="1"/>
           </p:nvPr>
         </p:nvSpPr>
-        <p:spPr/>
+        <p:spPr>
+          <a:xfrm>
+            <a:off x="457200" y="1367971"/>
+            <a:ext cx="8229600" cy="4525963"/>
+          </a:xfrm>
+        </p:spPr>
         <p:txBody>
           <a:bodyPr/>
           <a:lstStyle/>
           <a:p>
             <a:r>
-              <a:rPr lang="en-US" dirty="0" smtClean="0"/>
+              <a:rPr lang="en-US" dirty="0" smtClean="0">
+                <a:solidFill>
+                  <a:srgbClr val="102F4B"/>
+                </a:solidFill>
+              </a:rPr>
               <a:t>Shared-State</a:t>
             </a:r>
           </a:p>
           <a:p>
             <a:r>
-              <a:rPr lang="en-US" dirty="0" err="1" smtClean="0"/>
+              <a:rPr lang="en-US" dirty="0" err="1" smtClean="0">
+                <a:solidFill>
+                  <a:srgbClr val="102F4B"/>
+                </a:solidFill>
+              </a:rPr>
               <a:t>Akka</a:t>
             </a:r>
             <a:r>
-              <a:rPr lang="en-US" dirty="0" smtClean="0"/>
+              <a:rPr lang="en-US" dirty="0" smtClean="0">
+                <a:solidFill>
+                  <a:srgbClr val="102F4B"/>
+                </a:solidFill>
+              </a:rPr>
               <a:t> (Reactive)</a:t>
             </a:r>
           </a:p>
           <a:p>
             <a:r>
-              <a:rPr lang="en-US" dirty="0" smtClean="0"/>
+              <a:rPr lang="en-US" dirty="0" smtClean="0">
+                <a:solidFill>
+                  <a:srgbClr val="102F4B"/>
+                </a:solidFill>
+              </a:rPr>
               <a:t>Other:</a:t>
             </a:r>
           </a:p>
           <a:p>
             <a:pPr lvl="1"/>
             <a:r>
-              <a:rPr lang="en-US" dirty="0" smtClean="0"/>
+              <a:rPr lang="en-US" dirty="0" smtClean="0">
+                <a:solidFill>
+                  <a:srgbClr val="102F4B"/>
+                </a:solidFill>
+              </a:rPr>
               <a:t>Function Reactive Programming (Not the same as Reactive)</a:t>
             </a:r>
           </a:p>
           <a:p>
             <a:pPr lvl="1"/>
             <a:r>
-              <a:rPr lang="en-US" dirty="0" smtClean="0"/>
+              <a:rPr lang="en-US" dirty="0" smtClean="0">
+                <a:solidFill>
+                  <a:srgbClr val="102F4B"/>
+                </a:solidFill>
+              </a:rPr>
               <a:t>Publisher/Subscriber</a:t>
             </a:r>
-            <a:endParaRPr lang="en-US" dirty="0"/>
+            <a:endParaRPr lang="en-US" dirty="0">
+              <a:solidFill>
+                <a:srgbClr val="102F4B"/>
+              </a:solidFill>
+            </a:endParaRPr>
           </a:p>
         </p:txBody>
       </p:sp>
     </p:spTree>
     <p:extLst>
       <p:ext uri="{BB962C8B-B14F-4D97-AF65-F5344CB8AC3E}">
-        <p14:creationId xmlns:p14="http://schemas.microsoft.com/office/powerpoint/2010/main" val="2037115754"/>
+        <p14:creationId xmlns:p14="http://schemas.microsoft.com/office/powerpoint/2010/main" val="3272348285"/>
       </p:ext>
     </p:extLst>
   </p:cSld>
   <p:clrMapOvr>
     <a:masterClrMapping/>
   </p:clrMapOvr>
+  <p:timing>
+    <p:tnLst>
+      <p:par>
+        <p:cTn xmlns:p14="http://schemas.microsoft.com/office/powerpoint/2010/main" id="1" dur="indefinite" restart="never" nodeType="tmRoot"/>
+      </p:par>
+    </p:tnLst>
+  </p:timing>
 </p:sld>
 </file>
 
@@ -4731,30 +7337,81 @@
       </p:grpSpPr>
       <p:sp>
         <p:nvSpPr>
-          <p:cNvPr id="2" name="Title 1"/>
-          <p:cNvSpPr>
-            <a:spLocks noGrp="1"/>
-          </p:cNvSpPr>
-          <p:nvPr>
-            <p:ph type="title"/>
-          </p:nvPr>
-        </p:nvSpPr>
-        <p:spPr/>
-        <p:txBody>
-          <a:bodyPr/>
+          <p:cNvPr id="4" name="Rectangle 3"/>
+          <p:cNvSpPr/>
+          <p:nvPr/>
+        </p:nvSpPr>
+        <p:spPr>
+          <a:xfrm>
+            <a:off x="0" y="0"/>
+            <a:ext cx="9144000" cy="964642"/>
+          </a:xfrm>
+          <a:prstGeom prst="rect">
+            <a:avLst/>
+          </a:prstGeom>
+          <a:solidFill>
+            <a:srgbClr val="102F4B"/>
+          </a:solidFill>
+          <a:ln>
+            <a:noFill/>
+          </a:ln>
+        </p:spPr>
+        <p:style>
+          <a:lnRef idx="1">
+            <a:schemeClr val="accent1"/>
+          </a:lnRef>
+          <a:fillRef idx="3">
+            <a:schemeClr val="accent1"/>
+          </a:fillRef>
+          <a:effectRef idx="2">
+            <a:schemeClr val="accent1"/>
+          </a:effectRef>
+          <a:fontRef idx="minor">
+            <a:schemeClr val="lt1"/>
+          </a:fontRef>
+        </p:style>
+        <p:txBody>
+          <a:bodyPr rtlCol="0" anchor="ctr"/>
           <a:lstStyle/>
           <a:p>
             <a:r>
-              <a:rPr lang="en-US" dirty="0" smtClean="0"/>
+              <a:rPr lang="en-US" sz="4800" dirty="0">
+                <a:solidFill>
+                  <a:srgbClr val="FFFFFF"/>
+                </a:solidFill>
+              </a:rPr>
               <a:t>Shared-State</a:t>
             </a:r>
-            <a:endParaRPr lang="en-US" dirty="0"/>
-          </a:p>
-        </p:txBody>
-      </p:sp>
-      <p:sp>
-        <p:nvSpPr>
-          <p:cNvPr id="3" name="Content Placeholder 2"/>
+          </a:p>
+        </p:txBody>
+      </p:sp>
+      <p:pic>
+        <p:nvPicPr>
+          <p:cNvPr id="5" name="Picture 4"/>
+          <p:cNvPicPr>
+            <a:picLocks noChangeAspect="1"/>
+          </p:cNvPicPr>
+          <p:nvPr/>
+        </p:nvPicPr>
+        <p:blipFill>
+          <a:blip r:embed="rId2"/>
+          <a:stretch>
+            <a:fillRect/>
+          </a:stretch>
+        </p:blipFill>
+        <p:spPr>
+          <a:xfrm>
+            <a:off x="427268" y="6118657"/>
+            <a:ext cx="529526" cy="356061"/>
+          </a:xfrm>
+          <a:prstGeom prst="rect">
+            <a:avLst/>
+          </a:prstGeom>
+        </p:spPr>
+      </p:pic>
+      <p:sp>
+        <p:nvSpPr>
+          <p:cNvPr id="6" name="Content Placeholder 2"/>
           <p:cNvSpPr>
             <a:spLocks noGrp="1"/>
           </p:cNvSpPr>
@@ -4764,7 +7421,7 @@
         </p:nvSpPr>
         <p:spPr>
           <a:xfrm>
-            <a:off x="457200" y="1417638"/>
+            <a:off x="457200" y="1287009"/>
             <a:ext cx="8229600" cy="4708525"/>
           </a:xfrm>
         </p:spPr>
@@ -4775,82 +7432,133 @@
           <a:lstStyle/>
           <a:p>
             <a:r>
-              <a:rPr lang="en-US" dirty="0" smtClean="0"/>
+              <a:rPr lang="en-US" dirty="0" smtClean="0">
+                <a:solidFill>
+                  <a:srgbClr val="102F4B"/>
+                </a:solidFill>
+              </a:rPr>
               <a:t>Shares mutable state across threads</a:t>
             </a:r>
           </a:p>
           <a:p>
             <a:r>
-              <a:rPr lang="en-US" dirty="0" smtClean="0"/>
+              <a:rPr lang="en-US" dirty="0" smtClean="0">
+                <a:solidFill>
+                  <a:srgbClr val="102F4B"/>
+                </a:solidFill>
+              </a:rPr>
               <a:t>Uses locks to prevent race conditions</a:t>
             </a:r>
           </a:p>
           <a:p>
             <a:r>
-              <a:rPr lang="en-US" dirty="0" smtClean="0"/>
+              <a:rPr lang="en-US" dirty="0" smtClean="0">
+                <a:solidFill>
+                  <a:srgbClr val="102F4B"/>
+                </a:solidFill>
+              </a:rPr>
               <a:t>Pros</a:t>
             </a:r>
           </a:p>
           <a:p>
             <a:pPr lvl="1"/>
             <a:r>
-              <a:rPr lang="en-US" dirty="0" smtClean="0"/>
+              <a:rPr lang="en-US" dirty="0" smtClean="0">
+                <a:solidFill>
+                  <a:srgbClr val="102F4B"/>
+                </a:solidFill>
+              </a:rPr>
               <a:t>Heavily used</a:t>
             </a:r>
           </a:p>
           <a:p>
             <a:pPr lvl="1"/>
             <a:r>
-              <a:rPr lang="en-US" dirty="0" smtClean="0"/>
+              <a:rPr lang="en-US" dirty="0" smtClean="0">
+                <a:solidFill>
+                  <a:srgbClr val="102F4B"/>
+                </a:solidFill>
+              </a:rPr>
               <a:t>Simple to reason about for trivial applications</a:t>
             </a:r>
           </a:p>
           <a:p>
             <a:r>
-              <a:rPr lang="en-US" dirty="0" smtClean="0"/>
+              <a:rPr lang="en-US" dirty="0" smtClean="0">
+                <a:solidFill>
+                  <a:srgbClr val="102F4B"/>
+                </a:solidFill>
+              </a:rPr>
               <a:t>Cons</a:t>
             </a:r>
           </a:p>
           <a:p>
             <a:pPr lvl="1"/>
             <a:r>
-              <a:rPr lang="en-US" dirty="0" smtClean="0"/>
+              <a:rPr lang="en-US" dirty="0" smtClean="0">
+                <a:solidFill>
+                  <a:srgbClr val="102F4B"/>
+                </a:solidFill>
+              </a:rPr>
               <a:t>Thread sleep/awake is expensive</a:t>
             </a:r>
           </a:p>
           <a:p>
             <a:pPr lvl="1"/>
             <a:r>
-              <a:rPr lang="en-US" dirty="0" smtClean="0"/>
+              <a:rPr lang="en-US" dirty="0" smtClean="0">
+                <a:solidFill>
+                  <a:srgbClr val="102F4B"/>
+                </a:solidFill>
+              </a:rPr>
               <a:t>Complex applications are very difficult to model</a:t>
             </a:r>
           </a:p>
           <a:p>
             <a:pPr lvl="1"/>
             <a:r>
-              <a:rPr lang="en-US" dirty="0" smtClean="0"/>
+              <a:rPr lang="en-US" dirty="0" smtClean="0">
+                <a:solidFill>
+                  <a:srgbClr val="102F4B"/>
+                </a:solidFill>
+              </a:rPr>
               <a:t>Deadlocks!</a:t>
             </a:r>
           </a:p>
           <a:p>
             <a:pPr lvl="1"/>
-            <a:endParaRPr lang="en-US" dirty="0" smtClean="0"/>
-          </a:p>
-          <a:p>
-            <a:endParaRPr lang="en-US" dirty="0"/>
+            <a:endParaRPr lang="en-US" dirty="0" smtClean="0">
+              <a:solidFill>
+                <a:srgbClr val="102F4B"/>
+              </a:solidFill>
+            </a:endParaRPr>
+          </a:p>
+          <a:p>
+            <a:endParaRPr lang="en-US" dirty="0">
+              <a:solidFill>
+                <a:srgbClr val="102F4B"/>
+              </a:solidFill>
+            </a:endParaRPr>
           </a:p>
         </p:txBody>
       </p:sp>
     </p:spTree>
     <p:extLst>
       <p:ext uri="{BB962C8B-B14F-4D97-AF65-F5344CB8AC3E}">
-        <p14:creationId xmlns:p14="http://schemas.microsoft.com/office/powerpoint/2010/main" val="3508279043"/>
+        <p14:creationId xmlns:p14="http://schemas.microsoft.com/office/powerpoint/2010/main" val="3941202736"/>
       </p:ext>
     </p:extLst>
   </p:cSld>
   <p:clrMapOvr>
     <a:masterClrMapping/>
   </p:clrMapOvr>
+  <p:timing>
+    <p:tnLst>
+      <p:par>
+        <p:cTn xmlns:p14="http://schemas.microsoft.com/office/powerpoint/2010/main" id="1" dur="indefinite" restart="never" nodeType="tmRoot"/>
+      </p:par>
+    </p:tnLst>
+  </p:timing>
 </p:sld>
 </file>
 
@@ -4873,34 +7581,89 @@
       </p:grpSpPr>
       <p:sp>
         <p:nvSpPr>
-          <p:cNvPr id="2" name="Title 1"/>
-          <p:cNvSpPr>
-            <a:spLocks noGrp="1"/>
-          </p:cNvSpPr>
-          <p:nvPr>
-            <p:ph type="title"/>
-          </p:nvPr>
-        </p:nvSpPr>
-        <p:spPr/>
-        <p:txBody>
-          <a:bodyPr/>
+          <p:cNvPr id="4" name="Rectangle 3"/>
+          <p:cNvSpPr/>
+          <p:nvPr/>
+        </p:nvSpPr>
+        <p:spPr>
+          <a:xfrm>
+            <a:off x="0" y="0"/>
+            <a:ext cx="9144000" cy="964642"/>
+          </a:xfrm>
+          <a:prstGeom prst="rect">
+            <a:avLst/>
+          </a:prstGeom>
+          <a:solidFill>
+            <a:srgbClr val="102F4B"/>
+          </a:solidFill>
+          <a:ln>
+            <a:noFill/>
+          </a:ln>
+        </p:spPr>
+        <p:style>
+          <a:lnRef idx="1">
+            <a:schemeClr val="accent1"/>
+          </a:lnRef>
+          <a:fillRef idx="3">
+            <a:schemeClr val="accent1"/>
+          </a:fillRef>
+          <a:effectRef idx="2">
+            <a:schemeClr val="accent1"/>
+          </a:effectRef>
+          <a:fontRef idx="minor">
+            <a:schemeClr val="lt1"/>
+          </a:fontRef>
+        </p:style>
+        <p:txBody>
+          <a:bodyPr rtlCol="0" anchor="ctr"/>
           <a:lstStyle/>
           <a:p>
             <a:r>
-              <a:rPr lang="en-US" dirty="0" err="1" smtClean="0"/>
+              <a:rPr lang="en-US" sz="4800" dirty="0" err="1">
+                <a:solidFill>
+                  <a:srgbClr val="FFFFFF"/>
+                </a:solidFill>
+              </a:rPr>
               <a:t>Akka</a:t>
             </a:r>
             <a:r>
-              <a:rPr lang="en-US" dirty="0" smtClean="0"/>
+              <a:rPr lang="en-US" sz="4800" dirty="0">
+                <a:solidFill>
+                  <a:srgbClr val="FFFFFF"/>
+                </a:solidFill>
+              </a:rPr>
               <a:t> (Reactive)</a:t>
             </a:r>
-            <a:endParaRPr lang="en-US" dirty="0"/>
-          </a:p>
-        </p:txBody>
-      </p:sp>
-      <p:sp>
-        <p:nvSpPr>
-          <p:cNvPr id="3" name="Content Placeholder 2"/>
+          </a:p>
+        </p:txBody>
+      </p:sp>
+      <p:pic>
+        <p:nvPicPr>
+          <p:cNvPr id="5" name="Picture 4"/>
+          <p:cNvPicPr>
+            <a:picLocks noChangeAspect="1"/>
+          </p:cNvPicPr>
+          <p:nvPr/>
+        </p:nvPicPr>
+        <p:blipFill>
+          <a:blip r:embed="rId2"/>
+          <a:stretch>
+            <a:fillRect/>
+          </a:stretch>
+        </p:blipFill>
+        <p:spPr>
+          <a:xfrm>
+            <a:off x="427268" y="6118657"/>
+            <a:ext cx="529526" cy="356061"/>
+          </a:xfrm>
+          <a:prstGeom prst="rect">
+            <a:avLst/>
+          </a:prstGeom>
+        </p:spPr>
+      </p:pic>
+      <p:sp>
+        <p:nvSpPr>
+          <p:cNvPr id="7" name="Content Placeholder 2"/>
           <p:cNvSpPr>
             <a:spLocks noGrp="1"/>
           </p:cNvSpPr>
@@ -4910,164 +7673,125 @@
         </p:nvSpPr>
         <p:spPr>
           <a:xfrm>
-            <a:off x="138050" y="1283934"/>
-            <a:ext cx="8890334" cy="5315208"/>
+            <a:off x="126833" y="1202688"/>
+            <a:ext cx="8890334" cy="4960308"/>
           </a:xfrm>
         </p:spPr>
         <p:txBody>
           <a:bodyPr>
-            <a:normAutofit fontScale="62500" lnSpcReduction="20000"/>
+            <a:normAutofit fontScale="92500" lnSpcReduction="20000"/>
           </a:bodyPr>
           <a:lstStyle/>
           <a:p>
             <a:r>
-              <a:rPr lang="en-US" sz="3400" dirty="0" smtClean="0"/>
+              <a:rPr lang="en-US" sz="3400" dirty="0" smtClean="0">
+                <a:solidFill>
+                  <a:srgbClr val="102F4B"/>
+                </a:solidFill>
+              </a:rPr>
               <a:t>Actors instead of threads- lightweight, easy to reason about</a:t>
             </a:r>
           </a:p>
           <a:p>
             <a:r>
-              <a:rPr lang="en-US" sz="3400" dirty="0" smtClean="0"/>
+              <a:rPr lang="en-US" sz="3400" dirty="0" smtClean="0">
+                <a:solidFill>
+                  <a:srgbClr val="102F4B"/>
+                </a:solidFill>
+              </a:rPr>
               <a:t>Actors communicate with message passing</a:t>
             </a:r>
           </a:p>
           <a:p>
             <a:pPr lvl="1"/>
             <a:r>
-              <a:rPr lang="en-US" sz="3000" dirty="0"/>
+              <a:rPr lang="en-US" sz="3000" dirty="0">
+                <a:solidFill>
+                  <a:srgbClr val="102F4B"/>
+                </a:solidFill>
+              </a:rPr>
               <a:t>M</a:t>
             </a:r>
             <a:r>
-              <a:rPr lang="en-US" sz="3000" dirty="0" smtClean="0"/>
+              <a:rPr lang="en-US" sz="3000" dirty="0" smtClean="0">
+                <a:solidFill>
+                  <a:srgbClr val="102F4B"/>
+                </a:solidFill>
+              </a:rPr>
               <a:t>essages are objects containing information</a:t>
             </a:r>
           </a:p>
           <a:p>
             <a:pPr lvl="1"/>
             <a:r>
-              <a:rPr lang="en-US" sz="3000" dirty="0" smtClean="0"/>
-              <a:t>Not imperative, they provide information and are </a:t>
-            </a:r>
-            <a:r>
               <a:rPr lang="en-US" sz="3000" dirty="0" smtClean="0">
                 <a:solidFill>
-                  <a:srgbClr val="FF0000"/>
-                </a:solidFill>
-              </a:rPr>
-              <a:t>REACTED</a:t>
-            </a:r>
-            <a:r>
-              <a:rPr lang="en-US" sz="3000" dirty="0" smtClean="0"/>
-              <a:t> to by the actor.</a:t>
+                  <a:srgbClr val="102F4B"/>
+                </a:solidFill>
+              </a:rPr>
+              <a:t>Not imperative, they provide information and are REACTED to by the actor.</a:t>
             </a:r>
           </a:p>
           <a:p>
             <a:pPr lvl="1"/>
             <a:r>
-              <a:rPr lang="en-US" sz="3000" dirty="0" smtClean="0"/>
+              <a:rPr lang="en-US" sz="3000" dirty="0" smtClean="0">
+                <a:solidFill>
+                  <a:srgbClr val="102F4B"/>
+                </a:solidFill>
+              </a:rPr>
               <a:t>Ex “Someone requested 5 shirts”, not “Give me 5 shirts” </a:t>
             </a:r>
           </a:p>
           <a:p>
             <a:r>
-              <a:rPr lang="en-US" sz="3400" dirty="0" smtClean="0"/>
+              <a:rPr lang="en-US" sz="3400" dirty="0" smtClean="0">
+                <a:solidFill>
+                  <a:srgbClr val="102F4B"/>
+                </a:solidFill>
+              </a:rPr>
               <a:t>Mutable state- But only an actor can change itself</a:t>
             </a:r>
           </a:p>
           <a:p>
             <a:r>
-              <a:rPr lang="en-US" sz="3400" dirty="0" smtClean="0"/>
+              <a:rPr lang="en-US" sz="3400" dirty="0" smtClean="0">
+                <a:solidFill>
+                  <a:srgbClr val="102F4B"/>
+                </a:solidFill>
+              </a:rPr>
               <a:t>Each actor has a mailbox (queue)- synchronous message processing</a:t>
             </a:r>
           </a:p>
           <a:p>
-            <a:r>
-              <a:rPr lang="en-US" sz="3400" dirty="0" smtClean="0"/>
-              <a:t>Pros</a:t>
-            </a:r>
-          </a:p>
-          <a:p>
-            <a:pPr lvl="1"/>
-            <a:r>
-              <a:rPr lang="en-US" sz="3400" dirty="0" smtClean="0"/>
-              <a:t>No locks! So no thread sleep</a:t>
-            </a:r>
-          </a:p>
-          <a:p>
-            <a:pPr lvl="1"/>
-            <a:r>
-              <a:rPr lang="en-US" sz="3400" dirty="0" smtClean="0"/>
-              <a:t>Ability to use pools for actions that don’t modify state</a:t>
-            </a:r>
-          </a:p>
-          <a:p>
-            <a:pPr lvl="1"/>
-            <a:r>
-              <a:rPr lang="en-US" sz="3400" dirty="0" smtClean="0"/>
-              <a:t>Completely non-blocking communication between actors</a:t>
-            </a:r>
-          </a:p>
-          <a:p>
-            <a:pPr lvl="1"/>
-            <a:r>
-              <a:rPr lang="en-US" sz="3400" dirty="0" smtClean="0"/>
-              <a:t>Modeling mimics real life: actor has one job and does one task at a time</a:t>
-            </a:r>
-          </a:p>
-          <a:p>
-            <a:pPr lvl="1"/>
-            <a:r>
-              <a:rPr lang="en-US" sz="3400" dirty="0" smtClean="0"/>
-              <a:t>Delegation- delegate tasks to children to allow for concurrent processing, fault tolerance, </a:t>
-            </a:r>
-            <a:r>
-              <a:rPr lang="en-US" sz="3400" dirty="0" err="1" smtClean="0"/>
-              <a:t>etc</a:t>
-            </a:r>
-            <a:endParaRPr lang="en-US" sz="3400" dirty="0" smtClean="0"/>
-          </a:p>
-          <a:p>
-            <a:pPr lvl="1"/>
-            <a:r>
-              <a:rPr lang="en-US" sz="3400" dirty="0" smtClean="0"/>
-              <a:t>Supervision- parent handles faults in child (can restart, stop, resume, </a:t>
-            </a:r>
-            <a:r>
-              <a:rPr lang="en-US" sz="3400" dirty="0" err="1" smtClean="0"/>
-              <a:t>etc</a:t>
-            </a:r>
-            <a:r>
-              <a:rPr lang="en-US" sz="3400" dirty="0" smtClean="0"/>
-              <a:t>)</a:t>
-            </a:r>
-          </a:p>
-          <a:p>
-            <a:pPr lvl="1"/>
-            <a:r>
-              <a:rPr lang="en-US" sz="3400" dirty="0" smtClean="0"/>
-              <a:t>Very loose coupling, messages are strongly typed, end points aren’t</a:t>
-            </a:r>
-          </a:p>
-          <a:p>
-            <a:pPr lvl="1"/>
-            <a:r>
-              <a:rPr lang="en-US" sz="3400" dirty="0" smtClean="0"/>
-              <a:t>Functional: new functions are new actors so robust and easy to test</a:t>
-            </a:r>
-            <a:endParaRPr lang="en-US" sz="3400" dirty="0"/>
+            <a:pPr marL="0" indent="0">
+              <a:buNone/>
+            </a:pPr>
+            <a:endParaRPr lang="en-US" sz="3400" dirty="0">
+              <a:solidFill>
+                <a:srgbClr val="102F4B"/>
+              </a:solidFill>
+            </a:endParaRPr>
           </a:p>
         </p:txBody>
       </p:sp>
     </p:spTree>
     <p:extLst>
       <p:ext uri="{BB962C8B-B14F-4D97-AF65-F5344CB8AC3E}">
-        <p14:creationId xmlns:p14="http://schemas.microsoft.com/office/powerpoint/2010/main" val="851754427"/>
+        <p14:creationId xmlns:p14="http://schemas.microsoft.com/office/powerpoint/2010/main" val="626898998"/>
       </p:ext>
     </p:extLst>
   </p:cSld>
   <p:clrMapOvr>
     <a:masterClrMapping/>
   </p:clrMapOvr>
+  <p:timing>
+    <p:tnLst>
+      <p:par>
+        <p:cTn xmlns:p14="http://schemas.microsoft.com/office/powerpoint/2010/main" id="1" dur="indefinite" restart="never" nodeType="tmRoot"/>
+      </p:par>
+    </p:tnLst>
+  </p:timing>
 </p:sld>
 </file>
 
@@ -5090,34 +7814,89 @@
       </p:grpSpPr>
       <p:sp>
         <p:nvSpPr>
-          <p:cNvPr id="2" name="Title 1"/>
-          <p:cNvSpPr>
-            <a:spLocks noGrp="1"/>
-          </p:cNvSpPr>
-          <p:nvPr>
-            <p:ph type="title"/>
-          </p:nvPr>
-        </p:nvSpPr>
-        <p:spPr/>
-        <p:txBody>
-          <a:bodyPr/>
+          <p:cNvPr id="4" name="Rectangle 3"/>
+          <p:cNvSpPr/>
+          <p:nvPr/>
+        </p:nvSpPr>
+        <p:spPr>
+          <a:xfrm>
+            <a:off x="0" y="0"/>
+            <a:ext cx="9144000" cy="964642"/>
+          </a:xfrm>
+          <a:prstGeom prst="rect">
+            <a:avLst/>
+          </a:prstGeom>
+          <a:solidFill>
+            <a:srgbClr val="102F4B"/>
+          </a:solidFill>
+          <a:ln>
+            <a:noFill/>
+          </a:ln>
+        </p:spPr>
+        <p:style>
+          <a:lnRef idx="1">
+            <a:schemeClr val="accent1"/>
+          </a:lnRef>
+          <a:fillRef idx="3">
+            <a:schemeClr val="accent1"/>
+          </a:fillRef>
+          <a:effectRef idx="2">
+            <a:schemeClr val="accent1"/>
+          </a:effectRef>
+          <a:fontRef idx="minor">
+            <a:schemeClr val="lt1"/>
+          </a:fontRef>
+        </p:style>
+        <p:txBody>
+          <a:bodyPr rtlCol="0" anchor="ctr"/>
           <a:lstStyle/>
           <a:p>
             <a:r>
-              <a:rPr lang="en-US" dirty="0" err="1" smtClean="0"/>
+              <a:rPr lang="en-US" sz="4800" dirty="0" err="1">
+                <a:solidFill>
+                  <a:srgbClr val="FFFFFF"/>
+                </a:solidFill>
+              </a:rPr>
               <a:t>Akka</a:t>
             </a:r>
             <a:r>
-              <a:rPr lang="en-US" dirty="0" smtClean="0"/>
+              <a:rPr lang="en-US" sz="4800" dirty="0">
+                <a:solidFill>
+                  <a:srgbClr val="FFFFFF"/>
+                </a:solidFill>
+              </a:rPr>
               <a:t> (Can you tell we like this?)</a:t>
             </a:r>
-            <a:endParaRPr lang="en-US" dirty="0"/>
-          </a:p>
-        </p:txBody>
-      </p:sp>
-      <p:sp>
-        <p:nvSpPr>
-          <p:cNvPr id="3" name="Content Placeholder 2"/>
+          </a:p>
+        </p:txBody>
+      </p:sp>
+      <p:pic>
+        <p:nvPicPr>
+          <p:cNvPr id="5" name="Picture 4"/>
+          <p:cNvPicPr>
+            <a:picLocks noChangeAspect="1"/>
+          </p:cNvPicPr>
+          <p:nvPr/>
+        </p:nvPicPr>
+        <p:blipFill>
+          <a:blip r:embed="rId2"/>
+          <a:stretch>
+            <a:fillRect/>
+          </a:stretch>
+        </p:blipFill>
+        <p:spPr>
+          <a:xfrm>
+            <a:off x="427268" y="6118657"/>
+            <a:ext cx="529526" cy="356061"/>
+          </a:xfrm>
+          <a:prstGeom prst="rect">
+            <a:avLst/>
+          </a:prstGeom>
+        </p:spPr>
+      </p:pic>
+      <p:sp>
+        <p:nvSpPr>
+          <p:cNvPr id="6" name="Content Placeholder 2"/>
           <p:cNvSpPr>
             <a:spLocks noGrp="1"/>
           </p:cNvSpPr>
@@ -5125,75 +7904,352 @@
             <p:ph idx="1"/>
           </p:nvPr>
         </p:nvSpPr>
-        <p:spPr/>
-        <p:txBody>
-          <a:bodyPr/>
+        <p:spPr>
+          <a:xfrm>
+            <a:off x="189412" y="1138631"/>
+            <a:ext cx="8503920" cy="5336087"/>
+          </a:xfrm>
+        </p:spPr>
+        <p:txBody>
+          <a:bodyPr>
+            <a:normAutofit fontScale="55000" lnSpcReduction="20000"/>
+          </a:bodyPr>
           <a:lstStyle/>
           <a:p>
             <a:r>
-              <a:rPr lang="en-US" dirty="0" smtClean="0"/>
+              <a:rPr lang="en-US" sz="3400" dirty="0">
+                <a:solidFill>
+                  <a:srgbClr val="102F4B"/>
+                </a:solidFill>
+              </a:rPr>
+              <a:t>Pros</a:t>
+            </a:r>
+          </a:p>
+          <a:p>
+            <a:pPr lvl="1"/>
+            <a:r>
+              <a:rPr lang="en-US" sz="3400" dirty="0">
+                <a:solidFill>
+                  <a:srgbClr val="102F4B"/>
+                </a:solidFill>
+              </a:rPr>
+              <a:t>No locks! So no thread sleep</a:t>
+            </a:r>
+          </a:p>
+          <a:p>
+            <a:pPr lvl="1"/>
+            <a:r>
+              <a:rPr lang="en-US" sz="3400" dirty="0">
+                <a:solidFill>
+                  <a:srgbClr val="102F4B"/>
+                </a:solidFill>
+              </a:rPr>
+              <a:t>Ability to use pools for actions that don’t modify state</a:t>
+            </a:r>
+          </a:p>
+          <a:p>
+            <a:pPr lvl="1"/>
+            <a:r>
+              <a:rPr lang="en-US" sz="3400" dirty="0">
+                <a:solidFill>
+                  <a:srgbClr val="102F4B"/>
+                </a:solidFill>
+              </a:rPr>
+              <a:t>Completely non-blocking communication between actors</a:t>
+            </a:r>
+          </a:p>
+          <a:p>
+            <a:pPr lvl="1"/>
+            <a:r>
+              <a:rPr lang="en-US" sz="3400" dirty="0">
+                <a:solidFill>
+                  <a:srgbClr val="102F4B"/>
+                </a:solidFill>
+              </a:rPr>
+              <a:t>Modeling mimics real life: actor has one job and does one task at a time</a:t>
+            </a:r>
+          </a:p>
+          <a:p>
+            <a:pPr lvl="1"/>
+            <a:r>
+              <a:rPr lang="en-US" sz="3400" dirty="0">
+                <a:solidFill>
+                  <a:srgbClr val="102F4B"/>
+                </a:solidFill>
+              </a:rPr>
+              <a:t>Delegation- delegate tasks to children to allow for concurrent processing, fault tolerance, </a:t>
+            </a:r>
+            <a:r>
+              <a:rPr lang="en-US" sz="3400" dirty="0" err="1">
+                <a:solidFill>
+                  <a:srgbClr val="102F4B"/>
+                </a:solidFill>
+              </a:rPr>
+              <a:t>etc</a:t>
+            </a:r>
+            <a:endParaRPr lang="en-US" sz="3400" dirty="0">
+              <a:solidFill>
+                <a:srgbClr val="102F4B"/>
+              </a:solidFill>
+            </a:endParaRPr>
+          </a:p>
+          <a:p>
+            <a:pPr lvl="1"/>
+            <a:r>
+              <a:rPr lang="en-US" sz="3400" dirty="0">
+                <a:solidFill>
+                  <a:srgbClr val="102F4B"/>
+                </a:solidFill>
+              </a:rPr>
+              <a:t>Supervision- parent handles faults in child (can restart, stop, resume, </a:t>
+            </a:r>
+            <a:r>
+              <a:rPr lang="en-US" sz="3400" dirty="0" err="1">
+                <a:solidFill>
+                  <a:srgbClr val="102F4B"/>
+                </a:solidFill>
+              </a:rPr>
+              <a:t>etc</a:t>
+            </a:r>
+            <a:r>
+              <a:rPr lang="en-US" sz="3400" dirty="0">
+                <a:solidFill>
+                  <a:srgbClr val="102F4B"/>
+                </a:solidFill>
+              </a:rPr>
+              <a:t>)</a:t>
+            </a:r>
+          </a:p>
+          <a:p>
+            <a:pPr lvl="1"/>
+            <a:r>
+              <a:rPr lang="en-US" sz="3400" dirty="0">
+                <a:solidFill>
+                  <a:srgbClr val="102F4B"/>
+                </a:solidFill>
+              </a:rPr>
+              <a:t>Very loose coupling, messages are strongly typed, </a:t>
+            </a:r>
+            <a:r>
+              <a:rPr lang="en-US" sz="3400" dirty="0" smtClean="0">
+                <a:solidFill>
+                  <a:srgbClr val="102F4B"/>
+                </a:solidFill>
+              </a:rPr>
+              <a:t>methods </a:t>
+            </a:r>
+            <a:r>
+              <a:rPr lang="en-US" sz="3400" dirty="0">
+                <a:solidFill>
+                  <a:srgbClr val="102F4B"/>
+                </a:solidFill>
+              </a:rPr>
+              <a:t>aren’t</a:t>
+            </a:r>
+          </a:p>
+          <a:p>
+            <a:pPr lvl="1"/>
+            <a:r>
+              <a:rPr lang="en-US" sz="3400" dirty="0">
+                <a:solidFill>
+                  <a:srgbClr val="102F4B"/>
+                </a:solidFill>
+              </a:rPr>
+              <a:t>Functional: new functions are new </a:t>
+            </a:r>
+            <a:r>
+              <a:rPr lang="en-US" sz="3400" dirty="0" smtClean="0">
+                <a:solidFill>
+                  <a:srgbClr val="102F4B"/>
+                </a:solidFill>
+              </a:rPr>
+              <a:t>actors, </a:t>
+            </a:r>
+            <a:r>
+              <a:rPr lang="en-US" sz="3400" dirty="0">
+                <a:solidFill>
+                  <a:srgbClr val="102F4B"/>
+                </a:solidFill>
+              </a:rPr>
+              <a:t>robust and easy to test</a:t>
+            </a:r>
+            <a:endParaRPr lang="en-US" dirty="0" smtClean="0">
+              <a:solidFill>
+                <a:srgbClr val="102F4B"/>
+              </a:solidFill>
+            </a:endParaRPr>
+          </a:p>
+          <a:p>
+            <a:r>
+              <a:rPr lang="en-US" sz="3500" dirty="0">
+                <a:solidFill>
+                  <a:srgbClr val="102F4B"/>
+                </a:solidFill>
+              </a:rPr>
               <a:t>Cons</a:t>
             </a:r>
           </a:p>
           <a:p>
             <a:pPr lvl="1"/>
             <a:r>
-              <a:rPr lang="en-US" dirty="0" smtClean="0"/>
+              <a:rPr lang="en-US" sz="3500" dirty="0">
+                <a:solidFill>
+                  <a:srgbClr val="102F4B"/>
+                </a:solidFill>
+              </a:rPr>
               <a:t>Design is extremely important</a:t>
             </a:r>
           </a:p>
           <a:p>
+            <a:pPr lvl="1"/>
+            <a:r>
+              <a:rPr lang="en-US" sz="3500" dirty="0">
+                <a:solidFill>
+                  <a:srgbClr val="102F4B"/>
+                </a:solidFill>
+              </a:rPr>
+              <a:t>Resiliency, parallel processing, and supervision depend on </a:t>
+            </a:r>
+            <a:r>
+              <a:rPr lang="en-US" sz="3500" dirty="0" smtClean="0">
+                <a:solidFill>
+                  <a:srgbClr val="102F4B"/>
+                </a:solidFill>
+              </a:rPr>
+              <a:t>this design</a:t>
+            </a:r>
+            <a:endParaRPr lang="en-US" sz="3500" dirty="0">
+              <a:solidFill>
+                <a:srgbClr val="102F4B"/>
+              </a:solidFill>
+            </a:endParaRPr>
+          </a:p>
+          <a:p>
+            <a:pPr lvl="1"/>
+            <a:r>
+              <a:rPr lang="en-US" sz="3500" dirty="0">
+                <a:solidFill>
+                  <a:srgbClr val="102F4B"/>
+                </a:solidFill>
+              </a:rPr>
+              <a:t>Lack of typing for actor receive </a:t>
+            </a:r>
+            <a:r>
+              <a:rPr lang="en-US" sz="3500" dirty="0" smtClean="0">
+                <a:solidFill>
+                  <a:srgbClr val="102F4B"/>
+                </a:solidFill>
+              </a:rPr>
+              <a:t>method (which handles all messages)</a:t>
+            </a:r>
+            <a:endParaRPr lang="en-US" sz="3500" dirty="0">
+              <a:solidFill>
+                <a:srgbClr val="102F4B"/>
+              </a:solidFill>
+            </a:endParaRPr>
+          </a:p>
+          <a:p>
+            <a:pPr lvl="1"/>
+            <a:r>
+              <a:rPr lang="en-US" sz="3500" dirty="0" smtClean="0">
+                <a:solidFill>
+                  <a:srgbClr val="102F4B"/>
+                </a:solidFill>
+              </a:rPr>
+              <a:t>So a </a:t>
+            </a:r>
+            <a:r>
+              <a:rPr lang="en-US" sz="3500" dirty="0">
+                <a:solidFill>
+                  <a:srgbClr val="102F4B"/>
+                </a:solidFill>
+              </a:rPr>
+              <a:t>message can be any object- scary for Java guys</a:t>
+            </a:r>
+          </a:p>
+          <a:p>
+            <a:pPr lvl="1"/>
+            <a:r>
+              <a:rPr lang="en-US" sz="3500" dirty="0">
+                <a:solidFill>
+                  <a:srgbClr val="102F4B"/>
+                </a:solidFill>
+              </a:rPr>
+              <a:t>Single threading for mutable </a:t>
+            </a:r>
+            <a:r>
+              <a:rPr lang="en-US" sz="3500" dirty="0" smtClean="0">
+                <a:solidFill>
+                  <a:srgbClr val="102F4B"/>
+                </a:solidFill>
+              </a:rPr>
+              <a:t>state, challenging to multithread in this case</a:t>
+            </a:r>
+            <a:endParaRPr lang="en-US" sz="3500" dirty="0">
+              <a:solidFill>
+                <a:srgbClr val="102F4B"/>
+              </a:solidFill>
+            </a:endParaRPr>
+          </a:p>
+          <a:p>
             <a:pPr lvl="2"/>
             <a:r>
-              <a:rPr lang="en-US" dirty="0" smtClean="0"/>
-              <a:t>Resiliency, parallel processing, and supervision depend on it</a:t>
-            </a:r>
-          </a:p>
-          <a:p>
-            <a:pPr lvl="1"/>
-            <a:r>
-              <a:rPr lang="en-US" dirty="0" smtClean="0"/>
-              <a:t>Lack of typing for actor receive method</a:t>
-            </a:r>
-          </a:p>
-          <a:p>
-            <a:pPr lvl="2"/>
-            <a:r>
-              <a:rPr lang="en-US" dirty="0" smtClean="0"/>
-              <a:t>A message can be any object- scary for Java guys</a:t>
-            </a:r>
-          </a:p>
-          <a:p>
-            <a:pPr lvl="1"/>
-            <a:r>
-              <a:rPr lang="en-US" dirty="0" smtClean="0"/>
-              <a:t>Single threading for mutable state</a:t>
-            </a:r>
-          </a:p>
-          <a:p>
-            <a:pPr lvl="2"/>
-            <a:r>
-              <a:rPr lang="en-US" dirty="0" err="1" smtClean="0"/>
-              <a:t>Sharding</a:t>
-            </a:r>
-            <a:r>
-              <a:rPr lang="en-US" dirty="0" smtClean="0"/>
-              <a:t>, not multiple writers</a:t>
-            </a:r>
-            <a:endParaRPr lang="en-US" dirty="0"/>
+              <a:rPr lang="en-US" sz="3100" dirty="0" smtClean="0">
+                <a:solidFill>
+                  <a:srgbClr val="102F4B"/>
+                </a:solidFill>
+              </a:rPr>
+              <a:t>Solved with </a:t>
+            </a:r>
+            <a:r>
+              <a:rPr lang="en-US" sz="3100" dirty="0" err="1" smtClean="0">
+                <a:solidFill>
+                  <a:srgbClr val="102F4B"/>
+                </a:solidFill>
+              </a:rPr>
+              <a:t>sharding</a:t>
+            </a:r>
+            <a:r>
+              <a:rPr lang="en-US" sz="3100" dirty="0">
+                <a:solidFill>
+                  <a:srgbClr val="102F4B"/>
+                </a:solidFill>
+              </a:rPr>
+              <a:t> (actor per id), not </a:t>
+            </a:r>
+            <a:r>
+              <a:rPr lang="en-US" sz="3100" dirty="0" smtClean="0">
+                <a:solidFill>
+                  <a:srgbClr val="102F4B"/>
+                </a:solidFill>
+              </a:rPr>
+              <a:t>with multiple writers</a:t>
+            </a:r>
+            <a:endParaRPr lang="en-US" sz="3100" dirty="0">
+              <a:solidFill>
+                <a:srgbClr val="102F4B"/>
+              </a:solidFill>
+            </a:endParaRPr>
           </a:p>
         </p:txBody>
       </p:sp>
     </p:spTree>
     <p:extLst>
       <p:ext uri="{BB962C8B-B14F-4D97-AF65-F5344CB8AC3E}">
-        <p14:creationId xmlns:p14="http://schemas.microsoft.com/office/powerpoint/2010/main" val="75057429"/>
+        <p14:creationId xmlns:p14="http://schemas.microsoft.com/office/powerpoint/2010/main" val="2611307453"/>
       </p:ext>
     </p:extLst>
   </p:cSld>
   <p:clrMapOvr>
     <a:masterClrMapping/>
   </p:clrMapOvr>
+  <p:timing>
+    <p:tnLst>
+      <p:par>
+        <p:cTn xmlns:p14="http://schemas.microsoft.com/office/powerpoint/2010/main" id="1" dur="indefinite" restart="never" nodeType="tmRoot"/>
+      </p:par>
+    </p:tnLst>
+  </p:timing>
 </p:sld>
 </file>
 
@@ -5214,44 +8270,40 @@
           <a:chExt cx="0" cy="0"/>
         </a:xfrm>
       </p:grpSpPr>
-      <p:sp>
-        <p:nvSpPr>
-          <p:cNvPr id="2" name="Title 1"/>
-          <p:cNvSpPr>
-            <a:spLocks noGrp="1"/>
-          </p:cNvSpPr>
-          <p:nvPr>
-            <p:ph type="title"/>
-          </p:nvPr>
-        </p:nvSpPr>
-        <p:spPr>
-          <a:xfrm>
-            <a:off x="-1222022" y="0"/>
-            <a:ext cx="8229600" cy="1143000"/>
-          </a:xfrm>
-        </p:spPr>
-        <p:txBody>
-          <a:bodyPr/>
-          <a:lstStyle/>
-          <a:p>
-            <a:r>
-              <a:rPr lang="en-US" dirty="0" smtClean="0"/>
-              <a:t>A diagram to explain</a:t>
-            </a:r>
-            <a:endParaRPr lang="en-US" dirty="0"/>
-          </a:p>
-        </p:txBody>
-      </p:sp>
       <p:pic>
         <p:nvPicPr>
-          <p:cNvPr id="7" name="Picture 6" descr="Inventory.gif"/>
+          <p:cNvPr id="5" name="Picture 4"/>
           <p:cNvPicPr>
             <a:picLocks noChangeAspect="1"/>
           </p:cNvPicPr>
           <p:nvPr/>
         </p:nvPicPr>
         <p:blipFill>
-          <a:blip r:embed="rId2">
+          <a:blip r:embed="rId3"/>
+          <a:stretch>
+            <a:fillRect/>
+          </a:stretch>
+        </p:blipFill>
+        <p:spPr>
+          <a:xfrm>
+            <a:off x="427268" y="6118657"/>
+            <a:ext cx="529526" cy="356061"/>
+          </a:xfrm>
+          <a:prstGeom prst="rect">
+            <a:avLst/>
+          </a:prstGeom>
+        </p:spPr>
+      </p:pic>
+      <p:pic>
+        <p:nvPicPr>
+          <p:cNvPr id="2" name="Picture 1" descr="inventory.jpg"/>
+          <p:cNvPicPr>
+            <a:picLocks noChangeAspect="1"/>
+          </p:cNvPicPr>
+          <p:nvPr/>
+        </p:nvPicPr>
+        <p:blipFill>
+          <a:blip r:embed="rId4">
             <a:extLst>
               <a:ext uri="{28A0092B-C50C-407E-A947-70E740481C1C}">
                 <a14:useLocalDpi xmlns:a14="http://schemas.microsoft.com/office/drawing/2010/main" val="0"/>
@@ -5264,8 +8316,8 @@
         </p:blipFill>
         <p:spPr>
           <a:xfrm>
-            <a:off x="0" y="330200"/>
-            <a:ext cx="9144000" cy="6180083"/>
+            <a:off x="0" y="736600"/>
+            <a:ext cx="9144000" cy="5360007"/>
           </a:xfrm>
           <a:prstGeom prst="rect">
             <a:avLst/>
@@ -5275,13 +8327,20 @@
     </p:spTree>
     <p:extLst>
       <p:ext uri="{BB962C8B-B14F-4D97-AF65-F5344CB8AC3E}">
-        <p14:creationId xmlns:p14="http://schemas.microsoft.com/office/powerpoint/2010/main" val="3532177630"/>
+        <p14:creationId xmlns:p14="http://schemas.microsoft.com/office/powerpoint/2010/main" val="2439165064"/>
       </p:ext>
     </p:extLst>
   </p:cSld>
   <p:clrMapOvr>
     <a:masterClrMapping/>
   </p:clrMapOvr>
+  <p:timing>
+    <p:tnLst>
+      <p:par>
+        <p:cTn xmlns:p14="http://schemas.microsoft.com/office/powerpoint/2010/main" id="1" dur="indefinite" restart="never" nodeType="tmRoot"/>
+      </p:par>
+    </p:tnLst>
+  </p:timing>
 </p:sld>
 </file>
 
@@ -5603,4 +8662,324 @@
   </a:objectDefaults>
   <a:extraClrSchemeLst/>
 </a:theme>
+</file>
+
+<file path=ppt/theme/theme2.xml><?xml version="1.0" encoding="utf-8"?>
+<a:theme xmlns:a="http://schemas.openxmlformats.org/drawingml/2006/main" name="Office Theme">
+  <a:themeElements>
+    <a:clrScheme name="Office">
+      <a:dk1>
+        <a:sysClr val="windowText" lastClr="000000"/>
+      </a:dk1>
+      <a:lt1>
+        <a:sysClr val="window" lastClr="FFFFFF"/>
+      </a:lt1>
+      <a:dk2>
+        <a:srgbClr val="1F497D"/>
+      </a:dk2>
+      <a:lt2>
+        <a:srgbClr val="EEECE1"/>
+      </a:lt2>
+      <a:accent1>
+        <a:srgbClr val="4F81BD"/>
+      </a:accent1>
+      <a:accent2>
+        <a:srgbClr val="C0504D"/>
+      </a:accent2>
+      <a:accent3>
+        <a:srgbClr val="9BBB59"/>
+      </a:accent3>
+      <a:accent4>
+        <a:srgbClr val="8064A2"/>
+      </a:accent4>
+      <a:accent5>
+        <a:srgbClr val="4BACC6"/>
+      </a:accent5>
+      <a:accent6>
+        <a:srgbClr val="F79646"/>
+      </a:accent6>
+      <a:hlink>
+        <a:srgbClr val="0000FF"/>
+      </a:hlink>
+      <a:folHlink>
+        <a:srgbClr val="800080"/>
+      </a:folHlink>
+    </a:clrScheme>
+    <a:fontScheme name="Office">
+      <a:majorFont>
+        <a:latin typeface="Calibri"/>
+        <a:ea typeface=""/>
+        <a:cs typeface=""/>
+        <a:font script="Jpan" typeface="ＭＳ Ｐゴシック"/>
+        <a:font script="Hang" typeface="맑은 고딕"/>
+        <a:font script="Hans" typeface="宋体"/>
+        <a:font script="Hant" typeface="新細明體"/>
+        <a:font script="Arab" typeface="Times New Roman"/>
+        <a:font script="Hebr" typeface="Times New Roman"/>
+        <a:font script="Thai" typeface="Angsana New"/>
+        <a:font script="Ethi" typeface="Nyala"/>
+        <a:font script="Beng" typeface="Vrinda"/>
+        <a:font script="Gujr" typeface="Shruti"/>
+        <a:font script="Khmr" typeface="MoolBoran"/>
+        <a:font script="Knda" typeface="Tunga"/>
+        <a:font script="Guru" typeface="Raavi"/>
+        <a:font script="Cans" typeface="Euphemia"/>
+        <a:font script="Cher" typeface="Plantagenet Cherokee"/>
+        <a:font script="Yiii" typeface="Microsoft Yi Baiti"/>
+        <a:font script="Tibt" typeface="Microsoft Himalaya"/>
+        <a:font script="Thaa" typeface="MV Boli"/>
+        <a:font script="Deva" typeface="Mangal"/>
+        <a:font script="Telu" typeface="Gautami"/>
+        <a:font script="Taml" typeface="Latha"/>
+        <a:font script="Syrc" typeface="Estrangelo Edessa"/>
+        <a:font script="Orya" typeface="Kalinga"/>
+        <a:font script="Mlym" typeface="Kartika"/>
+        <a:font script="Laoo" typeface="DokChampa"/>
+        <a:font script="Sinh" typeface="Iskoola Pota"/>
+        <a:font script="Mong" typeface="Mongolian Baiti"/>
+        <a:font script="Viet" typeface="Times New Roman"/>
+        <a:font script="Uigh" typeface="Microsoft Uighur"/>
+        <a:font script="Geor" typeface="Sylfaen"/>
+      </a:majorFont>
+      <a:minorFont>
+        <a:latin typeface="Calibri"/>
+        <a:ea typeface=""/>
+        <a:cs typeface=""/>
+        <a:font script="Jpan" typeface="ＭＳ Ｐゴシック"/>
+        <a:font script="Hang" typeface="맑은 고딕"/>
+        <a:font script="Hans" typeface="宋体"/>
+        <a:font script="Hant" typeface="新細明體"/>
+        <a:font script="Arab" typeface="Arial"/>
+        <a:font script="Hebr" typeface="Arial"/>
+        <a:font script="Thai" typeface="Cordia New"/>
+        <a:font script="Ethi" typeface="Nyala"/>
+        <a:font script="Beng" typeface="Vrinda"/>
+        <a:font script="Gujr" typeface="Shruti"/>
+        <a:font script="Khmr" typeface="DaunPenh"/>
+        <a:font script="Knda" typeface="Tunga"/>
+        <a:font script="Guru" typeface="Raavi"/>
+        <a:font script="Cans" typeface="Euphemia"/>
+        <a:font script="Cher" typeface="Plantagenet Cherokee"/>
+        <a:font script="Yiii" typeface="Microsoft Yi Baiti"/>
+        <a:font script="Tibt" typeface="Microsoft Himalaya"/>
+        <a:font script="Thaa" typeface="MV Boli"/>
+        <a:font script="Deva" typeface="Mangal"/>
+        <a:font script="Telu" typeface="Gautami"/>
+        <a:font script="Taml" typeface="Latha"/>
+        <a:font script="Syrc" typeface="Estrangelo Edessa"/>
+        <a:font script="Orya" typeface="Kalinga"/>
+        <a:font script="Mlym" typeface="Kartika"/>
+        <a:font script="Laoo" typeface="DokChampa"/>
+        <a:font script="Sinh" typeface="Iskoola Pota"/>
+        <a:font script="Mong" typeface="Mongolian Baiti"/>
+        <a:font script="Viet" typeface="Arial"/>
+        <a:font script="Uigh" typeface="Microsoft Uighur"/>
+        <a:font script="Geor" typeface="Sylfaen"/>
+      </a:minorFont>
+    </a:fontScheme>
+    <a:fmtScheme name="Office">
+      <a:fillStyleLst>
+        <a:solidFill>
+          <a:schemeClr val="phClr"/>
+        </a:solidFill>
+        <a:gradFill rotWithShape="1">
+          <a:gsLst>
+            <a:gs pos="0">
+              <a:schemeClr val="phClr">
+                <a:tint val="50000"/>
+                <a:satMod val="300000"/>
+              </a:schemeClr>
+            </a:gs>
+            <a:gs pos="35000">
+              <a:schemeClr val="phClr">
+                <a:tint val="37000"/>
+                <a:satMod val="300000"/>
+              </a:schemeClr>
+            </a:gs>
+            <a:gs pos="100000">
+              <a:schemeClr val="phClr">
+                <a:tint val="15000"/>
+                <a:satMod val="350000"/>
+              </a:schemeClr>
+            </a:gs>
+          </a:gsLst>
+          <a:lin ang="16200000" scaled="1"/>
+        </a:gradFill>
+        <a:gradFill rotWithShape="1">
+          <a:gsLst>
+            <a:gs pos="0">
+              <a:schemeClr val="phClr">
+                <a:tint val="100000"/>
+                <a:shade val="100000"/>
+                <a:satMod val="130000"/>
+              </a:schemeClr>
+            </a:gs>
+            <a:gs pos="100000">
+              <a:schemeClr val="phClr">
+                <a:tint val="50000"/>
+                <a:shade val="100000"/>
+                <a:satMod val="350000"/>
+              </a:schemeClr>
+            </a:gs>
+          </a:gsLst>
+          <a:lin ang="16200000" scaled="0"/>
+        </a:gradFill>
+      </a:fillStyleLst>
+      <a:lnStyleLst>
+        <a:ln w="9525" cap="flat" cmpd="sng" algn="ctr">
+          <a:solidFill>
+            <a:schemeClr val="phClr">
+              <a:shade val="95000"/>
+              <a:satMod val="105000"/>
+            </a:schemeClr>
+          </a:solidFill>
+          <a:prstDash val="solid"/>
+        </a:ln>
+        <a:ln w="25400" cap="flat" cmpd="sng" algn="ctr">
+          <a:solidFill>
+            <a:schemeClr val="phClr"/>
+          </a:solidFill>
+          <a:prstDash val="solid"/>
+        </a:ln>
+        <a:ln w="38100" cap="flat" cmpd="sng" algn="ctr">
+          <a:solidFill>
+            <a:schemeClr val="phClr"/>
+          </a:solidFill>
+          <a:prstDash val="solid"/>
+        </a:ln>
+      </a:lnStyleLst>
+      <a:effectStyleLst>
+        <a:effectStyle>
+          <a:effectLst>
+            <a:outerShdw blurRad="40000" dist="20000" dir="5400000" rotWithShape="0">
+              <a:srgbClr val="000000">
+                <a:alpha val="38000"/>
+              </a:srgbClr>
+            </a:outerShdw>
+          </a:effectLst>
+        </a:effectStyle>
+        <a:effectStyle>
+          <a:effectLst>
+            <a:outerShdw blurRad="40000" dist="23000" dir="5400000" rotWithShape="0">
+              <a:srgbClr val="000000">
+                <a:alpha val="35000"/>
+              </a:srgbClr>
+            </a:outerShdw>
+          </a:effectLst>
+        </a:effectStyle>
+        <a:effectStyle>
+          <a:effectLst>
+            <a:outerShdw blurRad="40000" dist="23000" dir="5400000" rotWithShape="0">
+              <a:srgbClr val="000000">
+                <a:alpha val="35000"/>
+              </a:srgbClr>
+            </a:outerShdw>
+          </a:effectLst>
+          <a:scene3d>
+            <a:camera prst="orthographicFront">
+              <a:rot lat="0" lon="0" rev="0"/>
+            </a:camera>
+            <a:lightRig rig="threePt" dir="t">
+              <a:rot lat="0" lon="0" rev="1200000"/>
+            </a:lightRig>
+          </a:scene3d>
+          <a:sp3d>
+            <a:bevelT w="63500" h="25400"/>
+          </a:sp3d>
+        </a:effectStyle>
+      </a:effectStyleLst>
+      <a:bgFillStyleLst>
+        <a:solidFill>
+          <a:schemeClr val="phClr"/>
+        </a:solidFill>
+        <a:gradFill rotWithShape="1">
+          <a:gsLst>
+            <a:gs pos="0">
+              <a:schemeClr val="phClr">
+                <a:tint val="40000"/>
+                <a:satMod val="350000"/>
+              </a:schemeClr>
+            </a:gs>
+            <a:gs pos="40000">
+              <a:schemeClr val="phClr">
+                <a:tint val="45000"/>
+                <a:shade val="99000"/>
+                <a:satMod val="350000"/>
+              </a:schemeClr>
+            </a:gs>
+            <a:gs pos="100000">
+              <a:schemeClr val="phClr">
+                <a:shade val="20000"/>
+                <a:satMod val="255000"/>
+              </a:schemeClr>
+            </a:gs>
+          </a:gsLst>
+          <a:path path="circle">
+            <a:fillToRect l="50000" t="-80000" r="50000" b="180000"/>
+          </a:path>
+        </a:gradFill>
+        <a:gradFill rotWithShape="1">
+          <a:gsLst>
+            <a:gs pos="0">
+              <a:schemeClr val="phClr">
+                <a:tint val="80000"/>
+                <a:satMod val="300000"/>
+              </a:schemeClr>
+            </a:gs>
+            <a:gs pos="100000">
+              <a:schemeClr val="phClr">
+                <a:shade val="30000"/>
+                <a:satMod val="200000"/>
+              </a:schemeClr>
+            </a:gs>
+          </a:gsLst>
+          <a:path path="circle">
+            <a:fillToRect l="50000" t="50000" r="50000" b="50000"/>
+          </a:path>
+        </a:gradFill>
+      </a:bgFillStyleLst>
+    </a:fmtScheme>
+  </a:themeElements>
+  <a:objectDefaults>
+    <a:spDef>
+      <a:spPr/>
+      <a:bodyPr/>
+      <a:lstStyle/>
+      <a:style>
+        <a:lnRef idx="1">
+          <a:schemeClr val="accent1"/>
+        </a:lnRef>
+        <a:fillRef idx="3">
+          <a:schemeClr val="accent1"/>
+        </a:fillRef>
+        <a:effectRef idx="2">
+          <a:schemeClr val="accent1"/>
+        </a:effectRef>
+        <a:fontRef idx="minor">
+          <a:schemeClr val="lt1"/>
+        </a:fontRef>
+      </a:style>
+    </a:spDef>
+    <a:lnDef>
+      <a:spPr/>
+      <a:bodyPr/>
+      <a:lstStyle/>
+      <a:style>
+        <a:lnRef idx="2">
+          <a:schemeClr val="accent1"/>
+        </a:lnRef>
+        <a:fillRef idx="0">
+          <a:schemeClr val="accent1"/>
+        </a:fillRef>
+        <a:effectRef idx="1">
+          <a:schemeClr val="accent1"/>
+        </a:effectRef>
+        <a:fontRef idx="minor">
+          <a:schemeClr val="tx1"/>
+        </a:fontRef>
+      </a:style>
+    </a:lnDef>
+  </a:objectDefaults>
+  <a:extraClrSchemeLst/>
+</a:theme>
 </file>
--- a/React Vs Shared State Deck.pptx
+++ b/React Vs Shared State Deck.pptx
@@ -551,11 +551,15 @@
             </a:r>
             <a:r>
               <a:rPr lang="en-US" baseline="0" dirty="0" err="1" smtClean="0"/>
-              <a:t>InventorySetter</a:t>
+              <a:t>InventoryUpdater</a:t>
             </a:r>
             <a:r>
               <a:rPr lang="en-US" baseline="0" dirty="0" smtClean="0"/>
-              <a:t> actor for this </a:t>
+              <a:t> </a:t>
+            </a:r>
+            <a:r>
+              <a:rPr lang="en-US" baseline="0" dirty="0" smtClean="0"/>
+              <a:t>actor for this </a:t>
             </a:r>
             <a:r>
               <a:rPr lang="en-US" baseline="0" dirty="0" err="1" smtClean="0"/>
@@ -567,11 +571,15 @@
             </a:r>
             <a:r>
               <a:rPr lang="en-US" baseline="0" dirty="0" err="1" smtClean="0"/>
-              <a:t>InventorySetter</a:t>
+              <a:t>InventoryUpdater</a:t>
             </a:r>
             <a:r>
               <a:rPr lang="en-US" baseline="0" dirty="0" smtClean="0"/>
-              <a:t>. It updates it’s internal state to 2 and it sends update inventory message to each of the pool of </a:t>
+              <a:t>. </a:t>
+            </a:r>
+            <a:r>
+              <a:rPr lang="en-US" baseline="0" dirty="0" smtClean="0"/>
+              <a:t>It updates it’s internal state to 2 and it sends update inventory message to each of the pool of </a:t>
             </a:r>
             <a:r>
               <a:rPr lang="en-US" baseline="0" dirty="0" err="1" smtClean="0"/>
@@ -661,11 +669,15 @@
             </a:r>
             <a:r>
               <a:rPr lang="en-US" baseline="0" dirty="0" err="1" smtClean="0"/>
-              <a:t>InventorySetter</a:t>
+              <a:t>InventoryUpdater</a:t>
             </a:r>
             <a:r>
               <a:rPr lang="en-US" baseline="0" dirty="0" smtClean="0"/>
-              <a:t> actor for this </a:t>
+              <a:t> </a:t>
+            </a:r>
+            <a:r>
+              <a:rPr lang="en-US" baseline="0" dirty="0" smtClean="0"/>
+              <a:t>actor for this </a:t>
             </a:r>
             <a:r>
               <a:rPr lang="en-US" baseline="0" dirty="0" err="1" smtClean="0"/>
@@ -676,12 +688,12 @@
               <a:t>. We receive failure response from </a:t>
             </a:r>
             <a:r>
-              <a:rPr lang="en-US" baseline="0" dirty="0" err="1" smtClean="0"/>
-              <a:t>InventorySetter</a:t>
+              <a:rPr lang="en-US" baseline="0" smtClean="0"/>
+              <a:t>InventoryUpdater. </a:t>
             </a:r>
             <a:r>
               <a:rPr lang="en-US" baseline="0" dirty="0" smtClean="0"/>
-              <a:t>. A request for the current inventory of the bottom </a:t>
+              <a:t>A request for the current inventory of the bottom </a:t>
             </a:r>
             <a:r>
               <a:rPr lang="en-US" baseline="0" dirty="0" err="1" smtClean="0"/>
@@ -8296,7 +8308,7 @@
       </p:pic>
       <p:pic>
         <p:nvPicPr>
-          <p:cNvPr id="2" name="Picture 1" descr="inventory.jpg"/>
+          <p:cNvPr id="3" name="Picture 2" descr="inventory (2).jpg"/>
           <p:cNvPicPr>
             <a:picLocks noChangeAspect="1"/>
           </p:cNvPicPr>

--- a/React Vs Shared State Deck.pptx
+++ b/React Vs Shared State Deck.pptx
@@ -5,7 +5,7 @@
     <p:sldMasterId id="2147483962" r:id="rId1"/>
   </p:sldMasterIdLst>
   <p:notesMasterIdLst>
-    <p:notesMasterId r:id="rId16"/>
+    <p:notesMasterId r:id="rId13"/>
   </p:notesMasterIdLst>
   <p:sldIdLst>
     <p:sldId id="256" r:id="rId2"/>
@@ -15,13 +15,10 @@
     <p:sldId id="274" r:id="rId6"/>
     <p:sldId id="275" r:id="rId7"/>
     <p:sldId id="276" r:id="rId8"/>
-    <p:sldId id="277" r:id="rId9"/>
-    <p:sldId id="280" r:id="rId10"/>
-    <p:sldId id="281" r:id="rId11"/>
-    <p:sldId id="284" r:id="rId12"/>
-    <p:sldId id="279" r:id="rId13"/>
-    <p:sldId id="278" r:id="rId14"/>
-    <p:sldId id="282" r:id="rId15"/>
+    <p:sldId id="280" r:id="rId9"/>
+    <p:sldId id="279" r:id="rId10"/>
+    <p:sldId id="278" r:id="rId11"/>
+    <p:sldId id="282" r:id="rId12"/>
   </p:sldIdLst>
   <p:sldSz cx="9144000" cy="6858000" type="screen4x3"/>
   <p:notesSz cx="7010400" cy="9296400"/>
@@ -205,7 +202,7 @@
           <a:p>
             <a:fld id="{AA264099-19E7-294B-9293-3A85FEE5B6C7}" type="datetimeFigureOut">
               <a:rPr lang="en-US" smtClean="0"/>
-              <a:t>6/12/15</a:t>
+              <a:t>6/15/15</a:t>
             </a:fld>
             <a:endParaRPr lang="en-US"/>
           </a:p>
@@ -517,202 +514,6 @@
           <a:bodyPr/>
           <a:lstStyle/>
           <a:p>
-            <a:r>
-              <a:rPr lang="en-US" dirty="0" smtClean="0"/>
-              <a:t>There are</a:t>
-            </a:r>
-            <a:r>
-              <a:rPr lang="en-US" baseline="0" dirty="0" smtClean="0"/>
-              <a:t> 7 of top </a:t>
-            </a:r>
-            <a:r>
-              <a:rPr lang="en-US" baseline="0" dirty="0" err="1" smtClean="0"/>
-              <a:t>sku</a:t>
-            </a:r>
-            <a:r>
-              <a:rPr lang="en-US" baseline="0" dirty="0" smtClean="0"/>
-              <a:t>. </a:t>
-            </a:r>
-            <a:r>
-              <a:rPr lang="en-US" dirty="0" smtClean="0"/>
-              <a:t>We </a:t>
-            </a:r>
-            <a:r>
-              <a:rPr lang="en-US" baseline="0" dirty="0" smtClean="0"/>
-              <a:t>send a request for 5 of this </a:t>
-            </a:r>
-            <a:r>
-              <a:rPr lang="en-US" baseline="0" dirty="0" err="1" smtClean="0"/>
-              <a:t>sku</a:t>
-            </a:r>
-            <a:r>
-              <a:rPr lang="en-US" baseline="0" dirty="0" smtClean="0"/>
-              <a:t>. This message is routed to the </a:t>
-            </a:r>
-            <a:r>
-              <a:rPr lang="en-US" baseline="0" dirty="0" err="1" smtClean="0"/>
-              <a:t>InventoryUpdater</a:t>
-            </a:r>
-            <a:r>
-              <a:rPr lang="en-US" baseline="0" dirty="0" smtClean="0"/>
-              <a:t> </a:t>
-            </a:r>
-            <a:r>
-              <a:rPr lang="en-US" baseline="0" dirty="0" smtClean="0"/>
-              <a:t>actor for this </a:t>
-            </a:r>
-            <a:r>
-              <a:rPr lang="en-US" baseline="0" dirty="0" err="1" smtClean="0"/>
-              <a:t>sku</a:t>
-            </a:r>
-            <a:r>
-              <a:rPr lang="en-US" baseline="0" dirty="0" smtClean="0"/>
-              <a:t>. We receive success response from </a:t>
-            </a:r>
-            <a:r>
-              <a:rPr lang="en-US" baseline="0" dirty="0" err="1" smtClean="0"/>
-              <a:t>InventoryUpdater</a:t>
-            </a:r>
-            <a:r>
-              <a:rPr lang="en-US" baseline="0" dirty="0" smtClean="0"/>
-              <a:t>. </a:t>
-            </a:r>
-            <a:r>
-              <a:rPr lang="en-US" baseline="0" dirty="0" smtClean="0"/>
-              <a:t>It updates it’s internal state to 2 and it sends update inventory message to each of the pool of </a:t>
-            </a:r>
-            <a:r>
-              <a:rPr lang="en-US" baseline="0" dirty="0" err="1" smtClean="0"/>
-              <a:t>InventoryGetters</a:t>
-            </a:r>
-            <a:r>
-              <a:rPr lang="en-US" baseline="0" dirty="0" smtClean="0"/>
-              <a:t> for this </a:t>
-            </a:r>
-            <a:r>
-              <a:rPr lang="en-US" baseline="0" dirty="0" err="1" smtClean="0"/>
-              <a:t>sku</a:t>
-            </a:r>
-            <a:r>
-              <a:rPr lang="en-US" baseline="0" dirty="0" smtClean="0"/>
-              <a:t> to update their internal state to 2 as well. A request for the current inventory of the top </a:t>
-            </a:r>
-            <a:r>
-              <a:rPr lang="en-US" baseline="0" dirty="0" err="1" smtClean="0"/>
-              <a:t>sku</a:t>
-            </a:r>
-            <a:r>
-              <a:rPr lang="en-US" baseline="0" dirty="0" smtClean="0"/>
-              <a:t> is made. It is routed to one of the </a:t>
-            </a:r>
-            <a:r>
-              <a:rPr lang="en-US" baseline="0" dirty="0" err="1" smtClean="0"/>
-              <a:t>InventoryGetters</a:t>
-            </a:r>
-            <a:r>
-              <a:rPr lang="en-US" baseline="0" dirty="0" smtClean="0"/>
-              <a:t> which returns a response of 2.</a:t>
-            </a:r>
-          </a:p>
-          <a:p>
-            <a:endParaRPr lang="en-US" baseline="0" dirty="0" smtClean="0"/>
-          </a:p>
-          <a:p>
-            <a:pPr marL="0" marR="0" indent="0" algn="l" defTabSz="457200" rtl="0" eaLnBrk="1" fontAlgn="auto" latinLnBrk="0" hangingPunct="1">
-              <a:lnSpc>
-                <a:spcPct val="100000"/>
-              </a:lnSpc>
-              <a:spcBef>
-                <a:spcPts val="0"/>
-              </a:spcBef>
-              <a:spcAft>
-                <a:spcPts val="0"/>
-              </a:spcAft>
-              <a:buClrTx/>
-              <a:buSzTx/>
-              <a:buFontTx/>
-              <a:buNone/>
-              <a:tabLst/>
-              <a:defRPr/>
-            </a:pPr>
-            <a:r>
-              <a:rPr lang="en-US" dirty="0" smtClean="0"/>
-              <a:t>There is</a:t>
-            </a:r>
-            <a:r>
-              <a:rPr lang="en-US" baseline="0" dirty="0" smtClean="0"/>
-              <a:t> 1 of bottom </a:t>
-            </a:r>
-            <a:r>
-              <a:rPr lang="en-US" baseline="0" dirty="0" err="1" smtClean="0"/>
-              <a:t>sku</a:t>
-            </a:r>
-            <a:r>
-              <a:rPr lang="en-US" baseline="0" dirty="0" smtClean="0"/>
-              <a:t>. </a:t>
-            </a:r>
-            <a:r>
-              <a:rPr lang="en-US" dirty="0" smtClean="0"/>
-              <a:t>We </a:t>
-            </a:r>
-            <a:r>
-              <a:rPr lang="en-US" baseline="0" dirty="0" smtClean="0"/>
-              <a:t>send a request for 3 of this </a:t>
-            </a:r>
-            <a:r>
-              <a:rPr lang="en-US" baseline="0" dirty="0" err="1" smtClean="0"/>
-              <a:t>sku</a:t>
-            </a:r>
-            <a:r>
-              <a:rPr lang="en-US" baseline="0" dirty="0" smtClean="0"/>
-              <a:t>. This message is routed to the </a:t>
-            </a:r>
-            <a:r>
-              <a:rPr lang="en-US" baseline="0" dirty="0" err="1" smtClean="0"/>
-              <a:t>InventoryUpdater</a:t>
-            </a:r>
-            <a:r>
-              <a:rPr lang="en-US" baseline="0" dirty="0" smtClean="0"/>
-              <a:t> </a:t>
-            </a:r>
-            <a:r>
-              <a:rPr lang="en-US" baseline="0" dirty="0" smtClean="0"/>
-              <a:t>actor for this </a:t>
-            </a:r>
-            <a:r>
-              <a:rPr lang="en-US" baseline="0" dirty="0" err="1" smtClean="0"/>
-              <a:t>sku</a:t>
-            </a:r>
-            <a:r>
-              <a:rPr lang="en-US" baseline="0" dirty="0" smtClean="0"/>
-              <a:t>. We receive failure response from </a:t>
-            </a:r>
-            <a:r>
-              <a:rPr lang="en-US" baseline="0" smtClean="0"/>
-              <a:t>InventoryUpdater. </a:t>
-            </a:r>
-            <a:r>
-              <a:rPr lang="en-US" baseline="0" dirty="0" smtClean="0"/>
-              <a:t>A request for the current inventory of the bottom </a:t>
-            </a:r>
-            <a:r>
-              <a:rPr lang="en-US" baseline="0" dirty="0" err="1" smtClean="0"/>
-              <a:t>sku</a:t>
-            </a:r>
-            <a:r>
-              <a:rPr lang="en-US" baseline="0" dirty="0" smtClean="0"/>
-              <a:t> is made. It is routed to one of the </a:t>
-            </a:r>
-            <a:r>
-              <a:rPr lang="en-US" baseline="0" dirty="0" err="1" smtClean="0"/>
-              <a:t>InventoryGetters</a:t>
-            </a:r>
-            <a:r>
-              <a:rPr lang="en-US" baseline="0" dirty="0" smtClean="0"/>
-              <a:t> which returns a response of 1.</a:t>
-            </a:r>
-          </a:p>
-          <a:p>
             <a:endParaRPr lang="en-US" dirty="0"/>
           </a:p>
         </p:txBody>
@@ -734,7 +535,7 @@
           <a:p>
             <a:fld id="{1073248B-147C-BA4E-8DD8-0D2978845817}" type="slidenum">
               <a:rPr lang="en-US" smtClean="0"/>
-              <a:t>9</a:t>
+              <a:t>8</a:t>
             </a:fld>
             <a:endParaRPr lang="en-US"/>
           </a:p>
@@ -850,7 +651,7 @@
           <a:p>
             <a:fld id="{1073248B-147C-BA4E-8DD8-0D2978845817}" type="slidenum">
               <a:rPr lang="en-US" smtClean="0"/>
-              <a:t>12</a:t>
+              <a:t>9</a:t>
             </a:fld>
             <a:endParaRPr lang="en-US"/>
           </a:p>
@@ -1051,7 +852,7 @@
             <a:fld id="{04AF466F-BDA4-4F18-9C7B-FF0A9A1B0E80}" type="datetime1">
               <a:rPr lang="en-US" smtClean="0"/>
               <a:pPr/>
-              <a:t>6/12/15</a:t>
+              <a:t>6/15/15</a:t>
             </a:fld>
             <a:endParaRPr lang="en-US"/>
           </a:p>
@@ -1223,7 +1024,7 @@
             <a:fld id="{58FB4290-6522-4139-852E-05BD9E7F0D2E}" type="datetime1">
               <a:rPr lang="en-US" smtClean="0"/>
               <a:pPr/>
-              <a:t>6/12/15</a:t>
+              <a:t>6/15/15</a:t>
             </a:fld>
             <a:endParaRPr lang="en-US"/>
           </a:p>
@@ -1405,7 +1206,7 @@
             <a:fld id="{AAB955F9-81EA-47C5-8059-9E5C2B437C70}" type="datetime1">
               <a:rPr lang="en-US" smtClean="0"/>
               <a:pPr/>
-              <a:t>6/12/15</a:t>
+              <a:t>6/15/15</a:t>
             </a:fld>
             <a:endParaRPr lang="en-US"/>
           </a:p>
@@ -1577,7 +1378,7 @@
             <a:fld id="{1CEF607B-A47E-422C-9BEF-122CCDB7C526}" type="datetime1">
               <a:rPr lang="en-US" smtClean="0"/>
               <a:pPr/>
-              <a:t>6/12/15</a:t>
+              <a:t>6/15/15</a:t>
             </a:fld>
             <a:endParaRPr lang="en-US"/>
           </a:p>
@@ -1825,7 +1626,7 @@
             <a:fld id="{63A9A7CB-BEE6-4F99-898E-913F06E8E125}" type="datetime1">
               <a:rPr lang="en-US" smtClean="0"/>
               <a:pPr/>
-              <a:t>6/12/15</a:t>
+              <a:t>6/15/15</a:t>
             </a:fld>
             <a:endParaRPr lang="en-US"/>
           </a:p>
@@ -2115,7 +1916,7 @@
             <a:fld id="{B6EE300C-6FC5-4FC3-AF1A-075E4F50620D}" type="datetime1">
               <a:rPr lang="en-US" smtClean="0"/>
               <a:pPr/>
-              <a:t>6/12/15</a:t>
+              <a:t>6/15/15</a:t>
             </a:fld>
             <a:endParaRPr lang="en-US"/>
           </a:p>
@@ -2539,7 +2340,7 @@
             <a:fld id="{F50D295D-4A77-4DEB-B04C-9F4282A8BC04}" type="datetime1">
               <a:rPr lang="en-US" smtClean="0"/>
               <a:pPr/>
-              <a:t>6/12/15</a:t>
+              <a:t>6/15/15</a:t>
             </a:fld>
             <a:endParaRPr lang="en-US"/>
           </a:p>
@@ -2659,7 +2460,7 @@
             <a:fld id="{02B28685-4D0C-42D5-8013-B5904CD1FCBC}" type="datetime1">
               <a:rPr lang="en-US" smtClean="0"/>
               <a:pPr/>
-              <a:t>6/12/15</a:t>
+              <a:t>6/15/15</a:t>
             </a:fld>
             <a:endParaRPr lang="en-US"/>
           </a:p>
@@ -2756,7 +2557,7 @@
             <a:fld id="{FDF226C0-9885-4BA9-BBFA-A52CBFEBB775}" type="datetime1">
               <a:rPr lang="en-US" smtClean="0"/>
               <a:pPr/>
-              <a:t>6/12/15</a:t>
+              <a:t>6/15/15</a:t>
             </a:fld>
             <a:endParaRPr lang="en-US"/>
           </a:p>
@@ -3035,7 +2836,7 @@
             <a:fld id="{EBEE1B38-C5EB-4D66-9137-0AFE9CDEDE8F}" type="datetime1">
               <a:rPr lang="en-US" smtClean="0"/>
               <a:pPr/>
-              <a:t>6/12/15</a:t>
+              <a:t>6/15/15</a:t>
             </a:fld>
             <a:endParaRPr lang="en-US"/>
           </a:p>
@@ -3290,7 +3091,7 @@
             <a:fld id="{327B613C-1AD7-49D3-885D-F654C5CDBAA6}" type="datetime1">
               <a:rPr lang="en-US" smtClean="0"/>
               <a:pPr/>
-              <a:t>6/12/15</a:t>
+              <a:t>6/15/15</a:t>
             </a:fld>
             <a:endParaRPr lang="en-US" dirty="0"/>
           </a:p>
@@ -3505,7 +3306,7 @@
             <a:fld id="{327B613C-1AD7-49D3-885D-F654C5CDBAA6}" type="datetime1">
               <a:rPr lang="en-US" smtClean="0"/>
               <a:pPr/>
-              <a:t>6/12/15</a:t>
+              <a:t>6/15/15</a:t>
             </a:fld>
             <a:endParaRPr lang="en-US" dirty="0"/>
           </a:p>
@@ -4194,1218 +3995,6 @@
           <a:lstStyle/>
           <a:p>
             <a:r>
-              <a:rPr lang="en-US" sz="4800" dirty="0">
-                <a:solidFill>
-                  <a:srgbClr val="FFFFFF"/>
-                </a:solidFill>
-              </a:rPr>
-              <a:t>More </a:t>
-            </a:r>
-            <a:r>
-              <a:rPr lang="en-US" sz="4800" dirty="0" err="1">
-                <a:solidFill>
-                  <a:srgbClr val="FFFFFF"/>
-                </a:solidFill>
-              </a:rPr>
-              <a:t>Akka</a:t>
-            </a:r>
-            <a:r>
-              <a:rPr lang="en-US" sz="4800" dirty="0">
-                <a:solidFill>
-                  <a:srgbClr val="FFFFFF"/>
-                </a:solidFill>
-              </a:rPr>
-              <a:t> Information(!!!)	</a:t>
-            </a:r>
-          </a:p>
-        </p:txBody>
-      </p:sp>
-      <p:pic>
-        <p:nvPicPr>
-          <p:cNvPr id="5" name="Picture 4"/>
-          <p:cNvPicPr>
-            <a:picLocks noChangeAspect="1"/>
-          </p:cNvPicPr>
-          <p:nvPr/>
-        </p:nvPicPr>
-        <p:blipFill>
-          <a:blip r:embed="rId2"/>
-          <a:stretch>
-            <a:fillRect/>
-          </a:stretch>
-        </p:blipFill>
-        <p:spPr>
-          <a:xfrm>
-            <a:off x="427268" y="6118657"/>
-            <a:ext cx="529526" cy="356061"/>
-          </a:xfrm>
-          <a:prstGeom prst="rect">
-            <a:avLst/>
-          </a:prstGeom>
-        </p:spPr>
-      </p:pic>
-      <p:sp>
-        <p:nvSpPr>
-          <p:cNvPr id="7" name="Content Placeholder 2"/>
-          <p:cNvSpPr txBox="1">
-            <a:spLocks/>
-          </p:cNvSpPr>
-          <p:nvPr/>
-        </p:nvSpPr>
-        <p:spPr>
-          <a:xfrm>
-            <a:off x="268514" y="1287009"/>
-            <a:ext cx="8229600" cy="4525963"/>
-          </a:xfrm>
-          <a:prstGeom prst="rect">
-            <a:avLst/>
-          </a:prstGeom>
-        </p:spPr>
-        <p:txBody>
-          <a:bodyPr vert="horz" lIns="91440" tIns="45720" rIns="91440" bIns="45720" rtlCol="0">
-            <a:normAutofit/>
-          </a:bodyPr>
-          <a:lstStyle>
-            <a:lvl1pPr marL="342900" indent="-342900" algn="l" defTabSz="457200" rtl="0" eaLnBrk="1" latinLnBrk="0" hangingPunct="1">
-              <a:spcBef>
-                <a:spcPct val="20000"/>
-              </a:spcBef>
-              <a:buFont typeface="Arial"/>
-              <a:buChar char="•"/>
-              <a:defRPr sz="3200" kern="1200">
-                <a:solidFill>
-                  <a:schemeClr val="tx1"/>
-                </a:solidFill>
-                <a:latin typeface="+mn-lt"/>
-                <a:ea typeface="+mn-ea"/>
-                <a:cs typeface="+mn-cs"/>
-              </a:defRPr>
-            </a:lvl1pPr>
-            <a:lvl2pPr marL="742950" indent="-285750" algn="l" defTabSz="457200" rtl="0" eaLnBrk="1" latinLnBrk="0" hangingPunct="1">
-              <a:spcBef>
-                <a:spcPct val="20000"/>
-              </a:spcBef>
-              <a:buFont typeface="Arial"/>
-              <a:buChar char="–"/>
-              <a:defRPr sz="2800" kern="1200">
-                <a:solidFill>
-                  <a:schemeClr val="tx1"/>
-                </a:solidFill>
-                <a:latin typeface="+mn-lt"/>
-                <a:ea typeface="+mn-ea"/>
-                <a:cs typeface="+mn-cs"/>
-              </a:defRPr>
-            </a:lvl2pPr>
-            <a:lvl3pPr marL="1143000" indent="-228600" algn="l" defTabSz="457200" rtl="0" eaLnBrk="1" latinLnBrk="0" hangingPunct="1">
-              <a:spcBef>
-                <a:spcPct val="20000"/>
-              </a:spcBef>
-              <a:buFont typeface="Arial"/>
-              <a:buChar char="•"/>
-              <a:defRPr sz="2400" kern="1200">
-                <a:solidFill>
-                  <a:schemeClr val="tx1"/>
-                </a:solidFill>
-                <a:latin typeface="+mn-lt"/>
-                <a:ea typeface="+mn-ea"/>
-                <a:cs typeface="+mn-cs"/>
-              </a:defRPr>
-            </a:lvl3pPr>
-            <a:lvl4pPr marL="1600200" indent="-228600" algn="l" defTabSz="457200" rtl="0" eaLnBrk="1" latinLnBrk="0" hangingPunct="1">
-              <a:spcBef>
-                <a:spcPct val="20000"/>
-              </a:spcBef>
-              <a:buFont typeface="Arial"/>
-              <a:buChar char="–"/>
-              <a:defRPr sz="2000" kern="1200">
-                <a:solidFill>
-                  <a:schemeClr val="tx1"/>
-                </a:solidFill>
-                <a:latin typeface="+mn-lt"/>
-                <a:ea typeface="+mn-ea"/>
-                <a:cs typeface="+mn-cs"/>
-              </a:defRPr>
-            </a:lvl4pPr>
-            <a:lvl5pPr marL="2057400" indent="-228600" algn="l" defTabSz="457200" rtl="0" eaLnBrk="1" latinLnBrk="0" hangingPunct="1">
-              <a:spcBef>
-                <a:spcPct val="20000"/>
-              </a:spcBef>
-              <a:buFont typeface="Arial"/>
-              <a:buChar char="»"/>
-              <a:defRPr sz="2000" kern="1200">
-                <a:solidFill>
-                  <a:schemeClr val="tx1"/>
-                </a:solidFill>
-                <a:latin typeface="+mn-lt"/>
-                <a:ea typeface="+mn-ea"/>
-                <a:cs typeface="+mn-cs"/>
-              </a:defRPr>
-            </a:lvl5pPr>
-            <a:lvl6pPr marL="2514600" indent="-228600" algn="l" defTabSz="457200" rtl="0" eaLnBrk="1" latinLnBrk="0" hangingPunct="1">
-              <a:spcBef>
-                <a:spcPct val="20000"/>
-              </a:spcBef>
-              <a:buFont typeface="Arial"/>
-              <a:buChar char="•"/>
-              <a:defRPr sz="2000" kern="1200">
-                <a:solidFill>
-                  <a:schemeClr val="tx1"/>
-                </a:solidFill>
-                <a:latin typeface="+mn-lt"/>
-                <a:ea typeface="+mn-ea"/>
-                <a:cs typeface="+mn-cs"/>
-              </a:defRPr>
-            </a:lvl6pPr>
-            <a:lvl7pPr marL="2971800" indent="-228600" algn="l" defTabSz="457200" rtl="0" eaLnBrk="1" latinLnBrk="0" hangingPunct="1">
-              <a:spcBef>
-                <a:spcPct val="20000"/>
-              </a:spcBef>
-              <a:buFont typeface="Arial"/>
-              <a:buChar char="•"/>
-              <a:defRPr sz="2000" kern="1200">
-                <a:solidFill>
-                  <a:schemeClr val="tx1"/>
-                </a:solidFill>
-                <a:latin typeface="+mn-lt"/>
-                <a:ea typeface="+mn-ea"/>
-                <a:cs typeface="+mn-cs"/>
-              </a:defRPr>
-            </a:lvl7pPr>
-            <a:lvl8pPr marL="3429000" indent="-228600" algn="l" defTabSz="457200" rtl="0" eaLnBrk="1" latinLnBrk="0" hangingPunct="1">
-              <a:spcBef>
-                <a:spcPct val="20000"/>
-              </a:spcBef>
-              <a:buFont typeface="Arial"/>
-              <a:buChar char="•"/>
-              <a:defRPr sz="2000" kern="1200">
-                <a:solidFill>
-                  <a:schemeClr val="tx1"/>
-                </a:solidFill>
-                <a:latin typeface="+mn-lt"/>
-                <a:ea typeface="+mn-ea"/>
-                <a:cs typeface="+mn-cs"/>
-              </a:defRPr>
-            </a:lvl8pPr>
-            <a:lvl9pPr marL="3886200" indent="-228600" algn="l" defTabSz="457200" rtl="0" eaLnBrk="1" latinLnBrk="0" hangingPunct="1">
-              <a:spcBef>
-                <a:spcPct val="20000"/>
-              </a:spcBef>
-              <a:buFont typeface="Arial"/>
-              <a:buChar char="•"/>
-              <a:defRPr sz="2000" kern="1200">
-                <a:solidFill>
-                  <a:schemeClr val="tx1"/>
-                </a:solidFill>
-                <a:latin typeface="+mn-lt"/>
-                <a:ea typeface="+mn-ea"/>
-                <a:cs typeface="+mn-cs"/>
-              </a:defRPr>
-            </a:lvl9pPr>
-          </a:lstStyle>
-          <a:p>
-            <a:r>
-              <a:rPr lang="en-US" dirty="0" smtClean="0">
-                <a:solidFill>
-                  <a:srgbClr val="102F4B"/>
-                </a:solidFill>
-              </a:rPr>
-              <a:t>Extremely High Performance:</a:t>
-            </a:r>
-          </a:p>
-          <a:p>
-            <a:pPr lvl="1"/>
-            <a:r>
-              <a:rPr lang="en-US" dirty="0" smtClean="0">
-                <a:solidFill>
-                  <a:srgbClr val="102F4B"/>
-                </a:solidFill>
-              </a:rPr>
-              <a:t>50 million messages/second on a single machine</a:t>
-            </a:r>
-          </a:p>
-          <a:p>
-            <a:r>
-              <a:rPr lang="en-US" dirty="0" smtClean="0">
-                <a:solidFill>
-                  <a:srgbClr val="102F4B"/>
-                </a:solidFill>
-              </a:rPr>
-              <a:t>Small Memory Footprint:</a:t>
-            </a:r>
-          </a:p>
-          <a:p>
-            <a:pPr lvl="1"/>
-            <a:r>
-              <a:rPr lang="en-US" dirty="0" smtClean="0">
-                <a:solidFill>
-                  <a:srgbClr val="102F4B"/>
-                </a:solidFill>
-              </a:rPr>
-              <a:t>2.5 million actors per GB of heap</a:t>
-            </a:r>
-          </a:p>
-          <a:p>
-            <a:r>
-              <a:rPr lang="en-US" dirty="0" smtClean="0">
-                <a:solidFill>
-                  <a:srgbClr val="102F4B"/>
-                </a:solidFill>
-              </a:rPr>
-              <a:t>Hierarchical:</a:t>
-            </a:r>
-          </a:p>
-          <a:p>
-            <a:pPr lvl="1"/>
-            <a:r>
-              <a:rPr lang="en-US" dirty="0" smtClean="0">
-                <a:solidFill>
-                  <a:srgbClr val="102F4B"/>
-                </a:solidFill>
-              </a:rPr>
-              <a:t>All actors have parent and 0-n children</a:t>
-            </a:r>
-          </a:p>
-          <a:p>
-            <a:r>
-              <a:rPr lang="en-US" dirty="0" smtClean="0">
-                <a:solidFill>
-                  <a:srgbClr val="102F4B"/>
-                </a:solidFill>
-              </a:rPr>
-              <a:t>Extended by powerful frameworks</a:t>
-            </a:r>
-          </a:p>
-          <a:p>
-            <a:pPr lvl="1"/>
-            <a:r>
-              <a:rPr lang="en-US" dirty="0" smtClean="0">
-                <a:solidFill>
-                  <a:srgbClr val="102F4B"/>
-                </a:solidFill>
-              </a:rPr>
-              <a:t>Spray (Rest), Play (Web apps), Slick (DB), Streams</a:t>
-            </a:r>
-          </a:p>
-          <a:p>
-            <a:endParaRPr lang="en-US" dirty="0">
-              <a:solidFill>
-                <a:srgbClr val="102F4B"/>
-              </a:solidFill>
-            </a:endParaRPr>
-          </a:p>
-        </p:txBody>
-      </p:sp>
-    </p:spTree>
-    <p:extLst>
-      <p:ext uri="{BB962C8B-B14F-4D97-AF65-F5344CB8AC3E}">
-        <p14:creationId xmlns:p14="http://schemas.microsoft.com/office/powerpoint/2010/main" val="1526130513"/>
-      </p:ext>
-    </p:extLst>
-  </p:cSld>
-  <p:clrMapOvr>
-    <a:masterClrMapping/>
-  </p:clrMapOvr>
-  <p:timing>
-    <p:tnLst>
-      <p:par>
-        <p:cTn xmlns:p14="http://schemas.microsoft.com/office/powerpoint/2010/main" id="1" dur="indefinite" restart="never" nodeType="tmRoot"/>
-      </p:par>
-    </p:tnLst>
-  </p:timing>
-</p:sld>
-</file>
-
-<file path=ppt/slides/slide11.xml><?xml version="1.0" encoding="utf-8"?>
-<p:sld xmlns:a="http://schemas.openxmlformats.org/drawingml/2006/main" xmlns:r="http://schemas.openxmlformats.org/officeDocument/2006/relationships" xmlns:p="http://schemas.openxmlformats.org/presentationml/2006/main">
-  <p:cSld>
-    <p:spTree>
-      <p:nvGrpSpPr>
-        <p:cNvPr id="1" name=""/>
-        <p:cNvGrpSpPr/>
-        <p:nvPr/>
-      </p:nvGrpSpPr>
-      <p:grpSpPr>
-        <a:xfrm>
-          <a:off x="0" y="0"/>
-          <a:ext cx="0" cy="0"/>
-          <a:chOff x="0" y="0"/>
-          <a:chExt cx="0" cy="0"/>
-        </a:xfrm>
-      </p:grpSpPr>
-      <p:sp>
-        <p:nvSpPr>
-          <p:cNvPr id="4" name="Rectangle 3"/>
-          <p:cNvSpPr/>
-          <p:nvPr/>
-        </p:nvSpPr>
-        <p:spPr>
-          <a:xfrm>
-            <a:off x="0" y="0"/>
-            <a:ext cx="9144000" cy="964642"/>
-          </a:xfrm>
-          <a:prstGeom prst="rect">
-            <a:avLst/>
-          </a:prstGeom>
-          <a:solidFill>
-            <a:srgbClr val="102F4B"/>
-          </a:solidFill>
-          <a:ln>
-            <a:noFill/>
-          </a:ln>
-        </p:spPr>
-        <p:style>
-          <a:lnRef idx="1">
-            <a:schemeClr val="accent1"/>
-          </a:lnRef>
-          <a:fillRef idx="3">
-            <a:schemeClr val="accent1"/>
-          </a:fillRef>
-          <a:effectRef idx="2">
-            <a:schemeClr val="accent1"/>
-          </a:effectRef>
-          <a:fontRef idx="minor">
-            <a:schemeClr val="lt1"/>
-          </a:fontRef>
-        </p:style>
-        <p:txBody>
-          <a:bodyPr rtlCol="0" anchor="ctr"/>
-          <a:lstStyle/>
-          <a:p>
-            <a:r>
-              <a:rPr lang="en-US" sz="4800" dirty="0">
-                <a:solidFill>
-                  <a:srgbClr val="FFFFFF"/>
-                </a:solidFill>
-              </a:rPr>
-              <a:t>Other Concurrency Strategies</a:t>
-            </a:r>
-          </a:p>
-        </p:txBody>
-      </p:sp>
-      <p:pic>
-        <p:nvPicPr>
-          <p:cNvPr id="5" name="Picture 4"/>
-          <p:cNvPicPr>
-            <a:picLocks noChangeAspect="1"/>
-          </p:cNvPicPr>
-          <p:nvPr/>
-        </p:nvPicPr>
-        <p:blipFill>
-          <a:blip r:embed="rId2"/>
-          <a:stretch>
-            <a:fillRect/>
-          </a:stretch>
-        </p:blipFill>
-        <p:spPr>
-          <a:xfrm>
-            <a:off x="427268" y="6118657"/>
-            <a:ext cx="529526" cy="356061"/>
-          </a:xfrm>
-          <a:prstGeom prst="rect">
-            <a:avLst/>
-          </a:prstGeom>
-        </p:spPr>
-      </p:pic>
-      <p:sp>
-        <p:nvSpPr>
-          <p:cNvPr id="6" name="Content Placeholder 2"/>
-          <p:cNvSpPr>
-            <a:spLocks noGrp="1"/>
-          </p:cNvSpPr>
-          <p:nvPr>
-            <p:ph idx="1"/>
-          </p:nvPr>
-        </p:nvSpPr>
-        <p:spPr>
-          <a:xfrm>
-            <a:off x="325668" y="1128763"/>
-            <a:ext cx="8229600" cy="5362221"/>
-          </a:xfrm>
-        </p:spPr>
-        <p:txBody>
-          <a:bodyPr>
-            <a:normAutofit fontScale="92500" lnSpcReduction="20000"/>
-          </a:bodyPr>
-          <a:lstStyle/>
-          <a:p>
-            <a:r>
-              <a:rPr lang="en-US" dirty="0" smtClean="0">
-                <a:solidFill>
-                  <a:srgbClr val="102F4B"/>
-                </a:solidFill>
-              </a:rPr>
-              <a:t>Functional Reactive Programming</a:t>
-            </a:r>
-          </a:p>
-          <a:p>
-            <a:pPr lvl="1"/>
-            <a:r>
-              <a:rPr lang="en-US" dirty="0" smtClean="0">
-                <a:solidFill>
-                  <a:srgbClr val="102F4B"/>
-                </a:solidFill>
-              </a:rPr>
-              <a:t>Instead of messages or events, a signal is continually emitted which represents a value over time</a:t>
-            </a:r>
-          </a:p>
-          <a:p>
-            <a:pPr lvl="1"/>
-            <a:r>
-              <a:rPr lang="en-US" dirty="0" smtClean="0">
-                <a:solidFill>
-                  <a:srgbClr val="102F4B"/>
-                </a:solidFill>
-              </a:rPr>
-              <a:t>Signals are aggregated to form new signals</a:t>
-            </a:r>
-          </a:p>
-          <a:p>
-            <a:pPr lvl="1"/>
-            <a:r>
-              <a:rPr lang="en-US" dirty="0" smtClean="0">
-                <a:solidFill>
-                  <a:srgbClr val="102F4B"/>
-                </a:solidFill>
-              </a:rPr>
-              <a:t>Con: Not good for two way communication or state which can be concurrently modified</a:t>
-            </a:r>
-          </a:p>
-          <a:p>
-            <a:r>
-              <a:rPr lang="en-US" dirty="0" smtClean="0">
-                <a:solidFill>
-                  <a:srgbClr val="102F4B"/>
-                </a:solidFill>
-              </a:rPr>
-              <a:t>Publisher/Subscriber</a:t>
-            </a:r>
-          </a:p>
-          <a:p>
-            <a:pPr lvl="1"/>
-            <a:r>
-              <a:rPr lang="en-US" dirty="0" err="1" smtClean="0">
-                <a:solidFill>
-                  <a:srgbClr val="102F4B"/>
-                </a:solidFill>
-              </a:rPr>
-              <a:t>Javascript</a:t>
-            </a:r>
-            <a:r>
-              <a:rPr lang="en-US" dirty="0" smtClean="0">
-                <a:solidFill>
-                  <a:srgbClr val="102F4B"/>
-                </a:solidFill>
-              </a:rPr>
-              <a:t> event handling for example</a:t>
-            </a:r>
-          </a:p>
-          <a:p>
-            <a:pPr lvl="1"/>
-            <a:r>
-              <a:rPr lang="en-US" dirty="0" smtClean="0">
-                <a:solidFill>
-                  <a:srgbClr val="102F4B"/>
-                </a:solidFill>
-              </a:rPr>
-              <a:t>Listeners register a handler with an event source</a:t>
-            </a:r>
-          </a:p>
-          <a:p>
-            <a:pPr lvl="1"/>
-            <a:r>
-              <a:rPr lang="en-US" dirty="0" smtClean="0">
-                <a:solidFill>
-                  <a:srgbClr val="102F4B"/>
-                </a:solidFill>
-              </a:rPr>
-              <a:t>Cons</a:t>
-            </a:r>
-          </a:p>
-          <a:p>
-            <a:pPr lvl="2"/>
-            <a:r>
-              <a:rPr lang="en-US" dirty="0" smtClean="0">
-                <a:solidFill>
-                  <a:srgbClr val="102F4B"/>
-                </a:solidFill>
-              </a:rPr>
-              <a:t>Forces imperative style</a:t>
-            </a:r>
-          </a:p>
-          <a:p>
-            <a:pPr lvl="2"/>
-            <a:r>
-              <a:rPr lang="en-US" dirty="0" smtClean="0">
-                <a:solidFill>
-                  <a:srgbClr val="102F4B"/>
-                </a:solidFill>
-              </a:rPr>
-              <a:t>Concurrency gets very complicated (callback hell)</a:t>
-            </a:r>
-          </a:p>
-          <a:p>
-            <a:pPr lvl="2"/>
-            <a:r>
-              <a:rPr lang="en-US" dirty="0" smtClean="0">
-                <a:solidFill>
-                  <a:srgbClr val="102F4B"/>
-                </a:solidFill>
-              </a:rPr>
-              <a:t>Tightly coupled code</a:t>
-            </a:r>
-          </a:p>
-          <a:p>
-            <a:pPr lvl="1"/>
-            <a:endParaRPr lang="en-US" dirty="0" smtClean="0">
-              <a:solidFill>
-                <a:srgbClr val="102F4B"/>
-              </a:solidFill>
-            </a:endParaRPr>
-          </a:p>
-          <a:p>
-            <a:endParaRPr lang="en-US" dirty="0">
-              <a:solidFill>
-                <a:srgbClr val="102F4B"/>
-              </a:solidFill>
-            </a:endParaRPr>
-          </a:p>
-        </p:txBody>
-      </p:sp>
-    </p:spTree>
-    <p:extLst>
-      <p:ext uri="{BB962C8B-B14F-4D97-AF65-F5344CB8AC3E}">
-        <p14:creationId xmlns:p14="http://schemas.microsoft.com/office/powerpoint/2010/main" val="1378695423"/>
-      </p:ext>
-    </p:extLst>
-  </p:cSld>
-  <p:clrMapOvr>
-    <a:masterClrMapping/>
-  </p:clrMapOvr>
-  <p:timing>
-    <p:tnLst>
-      <p:par>
-        <p:cTn xmlns:p14="http://schemas.microsoft.com/office/powerpoint/2010/main" id="1" dur="indefinite" restart="never" nodeType="tmRoot"/>
-      </p:par>
-    </p:tnLst>
-  </p:timing>
-</p:sld>
-</file>
-
-<file path=ppt/slides/slide12.xml><?xml version="1.0" encoding="utf-8"?>
-<p:sld xmlns:a="http://schemas.openxmlformats.org/drawingml/2006/main" xmlns:r="http://schemas.openxmlformats.org/officeDocument/2006/relationships" xmlns:p="http://schemas.openxmlformats.org/presentationml/2006/main">
-  <p:cSld>
-    <p:spTree>
-      <p:nvGrpSpPr>
-        <p:cNvPr id="1" name=""/>
-        <p:cNvGrpSpPr/>
-        <p:nvPr/>
-      </p:nvGrpSpPr>
-      <p:grpSpPr>
-        <a:xfrm>
-          <a:off x="0" y="0"/>
-          <a:ext cx="0" cy="0"/>
-          <a:chOff x="0" y="0"/>
-          <a:chExt cx="0" cy="0"/>
-        </a:xfrm>
-      </p:grpSpPr>
-      <p:sp>
-        <p:nvSpPr>
-          <p:cNvPr id="4" name="Rectangle 3"/>
-          <p:cNvSpPr/>
-          <p:nvPr/>
-        </p:nvSpPr>
-        <p:spPr>
-          <a:xfrm>
-            <a:off x="0" y="0"/>
-            <a:ext cx="9144000" cy="964642"/>
-          </a:xfrm>
-          <a:prstGeom prst="rect">
-            <a:avLst/>
-          </a:prstGeom>
-          <a:solidFill>
-            <a:srgbClr val="102F4B"/>
-          </a:solidFill>
-          <a:ln>
-            <a:noFill/>
-          </a:ln>
-        </p:spPr>
-        <p:style>
-          <a:lnRef idx="1">
-            <a:schemeClr val="accent1"/>
-          </a:lnRef>
-          <a:fillRef idx="3">
-            <a:schemeClr val="accent1"/>
-          </a:fillRef>
-          <a:effectRef idx="2">
-            <a:schemeClr val="accent1"/>
-          </a:effectRef>
-          <a:fontRef idx="minor">
-            <a:schemeClr val="lt1"/>
-          </a:fontRef>
-        </p:style>
-        <p:txBody>
-          <a:bodyPr rtlCol="0" anchor="ctr"/>
-          <a:lstStyle/>
-          <a:p>
-            <a:r>
-              <a:rPr lang="en-US" sz="4800" dirty="0">
-                <a:solidFill>
-                  <a:srgbClr val="FFFFFF"/>
-                </a:solidFill>
-              </a:rPr>
-              <a:t>DevOps</a:t>
-            </a:r>
-          </a:p>
-        </p:txBody>
-      </p:sp>
-      <p:pic>
-        <p:nvPicPr>
-          <p:cNvPr id="5" name="Picture 4"/>
-          <p:cNvPicPr>
-            <a:picLocks noChangeAspect="1"/>
-          </p:cNvPicPr>
-          <p:nvPr/>
-        </p:nvPicPr>
-        <p:blipFill>
-          <a:blip r:embed="rId3"/>
-          <a:stretch>
-            <a:fillRect/>
-          </a:stretch>
-        </p:blipFill>
-        <p:spPr>
-          <a:xfrm>
-            <a:off x="427268" y="6118657"/>
-            <a:ext cx="529526" cy="356061"/>
-          </a:xfrm>
-          <a:prstGeom prst="rect">
-            <a:avLst/>
-          </a:prstGeom>
-        </p:spPr>
-      </p:pic>
-      <p:sp>
-        <p:nvSpPr>
-          <p:cNvPr id="6" name="Content Placeholder 2"/>
-          <p:cNvSpPr>
-            <a:spLocks noGrp="1"/>
-          </p:cNvSpPr>
-          <p:nvPr>
-            <p:ph idx="1"/>
-          </p:nvPr>
-        </p:nvSpPr>
-        <p:spPr>
-          <a:xfrm>
-            <a:off x="166914" y="1135742"/>
-            <a:ext cx="4114800" cy="4700392"/>
-          </a:xfrm>
-        </p:spPr>
-        <p:txBody>
-          <a:bodyPr>
-            <a:normAutofit fontScale="70000" lnSpcReduction="20000"/>
-          </a:bodyPr>
-          <a:lstStyle/>
-          <a:p>
-            <a:r>
-              <a:rPr lang="en-US" dirty="0" smtClean="0">
-                <a:solidFill>
-                  <a:srgbClr val="102F4B"/>
-                </a:solidFill>
-              </a:rPr>
-              <a:t>At HBC we are using </a:t>
-            </a:r>
-          </a:p>
-          <a:p>
-            <a:pPr lvl="1"/>
-            <a:r>
-              <a:rPr lang="en-US" dirty="0" smtClean="0">
-                <a:solidFill>
-                  <a:srgbClr val="102F4B"/>
-                </a:solidFill>
-              </a:rPr>
-              <a:t>Kitchen (testing)</a:t>
-            </a:r>
-          </a:p>
-          <a:p>
-            <a:pPr lvl="1"/>
-            <a:r>
-              <a:rPr lang="en-US" dirty="0" smtClean="0">
-                <a:solidFill>
-                  <a:srgbClr val="102F4B"/>
-                </a:solidFill>
-              </a:rPr>
-              <a:t>Vagrant (virtual machines)</a:t>
-            </a:r>
-          </a:p>
-          <a:p>
-            <a:pPr lvl="1"/>
-            <a:r>
-              <a:rPr lang="en-US" dirty="0" smtClean="0">
-                <a:solidFill>
-                  <a:srgbClr val="102F4B"/>
-                </a:solidFill>
-              </a:rPr>
-              <a:t>Puppet (provisioning)</a:t>
-            </a:r>
-          </a:p>
-          <a:p>
-            <a:pPr lvl="1"/>
-            <a:r>
-              <a:rPr lang="en-US" dirty="0" smtClean="0">
-                <a:solidFill>
-                  <a:srgbClr val="102F4B"/>
-                </a:solidFill>
-              </a:rPr>
-              <a:t>Librarian Puppet (more provisioning)</a:t>
-            </a:r>
-          </a:p>
-          <a:p>
-            <a:pPr lvl="1"/>
-            <a:r>
-              <a:rPr lang="en-US" dirty="0" err="1" smtClean="0">
-                <a:solidFill>
-                  <a:srgbClr val="102F4B"/>
-                </a:solidFill>
-              </a:rPr>
-              <a:t>Docker</a:t>
-            </a:r>
-            <a:r>
-              <a:rPr lang="en-US" dirty="0" smtClean="0">
-                <a:solidFill>
-                  <a:srgbClr val="102F4B"/>
-                </a:solidFill>
-              </a:rPr>
-              <a:t> (containers)</a:t>
-            </a:r>
-          </a:p>
-          <a:p>
-            <a:pPr marL="457200" lvl="1" indent="0">
-              <a:buNone/>
-            </a:pPr>
-            <a:endParaRPr lang="en-US" dirty="0" smtClean="0">
-              <a:solidFill>
-                <a:srgbClr val="102F4B"/>
-              </a:solidFill>
-            </a:endParaRPr>
-          </a:p>
-          <a:p>
-            <a:r>
-              <a:rPr lang="en-US" dirty="0" smtClean="0">
-                <a:solidFill>
-                  <a:srgbClr val="102F4B"/>
-                </a:solidFill>
-              </a:rPr>
-              <a:t>We practice Infrastructure as code</a:t>
-            </a:r>
-          </a:p>
-          <a:p>
-            <a:pPr lvl="1"/>
-            <a:r>
-              <a:rPr lang="en-US" dirty="0" smtClean="0">
-                <a:solidFill>
-                  <a:srgbClr val="102F4B"/>
-                </a:solidFill>
-              </a:rPr>
-              <a:t>versioning </a:t>
-            </a:r>
-          </a:p>
-          <a:p>
-            <a:pPr lvl="1"/>
-            <a:r>
-              <a:rPr lang="en-US" dirty="0" smtClean="0">
-                <a:solidFill>
-                  <a:srgbClr val="102F4B"/>
-                </a:solidFill>
-              </a:rPr>
-              <a:t>pull requests </a:t>
-            </a:r>
-          </a:p>
-          <a:p>
-            <a:pPr lvl="1"/>
-            <a:r>
-              <a:rPr lang="en-US" dirty="0" smtClean="0">
-                <a:solidFill>
-                  <a:srgbClr val="102F4B"/>
-                </a:solidFill>
-              </a:rPr>
-              <a:t>code review </a:t>
-            </a:r>
-          </a:p>
-          <a:p>
-            <a:pPr lvl="1"/>
-            <a:r>
-              <a:rPr lang="en-US" dirty="0" smtClean="0">
-                <a:solidFill>
-                  <a:srgbClr val="102F4B"/>
-                </a:solidFill>
-              </a:rPr>
-              <a:t>regression testing</a:t>
-            </a:r>
-          </a:p>
-          <a:p>
-            <a:pPr lvl="1"/>
-            <a:r>
-              <a:rPr lang="en-US" dirty="0" smtClean="0">
-                <a:solidFill>
-                  <a:srgbClr val="102F4B"/>
-                </a:solidFill>
-              </a:rPr>
-              <a:t>reproducibility</a:t>
-            </a:r>
-            <a:endParaRPr lang="en-US" dirty="0">
-              <a:solidFill>
-                <a:srgbClr val="102F4B"/>
-              </a:solidFill>
-            </a:endParaRPr>
-          </a:p>
-        </p:txBody>
-      </p:sp>
-      <p:sp>
-        <p:nvSpPr>
-          <p:cNvPr id="7" name="TextBox 6"/>
-          <p:cNvSpPr txBox="1"/>
-          <p:nvPr/>
-        </p:nvSpPr>
-        <p:spPr>
-          <a:xfrm>
-            <a:off x="4659682" y="1167416"/>
-            <a:ext cx="4176470" cy="4376583"/>
-          </a:xfrm>
-          <a:prstGeom prst="rect">
-            <a:avLst/>
-          </a:prstGeom>
-          <a:noFill/>
-        </p:spPr>
-        <p:txBody>
-          <a:bodyPr wrap="square" rtlCol="0">
-            <a:spAutoFit/>
-          </a:bodyPr>
-          <a:lstStyle/>
-          <a:p>
-            <a:pPr marL="342900" lvl="1" indent="-342900" defTabSz="914400">
-              <a:lnSpc>
-                <a:spcPct val="80000"/>
-              </a:lnSpc>
-              <a:spcBef>
-                <a:spcPct val="20000"/>
-              </a:spcBef>
-              <a:buFont typeface="Arial" panose="020B0604020202020204" pitchFamily="34" charset="0"/>
-              <a:buChar char="•"/>
-            </a:pPr>
-            <a:r>
-              <a:rPr lang="en-US" sz="2200" dirty="0">
-                <a:solidFill>
-                  <a:srgbClr val="102F4B"/>
-                </a:solidFill>
-              </a:rPr>
-              <a:t>Linux base box</a:t>
-            </a:r>
-          </a:p>
-          <a:p>
-            <a:pPr marL="342900" lvl="1" indent="-342900" defTabSz="914400">
-              <a:lnSpc>
-                <a:spcPct val="80000"/>
-              </a:lnSpc>
-              <a:spcBef>
-                <a:spcPct val="20000"/>
-              </a:spcBef>
-              <a:buFont typeface="Arial" panose="020B0604020202020204" pitchFamily="34" charset="0"/>
-              <a:buChar char="•"/>
-            </a:pPr>
-            <a:r>
-              <a:rPr lang="en-US" sz="2200" dirty="0">
-                <a:solidFill>
-                  <a:srgbClr val="102F4B"/>
-                </a:solidFill>
-              </a:rPr>
-              <a:t>Puppet Librarian </a:t>
-            </a:r>
-          </a:p>
-          <a:p>
-            <a:pPr marL="742950" lvl="1" indent="-285750" defTabSz="914400">
-              <a:lnSpc>
-                <a:spcPct val="80000"/>
-              </a:lnSpc>
-              <a:spcBef>
-                <a:spcPct val="20000"/>
-              </a:spcBef>
-              <a:buFont typeface="Arial" panose="020B0604020202020204" pitchFamily="34" charset="0"/>
-              <a:buChar char="–"/>
-            </a:pPr>
-            <a:r>
-              <a:rPr lang="en-US" sz="2000" dirty="0">
-                <a:solidFill>
-                  <a:srgbClr val="102F4B"/>
-                </a:solidFill>
-              </a:rPr>
-              <a:t>to source modules for SBT, Java, MongoDB, and </a:t>
-            </a:r>
-            <a:r>
-              <a:rPr lang="en-US" sz="2000" dirty="0" err="1">
-                <a:solidFill>
-                  <a:srgbClr val="102F4B"/>
-                </a:solidFill>
-              </a:rPr>
-              <a:t>Docker</a:t>
-            </a:r>
-            <a:r>
-              <a:rPr lang="en-US" sz="2000" dirty="0">
-                <a:solidFill>
-                  <a:srgbClr val="102F4B"/>
-                </a:solidFill>
-              </a:rPr>
-              <a:t> </a:t>
-            </a:r>
-          </a:p>
-          <a:p>
-            <a:pPr marL="742950" lvl="1" indent="-285750" defTabSz="914400">
-              <a:lnSpc>
-                <a:spcPct val="80000"/>
-              </a:lnSpc>
-              <a:spcBef>
-                <a:spcPct val="20000"/>
-              </a:spcBef>
-              <a:buFont typeface="Arial" panose="020B0604020202020204" pitchFamily="34" charset="0"/>
-              <a:buChar char="–"/>
-            </a:pPr>
-            <a:r>
-              <a:rPr lang="en-US" sz="2000" dirty="0">
-                <a:solidFill>
-                  <a:srgbClr val="102F4B"/>
-                </a:solidFill>
-              </a:rPr>
-              <a:t>Installed in my base box (provision)</a:t>
-            </a:r>
-          </a:p>
-          <a:p>
-            <a:pPr marL="742950" lvl="1" indent="-285750" defTabSz="914400">
-              <a:lnSpc>
-                <a:spcPct val="80000"/>
-              </a:lnSpc>
-              <a:spcBef>
-                <a:spcPct val="20000"/>
-              </a:spcBef>
-              <a:buFont typeface="Arial" panose="020B0604020202020204" pitchFamily="34" charset="0"/>
-              <a:buChar char="–"/>
-            </a:pPr>
-            <a:r>
-              <a:rPr lang="en-US" sz="2000" dirty="0">
-                <a:solidFill>
-                  <a:srgbClr val="102F4B"/>
-                </a:solidFill>
-              </a:rPr>
-              <a:t>spin up and deploy a </a:t>
-            </a:r>
-            <a:r>
-              <a:rPr lang="en-US" sz="2000" dirty="0" err="1">
-                <a:solidFill>
-                  <a:srgbClr val="102F4B"/>
-                </a:solidFill>
-              </a:rPr>
-              <a:t>Docker</a:t>
-            </a:r>
-            <a:r>
-              <a:rPr lang="en-US" sz="2000" dirty="0">
-                <a:solidFill>
-                  <a:srgbClr val="102F4B"/>
-                </a:solidFill>
-              </a:rPr>
-              <a:t> container running </a:t>
-            </a:r>
-            <a:r>
-              <a:rPr lang="en-US" sz="2000" dirty="0" err="1">
-                <a:solidFill>
-                  <a:srgbClr val="102F4B"/>
-                </a:solidFill>
-              </a:rPr>
-              <a:t>StatsD</a:t>
-            </a:r>
-            <a:r>
-              <a:rPr lang="en-US" sz="2000" dirty="0">
-                <a:solidFill>
-                  <a:srgbClr val="102F4B"/>
-                </a:solidFill>
-              </a:rPr>
-              <a:t> and </a:t>
-            </a:r>
-            <a:r>
-              <a:rPr lang="en-US" sz="2000" dirty="0" smtClean="0">
-                <a:solidFill>
-                  <a:srgbClr val="102F4B"/>
-                </a:solidFill>
-              </a:rPr>
-              <a:t>Graphite</a:t>
-            </a:r>
-          </a:p>
-          <a:p>
-            <a:pPr lvl="1" defTabSz="914400">
-              <a:lnSpc>
-                <a:spcPct val="80000"/>
-              </a:lnSpc>
-              <a:spcBef>
-                <a:spcPct val="20000"/>
-              </a:spcBef>
-            </a:pPr>
-            <a:endParaRPr lang="en-US" sz="2000" dirty="0">
-              <a:solidFill>
-                <a:srgbClr val="102F4B"/>
-              </a:solidFill>
-            </a:endParaRPr>
-          </a:p>
-          <a:p>
-            <a:pPr marL="342900" lvl="1" indent="-342900" defTabSz="914400">
-              <a:lnSpc>
-                <a:spcPct val="80000"/>
-              </a:lnSpc>
-              <a:spcBef>
-                <a:spcPct val="20000"/>
-              </a:spcBef>
-              <a:buFont typeface="Arial" panose="020B0604020202020204" pitchFamily="34" charset="0"/>
-              <a:buChar char="•"/>
-            </a:pPr>
-            <a:r>
-              <a:rPr lang="en-US" sz="2200" dirty="0" smtClean="0">
-                <a:solidFill>
-                  <a:srgbClr val="102F4B"/>
-                </a:solidFill>
-              </a:rPr>
-              <a:t>Run </a:t>
-            </a:r>
-            <a:r>
-              <a:rPr lang="en-US" sz="2200" dirty="0">
-                <a:solidFill>
-                  <a:srgbClr val="102F4B"/>
-                </a:solidFill>
-              </a:rPr>
-              <a:t>Play applications with SBT </a:t>
-            </a:r>
-            <a:r>
-              <a:rPr lang="en-US" sz="2200" dirty="0" smtClean="0">
-                <a:solidFill>
-                  <a:srgbClr val="102F4B"/>
-                </a:solidFill>
-              </a:rPr>
-              <a:t>and Java while running </a:t>
-            </a:r>
-            <a:r>
-              <a:rPr lang="en-US" sz="2200" dirty="0">
-                <a:solidFill>
-                  <a:srgbClr val="102F4B"/>
-                </a:solidFill>
-              </a:rPr>
-              <a:t>MongoDB, </a:t>
-            </a:r>
-            <a:r>
-              <a:rPr lang="en-US" sz="2200" dirty="0" err="1">
-                <a:solidFill>
-                  <a:srgbClr val="102F4B"/>
-                </a:solidFill>
-              </a:rPr>
-              <a:t>StatsD</a:t>
-            </a:r>
-            <a:r>
-              <a:rPr lang="en-US" sz="2200" dirty="0">
-                <a:solidFill>
-                  <a:srgbClr val="102F4B"/>
-                </a:solidFill>
-              </a:rPr>
-              <a:t>, and Graphite instances ready to use.</a:t>
-            </a:r>
-          </a:p>
-          <a:p>
-            <a:pPr marL="742950" lvl="1" indent="-285750" defTabSz="914400">
-              <a:lnSpc>
-                <a:spcPct val="80000"/>
-              </a:lnSpc>
-              <a:spcBef>
-                <a:spcPct val="20000"/>
-              </a:spcBef>
-              <a:buFont typeface="Arial" panose="020B0604020202020204" pitchFamily="34" charset="0"/>
-              <a:buChar char="–"/>
-            </a:pPr>
-            <a:endParaRPr lang="en-US" sz="2000" dirty="0">
-              <a:solidFill>
-                <a:srgbClr val="102F4B"/>
-              </a:solidFill>
-            </a:endParaRPr>
-          </a:p>
-        </p:txBody>
-      </p:sp>
-    </p:spTree>
-    <p:extLst>
-      <p:ext uri="{BB962C8B-B14F-4D97-AF65-F5344CB8AC3E}">
-        <p14:creationId xmlns:p14="http://schemas.microsoft.com/office/powerpoint/2010/main" val="896646896"/>
-      </p:ext>
-    </p:extLst>
-  </p:cSld>
-  <p:clrMapOvr>
-    <a:masterClrMapping/>
-  </p:clrMapOvr>
-  <p:timing>
-    <p:tnLst>
-      <p:par>
-        <p:cTn xmlns:p14="http://schemas.microsoft.com/office/powerpoint/2010/main" id="1" dur="indefinite" restart="never" nodeType="tmRoot"/>
-      </p:par>
-    </p:tnLst>
-  </p:timing>
-</p:sld>
-</file>
-
-<file path=ppt/slides/slide13.xml><?xml version="1.0" encoding="utf-8"?>
-<p:sld xmlns:a="http://schemas.openxmlformats.org/drawingml/2006/main" xmlns:r="http://schemas.openxmlformats.org/officeDocument/2006/relationships" xmlns:p="http://schemas.openxmlformats.org/presentationml/2006/main">
-  <p:cSld>
-    <p:spTree>
-      <p:nvGrpSpPr>
-        <p:cNvPr id="1" name=""/>
-        <p:cNvGrpSpPr/>
-        <p:nvPr/>
-      </p:nvGrpSpPr>
-      <p:grpSpPr>
-        <a:xfrm>
-          <a:off x="0" y="0"/>
-          <a:ext cx="0" cy="0"/>
-          <a:chOff x="0" y="0"/>
-          <a:chExt cx="0" cy="0"/>
-        </a:xfrm>
-      </p:grpSpPr>
-      <p:sp>
-        <p:nvSpPr>
-          <p:cNvPr id="4" name="Rectangle 3"/>
-          <p:cNvSpPr/>
-          <p:nvPr/>
-        </p:nvSpPr>
-        <p:spPr>
-          <a:xfrm>
-            <a:off x="0" y="0"/>
-            <a:ext cx="9144000" cy="964642"/>
-          </a:xfrm>
-          <a:prstGeom prst="rect">
-            <a:avLst/>
-          </a:prstGeom>
-          <a:solidFill>
-            <a:srgbClr val="102F4B"/>
-          </a:solidFill>
-          <a:ln>
-            <a:noFill/>
-          </a:ln>
-        </p:spPr>
-        <p:style>
-          <a:lnRef idx="1">
-            <a:schemeClr val="accent1"/>
-          </a:lnRef>
-          <a:fillRef idx="3">
-            <a:schemeClr val="accent1"/>
-          </a:fillRef>
-          <a:effectRef idx="2">
-            <a:schemeClr val="accent1"/>
-          </a:effectRef>
-          <a:fontRef idx="minor">
-            <a:schemeClr val="lt1"/>
-          </a:fontRef>
-        </p:style>
-        <p:txBody>
-          <a:bodyPr rtlCol="0" anchor="ctr"/>
-          <a:lstStyle/>
-          <a:p>
-            <a:r>
               <a:rPr lang="en-US" sz="4800" dirty="0" smtClean="0">
                 <a:solidFill>
                   <a:srgbClr val="FFFFFF"/>
@@ -5629,7 +4218,7 @@
 </p:sld>
 </file>
 
-<file path=ppt/slides/slide14.xml><?xml version="1.0" encoding="utf-8"?>
+<file path=ppt/slides/slide11.xml><?xml version="1.0" encoding="utf-8"?>
 <p:sld xmlns:a="http://schemas.openxmlformats.org/drawingml/2006/main" xmlns:r="http://schemas.openxmlformats.org/officeDocument/2006/relationships" xmlns:p="http://schemas.openxmlformats.org/presentationml/2006/main">
   <p:cSld>
     <p:spTree>
@@ -6549,15 +5138,15 @@
         </p:nvSpPr>
         <p:spPr>
           <a:xfrm>
-            <a:off x="4512341" y="3152150"/>
-            <a:ext cx="4572000" cy="1618905"/>
+            <a:off x="3873500" y="3152150"/>
+            <a:ext cx="5210841" cy="1557349"/>
           </a:xfrm>
           <a:prstGeom prst="rect">
             <a:avLst/>
           </a:prstGeom>
         </p:spPr>
         <p:txBody>
-          <a:bodyPr>
+          <a:bodyPr wrap="square">
             <a:spAutoFit/>
           </a:bodyPr>
           <a:lstStyle/>
@@ -6625,12 +5214,12 @@
               <a:buChar char="–"/>
             </a:pPr>
             <a:r>
-              <a:rPr lang="en-US" sz="2800" dirty="0" smtClean="0">
-                <a:solidFill>
-                  <a:srgbClr val="102F4B"/>
-                </a:solidFill>
-              </a:rPr>
-              <a:t>Node/React/Ember</a:t>
+              <a:rPr lang="en-US" sz="2800" dirty="0">
+                <a:solidFill>
+                  <a:srgbClr val="102F4B"/>
+                </a:solidFill>
+              </a:rPr>
+              <a:t>React/Backbone/Marionette</a:t>
             </a:r>
             <a:endParaRPr lang="en-US" sz="2800" dirty="0">
               <a:solidFill>
@@ -7300,7 +5889,37 @@
                   <a:srgbClr val="102F4B"/>
                 </a:solidFill>
               </a:rPr>
-              <a:t>Publisher/Subscriber</a:t>
+              <a:t>Publisher/</a:t>
+            </a:r>
+            <a:r>
+              <a:rPr lang="en-US" dirty="0" smtClean="0">
+                <a:solidFill>
+                  <a:srgbClr val="102F4B"/>
+                </a:solidFill>
+              </a:rPr>
+              <a:t>Subscriber</a:t>
+            </a:r>
+          </a:p>
+          <a:p>
+            <a:pPr lvl="1"/>
+            <a:r>
+              <a:rPr lang="en-US" dirty="0" smtClean="0">
+                <a:solidFill>
+                  <a:srgbClr val="102F4B"/>
+                </a:solidFill>
+              </a:rPr>
+              <a:t>CSP</a:t>
+            </a:r>
+          </a:p>
+          <a:p>
+            <a:pPr lvl="1"/>
+            <a:r>
+              <a:rPr lang="en-US" dirty="0" smtClean="0">
+                <a:solidFill>
+                  <a:srgbClr val="102F4B"/>
+                </a:solidFill>
+              </a:rPr>
+              <a:t>STM</a:t>
             </a:r>
             <a:endParaRPr lang="en-US" dirty="0">
               <a:solidFill>
@@ -7439,7 +6058,7 @@
         </p:spPr>
         <p:txBody>
           <a:bodyPr>
-            <a:normAutofit lnSpcReduction="10000"/>
+            <a:normAutofit fontScale="92500" lnSpcReduction="10000"/>
           </a:bodyPr>
           <a:lstStyle/>
           <a:p>
@@ -7459,18 +6078,39 @@
                   <a:srgbClr val="102F4B"/>
                 </a:solidFill>
               </a:rPr>
-              <a:t>Uses locks to prevent race conditions</a:t>
-            </a:r>
-          </a:p>
-          <a:p>
+              <a:t>Uses </a:t>
+            </a:r>
             <a:r>
               <a:rPr lang="en-US" dirty="0" smtClean="0">
                 <a:solidFill>
                   <a:srgbClr val="102F4B"/>
                 </a:solidFill>
               </a:rPr>
-              <a:t>Pros</a:t>
-            </a:r>
+              <a:t>locks/synchronized blocks </a:t>
+            </a:r>
+            <a:r>
+              <a:rPr lang="en-US" dirty="0" smtClean="0">
+                <a:solidFill>
+                  <a:srgbClr val="102F4B"/>
+                </a:solidFill>
+              </a:rPr>
+              <a:t>to prevent race conditions</a:t>
+            </a:r>
+          </a:p>
+          <a:p>
+            <a:r>
+              <a:rPr lang="en-US" dirty="0" smtClean="0">
+                <a:solidFill>
+                  <a:srgbClr val="102F4B"/>
+                </a:solidFill>
+              </a:rPr>
+              <a:t>Proven and well understood</a:t>
+            </a:r>
+            <a:endParaRPr lang="en-US" dirty="0" smtClean="0">
+              <a:solidFill>
+                <a:srgbClr val="102F4B"/>
+              </a:solidFill>
+            </a:endParaRPr>
           </a:p>
           <a:p>
             <a:pPr lvl="1"/>
@@ -7480,54 +6120,82 @@
                   <a:srgbClr val="102F4B"/>
                 </a:solidFill>
               </a:rPr>
-              <a:t>Heavily used</a:t>
-            </a:r>
-          </a:p>
-          <a:p>
-            <a:pPr lvl="1"/>
+              <a:t>Widespread use for a long time</a:t>
+            </a:r>
+            <a:endParaRPr lang="en-US" dirty="0" smtClean="0">
+              <a:solidFill>
+                <a:srgbClr val="102F4B"/>
+              </a:solidFill>
+            </a:endParaRPr>
+          </a:p>
+          <a:p>
             <a:r>
               <a:rPr lang="en-US" dirty="0" smtClean="0">
                 <a:solidFill>
                   <a:srgbClr val="102F4B"/>
                 </a:solidFill>
               </a:rPr>
-              <a:t>Simple to reason about for trivial applications</a:t>
-            </a:r>
-          </a:p>
-          <a:p>
+              <a:t>Simple to reason about for </a:t>
+            </a:r>
             <a:r>
               <a:rPr lang="en-US" dirty="0" smtClean="0">
                 <a:solidFill>
                   <a:srgbClr val="102F4B"/>
                 </a:solidFill>
               </a:rPr>
-              <a:t>Cons</a:t>
-            </a:r>
-          </a:p>
-          <a:p>
-            <a:pPr lvl="1"/>
+              <a:t>trivial applications</a:t>
+            </a:r>
+          </a:p>
+          <a:p>
             <a:r>
               <a:rPr lang="en-US" dirty="0" smtClean="0">
                 <a:solidFill>
                   <a:srgbClr val="102F4B"/>
                 </a:solidFill>
               </a:rPr>
-              <a:t>Thread sleep/awake is expensive</a:t>
-            </a:r>
-          </a:p>
-          <a:p>
-            <a:pPr lvl="1"/>
+              <a:t>Complex </a:t>
+            </a:r>
             <a:r>
               <a:rPr lang="en-US" dirty="0" smtClean="0">
                 <a:solidFill>
                   <a:srgbClr val="102F4B"/>
                 </a:solidFill>
               </a:rPr>
-              <a:t>Complex applications are very difficult to model</a:t>
-            </a:r>
-          </a:p>
-          <a:p>
-            <a:pPr lvl="1"/>
+              <a:t>applications are very difficult to </a:t>
+            </a:r>
+            <a:r>
+              <a:rPr lang="en-US" dirty="0" smtClean="0">
+                <a:solidFill>
+                  <a:srgbClr val="102F4B"/>
+                </a:solidFill>
+              </a:rPr>
+              <a:t>model</a:t>
+            </a:r>
+          </a:p>
+          <a:p>
+            <a:r>
+              <a:rPr lang="en-US" dirty="0">
+                <a:solidFill>
+                  <a:srgbClr val="102F4B"/>
+                </a:solidFill>
+              </a:rPr>
+              <a:t>Thread sleep/awake is </a:t>
+            </a:r>
+            <a:r>
+              <a:rPr lang="en-US" dirty="0" smtClean="0">
+                <a:solidFill>
+                  <a:srgbClr val="102F4B"/>
+                </a:solidFill>
+              </a:rPr>
+              <a:t>expensive</a:t>
+            </a:r>
+            <a:endParaRPr lang="en-US" dirty="0" smtClean="0">
+              <a:solidFill>
+                <a:srgbClr val="102F4B"/>
+              </a:solidFill>
+            </a:endParaRPr>
+          </a:p>
+          <a:p>
             <a:r>
               <a:rPr lang="en-US" dirty="0" smtClean="0">
                 <a:solidFill>
@@ -7691,7 +6359,7 @@
         </p:spPr>
         <p:txBody>
           <a:bodyPr>
-            <a:normAutofit fontScale="92500" lnSpcReduction="20000"/>
+            <a:normAutofit fontScale="62500" lnSpcReduction="20000"/>
           </a:bodyPr>
           <a:lstStyle/>
           <a:p>
@@ -7701,28 +6369,189 @@
                   <a:srgbClr val="102F4B"/>
                 </a:solidFill>
               </a:rPr>
-              <a:t>Actors instead of threads- lightweight, easy to reason about</a:t>
-            </a:r>
-          </a:p>
-          <a:p>
+              <a:t>Actors instead of </a:t>
+            </a:r>
             <a:r>
               <a:rPr lang="en-US" sz="3400" dirty="0" smtClean="0">
                 <a:solidFill>
                   <a:srgbClr val="102F4B"/>
                 </a:solidFill>
               </a:rPr>
+              <a:t>threads</a:t>
+            </a:r>
+          </a:p>
+          <a:p>
+            <a:pPr lvl="1"/>
+            <a:r>
+              <a:rPr lang="en-US" sz="3000" dirty="0">
+                <a:solidFill>
+                  <a:srgbClr val="102F4B"/>
+                </a:solidFill>
+              </a:rPr>
+              <a:t>L</a:t>
+            </a:r>
+            <a:r>
+              <a:rPr lang="en-US" sz="3000" dirty="0" smtClean="0">
+                <a:solidFill>
+                  <a:srgbClr val="102F4B"/>
+                </a:solidFill>
+              </a:rPr>
+              <a:t>ightweight</a:t>
+            </a:r>
+            <a:r>
+              <a:rPr lang="en-US" sz="3000" dirty="0" smtClean="0">
+                <a:solidFill>
+                  <a:srgbClr val="102F4B"/>
+                </a:solidFill>
+              </a:rPr>
+              <a:t>, easy to reason </a:t>
+            </a:r>
+            <a:r>
+              <a:rPr lang="en-US" sz="3000" dirty="0" smtClean="0">
+                <a:solidFill>
+                  <a:srgbClr val="102F4B"/>
+                </a:solidFill>
+              </a:rPr>
+              <a:t>about (actor’s are like people… specialized and one task at a time), delegate and supervise </a:t>
+            </a:r>
+          </a:p>
+          <a:p>
+            <a:r>
+              <a:rPr lang="en-US" sz="3400" dirty="0" smtClean="0">
+                <a:solidFill>
+                  <a:srgbClr val="102F4B"/>
+                </a:solidFill>
+              </a:rPr>
               <a:t>Actors communicate with message passing</a:t>
             </a:r>
+            <a:endParaRPr lang="en-US" sz="3000" dirty="0" smtClean="0">
+              <a:solidFill>
+                <a:srgbClr val="102F4B"/>
+              </a:solidFill>
+            </a:endParaRPr>
           </a:p>
           <a:p>
             <a:pPr lvl="1"/>
             <a:r>
+              <a:rPr lang="en-US" sz="3000" dirty="0" smtClean="0">
+                <a:solidFill>
+                  <a:srgbClr val="102F4B"/>
+                </a:solidFill>
+              </a:rPr>
+              <a:t>Messages </a:t>
+            </a:r>
+            <a:r>
+              <a:rPr lang="en-US" sz="3000" dirty="0" smtClean="0">
+                <a:solidFill>
+                  <a:srgbClr val="102F4B"/>
+                </a:solidFill>
+              </a:rPr>
+              <a:t>are objects containing </a:t>
+            </a:r>
+            <a:r>
+              <a:rPr lang="en-US" sz="3000" dirty="0" smtClean="0">
+                <a:solidFill>
+                  <a:srgbClr val="102F4B"/>
+                </a:solidFill>
+              </a:rPr>
+              <a:t>information, they aren’t imperative</a:t>
+            </a:r>
+            <a:r>
+              <a:rPr lang="en-US" sz="3000" dirty="0" smtClean="0">
+                <a:solidFill>
+                  <a:srgbClr val="102F4B"/>
+                </a:solidFill>
+              </a:rPr>
+              <a:t>, </a:t>
+            </a:r>
+            <a:r>
+              <a:rPr lang="en-US" sz="3000" dirty="0" smtClean="0">
+                <a:solidFill>
+                  <a:srgbClr val="102F4B"/>
+                </a:solidFill>
+              </a:rPr>
+              <a:t>they’re reacted to</a:t>
+            </a:r>
+            <a:endParaRPr lang="en-US" sz="3000" dirty="0" smtClean="0">
+              <a:solidFill>
+                <a:srgbClr val="102F4B"/>
+              </a:solidFill>
+            </a:endParaRPr>
+          </a:p>
+          <a:p>
+            <a:r>
+              <a:rPr lang="en-US" sz="3400" dirty="0" smtClean="0">
+                <a:solidFill>
+                  <a:srgbClr val="102F4B"/>
+                </a:solidFill>
+              </a:rPr>
+              <a:t>Mutable state</a:t>
+            </a:r>
+            <a:endParaRPr lang="en-US" sz="3400" dirty="0">
+              <a:solidFill>
+                <a:srgbClr val="102F4B"/>
+              </a:solidFill>
+            </a:endParaRPr>
+          </a:p>
+          <a:p>
+            <a:pPr lvl="1"/>
+            <a:r>
+              <a:rPr lang="en-US" sz="3000" dirty="0" smtClean="0">
+                <a:solidFill>
+                  <a:srgbClr val="102F4B"/>
+                </a:solidFill>
+              </a:rPr>
+              <a:t>But </a:t>
+            </a:r>
+            <a:r>
+              <a:rPr lang="en-US" sz="3000" dirty="0" smtClean="0">
+                <a:solidFill>
+                  <a:srgbClr val="102F4B"/>
+                </a:solidFill>
+              </a:rPr>
+              <a:t>only an actor can change </a:t>
+            </a:r>
+            <a:r>
+              <a:rPr lang="en-US" sz="3000" dirty="0" smtClean="0">
+                <a:solidFill>
+                  <a:srgbClr val="102F4B"/>
+                </a:solidFill>
+              </a:rPr>
+              <a:t>itself (state isn’t shared)</a:t>
+            </a:r>
+            <a:endParaRPr lang="en-US" sz="3000" dirty="0" smtClean="0">
+              <a:solidFill>
+                <a:srgbClr val="102F4B"/>
+              </a:solidFill>
+            </a:endParaRPr>
+          </a:p>
+          <a:p>
+            <a:r>
+              <a:rPr lang="en-US" sz="3400" dirty="0" smtClean="0">
+                <a:solidFill>
+                  <a:srgbClr val="102F4B"/>
+                </a:solidFill>
+              </a:rPr>
+              <a:t>Each actor has a mailbox (queue</a:t>
+            </a:r>
+            <a:r>
+              <a:rPr lang="en-US" sz="3400" dirty="0" smtClean="0">
+                <a:solidFill>
+                  <a:srgbClr val="102F4B"/>
+                </a:solidFill>
+              </a:rPr>
+              <a:t>)</a:t>
+            </a:r>
+          </a:p>
+          <a:p>
+            <a:pPr lvl="1"/>
+            <a:r>
               <a:rPr lang="en-US" sz="3000" dirty="0">
                 <a:solidFill>
                   <a:srgbClr val="102F4B"/>
                 </a:solidFill>
               </a:rPr>
-              <a:t>M</a:t>
+              <a:t>S</a:t>
             </a:r>
             <a:r>
               <a:rPr lang="en-US" sz="3000" dirty="0" smtClean="0">
@@ -7730,8 +6559,39 @@
                   <a:srgbClr val="102F4B"/>
                 </a:solidFill>
               </a:rPr>
-              <a:t>essages are objects containing information</a:t>
-            </a:r>
+              <a:t>ynchronous </a:t>
+            </a:r>
+            <a:r>
+              <a:rPr lang="en-US" sz="3000" dirty="0" smtClean="0">
+                <a:solidFill>
+                  <a:srgbClr val="102F4B"/>
+                </a:solidFill>
+              </a:rPr>
+              <a:t>message </a:t>
+            </a:r>
+            <a:r>
+              <a:rPr lang="en-US" sz="3000" dirty="0" smtClean="0">
+                <a:solidFill>
+                  <a:srgbClr val="102F4B"/>
+                </a:solidFill>
+              </a:rPr>
+              <a:t>processing (No locks, blocking, or thread sleep)</a:t>
+            </a:r>
+          </a:p>
+          <a:p>
+            <a:r>
+              <a:rPr lang="en-US" sz="3400" dirty="0" smtClean="0">
+                <a:solidFill>
+                  <a:srgbClr val="102F4B"/>
+                </a:solidFill>
+              </a:rPr>
+              <a:t>Loose coupling</a:t>
+            </a:r>
+            <a:endParaRPr lang="en-US" sz="3400" dirty="0">
+              <a:solidFill>
+                <a:srgbClr val="102F4B"/>
+              </a:solidFill>
+            </a:endParaRPr>
           </a:p>
           <a:p>
             <a:pPr lvl="1"/>
@@ -7741,18 +6601,15 @@
                   <a:srgbClr val="102F4B"/>
                 </a:solidFill>
               </a:rPr>
-              <a:t>Not imperative, they provide information and are REACTED to by the actor.</a:t>
-            </a:r>
-          </a:p>
-          <a:p>
-            <a:pPr lvl="1"/>
+              <a:t>Messages are strongl</a:t>
+            </a:r>
             <a:r>
               <a:rPr lang="en-US" sz="3000" dirty="0" smtClean="0">
                 <a:solidFill>
                   <a:srgbClr val="102F4B"/>
                 </a:solidFill>
               </a:rPr>
-              <a:t>Ex “Someone requested 5 shirts”, not “Give me 5 shirts” </a:t>
+              <a:t>y typed, receive method that processes them isn’t</a:t>
             </a:r>
           </a:p>
           <a:p>
@@ -7762,24 +6619,67 @@
                   <a:srgbClr val="102F4B"/>
                 </a:solidFill>
               </a:rPr>
-              <a:t>Mutable state- But only an actor can change itself</a:t>
-            </a:r>
-          </a:p>
-          <a:p>
+              <a:t>Requires care in modeling and refactoring to ensure resiliency</a:t>
+            </a:r>
+            <a:r>
+              <a:rPr lang="en-US" sz="3400" dirty="0">
+                <a:solidFill>
+                  <a:srgbClr val="102F4B"/>
+                </a:solidFill>
+              </a:rPr>
+              <a:t> </a:t>
+            </a:r>
             <a:r>
               <a:rPr lang="en-US" sz="3400" dirty="0" smtClean="0">
                 <a:solidFill>
                   <a:srgbClr val="102F4B"/>
                 </a:solidFill>
               </a:rPr>
-              <a:t>Each actor has a mailbox (queue)- synchronous message processing</a:t>
-            </a:r>
-          </a:p>
-          <a:p>
-            <a:pPr marL="0" indent="0">
-              <a:buNone/>
-            </a:pPr>
-            <a:endParaRPr lang="en-US" sz="3400" dirty="0">
+              <a:t>and</a:t>
+            </a:r>
+            <a:r>
+              <a:rPr lang="en-US" sz="3400" dirty="0" smtClean="0">
+                <a:solidFill>
+                  <a:srgbClr val="102F4B"/>
+                </a:solidFill>
+              </a:rPr>
+              <a:t> performance </a:t>
+            </a:r>
+          </a:p>
+          <a:p>
+            <a:r>
+              <a:rPr lang="en-US" sz="3400" dirty="0" smtClean="0">
+                <a:solidFill>
+                  <a:srgbClr val="102F4B"/>
+                </a:solidFill>
+              </a:rPr>
+              <a:t>D</a:t>
+            </a:r>
+            <a:r>
+              <a:rPr lang="en-US" sz="3400" dirty="0" smtClean="0">
+                <a:solidFill>
+                  <a:srgbClr val="102F4B"/>
+                </a:solidFill>
+              </a:rPr>
+              <a:t>angerous tasks and mutab</a:t>
+            </a:r>
+            <a:r>
+              <a:rPr lang="en-US" sz="3400" dirty="0" smtClean="0">
+                <a:solidFill>
+                  <a:srgbClr val="102F4B"/>
+                </a:solidFill>
+              </a:rPr>
+              <a:t>le state don’t mix and require supervision, can’t multithread mutation</a:t>
+            </a:r>
+            <a:r>
+              <a:rPr lang="en-US" sz="3400" dirty="0" smtClean="0">
+                <a:solidFill>
+                  <a:srgbClr val="102F4B"/>
+                </a:solidFill>
+              </a:rPr>
+              <a:t> </a:t>
+            </a:r>
+            <a:endParaRPr lang="en-US" sz="3400" dirty="0" smtClean="0">
               <a:solidFill>
                 <a:srgbClr val="102F4B"/>
               </a:solidFill>
@@ -7808,464 +6708,6 @@
 </file>
 
 <file path=ppt/slides/slide8.xml><?xml version="1.0" encoding="utf-8"?>
-<p:sld xmlns:a="http://schemas.openxmlformats.org/drawingml/2006/main" xmlns:r="http://schemas.openxmlformats.org/officeDocument/2006/relationships" xmlns:p="http://schemas.openxmlformats.org/presentationml/2006/main">
-  <p:cSld>
-    <p:spTree>
-      <p:nvGrpSpPr>
-        <p:cNvPr id="1" name=""/>
-        <p:cNvGrpSpPr/>
-        <p:nvPr/>
-      </p:nvGrpSpPr>
-      <p:grpSpPr>
-        <a:xfrm>
-          <a:off x="0" y="0"/>
-          <a:ext cx="0" cy="0"/>
-          <a:chOff x="0" y="0"/>
-          <a:chExt cx="0" cy="0"/>
-        </a:xfrm>
-      </p:grpSpPr>
-      <p:sp>
-        <p:nvSpPr>
-          <p:cNvPr id="4" name="Rectangle 3"/>
-          <p:cNvSpPr/>
-          <p:nvPr/>
-        </p:nvSpPr>
-        <p:spPr>
-          <a:xfrm>
-            <a:off x="0" y="0"/>
-            <a:ext cx="9144000" cy="964642"/>
-          </a:xfrm>
-          <a:prstGeom prst="rect">
-            <a:avLst/>
-          </a:prstGeom>
-          <a:solidFill>
-            <a:srgbClr val="102F4B"/>
-          </a:solidFill>
-          <a:ln>
-            <a:noFill/>
-          </a:ln>
-        </p:spPr>
-        <p:style>
-          <a:lnRef idx="1">
-            <a:schemeClr val="accent1"/>
-          </a:lnRef>
-          <a:fillRef idx="3">
-            <a:schemeClr val="accent1"/>
-          </a:fillRef>
-          <a:effectRef idx="2">
-            <a:schemeClr val="accent1"/>
-          </a:effectRef>
-          <a:fontRef idx="minor">
-            <a:schemeClr val="lt1"/>
-          </a:fontRef>
-        </p:style>
-        <p:txBody>
-          <a:bodyPr rtlCol="0" anchor="ctr"/>
-          <a:lstStyle/>
-          <a:p>
-            <a:r>
-              <a:rPr lang="en-US" sz="4800" dirty="0" err="1">
-                <a:solidFill>
-                  <a:srgbClr val="FFFFFF"/>
-                </a:solidFill>
-              </a:rPr>
-              <a:t>Akka</a:t>
-            </a:r>
-            <a:r>
-              <a:rPr lang="en-US" sz="4800" dirty="0">
-                <a:solidFill>
-                  <a:srgbClr val="FFFFFF"/>
-                </a:solidFill>
-              </a:rPr>
-              <a:t> (Can you tell we like this?)</a:t>
-            </a:r>
-          </a:p>
-        </p:txBody>
-      </p:sp>
-      <p:pic>
-        <p:nvPicPr>
-          <p:cNvPr id="5" name="Picture 4"/>
-          <p:cNvPicPr>
-            <a:picLocks noChangeAspect="1"/>
-          </p:cNvPicPr>
-          <p:nvPr/>
-        </p:nvPicPr>
-        <p:blipFill>
-          <a:blip r:embed="rId2"/>
-          <a:stretch>
-            <a:fillRect/>
-          </a:stretch>
-        </p:blipFill>
-        <p:spPr>
-          <a:xfrm>
-            <a:off x="427268" y="6118657"/>
-            <a:ext cx="529526" cy="356061"/>
-          </a:xfrm>
-          <a:prstGeom prst="rect">
-            <a:avLst/>
-          </a:prstGeom>
-        </p:spPr>
-      </p:pic>
-      <p:sp>
-        <p:nvSpPr>
-          <p:cNvPr id="6" name="Content Placeholder 2"/>
-          <p:cNvSpPr>
-            <a:spLocks noGrp="1"/>
-          </p:cNvSpPr>
-          <p:nvPr>
-            <p:ph idx="1"/>
-          </p:nvPr>
-        </p:nvSpPr>
-        <p:spPr>
-          <a:xfrm>
-            <a:off x="189412" y="1138631"/>
-            <a:ext cx="8503920" cy="5336087"/>
-          </a:xfrm>
-        </p:spPr>
-        <p:txBody>
-          <a:bodyPr>
-            <a:normAutofit fontScale="55000" lnSpcReduction="20000"/>
-          </a:bodyPr>
-          <a:lstStyle/>
-          <a:p>
-            <a:r>
-              <a:rPr lang="en-US" sz="3400" dirty="0">
-                <a:solidFill>
-                  <a:srgbClr val="102F4B"/>
-                </a:solidFill>
-              </a:rPr>
-              <a:t>Pros</a:t>
-            </a:r>
-          </a:p>
-          <a:p>
-            <a:pPr lvl="1"/>
-            <a:r>
-              <a:rPr lang="en-US" sz="3400" dirty="0">
-                <a:solidFill>
-                  <a:srgbClr val="102F4B"/>
-                </a:solidFill>
-              </a:rPr>
-              <a:t>No locks! So no thread sleep</a:t>
-            </a:r>
-          </a:p>
-          <a:p>
-            <a:pPr lvl="1"/>
-            <a:r>
-              <a:rPr lang="en-US" sz="3400" dirty="0">
-                <a:solidFill>
-                  <a:srgbClr val="102F4B"/>
-                </a:solidFill>
-              </a:rPr>
-              <a:t>Ability to use pools for actions that don’t modify state</a:t>
-            </a:r>
-          </a:p>
-          <a:p>
-            <a:pPr lvl="1"/>
-            <a:r>
-              <a:rPr lang="en-US" sz="3400" dirty="0">
-                <a:solidFill>
-                  <a:srgbClr val="102F4B"/>
-                </a:solidFill>
-              </a:rPr>
-              <a:t>Completely non-blocking communication between actors</a:t>
-            </a:r>
-          </a:p>
-          <a:p>
-            <a:pPr lvl="1"/>
-            <a:r>
-              <a:rPr lang="en-US" sz="3400" dirty="0">
-                <a:solidFill>
-                  <a:srgbClr val="102F4B"/>
-                </a:solidFill>
-              </a:rPr>
-              <a:t>Modeling mimics real life: actor has one job and does one task at a time</a:t>
-            </a:r>
-          </a:p>
-          <a:p>
-            <a:pPr lvl="1"/>
-            <a:r>
-              <a:rPr lang="en-US" sz="3400" dirty="0">
-                <a:solidFill>
-                  <a:srgbClr val="102F4B"/>
-                </a:solidFill>
-              </a:rPr>
-              <a:t>Delegation- delegate tasks to children to allow for concurrent processing, fault tolerance, </a:t>
-            </a:r>
-            <a:r>
-              <a:rPr lang="en-US" sz="3400" dirty="0" err="1">
-                <a:solidFill>
-                  <a:srgbClr val="102F4B"/>
-                </a:solidFill>
-              </a:rPr>
-              <a:t>etc</a:t>
-            </a:r>
-            <a:endParaRPr lang="en-US" sz="3400" dirty="0">
-              <a:solidFill>
-                <a:srgbClr val="102F4B"/>
-              </a:solidFill>
-            </a:endParaRPr>
-          </a:p>
-          <a:p>
-            <a:pPr lvl="1"/>
-            <a:r>
-              <a:rPr lang="en-US" sz="3400" dirty="0">
-                <a:solidFill>
-                  <a:srgbClr val="102F4B"/>
-                </a:solidFill>
-              </a:rPr>
-              <a:t>Supervision- parent handles faults in child (can restart, stop, resume, </a:t>
-            </a:r>
-            <a:r>
-              <a:rPr lang="en-US" sz="3400" dirty="0" err="1">
-                <a:solidFill>
-                  <a:srgbClr val="102F4B"/>
-                </a:solidFill>
-              </a:rPr>
-              <a:t>etc</a:t>
-            </a:r>
-            <a:r>
-              <a:rPr lang="en-US" sz="3400" dirty="0">
-                <a:solidFill>
-                  <a:srgbClr val="102F4B"/>
-                </a:solidFill>
-              </a:rPr>
-              <a:t>)</a:t>
-            </a:r>
-          </a:p>
-          <a:p>
-            <a:pPr lvl="1"/>
-            <a:r>
-              <a:rPr lang="en-US" sz="3400" dirty="0">
-                <a:solidFill>
-                  <a:srgbClr val="102F4B"/>
-                </a:solidFill>
-              </a:rPr>
-              <a:t>Very loose coupling, messages are strongly typed, </a:t>
-            </a:r>
-            <a:r>
-              <a:rPr lang="en-US" sz="3400" dirty="0" smtClean="0">
-                <a:solidFill>
-                  <a:srgbClr val="102F4B"/>
-                </a:solidFill>
-              </a:rPr>
-              <a:t>methods </a:t>
-            </a:r>
-            <a:r>
-              <a:rPr lang="en-US" sz="3400" dirty="0">
-                <a:solidFill>
-                  <a:srgbClr val="102F4B"/>
-                </a:solidFill>
-              </a:rPr>
-              <a:t>aren’t</a:t>
-            </a:r>
-          </a:p>
-          <a:p>
-            <a:pPr lvl="1"/>
-            <a:r>
-              <a:rPr lang="en-US" sz="3400" dirty="0">
-                <a:solidFill>
-                  <a:srgbClr val="102F4B"/>
-                </a:solidFill>
-              </a:rPr>
-              <a:t>Functional: new functions are new </a:t>
-            </a:r>
-            <a:r>
-              <a:rPr lang="en-US" sz="3400" dirty="0" smtClean="0">
-                <a:solidFill>
-                  <a:srgbClr val="102F4B"/>
-                </a:solidFill>
-              </a:rPr>
-              <a:t>actors, </a:t>
-            </a:r>
-            <a:r>
-              <a:rPr lang="en-US" sz="3400" dirty="0">
-                <a:solidFill>
-                  <a:srgbClr val="102F4B"/>
-                </a:solidFill>
-              </a:rPr>
-              <a:t>robust and easy to test</a:t>
-            </a:r>
-            <a:endParaRPr lang="en-US" dirty="0" smtClean="0">
-              <a:solidFill>
-                <a:srgbClr val="102F4B"/>
-              </a:solidFill>
-            </a:endParaRPr>
-          </a:p>
-          <a:p>
-            <a:r>
-              <a:rPr lang="en-US" sz="3500" dirty="0">
-                <a:solidFill>
-                  <a:srgbClr val="102F4B"/>
-                </a:solidFill>
-              </a:rPr>
-              <a:t>Cons</a:t>
-            </a:r>
-          </a:p>
-          <a:p>
-            <a:pPr lvl="1"/>
-            <a:r>
-              <a:rPr lang="en-US" sz="3500" dirty="0">
-                <a:solidFill>
-                  <a:srgbClr val="102F4B"/>
-                </a:solidFill>
-              </a:rPr>
-              <a:t>Design is extremely important</a:t>
-            </a:r>
-          </a:p>
-          <a:p>
-            <a:pPr lvl="1"/>
-            <a:r>
-              <a:rPr lang="en-US" sz="3500" dirty="0">
-                <a:solidFill>
-                  <a:srgbClr val="102F4B"/>
-                </a:solidFill>
-              </a:rPr>
-              <a:t>Resiliency, parallel processing, and supervision depend on </a:t>
-            </a:r>
-            <a:r>
-              <a:rPr lang="en-US" sz="3500" dirty="0" smtClean="0">
-                <a:solidFill>
-                  <a:srgbClr val="102F4B"/>
-                </a:solidFill>
-              </a:rPr>
-              <a:t>this design</a:t>
-            </a:r>
-            <a:endParaRPr lang="en-US" sz="3500" dirty="0">
-              <a:solidFill>
-                <a:srgbClr val="102F4B"/>
-              </a:solidFill>
-            </a:endParaRPr>
-          </a:p>
-          <a:p>
-            <a:pPr lvl="1"/>
-            <a:r>
-              <a:rPr lang="en-US" sz="3500" dirty="0">
-                <a:solidFill>
-                  <a:srgbClr val="102F4B"/>
-                </a:solidFill>
-              </a:rPr>
-              <a:t>Lack of typing for actor receive </a:t>
-            </a:r>
-            <a:r>
-              <a:rPr lang="en-US" sz="3500" dirty="0" smtClean="0">
-                <a:solidFill>
-                  <a:srgbClr val="102F4B"/>
-                </a:solidFill>
-              </a:rPr>
-              <a:t>method (which handles all messages)</a:t>
-            </a:r>
-            <a:endParaRPr lang="en-US" sz="3500" dirty="0">
-              <a:solidFill>
-                <a:srgbClr val="102F4B"/>
-              </a:solidFill>
-            </a:endParaRPr>
-          </a:p>
-          <a:p>
-            <a:pPr lvl="1"/>
-            <a:r>
-              <a:rPr lang="en-US" sz="3500" dirty="0" smtClean="0">
-                <a:solidFill>
-                  <a:srgbClr val="102F4B"/>
-                </a:solidFill>
-              </a:rPr>
-              <a:t>So a </a:t>
-            </a:r>
-            <a:r>
-              <a:rPr lang="en-US" sz="3500" dirty="0">
-                <a:solidFill>
-                  <a:srgbClr val="102F4B"/>
-                </a:solidFill>
-              </a:rPr>
-              <a:t>message can be any object- scary for Java guys</a:t>
-            </a:r>
-          </a:p>
-          <a:p>
-            <a:pPr lvl="1"/>
-            <a:r>
-              <a:rPr lang="en-US" sz="3500" dirty="0">
-                <a:solidFill>
-                  <a:srgbClr val="102F4B"/>
-                </a:solidFill>
-              </a:rPr>
-              <a:t>Single threading for mutable </a:t>
-            </a:r>
-            <a:r>
-              <a:rPr lang="en-US" sz="3500" dirty="0" smtClean="0">
-                <a:solidFill>
-                  <a:srgbClr val="102F4B"/>
-                </a:solidFill>
-              </a:rPr>
-              <a:t>state, challenging to multithread in this case</a:t>
-            </a:r>
-            <a:endParaRPr lang="en-US" sz="3500" dirty="0">
-              <a:solidFill>
-                <a:srgbClr val="102F4B"/>
-              </a:solidFill>
-            </a:endParaRPr>
-          </a:p>
-          <a:p>
-            <a:pPr lvl="2"/>
-            <a:r>
-              <a:rPr lang="en-US" sz="3100" dirty="0" smtClean="0">
-                <a:solidFill>
-                  <a:srgbClr val="102F4B"/>
-                </a:solidFill>
-              </a:rPr>
-              <a:t>Solved with </a:t>
-            </a:r>
-            <a:r>
-              <a:rPr lang="en-US" sz="3100" dirty="0" err="1" smtClean="0">
-                <a:solidFill>
-                  <a:srgbClr val="102F4B"/>
-                </a:solidFill>
-              </a:rPr>
-              <a:t>sharding</a:t>
-            </a:r>
-            <a:r>
-              <a:rPr lang="en-US" sz="3100" dirty="0">
-                <a:solidFill>
-                  <a:srgbClr val="102F4B"/>
-                </a:solidFill>
-              </a:rPr>
-              <a:t> (actor per id), not </a:t>
-            </a:r>
-            <a:r>
-              <a:rPr lang="en-US" sz="3100" dirty="0" smtClean="0">
-                <a:solidFill>
-                  <a:srgbClr val="102F4B"/>
-                </a:solidFill>
-              </a:rPr>
-              <a:t>with multiple writers</a:t>
-            </a:r>
-            <a:endParaRPr lang="en-US" sz="3100" dirty="0">
-              <a:solidFill>
-                <a:srgbClr val="102F4B"/>
-              </a:solidFill>
-            </a:endParaRPr>
-          </a:p>
-        </p:txBody>
-      </p:sp>
-    </p:spTree>
-    <p:extLst>
-      <p:ext uri="{BB962C8B-B14F-4D97-AF65-F5344CB8AC3E}">
-        <p14:creationId xmlns:p14="http://schemas.microsoft.com/office/powerpoint/2010/main" val="2611307453"/>
-      </p:ext>
-    </p:extLst>
-  </p:cSld>
-  <p:clrMapOvr>
-    <a:masterClrMapping/>
-  </p:clrMapOvr>
-  <p:timing>
-    <p:tnLst>
-      <p:par>
-        <p:cTn xmlns:p14="http://schemas.microsoft.com/office/powerpoint/2010/main" id="1" dur="indefinite" restart="never" nodeType="tmRoot"/>
-      </p:par>
-    </p:tnLst>
-  </p:timing>
-</p:sld>
-</file>
-
-<file path=ppt/slides/slide9.xml><?xml version="1.0" encoding="utf-8"?>
 <p:sld xmlns:a="http://schemas.openxmlformats.org/drawingml/2006/main" xmlns:r="http://schemas.openxmlformats.org/officeDocument/2006/relationships" xmlns:p="http://schemas.openxmlformats.org/presentationml/2006/main">
   <p:cSld>
     <p:spTree>
@@ -8340,6 +6782,564 @@
     <p:extLst>
       <p:ext uri="{BB962C8B-B14F-4D97-AF65-F5344CB8AC3E}">
         <p14:creationId xmlns:p14="http://schemas.microsoft.com/office/powerpoint/2010/main" val="2439165064"/>
+      </p:ext>
+    </p:extLst>
+  </p:cSld>
+  <p:clrMapOvr>
+    <a:masterClrMapping/>
+  </p:clrMapOvr>
+  <p:timing>
+    <p:tnLst>
+      <p:par>
+        <p:cTn xmlns:p14="http://schemas.microsoft.com/office/powerpoint/2010/main" id="1" dur="indefinite" restart="never" nodeType="tmRoot"/>
+      </p:par>
+    </p:tnLst>
+  </p:timing>
+</p:sld>
+</file>
+
+<file path=ppt/slides/slide9.xml><?xml version="1.0" encoding="utf-8"?>
+<p:sld xmlns:a="http://schemas.openxmlformats.org/drawingml/2006/main" xmlns:r="http://schemas.openxmlformats.org/officeDocument/2006/relationships" xmlns:p="http://schemas.openxmlformats.org/presentationml/2006/main">
+  <p:cSld>
+    <p:spTree>
+      <p:nvGrpSpPr>
+        <p:cNvPr id="1" name=""/>
+        <p:cNvGrpSpPr/>
+        <p:nvPr/>
+      </p:nvGrpSpPr>
+      <p:grpSpPr>
+        <a:xfrm>
+          <a:off x="0" y="0"/>
+          <a:ext cx="0" cy="0"/>
+          <a:chOff x="0" y="0"/>
+          <a:chExt cx="0" cy="0"/>
+        </a:xfrm>
+      </p:grpSpPr>
+      <p:sp>
+        <p:nvSpPr>
+          <p:cNvPr id="4" name="Rectangle 3"/>
+          <p:cNvSpPr/>
+          <p:nvPr/>
+        </p:nvSpPr>
+        <p:spPr>
+          <a:xfrm>
+            <a:off x="0" y="0"/>
+            <a:ext cx="9144000" cy="964642"/>
+          </a:xfrm>
+          <a:prstGeom prst="rect">
+            <a:avLst/>
+          </a:prstGeom>
+          <a:solidFill>
+            <a:srgbClr val="102F4B"/>
+          </a:solidFill>
+          <a:ln>
+            <a:noFill/>
+          </a:ln>
+        </p:spPr>
+        <p:style>
+          <a:lnRef idx="1">
+            <a:schemeClr val="accent1"/>
+          </a:lnRef>
+          <a:fillRef idx="3">
+            <a:schemeClr val="accent1"/>
+          </a:fillRef>
+          <a:effectRef idx="2">
+            <a:schemeClr val="accent1"/>
+          </a:effectRef>
+          <a:fontRef idx="minor">
+            <a:schemeClr val="lt1"/>
+          </a:fontRef>
+        </p:style>
+        <p:txBody>
+          <a:bodyPr rtlCol="0" anchor="ctr"/>
+          <a:lstStyle/>
+          <a:p>
+            <a:r>
+              <a:rPr lang="en-US" sz="4800" dirty="0">
+                <a:solidFill>
+                  <a:srgbClr val="FFFFFF"/>
+                </a:solidFill>
+              </a:rPr>
+              <a:t>DevOps</a:t>
+            </a:r>
+          </a:p>
+        </p:txBody>
+      </p:sp>
+      <p:pic>
+        <p:nvPicPr>
+          <p:cNvPr id="5" name="Picture 4"/>
+          <p:cNvPicPr>
+            <a:picLocks noChangeAspect="1"/>
+          </p:cNvPicPr>
+          <p:nvPr/>
+        </p:nvPicPr>
+        <p:blipFill>
+          <a:blip r:embed="rId3"/>
+          <a:stretch>
+            <a:fillRect/>
+          </a:stretch>
+        </p:blipFill>
+        <p:spPr>
+          <a:xfrm>
+            <a:off x="427268" y="6118657"/>
+            <a:ext cx="529526" cy="356061"/>
+          </a:xfrm>
+          <a:prstGeom prst="rect">
+            <a:avLst/>
+          </a:prstGeom>
+        </p:spPr>
+      </p:pic>
+      <p:sp>
+        <p:nvSpPr>
+          <p:cNvPr id="6" name="Content Placeholder 2"/>
+          <p:cNvSpPr>
+            <a:spLocks noGrp="1"/>
+          </p:cNvSpPr>
+          <p:nvPr>
+            <p:ph idx="1"/>
+          </p:nvPr>
+        </p:nvSpPr>
+        <p:spPr>
+          <a:xfrm>
+            <a:off x="166914" y="1135742"/>
+            <a:ext cx="4114800" cy="4700392"/>
+          </a:xfrm>
+        </p:spPr>
+        <p:txBody>
+          <a:bodyPr>
+            <a:normAutofit fontScale="70000" lnSpcReduction="20000"/>
+          </a:bodyPr>
+          <a:lstStyle/>
+          <a:p>
+            <a:r>
+              <a:rPr lang="en-US" dirty="0" smtClean="0">
+                <a:solidFill>
+                  <a:srgbClr val="102F4B"/>
+                </a:solidFill>
+              </a:rPr>
+              <a:t>At HBC we are using </a:t>
+            </a:r>
+          </a:p>
+          <a:p>
+            <a:pPr lvl="1"/>
+            <a:r>
+              <a:rPr lang="en-US" dirty="0" smtClean="0">
+                <a:solidFill>
+                  <a:srgbClr val="102F4B"/>
+                </a:solidFill>
+              </a:rPr>
+              <a:t>Kitchen (testing)</a:t>
+            </a:r>
+          </a:p>
+          <a:p>
+            <a:pPr lvl="1"/>
+            <a:r>
+              <a:rPr lang="en-US" dirty="0" smtClean="0">
+                <a:solidFill>
+                  <a:srgbClr val="102F4B"/>
+                </a:solidFill>
+              </a:rPr>
+              <a:t>Vagrant (virtual machines)</a:t>
+            </a:r>
+          </a:p>
+          <a:p>
+            <a:pPr lvl="1"/>
+            <a:r>
+              <a:rPr lang="en-US" dirty="0" smtClean="0">
+                <a:solidFill>
+                  <a:srgbClr val="102F4B"/>
+                </a:solidFill>
+              </a:rPr>
+              <a:t>Puppet (provisioning)</a:t>
+            </a:r>
+          </a:p>
+          <a:p>
+            <a:pPr lvl="1"/>
+            <a:r>
+              <a:rPr lang="en-US" dirty="0" smtClean="0">
+                <a:solidFill>
+                  <a:srgbClr val="102F4B"/>
+                </a:solidFill>
+              </a:rPr>
+              <a:t>Librarian Puppet (more provisioning)</a:t>
+            </a:r>
+          </a:p>
+          <a:p>
+            <a:pPr lvl="1"/>
+            <a:r>
+              <a:rPr lang="en-US" dirty="0" err="1" smtClean="0">
+                <a:solidFill>
+                  <a:srgbClr val="102F4B"/>
+                </a:solidFill>
+              </a:rPr>
+              <a:t>Docker</a:t>
+            </a:r>
+            <a:r>
+              <a:rPr lang="en-US" dirty="0" smtClean="0">
+                <a:solidFill>
+                  <a:srgbClr val="102F4B"/>
+                </a:solidFill>
+              </a:rPr>
+              <a:t> (containers)</a:t>
+            </a:r>
+          </a:p>
+          <a:p>
+            <a:pPr marL="457200" lvl="1" indent="0">
+              <a:buNone/>
+            </a:pPr>
+            <a:endParaRPr lang="en-US" dirty="0" smtClean="0">
+              <a:solidFill>
+                <a:srgbClr val="102F4B"/>
+              </a:solidFill>
+            </a:endParaRPr>
+          </a:p>
+          <a:p>
+            <a:r>
+              <a:rPr lang="en-US" dirty="0" smtClean="0">
+                <a:solidFill>
+                  <a:srgbClr val="102F4B"/>
+                </a:solidFill>
+              </a:rPr>
+              <a:t>We practice Infrastructure as code</a:t>
+            </a:r>
+          </a:p>
+          <a:p>
+            <a:pPr lvl="1"/>
+            <a:r>
+              <a:rPr lang="en-US" dirty="0" smtClean="0">
+                <a:solidFill>
+                  <a:srgbClr val="102F4B"/>
+                </a:solidFill>
+              </a:rPr>
+              <a:t>versioning </a:t>
+            </a:r>
+          </a:p>
+          <a:p>
+            <a:pPr lvl="1"/>
+            <a:r>
+              <a:rPr lang="en-US" dirty="0" smtClean="0">
+                <a:solidFill>
+                  <a:srgbClr val="102F4B"/>
+                </a:solidFill>
+              </a:rPr>
+              <a:t>pull requests </a:t>
+            </a:r>
+          </a:p>
+          <a:p>
+            <a:pPr lvl="1"/>
+            <a:r>
+              <a:rPr lang="en-US" dirty="0" smtClean="0">
+                <a:solidFill>
+                  <a:srgbClr val="102F4B"/>
+                </a:solidFill>
+              </a:rPr>
+              <a:t>code review </a:t>
+            </a:r>
+          </a:p>
+          <a:p>
+            <a:pPr lvl="1"/>
+            <a:r>
+              <a:rPr lang="en-US" dirty="0" smtClean="0">
+                <a:solidFill>
+                  <a:srgbClr val="102F4B"/>
+                </a:solidFill>
+              </a:rPr>
+              <a:t>regression testing</a:t>
+            </a:r>
+          </a:p>
+          <a:p>
+            <a:pPr lvl="1"/>
+            <a:r>
+              <a:rPr lang="en-US" dirty="0" smtClean="0">
+                <a:solidFill>
+                  <a:srgbClr val="102F4B"/>
+                </a:solidFill>
+              </a:rPr>
+              <a:t>reproducibility</a:t>
+            </a:r>
+            <a:endParaRPr lang="en-US" dirty="0">
+              <a:solidFill>
+                <a:srgbClr val="102F4B"/>
+              </a:solidFill>
+            </a:endParaRPr>
+          </a:p>
+        </p:txBody>
+      </p:sp>
+      <p:sp>
+        <p:nvSpPr>
+          <p:cNvPr id="7" name="TextBox 6"/>
+          <p:cNvSpPr txBox="1"/>
+          <p:nvPr/>
+        </p:nvSpPr>
+        <p:spPr>
+          <a:xfrm>
+            <a:off x="4659682" y="1167416"/>
+            <a:ext cx="4176470" cy="4376583"/>
+          </a:xfrm>
+          <a:prstGeom prst="rect">
+            <a:avLst/>
+          </a:prstGeom>
+          <a:noFill/>
+        </p:spPr>
+        <p:txBody>
+          <a:bodyPr wrap="square" rtlCol="0">
+            <a:spAutoFit/>
+          </a:bodyPr>
+          <a:lstStyle/>
+          <a:p>
+            <a:pPr marL="342900" lvl="1" indent="-342900" defTabSz="914400">
+              <a:lnSpc>
+                <a:spcPct val="80000"/>
+              </a:lnSpc>
+              <a:spcBef>
+                <a:spcPct val="20000"/>
+              </a:spcBef>
+              <a:buFont typeface="Arial" panose="020B0604020202020204" pitchFamily="34" charset="0"/>
+              <a:buChar char="•"/>
+            </a:pPr>
+            <a:r>
+              <a:rPr lang="en-US" sz="2200" dirty="0">
+                <a:solidFill>
+                  <a:srgbClr val="102F4B"/>
+                </a:solidFill>
+              </a:rPr>
+              <a:t>Linux base box</a:t>
+            </a:r>
+          </a:p>
+          <a:p>
+            <a:pPr marL="342900" lvl="1" indent="-342900" defTabSz="914400">
+              <a:lnSpc>
+                <a:spcPct val="80000"/>
+              </a:lnSpc>
+              <a:spcBef>
+                <a:spcPct val="20000"/>
+              </a:spcBef>
+              <a:buFont typeface="Arial" panose="020B0604020202020204" pitchFamily="34" charset="0"/>
+              <a:buChar char="•"/>
+            </a:pPr>
+            <a:r>
+              <a:rPr lang="en-US" sz="2200" dirty="0">
+                <a:solidFill>
+                  <a:srgbClr val="102F4B"/>
+                </a:solidFill>
+              </a:rPr>
+              <a:t>Puppet Librarian </a:t>
+            </a:r>
+          </a:p>
+          <a:p>
+            <a:pPr marL="742950" lvl="1" indent="-285750" defTabSz="914400">
+              <a:lnSpc>
+                <a:spcPct val="80000"/>
+              </a:lnSpc>
+              <a:spcBef>
+                <a:spcPct val="20000"/>
+              </a:spcBef>
+              <a:buFont typeface="Arial" panose="020B0604020202020204" pitchFamily="34" charset="0"/>
+              <a:buChar char="–"/>
+            </a:pPr>
+            <a:r>
+              <a:rPr lang="en-US" sz="2000" dirty="0">
+                <a:solidFill>
+                  <a:srgbClr val="102F4B"/>
+                </a:solidFill>
+              </a:rPr>
+              <a:t>to source modules for SBT, Java, MongoDB, and </a:t>
+            </a:r>
+            <a:r>
+              <a:rPr lang="en-US" sz="2000" dirty="0" err="1">
+                <a:solidFill>
+                  <a:srgbClr val="102F4B"/>
+                </a:solidFill>
+              </a:rPr>
+              <a:t>Docker</a:t>
+            </a:r>
+            <a:r>
+              <a:rPr lang="en-US" sz="2000" dirty="0">
+                <a:solidFill>
+                  <a:srgbClr val="102F4B"/>
+                </a:solidFill>
+              </a:rPr>
+              <a:t> </a:t>
+            </a:r>
+          </a:p>
+          <a:p>
+            <a:pPr marL="742950" lvl="1" indent="-285750" defTabSz="914400">
+              <a:lnSpc>
+                <a:spcPct val="80000"/>
+              </a:lnSpc>
+              <a:spcBef>
+                <a:spcPct val="20000"/>
+              </a:spcBef>
+              <a:buFont typeface="Arial" panose="020B0604020202020204" pitchFamily="34" charset="0"/>
+              <a:buChar char="–"/>
+            </a:pPr>
+            <a:r>
+              <a:rPr lang="en-US" sz="2000" dirty="0">
+                <a:solidFill>
+                  <a:srgbClr val="102F4B"/>
+                </a:solidFill>
+              </a:rPr>
+              <a:t>Installed in my base box (provision)</a:t>
+            </a:r>
+          </a:p>
+          <a:p>
+            <a:pPr marL="742950" lvl="1" indent="-285750" defTabSz="914400">
+              <a:lnSpc>
+                <a:spcPct val="80000"/>
+              </a:lnSpc>
+              <a:spcBef>
+                <a:spcPct val="20000"/>
+              </a:spcBef>
+              <a:buFont typeface="Arial" panose="020B0604020202020204" pitchFamily="34" charset="0"/>
+              <a:buChar char="–"/>
+            </a:pPr>
+            <a:r>
+              <a:rPr lang="en-US" sz="2000" dirty="0">
+                <a:solidFill>
+                  <a:srgbClr val="102F4B"/>
+                </a:solidFill>
+              </a:rPr>
+              <a:t>spin up and deploy a </a:t>
+            </a:r>
+            <a:r>
+              <a:rPr lang="en-US" sz="2000" dirty="0" err="1">
+                <a:solidFill>
+                  <a:srgbClr val="102F4B"/>
+                </a:solidFill>
+              </a:rPr>
+              <a:t>Docker</a:t>
+            </a:r>
+            <a:r>
+              <a:rPr lang="en-US" sz="2000" dirty="0">
+                <a:solidFill>
+                  <a:srgbClr val="102F4B"/>
+                </a:solidFill>
+              </a:rPr>
+              <a:t> container running </a:t>
+            </a:r>
+            <a:r>
+              <a:rPr lang="en-US" sz="2000" dirty="0" err="1">
+                <a:solidFill>
+                  <a:srgbClr val="102F4B"/>
+                </a:solidFill>
+              </a:rPr>
+              <a:t>StatsD</a:t>
+            </a:r>
+            <a:r>
+              <a:rPr lang="en-US" sz="2000" dirty="0">
+                <a:solidFill>
+                  <a:srgbClr val="102F4B"/>
+                </a:solidFill>
+              </a:rPr>
+              <a:t> and </a:t>
+            </a:r>
+            <a:r>
+              <a:rPr lang="en-US" sz="2000" dirty="0" smtClean="0">
+                <a:solidFill>
+                  <a:srgbClr val="102F4B"/>
+                </a:solidFill>
+              </a:rPr>
+              <a:t>Graphite</a:t>
+            </a:r>
+          </a:p>
+          <a:p>
+            <a:pPr lvl="1" defTabSz="914400">
+              <a:lnSpc>
+                <a:spcPct val="80000"/>
+              </a:lnSpc>
+              <a:spcBef>
+                <a:spcPct val="20000"/>
+              </a:spcBef>
+            </a:pPr>
+            <a:endParaRPr lang="en-US" sz="2000" dirty="0">
+              <a:solidFill>
+                <a:srgbClr val="102F4B"/>
+              </a:solidFill>
+            </a:endParaRPr>
+          </a:p>
+          <a:p>
+            <a:pPr marL="342900" lvl="1" indent="-342900" defTabSz="914400">
+              <a:lnSpc>
+                <a:spcPct val="80000"/>
+              </a:lnSpc>
+              <a:spcBef>
+                <a:spcPct val="20000"/>
+              </a:spcBef>
+              <a:buFont typeface="Arial" panose="020B0604020202020204" pitchFamily="34" charset="0"/>
+              <a:buChar char="•"/>
+            </a:pPr>
+            <a:r>
+              <a:rPr lang="en-US" sz="2200" dirty="0" smtClean="0">
+                <a:solidFill>
+                  <a:srgbClr val="102F4B"/>
+                </a:solidFill>
+              </a:rPr>
+              <a:t>Run </a:t>
+            </a:r>
+            <a:r>
+              <a:rPr lang="en-US" sz="2200" dirty="0">
+                <a:solidFill>
+                  <a:srgbClr val="102F4B"/>
+                </a:solidFill>
+              </a:rPr>
+              <a:t>Play applications with SBT </a:t>
+            </a:r>
+            <a:r>
+              <a:rPr lang="en-US" sz="2200" dirty="0" smtClean="0">
+                <a:solidFill>
+                  <a:srgbClr val="102F4B"/>
+                </a:solidFill>
+              </a:rPr>
+              <a:t>and Java while running </a:t>
+            </a:r>
+            <a:r>
+              <a:rPr lang="en-US" sz="2200" dirty="0">
+                <a:solidFill>
+                  <a:srgbClr val="102F4B"/>
+                </a:solidFill>
+              </a:rPr>
+              <a:t>MongoDB, </a:t>
+            </a:r>
+            <a:r>
+              <a:rPr lang="en-US" sz="2200" dirty="0" err="1">
+                <a:solidFill>
+                  <a:srgbClr val="102F4B"/>
+                </a:solidFill>
+              </a:rPr>
+              <a:t>StatsD</a:t>
+            </a:r>
+            <a:r>
+              <a:rPr lang="en-US" sz="2200" dirty="0">
+                <a:solidFill>
+                  <a:srgbClr val="102F4B"/>
+                </a:solidFill>
+              </a:rPr>
+              <a:t>, and Graphite instances ready to use.</a:t>
+            </a:r>
+          </a:p>
+          <a:p>
+            <a:pPr marL="742950" lvl="1" indent="-285750" defTabSz="914400">
+              <a:lnSpc>
+                <a:spcPct val="80000"/>
+              </a:lnSpc>
+              <a:spcBef>
+                <a:spcPct val="20000"/>
+              </a:spcBef>
+              <a:buFont typeface="Arial" panose="020B0604020202020204" pitchFamily="34" charset="0"/>
+              <a:buChar char="–"/>
+            </a:pPr>
+            <a:endParaRPr lang="en-US" sz="2000" dirty="0">
+              <a:solidFill>
+                <a:srgbClr val="102F4B"/>
+              </a:solidFill>
+            </a:endParaRPr>
+          </a:p>
+        </p:txBody>
+      </p:sp>
+    </p:spTree>
+    <p:extLst>
+      <p:ext uri="{BB962C8B-B14F-4D97-AF65-F5344CB8AC3E}">
+        <p14:creationId xmlns:p14="http://schemas.microsoft.com/office/powerpoint/2010/main" val="896646896"/>
       </p:ext>
     </p:extLst>
   </p:cSld>

--- a/React Vs Shared State Deck.pptx
+++ b/React Vs Shared State Deck.pptx
@@ -5,7 +5,7 @@
     <p:sldMasterId id="2147483962" r:id="rId1"/>
   </p:sldMasterIdLst>
   <p:notesMasterIdLst>
-    <p:notesMasterId r:id="rId13"/>
+    <p:notesMasterId r:id="rId17"/>
   </p:notesMasterIdLst>
   <p:sldIdLst>
     <p:sldId id="256" r:id="rId2"/>
@@ -17,8 +17,12 @@
     <p:sldId id="276" r:id="rId8"/>
     <p:sldId id="280" r:id="rId9"/>
     <p:sldId id="279" r:id="rId10"/>
-    <p:sldId id="278" r:id="rId11"/>
-    <p:sldId id="282" r:id="rId12"/>
+    <p:sldId id="283" r:id="rId11"/>
+    <p:sldId id="284" r:id="rId12"/>
+    <p:sldId id="285" r:id="rId13"/>
+    <p:sldId id="286" r:id="rId14"/>
+    <p:sldId id="278" r:id="rId15"/>
+    <p:sldId id="282" r:id="rId16"/>
   </p:sldIdLst>
   <p:sldSz cx="9144000" cy="6858000" type="screen4x3"/>
   <p:notesSz cx="7010400" cy="9296400"/>
@@ -202,7 +206,7 @@
           <a:p>
             <a:fld id="{AA264099-19E7-294B-9293-3A85FEE5B6C7}" type="datetimeFigureOut">
               <a:rPr lang="en-US" smtClean="0"/>
-              <a:t>6/15/15</a:t>
+              <a:t>6/16/15</a:t>
             </a:fld>
             <a:endParaRPr lang="en-US"/>
           </a:p>
@@ -852,7 +856,7 @@
             <a:fld id="{04AF466F-BDA4-4F18-9C7B-FF0A9A1B0E80}" type="datetime1">
               <a:rPr lang="en-US" smtClean="0"/>
               <a:pPr/>
-              <a:t>6/15/15</a:t>
+              <a:t>6/16/15</a:t>
             </a:fld>
             <a:endParaRPr lang="en-US"/>
           </a:p>
@@ -1024,7 +1028,7 @@
             <a:fld id="{58FB4290-6522-4139-852E-05BD9E7F0D2E}" type="datetime1">
               <a:rPr lang="en-US" smtClean="0"/>
               <a:pPr/>
-              <a:t>6/15/15</a:t>
+              <a:t>6/16/15</a:t>
             </a:fld>
             <a:endParaRPr lang="en-US"/>
           </a:p>
@@ -1206,7 +1210,7 @@
             <a:fld id="{AAB955F9-81EA-47C5-8059-9E5C2B437C70}" type="datetime1">
               <a:rPr lang="en-US" smtClean="0"/>
               <a:pPr/>
-              <a:t>6/15/15</a:t>
+              <a:t>6/16/15</a:t>
             </a:fld>
             <a:endParaRPr lang="en-US"/>
           </a:p>
@@ -1378,7 +1382,7 @@
             <a:fld id="{1CEF607B-A47E-422C-9BEF-122CCDB7C526}" type="datetime1">
               <a:rPr lang="en-US" smtClean="0"/>
               <a:pPr/>
-              <a:t>6/15/15</a:t>
+              <a:t>6/16/15</a:t>
             </a:fld>
             <a:endParaRPr lang="en-US"/>
           </a:p>
@@ -1626,7 +1630,7 @@
             <a:fld id="{63A9A7CB-BEE6-4F99-898E-913F06E8E125}" type="datetime1">
               <a:rPr lang="en-US" smtClean="0"/>
               <a:pPr/>
-              <a:t>6/15/15</a:t>
+              <a:t>6/16/15</a:t>
             </a:fld>
             <a:endParaRPr lang="en-US"/>
           </a:p>
@@ -1916,7 +1920,7 @@
             <a:fld id="{B6EE300C-6FC5-4FC3-AF1A-075E4F50620D}" type="datetime1">
               <a:rPr lang="en-US" smtClean="0"/>
               <a:pPr/>
-              <a:t>6/15/15</a:t>
+              <a:t>6/16/15</a:t>
             </a:fld>
             <a:endParaRPr lang="en-US"/>
           </a:p>
@@ -2340,7 +2344,7 @@
             <a:fld id="{F50D295D-4A77-4DEB-B04C-9F4282A8BC04}" type="datetime1">
               <a:rPr lang="en-US" smtClean="0"/>
               <a:pPr/>
-              <a:t>6/15/15</a:t>
+              <a:t>6/16/15</a:t>
             </a:fld>
             <a:endParaRPr lang="en-US"/>
           </a:p>
@@ -2460,7 +2464,7 @@
             <a:fld id="{02B28685-4D0C-42D5-8013-B5904CD1FCBC}" type="datetime1">
               <a:rPr lang="en-US" smtClean="0"/>
               <a:pPr/>
-              <a:t>6/15/15</a:t>
+              <a:t>6/16/15</a:t>
             </a:fld>
             <a:endParaRPr lang="en-US"/>
           </a:p>
@@ -2557,7 +2561,7 @@
             <a:fld id="{FDF226C0-9885-4BA9-BBFA-A52CBFEBB775}" type="datetime1">
               <a:rPr lang="en-US" smtClean="0"/>
               <a:pPr/>
-              <a:t>6/15/15</a:t>
+              <a:t>6/16/15</a:t>
             </a:fld>
             <a:endParaRPr lang="en-US"/>
           </a:p>
@@ -2836,7 +2840,7 @@
             <a:fld id="{EBEE1B38-C5EB-4D66-9137-0AFE9CDEDE8F}" type="datetime1">
               <a:rPr lang="en-US" smtClean="0"/>
               <a:pPr/>
-              <a:t>6/15/15</a:t>
+              <a:t>6/16/15</a:t>
             </a:fld>
             <a:endParaRPr lang="en-US"/>
           </a:p>
@@ -3091,7 +3095,7 @@
             <a:fld id="{327B613C-1AD7-49D3-885D-F654C5CDBAA6}" type="datetime1">
               <a:rPr lang="en-US" smtClean="0"/>
               <a:pPr/>
-              <a:t>6/15/15</a:t>
+              <a:t>6/16/15</a:t>
             </a:fld>
             <a:endParaRPr lang="en-US" dirty="0"/>
           </a:p>
@@ -3306,7 +3310,7 @@
             <a:fld id="{327B613C-1AD7-49D3-885D-F654C5CDBAA6}" type="datetime1">
               <a:rPr lang="en-US" smtClean="0"/>
               <a:pPr/>
-              <a:t>6/15/15</a:t>
+              <a:t>6/16/15</a:t>
             </a:fld>
             <a:endParaRPr lang="en-US" dirty="0"/>
           </a:p>
@@ -3995,6 +3999,2634 @@
           <a:lstStyle/>
           <a:p>
             <a:r>
+              <a:rPr lang="en-US" sz="4200" dirty="0" smtClean="0">
+                <a:solidFill>
+                  <a:srgbClr val="FFFFFF"/>
+                </a:solidFill>
+              </a:rPr>
+              <a:t>Inventory Applications- Shared Elements</a:t>
+            </a:r>
+            <a:endParaRPr lang="en-US" sz="4200" dirty="0">
+              <a:solidFill>
+                <a:srgbClr val="FFFFFF"/>
+              </a:solidFill>
+            </a:endParaRPr>
+          </a:p>
+        </p:txBody>
+      </p:sp>
+      <p:pic>
+        <p:nvPicPr>
+          <p:cNvPr id="5" name="Picture 4"/>
+          <p:cNvPicPr>
+            <a:picLocks noChangeAspect="1"/>
+          </p:cNvPicPr>
+          <p:nvPr/>
+        </p:nvPicPr>
+        <p:blipFill>
+          <a:blip r:embed="rId2"/>
+          <a:stretch>
+            <a:fillRect/>
+          </a:stretch>
+        </p:blipFill>
+        <p:spPr>
+          <a:xfrm>
+            <a:off x="427268" y="6118657"/>
+            <a:ext cx="529526" cy="356061"/>
+          </a:xfrm>
+          <a:prstGeom prst="rect">
+            <a:avLst/>
+          </a:prstGeom>
+        </p:spPr>
+      </p:pic>
+      <p:sp>
+        <p:nvSpPr>
+          <p:cNvPr id="7" name="Content Placeholder 2"/>
+          <p:cNvSpPr>
+            <a:spLocks noGrp="1"/>
+          </p:cNvSpPr>
+          <p:nvPr>
+            <p:ph idx="1"/>
+          </p:nvPr>
+        </p:nvSpPr>
+        <p:spPr>
+          <a:xfrm>
+            <a:off x="0" y="1202687"/>
+            <a:ext cx="9144000" cy="5447831"/>
+          </a:xfrm>
+        </p:spPr>
+        <p:txBody>
+          <a:bodyPr>
+            <a:normAutofit/>
+          </a:bodyPr>
+          <a:lstStyle/>
+          <a:p>
+            <a:pPr lvl="0"/>
+            <a:r>
+              <a:rPr lang="en-US" sz="2400" dirty="0" smtClean="0"/>
+              <a:t>Play</a:t>
+            </a:r>
+            <a:r>
+              <a:rPr lang="en-US" sz="2400" dirty="0"/>
+              <a:t> </a:t>
+            </a:r>
+            <a:r>
+              <a:rPr lang="en-US" sz="2400" dirty="0" smtClean="0"/>
+              <a:t>web framework</a:t>
+            </a:r>
+            <a:endParaRPr lang="en-US" sz="2400" dirty="0"/>
+          </a:p>
+          <a:p>
+            <a:pPr lvl="1"/>
+            <a:r>
+              <a:rPr lang="en-US" sz="2000" dirty="0"/>
+              <a:t>Built on </a:t>
+            </a:r>
+            <a:r>
+              <a:rPr lang="en-US" sz="2000" dirty="0" err="1"/>
+              <a:t>Akka</a:t>
+            </a:r>
+            <a:endParaRPr lang="en-US" sz="2000" dirty="0"/>
+          </a:p>
+          <a:p>
+            <a:pPr lvl="1"/>
+            <a:r>
+              <a:rPr lang="en-US" sz="2000" dirty="0" err="1" smtClean="0"/>
+              <a:t>Netty</a:t>
+            </a:r>
+            <a:r>
+              <a:rPr lang="en-US" sz="2000" dirty="0"/>
+              <a:t>, a non-blocking I/O client-server framework (Originally developed by </a:t>
+            </a:r>
+            <a:r>
+              <a:rPr lang="en-US" sz="2000" dirty="0" err="1"/>
+              <a:t>JBoss</a:t>
+            </a:r>
+            <a:r>
+              <a:rPr lang="en-US" sz="2000" dirty="0"/>
+              <a:t>)</a:t>
+            </a:r>
+          </a:p>
+          <a:p>
+            <a:pPr lvl="1"/>
+            <a:r>
+              <a:rPr lang="en-US" sz="2000" dirty="0" smtClean="0"/>
+              <a:t>Incorporates logging </a:t>
+            </a:r>
+            <a:r>
+              <a:rPr lang="en-US" sz="2000" dirty="0"/>
+              <a:t>and configuration management</a:t>
+            </a:r>
+          </a:p>
+          <a:p>
+            <a:pPr lvl="0"/>
+            <a:r>
+              <a:rPr lang="en-US" sz="2400" dirty="0" smtClean="0"/>
+              <a:t>Reactive </a:t>
+            </a:r>
+            <a:r>
+              <a:rPr lang="en-US" sz="2400" dirty="0"/>
+              <a:t>mongo</a:t>
+            </a:r>
+          </a:p>
+          <a:p>
+            <a:pPr lvl="1"/>
+            <a:r>
+              <a:rPr lang="en-US" sz="2000" dirty="0" smtClean="0"/>
+              <a:t>Non-</a:t>
+            </a:r>
+            <a:r>
+              <a:rPr lang="en-US" sz="2000" dirty="0"/>
+              <a:t>blocking, asynchronous driver built on </a:t>
+            </a:r>
+            <a:r>
+              <a:rPr lang="en-US" sz="2000" dirty="0" err="1"/>
+              <a:t>Akka</a:t>
+            </a:r>
+            <a:r>
+              <a:rPr lang="en-US" sz="2000" dirty="0"/>
+              <a:t> Streams.</a:t>
+            </a:r>
+          </a:p>
+          <a:p>
+            <a:pPr lvl="1"/>
+            <a:r>
+              <a:rPr lang="en-US" sz="2000" dirty="0" smtClean="0"/>
+              <a:t>Database ops return an immediately future and (may) eventually complete</a:t>
+            </a:r>
+          </a:p>
+          <a:p>
+            <a:r>
+              <a:rPr lang="en-US" sz="2400" dirty="0" smtClean="0"/>
+              <a:t>Metrics</a:t>
+            </a:r>
+            <a:endParaRPr lang="en-US" sz="2400" dirty="0"/>
+          </a:p>
+          <a:p>
+            <a:pPr lvl="1"/>
+            <a:r>
+              <a:rPr lang="en-US" sz="2000" dirty="0" err="1" smtClean="0"/>
+              <a:t>StatsD</a:t>
+            </a:r>
+            <a:r>
+              <a:rPr lang="en-US" sz="2000" dirty="0" smtClean="0"/>
+              <a:t> (aggregator</a:t>
+            </a:r>
+            <a:r>
+              <a:rPr lang="en-US" sz="2000" dirty="0"/>
+              <a:t>)</a:t>
+            </a:r>
+            <a:r>
+              <a:rPr lang="en-US" sz="2000" dirty="0" smtClean="0"/>
+              <a:t> Data received via one-way </a:t>
+            </a:r>
+            <a:r>
+              <a:rPr lang="en-US" sz="2000" dirty="0" err="1" smtClean="0"/>
+              <a:t>udp</a:t>
+            </a:r>
+            <a:r>
+              <a:rPr lang="en-US" sz="2000" dirty="0" smtClean="0"/>
+              <a:t> protocol, sends to Graphite</a:t>
+            </a:r>
+            <a:endParaRPr lang="en-US" sz="2000" dirty="0"/>
+          </a:p>
+          <a:p>
+            <a:pPr lvl="1"/>
+            <a:r>
+              <a:rPr lang="en-US" sz="2000" dirty="0" smtClean="0"/>
+              <a:t>Graphite- Dashboard web application</a:t>
+            </a:r>
+          </a:p>
+        </p:txBody>
+      </p:sp>
+    </p:spTree>
+    <p:extLst>
+      <p:ext uri="{BB962C8B-B14F-4D97-AF65-F5344CB8AC3E}">
+        <p14:creationId xmlns:p14="http://schemas.microsoft.com/office/powerpoint/2010/main" val="4233678259"/>
+      </p:ext>
+    </p:extLst>
+  </p:cSld>
+  <p:clrMapOvr>
+    <a:masterClrMapping/>
+  </p:clrMapOvr>
+  <p:timing>
+    <p:tnLst>
+      <p:par>
+        <p:cTn xmlns:p14="http://schemas.microsoft.com/office/powerpoint/2010/main" id="1" dur="indefinite" restart="never" nodeType="tmRoot"/>
+      </p:par>
+    </p:tnLst>
+  </p:timing>
+</p:sld>
+</file>
+
+<file path=ppt/slides/slide11.xml><?xml version="1.0" encoding="utf-8"?>
+<p:sld xmlns:a="http://schemas.openxmlformats.org/drawingml/2006/main" xmlns:r="http://schemas.openxmlformats.org/officeDocument/2006/relationships" xmlns:p="http://schemas.openxmlformats.org/presentationml/2006/main">
+  <p:cSld>
+    <p:spTree>
+      <p:nvGrpSpPr>
+        <p:cNvPr id="1" name=""/>
+        <p:cNvGrpSpPr/>
+        <p:nvPr/>
+      </p:nvGrpSpPr>
+      <p:grpSpPr>
+        <a:xfrm>
+          <a:off x="0" y="0"/>
+          <a:ext cx="0" cy="0"/>
+          <a:chOff x="0" y="0"/>
+          <a:chExt cx="0" cy="0"/>
+        </a:xfrm>
+      </p:grpSpPr>
+      <p:sp>
+        <p:nvSpPr>
+          <p:cNvPr id="4" name="Rectangle 3"/>
+          <p:cNvSpPr/>
+          <p:nvPr/>
+        </p:nvSpPr>
+        <p:spPr>
+          <a:xfrm>
+            <a:off x="0" y="0"/>
+            <a:ext cx="9144000" cy="964642"/>
+          </a:xfrm>
+          <a:prstGeom prst="rect">
+            <a:avLst/>
+          </a:prstGeom>
+          <a:solidFill>
+            <a:srgbClr val="102F4B"/>
+          </a:solidFill>
+          <a:ln>
+            <a:noFill/>
+          </a:ln>
+        </p:spPr>
+        <p:style>
+          <a:lnRef idx="1">
+            <a:schemeClr val="accent1"/>
+          </a:lnRef>
+          <a:fillRef idx="3">
+            <a:schemeClr val="accent1"/>
+          </a:fillRef>
+          <a:effectRef idx="2">
+            <a:schemeClr val="accent1"/>
+          </a:effectRef>
+          <a:fontRef idx="minor">
+            <a:schemeClr val="lt1"/>
+          </a:fontRef>
+        </p:style>
+        <p:txBody>
+          <a:bodyPr rtlCol="0" anchor="ctr"/>
+          <a:lstStyle/>
+          <a:p>
+            <a:r>
+              <a:rPr lang="en-US" sz="4500" dirty="0" smtClean="0">
+                <a:solidFill>
+                  <a:srgbClr val="FFFFFF"/>
+                </a:solidFill>
+              </a:rPr>
+              <a:t>Shared-State Inventory Application</a:t>
+            </a:r>
+            <a:endParaRPr lang="en-US" sz="4500" dirty="0">
+              <a:solidFill>
+                <a:srgbClr val="FFFFFF"/>
+              </a:solidFill>
+            </a:endParaRPr>
+          </a:p>
+        </p:txBody>
+      </p:sp>
+      <p:pic>
+        <p:nvPicPr>
+          <p:cNvPr id="5" name="Picture 4"/>
+          <p:cNvPicPr>
+            <a:picLocks noChangeAspect="1"/>
+          </p:cNvPicPr>
+          <p:nvPr/>
+        </p:nvPicPr>
+        <p:blipFill>
+          <a:blip r:embed="rId2"/>
+          <a:stretch>
+            <a:fillRect/>
+          </a:stretch>
+        </p:blipFill>
+        <p:spPr>
+          <a:xfrm>
+            <a:off x="427268" y="6118657"/>
+            <a:ext cx="529526" cy="356061"/>
+          </a:xfrm>
+          <a:prstGeom prst="rect">
+            <a:avLst/>
+          </a:prstGeom>
+        </p:spPr>
+      </p:pic>
+      <p:sp>
+        <p:nvSpPr>
+          <p:cNvPr id="7" name="Content Placeholder 2"/>
+          <p:cNvSpPr>
+            <a:spLocks noGrp="1"/>
+          </p:cNvSpPr>
+          <p:nvPr>
+            <p:ph idx="1"/>
+          </p:nvPr>
+        </p:nvSpPr>
+        <p:spPr>
+          <a:xfrm>
+            <a:off x="0" y="1202687"/>
+            <a:ext cx="9144000" cy="5272031"/>
+          </a:xfrm>
+        </p:spPr>
+        <p:txBody>
+          <a:bodyPr>
+            <a:normAutofit fontScale="92500" lnSpcReduction="20000"/>
+          </a:bodyPr>
+          <a:lstStyle/>
+          <a:p>
+            <a:pPr lvl="0"/>
+            <a:r>
+              <a:rPr lang="en-US" dirty="0" smtClean="0"/>
+              <a:t>Application controller</a:t>
+            </a:r>
+          </a:p>
+          <a:p>
+            <a:pPr lvl="1"/>
+            <a:r>
+              <a:rPr lang="en-US" sz="2400" dirty="0" err="1" smtClean="0"/>
+              <a:t>TrieMap</a:t>
+            </a:r>
+            <a:r>
+              <a:rPr lang="en-US" sz="2400" dirty="0" smtClean="0"/>
+              <a:t> of </a:t>
+            </a:r>
+            <a:r>
+              <a:rPr lang="en-US" sz="2400" dirty="0" err="1" smtClean="0"/>
+              <a:t>InventoryQuantity</a:t>
+            </a:r>
+            <a:r>
+              <a:rPr lang="en-US" sz="2400" dirty="0" smtClean="0"/>
+              <a:t> instances keyed to product </a:t>
+            </a:r>
+            <a:r>
+              <a:rPr lang="en-US" sz="2400" dirty="0" err="1" smtClean="0"/>
+              <a:t>sku</a:t>
+            </a:r>
+            <a:r>
+              <a:rPr lang="en-US" sz="2400" dirty="0" smtClean="0"/>
+              <a:t> (id)</a:t>
+            </a:r>
+          </a:p>
+          <a:p>
+            <a:pPr marL="914400" lvl="2" indent="0">
+              <a:buNone/>
+            </a:pPr>
+            <a:r>
+              <a:rPr lang="en-US" sz="2000" dirty="0" err="1" smtClean="0">
+                <a:solidFill>
+                  <a:srgbClr val="3366FF"/>
+                </a:solidFill>
+              </a:rPr>
+              <a:t>val</a:t>
+            </a:r>
+            <a:r>
+              <a:rPr lang="en-US" sz="2000" dirty="0" smtClean="0">
+                <a:solidFill>
+                  <a:srgbClr val="3366FF"/>
+                </a:solidFill>
+              </a:rPr>
+              <a:t> </a:t>
+            </a:r>
+            <a:r>
+              <a:rPr lang="en-US" sz="2000" dirty="0">
+                <a:solidFill>
+                  <a:srgbClr val="3366FF"/>
+                </a:solidFill>
+              </a:rPr>
+              <a:t>inventory = </a:t>
+            </a:r>
+            <a:r>
+              <a:rPr lang="en-US" sz="2000" dirty="0" err="1">
+                <a:solidFill>
+                  <a:srgbClr val="3366FF"/>
+                </a:solidFill>
+              </a:rPr>
+              <a:t>TrieMap</a:t>
+            </a:r>
+            <a:r>
+              <a:rPr lang="en-US" sz="2000" dirty="0">
+                <a:solidFill>
+                  <a:srgbClr val="3366FF"/>
+                </a:solidFill>
+              </a:rPr>
+              <a:t>[String, </a:t>
+            </a:r>
+            <a:r>
+              <a:rPr lang="en-US" sz="2000" dirty="0" err="1">
+                <a:solidFill>
+                  <a:srgbClr val="3366FF"/>
+                </a:solidFill>
+              </a:rPr>
+              <a:t>InventoryQuantity</a:t>
+            </a:r>
+            <a:r>
+              <a:rPr lang="en-US" sz="2000" dirty="0">
+                <a:solidFill>
+                  <a:srgbClr val="3366FF"/>
+                </a:solidFill>
+              </a:rPr>
+              <a:t>](</a:t>
+            </a:r>
+            <a:r>
+              <a:rPr lang="en-US" sz="2000" dirty="0" smtClean="0">
+                <a:solidFill>
+                  <a:srgbClr val="3366FF"/>
+                </a:solidFill>
+              </a:rPr>
+              <a:t>)</a:t>
+            </a:r>
+            <a:endParaRPr lang="en-US" sz="2000" dirty="0">
+              <a:solidFill>
+                <a:srgbClr val="3366FF"/>
+              </a:solidFill>
+            </a:endParaRPr>
+          </a:p>
+          <a:p>
+            <a:pPr marL="914400" lvl="2" indent="0">
+              <a:buNone/>
+            </a:pPr>
+            <a:r>
+              <a:rPr lang="en-US" sz="2000" dirty="0" err="1" smtClean="0">
+                <a:solidFill>
+                  <a:srgbClr val="3366FF"/>
+                </a:solidFill>
+              </a:rPr>
+              <a:t>val</a:t>
+            </a:r>
+            <a:r>
+              <a:rPr lang="en-US" sz="2000" dirty="0" smtClean="0">
+                <a:solidFill>
+                  <a:srgbClr val="3366FF"/>
+                </a:solidFill>
+              </a:rPr>
+              <a:t> </a:t>
+            </a:r>
+            <a:r>
+              <a:rPr lang="en-US" sz="2000" dirty="0">
+                <a:solidFill>
+                  <a:srgbClr val="3366FF"/>
+                </a:solidFill>
+              </a:rPr>
+              <a:t>r = </a:t>
+            </a:r>
+            <a:r>
+              <a:rPr lang="en-US" sz="2000" dirty="0" err="1">
+                <a:solidFill>
+                  <a:srgbClr val="3366FF"/>
+                </a:solidFill>
+              </a:rPr>
+              <a:t>scala.util.Random</a:t>
+            </a:r>
+            <a:endParaRPr lang="en-US" sz="2000" dirty="0">
+              <a:solidFill>
+                <a:srgbClr val="3366FF"/>
+              </a:solidFill>
+            </a:endParaRPr>
+          </a:p>
+          <a:p>
+            <a:pPr marL="914400" lvl="2" indent="0">
+              <a:buNone/>
+            </a:pPr>
+            <a:r>
+              <a:rPr lang="en-US" sz="2000" dirty="0" smtClean="0">
+                <a:solidFill>
+                  <a:srgbClr val="3366FF"/>
+                </a:solidFill>
+              </a:rPr>
+              <a:t>for </a:t>
+            </a:r>
+            <a:r>
+              <a:rPr lang="en-US" sz="2000" dirty="0">
+                <a:solidFill>
+                  <a:srgbClr val="3366FF"/>
+                </a:solidFill>
+              </a:rPr>
+              <a:t>(</a:t>
+            </a:r>
+            <a:r>
+              <a:rPr lang="en-US" sz="2000" dirty="0" err="1">
+                <a:solidFill>
+                  <a:srgbClr val="3366FF"/>
+                </a:solidFill>
+              </a:rPr>
+              <a:t>sku</a:t>
+            </a:r>
+            <a:r>
+              <a:rPr lang="en-US" sz="2000" dirty="0">
+                <a:solidFill>
+                  <a:srgbClr val="3366FF"/>
+                </a:solidFill>
+              </a:rPr>
+              <a:t> &lt;- 1 to 100) {</a:t>
+            </a:r>
+          </a:p>
+          <a:p>
+            <a:pPr marL="914400" lvl="2" indent="0">
+              <a:buNone/>
+            </a:pPr>
+            <a:r>
+              <a:rPr lang="en-US" sz="2000" dirty="0">
+                <a:solidFill>
+                  <a:srgbClr val="3366FF"/>
+                </a:solidFill>
+              </a:rPr>
+              <a:t>    </a:t>
+            </a:r>
+            <a:r>
+              <a:rPr lang="en-US" sz="2000" dirty="0" err="1">
+                <a:solidFill>
+                  <a:srgbClr val="3366FF"/>
+                </a:solidFill>
+              </a:rPr>
+              <a:t>val</a:t>
+            </a:r>
+            <a:r>
+              <a:rPr lang="en-US" sz="2000" dirty="0">
+                <a:solidFill>
+                  <a:srgbClr val="3366FF"/>
+                </a:solidFill>
+              </a:rPr>
+              <a:t> quantity = </a:t>
+            </a:r>
+            <a:r>
+              <a:rPr lang="en-US" sz="2000" dirty="0" err="1">
+                <a:solidFill>
+                  <a:srgbClr val="3366FF"/>
+                </a:solidFill>
+              </a:rPr>
+              <a:t>r.nextInt</a:t>
+            </a:r>
+            <a:r>
+              <a:rPr lang="en-US" sz="2000" dirty="0">
+                <a:solidFill>
+                  <a:srgbClr val="3366FF"/>
+                </a:solidFill>
+              </a:rPr>
+              <a:t>(10000) + 10000</a:t>
+            </a:r>
+          </a:p>
+          <a:p>
+            <a:pPr marL="914400" lvl="2" indent="0">
+              <a:buNone/>
+            </a:pPr>
+            <a:r>
+              <a:rPr lang="en-US" sz="2000" dirty="0">
+                <a:solidFill>
+                  <a:srgbClr val="3366FF"/>
+                </a:solidFill>
+              </a:rPr>
+              <a:t>    </a:t>
+            </a:r>
+            <a:r>
+              <a:rPr lang="en-US" sz="2000" dirty="0" err="1">
+                <a:solidFill>
+                  <a:srgbClr val="3366FF"/>
+                </a:solidFill>
+              </a:rPr>
+              <a:t>inventory.put</a:t>
+            </a:r>
+            <a:r>
+              <a:rPr lang="en-US" sz="2000" dirty="0">
+                <a:solidFill>
+                  <a:srgbClr val="3366FF"/>
+                </a:solidFill>
+              </a:rPr>
+              <a:t>(</a:t>
+            </a:r>
+            <a:r>
+              <a:rPr lang="en-US" sz="2000" dirty="0" err="1">
+                <a:solidFill>
+                  <a:srgbClr val="3366FF"/>
+                </a:solidFill>
+              </a:rPr>
+              <a:t>sku.toString</a:t>
+            </a:r>
+            <a:r>
+              <a:rPr lang="en-US" sz="2000" dirty="0">
+                <a:solidFill>
+                  <a:srgbClr val="3366FF"/>
+                </a:solidFill>
+              </a:rPr>
+              <a:t>, new </a:t>
+            </a:r>
+            <a:r>
+              <a:rPr lang="en-US" sz="2000" dirty="0" err="1">
+                <a:solidFill>
+                  <a:srgbClr val="3366FF"/>
+                </a:solidFill>
+              </a:rPr>
+              <a:t>InventoryQuantity</a:t>
+            </a:r>
+            <a:r>
+              <a:rPr lang="en-US" sz="2000" dirty="0">
+                <a:solidFill>
+                  <a:srgbClr val="3366FF"/>
+                </a:solidFill>
+              </a:rPr>
+              <a:t>(quantity))</a:t>
+            </a:r>
+          </a:p>
+          <a:p>
+            <a:pPr marL="914400" lvl="2" indent="0">
+              <a:buNone/>
+            </a:pPr>
+            <a:r>
+              <a:rPr lang="en-US" sz="2000" dirty="0">
+                <a:solidFill>
+                  <a:srgbClr val="3366FF"/>
+                </a:solidFill>
+              </a:rPr>
+              <a:t>    </a:t>
+            </a:r>
+            <a:r>
+              <a:rPr lang="en-US" sz="2000" dirty="0" err="1">
+                <a:solidFill>
+                  <a:srgbClr val="3366FF"/>
+                </a:solidFill>
+              </a:rPr>
+              <a:t>mongoRepo.setInventory</a:t>
+            </a:r>
+            <a:r>
+              <a:rPr lang="en-US" sz="2000" dirty="0">
+                <a:solidFill>
+                  <a:srgbClr val="3366FF"/>
+                </a:solidFill>
+              </a:rPr>
+              <a:t>(</a:t>
+            </a:r>
+            <a:r>
+              <a:rPr lang="en-US" sz="2000" dirty="0" err="1">
+                <a:solidFill>
+                  <a:srgbClr val="3366FF"/>
+                </a:solidFill>
+              </a:rPr>
+              <a:t>sku.toString</a:t>
+            </a:r>
+            <a:r>
+              <a:rPr lang="en-US" sz="2000" dirty="0">
+                <a:solidFill>
+                  <a:srgbClr val="3366FF"/>
+                </a:solidFill>
+              </a:rPr>
+              <a:t>, quantity)</a:t>
+            </a:r>
+          </a:p>
+          <a:p>
+            <a:pPr marL="914400" lvl="2" indent="0">
+              <a:buNone/>
+            </a:pPr>
+            <a:r>
+              <a:rPr lang="en-US" sz="2000" dirty="0">
+                <a:solidFill>
+                  <a:srgbClr val="3366FF"/>
+                </a:solidFill>
+              </a:rPr>
+              <a:t>  }</a:t>
+            </a:r>
+            <a:endParaRPr lang="en-US" sz="2000" dirty="0">
+              <a:solidFill>
+                <a:srgbClr val="3366FF"/>
+              </a:solidFill>
+            </a:endParaRPr>
+          </a:p>
+          <a:p>
+            <a:pPr lvl="1"/>
+            <a:r>
+              <a:rPr lang="en-US" dirty="0" smtClean="0"/>
+              <a:t>Handler methods</a:t>
+            </a:r>
+            <a:endParaRPr lang="en-US" sz="2400" dirty="0"/>
+          </a:p>
+          <a:p>
+            <a:pPr lvl="2"/>
+            <a:r>
+              <a:rPr lang="en-US" dirty="0" err="1" smtClean="0"/>
+              <a:t>getInventory</a:t>
+            </a:r>
+            <a:endParaRPr lang="en-US" dirty="0" smtClean="0"/>
+          </a:p>
+          <a:p>
+            <a:pPr lvl="2"/>
+            <a:r>
+              <a:rPr lang="en-US" dirty="0" err="1" smtClean="0"/>
+              <a:t>updateInventory</a:t>
+            </a:r>
+            <a:endParaRPr lang="en-US" dirty="0" smtClean="0"/>
+          </a:p>
+          <a:p>
+            <a:pPr lvl="3"/>
+            <a:r>
+              <a:rPr lang="en-US" dirty="0" smtClean="0"/>
+              <a:t>Persists </a:t>
+            </a:r>
+            <a:r>
+              <a:rPr lang="en-US" dirty="0"/>
+              <a:t>the new value to Mongo if quantity changes</a:t>
+            </a:r>
+            <a:endParaRPr lang="en-US" sz="1400" dirty="0"/>
+          </a:p>
+          <a:p>
+            <a:pPr lvl="1"/>
+            <a:r>
+              <a:rPr lang="en-US" dirty="0"/>
+              <a:t>Both handler methods respond to the request and then send out our metrics</a:t>
+            </a:r>
+            <a:r>
+              <a:rPr lang="en-US" dirty="0" smtClean="0"/>
+              <a:t>.</a:t>
+            </a:r>
+            <a:endParaRPr lang="en-US" sz="2400" dirty="0"/>
+          </a:p>
+        </p:txBody>
+      </p:sp>
+    </p:spTree>
+    <p:extLst>
+      <p:ext uri="{BB962C8B-B14F-4D97-AF65-F5344CB8AC3E}">
+        <p14:creationId xmlns:p14="http://schemas.microsoft.com/office/powerpoint/2010/main" val="1489369934"/>
+      </p:ext>
+    </p:extLst>
+  </p:cSld>
+  <p:clrMapOvr>
+    <a:masterClrMapping/>
+  </p:clrMapOvr>
+  <p:timing>
+    <p:tnLst>
+      <p:par>
+        <p:cTn xmlns:p14="http://schemas.microsoft.com/office/powerpoint/2010/main" id="1" dur="indefinite" restart="never" nodeType="tmRoot"/>
+      </p:par>
+    </p:tnLst>
+  </p:timing>
+</p:sld>
+</file>
+
+<file path=ppt/slides/slide12.xml><?xml version="1.0" encoding="utf-8"?>
+<p:sld xmlns:a="http://schemas.openxmlformats.org/drawingml/2006/main" xmlns:r="http://schemas.openxmlformats.org/officeDocument/2006/relationships" xmlns:p="http://schemas.openxmlformats.org/presentationml/2006/main">
+  <p:cSld>
+    <p:spTree>
+      <p:nvGrpSpPr>
+        <p:cNvPr id="1" name=""/>
+        <p:cNvGrpSpPr/>
+        <p:nvPr/>
+      </p:nvGrpSpPr>
+      <p:grpSpPr>
+        <a:xfrm>
+          <a:off x="0" y="0"/>
+          <a:ext cx="0" cy="0"/>
+          <a:chOff x="0" y="0"/>
+          <a:chExt cx="0" cy="0"/>
+        </a:xfrm>
+      </p:grpSpPr>
+      <p:sp>
+        <p:nvSpPr>
+          <p:cNvPr id="4" name="Rectangle 3"/>
+          <p:cNvSpPr/>
+          <p:nvPr/>
+        </p:nvSpPr>
+        <p:spPr>
+          <a:xfrm>
+            <a:off x="0" y="0"/>
+            <a:ext cx="9144000" cy="964642"/>
+          </a:xfrm>
+          <a:prstGeom prst="rect">
+            <a:avLst/>
+          </a:prstGeom>
+          <a:solidFill>
+            <a:srgbClr val="102F4B"/>
+          </a:solidFill>
+          <a:ln>
+            <a:noFill/>
+          </a:ln>
+        </p:spPr>
+        <p:style>
+          <a:lnRef idx="1">
+            <a:schemeClr val="accent1"/>
+          </a:lnRef>
+          <a:fillRef idx="3">
+            <a:schemeClr val="accent1"/>
+          </a:fillRef>
+          <a:effectRef idx="2">
+            <a:schemeClr val="accent1"/>
+          </a:effectRef>
+          <a:fontRef idx="minor">
+            <a:schemeClr val="lt1"/>
+          </a:fontRef>
+        </p:style>
+        <p:txBody>
+          <a:bodyPr rtlCol="0" anchor="ctr"/>
+          <a:lstStyle/>
+          <a:p>
+            <a:r>
+              <a:rPr lang="en-US" sz="4400" dirty="0" smtClean="0">
+                <a:solidFill>
+                  <a:srgbClr val="FFFFFF"/>
+                </a:solidFill>
+              </a:rPr>
+              <a:t>Shared-State: </a:t>
+            </a:r>
+            <a:r>
+              <a:rPr lang="en-US" sz="4400" dirty="0" err="1" smtClean="0">
+                <a:solidFill>
+                  <a:srgbClr val="FFFFFF"/>
+                </a:solidFill>
+              </a:rPr>
+              <a:t>updateInventory</a:t>
+            </a:r>
+            <a:r>
+              <a:rPr lang="en-US" sz="4400" dirty="0" smtClean="0">
+                <a:solidFill>
+                  <a:srgbClr val="FFFFFF"/>
+                </a:solidFill>
+              </a:rPr>
+              <a:t> handler</a:t>
+            </a:r>
+            <a:endParaRPr lang="en-US" sz="4400" dirty="0">
+              <a:solidFill>
+                <a:srgbClr val="FFFFFF"/>
+              </a:solidFill>
+            </a:endParaRPr>
+          </a:p>
+        </p:txBody>
+      </p:sp>
+      <p:pic>
+        <p:nvPicPr>
+          <p:cNvPr id="5" name="Picture 4"/>
+          <p:cNvPicPr>
+            <a:picLocks noChangeAspect="1"/>
+          </p:cNvPicPr>
+          <p:nvPr/>
+        </p:nvPicPr>
+        <p:blipFill>
+          <a:blip r:embed="rId2"/>
+          <a:stretch>
+            <a:fillRect/>
+          </a:stretch>
+        </p:blipFill>
+        <p:spPr>
+          <a:xfrm>
+            <a:off x="427268" y="6118657"/>
+            <a:ext cx="529526" cy="356061"/>
+          </a:xfrm>
+          <a:prstGeom prst="rect">
+            <a:avLst/>
+          </a:prstGeom>
+        </p:spPr>
+      </p:pic>
+      <p:sp>
+        <p:nvSpPr>
+          <p:cNvPr id="7" name="Content Placeholder 2"/>
+          <p:cNvSpPr>
+            <a:spLocks noGrp="1"/>
+          </p:cNvSpPr>
+          <p:nvPr>
+            <p:ph idx="1"/>
+          </p:nvPr>
+        </p:nvSpPr>
+        <p:spPr>
+          <a:xfrm>
+            <a:off x="0" y="964643"/>
+            <a:ext cx="9144000" cy="5685876"/>
+          </a:xfrm>
+        </p:spPr>
+        <p:txBody>
+          <a:bodyPr>
+            <a:normAutofit fontScale="47500" lnSpcReduction="20000"/>
+          </a:bodyPr>
+          <a:lstStyle/>
+          <a:p>
+            <a:pPr marL="0" lvl="0" indent="0">
+              <a:buNone/>
+            </a:pPr>
+            <a:r>
+              <a:rPr lang="en-US" sz="2400" dirty="0">
+                <a:solidFill>
+                  <a:srgbClr val="0000FF"/>
+                </a:solidFill>
+              </a:rPr>
+              <a:t> </a:t>
+            </a:r>
+            <a:r>
+              <a:rPr lang="en-US" sz="2400" dirty="0" err="1">
+                <a:solidFill>
+                  <a:srgbClr val="0000FF"/>
+                </a:solidFill>
+              </a:rPr>
+              <a:t>def</a:t>
+            </a:r>
+            <a:r>
+              <a:rPr lang="en-US" sz="2400" dirty="0">
+                <a:solidFill>
+                  <a:srgbClr val="0000FF"/>
+                </a:solidFill>
+              </a:rPr>
+              <a:t> </a:t>
+            </a:r>
+            <a:r>
+              <a:rPr lang="en-US" sz="2400" dirty="0" err="1">
+                <a:solidFill>
+                  <a:srgbClr val="0000FF"/>
+                </a:solidFill>
+              </a:rPr>
+              <a:t>updateInventory</a:t>
+            </a:r>
+            <a:r>
+              <a:rPr lang="en-US" sz="2400" dirty="0">
+                <a:solidFill>
+                  <a:srgbClr val="0000FF"/>
+                </a:solidFill>
+              </a:rPr>
+              <a:t>(</a:t>
+            </a:r>
+            <a:r>
+              <a:rPr lang="en-US" sz="2400" dirty="0" err="1">
+                <a:solidFill>
+                  <a:srgbClr val="0000FF"/>
+                </a:solidFill>
+              </a:rPr>
+              <a:t>sku</a:t>
+            </a:r>
+            <a:r>
+              <a:rPr lang="en-US" sz="2400" dirty="0">
+                <a:solidFill>
+                  <a:srgbClr val="0000FF"/>
+                </a:solidFill>
+              </a:rPr>
+              <a:t>: String, </a:t>
+            </a:r>
+            <a:r>
+              <a:rPr lang="en-US" sz="2400" dirty="0" err="1">
+                <a:solidFill>
+                  <a:srgbClr val="0000FF"/>
+                </a:solidFill>
+              </a:rPr>
+              <a:t>quantityChange</a:t>
+            </a:r>
+            <a:r>
+              <a:rPr lang="en-US" sz="2400" dirty="0">
+                <a:solidFill>
+                  <a:srgbClr val="0000FF"/>
+                </a:solidFill>
+              </a:rPr>
+              <a:t>: </a:t>
+            </a:r>
+            <a:r>
+              <a:rPr lang="en-US" sz="2400" dirty="0" err="1">
+                <a:solidFill>
+                  <a:srgbClr val="0000FF"/>
+                </a:solidFill>
+              </a:rPr>
+              <a:t>Int</a:t>
+            </a:r>
+            <a:r>
+              <a:rPr lang="en-US" sz="2400" dirty="0">
+                <a:solidFill>
+                  <a:srgbClr val="0000FF"/>
+                </a:solidFill>
+              </a:rPr>
+              <a:t>) = </a:t>
+            </a:r>
+            <a:r>
+              <a:rPr lang="en-US" sz="2400" dirty="0" err="1">
+                <a:solidFill>
+                  <a:srgbClr val="0000FF"/>
+                </a:solidFill>
+              </a:rPr>
+              <a:t>Action.async</a:t>
+            </a:r>
+            <a:r>
+              <a:rPr lang="en-US" sz="2400" dirty="0">
+                <a:solidFill>
+                  <a:srgbClr val="0000FF"/>
+                </a:solidFill>
+              </a:rPr>
+              <a:t> ({</a:t>
+            </a:r>
+          </a:p>
+          <a:p>
+            <a:pPr marL="0" lvl="0" indent="0">
+              <a:buNone/>
+            </a:pPr>
+            <a:r>
+              <a:rPr lang="en-US" sz="2400" dirty="0">
+                <a:solidFill>
+                  <a:srgbClr val="0000FF"/>
+                </a:solidFill>
+              </a:rPr>
+              <a:t>    request =&gt;</a:t>
+            </a:r>
+          </a:p>
+          <a:p>
+            <a:pPr marL="0" lvl="0" indent="0">
+              <a:buNone/>
+            </a:pPr>
+            <a:r>
+              <a:rPr lang="en-US" sz="2400" dirty="0">
+                <a:solidFill>
+                  <a:srgbClr val="0000FF"/>
+                </a:solidFill>
+              </a:rPr>
+              <a:t>      </a:t>
+            </a:r>
+            <a:r>
+              <a:rPr lang="en-US" sz="2400" dirty="0" err="1">
+                <a:solidFill>
+                  <a:srgbClr val="0000FF"/>
+                </a:solidFill>
+              </a:rPr>
+              <a:t>val</a:t>
+            </a:r>
+            <a:r>
+              <a:rPr lang="en-US" sz="2400" dirty="0">
+                <a:solidFill>
+                  <a:srgbClr val="0000FF"/>
+                </a:solidFill>
+              </a:rPr>
+              <a:t> </a:t>
+            </a:r>
+            <a:r>
+              <a:rPr lang="en-US" sz="2400" dirty="0" err="1">
+                <a:solidFill>
+                  <a:srgbClr val="0000FF"/>
+                </a:solidFill>
+              </a:rPr>
+              <a:t>startTime</a:t>
+            </a:r>
+            <a:r>
+              <a:rPr lang="en-US" sz="2400" dirty="0">
+                <a:solidFill>
+                  <a:srgbClr val="0000FF"/>
+                </a:solidFill>
+              </a:rPr>
+              <a:t> = </a:t>
+            </a:r>
+            <a:r>
+              <a:rPr lang="en-US" sz="2400" dirty="0" err="1">
+                <a:solidFill>
+                  <a:srgbClr val="0000FF"/>
+                </a:solidFill>
+              </a:rPr>
+              <a:t>System.currentTimeMillis</a:t>
+            </a:r>
+            <a:endParaRPr lang="en-US" sz="2400" dirty="0">
+              <a:solidFill>
+                <a:srgbClr val="0000FF"/>
+              </a:solidFill>
+            </a:endParaRPr>
+          </a:p>
+          <a:p>
+            <a:pPr marL="0" lvl="0" indent="0">
+              <a:buNone/>
+            </a:pPr>
+            <a:r>
+              <a:rPr lang="en-US" sz="2400" dirty="0">
+                <a:solidFill>
+                  <a:srgbClr val="0000FF"/>
+                </a:solidFill>
+              </a:rPr>
+              <a:t>      </a:t>
+            </a:r>
+            <a:r>
+              <a:rPr lang="en-US" sz="2400" dirty="0" err="1">
+                <a:solidFill>
+                  <a:srgbClr val="0000FF"/>
+                </a:solidFill>
+              </a:rPr>
+              <a:t>val</a:t>
+            </a:r>
+            <a:r>
+              <a:rPr lang="en-US" sz="2400" dirty="0">
+                <a:solidFill>
+                  <a:srgbClr val="0000FF"/>
+                </a:solidFill>
+              </a:rPr>
+              <a:t> f = Future {</a:t>
+            </a:r>
+          </a:p>
+          <a:p>
+            <a:pPr marL="0" lvl="0" indent="0">
+              <a:buNone/>
+            </a:pPr>
+            <a:r>
+              <a:rPr lang="en-US" sz="2400" dirty="0">
+                <a:solidFill>
+                  <a:srgbClr val="0000FF"/>
+                </a:solidFill>
+              </a:rPr>
+              <a:t>        </a:t>
+            </a:r>
+            <a:r>
+              <a:rPr lang="en-US" sz="2400" dirty="0" err="1">
+                <a:solidFill>
+                  <a:srgbClr val="0000FF"/>
+                </a:solidFill>
+              </a:rPr>
+              <a:t>Logger.debug</a:t>
+            </a:r>
+            <a:r>
+              <a:rPr lang="en-US" sz="2400" dirty="0">
+                <a:solidFill>
+                  <a:srgbClr val="0000FF"/>
+                </a:solidFill>
+              </a:rPr>
+              <a:t>("update inventory called")</a:t>
+            </a:r>
+          </a:p>
+          <a:p>
+            <a:pPr marL="0" lvl="0" indent="0">
+              <a:buNone/>
+            </a:pPr>
+            <a:r>
+              <a:rPr lang="en-US" sz="2400" dirty="0">
+                <a:solidFill>
+                  <a:srgbClr val="0000FF"/>
+                </a:solidFill>
+              </a:rPr>
+              <a:t>        </a:t>
+            </a:r>
+            <a:r>
+              <a:rPr lang="en-US" sz="2400" dirty="0" err="1">
+                <a:solidFill>
+                  <a:srgbClr val="0000FF"/>
+                </a:solidFill>
+              </a:rPr>
+              <a:t>val</a:t>
+            </a:r>
+            <a:r>
+              <a:rPr lang="en-US" sz="2400" dirty="0">
+                <a:solidFill>
+                  <a:srgbClr val="0000FF"/>
+                </a:solidFill>
+              </a:rPr>
+              <a:t> </a:t>
+            </a:r>
+            <a:r>
+              <a:rPr lang="en-US" sz="2400" dirty="0" err="1">
+                <a:solidFill>
+                  <a:srgbClr val="0000FF"/>
+                </a:solidFill>
+              </a:rPr>
+              <a:t>skuInventoryOption</a:t>
+            </a:r>
+            <a:r>
+              <a:rPr lang="en-US" sz="2400" dirty="0">
+                <a:solidFill>
+                  <a:srgbClr val="0000FF"/>
+                </a:solidFill>
+              </a:rPr>
+              <a:t> = </a:t>
+            </a:r>
+            <a:r>
+              <a:rPr lang="en-US" sz="2400" dirty="0" err="1">
+                <a:solidFill>
+                  <a:srgbClr val="0000FF"/>
+                </a:solidFill>
+              </a:rPr>
+              <a:t>inventory.get</a:t>
+            </a:r>
+            <a:r>
+              <a:rPr lang="en-US" sz="2400" dirty="0">
+                <a:solidFill>
+                  <a:srgbClr val="0000FF"/>
+                </a:solidFill>
+              </a:rPr>
+              <a:t>(</a:t>
+            </a:r>
+            <a:r>
+              <a:rPr lang="en-US" sz="2400" dirty="0" err="1">
+                <a:solidFill>
+                  <a:srgbClr val="0000FF"/>
+                </a:solidFill>
+              </a:rPr>
+              <a:t>sku</a:t>
+            </a:r>
+            <a:r>
+              <a:rPr lang="en-US" sz="2400" dirty="0">
+                <a:solidFill>
+                  <a:srgbClr val="0000FF"/>
+                </a:solidFill>
+              </a:rPr>
+              <a:t>)</a:t>
+            </a:r>
+          </a:p>
+          <a:p>
+            <a:pPr marL="0" lvl="0" indent="0">
+              <a:buNone/>
+            </a:pPr>
+            <a:r>
+              <a:rPr lang="en-US" sz="2400" dirty="0">
+                <a:solidFill>
+                  <a:srgbClr val="0000FF"/>
+                </a:solidFill>
+              </a:rPr>
+              <a:t>        </a:t>
+            </a:r>
+            <a:r>
+              <a:rPr lang="en-US" sz="2400" dirty="0" err="1">
+                <a:solidFill>
+                  <a:srgbClr val="0000FF"/>
+                </a:solidFill>
+              </a:rPr>
+              <a:t>var</a:t>
+            </a:r>
+            <a:r>
+              <a:rPr lang="en-US" sz="2400" dirty="0">
+                <a:solidFill>
+                  <a:srgbClr val="0000FF"/>
+                </a:solidFill>
+              </a:rPr>
+              <a:t> result = </a:t>
+            </a:r>
+            <a:r>
+              <a:rPr lang="en-US" sz="2400" dirty="0" err="1">
+                <a:solidFill>
+                  <a:srgbClr val="0000FF"/>
+                </a:solidFill>
+              </a:rPr>
+              <a:t>NotFound</a:t>
+            </a:r>
+            <a:r>
+              <a:rPr lang="en-US" sz="2400" dirty="0">
+                <a:solidFill>
+                  <a:srgbClr val="0000FF"/>
+                </a:solidFill>
+              </a:rPr>
+              <a:t>(</a:t>
+            </a:r>
+            <a:r>
+              <a:rPr lang="en-US" sz="2400" dirty="0" err="1">
+                <a:solidFill>
+                  <a:srgbClr val="0000FF"/>
+                </a:solidFill>
+              </a:rPr>
+              <a:t>Json.toJson</a:t>
+            </a:r>
+            <a:r>
+              <a:rPr lang="en-US" sz="2400" dirty="0">
+                <a:solidFill>
+                  <a:srgbClr val="0000FF"/>
+                </a:solidFill>
+              </a:rPr>
+              <a:t>(</a:t>
+            </a:r>
+            <a:r>
+              <a:rPr lang="en-US" sz="2400" dirty="0" err="1">
+                <a:solidFill>
+                  <a:srgbClr val="0000FF"/>
+                </a:solidFill>
+              </a:rPr>
+              <a:t>InventoryResponseModel</a:t>
+            </a:r>
+            <a:r>
+              <a:rPr lang="en-US" sz="2400" dirty="0">
+                <a:solidFill>
+                  <a:srgbClr val="0000FF"/>
+                </a:solidFill>
+              </a:rPr>
+              <a:t>("update", </a:t>
+            </a:r>
+            <a:r>
+              <a:rPr lang="en-US" sz="2400" dirty="0" err="1">
+                <a:solidFill>
+                  <a:srgbClr val="0000FF"/>
+                </a:solidFill>
+              </a:rPr>
+              <a:t>sku</a:t>
+            </a:r>
+            <a:r>
+              <a:rPr lang="en-US" sz="2400" dirty="0">
+                <a:solidFill>
+                  <a:srgbClr val="0000FF"/>
+                </a:solidFill>
+              </a:rPr>
+              <a:t>, success = false, 0, "</a:t>
+            </a:r>
+            <a:r>
+              <a:rPr lang="en-US" sz="2400" dirty="0" err="1">
+                <a:solidFill>
+                  <a:srgbClr val="0000FF"/>
+                </a:solidFill>
+              </a:rPr>
+              <a:t>sku</a:t>
+            </a:r>
+            <a:r>
+              <a:rPr lang="en-US" sz="2400" dirty="0">
+                <a:solidFill>
+                  <a:srgbClr val="0000FF"/>
+                </a:solidFill>
+              </a:rPr>
+              <a:t> not found")))</a:t>
+            </a:r>
+          </a:p>
+          <a:p>
+            <a:pPr marL="0" lvl="0" indent="0">
+              <a:buNone/>
+            </a:pPr>
+            <a:r>
+              <a:rPr lang="en-US" sz="2400" dirty="0">
+                <a:solidFill>
+                  <a:srgbClr val="0000FF"/>
+                </a:solidFill>
+              </a:rPr>
+              <a:t>        </a:t>
+            </a:r>
+            <a:r>
+              <a:rPr lang="en-US" sz="2400" dirty="0" err="1">
+                <a:solidFill>
+                  <a:srgbClr val="0000FF"/>
+                </a:solidFill>
+              </a:rPr>
+              <a:t>skuInventoryOption</a:t>
+            </a:r>
+            <a:r>
+              <a:rPr lang="en-US" sz="2400" dirty="0">
+                <a:solidFill>
+                  <a:srgbClr val="0000FF"/>
+                </a:solidFill>
+              </a:rPr>
+              <a:t> match {</a:t>
+            </a:r>
+          </a:p>
+          <a:p>
+            <a:pPr marL="0" lvl="0" indent="0">
+              <a:buNone/>
+            </a:pPr>
+            <a:r>
+              <a:rPr lang="en-US" sz="2400" dirty="0">
+                <a:solidFill>
+                  <a:srgbClr val="0000FF"/>
+                </a:solidFill>
+              </a:rPr>
+              <a:t>          case Some(</a:t>
+            </a:r>
+            <a:r>
+              <a:rPr lang="en-US" sz="2400" dirty="0" err="1">
+                <a:solidFill>
+                  <a:srgbClr val="0000FF"/>
+                </a:solidFill>
+              </a:rPr>
+              <a:t>skuInventory</a:t>
+            </a:r>
+            <a:r>
+              <a:rPr lang="en-US" sz="2400" dirty="0">
+                <a:solidFill>
+                  <a:srgbClr val="0000FF"/>
+                </a:solidFill>
+              </a:rPr>
+              <a:t>) =&gt;</a:t>
+            </a:r>
+          </a:p>
+          <a:p>
+            <a:pPr marL="0" lvl="0" indent="0">
+              <a:buNone/>
+            </a:pPr>
+            <a:r>
+              <a:rPr lang="en-US" sz="2400" dirty="0">
+                <a:solidFill>
+                  <a:srgbClr val="0000FF"/>
+                </a:solidFill>
+              </a:rPr>
+              <a:t>            </a:t>
+            </a:r>
+            <a:r>
+              <a:rPr lang="en-US" sz="2400" dirty="0" err="1">
+                <a:solidFill>
+                  <a:srgbClr val="0000FF"/>
+                </a:solidFill>
+              </a:rPr>
+              <a:t>val</a:t>
+            </a:r>
+            <a:r>
+              <a:rPr lang="en-US" sz="2400" dirty="0">
+                <a:solidFill>
+                  <a:srgbClr val="0000FF"/>
+                </a:solidFill>
+              </a:rPr>
+              <a:t> response = </a:t>
+            </a:r>
+            <a:r>
+              <a:rPr lang="en-US" sz="2400" dirty="0" err="1">
+                <a:solidFill>
+                  <a:srgbClr val="0000FF"/>
+                </a:solidFill>
+              </a:rPr>
+              <a:t>skuInventory.updateQuantity</a:t>
+            </a:r>
+            <a:r>
+              <a:rPr lang="en-US" sz="2400" dirty="0">
+                <a:solidFill>
+                  <a:srgbClr val="0000FF"/>
+                </a:solidFill>
+              </a:rPr>
+              <a:t>(</a:t>
+            </a:r>
+            <a:r>
+              <a:rPr lang="en-US" sz="2400" dirty="0" err="1">
+                <a:solidFill>
+                  <a:srgbClr val="0000FF"/>
+                </a:solidFill>
+              </a:rPr>
+              <a:t>quantityChange</a:t>
+            </a:r>
+            <a:r>
+              <a:rPr lang="en-US" sz="2400" dirty="0">
+                <a:solidFill>
+                  <a:srgbClr val="0000FF"/>
+                </a:solidFill>
+              </a:rPr>
+              <a:t>)</a:t>
+            </a:r>
+          </a:p>
+          <a:p>
+            <a:pPr marL="0" lvl="0" indent="0">
+              <a:buNone/>
+            </a:pPr>
+            <a:r>
+              <a:rPr lang="en-US" sz="2400" dirty="0">
+                <a:solidFill>
+                  <a:srgbClr val="0000FF"/>
+                </a:solidFill>
+              </a:rPr>
+              <a:t>            result = Ok(</a:t>
+            </a:r>
+          </a:p>
+          <a:p>
+            <a:pPr marL="0" lvl="0" indent="0">
+              <a:buNone/>
+            </a:pPr>
+            <a:r>
+              <a:rPr lang="en-US" sz="2400" dirty="0">
+                <a:solidFill>
+                  <a:srgbClr val="0000FF"/>
+                </a:solidFill>
+              </a:rPr>
+              <a:t>              </a:t>
+            </a:r>
+            <a:r>
+              <a:rPr lang="en-US" sz="2400" dirty="0" err="1">
+                <a:solidFill>
+                  <a:srgbClr val="0000FF"/>
+                </a:solidFill>
+              </a:rPr>
+              <a:t>Json.toJson</a:t>
+            </a:r>
+            <a:r>
+              <a:rPr lang="en-US" sz="2400" dirty="0">
+                <a:solidFill>
+                  <a:srgbClr val="0000FF"/>
+                </a:solidFill>
+              </a:rPr>
+              <a:t>(</a:t>
+            </a:r>
+          </a:p>
+          <a:p>
+            <a:pPr marL="0" lvl="0" indent="0">
+              <a:buNone/>
+            </a:pPr>
+            <a:r>
+              <a:rPr lang="en-US" sz="2400" dirty="0">
+                <a:solidFill>
+                  <a:srgbClr val="0000FF"/>
+                </a:solidFill>
+              </a:rPr>
+              <a:t>                </a:t>
+            </a:r>
+            <a:r>
+              <a:rPr lang="en-US" sz="2400" dirty="0" err="1">
+                <a:solidFill>
+                  <a:srgbClr val="0000FF"/>
+                </a:solidFill>
+              </a:rPr>
+              <a:t>InventoryResponseModel</a:t>
+            </a:r>
+            <a:r>
+              <a:rPr lang="en-US" sz="2400" dirty="0">
+                <a:solidFill>
+                  <a:srgbClr val="0000FF"/>
+                </a:solidFill>
+              </a:rPr>
+              <a:t>(</a:t>
+            </a:r>
+          </a:p>
+          <a:p>
+            <a:pPr marL="0" lvl="0" indent="0">
+              <a:buNone/>
+            </a:pPr>
+            <a:r>
+              <a:rPr lang="en-US" sz="2400" dirty="0">
+                <a:solidFill>
+                  <a:srgbClr val="0000FF"/>
+                </a:solidFill>
+              </a:rPr>
+              <a:t>                  "update", </a:t>
+            </a:r>
+            <a:r>
+              <a:rPr lang="en-US" sz="2400" dirty="0" err="1">
+                <a:solidFill>
+                  <a:srgbClr val="0000FF"/>
+                </a:solidFill>
+              </a:rPr>
+              <a:t>sku</a:t>
+            </a:r>
+            <a:r>
+              <a:rPr lang="en-US" sz="2400" dirty="0">
+                <a:solidFill>
+                  <a:srgbClr val="0000FF"/>
+                </a:solidFill>
+              </a:rPr>
+              <a:t>, success = response._1, </a:t>
+            </a:r>
+            <a:r>
+              <a:rPr lang="en-US" sz="2400" dirty="0" err="1">
+                <a:solidFill>
+                  <a:srgbClr val="0000FF"/>
+                </a:solidFill>
+              </a:rPr>
+              <a:t>quantityChange</a:t>
+            </a:r>
+            <a:r>
+              <a:rPr lang="en-US" sz="2400" dirty="0">
+                <a:solidFill>
+                  <a:srgbClr val="0000FF"/>
+                </a:solidFill>
+              </a:rPr>
+              <a:t>, if (!response._1) </a:t>
+            </a:r>
+            <a:r>
+              <a:rPr lang="en-US" sz="2400" dirty="0" err="1">
+                <a:solidFill>
+                  <a:srgbClr val="0000FF"/>
+                </a:solidFill>
+              </a:rPr>
+              <a:t>s"Only</a:t>
+            </a:r>
+            <a:r>
+              <a:rPr lang="en-US" sz="2400" dirty="0">
+                <a:solidFill>
+                  <a:srgbClr val="0000FF"/>
+                </a:solidFill>
+              </a:rPr>
+              <a:t> ${response._2} left" else ""</a:t>
+            </a:r>
+          </a:p>
+          <a:p>
+            <a:pPr marL="0" lvl="0" indent="0">
+              <a:buNone/>
+            </a:pPr>
+            <a:r>
+              <a:rPr lang="en-US" sz="2400" dirty="0">
+                <a:solidFill>
+                  <a:srgbClr val="0000FF"/>
+                </a:solidFill>
+              </a:rPr>
+              <a:t>            )))</a:t>
+            </a:r>
+          </a:p>
+          <a:p>
+            <a:pPr marL="0" lvl="0" indent="0">
+              <a:buNone/>
+            </a:pPr>
+            <a:r>
+              <a:rPr lang="en-US" sz="2400" dirty="0">
+                <a:solidFill>
+                  <a:srgbClr val="0000FF"/>
+                </a:solidFill>
+              </a:rPr>
+              <a:t>            response._1 match {</a:t>
+            </a:r>
+          </a:p>
+          <a:p>
+            <a:pPr marL="0" lvl="0" indent="0">
+              <a:buNone/>
+            </a:pPr>
+            <a:r>
+              <a:rPr lang="en-US" sz="2400" dirty="0">
+                <a:solidFill>
+                  <a:srgbClr val="0000FF"/>
+                </a:solidFill>
+              </a:rPr>
+              <a:t>              case true =&gt; </a:t>
+            </a:r>
+            <a:r>
+              <a:rPr lang="en-US" sz="2400" dirty="0" err="1">
+                <a:solidFill>
+                  <a:srgbClr val="0000FF"/>
+                </a:solidFill>
+              </a:rPr>
+              <a:t>mongoRepo.setInventory</a:t>
+            </a:r>
+            <a:r>
+              <a:rPr lang="en-US" sz="2400" dirty="0">
+                <a:solidFill>
+                  <a:srgbClr val="0000FF"/>
+                </a:solidFill>
+              </a:rPr>
+              <a:t>(</a:t>
+            </a:r>
+            <a:r>
+              <a:rPr lang="en-US" sz="2400" dirty="0" err="1">
+                <a:solidFill>
+                  <a:srgbClr val="0000FF"/>
+                </a:solidFill>
+              </a:rPr>
+              <a:t>sku.toString</a:t>
+            </a:r>
+            <a:r>
+              <a:rPr lang="en-US" sz="2400" dirty="0">
+                <a:solidFill>
+                  <a:srgbClr val="0000FF"/>
+                </a:solidFill>
+              </a:rPr>
+              <a:t>, response._2)</a:t>
+            </a:r>
+          </a:p>
+          <a:p>
+            <a:pPr marL="0" lvl="0" indent="0">
+              <a:buNone/>
+            </a:pPr>
+            <a:r>
+              <a:rPr lang="en-US" sz="2400" dirty="0">
+                <a:solidFill>
+                  <a:srgbClr val="0000FF"/>
+                </a:solidFill>
+              </a:rPr>
+              <a:t>              case _ =&gt;</a:t>
+            </a:r>
+          </a:p>
+          <a:p>
+            <a:pPr marL="0" lvl="0" indent="0">
+              <a:buNone/>
+            </a:pPr>
+            <a:r>
+              <a:rPr lang="en-US" sz="2400" dirty="0">
+                <a:solidFill>
+                  <a:srgbClr val="0000FF"/>
+                </a:solidFill>
+              </a:rPr>
+              <a:t>          }</a:t>
+            </a:r>
+          </a:p>
+          <a:p>
+            <a:pPr marL="0" lvl="0" indent="0">
+              <a:buNone/>
+            </a:pPr>
+            <a:r>
+              <a:rPr lang="en-US" sz="2400" dirty="0">
+                <a:solidFill>
+                  <a:srgbClr val="0000FF"/>
+                </a:solidFill>
+              </a:rPr>
+              <a:t>          case _ =&gt;</a:t>
+            </a:r>
+          </a:p>
+          <a:p>
+            <a:pPr marL="0" lvl="0" indent="0">
+              <a:buNone/>
+            </a:pPr>
+            <a:r>
+              <a:rPr lang="en-US" sz="2400" dirty="0">
+                <a:solidFill>
+                  <a:srgbClr val="0000FF"/>
+                </a:solidFill>
+              </a:rPr>
+              <a:t>        }</a:t>
+            </a:r>
+          </a:p>
+          <a:p>
+            <a:pPr marL="0" lvl="0" indent="0">
+              <a:buNone/>
+            </a:pPr>
+            <a:r>
+              <a:rPr lang="en-US" sz="2400" dirty="0">
+                <a:solidFill>
+                  <a:srgbClr val="0000FF"/>
+                </a:solidFill>
+              </a:rPr>
+              <a:t>        result</a:t>
+            </a:r>
+          </a:p>
+          <a:p>
+            <a:pPr marL="0" lvl="0" indent="0">
+              <a:buNone/>
+            </a:pPr>
+            <a:r>
+              <a:rPr lang="en-US" sz="2400" dirty="0">
+                <a:solidFill>
+                  <a:srgbClr val="0000FF"/>
+                </a:solidFill>
+              </a:rPr>
+              <a:t>      }</a:t>
+            </a:r>
+          </a:p>
+          <a:p>
+            <a:pPr marL="0" lvl="0" indent="0">
+              <a:buNone/>
+            </a:pPr>
+            <a:r>
+              <a:rPr lang="en-US" sz="2400" dirty="0">
+                <a:solidFill>
+                  <a:srgbClr val="0000FF"/>
+                </a:solidFill>
+              </a:rPr>
+              <a:t>      </a:t>
+            </a:r>
+            <a:r>
+              <a:rPr lang="en-US" sz="2400" dirty="0" err="1">
+                <a:solidFill>
+                  <a:srgbClr val="0000FF"/>
+                </a:solidFill>
+              </a:rPr>
+              <a:t>f.onComplete</a:t>
+            </a:r>
+            <a:r>
+              <a:rPr lang="en-US" sz="2400" dirty="0">
+                <a:solidFill>
+                  <a:srgbClr val="0000FF"/>
+                </a:solidFill>
+              </a:rPr>
+              <a:t>({case _ =&gt;</a:t>
+            </a:r>
+          </a:p>
+          <a:p>
+            <a:pPr marL="0" lvl="0" indent="0">
+              <a:buNone/>
+            </a:pPr>
+            <a:r>
+              <a:rPr lang="en-US" sz="2400" dirty="0">
+                <a:solidFill>
+                  <a:srgbClr val="0000FF"/>
+                </a:solidFill>
+              </a:rPr>
+              <a:t>        </a:t>
+            </a:r>
+            <a:r>
+              <a:rPr lang="en-US" sz="2400" dirty="0" err="1">
+                <a:solidFill>
+                  <a:srgbClr val="0000FF"/>
+                </a:solidFill>
+              </a:rPr>
+              <a:t>statsDSender</a:t>
+            </a:r>
+            <a:r>
+              <a:rPr lang="en-US" sz="2400" dirty="0">
+                <a:solidFill>
+                  <a:srgbClr val="0000FF"/>
+                </a:solidFill>
+              </a:rPr>
+              <a:t> ! </a:t>
+            </a:r>
+            <a:r>
+              <a:rPr lang="en-US" sz="2400" dirty="0" err="1">
+                <a:solidFill>
+                  <a:srgbClr val="0000FF"/>
+                </a:solidFill>
+              </a:rPr>
+              <a:t>SendTimer</a:t>
+            </a:r>
+            <a:r>
+              <a:rPr lang="en-US" sz="2400" dirty="0">
+                <a:solidFill>
+                  <a:srgbClr val="0000FF"/>
+                </a:solidFill>
+              </a:rPr>
+              <a:t>("shared-</a:t>
+            </a:r>
+            <a:r>
+              <a:rPr lang="en-US" sz="2400" dirty="0" err="1">
+                <a:solidFill>
+                  <a:srgbClr val="0000FF"/>
+                </a:solidFill>
+              </a:rPr>
+              <a:t>state.update.duration</a:t>
+            </a:r>
+            <a:r>
+              <a:rPr lang="en-US" sz="2400" dirty="0">
+                <a:solidFill>
+                  <a:srgbClr val="0000FF"/>
+                </a:solidFill>
+              </a:rPr>
+              <a:t>", </a:t>
+            </a:r>
+            <a:r>
+              <a:rPr lang="en-US" sz="2400" dirty="0" err="1">
+                <a:solidFill>
+                  <a:srgbClr val="0000FF"/>
+                </a:solidFill>
+              </a:rPr>
+              <a:t>System.currentTimeMillis</a:t>
+            </a:r>
+            <a:r>
+              <a:rPr lang="en-US" sz="2400" dirty="0">
+                <a:solidFill>
+                  <a:srgbClr val="0000FF"/>
+                </a:solidFill>
+              </a:rPr>
+              <a:t> - </a:t>
+            </a:r>
+            <a:r>
+              <a:rPr lang="en-US" sz="2400" dirty="0" err="1">
+                <a:solidFill>
+                  <a:srgbClr val="0000FF"/>
+                </a:solidFill>
+              </a:rPr>
+              <a:t>startTime</a:t>
+            </a:r>
+            <a:r>
+              <a:rPr lang="en-US" sz="2400" dirty="0">
+                <a:solidFill>
+                  <a:srgbClr val="0000FF"/>
+                </a:solidFill>
+              </a:rPr>
+              <a:t>)</a:t>
+            </a:r>
+          </a:p>
+          <a:p>
+            <a:pPr marL="0" lvl="0" indent="0">
+              <a:buNone/>
+            </a:pPr>
+            <a:r>
+              <a:rPr lang="en-US" sz="2400" dirty="0">
+                <a:solidFill>
+                  <a:srgbClr val="0000FF"/>
+                </a:solidFill>
+              </a:rPr>
+              <a:t>        </a:t>
+            </a:r>
+            <a:r>
+              <a:rPr lang="en-US" sz="2400" dirty="0" err="1">
+                <a:solidFill>
+                  <a:srgbClr val="0000FF"/>
+                </a:solidFill>
+              </a:rPr>
+              <a:t>statsDSender</a:t>
+            </a:r>
+            <a:r>
+              <a:rPr lang="en-US" sz="2400" dirty="0">
+                <a:solidFill>
+                  <a:srgbClr val="0000FF"/>
+                </a:solidFill>
+              </a:rPr>
+              <a:t> ! </a:t>
+            </a:r>
+            <a:r>
+              <a:rPr lang="en-US" sz="2400" dirty="0" err="1">
+                <a:solidFill>
+                  <a:srgbClr val="0000FF"/>
+                </a:solidFill>
+              </a:rPr>
+              <a:t>IncrementCounter</a:t>
+            </a:r>
+            <a:r>
+              <a:rPr lang="en-US" sz="2400" dirty="0">
+                <a:solidFill>
+                  <a:srgbClr val="0000FF"/>
+                </a:solidFill>
+              </a:rPr>
+              <a:t>("shared-</a:t>
+            </a:r>
+            <a:r>
+              <a:rPr lang="en-US" sz="2400" dirty="0" err="1">
+                <a:solidFill>
+                  <a:srgbClr val="0000FF"/>
+                </a:solidFill>
+              </a:rPr>
+              <a:t>state.update.count</a:t>
+            </a:r>
+            <a:r>
+              <a:rPr lang="en-US" sz="2400" dirty="0">
+                <a:solidFill>
+                  <a:srgbClr val="0000FF"/>
+                </a:solidFill>
+              </a:rPr>
+              <a:t>")</a:t>
+            </a:r>
+          </a:p>
+          <a:p>
+            <a:pPr marL="0" lvl="0" indent="0">
+              <a:buNone/>
+            </a:pPr>
+            <a:r>
+              <a:rPr lang="en-US" sz="2400" dirty="0">
+                <a:solidFill>
+                  <a:srgbClr val="0000FF"/>
+                </a:solidFill>
+              </a:rPr>
+              <a:t>      })</a:t>
+            </a:r>
+          </a:p>
+          <a:p>
+            <a:pPr marL="0" lvl="0" indent="0">
+              <a:buNone/>
+            </a:pPr>
+            <a:r>
+              <a:rPr lang="en-US" sz="2400" dirty="0">
+                <a:solidFill>
+                  <a:srgbClr val="0000FF"/>
+                </a:solidFill>
+              </a:rPr>
+              <a:t>      f</a:t>
+            </a:r>
+          </a:p>
+          <a:p>
+            <a:pPr marL="0" lvl="0" indent="0">
+              <a:buNone/>
+            </a:pPr>
+            <a:r>
+              <a:rPr lang="en-US" sz="2400" dirty="0">
+                <a:solidFill>
+                  <a:srgbClr val="0000FF"/>
+                </a:solidFill>
+              </a:rPr>
+              <a:t>  })</a:t>
+            </a:r>
+          </a:p>
+          <a:p>
+            <a:pPr marL="0" lvl="0" indent="0">
+              <a:buNone/>
+            </a:pPr>
+            <a:r>
+              <a:rPr lang="en-US" sz="2400" dirty="0">
+                <a:solidFill>
+                  <a:srgbClr val="0000FF"/>
+                </a:solidFill>
+              </a:rPr>
+              <a:t>}</a:t>
+            </a:r>
+            <a:endParaRPr lang="en-US" sz="2400" dirty="0">
+              <a:solidFill>
+                <a:srgbClr val="0000FF"/>
+              </a:solidFill>
+            </a:endParaRPr>
+          </a:p>
+        </p:txBody>
+      </p:sp>
+    </p:spTree>
+    <p:extLst>
+      <p:ext uri="{BB962C8B-B14F-4D97-AF65-F5344CB8AC3E}">
+        <p14:creationId xmlns:p14="http://schemas.microsoft.com/office/powerpoint/2010/main" val="714172897"/>
+      </p:ext>
+    </p:extLst>
+  </p:cSld>
+  <p:clrMapOvr>
+    <a:masterClrMapping/>
+  </p:clrMapOvr>
+  <p:timing>
+    <p:tnLst>
+      <p:par>
+        <p:cTn xmlns:p14="http://schemas.microsoft.com/office/powerpoint/2010/main" id="1" dur="indefinite" restart="never" nodeType="tmRoot"/>
+      </p:par>
+    </p:tnLst>
+  </p:timing>
+</p:sld>
+</file>
+
+<file path=ppt/slides/slide13.xml><?xml version="1.0" encoding="utf-8"?>
+<p:sld xmlns:a="http://schemas.openxmlformats.org/drawingml/2006/main" xmlns:r="http://schemas.openxmlformats.org/officeDocument/2006/relationships" xmlns:p="http://schemas.openxmlformats.org/presentationml/2006/main">
+  <p:cSld>
+    <p:spTree>
+      <p:nvGrpSpPr>
+        <p:cNvPr id="1" name=""/>
+        <p:cNvGrpSpPr/>
+        <p:nvPr/>
+      </p:nvGrpSpPr>
+      <p:grpSpPr>
+        <a:xfrm>
+          <a:off x="0" y="0"/>
+          <a:ext cx="0" cy="0"/>
+          <a:chOff x="0" y="0"/>
+          <a:chExt cx="0" cy="0"/>
+        </a:xfrm>
+      </p:grpSpPr>
+      <p:sp>
+        <p:nvSpPr>
+          <p:cNvPr id="4" name="Rectangle 3"/>
+          <p:cNvSpPr/>
+          <p:nvPr/>
+        </p:nvSpPr>
+        <p:spPr>
+          <a:xfrm>
+            <a:off x="0" y="0"/>
+            <a:ext cx="9144000" cy="964642"/>
+          </a:xfrm>
+          <a:prstGeom prst="rect">
+            <a:avLst/>
+          </a:prstGeom>
+          <a:solidFill>
+            <a:srgbClr val="102F4B"/>
+          </a:solidFill>
+          <a:ln>
+            <a:noFill/>
+          </a:ln>
+        </p:spPr>
+        <p:style>
+          <a:lnRef idx="1">
+            <a:schemeClr val="accent1"/>
+          </a:lnRef>
+          <a:fillRef idx="3">
+            <a:schemeClr val="accent1"/>
+          </a:fillRef>
+          <a:effectRef idx="2">
+            <a:schemeClr val="accent1"/>
+          </a:effectRef>
+          <a:fontRef idx="minor">
+            <a:schemeClr val="lt1"/>
+          </a:fontRef>
+        </p:style>
+        <p:txBody>
+          <a:bodyPr rtlCol="0" anchor="ctr"/>
+          <a:lstStyle/>
+          <a:p>
+            <a:r>
+              <a:rPr lang="en-US" sz="4300" dirty="0" smtClean="0">
+                <a:solidFill>
+                  <a:srgbClr val="FFFFFF"/>
+                </a:solidFill>
+              </a:rPr>
+              <a:t>Shared-State: </a:t>
+            </a:r>
+            <a:r>
+              <a:rPr lang="en-US" sz="4300" dirty="0" err="1" smtClean="0">
+                <a:solidFill>
+                  <a:srgbClr val="FFFFFF"/>
+                </a:solidFill>
+              </a:rPr>
+              <a:t>InventoryQuantity</a:t>
+            </a:r>
+            <a:r>
+              <a:rPr lang="en-US" sz="4300" dirty="0" smtClean="0">
+                <a:solidFill>
+                  <a:srgbClr val="FFFFFF"/>
+                </a:solidFill>
+              </a:rPr>
+              <a:t> Model</a:t>
+            </a:r>
+            <a:endParaRPr lang="en-US" sz="4300" dirty="0">
+              <a:solidFill>
+                <a:srgbClr val="FFFFFF"/>
+              </a:solidFill>
+            </a:endParaRPr>
+          </a:p>
+        </p:txBody>
+      </p:sp>
+      <p:pic>
+        <p:nvPicPr>
+          <p:cNvPr id="5" name="Picture 4"/>
+          <p:cNvPicPr>
+            <a:picLocks noChangeAspect="1"/>
+          </p:cNvPicPr>
+          <p:nvPr/>
+        </p:nvPicPr>
+        <p:blipFill>
+          <a:blip r:embed="rId2"/>
+          <a:stretch>
+            <a:fillRect/>
+          </a:stretch>
+        </p:blipFill>
+        <p:spPr>
+          <a:xfrm>
+            <a:off x="427268" y="6118657"/>
+            <a:ext cx="529526" cy="356061"/>
+          </a:xfrm>
+          <a:prstGeom prst="rect">
+            <a:avLst/>
+          </a:prstGeom>
+        </p:spPr>
+      </p:pic>
+      <p:sp>
+        <p:nvSpPr>
+          <p:cNvPr id="7" name="Content Placeholder 2"/>
+          <p:cNvSpPr>
+            <a:spLocks noGrp="1"/>
+          </p:cNvSpPr>
+          <p:nvPr>
+            <p:ph idx="1"/>
+          </p:nvPr>
+        </p:nvSpPr>
+        <p:spPr>
+          <a:xfrm>
+            <a:off x="0" y="1202687"/>
+            <a:ext cx="9144000" cy="5272031"/>
+          </a:xfrm>
+        </p:spPr>
+        <p:txBody>
+          <a:bodyPr>
+            <a:normAutofit fontScale="92500" lnSpcReduction="20000"/>
+          </a:bodyPr>
+          <a:lstStyle/>
+          <a:p>
+            <a:pPr lvl="0"/>
+            <a:r>
+              <a:rPr lang="en-US" dirty="0" err="1" smtClean="0"/>
+              <a:t>InventoryQuantity</a:t>
+            </a:r>
+            <a:r>
+              <a:rPr lang="en-US" dirty="0" smtClean="0"/>
+              <a:t> model</a:t>
+            </a:r>
+            <a:endParaRPr lang="en-US" sz="2800" dirty="0"/>
+          </a:p>
+          <a:p>
+            <a:pPr lvl="1"/>
+            <a:r>
+              <a:rPr lang="en-US" dirty="0" smtClean="0"/>
+              <a:t>Dirty reads </a:t>
+            </a:r>
+            <a:r>
+              <a:rPr lang="en-US" dirty="0"/>
+              <a:t>but </a:t>
+            </a:r>
+            <a:r>
+              <a:rPr lang="en-US" dirty="0" smtClean="0"/>
+              <a:t>synchronized writes </a:t>
+            </a:r>
+            <a:r>
+              <a:rPr lang="en-US" dirty="0"/>
+              <a:t>using a </a:t>
+            </a:r>
+            <a:r>
+              <a:rPr lang="en-US" dirty="0" smtClean="0"/>
+              <a:t>lock</a:t>
+            </a:r>
+            <a:r>
+              <a:rPr lang="en-US" dirty="0"/>
+              <a:t>. </a:t>
+            </a:r>
+            <a:endParaRPr lang="en-US" dirty="0" smtClean="0"/>
+          </a:p>
+          <a:p>
+            <a:pPr marL="457200" lvl="1" indent="0">
+              <a:buNone/>
+            </a:pPr>
+            <a:r>
+              <a:rPr lang="en-US" sz="2400" dirty="0">
+                <a:solidFill>
+                  <a:srgbClr val="0000FF"/>
+                </a:solidFill>
+              </a:rPr>
+              <a:t> </a:t>
+            </a:r>
+            <a:r>
+              <a:rPr lang="en-US" sz="2400" dirty="0" err="1">
+                <a:solidFill>
+                  <a:srgbClr val="0000FF"/>
+                </a:solidFill>
+              </a:rPr>
+              <a:t>def</a:t>
+            </a:r>
+            <a:r>
+              <a:rPr lang="en-US" sz="2400" dirty="0">
+                <a:solidFill>
+                  <a:srgbClr val="0000FF"/>
+                </a:solidFill>
+              </a:rPr>
+              <a:t> </a:t>
+            </a:r>
+            <a:r>
+              <a:rPr lang="en-US" sz="2400" dirty="0" err="1">
+                <a:solidFill>
+                  <a:srgbClr val="0000FF"/>
+                </a:solidFill>
+              </a:rPr>
+              <a:t>updateQuantity</a:t>
+            </a:r>
+            <a:r>
+              <a:rPr lang="en-US" sz="2400" dirty="0">
+                <a:solidFill>
+                  <a:srgbClr val="0000FF"/>
+                </a:solidFill>
+              </a:rPr>
+              <a:t>(</a:t>
+            </a:r>
+            <a:r>
+              <a:rPr lang="en-US" sz="2400" dirty="0" err="1">
+                <a:solidFill>
+                  <a:srgbClr val="0000FF"/>
+                </a:solidFill>
+              </a:rPr>
+              <a:t>quantityUpdate</a:t>
+            </a:r>
+            <a:r>
+              <a:rPr lang="en-US" sz="2400" dirty="0">
+                <a:solidFill>
+                  <a:srgbClr val="0000FF"/>
+                </a:solidFill>
+              </a:rPr>
+              <a:t>: </a:t>
+            </a:r>
+            <a:r>
+              <a:rPr lang="en-US" sz="2400" dirty="0" err="1">
+                <a:solidFill>
+                  <a:srgbClr val="0000FF"/>
+                </a:solidFill>
+              </a:rPr>
+              <a:t>Int</a:t>
+            </a:r>
+            <a:r>
+              <a:rPr lang="en-US" sz="2400" dirty="0">
+                <a:solidFill>
+                  <a:srgbClr val="0000FF"/>
+                </a:solidFill>
+              </a:rPr>
+              <a:t>): (Boolean, </a:t>
+            </a:r>
+            <a:r>
+              <a:rPr lang="en-US" sz="2400" dirty="0" err="1">
+                <a:solidFill>
+                  <a:srgbClr val="0000FF"/>
+                </a:solidFill>
+              </a:rPr>
+              <a:t>Int</a:t>
+            </a:r>
+            <a:r>
+              <a:rPr lang="en-US" sz="2400" dirty="0">
+                <a:solidFill>
+                  <a:srgbClr val="0000FF"/>
+                </a:solidFill>
+              </a:rPr>
+              <a:t>) = {</a:t>
+            </a:r>
+          </a:p>
+          <a:p>
+            <a:pPr marL="457200" lvl="1" indent="0">
+              <a:buNone/>
+            </a:pPr>
+            <a:r>
+              <a:rPr lang="en-US" sz="2400" dirty="0">
+                <a:solidFill>
+                  <a:srgbClr val="0000FF"/>
+                </a:solidFill>
+              </a:rPr>
+              <a:t>    </a:t>
+            </a:r>
+            <a:r>
+              <a:rPr lang="en-US" sz="2400" dirty="0" err="1">
+                <a:solidFill>
+                  <a:srgbClr val="0000FF"/>
+                </a:solidFill>
+              </a:rPr>
+              <a:t>var</a:t>
+            </a:r>
+            <a:r>
+              <a:rPr lang="en-US" sz="2400" dirty="0">
+                <a:solidFill>
+                  <a:srgbClr val="0000FF"/>
+                </a:solidFill>
+              </a:rPr>
+              <a:t> </a:t>
+            </a:r>
+            <a:r>
+              <a:rPr lang="en-US" sz="2400" dirty="0" err="1">
+                <a:solidFill>
+                  <a:srgbClr val="0000FF"/>
+                </a:solidFill>
+              </a:rPr>
+              <a:t>returnValue</a:t>
+            </a:r>
+            <a:r>
+              <a:rPr lang="en-US" sz="2400" dirty="0">
+                <a:solidFill>
+                  <a:srgbClr val="0000FF"/>
+                </a:solidFill>
+              </a:rPr>
+              <a:t>: (Boolean, </a:t>
+            </a:r>
+            <a:r>
+              <a:rPr lang="en-US" sz="2400" dirty="0" err="1">
+                <a:solidFill>
+                  <a:srgbClr val="0000FF"/>
+                </a:solidFill>
+              </a:rPr>
+              <a:t>Int</a:t>
+            </a:r>
+            <a:r>
+              <a:rPr lang="en-US" sz="2400" dirty="0">
+                <a:solidFill>
+                  <a:srgbClr val="0000FF"/>
+                </a:solidFill>
+              </a:rPr>
+              <a:t>) = (false, quantity)</a:t>
+            </a:r>
+          </a:p>
+          <a:p>
+            <a:pPr marL="457200" lvl="1" indent="0">
+              <a:buNone/>
+            </a:pPr>
+            <a:r>
+              <a:rPr lang="en-US" sz="2400" dirty="0">
+                <a:solidFill>
+                  <a:srgbClr val="0000FF"/>
+                </a:solidFill>
+              </a:rPr>
+              <a:t>    </a:t>
+            </a:r>
+            <a:r>
+              <a:rPr lang="en-US" sz="2400" dirty="0" err="1">
+                <a:solidFill>
+                  <a:srgbClr val="0000FF"/>
+                </a:solidFill>
+              </a:rPr>
+              <a:t>writeLock.lock</a:t>
+            </a:r>
+            <a:r>
+              <a:rPr lang="en-US" sz="2400" dirty="0">
+                <a:solidFill>
+                  <a:srgbClr val="0000FF"/>
+                </a:solidFill>
+              </a:rPr>
+              <a:t>()</a:t>
+            </a:r>
+          </a:p>
+          <a:p>
+            <a:pPr marL="457200" lvl="1" indent="0">
+              <a:buNone/>
+            </a:pPr>
+            <a:r>
+              <a:rPr lang="en-US" sz="2400" dirty="0">
+                <a:solidFill>
+                  <a:srgbClr val="0000FF"/>
+                </a:solidFill>
+              </a:rPr>
+              <a:t>      </a:t>
+            </a:r>
+            <a:r>
+              <a:rPr lang="en-US" sz="2400" dirty="0" err="1">
+                <a:solidFill>
+                  <a:srgbClr val="0000FF"/>
+                </a:solidFill>
+              </a:rPr>
+              <a:t>quantityUpdate</a:t>
+            </a:r>
+            <a:r>
+              <a:rPr lang="en-US" sz="2400" dirty="0">
+                <a:solidFill>
+                  <a:srgbClr val="0000FF"/>
+                </a:solidFill>
+              </a:rPr>
+              <a:t> &gt;= 0 || quantity + </a:t>
+            </a:r>
+            <a:r>
+              <a:rPr lang="en-US" sz="2400" dirty="0" err="1">
+                <a:solidFill>
+                  <a:srgbClr val="0000FF"/>
+                </a:solidFill>
+              </a:rPr>
+              <a:t>quantityUpdate</a:t>
+            </a:r>
+            <a:r>
+              <a:rPr lang="en-US" sz="2400" dirty="0">
+                <a:solidFill>
+                  <a:srgbClr val="0000FF"/>
+                </a:solidFill>
+              </a:rPr>
+              <a:t> &gt;= 0 match {</a:t>
+            </a:r>
+          </a:p>
+          <a:p>
+            <a:pPr marL="457200" lvl="1" indent="0">
+              <a:buNone/>
+            </a:pPr>
+            <a:r>
+              <a:rPr lang="en-US" sz="2400" dirty="0">
+                <a:solidFill>
+                  <a:srgbClr val="0000FF"/>
+                </a:solidFill>
+              </a:rPr>
+              <a:t>        case true =&gt;</a:t>
+            </a:r>
+          </a:p>
+          <a:p>
+            <a:pPr marL="457200" lvl="1" indent="0">
+              <a:buNone/>
+            </a:pPr>
+            <a:r>
+              <a:rPr lang="en-US" sz="2400" dirty="0">
+                <a:solidFill>
+                  <a:srgbClr val="0000FF"/>
+                </a:solidFill>
+              </a:rPr>
+              <a:t>          quantity += </a:t>
+            </a:r>
+            <a:r>
+              <a:rPr lang="en-US" sz="2400" dirty="0" err="1">
+                <a:solidFill>
+                  <a:srgbClr val="0000FF"/>
+                </a:solidFill>
+              </a:rPr>
+              <a:t>quantityUpdate</a:t>
+            </a:r>
+            <a:endParaRPr lang="en-US" sz="2400" dirty="0">
+              <a:solidFill>
+                <a:srgbClr val="0000FF"/>
+              </a:solidFill>
+            </a:endParaRPr>
+          </a:p>
+          <a:p>
+            <a:pPr marL="457200" lvl="1" indent="0">
+              <a:buNone/>
+            </a:pPr>
+            <a:r>
+              <a:rPr lang="en-US" sz="2400" dirty="0">
+                <a:solidFill>
+                  <a:srgbClr val="0000FF"/>
+                </a:solidFill>
+              </a:rPr>
+              <a:t>          </a:t>
+            </a:r>
+            <a:r>
+              <a:rPr lang="en-US" sz="2400" dirty="0" err="1">
+                <a:solidFill>
+                  <a:srgbClr val="0000FF"/>
+                </a:solidFill>
+              </a:rPr>
+              <a:t>returnValue</a:t>
+            </a:r>
+            <a:r>
+              <a:rPr lang="en-US" sz="2400" dirty="0">
+                <a:solidFill>
+                  <a:srgbClr val="0000FF"/>
+                </a:solidFill>
+              </a:rPr>
+              <a:t> = (true, quantity)</a:t>
+            </a:r>
+          </a:p>
+          <a:p>
+            <a:pPr marL="457200" lvl="1" indent="0">
+              <a:buNone/>
+            </a:pPr>
+            <a:r>
+              <a:rPr lang="en-US" sz="2400" dirty="0">
+                <a:solidFill>
+                  <a:srgbClr val="0000FF"/>
+                </a:solidFill>
+              </a:rPr>
+              <a:t>        case _ =&gt;</a:t>
+            </a:r>
+          </a:p>
+          <a:p>
+            <a:pPr marL="457200" lvl="1" indent="0">
+              <a:buNone/>
+            </a:pPr>
+            <a:r>
+              <a:rPr lang="en-US" sz="2400" dirty="0">
+                <a:solidFill>
+                  <a:srgbClr val="0000FF"/>
+                </a:solidFill>
+              </a:rPr>
+              <a:t>      }</a:t>
+            </a:r>
+          </a:p>
+          <a:p>
+            <a:pPr marL="457200" lvl="1" indent="0">
+              <a:buNone/>
+            </a:pPr>
+            <a:r>
+              <a:rPr lang="en-US" sz="2400" dirty="0">
+                <a:solidFill>
+                  <a:srgbClr val="0000FF"/>
+                </a:solidFill>
+              </a:rPr>
+              <a:t>    </a:t>
+            </a:r>
+            <a:r>
+              <a:rPr lang="en-US" sz="2400" dirty="0" err="1">
+                <a:solidFill>
+                  <a:srgbClr val="0000FF"/>
+                </a:solidFill>
+              </a:rPr>
+              <a:t>writeLock.unlock</a:t>
+            </a:r>
+            <a:r>
+              <a:rPr lang="en-US" sz="2400" dirty="0">
+                <a:solidFill>
+                  <a:srgbClr val="0000FF"/>
+                </a:solidFill>
+              </a:rPr>
+              <a:t>()</a:t>
+            </a:r>
+          </a:p>
+          <a:p>
+            <a:pPr marL="457200" lvl="1" indent="0">
+              <a:buNone/>
+            </a:pPr>
+            <a:r>
+              <a:rPr lang="en-US" sz="2400" dirty="0">
+                <a:solidFill>
+                  <a:srgbClr val="0000FF"/>
+                </a:solidFill>
+              </a:rPr>
+              <a:t>    </a:t>
+            </a:r>
+            <a:r>
+              <a:rPr lang="en-US" sz="2400" dirty="0" err="1">
+                <a:solidFill>
+                  <a:srgbClr val="0000FF"/>
+                </a:solidFill>
+              </a:rPr>
+              <a:t>returnValue</a:t>
+            </a:r>
+            <a:endParaRPr lang="en-US" sz="2400" dirty="0">
+              <a:solidFill>
+                <a:srgbClr val="0000FF"/>
+              </a:solidFill>
+            </a:endParaRPr>
+          </a:p>
+          <a:p>
+            <a:pPr marL="457200" lvl="1" indent="0">
+              <a:buNone/>
+            </a:pPr>
+            <a:r>
+              <a:rPr lang="en-US" sz="2400" dirty="0">
+                <a:solidFill>
+                  <a:srgbClr val="0000FF"/>
+                </a:solidFill>
+              </a:rPr>
+              <a:t>  }</a:t>
+            </a:r>
+            <a:endParaRPr lang="en-US" sz="2400" dirty="0">
+              <a:solidFill>
+                <a:srgbClr val="0000FF"/>
+              </a:solidFill>
+            </a:endParaRPr>
+          </a:p>
+        </p:txBody>
+      </p:sp>
+    </p:spTree>
+    <p:extLst>
+      <p:ext uri="{BB962C8B-B14F-4D97-AF65-F5344CB8AC3E}">
+        <p14:creationId xmlns:p14="http://schemas.microsoft.com/office/powerpoint/2010/main" val="1826386782"/>
+      </p:ext>
+    </p:extLst>
+  </p:cSld>
+  <p:clrMapOvr>
+    <a:masterClrMapping/>
+  </p:clrMapOvr>
+  <p:timing>
+    <p:tnLst>
+      <p:par>
+        <p:cTn xmlns:p14="http://schemas.microsoft.com/office/powerpoint/2010/main" id="1" dur="indefinite" restart="never" nodeType="tmRoot"/>
+      </p:par>
+    </p:tnLst>
+  </p:timing>
+</p:sld>
+</file>
+
+<file path=ppt/slides/slide14.xml><?xml version="1.0" encoding="utf-8"?>
+<p:sld xmlns:a="http://schemas.openxmlformats.org/drawingml/2006/main" xmlns:r="http://schemas.openxmlformats.org/officeDocument/2006/relationships" xmlns:p="http://schemas.openxmlformats.org/presentationml/2006/main">
+  <p:cSld>
+    <p:spTree>
+      <p:nvGrpSpPr>
+        <p:cNvPr id="1" name=""/>
+        <p:cNvGrpSpPr/>
+        <p:nvPr/>
+      </p:nvGrpSpPr>
+      <p:grpSpPr>
+        <a:xfrm>
+          <a:off x="0" y="0"/>
+          <a:ext cx="0" cy="0"/>
+          <a:chOff x="0" y="0"/>
+          <a:chExt cx="0" cy="0"/>
+        </a:xfrm>
+      </p:grpSpPr>
+      <p:sp>
+        <p:nvSpPr>
+          <p:cNvPr id="4" name="Rectangle 3"/>
+          <p:cNvSpPr/>
+          <p:nvPr/>
+        </p:nvSpPr>
+        <p:spPr>
+          <a:xfrm>
+            <a:off x="0" y="0"/>
+            <a:ext cx="9144000" cy="964642"/>
+          </a:xfrm>
+          <a:prstGeom prst="rect">
+            <a:avLst/>
+          </a:prstGeom>
+          <a:solidFill>
+            <a:srgbClr val="102F4B"/>
+          </a:solidFill>
+          <a:ln>
+            <a:noFill/>
+          </a:ln>
+        </p:spPr>
+        <p:style>
+          <a:lnRef idx="1">
+            <a:schemeClr val="accent1"/>
+          </a:lnRef>
+          <a:fillRef idx="3">
+            <a:schemeClr val="accent1"/>
+          </a:fillRef>
+          <a:effectRef idx="2">
+            <a:schemeClr val="accent1"/>
+          </a:effectRef>
+          <a:fontRef idx="minor">
+            <a:schemeClr val="lt1"/>
+          </a:fontRef>
+        </p:style>
+        <p:txBody>
+          <a:bodyPr rtlCol="0" anchor="ctr"/>
+          <a:lstStyle/>
+          <a:p>
+            <a:r>
               <a:rPr lang="en-US" sz="4800" dirty="0" smtClean="0">
                 <a:solidFill>
                   <a:srgbClr val="FFFFFF"/>
@@ -4218,7 +6850,7 @@
 </p:sld>
 </file>
 
-<file path=ppt/slides/slide11.xml><?xml version="1.0" encoding="utf-8"?>
+<file path=ppt/slides/slide15.xml><?xml version="1.0" encoding="utf-8"?>
 <p:sld xmlns:a="http://schemas.openxmlformats.org/drawingml/2006/main" xmlns:r="http://schemas.openxmlformats.org/officeDocument/2006/relationships" xmlns:p="http://schemas.openxmlformats.org/presentationml/2006/main">
   <p:cSld>
     <p:spTree>
@@ -5221,11 +7853,6 @@
               </a:rPr>
               <a:t>React/Backbone/Marionette</a:t>
             </a:r>
-            <a:endParaRPr lang="en-US" sz="2800" dirty="0">
-              <a:solidFill>
-                <a:srgbClr val="102F4B"/>
-              </a:solidFill>
-            </a:endParaRPr>
           </a:p>
         </p:txBody>
       </p:sp>
@@ -5889,15 +8516,7 @@
                   <a:srgbClr val="102F4B"/>
                 </a:solidFill>
               </a:rPr>
-              <a:t>Publisher/</a:t>
-            </a:r>
-            <a:r>
-              <a:rPr lang="en-US" dirty="0" smtClean="0">
-                <a:solidFill>
-                  <a:srgbClr val="102F4B"/>
-                </a:solidFill>
-              </a:rPr>
-              <a:t>Subscriber</a:t>
+              <a:t>Publisher/Subscriber</a:t>
             </a:r>
           </a:p>
           <a:p>
@@ -6078,55 +8697,45 @@
                   <a:srgbClr val="102F4B"/>
                 </a:solidFill>
               </a:rPr>
-              <a:t>Uses </a:t>
-            </a:r>
+              <a:t>Uses locks/synchronized blocks to prevent race conditions</a:t>
+            </a:r>
+          </a:p>
+          <a:p>
             <a:r>
               <a:rPr lang="en-US" dirty="0" smtClean="0">
                 <a:solidFill>
                   <a:srgbClr val="102F4B"/>
                 </a:solidFill>
               </a:rPr>
-              <a:t>locks/synchronized blocks </a:t>
-            </a:r>
+              <a:t>Proven and well understood</a:t>
+            </a:r>
+          </a:p>
+          <a:p>
+            <a:pPr lvl="1"/>
             <a:r>
               <a:rPr lang="en-US" dirty="0" smtClean="0">
                 <a:solidFill>
                   <a:srgbClr val="102F4B"/>
                 </a:solidFill>
               </a:rPr>
-              <a:t>to prevent race conditions</a:t>
-            </a:r>
-          </a:p>
-          <a:p>
+              <a:t>In w</a:t>
+            </a:r>
             <a:r>
               <a:rPr lang="en-US" dirty="0" smtClean="0">
                 <a:solidFill>
                   <a:srgbClr val="102F4B"/>
                 </a:solidFill>
               </a:rPr>
-              <a:t>Proven and well understood</a:t>
-            </a:r>
-            <a:endParaRPr lang="en-US" dirty="0" smtClean="0">
-              <a:solidFill>
-                <a:srgbClr val="102F4B"/>
-              </a:solidFill>
-            </a:endParaRPr>
-          </a:p>
-          <a:p>
-            <a:pPr lvl="1"/>
+              <a:t>idespread </a:t>
+            </a:r>
             <a:r>
               <a:rPr lang="en-US" dirty="0" smtClean="0">
                 <a:solidFill>
                   <a:srgbClr val="102F4B"/>
                 </a:solidFill>
               </a:rPr>
-              <a:t>Widespread use for a long time</a:t>
-            </a:r>
-            <a:endParaRPr lang="en-US" dirty="0" smtClean="0">
-              <a:solidFill>
-                <a:srgbClr val="102F4B"/>
-              </a:solidFill>
-            </a:endParaRPr>
+              <a:t>use for a long time</a:t>
+            </a:r>
           </a:p>
           <a:p>
             <a:r>
@@ -6135,65 +8744,36 @@
                   <a:srgbClr val="102F4B"/>
                 </a:solidFill>
               </a:rPr>
-              <a:t>Simple to reason about for </a:t>
-            </a:r>
+              <a:t>Simple to reason about for trivial applications</a:t>
+            </a:r>
+          </a:p>
+          <a:p>
             <a:r>
               <a:rPr lang="en-US" dirty="0" smtClean="0">
                 <a:solidFill>
                   <a:srgbClr val="102F4B"/>
                 </a:solidFill>
               </a:rPr>
-              <a:t>trivial applications</a:t>
-            </a:r>
-          </a:p>
-          <a:p>
+              <a:t>Complex applications are very difficult to model</a:t>
+            </a:r>
+          </a:p>
+          <a:p>
+            <a:r>
+              <a:rPr lang="en-US" dirty="0">
+                <a:solidFill>
+                  <a:srgbClr val="102F4B"/>
+                </a:solidFill>
+              </a:rPr>
+              <a:t>Thread sleep/awake is </a:t>
+            </a:r>
             <a:r>
               <a:rPr lang="en-US" dirty="0" smtClean="0">
                 <a:solidFill>
                   <a:srgbClr val="102F4B"/>
                 </a:solidFill>
               </a:rPr>
-              <a:t>Complex </a:t>
-            </a:r>
-            <a:r>
-              <a:rPr lang="en-US" dirty="0" smtClean="0">
-                <a:solidFill>
-                  <a:srgbClr val="102F4B"/>
-                </a:solidFill>
-              </a:rPr>
-              <a:t>applications are very difficult to </a:t>
-            </a:r>
-            <a:r>
-              <a:rPr lang="en-US" dirty="0" smtClean="0">
-                <a:solidFill>
-                  <a:srgbClr val="102F4B"/>
-                </a:solidFill>
-              </a:rPr>
-              <a:t>model</a:t>
-            </a:r>
-          </a:p>
-          <a:p>
-            <a:r>
-              <a:rPr lang="en-US" dirty="0">
-                <a:solidFill>
-                  <a:srgbClr val="102F4B"/>
-                </a:solidFill>
-              </a:rPr>
-              <a:t>Thread sleep/awake is </a:t>
-            </a:r>
-            <a:r>
-              <a:rPr lang="en-US" dirty="0" smtClean="0">
-                <a:solidFill>
-                  <a:srgbClr val="102F4B"/>
-                </a:solidFill>
-              </a:rPr>
               <a:t>expensive</a:t>
             </a:r>
-            <a:endParaRPr lang="en-US" dirty="0" smtClean="0">
-              <a:solidFill>
-                <a:srgbClr val="102F4B"/>
-              </a:solidFill>
-            </a:endParaRPr>
           </a:p>
           <a:p>
             <a:r>
@@ -6369,15 +8949,7 @@
                   <a:srgbClr val="102F4B"/>
                 </a:solidFill>
               </a:rPr>
-              <a:t>Actors instead of </a:t>
-            </a:r>
-            <a:r>
-              <a:rPr lang="en-US" sz="3400" dirty="0" smtClean="0">
-                <a:solidFill>
-                  <a:srgbClr val="102F4B"/>
-                </a:solidFill>
-              </a:rPr>
-              <a:t>threads</a:t>
+              <a:t>Actors instead of threads</a:t>
             </a:r>
           </a:p>
           <a:p>
@@ -6396,23 +8968,7 @@
                   <a:srgbClr val="102F4B"/>
                 </a:solidFill>
               </a:rPr>
-              <a:t>ightweight</a:t>
-            </a:r>
-            <a:r>
-              <a:rPr lang="en-US" sz="3000" dirty="0" smtClean="0">
-                <a:solidFill>
-                  <a:srgbClr val="102F4B"/>
-                </a:solidFill>
-              </a:rPr>
-              <a:t>, easy to reason </a:t>
-            </a:r>
-            <a:r>
-              <a:rPr lang="en-US" sz="3000" dirty="0" smtClean="0">
-                <a:solidFill>
-                  <a:srgbClr val="102F4B"/>
-                </a:solidFill>
-              </a:rPr>
-              <a:t>about (actor’s are like people… specialized and one task at a time), delegate and supervise </a:t>
+              <a:t>ightweight, easy to reason about (actor’s are like people… specialized and one task at a time), delegate and supervise </a:t>
             </a:r>
           </a:p>
           <a:p>
@@ -6438,45 +8994,8 @@
                   <a:srgbClr val="102F4B"/>
                 </a:solidFill>
               </a:rPr>
-              <a:t>Messages </a:t>
-            </a:r>
-            <a:r>
-              <a:rPr lang="en-US" sz="3000" dirty="0" smtClean="0">
-                <a:solidFill>
-                  <a:srgbClr val="102F4B"/>
-                </a:solidFill>
-              </a:rPr>
-              <a:t>are objects containing </a:t>
-            </a:r>
-            <a:r>
-              <a:rPr lang="en-US" sz="3000" dirty="0" smtClean="0">
-                <a:solidFill>
-                  <a:srgbClr val="102F4B"/>
-                </a:solidFill>
-              </a:rPr>
-              <a:t>information, they aren’t imperative</a:t>
-            </a:r>
-            <a:r>
-              <a:rPr lang="en-US" sz="3000" dirty="0" smtClean="0">
-                <a:solidFill>
-                  <a:srgbClr val="102F4B"/>
-                </a:solidFill>
-              </a:rPr>
-              <a:t>, </a:t>
-            </a:r>
-            <a:r>
-              <a:rPr lang="en-US" sz="3000" dirty="0" smtClean="0">
-                <a:solidFill>
-                  <a:srgbClr val="102F4B"/>
-                </a:solidFill>
-              </a:rPr>
-              <a:t>they’re reacted to</a:t>
-            </a:r>
-            <a:endParaRPr lang="en-US" sz="3000" dirty="0" smtClean="0">
-              <a:solidFill>
-                <a:srgbClr val="102F4B"/>
-              </a:solidFill>
-            </a:endParaRPr>
+              <a:t>Messages are objects containing information, they aren’t imperative, they’re reacted to</a:t>
+            </a:r>
           </a:p>
           <a:p>
             <a:r>
@@ -6501,7 +9020,28 @@
                   <a:srgbClr val="102F4B"/>
                 </a:solidFill>
               </a:rPr>
-              <a:t>But </a:t>
+              <a:t>But only an actor can change itself (state isn’t shared)</a:t>
+            </a:r>
+          </a:p>
+          <a:p>
+            <a:r>
+              <a:rPr lang="en-US" sz="3400" dirty="0" smtClean="0">
+                <a:solidFill>
+                  <a:srgbClr val="102F4B"/>
+                </a:solidFill>
+              </a:rPr>
+              <a:t>Each actor has a mailbox (queue)</a:t>
+            </a:r>
+          </a:p>
+          <a:p>
+            <a:pPr lvl="1"/>
+            <a:r>
+              <a:rPr lang="en-US" sz="3000" dirty="0">
+                <a:solidFill>
+                  <a:srgbClr val="102F4B"/>
+                </a:solidFill>
+              </a:rPr>
+              <a:t>S</a:t>
             </a:r>
             <a:r>
               <a:rPr lang="en-US" sz="3000" dirty="0" smtClean="0">
@@ -6509,73 +9049,7 @@
                   <a:srgbClr val="102F4B"/>
                 </a:solidFill>
               </a:rPr>
-              <a:t>only an actor can change </a:t>
-            </a:r>
-            <a:r>
-              <a:rPr lang="en-US" sz="3000" dirty="0" smtClean="0">
-                <a:solidFill>
-                  <a:srgbClr val="102F4B"/>
-                </a:solidFill>
-              </a:rPr>
-              <a:t>itself (state isn’t shared)</a:t>
-            </a:r>
-            <a:endParaRPr lang="en-US" sz="3000" dirty="0" smtClean="0">
-              <a:solidFill>
-                <a:srgbClr val="102F4B"/>
-              </a:solidFill>
-            </a:endParaRPr>
-          </a:p>
-          <a:p>
-            <a:r>
-              <a:rPr lang="en-US" sz="3400" dirty="0" smtClean="0">
-                <a:solidFill>
-                  <a:srgbClr val="102F4B"/>
-                </a:solidFill>
-              </a:rPr>
-              <a:t>Each actor has a mailbox (queue</a:t>
-            </a:r>
-            <a:r>
-              <a:rPr lang="en-US" sz="3400" dirty="0" smtClean="0">
-                <a:solidFill>
-                  <a:srgbClr val="102F4B"/>
-                </a:solidFill>
-              </a:rPr>
-              <a:t>)</a:t>
-            </a:r>
-          </a:p>
-          <a:p>
-            <a:pPr lvl="1"/>
-            <a:r>
-              <a:rPr lang="en-US" sz="3000" dirty="0">
-                <a:solidFill>
-                  <a:srgbClr val="102F4B"/>
-                </a:solidFill>
-              </a:rPr>
-              <a:t>S</a:t>
-            </a:r>
-            <a:r>
-              <a:rPr lang="en-US" sz="3000" dirty="0" smtClean="0">
-                <a:solidFill>
-                  <a:srgbClr val="102F4B"/>
-                </a:solidFill>
-              </a:rPr>
-              <a:t>ynchronous </a:t>
-            </a:r>
-            <a:r>
-              <a:rPr lang="en-US" sz="3000" dirty="0" smtClean="0">
-                <a:solidFill>
-                  <a:srgbClr val="102F4B"/>
-                </a:solidFill>
-              </a:rPr>
-              <a:t>message </a:t>
-            </a:r>
-            <a:r>
-              <a:rPr lang="en-US" sz="3000" dirty="0" smtClean="0">
-                <a:solidFill>
-                  <a:srgbClr val="102F4B"/>
-                </a:solidFill>
-              </a:rPr>
-              <a:t>processing (No locks, blocking, or thread sleep)</a:t>
+              <a:t>ynchronous message processing (No locks, blocking, or thread sleep)</a:t>
             </a:r>
           </a:p>
           <a:p>
@@ -6601,15 +9075,7 @@
                   <a:srgbClr val="102F4B"/>
                 </a:solidFill>
               </a:rPr>
-              <a:t>Messages are strongl</a:t>
-            </a:r>
-            <a:r>
-              <a:rPr lang="en-US" sz="3000" dirty="0" smtClean="0">
-                <a:solidFill>
-                  <a:srgbClr val="102F4B"/>
-                </a:solidFill>
-              </a:rPr>
-              <a:t>y typed, receive method that processes them isn’t</a:t>
+              <a:t>Messages are strongly typed, receive method that processes them isn’t</a:t>
             </a:r>
           </a:p>
           <a:p>
@@ -6635,55 +9101,18 @@
                   <a:srgbClr val="102F4B"/>
                 </a:solidFill>
               </a:rPr>
-              <a:t>and</a:t>
-            </a:r>
+              <a:t>and performance </a:t>
+            </a:r>
+          </a:p>
+          <a:p>
             <a:r>
               <a:rPr lang="en-US" sz="3400" dirty="0" smtClean="0">
                 <a:solidFill>
                   <a:srgbClr val="102F4B"/>
                 </a:solidFill>
               </a:rPr>
-              <a:t> performance </a:t>
-            </a:r>
-          </a:p>
-          <a:p>
-            <a:r>
-              <a:rPr lang="en-US" sz="3400" dirty="0" smtClean="0">
-                <a:solidFill>
-                  <a:srgbClr val="102F4B"/>
-                </a:solidFill>
-              </a:rPr>
-              <a:t>D</a:t>
-            </a:r>
-            <a:r>
-              <a:rPr lang="en-US" sz="3400" dirty="0" smtClean="0">
-                <a:solidFill>
-                  <a:srgbClr val="102F4B"/>
-                </a:solidFill>
-              </a:rPr>
-              <a:t>angerous tasks and mutab</a:t>
-            </a:r>
-            <a:r>
-              <a:rPr lang="en-US" sz="3400" dirty="0" smtClean="0">
-                <a:solidFill>
-                  <a:srgbClr val="102F4B"/>
-                </a:solidFill>
-              </a:rPr>
-              <a:t>le state don’t mix and require supervision, can’t multithread mutation</a:t>
-            </a:r>
-            <a:r>
-              <a:rPr lang="en-US" sz="3400" dirty="0" smtClean="0">
-                <a:solidFill>
-                  <a:srgbClr val="102F4B"/>
-                </a:solidFill>
-              </a:rPr>
-              <a:t> </a:t>
-            </a:r>
-            <a:endParaRPr lang="en-US" sz="3400" dirty="0" smtClean="0">
-              <a:solidFill>
-                <a:srgbClr val="102F4B"/>
-              </a:solidFill>
-            </a:endParaRPr>
+              <a:t>Dangerous tasks and mutable state don’t mix and require supervision, can’t multithread mutation </a:t>
+            </a:r>
           </a:p>
         </p:txBody>
       </p:sp>

--- a/React Vs Shared State Deck.pptx
+++ b/React Vs Shared State Deck.pptx
@@ -5,7 +5,7 @@
     <p:sldMasterId id="2147483962" r:id="rId1"/>
   </p:sldMasterIdLst>
   <p:notesMasterIdLst>
-    <p:notesMasterId r:id="rId17"/>
+    <p:notesMasterId r:id="rId18"/>
   </p:notesMasterIdLst>
   <p:sldIdLst>
     <p:sldId id="256" r:id="rId2"/>
@@ -21,8 +21,9 @@
     <p:sldId id="284" r:id="rId12"/>
     <p:sldId id="285" r:id="rId13"/>
     <p:sldId id="286" r:id="rId14"/>
-    <p:sldId id="278" r:id="rId15"/>
-    <p:sldId id="282" r:id="rId16"/>
+    <p:sldId id="287" r:id="rId15"/>
+    <p:sldId id="278" r:id="rId16"/>
+    <p:sldId id="282" r:id="rId17"/>
   </p:sldIdLst>
   <p:sldSz cx="9144000" cy="6858000" type="screen4x3"/>
   <p:notesSz cx="7010400" cy="9296400"/>
@@ -518,6 +519,126 @@
           <a:bodyPr/>
           <a:lstStyle/>
           <a:p>
+            <a:pPr marL="628650" lvl="1" indent="-171450">
+              <a:buFont typeface="Arial"/>
+              <a:buChar char="•"/>
+            </a:pPr>
+            <a:r>
+              <a:rPr lang="en-US" dirty="0" smtClean="0">
+                <a:solidFill>
+                  <a:srgbClr val="102F4B"/>
+                </a:solidFill>
+              </a:rPr>
+              <a:t>Function Reactive Programming (Not the same as Reactive)- </a:t>
+            </a:r>
+            <a:r>
+              <a:rPr lang="en-US" dirty="0" err="1" smtClean="0">
+                <a:solidFill>
+                  <a:srgbClr val="102F4B"/>
+                </a:solidFill>
+              </a:rPr>
+              <a:t>composable</a:t>
+            </a:r>
+            <a:r>
+              <a:rPr lang="en-US" dirty="0" smtClean="0">
+                <a:solidFill>
+                  <a:srgbClr val="102F4B"/>
+                </a:solidFill>
+              </a:rPr>
+              <a:t> streams</a:t>
+            </a:r>
+          </a:p>
+          <a:p>
+            <a:pPr marL="628650" lvl="1" indent="-171450">
+              <a:buFont typeface="Arial"/>
+              <a:buChar char="•"/>
+            </a:pPr>
+            <a:r>
+              <a:rPr lang="en-US" dirty="0" smtClean="0">
+                <a:solidFill>
+                  <a:srgbClr val="102F4B"/>
+                </a:solidFill>
+              </a:rPr>
+              <a:t>Publisher/Subscriber- ex JavaScript event handling</a:t>
+            </a:r>
+          </a:p>
+          <a:p>
+            <a:pPr marL="628650" lvl="1" indent="-171450">
+              <a:buFont typeface="Arial"/>
+              <a:buChar char="•"/>
+            </a:pPr>
+            <a:r>
+              <a:rPr lang="en-US" dirty="0" smtClean="0">
+                <a:solidFill>
+                  <a:srgbClr val="102F4B"/>
+                </a:solidFill>
+              </a:rPr>
+              <a:t>Communicating sequential processes- similar to actor model (</a:t>
+            </a:r>
+            <a:r>
+              <a:rPr lang="en-US" dirty="0" err="1" smtClean="0">
+                <a:solidFill>
+                  <a:srgbClr val="102F4B"/>
+                </a:solidFill>
+              </a:rPr>
+              <a:t>Akka</a:t>
+            </a:r>
+            <a:r>
+              <a:rPr lang="en-US" dirty="0" smtClean="0">
+                <a:solidFill>
+                  <a:srgbClr val="102F4B"/>
+                </a:solidFill>
+              </a:rPr>
+              <a:t>) but messages are synchronous and processes are anonymous</a:t>
+            </a:r>
+          </a:p>
+          <a:p>
+            <a:pPr marL="628650" lvl="1" indent="-171450">
+              <a:buFont typeface="Arial"/>
+              <a:buChar char="•"/>
+            </a:pPr>
+            <a:r>
+              <a:rPr lang="en-US" dirty="0" smtClean="0">
+                <a:solidFill>
+                  <a:srgbClr val="102F4B"/>
+                </a:solidFill>
+              </a:rPr>
+              <a:t>Software transactional memory- analogous to database transactions, built into </a:t>
+            </a:r>
+            <a:r>
+              <a:rPr lang="en-US" dirty="0" err="1" smtClean="0">
+                <a:solidFill>
+                  <a:srgbClr val="102F4B"/>
+                </a:solidFill>
+              </a:rPr>
+              <a:t>Clojure</a:t>
+            </a:r>
+            <a:r>
+              <a:rPr lang="en-US" dirty="0" smtClean="0">
+                <a:solidFill>
+                  <a:srgbClr val="102F4B"/>
+                </a:solidFill>
+              </a:rPr>
+              <a:t> and implemented in many languages (Java, Haskell, </a:t>
+            </a:r>
+            <a:r>
+              <a:rPr lang="en-US" dirty="0" err="1" smtClean="0">
+                <a:solidFill>
+                  <a:srgbClr val="102F4B"/>
+                </a:solidFill>
+              </a:rPr>
+              <a:t>Ocaml</a:t>
+            </a:r>
+            <a:r>
+              <a:rPr lang="en-US" dirty="0" smtClean="0">
+                <a:solidFill>
+                  <a:srgbClr val="102F4B"/>
+                </a:solidFill>
+              </a:rPr>
+              <a:t>)</a:t>
+            </a:r>
+          </a:p>
+          <a:p>
             <a:endParaRPr lang="en-US" dirty="0"/>
           </a:p>
         </p:txBody>
@@ -539,7 +660,7 @@
           <a:p>
             <a:fld id="{1073248B-147C-BA4E-8DD8-0D2978845817}" type="slidenum">
               <a:rPr lang="en-US" smtClean="0"/>
-              <a:t>8</a:t>
+              <a:t>5</a:t>
             </a:fld>
             <a:endParaRPr lang="en-US"/>
           </a:p>
@@ -548,7 +669,7 @@
     </p:spTree>
     <p:extLst>
       <p:ext uri="{BB962C8B-B14F-4D97-AF65-F5344CB8AC3E}">
-        <p14:creationId xmlns:p14="http://schemas.microsoft.com/office/powerpoint/2010/main" val="807728405"/>
+        <p14:creationId xmlns:p14="http://schemas.microsoft.com/office/powerpoint/2010/main" val="3244210851"/>
       </p:ext>
     </p:extLst>
   </p:cSld>
@@ -602,38 +723,151 @@
           <a:bodyPr/>
           <a:lstStyle/>
           <a:p>
-            <a:r>
-              <a:rPr lang="en-US" dirty="0" smtClean="0"/>
-              <a:t>Right column is </a:t>
-            </a:r>
-            <a:r>
-              <a:rPr lang="en-US" dirty="0" err="1" smtClean="0"/>
-              <a:t>Dev</a:t>
-            </a:r>
-            <a:r>
-              <a:rPr lang="en-US" dirty="0" smtClean="0"/>
-              <a:t> Ops used</a:t>
-            </a:r>
-            <a:r>
-              <a:rPr lang="en-US" baseline="0" dirty="0" smtClean="0"/>
-              <a:t> in this </a:t>
-            </a:r>
-            <a:r>
-              <a:rPr lang="en-US" baseline="0" smtClean="0"/>
-              <a:t>demo. </a:t>
-            </a:r>
-            <a:r>
-              <a:rPr lang="en-US" smtClean="0"/>
-              <a:t>Now</a:t>
-            </a:r>
-            <a:r>
-              <a:rPr lang="en-US" baseline="0" smtClean="0"/>
-              <a:t> </a:t>
-            </a:r>
-            <a:r>
-              <a:rPr lang="en-US" baseline="0" dirty="0" smtClean="0"/>
-              <a:t>let’s look at code!!!</a:t>
-            </a:r>
+            <a:pPr marL="457200" indent="-457200">
+              <a:buFont typeface="Arial"/>
+              <a:buChar char="•"/>
+            </a:pPr>
+            <a:r>
+              <a:rPr lang="en-US" sz="3400" dirty="0" smtClean="0">
+                <a:solidFill>
+                  <a:srgbClr val="102F4B"/>
+                </a:solidFill>
+              </a:rPr>
+              <a:t>Actors instead of threads</a:t>
+            </a:r>
+          </a:p>
+          <a:p>
+            <a:pPr marL="914400" lvl="1" indent="-457200">
+              <a:buFont typeface="Arial"/>
+              <a:buChar char="•"/>
+            </a:pPr>
+            <a:r>
+              <a:rPr lang="en-US" sz="3000" dirty="0" smtClean="0">
+                <a:solidFill>
+                  <a:srgbClr val="102F4B"/>
+                </a:solidFill>
+              </a:rPr>
+              <a:t>Lightweight, easy to reason about (actor’s are like people… specialized and one task at a time), delegate and supervise </a:t>
+            </a:r>
+          </a:p>
+          <a:p>
+            <a:pPr marL="457200" indent="-457200">
+              <a:buFont typeface="Arial"/>
+              <a:buChar char="•"/>
+            </a:pPr>
+            <a:r>
+              <a:rPr lang="en-US" sz="3400" dirty="0" smtClean="0">
+                <a:solidFill>
+                  <a:srgbClr val="102F4B"/>
+                </a:solidFill>
+              </a:rPr>
+              <a:t>Actors communicate with message passing</a:t>
+            </a:r>
+            <a:endParaRPr lang="en-US" sz="3000" dirty="0" smtClean="0">
+              <a:solidFill>
+                <a:srgbClr val="102F4B"/>
+              </a:solidFill>
+            </a:endParaRPr>
+          </a:p>
+          <a:p>
+            <a:pPr marL="914400" lvl="1" indent="-457200">
+              <a:buFont typeface="Arial"/>
+              <a:buChar char="•"/>
+            </a:pPr>
+            <a:r>
+              <a:rPr lang="en-US" sz="3000" dirty="0" smtClean="0">
+                <a:solidFill>
+                  <a:srgbClr val="102F4B"/>
+                </a:solidFill>
+              </a:rPr>
+              <a:t>Messages are objects containing information, they aren’t imperative, they’re reacted to</a:t>
+            </a:r>
+          </a:p>
+          <a:p>
+            <a:pPr marL="457200" indent="-457200">
+              <a:buFont typeface="Arial"/>
+              <a:buChar char="•"/>
+            </a:pPr>
+            <a:r>
+              <a:rPr lang="en-US" sz="3400" dirty="0" smtClean="0">
+                <a:solidFill>
+                  <a:srgbClr val="102F4B"/>
+                </a:solidFill>
+              </a:rPr>
+              <a:t>Mutable state</a:t>
+            </a:r>
+          </a:p>
+          <a:p>
+            <a:pPr marL="914400" lvl="1" indent="-457200">
+              <a:buFont typeface="Arial"/>
+              <a:buChar char="•"/>
+            </a:pPr>
+            <a:r>
+              <a:rPr lang="en-US" sz="3000" dirty="0" smtClean="0">
+                <a:solidFill>
+                  <a:srgbClr val="102F4B"/>
+                </a:solidFill>
+              </a:rPr>
+              <a:t>But only an actor can change itself (state isn’t shared)</a:t>
+            </a:r>
+          </a:p>
+          <a:p>
+            <a:pPr marL="457200" indent="-457200">
+              <a:buFont typeface="Arial"/>
+              <a:buChar char="•"/>
+            </a:pPr>
+            <a:r>
+              <a:rPr lang="en-US" sz="3400" dirty="0" smtClean="0">
+                <a:solidFill>
+                  <a:srgbClr val="102F4B"/>
+                </a:solidFill>
+              </a:rPr>
+              <a:t>Each actor has a mailbox (queue)</a:t>
+            </a:r>
+          </a:p>
+          <a:p>
+            <a:pPr marL="914400" lvl="1" indent="-457200">
+              <a:buFont typeface="Arial"/>
+              <a:buChar char="•"/>
+            </a:pPr>
+            <a:r>
+              <a:rPr lang="en-US" sz="3000" dirty="0" smtClean="0">
+                <a:solidFill>
+                  <a:srgbClr val="102F4B"/>
+                </a:solidFill>
+              </a:rPr>
+              <a:t>Synchronous message processing (No locks, blocking, or thread sleep)</a:t>
+            </a:r>
+          </a:p>
+          <a:p>
+            <a:pPr marL="457200" indent="-457200">
+              <a:buFont typeface="Arial"/>
+              <a:buChar char="•"/>
+            </a:pPr>
+            <a:r>
+              <a:rPr lang="en-US" sz="3400" dirty="0" smtClean="0">
+                <a:solidFill>
+                  <a:srgbClr val="102F4B"/>
+                </a:solidFill>
+              </a:rPr>
+              <a:t>Loose coupling</a:t>
+            </a:r>
+          </a:p>
+          <a:p>
+            <a:pPr marL="914400" lvl="1" indent="-457200">
+              <a:buFont typeface="Arial"/>
+              <a:buChar char="•"/>
+            </a:pPr>
+            <a:r>
+              <a:rPr lang="en-US" sz="3000" dirty="0" smtClean="0">
+                <a:solidFill>
+                  <a:srgbClr val="102F4B"/>
+                </a:solidFill>
+              </a:rPr>
+              <a:t>Messages are strongly typed, receive method that processes them isn’t</a:t>
+            </a:r>
+          </a:p>
+          <a:p>
             <a:endParaRPr lang="en-US" dirty="0"/>
           </a:p>
         </p:txBody>
@@ -655,6 +889,206 @@
           <a:p>
             <a:fld id="{1073248B-147C-BA4E-8DD8-0D2978845817}" type="slidenum">
               <a:rPr lang="en-US" smtClean="0"/>
+              <a:t>7</a:t>
+            </a:fld>
+            <a:endParaRPr lang="en-US"/>
+          </a:p>
+        </p:txBody>
+      </p:sp>
+    </p:spTree>
+    <p:extLst>
+      <p:ext uri="{BB962C8B-B14F-4D97-AF65-F5344CB8AC3E}">
+        <p14:creationId xmlns:p14="http://schemas.microsoft.com/office/powerpoint/2010/main" val="1915093685"/>
+      </p:ext>
+    </p:extLst>
+  </p:cSld>
+  <p:clrMapOvr>
+    <a:masterClrMapping/>
+  </p:clrMapOvr>
+</p:notes>
+</file>
+
+<file path=ppt/notesSlides/notesSlide3.xml><?xml version="1.0" encoding="utf-8"?>
+<p:notes xmlns:a="http://schemas.openxmlformats.org/drawingml/2006/main" xmlns:r="http://schemas.openxmlformats.org/officeDocument/2006/relationships" xmlns:p="http://schemas.openxmlformats.org/presentationml/2006/main">
+  <p:cSld>
+    <p:spTree>
+      <p:nvGrpSpPr>
+        <p:cNvPr id="1" name=""/>
+        <p:cNvGrpSpPr/>
+        <p:nvPr/>
+      </p:nvGrpSpPr>
+      <p:grpSpPr>
+        <a:xfrm>
+          <a:off x="0" y="0"/>
+          <a:ext cx="0" cy="0"/>
+          <a:chOff x="0" y="0"/>
+          <a:chExt cx="0" cy="0"/>
+        </a:xfrm>
+      </p:grpSpPr>
+      <p:sp>
+        <p:nvSpPr>
+          <p:cNvPr id="2" name="Slide Image Placeholder 1"/>
+          <p:cNvSpPr>
+            <a:spLocks noGrp="1" noRot="1" noChangeAspect="1"/>
+          </p:cNvSpPr>
+          <p:nvPr>
+            <p:ph type="sldImg"/>
+          </p:nvPr>
+        </p:nvSpPr>
+        <p:spPr/>
+      </p:sp>
+      <p:sp>
+        <p:nvSpPr>
+          <p:cNvPr id="3" name="Notes Placeholder 2"/>
+          <p:cNvSpPr>
+            <a:spLocks noGrp="1"/>
+          </p:cNvSpPr>
+          <p:nvPr>
+            <p:ph type="body" idx="1"/>
+          </p:nvPr>
+        </p:nvSpPr>
+        <p:spPr/>
+        <p:txBody>
+          <a:bodyPr/>
+          <a:lstStyle/>
+          <a:p>
+            <a:endParaRPr lang="en-US" dirty="0"/>
+          </a:p>
+        </p:txBody>
+      </p:sp>
+      <p:sp>
+        <p:nvSpPr>
+          <p:cNvPr id="4" name="Slide Number Placeholder 3"/>
+          <p:cNvSpPr>
+            <a:spLocks noGrp="1"/>
+          </p:cNvSpPr>
+          <p:nvPr>
+            <p:ph type="sldNum" sz="quarter" idx="10"/>
+          </p:nvPr>
+        </p:nvSpPr>
+        <p:spPr/>
+        <p:txBody>
+          <a:bodyPr/>
+          <a:lstStyle/>
+          <a:p>
+            <a:fld id="{1073248B-147C-BA4E-8DD8-0D2978845817}" type="slidenum">
+              <a:rPr lang="en-US" smtClean="0"/>
+              <a:t>8</a:t>
+            </a:fld>
+            <a:endParaRPr lang="en-US"/>
+          </a:p>
+        </p:txBody>
+      </p:sp>
+    </p:spTree>
+    <p:extLst>
+      <p:ext uri="{BB962C8B-B14F-4D97-AF65-F5344CB8AC3E}">
+        <p14:creationId xmlns:p14="http://schemas.microsoft.com/office/powerpoint/2010/main" val="807728405"/>
+      </p:ext>
+    </p:extLst>
+  </p:cSld>
+  <p:clrMapOvr>
+    <a:masterClrMapping/>
+  </p:clrMapOvr>
+</p:notes>
+</file>
+
+<file path=ppt/notesSlides/notesSlide4.xml><?xml version="1.0" encoding="utf-8"?>
+<p:notes xmlns:a="http://schemas.openxmlformats.org/drawingml/2006/main" xmlns:r="http://schemas.openxmlformats.org/officeDocument/2006/relationships" xmlns:p="http://schemas.openxmlformats.org/presentationml/2006/main">
+  <p:cSld>
+    <p:spTree>
+      <p:nvGrpSpPr>
+        <p:cNvPr id="1" name=""/>
+        <p:cNvGrpSpPr/>
+        <p:nvPr/>
+      </p:nvGrpSpPr>
+      <p:grpSpPr>
+        <a:xfrm>
+          <a:off x="0" y="0"/>
+          <a:ext cx="0" cy="0"/>
+          <a:chOff x="0" y="0"/>
+          <a:chExt cx="0" cy="0"/>
+        </a:xfrm>
+      </p:grpSpPr>
+      <p:sp>
+        <p:nvSpPr>
+          <p:cNvPr id="2" name="Slide Image Placeholder 1"/>
+          <p:cNvSpPr>
+            <a:spLocks noGrp="1" noRot="1" noChangeAspect="1"/>
+          </p:cNvSpPr>
+          <p:nvPr>
+            <p:ph type="sldImg"/>
+          </p:nvPr>
+        </p:nvSpPr>
+        <p:spPr/>
+      </p:sp>
+      <p:sp>
+        <p:nvSpPr>
+          <p:cNvPr id="3" name="Notes Placeholder 2"/>
+          <p:cNvSpPr>
+            <a:spLocks noGrp="1"/>
+          </p:cNvSpPr>
+          <p:nvPr>
+            <p:ph type="body" idx="1"/>
+          </p:nvPr>
+        </p:nvSpPr>
+        <p:spPr/>
+        <p:txBody>
+          <a:bodyPr/>
+          <a:lstStyle/>
+          <a:p>
+            <a:r>
+              <a:rPr lang="en-US" dirty="0" smtClean="0"/>
+              <a:t>Right column is </a:t>
+            </a:r>
+            <a:r>
+              <a:rPr lang="en-US" dirty="0" err="1" smtClean="0"/>
+              <a:t>Dev</a:t>
+            </a:r>
+            <a:r>
+              <a:rPr lang="en-US" dirty="0" smtClean="0"/>
+              <a:t> Ops used</a:t>
+            </a:r>
+            <a:r>
+              <a:rPr lang="en-US" baseline="0" dirty="0" smtClean="0"/>
+              <a:t> in this </a:t>
+            </a:r>
+            <a:r>
+              <a:rPr lang="en-US" baseline="0" smtClean="0"/>
+              <a:t>demo. </a:t>
+            </a:r>
+            <a:r>
+              <a:rPr lang="en-US" smtClean="0"/>
+              <a:t>Now</a:t>
+            </a:r>
+            <a:r>
+              <a:rPr lang="en-US" baseline="0" smtClean="0"/>
+              <a:t> </a:t>
+            </a:r>
+            <a:r>
+              <a:rPr lang="en-US" baseline="0" dirty="0" smtClean="0"/>
+              <a:t>let’s look at code!!!</a:t>
+            </a:r>
+            <a:endParaRPr lang="en-US" dirty="0"/>
+          </a:p>
+        </p:txBody>
+      </p:sp>
+      <p:sp>
+        <p:nvSpPr>
+          <p:cNvPr id="4" name="Slide Number Placeholder 3"/>
+          <p:cNvSpPr>
+            <a:spLocks noGrp="1"/>
+          </p:cNvSpPr>
+          <p:nvPr>
+            <p:ph type="sldNum" sz="quarter" idx="10"/>
+          </p:nvPr>
+        </p:nvSpPr>
+        <p:spPr/>
+        <p:txBody>
+          <a:bodyPr/>
+          <a:lstStyle/>
+          <a:p>
+            <a:fld id="{1073248B-147C-BA4E-8DD8-0D2978845817}" type="slidenum">
+              <a:rPr lang="en-US" smtClean="0"/>
               <a:t>9</a:t>
             </a:fld>
             <a:endParaRPr lang="en-US"/>
@@ -665,6 +1099,275 @@
     <p:extLst>
       <p:ext uri="{BB962C8B-B14F-4D97-AF65-F5344CB8AC3E}">
         <p14:creationId xmlns:p14="http://schemas.microsoft.com/office/powerpoint/2010/main" val="3099288007"/>
+      </p:ext>
+    </p:extLst>
+  </p:cSld>
+  <p:clrMapOvr>
+    <a:masterClrMapping/>
+  </p:clrMapOvr>
+</p:notes>
+</file>
+
+<file path=ppt/notesSlides/notesSlide5.xml><?xml version="1.0" encoding="utf-8"?>
+<p:notes xmlns:a="http://schemas.openxmlformats.org/drawingml/2006/main" xmlns:r="http://schemas.openxmlformats.org/officeDocument/2006/relationships" xmlns:p="http://schemas.openxmlformats.org/presentationml/2006/main">
+  <p:cSld>
+    <p:spTree>
+      <p:nvGrpSpPr>
+        <p:cNvPr id="1" name=""/>
+        <p:cNvGrpSpPr/>
+        <p:nvPr/>
+      </p:nvGrpSpPr>
+      <p:grpSpPr>
+        <a:xfrm>
+          <a:off x="0" y="0"/>
+          <a:ext cx="0" cy="0"/>
+          <a:chOff x="0" y="0"/>
+          <a:chExt cx="0" cy="0"/>
+        </a:xfrm>
+      </p:grpSpPr>
+      <p:sp>
+        <p:nvSpPr>
+          <p:cNvPr id="2" name="Slide Image Placeholder 1"/>
+          <p:cNvSpPr>
+            <a:spLocks noGrp="1" noRot="1" noChangeAspect="1"/>
+          </p:cNvSpPr>
+          <p:nvPr>
+            <p:ph type="sldImg"/>
+          </p:nvPr>
+        </p:nvSpPr>
+        <p:spPr/>
+      </p:sp>
+      <p:sp>
+        <p:nvSpPr>
+          <p:cNvPr id="3" name="Notes Placeholder 2"/>
+          <p:cNvSpPr>
+            <a:spLocks noGrp="1"/>
+          </p:cNvSpPr>
+          <p:nvPr>
+            <p:ph type="body" idx="1"/>
+          </p:nvPr>
+        </p:nvSpPr>
+        <p:spPr/>
+        <p:txBody>
+          <a:bodyPr/>
+          <a:lstStyle/>
+          <a:p>
+            <a:pPr marL="628650" lvl="1" indent="-171450">
+              <a:buFont typeface="Arial"/>
+              <a:buChar char="•"/>
+            </a:pPr>
+            <a:r>
+              <a:rPr lang="en-US" dirty="0" smtClean="0"/>
+              <a:t>Handler methods</a:t>
+            </a:r>
+            <a:endParaRPr lang="en-US" sz="2400" dirty="0" smtClean="0"/>
+          </a:p>
+          <a:p>
+            <a:pPr marL="1085850" lvl="2" indent="-171450">
+              <a:buFont typeface="Arial"/>
+              <a:buChar char="•"/>
+            </a:pPr>
+            <a:r>
+              <a:rPr lang="en-US" dirty="0" err="1" smtClean="0"/>
+              <a:t>getInventory</a:t>
+            </a:r>
+            <a:endParaRPr lang="en-US" dirty="0" smtClean="0"/>
+          </a:p>
+          <a:p>
+            <a:pPr marL="1085850" lvl="2" indent="-171450">
+              <a:buFont typeface="Arial"/>
+              <a:buChar char="•"/>
+            </a:pPr>
+            <a:r>
+              <a:rPr lang="en-US" dirty="0" err="1" smtClean="0"/>
+              <a:t>updateInventory</a:t>
+            </a:r>
+            <a:endParaRPr lang="en-US" dirty="0" smtClean="0"/>
+          </a:p>
+          <a:p>
+            <a:pPr marL="1543050" lvl="3" indent="-171450">
+              <a:buFont typeface="Arial"/>
+              <a:buChar char="•"/>
+            </a:pPr>
+            <a:r>
+              <a:rPr lang="en-US" dirty="0" smtClean="0"/>
+              <a:t>Persists the new value to Mongo if quantity changes</a:t>
+            </a:r>
+          </a:p>
+          <a:p>
+            <a:pPr marL="1085850" marR="0" lvl="2" indent="-171450" algn="l" defTabSz="457200" rtl="0" eaLnBrk="1" fontAlgn="auto" latinLnBrk="0" hangingPunct="1">
+              <a:lnSpc>
+                <a:spcPct val="100000"/>
+              </a:lnSpc>
+              <a:spcBef>
+                <a:spcPts val="0"/>
+              </a:spcBef>
+              <a:spcAft>
+                <a:spcPts val="0"/>
+              </a:spcAft>
+              <a:buClrTx/>
+              <a:buSzTx/>
+              <a:buFont typeface="Arial"/>
+              <a:buChar char="•"/>
+              <a:tabLst/>
+              <a:defRPr/>
+            </a:pPr>
+            <a:r>
+              <a:rPr lang="en-US" dirty="0" smtClean="0"/>
+              <a:t>Both handler methods respond to the request and then send out metrics.</a:t>
+            </a:r>
+            <a:endParaRPr lang="en-US" sz="1100" dirty="0" smtClean="0"/>
+          </a:p>
+          <a:p>
+            <a:pPr marL="1085850" lvl="2" indent="-171450">
+              <a:buFont typeface="Arial"/>
+              <a:buChar char="•"/>
+            </a:pPr>
+            <a:endParaRPr lang="en-US" dirty="0" smtClean="0"/>
+          </a:p>
+          <a:p>
+            <a:pPr marL="1085850" lvl="2" indent="-171450">
+              <a:buFont typeface="Arial"/>
+              <a:buChar char="•"/>
+            </a:pPr>
+            <a:endParaRPr lang="en-US" sz="1400" dirty="0" smtClean="0"/>
+          </a:p>
+          <a:p>
+            <a:endParaRPr lang="en-US" dirty="0"/>
+          </a:p>
+        </p:txBody>
+      </p:sp>
+      <p:sp>
+        <p:nvSpPr>
+          <p:cNvPr id="4" name="Slide Number Placeholder 3"/>
+          <p:cNvSpPr>
+            <a:spLocks noGrp="1"/>
+          </p:cNvSpPr>
+          <p:nvPr>
+            <p:ph type="sldNum" sz="quarter" idx="10"/>
+          </p:nvPr>
+        </p:nvSpPr>
+        <p:spPr/>
+        <p:txBody>
+          <a:bodyPr/>
+          <a:lstStyle/>
+          <a:p>
+            <a:fld id="{1073248B-147C-BA4E-8DD8-0D2978845817}" type="slidenum">
+              <a:rPr lang="en-US" smtClean="0"/>
+              <a:t>11</a:t>
+            </a:fld>
+            <a:endParaRPr lang="en-US"/>
+          </a:p>
+        </p:txBody>
+      </p:sp>
+    </p:spTree>
+    <p:extLst>
+      <p:ext uri="{BB962C8B-B14F-4D97-AF65-F5344CB8AC3E}">
+        <p14:creationId xmlns:p14="http://schemas.microsoft.com/office/powerpoint/2010/main" val="206025104"/>
+      </p:ext>
+    </p:extLst>
+  </p:cSld>
+  <p:clrMapOvr>
+    <a:masterClrMapping/>
+  </p:clrMapOvr>
+</p:notes>
+</file>
+
+<file path=ppt/notesSlides/notesSlide6.xml><?xml version="1.0" encoding="utf-8"?>
+<p:notes xmlns:a="http://schemas.openxmlformats.org/drawingml/2006/main" xmlns:r="http://schemas.openxmlformats.org/officeDocument/2006/relationships" xmlns:p="http://schemas.openxmlformats.org/presentationml/2006/main">
+  <p:cSld>
+    <p:spTree>
+      <p:nvGrpSpPr>
+        <p:cNvPr id="1" name=""/>
+        <p:cNvGrpSpPr/>
+        <p:nvPr/>
+      </p:nvGrpSpPr>
+      <p:grpSpPr>
+        <a:xfrm>
+          <a:off x="0" y="0"/>
+          <a:ext cx="0" cy="0"/>
+          <a:chOff x="0" y="0"/>
+          <a:chExt cx="0" cy="0"/>
+        </a:xfrm>
+      </p:grpSpPr>
+      <p:sp>
+        <p:nvSpPr>
+          <p:cNvPr id="2" name="Slide Image Placeholder 1"/>
+          <p:cNvSpPr>
+            <a:spLocks noGrp="1" noRot="1" noChangeAspect="1"/>
+          </p:cNvSpPr>
+          <p:nvPr>
+            <p:ph type="sldImg"/>
+          </p:nvPr>
+        </p:nvSpPr>
+        <p:spPr/>
+      </p:sp>
+      <p:sp>
+        <p:nvSpPr>
+          <p:cNvPr id="3" name="Notes Placeholder 2"/>
+          <p:cNvSpPr>
+            <a:spLocks noGrp="1"/>
+          </p:cNvSpPr>
+          <p:nvPr>
+            <p:ph type="body" idx="1"/>
+          </p:nvPr>
+        </p:nvSpPr>
+        <p:spPr/>
+        <p:txBody>
+          <a:bodyPr/>
+          <a:lstStyle/>
+          <a:p>
+            <a:pPr marL="342900" marR="0" lvl="1" indent="-342900" algn="l" defTabSz="457200" rtl="0" eaLnBrk="1" fontAlgn="auto" latinLnBrk="0" hangingPunct="1">
+              <a:lnSpc>
+                <a:spcPct val="100000"/>
+              </a:lnSpc>
+              <a:spcBef>
+                <a:spcPts val="0"/>
+              </a:spcBef>
+              <a:spcAft>
+                <a:spcPts val="0"/>
+              </a:spcAft>
+              <a:buClrTx/>
+              <a:buSzTx/>
+              <a:buFont typeface="Arial"/>
+              <a:buChar char="•"/>
+              <a:tabLst/>
+              <a:defRPr/>
+            </a:pPr>
+            <a:r>
+              <a:rPr lang="en-US" sz="2400" dirty="0" smtClean="0"/>
+              <a:t>Dirty reads but synchronized writes using a lock. </a:t>
+            </a:r>
+          </a:p>
+        </p:txBody>
+      </p:sp>
+      <p:sp>
+        <p:nvSpPr>
+          <p:cNvPr id="4" name="Slide Number Placeholder 3"/>
+          <p:cNvSpPr>
+            <a:spLocks noGrp="1"/>
+          </p:cNvSpPr>
+          <p:nvPr>
+            <p:ph type="sldNum" sz="quarter" idx="10"/>
+          </p:nvPr>
+        </p:nvSpPr>
+        <p:spPr/>
+        <p:txBody>
+          <a:bodyPr/>
+          <a:lstStyle/>
+          <a:p>
+            <a:fld id="{1073248B-147C-BA4E-8DD8-0D2978845817}" type="slidenum">
+              <a:rPr lang="en-US" smtClean="0"/>
+              <a:t>13</a:t>
+            </a:fld>
+            <a:endParaRPr lang="en-US"/>
+          </a:p>
+        </p:txBody>
+      </p:sp>
+    </p:spTree>
+    <p:extLst>
+      <p:ext uri="{BB962C8B-B14F-4D97-AF65-F5344CB8AC3E}">
+        <p14:creationId xmlns:p14="http://schemas.microsoft.com/office/powerpoint/2010/main" val="2474179845"/>
       </p:ext>
     </p:extLst>
   </p:cSld>
@@ -4094,8 +4797,12 @@
               <a:t>Netty</a:t>
             </a:r>
             <a:r>
+              <a:rPr lang="en-US" sz="2000" dirty="0" smtClean="0"/>
+              <a:t> web server, </a:t>
+            </a:r>
+            <a:r>
               <a:rPr lang="en-US" sz="2000" dirty="0"/>
-              <a:t>, a non-blocking I/O client-server framework (Originally developed by </a:t>
+              <a:t>a non-blocking I/O client-server framework (Originally developed by </a:t>
             </a:r>
             <a:r>
               <a:rPr lang="en-US" sz="2000" dirty="0" err="1"/>
@@ -4120,13 +4827,10 @@
           <a:p>
             <a:pPr lvl="0"/>
             <a:r>
-              <a:rPr lang="en-US" sz="2400" dirty="0" smtClean="0"/>
-              <a:t>Reactive </a:t>
-            </a:r>
-            <a:r>
-              <a:rPr lang="en-US" sz="2400" dirty="0"/>
-              <a:t>mongo</a:t>
-            </a:r>
+              <a:rPr lang="en-US" sz="2400" dirty="0" err="1" smtClean="0"/>
+              <a:t>ReactiveMongo</a:t>
+            </a:r>
+            <a:endParaRPr lang="en-US" sz="2400" dirty="0"/>
           </a:p>
           <a:p>
             <a:pPr lvl="1"/>
@@ -4136,7 +4840,23 @@
             </a:r>
             <a:r>
               <a:rPr lang="en-US" sz="2000" dirty="0"/>
-              <a:t>blocking, asynchronous driver built on </a:t>
+              <a:t>blocking, </a:t>
+            </a:r>
+            <a:r>
+              <a:rPr lang="en-US" sz="2000" dirty="0" smtClean="0"/>
+              <a:t>asynchronous </a:t>
+            </a:r>
+            <a:r>
+              <a:rPr lang="en-US" sz="2000" dirty="0" err="1" smtClean="0"/>
+              <a:t>MongoDB</a:t>
+            </a:r>
+            <a:r>
+              <a:rPr lang="en-US" sz="2000" dirty="0" smtClean="0"/>
+              <a:t> </a:t>
+            </a:r>
+            <a:r>
+              <a:rPr lang="en-US" sz="2000" dirty="0"/>
+              <a:t>driver built on </a:t>
             </a:r>
             <a:r>
               <a:rPr lang="en-US" sz="2000" dirty="0" err="1"/>
@@ -4144,8 +4864,13 @@
             </a:r>
             <a:r>
               <a:rPr lang="en-US" sz="2000" dirty="0"/>
-              <a:t> Streams.</a:t>
-            </a:r>
+              <a:t> </a:t>
+            </a:r>
+            <a:r>
+              <a:rPr lang="en-US" sz="2000" dirty="0" smtClean="0"/>
+              <a:t>Streams</a:t>
+            </a:r>
+            <a:endParaRPr lang="en-US" sz="2000" dirty="0"/>
           </a:p>
           <a:p>
             <a:pPr lvl="1"/>
@@ -4169,15 +4894,7 @@
             </a:r>
             <a:r>
               <a:rPr lang="en-US" sz="2000" dirty="0" smtClean="0"/>
-              <a:t> (aggregator</a:t>
-            </a:r>
-            <a:r>
-              <a:rPr lang="en-US" sz="2000" dirty="0"/>
-              <a:t>)</a:t>
-            </a:r>
-            <a:r>
-              <a:rPr lang="en-US" sz="2000" dirty="0" smtClean="0"/>
-              <a:t> Data received via one-way </a:t>
+              <a:t> (aggregator): data received via one-way </a:t>
             </a:r>
             <a:r>
               <a:rPr lang="en-US" sz="2000" dirty="0" err="1" smtClean="0"/>
@@ -4193,7 +4910,7 @@
             <a:pPr lvl="1"/>
             <a:r>
               <a:rPr lang="en-US" sz="2000" dirty="0" smtClean="0"/>
-              <a:t>Graphite- Dashboard web application</a:t>
+              <a:t>Graphite: Dashboard web application</a:t>
             </a:r>
           </a:p>
         </p:txBody>
@@ -4299,7 +5016,7 @@
           <p:nvPr/>
         </p:nvPicPr>
         <p:blipFill>
-          <a:blip r:embed="rId2"/>
+          <a:blip r:embed="rId3"/>
           <a:stretch>
             <a:fillRect/>
           </a:stretch>
@@ -4332,7 +5049,7 @@
         </p:spPr>
         <p:txBody>
           <a:bodyPr>
-            <a:normAutofit fontScale="92500" lnSpcReduction="20000"/>
+            <a:normAutofit/>
           </a:bodyPr>
           <a:lstStyle/>
           <a:p>
@@ -4344,6 +5061,10 @@
           </a:p>
           <a:p>
             <a:pPr lvl="1"/>
+            <a:r>
+              <a:rPr lang="en-US" sz="2400" dirty="0" smtClean="0"/>
+              <a:t>Uses </a:t>
+            </a:r>
             <a:r>
               <a:rPr lang="en-US" sz="2400" dirty="0" err="1" smtClean="0"/>
               <a:t>TrieMap</a:t>
@@ -4697,47 +5418,7 @@
               <a:rPr lang="en-US" dirty="0" smtClean="0"/>
               <a:t>Handler methods</a:t>
             </a:r>
-            <a:endParaRPr lang="en-US" sz="2400" dirty="0"/>
-          </a:p>
-          <a:p>
-            <a:pPr lvl="2"/>
-            <a:r>
-              <a:rPr lang="en-US" dirty="0" err="1" smtClean="0"/>
-              <a:t>getInventory</a:t>
-            </a:r>
-            <a:endParaRPr lang="en-US" dirty="0" smtClean="0"/>
-          </a:p>
-          <a:p>
-            <a:pPr lvl="2"/>
-            <a:r>
-              <a:rPr lang="en-US" dirty="0" err="1" smtClean="0"/>
-              <a:t>updateInventory</a:t>
-            </a:r>
-            <a:endParaRPr lang="en-US" dirty="0" smtClean="0"/>
-          </a:p>
-          <a:p>
-            <a:pPr lvl="3"/>
-            <a:r>
-              <a:rPr lang="en-US" dirty="0" smtClean="0"/>
-              <a:t>Persists </a:t>
-            </a:r>
-            <a:r>
-              <a:rPr lang="en-US" dirty="0"/>
-              <a:t>the new value to Mongo if quantity changes</a:t>
-            </a:r>
-            <a:endParaRPr lang="en-US" sz="1400" dirty="0"/>
-          </a:p>
-          <a:p>
-            <a:pPr lvl="1"/>
-            <a:r>
-              <a:rPr lang="en-US" dirty="0"/>
-              <a:t>Both handler methods respond to the request and then send out our metrics</a:t>
-            </a:r>
-            <a:r>
-              <a:rPr lang="en-US" dirty="0" smtClean="0"/>
-              <a:t>.</a:t>
-            </a:r>
-            <a:endParaRPr lang="en-US" sz="2400" dirty="0"/>
+            <a:endParaRPr lang="en-US" sz="2400" dirty="0" smtClean="0"/>
           </a:p>
         </p:txBody>
       </p:sp>
@@ -6077,7 +6758,7 @@
           <p:nvPr/>
         </p:nvPicPr>
         <p:blipFill>
-          <a:blip r:embed="rId2"/>
+          <a:blip r:embed="rId3"/>
           <a:stretch>
             <a:fillRect/>
           </a:stretch>
@@ -6110,63 +6791,23 @@
         </p:spPr>
         <p:txBody>
           <a:bodyPr>
-            <a:normAutofit fontScale="92500" lnSpcReduction="20000"/>
+            <a:normAutofit lnSpcReduction="10000"/>
           </a:bodyPr>
           <a:lstStyle/>
           <a:p>
-            <a:pPr lvl="0"/>
-            <a:r>
-              <a:rPr lang="en-US" dirty="0" err="1" smtClean="0"/>
-              <a:t>InventoryQuantity</a:t>
-            </a:r>
-            <a:r>
-              <a:rPr lang="en-US" dirty="0" smtClean="0"/>
-              <a:t> model</a:t>
-            </a:r>
-            <a:endParaRPr lang="en-US" sz="2800" dirty="0"/>
-          </a:p>
-          <a:p>
-            <a:pPr lvl="1"/>
-            <a:r>
-              <a:rPr lang="en-US" dirty="0" smtClean="0"/>
-              <a:t>Dirty reads </a:t>
-            </a:r>
-            <a:r>
-              <a:rPr lang="en-US" dirty="0"/>
-              <a:t>but </a:t>
-            </a:r>
-            <a:r>
-              <a:rPr lang="en-US" dirty="0" smtClean="0"/>
-              <a:t>synchronized writes </a:t>
-            </a:r>
-            <a:r>
-              <a:rPr lang="en-US" dirty="0"/>
-              <a:t>using a </a:t>
-            </a:r>
-            <a:r>
-              <a:rPr lang="en-US" dirty="0" smtClean="0"/>
-              <a:t>lock</a:t>
-            </a:r>
-            <a:r>
-              <a:rPr lang="en-US" dirty="0"/>
-              <a:t>. </a:t>
-            </a:r>
-            <a:endParaRPr lang="en-US" dirty="0" smtClean="0"/>
-          </a:p>
-          <a:p>
-            <a:pPr marL="457200" lvl="1" indent="0">
+            <a:pPr marL="0" indent="0">
               <a:buNone/>
             </a:pPr>
             <a:r>
-              <a:rPr lang="en-US" sz="2400" dirty="0">
-                <a:solidFill>
-                  <a:srgbClr val="0000FF"/>
-                </a:solidFill>
-              </a:rPr>
-              <a:t> </a:t>
-            </a:r>
-            <a:r>
-              <a:rPr lang="en-US" sz="2400" dirty="0" err="1">
+              <a:rPr lang="en-US" sz="2400" dirty="0" smtClean="0">
+                <a:solidFill>
+                  <a:srgbClr val="0000FF"/>
+                </a:solidFill>
+              </a:rPr>
+              <a:t>	</a:t>
+            </a:r>
+            <a:r>
+              <a:rPr lang="en-US" sz="2400" dirty="0" err="1" smtClean="0">
                 <a:solidFill>
                   <a:srgbClr val="0000FF"/>
                 </a:solidFill>
@@ -6174,7 +6815,7 @@
               <a:t>def</a:t>
             </a:r>
             <a:r>
-              <a:rPr lang="en-US" sz="2400" dirty="0">
+              <a:rPr lang="en-US" sz="2400" dirty="0" smtClean="0">
                 <a:solidFill>
                   <a:srgbClr val="0000FF"/>
                 </a:solidFill>
@@ -6540,13 +7181,16 @@
                   <a:srgbClr val="0000FF"/>
                 </a:solidFill>
               </a:rPr>
-              <a:t>  }</a:t>
-            </a:r>
-            <a:endParaRPr lang="en-US" sz="2400" dirty="0">
-              <a:solidFill>
-                <a:srgbClr val="0000FF"/>
-              </a:solidFill>
-            </a:endParaRPr>
+              <a:t>  </a:t>
+            </a:r>
+            <a:r>
+              <a:rPr lang="en-US" sz="2400" dirty="0" smtClean="0">
+                <a:solidFill>
+                  <a:srgbClr val="0000FF"/>
+                </a:solidFill>
+              </a:rPr>
+              <a:t>}</a:t>
+            </a:r>
           </a:p>
         </p:txBody>
       </p:sp>
@@ -6627,6 +7271,606 @@
           <a:lstStyle/>
           <a:p>
             <a:r>
+              <a:rPr lang="en-US" sz="4300" dirty="0" smtClean="0">
+                <a:solidFill>
+                  <a:srgbClr val="FFFFFF"/>
+                </a:solidFill>
+              </a:rPr>
+              <a:t>Reactive Inventory Application </a:t>
+            </a:r>
+            <a:endParaRPr lang="en-US" sz="4300" dirty="0">
+              <a:solidFill>
+                <a:srgbClr val="FFFFFF"/>
+              </a:solidFill>
+            </a:endParaRPr>
+          </a:p>
+        </p:txBody>
+      </p:sp>
+      <p:pic>
+        <p:nvPicPr>
+          <p:cNvPr id="5" name="Picture 4"/>
+          <p:cNvPicPr>
+            <a:picLocks noChangeAspect="1"/>
+          </p:cNvPicPr>
+          <p:nvPr/>
+        </p:nvPicPr>
+        <p:blipFill>
+          <a:blip r:embed="rId2"/>
+          <a:stretch>
+            <a:fillRect/>
+          </a:stretch>
+        </p:blipFill>
+        <p:spPr>
+          <a:xfrm>
+            <a:off x="427268" y="6118657"/>
+            <a:ext cx="529526" cy="356061"/>
+          </a:xfrm>
+          <a:prstGeom prst="rect">
+            <a:avLst/>
+          </a:prstGeom>
+        </p:spPr>
+      </p:pic>
+      <p:sp>
+        <p:nvSpPr>
+          <p:cNvPr id="7" name="Content Placeholder 2"/>
+          <p:cNvSpPr>
+            <a:spLocks noGrp="1"/>
+          </p:cNvSpPr>
+          <p:nvPr>
+            <p:ph idx="1"/>
+          </p:nvPr>
+        </p:nvSpPr>
+        <p:spPr>
+          <a:xfrm>
+            <a:off x="0" y="1202687"/>
+            <a:ext cx="9144000" cy="5272031"/>
+          </a:xfrm>
+        </p:spPr>
+        <p:txBody>
+          <a:bodyPr>
+            <a:normAutofit fontScale="32500" lnSpcReduction="20000"/>
+          </a:bodyPr>
+          <a:lstStyle/>
+          <a:p>
+            <a:r>
+              <a:rPr lang="en-US" sz="2800" dirty="0" smtClean="0"/>
+              <a:t>Application controller</a:t>
+            </a:r>
+            <a:endParaRPr lang="en-US" sz="2800" dirty="0"/>
+          </a:p>
+          <a:p>
+            <a:pPr lvl="1"/>
+            <a:r>
+              <a:rPr lang="en-US" sz="2400" dirty="0"/>
+              <a:t>Actor system- actor hierarchy that shares configuration.</a:t>
+            </a:r>
+          </a:p>
+          <a:p>
+            <a:pPr lvl="2"/>
+            <a:r>
+              <a:rPr lang="en-US" dirty="0"/>
+              <a:t>Play has it’s own internal actor system that we can use if we only have a couple of actors. </a:t>
+            </a:r>
+          </a:p>
+          <a:p>
+            <a:pPr lvl="2"/>
+            <a:r>
+              <a:rPr lang="en-US" dirty="0"/>
+              <a:t>But since we have 1100 actors and we’re expecting a lot of load on the site we create another actor system to separate the http server from the application layer</a:t>
+            </a:r>
+            <a:r>
+              <a:rPr lang="en-US" dirty="0" smtClean="0"/>
+              <a:t>.</a:t>
+            </a:r>
+          </a:p>
+          <a:p>
+            <a:pPr lvl="1"/>
+            <a:r>
+              <a:rPr lang="en-US" dirty="0"/>
+              <a:t>Next we initialize our actors. </a:t>
+            </a:r>
+            <a:endParaRPr lang="en-US" sz="2400" dirty="0"/>
+          </a:p>
+          <a:p>
+            <a:pPr lvl="2"/>
+            <a:r>
+              <a:rPr lang="en-US" dirty="0"/>
+              <a:t>For each </a:t>
+            </a:r>
+            <a:r>
+              <a:rPr lang="en-US" dirty="0" err="1"/>
+              <a:t>sku</a:t>
+            </a:r>
+            <a:r>
+              <a:rPr lang="en-US" dirty="0"/>
+              <a:t> we instantiate an </a:t>
+            </a:r>
+            <a:r>
+              <a:rPr lang="en-US" dirty="0" err="1"/>
+              <a:t>InventoryUpdater</a:t>
+            </a:r>
+            <a:r>
+              <a:rPr lang="en-US" dirty="0"/>
+              <a:t> actor and a pool of 10 </a:t>
+            </a:r>
+            <a:r>
+              <a:rPr lang="en-US" dirty="0" err="1"/>
+              <a:t>InventoryGetter</a:t>
+            </a:r>
+            <a:r>
+              <a:rPr lang="en-US" dirty="0"/>
+              <a:t> actors. </a:t>
+            </a:r>
+            <a:endParaRPr lang="en-US" sz="2000" dirty="0"/>
+          </a:p>
+          <a:p>
+            <a:pPr lvl="2"/>
+            <a:r>
+              <a:rPr lang="en-US" dirty="0"/>
+              <a:t>This bring up a crucial point in regards to </a:t>
+            </a:r>
+            <a:r>
+              <a:rPr lang="en-US" dirty="0" err="1"/>
+              <a:t>Akka</a:t>
+            </a:r>
+            <a:r>
+              <a:rPr lang="en-US" dirty="0"/>
+              <a:t> design. </a:t>
+            </a:r>
+            <a:endParaRPr lang="en-US" sz="2000" dirty="0"/>
+          </a:p>
+          <a:p>
+            <a:pPr lvl="3"/>
+            <a:r>
+              <a:rPr lang="en-US" dirty="0"/>
+              <a:t>We don’t have a pool of actors with access to all inventory, that would require shared-state which we are avoiding.</a:t>
+            </a:r>
+            <a:endParaRPr lang="en-US" sz="1800" dirty="0"/>
+          </a:p>
+          <a:p>
+            <a:pPr lvl="3"/>
+            <a:r>
+              <a:rPr lang="en-US" dirty="0"/>
+              <a:t>So instead we essentially shard the data by </a:t>
+            </a:r>
+            <a:r>
+              <a:rPr lang="en-US" dirty="0" err="1"/>
+              <a:t>sku</a:t>
+            </a:r>
+            <a:r>
+              <a:rPr lang="en-US" dirty="0"/>
+              <a:t> so that we are able to multithread the processing.</a:t>
+            </a:r>
+            <a:endParaRPr lang="en-US" sz="1800" dirty="0"/>
+          </a:p>
+          <a:p>
+            <a:pPr lvl="1"/>
+            <a:r>
+              <a:rPr lang="en-US" dirty="0"/>
+              <a:t>Another important line here is:</a:t>
+            </a:r>
+            <a:endParaRPr lang="en-US" sz="2400" dirty="0"/>
+          </a:p>
+          <a:p>
+            <a:pPr lvl="2"/>
+            <a:r>
+              <a:rPr lang="en-US" dirty="0" err="1"/>
+              <a:t>inventoryUpdater</a:t>
+            </a:r>
+            <a:r>
+              <a:rPr lang="en-US" dirty="0"/>
+              <a:t> ! </a:t>
+            </a:r>
+            <a:r>
+              <a:rPr lang="en-US" dirty="0" err="1"/>
+              <a:t>RegisterListener</a:t>
+            </a:r>
+            <a:r>
+              <a:rPr lang="en-US" dirty="0"/>
+              <a:t>(</a:t>
+            </a:r>
+            <a:r>
+              <a:rPr lang="en-US" dirty="0" err="1"/>
+              <a:t>routee</a:t>
+            </a:r>
+            <a:r>
+              <a:rPr lang="en-US" dirty="0"/>
+              <a:t>)</a:t>
+            </a:r>
+            <a:endParaRPr lang="en-US" sz="2000" dirty="0"/>
+          </a:p>
+          <a:p>
+            <a:pPr lvl="2"/>
+            <a:r>
+              <a:rPr lang="en-US" dirty="0"/>
+              <a:t>We’ll look at the code in the actors related to this later but what is happening here is that each of the 10 </a:t>
+            </a:r>
+            <a:r>
+              <a:rPr lang="en-US" dirty="0" err="1"/>
+              <a:t>InventoryGetter’s</a:t>
+            </a:r>
+            <a:r>
+              <a:rPr lang="en-US" dirty="0"/>
+              <a:t> is registering with the corresponding </a:t>
+            </a:r>
+            <a:r>
+              <a:rPr lang="en-US" dirty="0" err="1"/>
+              <a:t>InventoryUpdater</a:t>
+            </a:r>
+            <a:r>
+              <a:rPr lang="en-US" dirty="0"/>
+              <a:t> so that when it changes the inventory it can send them a message to tell them to update their inventory as well.</a:t>
+            </a:r>
+            <a:endParaRPr lang="en-US" sz="2000" dirty="0"/>
+          </a:p>
+          <a:p>
+            <a:pPr lvl="1"/>
+            <a:r>
+              <a:rPr lang="en-US" dirty="0"/>
+              <a:t>Finally we have the </a:t>
+            </a:r>
+            <a:r>
+              <a:rPr lang="en-US" dirty="0" err="1"/>
+              <a:t>getInventory</a:t>
+            </a:r>
+            <a:r>
+              <a:rPr lang="en-US" dirty="0"/>
+              <a:t> and </a:t>
+            </a:r>
+            <a:r>
+              <a:rPr lang="en-US" dirty="0" err="1"/>
+              <a:t>setInventory</a:t>
+            </a:r>
+            <a:r>
+              <a:rPr lang="en-US" dirty="0"/>
+              <a:t> controller methods. </a:t>
+            </a:r>
+            <a:endParaRPr lang="en-US" sz="2400" dirty="0"/>
+          </a:p>
+          <a:p>
+            <a:pPr lvl="2"/>
+            <a:r>
+              <a:rPr lang="en-US" dirty="0"/>
+              <a:t>They send a message to the appropriate actor</a:t>
+            </a:r>
+            <a:endParaRPr lang="en-US" sz="2000" dirty="0"/>
+          </a:p>
+          <a:p>
+            <a:r>
+              <a:rPr lang="en-US" dirty="0"/>
+              <a:t>Now lets look at some actors. </a:t>
+            </a:r>
+            <a:endParaRPr lang="en-US" sz="2800" dirty="0"/>
+          </a:p>
+          <a:p>
+            <a:r>
+              <a:rPr lang="en-US" dirty="0"/>
+              <a:t>First we’ll look at is the </a:t>
+            </a:r>
+            <a:r>
+              <a:rPr lang="en-US" dirty="0" err="1"/>
+              <a:t>EventSource</a:t>
+            </a:r>
+            <a:r>
+              <a:rPr lang="en-US" dirty="0"/>
+              <a:t> actor. This actor is actually just a trait that we will mix in to the </a:t>
+            </a:r>
+            <a:r>
+              <a:rPr lang="en-US" dirty="0" err="1"/>
+              <a:t>InventoryUpdater</a:t>
+            </a:r>
+            <a:r>
+              <a:rPr lang="en-US" dirty="0"/>
+              <a:t> actor that allows the </a:t>
+            </a:r>
+            <a:r>
+              <a:rPr lang="en-US" dirty="0" err="1"/>
+              <a:t>InventoryGetter</a:t>
+            </a:r>
+            <a:r>
+              <a:rPr lang="en-US" dirty="0"/>
+              <a:t> actors to register to receive messages.</a:t>
+            </a:r>
+            <a:endParaRPr lang="en-US" sz="2800" dirty="0"/>
+          </a:p>
+          <a:p>
+            <a:r>
+              <a:rPr lang="en-US" dirty="0"/>
+              <a:t>In this partial function of type Receive we accept messages to register and unregister listeners and store them in a vector.</a:t>
+            </a:r>
+            <a:endParaRPr lang="en-US" sz="2800" dirty="0"/>
+          </a:p>
+          <a:p>
+            <a:r>
+              <a:rPr lang="en-US" dirty="0"/>
+              <a:t>Now we move to the </a:t>
+            </a:r>
+            <a:r>
+              <a:rPr lang="en-US" dirty="0" err="1"/>
+              <a:t>InventoryUpdater</a:t>
+            </a:r>
+            <a:r>
+              <a:rPr lang="en-US" dirty="0"/>
+              <a:t>. Again we have a companion object defining messages. Then looking at the class, we can see that this actor take constructor parameters to store state: the </a:t>
+            </a:r>
+            <a:r>
+              <a:rPr lang="en-US" dirty="0" err="1"/>
+              <a:t>sku</a:t>
+            </a:r>
+            <a:r>
+              <a:rPr lang="en-US" dirty="0"/>
+              <a:t> controlled by this actor, the current quantity, a reference to the mongo helper for persisting data, and a reference to the </a:t>
+            </a:r>
+            <a:r>
+              <a:rPr lang="en-US" dirty="0" err="1"/>
+              <a:t>statsD</a:t>
+            </a:r>
+            <a:r>
+              <a:rPr lang="en-US" dirty="0"/>
+              <a:t> actor for sending metrics.</a:t>
+            </a:r>
+            <a:endParaRPr lang="en-US" sz="2800" dirty="0"/>
+          </a:p>
+          <a:p>
+            <a:r>
+              <a:rPr lang="en-US" dirty="0"/>
+              <a:t> </a:t>
+            </a:r>
+            <a:endParaRPr lang="en-US" sz="2800" dirty="0"/>
+          </a:p>
+          <a:p>
+            <a:r>
+              <a:rPr lang="en-US" dirty="0"/>
+              <a:t>We can also see that it mixes in several traits- </a:t>
+            </a:r>
+            <a:r>
+              <a:rPr lang="en-US" dirty="0" err="1"/>
+              <a:t>EventSource</a:t>
+            </a:r>
+            <a:r>
+              <a:rPr lang="en-US" dirty="0"/>
+              <a:t> to register listeners it can publish to, </a:t>
+            </a:r>
+            <a:r>
+              <a:rPr lang="en-US" dirty="0" err="1"/>
+              <a:t>ActorLogging</a:t>
+            </a:r>
+            <a:r>
+              <a:rPr lang="en-US" dirty="0"/>
+              <a:t>, which gives us the ability to log from this actor, and </a:t>
+            </a:r>
+            <a:r>
+              <a:rPr lang="en-US" dirty="0" err="1"/>
+              <a:t>InventoryResponse</a:t>
+            </a:r>
+            <a:r>
+              <a:rPr lang="en-US" dirty="0"/>
+              <a:t> which exposes the implicit </a:t>
+            </a:r>
+            <a:r>
+              <a:rPr lang="en-US" dirty="0" err="1"/>
+              <a:t>combinator</a:t>
+            </a:r>
+            <a:r>
+              <a:rPr lang="en-US" dirty="0"/>
+              <a:t> we need to convert </a:t>
+            </a:r>
+            <a:r>
+              <a:rPr lang="en-US" dirty="0" err="1"/>
+              <a:t>InventoryResponseModel</a:t>
+            </a:r>
+            <a:r>
+              <a:rPr lang="en-US" dirty="0"/>
+              <a:t> instances into </a:t>
+            </a:r>
+            <a:r>
+              <a:rPr lang="en-US" dirty="0" err="1"/>
+              <a:t>json</a:t>
+            </a:r>
+            <a:r>
+              <a:rPr lang="en-US" dirty="0"/>
+              <a:t>.</a:t>
+            </a:r>
+            <a:endParaRPr lang="en-US" sz="2800" dirty="0"/>
+          </a:p>
+          <a:p>
+            <a:r>
+              <a:rPr lang="en-US" dirty="0"/>
+              <a:t> </a:t>
+            </a:r>
+            <a:endParaRPr lang="en-US" sz="2800" dirty="0"/>
+          </a:p>
+          <a:p>
+            <a:r>
+              <a:rPr lang="en-US" dirty="0"/>
+              <a:t>The next thing we see is a method to persist the inventory for this </a:t>
+            </a:r>
+            <a:r>
+              <a:rPr lang="en-US" dirty="0" err="1"/>
+              <a:t>sku</a:t>
+            </a:r>
+            <a:r>
+              <a:rPr lang="en-US" dirty="0"/>
+              <a:t> to the database and an immediate call to this method to set the initial inventory when this actor is created. Again, since we are using Reactive Mongo this call is completely non-blocking, resulting in an immediate future being returned. We aren’t handling failure except to log it.</a:t>
+            </a:r>
+            <a:endParaRPr lang="en-US" sz="2800" dirty="0"/>
+          </a:p>
+          <a:p>
+            <a:r>
+              <a:rPr lang="en-US" dirty="0"/>
+              <a:t> </a:t>
+            </a:r>
+            <a:endParaRPr lang="en-US" sz="2800" dirty="0"/>
+          </a:p>
+          <a:p>
+            <a:r>
+              <a:rPr lang="en-US" dirty="0"/>
+              <a:t>Next we define a partial function, to handle incoming requests to modify the inventory. This confirms that the request is valid (i.e. we have enough inventory to satisfy it), updates the quantity, sends a message to all the listeners (the </a:t>
+            </a:r>
+            <a:r>
+              <a:rPr lang="en-US" dirty="0" err="1"/>
+              <a:t>InventoryGetter’s</a:t>
+            </a:r>
+            <a:r>
+              <a:rPr lang="en-US" dirty="0"/>
+              <a:t>) to update their inventory, and persists to mongo if appropriate, completes the future to send the response back to the http client with the appropriate information, and sends metrics.</a:t>
+            </a:r>
+            <a:endParaRPr lang="en-US" sz="2800" dirty="0"/>
+          </a:p>
+          <a:p>
+            <a:r>
+              <a:rPr lang="en-US" dirty="0"/>
+              <a:t> </a:t>
+            </a:r>
+            <a:endParaRPr lang="en-US" sz="2800" dirty="0"/>
+          </a:p>
+          <a:p>
+            <a:r>
+              <a:rPr lang="en-US" dirty="0"/>
+              <a:t>Finally we set the receive method for this actor (where all incoming messages are sent) to a combination of the partial function we just defined and the one from the </a:t>
+            </a:r>
+            <a:r>
+              <a:rPr lang="en-US" dirty="0" err="1"/>
+              <a:t>EventSource</a:t>
+            </a:r>
+            <a:r>
+              <a:rPr lang="en-US" dirty="0"/>
+              <a:t> trait by using </a:t>
+            </a:r>
+            <a:r>
+              <a:rPr lang="en-US" dirty="0" err="1"/>
+              <a:t>orElse</a:t>
+            </a:r>
+            <a:r>
+              <a:rPr lang="en-US" dirty="0"/>
+              <a:t>. Basically this says, if the message isn’t handled by the first partial function, try the 2nd one.</a:t>
+            </a:r>
+            <a:endParaRPr lang="en-US" sz="2800" dirty="0"/>
+          </a:p>
+          <a:p>
+            <a:r>
+              <a:rPr lang="en-US" dirty="0"/>
+              <a:t> </a:t>
+            </a:r>
+            <a:endParaRPr lang="en-US" sz="2800" dirty="0"/>
+          </a:p>
+          <a:p>
+            <a:r>
+              <a:rPr lang="en-US" dirty="0"/>
+              <a:t>Now lets look at the </a:t>
+            </a:r>
+            <a:r>
+              <a:rPr lang="en-US" dirty="0" err="1"/>
+              <a:t>InventoryGetter</a:t>
+            </a:r>
+            <a:r>
+              <a:rPr lang="en-US" dirty="0"/>
+              <a:t>. Nothing new here, companion object, mutable inventory state, updates inventory when it receives a message from the </a:t>
+            </a:r>
+            <a:r>
+              <a:rPr lang="en-US" dirty="0" err="1"/>
+              <a:t>InventoryUpdater</a:t>
+            </a:r>
+            <a:r>
+              <a:rPr lang="en-US" dirty="0"/>
+              <a:t>, responds to requests for the current inventory for the </a:t>
+            </a:r>
+            <a:r>
+              <a:rPr lang="en-US" dirty="0" err="1"/>
+              <a:t>sku</a:t>
+            </a:r>
+            <a:r>
+              <a:rPr lang="en-US" dirty="0"/>
+              <a:t> it controls, and sends metrics.</a:t>
+            </a:r>
+            <a:endParaRPr lang="en-US" sz="2800" dirty="0"/>
+          </a:p>
+          <a:p>
+            <a:pPr lvl="2"/>
+            <a:endParaRPr lang="en-US" dirty="0"/>
+          </a:p>
+          <a:p>
+            <a:endParaRPr lang="en-US" sz="2400" dirty="0" smtClean="0"/>
+          </a:p>
+        </p:txBody>
+      </p:sp>
+    </p:spTree>
+    <p:extLst>
+      <p:ext uri="{BB962C8B-B14F-4D97-AF65-F5344CB8AC3E}">
+        <p14:creationId xmlns:p14="http://schemas.microsoft.com/office/powerpoint/2010/main" val="2546904863"/>
+      </p:ext>
+    </p:extLst>
+  </p:cSld>
+  <p:clrMapOvr>
+    <a:masterClrMapping/>
+  </p:clrMapOvr>
+  <p:timing>
+    <p:tnLst>
+      <p:par>
+        <p:cTn xmlns:p14="http://schemas.microsoft.com/office/powerpoint/2010/main" id="1" dur="indefinite" restart="never" nodeType="tmRoot"/>
+      </p:par>
+    </p:tnLst>
+  </p:timing>
+</p:sld>
+</file>
+
+<file path=ppt/slides/slide15.xml><?xml version="1.0" encoding="utf-8"?>
+<p:sld xmlns:a="http://schemas.openxmlformats.org/drawingml/2006/main" xmlns:r="http://schemas.openxmlformats.org/officeDocument/2006/relationships" xmlns:p="http://schemas.openxmlformats.org/presentationml/2006/main">
+  <p:cSld>
+    <p:spTree>
+      <p:nvGrpSpPr>
+        <p:cNvPr id="1" name=""/>
+        <p:cNvGrpSpPr/>
+        <p:nvPr/>
+      </p:nvGrpSpPr>
+      <p:grpSpPr>
+        <a:xfrm>
+          <a:off x="0" y="0"/>
+          <a:ext cx="0" cy="0"/>
+          <a:chOff x="0" y="0"/>
+          <a:chExt cx="0" cy="0"/>
+        </a:xfrm>
+      </p:grpSpPr>
+      <p:sp>
+        <p:nvSpPr>
+          <p:cNvPr id="4" name="Rectangle 3"/>
+          <p:cNvSpPr/>
+          <p:nvPr/>
+        </p:nvSpPr>
+        <p:spPr>
+          <a:xfrm>
+            <a:off x="0" y="0"/>
+            <a:ext cx="9144000" cy="964642"/>
+          </a:xfrm>
+          <a:prstGeom prst="rect">
+            <a:avLst/>
+          </a:prstGeom>
+          <a:solidFill>
+            <a:srgbClr val="102F4B"/>
+          </a:solidFill>
+          <a:ln>
+            <a:noFill/>
+          </a:ln>
+        </p:spPr>
+        <p:style>
+          <a:lnRef idx="1">
+            <a:schemeClr val="accent1"/>
+          </a:lnRef>
+          <a:fillRef idx="3">
+            <a:schemeClr val="accent1"/>
+          </a:fillRef>
+          <a:effectRef idx="2">
+            <a:schemeClr val="accent1"/>
+          </a:effectRef>
+          <a:fontRef idx="minor">
+            <a:schemeClr val="lt1"/>
+          </a:fontRef>
+        </p:style>
+        <p:txBody>
+          <a:bodyPr rtlCol="0" anchor="ctr"/>
+          <a:lstStyle/>
+          <a:p>
+            <a:r>
               <a:rPr lang="en-US" sz="4800" dirty="0" smtClean="0">
                 <a:solidFill>
                   <a:srgbClr val="FFFFFF"/>
@@ -6850,7 +8094,7 @@
 </p:sld>
 </file>
 
-<file path=ppt/slides/slide15.xml><?xml version="1.0" encoding="utf-8"?>
+<file path=ppt/slides/slide16.xml><?xml version="1.0" encoding="utf-8"?>
 <p:sld xmlns:a="http://schemas.openxmlformats.org/drawingml/2006/main" xmlns:r="http://schemas.openxmlformats.org/officeDocument/2006/relationships" xmlns:p="http://schemas.openxmlformats.org/presentationml/2006/main">
   <p:cSld>
     <p:spTree>
@@ -8425,7 +9669,7 @@
           <p:nvPr/>
         </p:nvPicPr>
         <p:blipFill>
-          <a:blip r:embed="rId2"/>
+          <a:blip r:embed="rId3"/>
           <a:stretch>
             <a:fillRect/>
           </a:stretch>
@@ -8457,7 +9701,9 @@
           </a:xfrm>
         </p:spPr>
         <p:txBody>
-          <a:bodyPr/>
+          <a:bodyPr>
+            <a:normAutofit/>
+          </a:bodyPr>
           <a:lstStyle/>
           <a:p>
             <a:r>
@@ -8505,8 +9751,21 @@
                   <a:srgbClr val="102F4B"/>
                 </a:solidFill>
               </a:rPr>
-              <a:t>Function Reactive Programming (Not the same as Reactive)</a:t>
-            </a:r>
+              <a:t>Function Reactive </a:t>
+            </a:r>
+            <a:r>
+              <a:rPr lang="en-US" dirty="0" smtClean="0">
+                <a:solidFill>
+                  <a:srgbClr val="102F4B"/>
+                </a:solidFill>
+              </a:rPr>
+              <a:t>Programming</a:t>
+            </a:r>
+            <a:endParaRPr lang="en-US" dirty="0" smtClean="0">
+              <a:solidFill>
+                <a:srgbClr val="102F4B"/>
+              </a:solidFill>
+            </a:endParaRPr>
           </a:p>
           <a:p>
             <a:pPr lvl="1"/>
@@ -8516,8 +9775,21 @@
                   <a:srgbClr val="102F4B"/>
                 </a:solidFill>
               </a:rPr>
-              <a:t>Publisher/Subscriber</a:t>
-            </a:r>
+              <a:t>Publisher/</a:t>
+            </a:r>
+            <a:r>
+              <a:rPr lang="en-US" dirty="0" smtClean="0">
+                <a:solidFill>
+                  <a:srgbClr val="102F4B"/>
+                </a:solidFill>
+              </a:rPr>
+              <a:t>Subscriber</a:t>
+            </a:r>
+            <a:endParaRPr lang="en-US" dirty="0" smtClean="0">
+              <a:solidFill>
+                <a:srgbClr val="102F4B"/>
+              </a:solidFill>
+            </a:endParaRPr>
           </a:p>
           <a:p>
             <a:pPr lvl="1"/>
@@ -8527,7 +9799,23 @@
                   <a:srgbClr val="102F4B"/>
                 </a:solidFill>
               </a:rPr>
-              <a:t>CSP</a:t>
+              <a:t>Communicating sequential </a:t>
+            </a:r>
+            <a:r>
+              <a:rPr lang="en-US" dirty="0" smtClean="0">
+                <a:solidFill>
+                  <a:srgbClr val="102F4B"/>
+                </a:solidFill>
+              </a:rPr>
+              <a:t>p</a:t>
+            </a:r>
+            <a:r>
+              <a:rPr lang="en-US" dirty="0" smtClean="0">
+                <a:solidFill>
+                  <a:srgbClr val="102F4B"/>
+                </a:solidFill>
+              </a:rPr>
+              <a:t>rocesses</a:t>
             </a:r>
           </a:p>
           <a:p>
@@ -8538,7 +9826,7 @@
                   <a:srgbClr val="102F4B"/>
                 </a:solidFill>
               </a:rPr>
-              <a:t>STM</a:t>
+              <a:t>Software transactional memory</a:t>
             </a:r>
             <a:endParaRPr lang="en-US" dirty="0">
               <a:solidFill>
@@ -8906,7 +10194,7 @@
           <p:nvPr/>
         </p:nvPicPr>
         <p:blipFill>
-          <a:blip r:embed="rId2"/>
+          <a:blip r:embed="rId3"/>
           <a:stretch>
             <a:fillRect/>
           </a:stretch>
@@ -8939,7 +10227,7 @@
         </p:spPr>
         <p:txBody>
           <a:bodyPr>
-            <a:normAutofit fontScale="62500" lnSpcReduction="20000"/>
+            <a:normAutofit fontScale="92500" lnSpcReduction="20000"/>
           </a:bodyPr>
           <a:lstStyle/>
           <a:p>
@@ -8953,32 +10241,21 @@
             </a:r>
           </a:p>
           <a:p>
-            <a:pPr lvl="1"/>
-            <a:r>
-              <a:rPr lang="en-US" sz="3000" dirty="0">
-                <a:solidFill>
-                  <a:srgbClr val="102F4B"/>
-                </a:solidFill>
-              </a:rPr>
-              <a:t>L</a:t>
-            </a:r>
-            <a:r>
-              <a:rPr lang="en-US" sz="3000" dirty="0" smtClean="0">
-                <a:solidFill>
-                  <a:srgbClr val="102F4B"/>
-                </a:solidFill>
-              </a:rPr>
-              <a:t>ightweight, easy to reason about (actor’s are like people… specialized and one task at a time), delegate and supervise </a:t>
-            </a:r>
-          </a:p>
-          <a:p>
             <a:r>
               <a:rPr lang="en-US" sz="3400" dirty="0" smtClean="0">
                 <a:solidFill>
                   <a:srgbClr val="102F4B"/>
                 </a:solidFill>
               </a:rPr>
-              <a:t>Actors communicate with message passing</a:t>
+              <a:t>Actors </a:t>
+            </a:r>
+            <a:r>
+              <a:rPr lang="en-US" sz="3400" dirty="0" smtClean="0">
+                <a:solidFill>
+                  <a:srgbClr val="102F4B"/>
+                </a:solidFill>
+              </a:rPr>
+              <a:t>communicate with message passing</a:t>
             </a:r>
             <a:endParaRPr lang="en-US" sz="3000" dirty="0" smtClean="0">
               <a:solidFill>
@@ -8987,24 +10264,13 @@
             </a:endParaRPr>
           </a:p>
           <a:p>
-            <a:pPr lvl="1"/>
-            <a:r>
-              <a:rPr lang="en-US" sz="3000" dirty="0" smtClean="0">
-                <a:solidFill>
-                  <a:srgbClr val="102F4B"/>
-                </a:solidFill>
-              </a:rPr>
-              <a:t>Messages are objects containing information, they aren’t imperative, they’re reacted to</a:t>
-            </a:r>
-          </a:p>
-          <a:p>
             <a:r>
               <a:rPr lang="en-US" sz="3400" dirty="0" smtClean="0">
                 <a:solidFill>
                   <a:srgbClr val="102F4B"/>
                 </a:solidFill>
               </a:rPr>
-              <a:t>Mutable state</a:t>
+              <a:t>Mutable state, but…</a:t>
             </a:r>
             <a:endParaRPr lang="en-US" sz="3400" dirty="0">
               <a:solidFill>
@@ -9013,53 +10279,39 @@
             </a:endParaRPr>
           </a:p>
           <a:p>
-            <a:pPr lvl="1"/>
-            <a:r>
-              <a:rPr lang="en-US" sz="3000" dirty="0" smtClean="0">
-                <a:solidFill>
-                  <a:srgbClr val="102F4B"/>
-                </a:solidFill>
-              </a:rPr>
-              <a:t>But only an actor can change itself (state isn’t shared)</a:t>
-            </a:r>
-          </a:p>
-          <a:p>
             <a:r>
               <a:rPr lang="en-US" sz="3400" dirty="0" smtClean="0">
                 <a:solidFill>
                   <a:srgbClr val="102F4B"/>
                 </a:solidFill>
               </a:rPr>
-              <a:t>Each actor has a mailbox (queue)</a:t>
-            </a:r>
-          </a:p>
-          <a:p>
-            <a:pPr lvl="1"/>
-            <a:r>
-              <a:rPr lang="en-US" sz="3000" dirty="0">
-                <a:solidFill>
-                  <a:srgbClr val="102F4B"/>
-                </a:solidFill>
-              </a:rPr>
-              <a:t>S</a:t>
-            </a:r>
-            <a:r>
-              <a:rPr lang="en-US" sz="3000" dirty="0" smtClean="0">
-                <a:solidFill>
-                  <a:srgbClr val="102F4B"/>
-                </a:solidFill>
-              </a:rPr>
-              <a:t>ynchronous message processing (No locks, blocking, or thread sleep)</a:t>
-            </a:r>
-          </a:p>
-          <a:p>
+              <a:t>Each </a:t>
+            </a:r>
             <a:r>
               <a:rPr lang="en-US" sz="3400" dirty="0" smtClean="0">
                 <a:solidFill>
                   <a:srgbClr val="102F4B"/>
                 </a:solidFill>
               </a:rPr>
-              <a:t>Loose coupling</a:t>
+              <a:t>actor has a mailbox (queue)</a:t>
+            </a:r>
+          </a:p>
+          <a:p>
+            <a:r>
+              <a:rPr lang="en-US" sz="3400" dirty="0" smtClean="0">
+                <a:solidFill>
+                  <a:srgbClr val="102F4B"/>
+                </a:solidFill>
+              </a:rPr>
+              <a:t>Loose </a:t>
+            </a:r>
+            <a:r>
+              <a:rPr lang="en-US" sz="3400" dirty="0" smtClean="0">
+                <a:solidFill>
+                  <a:srgbClr val="102F4B"/>
+                </a:solidFill>
+              </a:rPr>
+              <a:t>coupling</a:t>
             </a:r>
             <a:endParaRPr lang="en-US" sz="3400" dirty="0">
               <a:solidFill>
@@ -9068,24 +10320,21 @@
             </a:endParaRPr>
           </a:p>
           <a:p>
-            <a:pPr lvl="1"/>
-            <a:r>
-              <a:rPr lang="en-US" sz="3000" dirty="0" smtClean="0">
-                <a:solidFill>
-                  <a:srgbClr val="102F4B"/>
-                </a:solidFill>
-              </a:rPr>
-              <a:t>Messages are strongly typed, receive method that processes them isn’t</a:t>
-            </a:r>
-          </a:p>
-          <a:p>
             <a:r>
               <a:rPr lang="en-US" sz="3400" dirty="0" smtClean="0">
                 <a:solidFill>
                   <a:srgbClr val="102F4B"/>
                 </a:solidFill>
               </a:rPr>
-              <a:t>Requires care in modeling and refactoring to ensure resiliency</a:t>
+              <a:t>Requires </a:t>
+            </a:r>
+            <a:r>
+              <a:rPr lang="en-US" sz="3400" dirty="0" smtClean="0">
+                <a:solidFill>
+                  <a:srgbClr val="102F4B"/>
+                </a:solidFill>
+              </a:rPr>
+              <a:t>care in modeling and refactoring to ensure resiliency</a:t>
             </a:r>
             <a:r>
               <a:rPr lang="en-US" sz="3400" dirty="0">
@@ -9111,7 +10360,38 @@
                   <a:srgbClr val="102F4B"/>
                 </a:solidFill>
               </a:rPr>
-              <a:t>Dangerous tasks and mutable state don’t mix and require supervision, can’t multithread mutation </a:t>
+              <a:t>Dangerous tasks and mutable state don’t mix and require </a:t>
+            </a:r>
+            <a:r>
+              <a:rPr lang="en-US" sz="3400" dirty="0" smtClean="0">
+                <a:solidFill>
+                  <a:srgbClr val="102F4B"/>
+                </a:solidFill>
+              </a:rPr>
+              <a:t>supervision</a:t>
+            </a:r>
+            <a:endParaRPr lang="en-US" sz="3400" dirty="0">
+              <a:solidFill>
+                <a:srgbClr val="102F4B"/>
+              </a:solidFill>
+            </a:endParaRPr>
+          </a:p>
+          <a:p>
+            <a:r>
+              <a:rPr lang="en-US" sz="3400" dirty="0" smtClean="0">
+                <a:solidFill>
+                  <a:srgbClr val="102F4B"/>
+                </a:solidFill>
+              </a:rPr>
+              <a:t>Can’t multi-thread </a:t>
+            </a:r>
+            <a:r>
+              <a:rPr lang="en-US" sz="3400" dirty="0" smtClean="0">
+                <a:solidFill>
+                  <a:srgbClr val="102F4B"/>
+                </a:solidFill>
+              </a:rPr>
+              <a:t>mutation </a:t>
             </a:r>
           </a:p>
         </p:txBody>

--- a/React Vs Shared State Deck.pptx
+++ b/React Vs Shared State Deck.pptx
@@ -5,7 +5,7 @@
     <p:sldMasterId id="2147483962" r:id="rId1"/>
   </p:sldMasterIdLst>
   <p:notesMasterIdLst>
-    <p:notesMasterId r:id="rId18"/>
+    <p:notesMasterId r:id="rId20"/>
   </p:notesMasterIdLst>
   <p:sldIdLst>
     <p:sldId id="256" r:id="rId2"/>
@@ -22,8 +22,10 @@
     <p:sldId id="285" r:id="rId13"/>
     <p:sldId id="286" r:id="rId14"/>
     <p:sldId id="287" r:id="rId15"/>
-    <p:sldId id="278" r:id="rId16"/>
-    <p:sldId id="282" r:id="rId17"/>
+    <p:sldId id="289" r:id="rId16"/>
+    <p:sldId id="288" r:id="rId17"/>
+    <p:sldId id="278" r:id="rId18"/>
+    <p:sldId id="282" r:id="rId19"/>
   </p:sldIdLst>
   <p:sldSz cx="9144000" cy="6858000" type="screen4x3"/>
   <p:notesSz cx="7010400" cy="9296400"/>
@@ -1368,6 +1370,851 @@
     <p:extLst>
       <p:ext uri="{BB962C8B-B14F-4D97-AF65-F5344CB8AC3E}">
         <p14:creationId xmlns:p14="http://schemas.microsoft.com/office/powerpoint/2010/main" val="2474179845"/>
+      </p:ext>
+    </p:extLst>
+  </p:cSld>
+  <p:clrMapOvr>
+    <a:masterClrMapping/>
+  </p:clrMapOvr>
+</p:notes>
+</file>
+
+<file path=ppt/notesSlides/notesSlide7.xml><?xml version="1.0" encoding="utf-8"?>
+<p:notes xmlns:a="http://schemas.openxmlformats.org/drawingml/2006/main" xmlns:r="http://schemas.openxmlformats.org/officeDocument/2006/relationships" xmlns:p="http://schemas.openxmlformats.org/presentationml/2006/main">
+  <p:cSld>
+    <p:spTree>
+      <p:nvGrpSpPr>
+        <p:cNvPr id="1" name=""/>
+        <p:cNvGrpSpPr/>
+        <p:nvPr/>
+      </p:nvGrpSpPr>
+      <p:grpSpPr>
+        <a:xfrm>
+          <a:off x="0" y="0"/>
+          <a:ext cx="0" cy="0"/>
+          <a:chOff x="0" y="0"/>
+          <a:chExt cx="0" cy="0"/>
+        </a:xfrm>
+      </p:grpSpPr>
+      <p:sp>
+        <p:nvSpPr>
+          <p:cNvPr id="2" name="Slide Image Placeholder 1"/>
+          <p:cNvSpPr>
+            <a:spLocks noGrp="1" noRot="1" noChangeAspect="1"/>
+          </p:cNvSpPr>
+          <p:nvPr>
+            <p:ph type="sldImg"/>
+          </p:nvPr>
+        </p:nvSpPr>
+        <p:spPr/>
+      </p:sp>
+      <p:sp>
+        <p:nvSpPr>
+          <p:cNvPr id="3" name="Notes Placeholder 2"/>
+          <p:cNvSpPr>
+            <a:spLocks noGrp="1"/>
+          </p:cNvSpPr>
+          <p:nvPr>
+            <p:ph type="body" idx="1"/>
+          </p:nvPr>
+        </p:nvSpPr>
+        <p:spPr/>
+        <p:txBody>
+          <a:bodyPr/>
+          <a:lstStyle/>
+          <a:p>
+            <a:pPr marL="800100" lvl="1" indent="-342900">
+              <a:buFont typeface="Arial"/>
+              <a:buChar char="•"/>
+            </a:pPr>
+            <a:r>
+              <a:rPr lang="en-US" sz="2400" dirty="0" smtClean="0"/>
+              <a:t>Actor system</a:t>
+            </a:r>
+          </a:p>
+          <a:p>
+            <a:pPr marL="1257300" lvl="2" indent="-342900">
+              <a:buFont typeface="Arial"/>
+              <a:buChar char="•"/>
+            </a:pPr>
+            <a:r>
+              <a:rPr lang="en-US" sz="2400" dirty="0" smtClean="0"/>
+              <a:t>actor hierarchy that shares configuration.</a:t>
+            </a:r>
+          </a:p>
+          <a:p>
+            <a:pPr marL="1085850" lvl="2" indent="-171450">
+              <a:buFont typeface="Arial"/>
+              <a:buChar char="•"/>
+            </a:pPr>
+            <a:r>
+              <a:rPr lang="en-US" dirty="0" smtClean="0"/>
+              <a:t>Play has it’s own internal actor system that we can use if we only have a couple of actors. </a:t>
+            </a:r>
+          </a:p>
+          <a:p>
+            <a:pPr marL="1085850" lvl="2" indent="-171450">
+              <a:buFont typeface="Arial"/>
+              <a:buChar char="•"/>
+            </a:pPr>
+            <a:r>
+              <a:rPr lang="en-US" dirty="0" smtClean="0"/>
+              <a:t>But since we have 1100 actors and we’re expecting a lot of load on the site we create another actor system to separate the http server from the application layer.</a:t>
+            </a:r>
+          </a:p>
+          <a:p>
+            <a:pPr marL="628650" lvl="1" indent="-171450">
+              <a:buFont typeface="Arial"/>
+              <a:buChar char="•"/>
+            </a:pPr>
+            <a:r>
+              <a:rPr lang="en-US" dirty="0" smtClean="0"/>
+              <a:t>Initialize the actors</a:t>
+            </a:r>
+            <a:endParaRPr lang="en-US" sz="2400" dirty="0" smtClean="0"/>
+          </a:p>
+          <a:p>
+            <a:pPr marL="1085850" lvl="2" indent="-171450">
+              <a:buFont typeface="Arial"/>
+              <a:buChar char="•"/>
+            </a:pPr>
+            <a:r>
+              <a:rPr lang="en-US" dirty="0" smtClean="0"/>
+              <a:t>For each </a:t>
+            </a:r>
+            <a:r>
+              <a:rPr lang="en-US" dirty="0" err="1" smtClean="0"/>
+              <a:t>sku</a:t>
+            </a:r>
+            <a:r>
+              <a:rPr lang="en-US" dirty="0" smtClean="0"/>
+              <a:t> we instantiate an </a:t>
+            </a:r>
+            <a:r>
+              <a:rPr lang="en-US" dirty="0" err="1" smtClean="0"/>
+              <a:t>InventoryUpdater</a:t>
+            </a:r>
+            <a:r>
+              <a:rPr lang="en-US" dirty="0" smtClean="0"/>
+              <a:t> actor and a pool of 10 </a:t>
+            </a:r>
+            <a:r>
+              <a:rPr lang="en-US" dirty="0" err="1" smtClean="0"/>
+              <a:t>InventoryGetter</a:t>
+            </a:r>
+            <a:r>
+              <a:rPr lang="en-US" dirty="0" smtClean="0"/>
+              <a:t> actors. </a:t>
+            </a:r>
+            <a:endParaRPr lang="en-US" sz="2000" dirty="0" smtClean="0"/>
+          </a:p>
+          <a:p>
+            <a:pPr marL="1085850" lvl="2" indent="-171450">
+              <a:buFont typeface="Arial"/>
+              <a:buChar char="•"/>
+            </a:pPr>
+            <a:r>
+              <a:rPr lang="en-US" dirty="0" smtClean="0"/>
+              <a:t>This bring up a crucial point in regards to </a:t>
+            </a:r>
+            <a:r>
+              <a:rPr lang="en-US" dirty="0" err="1" smtClean="0"/>
+              <a:t>Akka</a:t>
+            </a:r>
+            <a:r>
+              <a:rPr lang="en-US" dirty="0" smtClean="0"/>
+              <a:t> design. </a:t>
+            </a:r>
+            <a:endParaRPr lang="en-US" sz="2000" dirty="0" smtClean="0"/>
+          </a:p>
+          <a:p>
+            <a:pPr marL="1543050" lvl="3" indent="-171450">
+              <a:buFont typeface="Arial"/>
+              <a:buChar char="•"/>
+            </a:pPr>
+            <a:r>
+              <a:rPr lang="en-US" dirty="0" smtClean="0"/>
+              <a:t>We don’t have a pool of actors with access to all inventory, that would require shared-state which we are avoiding.</a:t>
+            </a:r>
+            <a:endParaRPr lang="en-US" sz="1800" dirty="0" smtClean="0"/>
+          </a:p>
+          <a:p>
+            <a:pPr marL="1543050" lvl="3" indent="-171450">
+              <a:buFont typeface="Arial"/>
+              <a:buChar char="•"/>
+            </a:pPr>
+            <a:r>
+              <a:rPr lang="en-US" dirty="0" smtClean="0"/>
+              <a:t>So instead we essentially shard the data by </a:t>
+            </a:r>
+            <a:r>
+              <a:rPr lang="en-US" dirty="0" err="1" smtClean="0"/>
+              <a:t>sku</a:t>
+            </a:r>
+            <a:r>
+              <a:rPr lang="en-US" dirty="0" smtClean="0"/>
+              <a:t> so that we are able to multithread the processing.</a:t>
+            </a:r>
+          </a:p>
+        </p:txBody>
+      </p:sp>
+      <p:sp>
+        <p:nvSpPr>
+          <p:cNvPr id="4" name="Slide Number Placeholder 3"/>
+          <p:cNvSpPr>
+            <a:spLocks noGrp="1"/>
+          </p:cNvSpPr>
+          <p:nvPr>
+            <p:ph type="sldNum" sz="quarter" idx="10"/>
+          </p:nvPr>
+        </p:nvSpPr>
+        <p:spPr/>
+        <p:txBody>
+          <a:bodyPr/>
+          <a:lstStyle/>
+          <a:p>
+            <a:fld id="{1073248B-147C-BA4E-8DD8-0D2978845817}" type="slidenum">
+              <a:rPr lang="en-US" smtClean="0"/>
+              <a:t>14</a:t>
+            </a:fld>
+            <a:endParaRPr lang="en-US"/>
+          </a:p>
+        </p:txBody>
+      </p:sp>
+    </p:spTree>
+    <p:extLst>
+      <p:ext uri="{BB962C8B-B14F-4D97-AF65-F5344CB8AC3E}">
+        <p14:creationId xmlns:p14="http://schemas.microsoft.com/office/powerpoint/2010/main" val="2714199278"/>
+      </p:ext>
+    </p:extLst>
+  </p:cSld>
+  <p:clrMapOvr>
+    <a:masterClrMapping/>
+  </p:clrMapOvr>
+</p:notes>
+</file>
+
+<file path=ppt/notesSlides/notesSlide8.xml><?xml version="1.0" encoding="utf-8"?>
+<p:notes xmlns:a="http://schemas.openxmlformats.org/drawingml/2006/main" xmlns:r="http://schemas.openxmlformats.org/officeDocument/2006/relationships" xmlns:p="http://schemas.openxmlformats.org/presentationml/2006/main">
+  <p:cSld>
+    <p:spTree>
+      <p:nvGrpSpPr>
+        <p:cNvPr id="1" name=""/>
+        <p:cNvGrpSpPr/>
+        <p:nvPr/>
+      </p:nvGrpSpPr>
+      <p:grpSpPr>
+        <a:xfrm>
+          <a:off x="0" y="0"/>
+          <a:ext cx="0" cy="0"/>
+          <a:chOff x="0" y="0"/>
+          <a:chExt cx="0" cy="0"/>
+        </a:xfrm>
+      </p:grpSpPr>
+      <p:sp>
+        <p:nvSpPr>
+          <p:cNvPr id="2" name="Slide Image Placeholder 1"/>
+          <p:cNvSpPr>
+            <a:spLocks noGrp="1" noRot="1" noChangeAspect="1"/>
+          </p:cNvSpPr>
+          <p:nvPr>
+            <p:ph type="sldImg"/>
+          </p:nvPr>
+        </p:nvSpPr>
+        <p:spPr/>
+      </p:sp>
+      <p:sp>
+        <p:nvSpPr>
+          <p:cNvPr id="3" name="Notes Placeholder 2"/>
+          <p:cNvSpPr>
+            <a:spLocks noGrp="1"/>
+          </p:cNvSpPr>
+          <p:nvPr>
+            <p:ph type="body" idx="1"/>
+          </p:nvPr>
+        </p:nvSpPr>
+        <p:spPr/>
+        <p:txBody>
+          <a:bodyPr/>
+          <a:lstStyle/>
+          <a:p>
+            <a:pPr marL="628650" lvl="1" indent="-171450">
+              <a:buFont typeface="Arial"/>
+              <a:buChar char="•"/>
+            </a:pPr>
+            <a:r>
+              <a:rPr lang="en-US" dirty="0" err="1" smtClean="0"/>
+              <a:t>inventoryUpdater</a:t>
+            </a:r>
+            <a:r>
+              <a:rPr lang="en-US" dirty="0" smtClean="0"/>
+              <a:t> ! </a:t>
+            </a:r>
+            <a:r>
+              <a:rPr lang="en-US" dirty="0" err="1" smtClean="0"/>
+              <a:t>RegisterListener</a:t>
+            </a:r>
+            <a:r>
+              <a:rPr lang="en-US" dirty="0" smtClean="0"/>
+              <a:t>(</a:t>
+            </a:r>
+            <a:r>
+              <a:rPr lang="en-US" dirty="0" err="1" smtClean="0"/>
+              <a:t>routee</a:t>
+            </a:r>
+            <a:r>
+              <a:rPr lang="en-US" dirty="0" smtClean="0"/>
+              <a:t>)- Register getters as listeners for each updater</a:t>
+            </a:r>
+          </a:p>
+          <a:p>
+            <a:pPr marL="1085850" lvl="2" indent="-171450">
+              <a:buFont typeface="Arial"/>
+              <a:buChar char="•"/>
+            </a:pPr>
+            <a:r>
+              <a:rPr lang="en-US" dirty="0" smtClean="0"/>
+              <a:t>We’ll look at the code in the actors related to this later but what is happening here is that each of the 10 </a:t>
+            </a:r>
+            <a:r>
+              <a:rPr lang="en-US" dirty="0" err="1" smtClean="0"/>
+              <a:t>InventoryGetter’s</a:t>
+            </a:r>
+            <a:r>
+              <a:rPr lang="en-US" dirty="0" smtClean="0"/>
+              <a:t> is registering with the corresponding </a:t>
+            </a:r>
+            <a:r>
+              <a:rPr lang="en-US" dirty="0" err="1" smtClean="0"/>
+              <a:t>InventoryUpdater</a:t>
+            </a:r>
+            <a:r>
+              <a:rPr lang="en-US" dirty="0" smtClean="0"/>
+              <a:t> so that when it changes the inventory it can send them a message to tell them to update their inventory as well.</a:t>
+            </a:r>
+          </a:p>
+          <a:p>
+            <a:pPr marL="628650" lvl="1" indent="-171450">
+              <a:buFont typeface="Arial"/>
+              <a:buChar char="•"/>
+            </a:pPr>
+            <a:r>
+              <a:rPr lang="en-US" sz="2000" dirty="0" smtClean="0"/>
+              <a:t>Handlers</a:t>
+            </a:r>
+          </a:p>
+          <a:p>
+            <a:pPr marL="1085850" lvl="2" indent="-171450">
+              <a:buFont typeface="Arial"/>
+              <a:buChar char="•"/>
+            </a:pPr>
+            <a:r>
+              <a:rPr lang="en-US" sz="2000" dirty="0" smtClean="0"/>
+              <a:t>Ask</a:t>
+            </a:r>
+            <a:r>
+              <a:rPr lang="en-US" sz="2000" baseline="0" dirty="0" smtClean="0"/>
+              <a:t> the actor for a reply to get or update</a:t>
+            </a:r>
+          </a:p>
+          <a:p>
+            <a:pPr marL="1085850" lvl="2" indent="-171450">
+              <a:buFont typeface="Arial"/>
+              <a:buChar char="•"/>
+            </a:pPr>
+            <a:r>
+              <a:rPr lang="en-US" sz="2000" baseline="0" dirty="0" smtClean="0"/>
+              <a:t>This creates a future that (may) complete with response</a:t>
+            </a:r>
+          </a:p>
+          <a:p>
+            <a:pPr marL="1085850" lvl="2" indent="-171450">
+              <a:buFont typeface="Arial"/>
+              <a:buChar char="•"/>
+            </a:pPr>
+            <a:r>
+              <a:rPr lang="en-US" sz="2000" baseline="0" dirty="0" smtClean="0"/>
+              <a:t>On completion of future send metrics</a:t>
+            </a:r>
+            <a:endParaRPr lang="en-US" sz="2000" dirty="0" smtClean="0"/>
+          </a:p>
+          <a:p>
+            <a:pPr marL="1543050" lvl="3" indent="-171450">
+              <a:buFont typeface="Arial"/>
+              <a:buChar char="•"/>
+            </a:pPr>
+            <a:endParaRPr lang="en-US" sz="1800" dirty="0" smtClean="0"/>
+          </a:p>
+          <a:p>
+            <a:pPr marL="1085850" lvl="2" indent="-171450">
+              <a:buFont typeface="Arial"/>
+              <a:buChar char="•"/>
+            </a:pPr>
+            <a:endParaRPr lang="en-US" dirty="0" smtClean="0"/>
+          </a:p>
+        </p:txBody>
+      </p:sp>
+      <p:sp>
+        <p:nvSpPr>
+          <p:cNvPr id="4" name="Slide Number Placeholder 3"/>
+          <p:cNvSpPr>
+            <a:spLocks noGrp="1"/>
+          </p:cNvSpPr>
+          <p:nvPr>
+            <p:ph type="sldNum" sz="quarter" idx="10"/>
+          </p:nvPr>
+        </p:nvSpPr>
+        <p:spPr/>
+        <p:txBody>
+          <a:bodyPr/>
+          <a:lstStyle/>
+          <a:p>
+            <a:fld id="{1073248B-147C-BA4E-8DD8-0D2978845817}" type="slidenum">
+              <a:rPr lang="en-US" smtClean="0"/>
+              <a:t>15</a:t>
+            </a:fld>
+            <a:endParaRPr lang="en-US"/>
+          </a:p>
+        </p:txBody>
+      </p:sp>
+    </p:spTree>
+    <p:extLst>
+      <p:ext uri="{BB962C8B-B14F-4D97-AF65-F5344CB8AC3E}">
+        <p14:creationId xmlns:p14="http://schemas.microsoft.com/office/powerpoint/2010/main" val="2714199278"/>
+      </p:ext>
+    </p:extLst>
+  </p:cSld>
+  <p:clrMapOvr>
+    <a:masterClrMapping/>
+  </p:clrMapOvr>
+</p:notes>
+</file>
+
+<file path=ppt/notesSlides/notesSlide9.xml><?xml version="1.0" encoding="utf-8"?>
+<p:notes xmlns:a="http://schemas.openxmlformats.org/drawingml/2006/main" xmlns:r="http://schemas.openxmlformats.org/officeDocument/2006/relationships" xmlns:p="http://schemas.openxmlformats.org/presentationml/2006/main">
+  <p:cSld>
+    <p:spTree>
+      <p:nvGrpSpPr>
+        <p:cNvPr id="1" name=""/>
+        <p:cNvGrpSpPr/>
+        <p:nvPr/>
+      </p:nvGrpSpPr>
+      <p:grpSpPr>
+        <a:xfrm>
+          <a:off x="0" y="0"/>
+          <a:ext cx="0" cy="0"/>
+          <a:chOff x="0" y="0"/>
+          <a:chExt cx="0" cy="0"/>
+        </a:xfrm>
+      </p:grpSpPr>
+      <p:sp>
+        <p:nvSpPr>
+          <p:cNvPr id="2" name="Slide Image Placeholder 1"/>
+          <p:cNvSpPr>
+            <a:spLocks noGrp="1" noRot="1" noChangeAspect="1"/>
+          </p:cNvSpPr>
+          <p:nvPr>
+            <p:ph type="sldImg"/>
+          </p:nvPr>
+        </p:nvSpPr>
+        <p:spPr/>
+      </p:sp>
+      <p:sp>
+        <p:nvSpPr>
+          <p:cNvPr id="3" name="Notes Placeholder 2"/>
+          <p:cNvSpPr>
+            <a:spLocks noGrp="1"/>
+          </p:cNvSpPr>
+          <p:nvPr>
+            <p:ph type="body" idx="1"/>
+          </p:nvPr>
+        </p:nvSpPr>
+        <p:spPr/>
+        <p:txBody>
+          <a:bodyPr/>
+          <a:lstStyle/>
+          <a:p>
+            <a:pPr marL="171450" indent="-171450">
+              <a:buFont typeface="Arial"/>
+              <a:buChar char="•"/>
+            </a:pPr>
+            <a:r>
+              <a:rPr lang="en-US" dirty="0" err="1" smtClean="0"/>
+              <a:t>EventSource</a:t>
+            </a:r>
+            <a:r>
+              <a:rPr lang="en-US" dirty="0" smtClean="0"/>
+              <a:t> </a:t>
+            </a:r>
+          </a:p>
+          <a:p>
+            <a:pPr marL="628650" lvl="1" indent="-171450">
+              <a:buFont typeface="Arial"/>
+              <a:buChar char="•"/>
+            </a:pPr>
+            <a:r>
+              <a:rPr lang="en-US" dirty="0" smtClean="0"/>
+              <a:t>Actor trait that we will mix in to the </a:t>
+            </a:r>
+            <a:r>
+              <a:rPr lang="en-US" dirty="0" err="1" smtClean="0"/>
+              <a:t>InventoryUpdater</a:t>
+            </a:r>
+            <a:r>
+              <a:rPr lang="en-US" dirty="0" smtClean="0"/>
+              <a:t> actor that allows the </a:t>
+            </a:r>
+            <a:r>
+              <a:rPr lang="en-US" dirty="0" err="1" smtClean="0"/>
+              <a:t>InventoryGetter</a:t>
+            </a:r>
+            <a:r>
+              <a:rPr lang="en-US" dirty="0" smtClean="0"/>
+              <a:t> actors to register to receive messages.</a:t>
+            </a:r>
+          </a:p>
+          <a:p>
+            <a:pPr marL="800100" marR="0" lvl="1" indent="-342900" algn="l" defTabSz="457200" rtl="0" eaLnBrk="1" fontAlgn="auto" latinLnBrk="0" hangingPunct="1">
+              <a:lnSpc>
+                <a:spcPct val="100000"/>
+              </a:lnSpc>
+              <a:spcBef>
+                <a:spcPts val="0"/>
+              </a:spcBef>
+              <a:spcAft>
+                <a:spcPts val="0"/>
+              </a:spcAft>
+              <a:buClrTx/>
+              <a:buSzTx/>
+              <a:buFont typeface="Arial"/>
+              <a:buChar char="•"/>
+              <a:tabLst/>
+              <a:defRPr/>
+            </a:pPr>
+            <a:r>
+              <a:rPr lang="en-US" sz="2400" dirty="0" smtClean="0"/>
+              <a:t>Defines a partial function of type Receive where we accept messages to register and unregister listeners and store them in a vector.</a:t>
+            </a:r>
+          </a:p>
+          <a:p>
+            <a:pPr marL="171450" indent="-171450">
+              <a:buFont typeface="Arial"/>
+              <a:buChar char="•"/>
+            </a:pPr>
+            <a:r>
+              <a:rPr lang="en-US" dirty="0" err="1" smtClean="0"/>
+              <a:t>InventoryUpdater</a:t>
+            </a:r>
+            <a:endParaRPr lang="en-US" dirty="0" smtClean="0"/>
+          </a:p>
+          <a:p>
+            <a:pPr marL="628650" lvl="1" indent="-171450">
+              <a:buFont typeface="Arial"/>
+              <a:buChar char="•"/>
+            </a:pPr>
+            <a:r>
+              <a:rPr lang="en-US" dirty="0" smtClean="0"/>
+              <a:t>Companion object defining messages. </a:t>
+            </a:r>
+          </a:p>
+          <a:p>
+            <a:pPr marL="628650" lvl="1" indent="-171450">
+              <a:buFont typeface="Arial"/>
+              <a:buChar char="•"/>
+            </a:pPr>
+            <a:r>
+              <a:rPr lang="en-US" dirty="0" smtClean="0"/>
+              <a:t>Constructor parameters to initialize state  </a:t>
+            </a:r>
+            <a:endParaRPr lang="en-US" sz="2400" dirty="0" smtClean="0"/>
+          </a:p>
+          <a:p>
+            <a:pPr marL="628650" lvl="1" indent="-171450">
+              <a:buFont typeface="Arial"/>
+              <a:buChar char="•"/>
+            </a:pPr>
+            <a:r>
+              <a:rPr lang="en-US" dirty="0" smtClean="0"/>
+              <a:t>Method to persists inventory to the database and an immediate call to this method to persist initial inventory </a:t>
+            </a:r>
+          </a:p>
+          <a:p>
+            <a:pPr marL="628650" lvl="1" indent="-171450">
+              <a:buFont typeface="Arial"/>
+              <a:buChar char="•"/>
+            </a:pPr>
+            <a:r>
+              <a:rPr lang="en-US" dirty="0" smtClean="0"/>
+              <a:t>Partial function, to handle incoming requests to modify the inventory. </a:t>
+            </a:r>
+          </a:p>
+          <a:p>
+            <a:pPr marL="1085850" lvl="2" indent="-171450">
+              <a:buFont typeface="Arial"/>
+              <a:buChar char="•"/>
+            </a:pPr>
+            <a:r>
+              <a:rPr lang="en-US" dirty="0" smtClean="0"/>
+              <a:t>Confirms that the request is valid (i.e. we have enough inventory to satisfy it), </a:t>
+            </a:r>
+          </a:p>
+          <a:p>
+            <a:pPr marL="1085850" lvl="2" indent="-171450">
+              <a:buFont typeface="Arial"/>
+              <a:buChar char="•"/>
+            </a:pPr>
+            <a:r>
+              <a:rPr lang="en-US" dirty="0" smtClean="0"/>
+              <a:t>Updates the quantity</a:t>
+            </a:r>
+          </a:p>
+          <a:p>
+            <a:pPr marL="1085850" lvl="2" indent="-171450">
+              <a:buFont typeface="Arial"/>
+              <a:buChar char="•"/>
+            </a:pPr>
+            <a:r>
+              <a:rPr lang="en-US" dirty="0" smtClean="0"/>
+              <a:t>Sends a message to all the listeners (the </a:t>
+            </a:r>
+            <a:r>
+              <a:rPr lang="en-US" dirty="0" err="1" smtClean="0"/>
+              <a:t>InventoryGetter’s</a:t>
+            </a:r>
+            <a:r>
+              <a:rPr lang="en-US" dirty="0" smtClean="0"/>
+              <a:t>) to update their inventory</a:t>
+            </a:r>
+          </a:p>
+          <a:p>
+            <a:pPr marL="1085850" lvl="2" indent="-171450">
+              <a:buFont typeface="Arial"/>
+              <a:buChar char="•"/>
+            </a:pPr>
+            <a:r>
+              <a:rPr lang="en-US" dirty="0" smtClean="0"/>
+              <a:t>Persists to mongo if appropriate</a:t>
+            </a:r>
+          </a:p>
+          <a:p>
+            <a:pPr marL="1085850" lvl="2" indent="-171450">
+              <a:buFont typeface="Arial"/>
+              <a:buChar char="•"/>
+            </a:pPr>
+            <a:r>
+              <a:rPr lang="en-US" dirty="0" smtClean="0"/>
+              <a:t>Send the response back to the http client to complete the future</a:t>
+            </a:r>
+            <a:endParaRPr lang="en-US" sz="2400" dirty="0" smtClean="0"/>
+          </a:p>
+          <a:p>
+            <a:pPr marL="628650" lvl="1" indent="-171450">
+              <a:buFont typeface="Arial"/>
+              <a:buChar char="•"/>
+            </a:pPr>
+            <a:r>
+              <a:rPr lang="en-US" dirty="0" smtClean="0"/>
+              <a:t>Finally we set the receive method for this actor (where all incoming messages are sent) to a combination of the partial function we just defined and the one from the </a:t>
+            </a:r>
+            <a:r>
+              <a:rPr lang="en-US" dirty="0" err="1" smtClean="0"/>
+              <a:t>EventSource</a:t>
+            </a:r>
+            <a:r>
+              <a:rPr lang="en-US" dirty="0" smtClean="0"/>
+              <a:t> trait by using </a:t>
+            </a:r>
+            <a:r>
+              <a:rPr lang="en-US" dirty="0" err="1" smtClean="0"/>
+              <a:t>orElse</a:t>
+            </a:r>
+            <a:r>
+              <a:rPr lang="en-US" dirty="0" smtClean="0"/>
+              <a:t>. Basically this says, if the message isn’t handled by the first partial function, try the 2nd one.</a:t>
+            </a:r>
+          </a:p>
+          <a:p>
+            <a:pPr marL="171450" indent="-171450">
+              <a:buFont typeface="Arial"/>
+              <a:buChar char="•"/>
+            </a:pPr>
+            <a:r>
+              <a:rPr lang="en-US" dirty="0" err="1" smtClean="0"/>
+              <a:t>InventoryGetter</a:t>
+            </a:r>
+            <a:endParaRPr lang="en-US" dirty="0" smtClean="0"/>
+          </a:p>
+          <a:p>
+            <a:pPr marL="800100" lvl="1" indent="-342900">
+              <a:buFont typeface="Arial"/>
+              <a:buChar char="•"/>
+            </a:pPr>
+            <a:r>
+              <a:rPr lang="en-US" sz="2400" dirty="0" smtClean="0"/>
+              <a:t>Similar to but simpler than the </a:t>
+            </a:r>
+            <a:r>
+              <a:rPr lang="en-US" sz="2400" dirty="0" err="1" smtClean="0"/>
+              <a:t>InventoryUpdater</a:t>
+            </a:r>
+            <a:endParaRPr lang="en-US" sz="2400" dirty="0" smtClean="0"/>
+          </a:p>
+          <a:p>
+            <a:pPr marL="800100" lvl="1" indent="-342900">
+              <a:buFont typeface="Arial"/>
+              <a:buChar char="•"/>
+            </a:pPr>
+            <a:r>
+              <a:rPr lang="en-US" sz="2400" dirty="0" smtClean="0"/>
+              <a:t>Handles requests for the current inventory level of the product</a:t>
+            </a:r>
+          </a:p>
+          <a:p>
+            <a:pPr marL="342900" lvl="0" indent="-342900">
+              <a:buFont typeface="Arial"/>
+              <a:buChar char="•"/>
+            </a:pPr>
+            <a:r>
+              <a:rPr lang="en-US" sz="2400" dirty="0" smtClean="0"/>
+              <a:t>NOW WE RUN</a:t>
+            </a:r>
+            <a:r>
+              <a:rPr lang="en-US" sz="2400" baseline="0" dirty="0" smtClean="0"/>
+              <a:t> THE CODE</a:t>
+            </a:r>
+          </a:p>
+          <a:p>
+            <a:pPr marL="800100" lvl="1" indent="-342900">
+              <a:buFont typeface="Arial"/>
+              <a:buChar char="•"/>
+            </a:pPr>
+            <a:r>
+              <a:rPr lang="en-US" sz="2400" baseline="0" dirty="0" smtClean="0"/>
+              <a:t>Vagrant up</a:t>
+            </a:r>
+          </a:p>
+          <a:p>
+            <a:pPr marL="800100" lvl="1" indent="-342900">
+              <a:buFont typeface="Arial"/>
+              <a:buChar char="•"/>
+            </a:pPr>
+            <a:r>
+              <a:rPr lang="en-US" sz="2400" baseline="0" dirty="0" smtClean="0"/>
+              <a:t>Start web apps</a:t>
+            </a:r>
+          </a:p>
+          <a:p>
+            <a:pPr marL="800100" lvl="1" indent="-342900">
+              <a:buFont typeface="Arial"/>
+              <a:buChar char="•"/>
+            </a:pPr>
+            <a:r>
+              <a:rPr lang="en-US" sz="2400" baseline="0" dirty="0" smtClean="0"/>
+              <a:t>Hit web apps from command line and browser</a:t>
+            </a:r>
+          </a:p>
+          <a:p>
+            <a:pPr marL="800100" lvl="1" indent="-342900">
+              <a:buFont typeface="Arial"/>
+              <a:buChar char="•"/>
+            </a:pPr>
+            <a:r>
+              <a:rPr lang="en-US" sz="2400" baseline="0" dirty="0" smtClean="0"/>
+              <a:t>Use </a:t>
+            </a:r>
+            <a:r>
+              <a:rPr lang="en-US" sz="2400" baseline="0" dirty="0" err="1" smtClean="0"/>
+              <a:t>Jmeter</a:t>
+            </a:r>
+            <a:endParaRPr lang="en-US" sz="2400" baseline="0" dirty="0" smtClean="0"/>
+          </a:p>
+          <a:p>
+            <a:pPr marL="800100" lvl="1" indent="-342900">
+              <a:buFont typeface="Arial"/>
+              <a:buChar char="•"/>
+            </a:pPr>
+            <a:r>
+              <a:rPr lang="en-US" sz="2400" baseline="0" dirty="0" smtClean="0"/>
+              <a:t>Show Graphite</a:t>
+            </a:r>
+          </a:p>
+          <a:p>
+            <a:pPr marL="342900" lvl="0" indent="-342900">
+              <a:buFont typeface="Arial"/>
+              <a:buChar char="•"/>
+            </a:pPr>
+            <a:r>
+              <a:rPr lang="en-US" sz="2400" baseline="0" dirty="0" smtClean="0"/>
+              <a:t>Next steps (if this were not a toy)</a:t>
+            </a:r>
+          </a:p>
+          <a:p>
+            <a:pPr marL="800100" marR="0" lvl="1" indent="-342900" algn="l" defTabSz="457200" rtl="0" eaLnBrk="1" fontAlgn="auto" latinLnBrk="0" hangingPunct="1">
+              <a:lnSpc>
+                <a:spcPct val="100000"/>
+              </a:lnSpc>
+              <a:spcBef>
+                <a:spcPts val="0"/>
+              </a:spcBef>
+              <a:spcAft>
+                <a:spcPts val="0"/>
+              </a:spcAft>
+              <a:buClrTx/>
+              <a:buSzTx/>
+              <a:buFont typeface="Arial"/>
+              <a:buChar char="•"/>
+              <a:tabLst/>
+              <a:defRPr/>
+            </a:pPr>
+            <a:r>
+              <a:rPr lang="en-US" sz="1200" kern="1200" smtClean="0">
+                <a:solidFill>
+                  <a:schemeClr val="tx1"/>
+                </a:solidFill>
+                <a:effectLst/>
+                <a:latin typeface="+mn-lt"/>
+                <a:ea typeface="+mn-ea"/>
+                <a:cs typeface="+mn-cs"/>
+              </a:rPr>
+              <a:t>Some next steps to make this application more robust would be a more thought out hierarchy and supervision (parents handling when child actors experience exceptions), persisting actor state to disk to allow recovery of mutable state after application failure, better error handling for bad routes, implementation of a timeout for requests, refactoring boilerplate code into filters, creating a service layer to remove functionality from the controller, increased logging, and increased testing.</a:t>
+            </a:r>
+          </a:p>
+          <a:p>
+            <a:pPr marL="800100" lvl="1" indent="-342900">
+              <a:buFont typeface="Arial"/>
+              <a:buChar char="•"/>
+            </a:pPr>
+            <a:endParaRPr lang="en-US" sz="2400" dirty="0" smtClean="0"/>
+          </a:p>
+        </p:txBody>
+      </p:sp>
+      <p:sp>
+        <p:nvSpPr>
+          <p:cNvPr id="4" name="Slide Number Placeholder 3"/>
+          <p:cNvSpPr>
+            <a:spLocks noGrp="1"/>
+          </p:cNvSpPr>
+          <p:nvPr>
+            <p:ph type="sldNum" sz="quarter" idx="10"/>
+          </p:nvPr>
+        </p:nvSpPr>
+        <p:spPr/>
+        <p:txBody>
+          <a:bodyPr/>
+          <a:lstStyle/>
+          <a:p>
+            <a:fld id="{1073248B-147C-BA4E-8DD8-0D2978845817}" type="slidenum">
+              <a:rPr lang="en-US" smtClean="0"/>
+              <a:t>16</a:t>
+            </a:fld>
+            <a:endParaRPr lang="en-US"/>
+          </a:p>
+        </p:txBody>
+      </p:sp>
+    </p:spTree>
+    <p:extLst>
+      <p:ext uri="{BB962C8B-B14F-4D97-AF65-F5344CB8AC3E}">
+        <p14:creationId xmlns:p14="http://schemas.microsoft.com/office/powerpoint/2010/main" val="2714199278"/>
       </p:ext>
     </p:extLst>
   </p:cSld>
@@ -5520,7 +6367,7 @@
                   <a:srgbClr val="FFFFFF"/>
                 </a:solidFill>
               </a:rPr>
-              <a:t> handler</a:t>
+              <a:t> Handler</a:t>
             </a:r>
             <a:endParaRPr lang="en-US" sz="4400" dirty="0">
               <a:solidFill>
@@ -7295,7 +8142,7 @@
           <p:nvPr/>
         </p:nvPicPr>
         <p:blipFill>
-          <a:blip r:embed="rId2"/>
+          <a:blip r:embed="rId3"/>
           <a:stretch>
             <a:fillRect/>
           </a:stretch>
@@ -7328,7 +8175,7 @@
         </p:spPr>
         <p:txBody>
           <a:bodyPr>
-            <a:normAutofit fontScale="32500" lnSpcReduction="20000"/>
+            <a:normAutofit fontScale="62500" lnSpcReduction="20000"/>
           </a:bodyPr>
           <a:lstStyle/>
           <a:p>
@@ -7342,451 +8189,879 @@
             <a:pPr lvl="1"/>
             <a:r>
               <a:rPr lang="en-US" sz="2400" dirty="0"/>
-              <a:t>Actor system- actor hierarchy that shares configuration.</a:t>
-            </a:r>
-          </a:p>
-          <a:p>
-            <a:pPr lvl="2"/>
-            <a:r>
-              <a:rPr lang="en-US" dirty="0"/>
-              <a:t>Play has it’s own internal actor system that we can use if we only have a couple of actors. </a:t>
-            </a:r>
-          </a:p>
-          <a:p>
-            <a:pPr lvl="2"/>
-            <a:r>
-              <a:rPr lang="en-US" dirty="0"/>
-              <a:t>But since we have 1100 actors and we’re expecting a lot of load on the site we create another actor system to separate the http server from the application layer</a:t>
-            </a:r>
+              <a:t>Actor </a:t>
+            </a:r>
+            <a:r>
+              <a:rPr lang="en-US" sz="2400" dirty="0" smtClean="0"/>
+              <a:t>system</a:t>
+            </a:r>
+          </a:p>
+          <a:p>
+            <a:pPr marL="914400" lvl="2" indent="0">
+              <a:buNone/>
+            </a:pPr>
+            <a:r>
+              <a:rPr lang="en-US" sz="2000" dirty="0" err="1"/>
+              <a:t>val</a:t>
+            </a:r>
+            <a:r>
+              <a:rPr lang="en-US" sz="2000" dirty="0"/>
+              <a:t> </a:t>
+            </a:r>
+            <a:r>
+              <a:rPr lang="en-US" sz="2000" dirty="0" err="1"/>
+              <a:t>akkaSystem</a:t>
+            </a:r>
+            <a:r>
+              <a:rPr lang="en-US" sz="2000" dirty="0"/>
+              <a:t> = </a:t>
+            </a:r>
+            <a:r>
+              <a:rPr lang="en-US" sz="2000" dirty="0" err="1"/>
+              <a:t>ActorSystem</a:t>
+            </a:r>
+            <a:r>
+              <a:rPr lang="en-US" sz="2000" dirty="0"/>
+              <a:t>("reactive-inventory")</a:t>
+            </a:r>
+          </a:p>
+          <a:p>
+            <a:pPr lvl="1"/>
             <a:r>
               <a:rPr lang="en-US" dirty="0" smtClean="0"/>
-              <a:t>.</a:t>
-            </a:r>
-          </a:p>
-          <a:p>
-            <a:pPr lvl="1"/>
-            <a:r>
-              <a:rPr lang="en-US" dirty="0"/>
-              <a:t>Next we initialize our actors. </a:t>
-            </a:r>
-            <a:endParaRPr lang="en-US" sz="2400" dirty="0"/>
-          </a:p>
-          <a:p>
-            <a:pPr lvl="2"/>
-            <a:r>
-              <a:rPr lang="en-US" dirty="0"/>
-              <a:t>For each </a:t>
-            </a:r>
-            <a:r>
-              <a:rPr lang="en-US" dirty="0" err="1"/>
+              <a:t>Initialize actors</a:t>
+            </a:r>
+          </a:p>
+          <a:p>
+            <a:pPr marL="457200" lvl="1" indent="0">
+              <a:buNone/>
+            </a:pPr>
+            <a:r>
+              <a:rPr lang="en-US" sz="2400" dirty="0" smtClean="0">
+                <a:solidFill>
+                  <a:srgbClr val="0000FF"/>
+                </a:solidFill>
+              </a:rPr>
+              <a:t>for </a:t>
+            </a:r>
+            <a:r>
+              <a:rPr lang="en-US" sz="2400" dirty="0">
+                <a:solidFill>
+                  <a:srgbClr val="0000FF"/>
+                </a:solidFill>
+              </a:rPr>
+              <a:t>(</a:t>
+            </a:r>
+            <a:r>
+              <a:rPr lang="en-US" sz="2400" dirty="0" err="1">
+                <a:solidFill>
+                  <a:srgbClr val="0000FF"/>
+                </a:solidFill>
+              </a:rPr>
               <a:t>sku</a:t>
             </a:r>
             <a:r>
-              <a:rPr lang="en-US" dirty="0"/>
-              <a:t> we instantiate an </a:t>
-            </a:r>
-            <a:r>
-              <a:rPr lang="en-US" dirty="0" err="1"/>
+              <a:rPr lang="en-US" sz="2400" dirty="0">
+                <a:solidFill>
+                  <a:srgbClr val="0000FF"/>
+                </a:solidFill>
+              </a:rPr>
+              <a:t> &lt;- 1 to 100) {</a:t>
+            </a:r>
+          </a:p>
+          <a:p>
+            <a:pPr marL="457200" lvl="1" indent="0">
+              <a:buNone/>
+            </a:pPr>
+            <a:r>
+              <a:rPr lang="en-US" sz="2400" dirty="0">
+                <a:solidFill>
+                  <a:srgbClr val="0000FF"/>
+                </a:solidFill>
+              </a:rPr>
+              <a:t>    </a:t>
+            </a:r>
+            <a:r>
+              <a:rPr lang="en-US" sz="2400" dirty="0" err="1">
+                <a:solidFill>
+                  <a:srgbClr val="0000FF"/>
+                </a:solidFill>
+              </a:rPr>
+              <a:t>val</a:t>
+            </a:r>
+            <a:r>
+              <a:rPr lang="en-US" sz="2400" dirty="0">
+                <a:solidFill>
+                  <a:srgbClr val="0000FF"/>
+                </a:solidFill>
+              </a:rPr>
+              <a:t> quantity = </a:t>
+            </a:r>
+            <a:r>
+              <a:rPr lang="en-US" sz="2400" dirty="0" err="1">
+                <a:solidFill>
+                  <a:srgbClr val="0000FF"/>
+                </a:solidFill>
+              </a:rPr>
+              <a:t>r.nextInt</a:t>
+            </a:r>
+            <a:r>
+              <a:rPr lang="en-US" sz="2400" dirty="0">
+                <a:solidFill>
+                  <a:srgbClr val="0000FF"/>
+                </a:solidFill>
+              </a:rPr>
+              <a:t>(10000) + 10000</a:t>
+            </a:r>
+          </a:p>
+          <a:p>
+            <a:pPr marL="457200" lvl="1" indent="0">
+              <a:buNone/>
+            </a:pPr>
+            <a:r>
+              <a:rPr lang="en-US" sz="2400" dirty="0">
+                <a:solidFill>
+                  <a:srgbClr val="0000FF"/>
+                </a:solidFill>
+              </a:rPr>
+              <a:t>    </a:t>
+            </a:r>
+            <a:r>
+              <a:rPr lang="en-US" sz="2400" dirty="0" err="1">
+                <a:solidFill>
+                  <a:srgbClr val="0000FF"/>
+                </a:solidFill>
+              </a:rPr>
+              <a:t>val</a:t>
+            </a:r>
+            <a:r>
+              <a:rPr lang="en-US" sz="2400" dirty="0">
+                <a:solidFill>
+                  <a:srgbClr val="0000FF"/>
+                </a:solidFill>
+              </a:rPr>
+              <a:t> </a:t>
+            </a:r>
+            <a:r>
+              <a:rPr lang="en-US" sz="2400" dirty="0" err="1">
+                <a:solidFill>
+                  <a:srgbClr val="0000FF"/>
+                </a:solidFill>
+              </a:rPr>
+              <a:t>skuString</a:t>
+            </a:r>
+            <a:r>
+              <a:rPr lang="en-US" sz="2400" dirty="0">
+                <a:solidFill>
+                  <a:srgbClr val="0000FF"/>
+                </a:solidFill>
+              </a:rPr>
+              <a:t> = </a:t>
+            </a:r>
+            <a:r>
+              <a:rPr lang="en-US" sz="2400" dirty="0" err="1">
+                <a:solidFill>
+                  <a:srgbClr val="0000FF"/>
+                </a:solidFill>
+              </a:rPr>
+              <a:t>sku.toString</a:t>
+            </a:r>
+            <a:endParaRPr lang="en-US" sz="2400" dirty="0">
+              <a:solidFill>
+                <a:srgbClr val="0000FF"/>
+              </a:solidFill>
+            </a:endParaRPr>
+          </a:p>
+          <a:p>
+            <a:pPr marL="457200" lvl="1" indent="0">
+              <a:buNone/>
+            </a:pPr>
+            <a:r>
+              <a:rPr lang="en-US" sz="2400" dirty="0">
+                <a:solidFill>
+                  <a:srgbClr val="0000FF"/>
+                </a:solidFill>
+              </a:rPr>
+              <a:t>    </a:t>
+            </a:r>
+            <a:r>
+              <a:rPr lang="en-US" sz="2400" dirty="0" err="1">
+                <a:solidFill>
+                  <a:srgbClr val="0000FF"/>
+                </a:solidFill>
+              </a:rPr>
+              <a:t>val</a:t>
+            </a:r>
+            <a:r>
+              <a:rPr lang="en-US" sz="2400" dirty="0">
+                <a:solidFill>
+                  <a:srgbClr val="0000FF"/>
+                </a:solidFill>
+              </a:rPr>
+              <a:t> </a:t>
+            </a:r>
+            <a:r>
+              <a:rPr lang="en-US" sz="2400" dirty="0" err="1">
+                <a:solidFill>
+                  <a:srgbClr val="0000FF"/>
+                </a:solidFill>
+              </a:rPr>
+              <a:t>inventoryUpdater</a:t>
+            </a:r>
+            <a:r>
+              <a:rPr lang="en-US" sz="2400" dirty="0">
+                <a:solidFill>
+                  <a:srgbClr val="0000FF"/>
+                </a:solidFill>
+              </a:rPr>
+              <a:t> = </a:t>
+            </a:r>
+            <a:r>
+              <a:rPr lang="en-US" sz="2400" dirty="0" err="1">
+                <a:solidFill>
+                  <a:srgbClr val="0000FF"/>
+                </a:solidFill>
+              </a:rPr>
+              <a:t>akkaSystem.actorOf</a:t>
+            </a:r>
+            <a:r>
+              <a:rPr lang="en-US" sz="2400" dirty="0">
+                <a:solidFill>
+                  <a:srgbClr val="0000FF"/>
+                </a:solidFill>
+              </a:rPr>
+              <a:t>(</a:t>
+            </a:r>
+          </a:p>
+          <a:p>
+            <a:pPr marL="457200" lvl="1" indent="0">
+              <a:buNone/>
+            </a:pPr>
+            <a:r>
+              <a:rPr lang="en-US" sz="2400" dirty="0">
+                <a:solidFill>
+                  <a:srgbClr val="0000FF"/>
+                </a:solidFill>
+              </a:rPr>
+              <a:t>      Props(</a:t>
+            </a:r>
+            <a:r>
+              <a:rPr lang="en-US" sz="2400" dirty="0" err="1">
+                <a:solidFill>
+                  <a:srgbClr val="0000FF"/>
+                </a:solidFill>
+              </a:rPr>
+              <a:t>classOf</a:t>
+            </a:r>
+            <a:r>
+              <a:rPr lang="en-US" sz="2400" dirty="0">
+                <a:solidFill>
+                  <a:srgbClr val="0000FF"/>
+                </a:solidFill>
+              </a:rPr>
+              <a:t>[</a:t>
+            </a:r>
+            <a:r>
+              <a:rPr lang="en-US" sz="2400" dirty="0" err="1">
+                <a:solidFill>
+                  <a:srgbClr val="0000FF"/>
+                </a:solidFill>
+              </a:rPr>
               <a:t>InventoryUpdater</a:t>
             </a:r>
             <a:r>
-              <a:rPr lang="en-US" dirty="0"/>
-              <a:t> actor and a pool of 10 </a:t>
-            </a:r>
-            <a:r>
-              <a:rPr lang="en-US" dirty="0" err="1"/>
+              <a:rPr lang="en-US" sz="2400" dirty="0">
+                <a:solidFill>
+                  <a:srgbClr val="0000FF"/>
+                </a:solidFill>
+              </a:rPr>
+              <a:t>], </a:t>
+            </a:r>
+            <a:r>
+              <a:rPr lang="en-US" sz="2400" dirty="0" err="1">
+                <a:solidFill>
+                  <a:srgbClr val="0000FF"/>
+                </a:solidFill>
+              </a:rPr>
+              <a:t>skuString</a:t>
+            </a:r>
+            <a:r>
+              <a:rPr lang="en-US" sz="2400" dirty="0">
+                <a:solidFill>
+                  <a:srgbClr val="0000FF"/>
+                </a:solidFill>
+              </a:rPr>
+              <a:t>, quantity, </a:t>
+            </a:r>
+            <a:r>
+              <a:rPr lang="en-US" sz="2400" dirty="0" err="1">
+                <a:solidFill>
+                  <a:srgbClr val="0000FF"/>
+                </a:solidFill>
+              </a:rPr>
+              <a:t>MongoRepo</a:t>
+            </a:r>
+            <a:r>
+              <a:rPr lang="en-US" sz="2400" dirty="0">
+                <a:solidFill>
+                  <a:srgbClr val="0000FF"/>
+                </a:solidFill>
+              </a:rPr>
+              <a:t>))</a:t>
+            </a:r>
+          </a:p>
+          <a:p>
+            <a:pPr marL="457200" lvl="1" indent="0">
+              <a:buNone/>
+            </a:pPr>
+            <a:r>
+              <a:rPr lang="en-US" sz="2400" dirty="0">
+                <a:solidFill>
+                  <a:srgbClr val="0000FF"/>
+                </a:solidFill>
+              </a:rPr>
+              <a:t>    </a:t>
+            </a:r>
+            <a:r>
+              <a:rPr lang="en-US" sz="2400" dirty="0" err="1">
+                <a:solidFill>
+                  <a:srgbClr val="0000FF"/>
+                </a:solidFill>
+              </a:rPr>
+              <a:t>inventoryUpdaters.put</a:t>
+            </a:r>
+            <a:r>
+              <a:rPr lang="en-US" sz="2400" dirty="0">
+                <a:solidFill>
+                  <a:srgbClr val="0000FF"/>
+                </a:solidFill>
+              </a:rPr>
+              <a:t>(</a:t>
+            </a:r>
+            <a:r>
+              <a:rPr lang="en-US" sz="2400" dirty="0" err="1">
+                <a:solidFill>
+                  <a:srgbClr val="0000FF"/>
+                </a:solidFill>
+              </a:rPr>
+              <a:t>sku.toString</a:t>
+            </a:r>
+            <a:r>
+              <a:rPr lang="en-US" sz="2400" dirty="0">
+                <a:solidFill>
+                  <a:srgbClr val="0000FF"/>
+                </a:solidFill>
+              </a:rPr>
+              <a:t>, </a:t>
+            </a:r>
+            <a:r>
+              <a:rPr lang="en-US" sz="2400" dirty="0" err="1">
+                <a:solidFill>
+                  <a:srgbClr val="0000FF"/>
+                </a:solidFill>
+              </a:rPr>
+              <a:t>inventoryUpdater</a:t>
+            </a:r>
+            <a:r>
+              <a:rPr lang="en-US" sz="2400" dirty="0">
+                <a:solidFill>
+                  <a:srgbClr val="0000FF"/>
+                </a:solidFill>
+              </a:rPr>
+              <a:t>)</a:t>
+            </a:r>
+          </a:p>
+          <a:p>
+            <a:pPr marL="457200" lvl="1" indent="0">
+              <a:buNone/>
+            </a:pPr>
+            <a:r>
+              <a:rPr lang="en-US" sz="2400" dirty="0">
+                <a:solidFill>
+                  <a:srgbClr val="0000FF"/>
+                </a:solidFill>
+              </a:rPr>
+              <a:t>    </a:t>
+            </a:r>
+            <a:r>
+              <a:rPr lang="en-US" sz="2400" dirty="0" err="1">
+                <a:solidFill>
+                  <a:srgbClr val="0000FF"/>
+                </a:solidFill>
+              </a:rPr>
+              <a:t>val</a:t>
+            </a:r>
+            <a:r>
+              <a:rPr lang="en-US" sz="2400" dirty="0">
+                <a:solidFill>
+                  <a:srgbClr val="0000FF"/>
+                </a:solidFill>
+              </a:rPr>
+              <a:t> </a:t>
+            </a:r>
+            <a:r>
+              <a:rPr lang="en-US" sz="2400" dirty="0" err="1">
+                <a:solidFill>
+                  <a:srgbClr val="0000FF"/>
+                </a:solidFill>
+              </a:rPr>
+              <a:t>routees</a:t>
+            </a:r>
+            <a:r>
+              <a:rPr lang="en-US" sz="2400" dirty="0">
+                <a:solidFill>
+                  <a:srgbClr val="0000FF"/>
+                </a:solidFill>
+              </a:rPr>
+              <a:t>: </a:t>
+            </a:r>
+            <a:r>
+              <a:rPr lang="en-US" sz="2400" dirty="0" err="1">
+                <a:solidFill>
+                  <a:srgbClr val="0000FF"/>
+                </a:solidFill>
+              </a:rPr>
+              <a:t>Seq</a:t>
+            </a:r>
+            <a:r>
+              <a:rPr lang="en-US" sz="2400" dirty="0">
+                <a:solidFill>
+                  <a:srgbClr val="0000FF"/>
+                </a:solidFill>
+              </a:rPr>
+              <a:t>[</a:t>
+            </a:r>
+            <a:r>
+              <a:rPr lang="en-US" sz="2400" dirty="0" err="1">
+                <a:solidFill>
+                  <a:srgbClr val="0000FF"/>
+                </a:solidFill>
+              </a:rPr>
+              <a:t>ActorRef</a:t>
+            </a:r>
+            <a:r>
+              <a:rPr lang="en-US" sz="2400" dirty="0">
+                <a:solidFill>
+                  <a:srgbClr val="0000FF"/>
+                </a:solidFill>
+              </a:rPr>
+              <a:t>] =</a:t>
+            </a:r>
+          </a:p>
+          <a:p>
+            <a:pPr marL="457200" lvl="1" indent="0">
+              <a:buNone/>
+            </a:pPr>
+            <a:r>
+              <a:rPr lang="en-US" sz="2400" dirty="0">
+                <a:solidFill>
+                  <a:srgbClr val="0000FF"/>
+                </a:solidFill>
+              </a:rPr>
+              <a:t>      for (</a:t>
+            </a:r>
+            <a:r>
+              <a:rPr lang="en-US" sz="2400" dirty="0" err="1">
+                <a:solidFill>
+                  <a:srgbClr val="0000FF"/>
+                </a:solidFill>
+              </a:rPr>
+              <a:t>routeeId</a:t>
+            </a:r>
+            <a:r>
+              <a:rPr lang="en-US" sz="2400" dirty="0">
+                <a:solidFill>
+                  <a:srgbClr val="0000FF"/>
+                </a:solidFill>
+              </a:rPr>
+              <a:t> &lt;- 1 to 10) yield {</a:t>
+            </a:r>
+          </a:p>
+          <a:p>
+            <a:pPr marL="457200" lvl="1" indent="0">
+              <a:buNone/>
+            </a:pPr>
+            <a:r>
+              <a:rPr lang="en-US" sz="2400" dirty="0">
+                <a:solidFill>
+                  <a:srgbClr val="0000FF"/>
+                </a:solidFill>
+              </a:rPr>
+              <a:t>        </a:t>
+            </a:r>
+            <a:r>
+              <a:rPr lang="en-US" sz="2400" dirty="0" err="1">
+                <a:solidFill>
+                  <a:srgbClr val="0000FF"/>
+                </a:solidFill>
+              </a:rPr>
+              <a:t>val</a:t>
+            </a:r>
+            <a:r>
+              <a:rPr lang="en-US" sz="2400" dirty="0">
+                <a:solidFill>
+                  <a:srgbClr val="0000FF"/>
+                </a:solidFill>
+              </a:rPr>
+              <a:t> </a:t>
+            </a:r>
+            <a:r>
+              <a:rPr lang="en-US" sz="2400" dirty="0" err="1">
+                <a:solidFill>
+                  <a:srgbClr val="0000FF"/>
+                </a:solidFill>
+              </a:rPr>
+              <a:t>routee</a:t>
+            </a:r>
+            <a:r>
+              <a:rPr lang="en-US" sz="2400" dirty="0">
+                <a:solidFill>
+                  <a:srgbClr val="0000FF"/>
+                </a:solidFill>
+              </a:rPr>
+              <a:t> = </a:t>
+            </a:r>
+            <a:r>
+              <a:rPr lang="en-US" sz="2400" dirty="0" err="1">
+                <a:solidFill>
+                  <a:srgbClr val="0000FF"/>
+                </a:solidFill>
+              </a:rPr>
+              <a:t>akkaSystem.actorOf</a:t>
+            </a:r>
+            <a:r>
+              <a:rPr lang="en-US" sz="2400" dirty="0">
+                <a:solidFill>
+                  <a:srgbClr val="0000FF"/>
+                </a:solidFill>
+              </a:rPr>
+              <a:t>(</a:t>
+            </a:r>
+          </a:p>
+          <a:p>
+            <a:pPr marL="457200" lvl="1" indent="0">
+              <a:buNone/>
+            </a:pPr>
+            <a:r>
+              <a:rPr lang="en-US" sz="2400" dirty="0">
+                <a:solidFill>
+                  <a:srgbClr val="0000FF"/>
+                </a:solidFill>
+              </a:rPr>
+              <a:t>          Props(</a:t>
+            </a:r>
+            <a:r>
+              <a:rPr lang="en-US" sz="2400" dirty="0" err="1">
+                <a:solidFill>
+                  <a:srgbClr val="0000FF"/>
+                </a:solidFill>
+              </a:rPr>
+              <a:t>classOf</a:t>
+            </a:r>
+            <a:r>
+              <a:rPr lang="en-US" sz="2400" dirty="0">
+                <a:solidFill>
+                  <a:srgbClr val="0000FF"/>
+                </a:solidFill>
+              </a:rPr>
+              <a:t>[</a:t>
+            </a:r>
+            <a:r>
+              <a:rPr lang="en-US" sz="2400" dirty="0" err="1">
+                <a:solidFill>
+                  <a:srgbClr val="0000FF"/>
+                </a:solidFill>
+              </a:rPr>
               <a:t>InventoryGetter</a:t>
             </a:r>
             <a:r>
-              <a:rPr lang="en-US" dirty="0"/>
-              <a:t> actors. </a:t>
-            </a:r>
-            <a:endParaRPr lang="en-US" sz="2000" dirty="0"/>
-          </a:p>
-          <a:p>
-            <a:pPr lvl="2"/>
-            <a:r>
-              <a:rPr lang="en-US" dirty="0"/>
-              <a:t>This bring up a crucial point in regards to </a:t>
-            </a:r>
-            <a:r>
-              <a:rPr lang="en-US" dirty="0" err="1"/>
-              <a:t>Akka</a:t>
-            </a:r>
-            <a:r>
-              <a:rPr lang="en-US" dirty="0"/>
-              <a:t> design. </a:t>
-            </a:r>
-            <a:endParaRPr lang="en-US" sz="2000" dirty="0"/>
-          </a:p>
-          <a:p>
-            <a:pPr lvl="3"/>
-            <a:r>
-              <a:rPr lang="en-US" dirty="0"/>
-              <a:t>We don’t have a pool of actors with access to all inventory, that would require shared-state which we are avoiding.</a:t>
-            </a:r>
-            <a:endParaRPr lang="en-US" sz="1800" dirty="0"/>
-          </a:p>
-          <a:p>
-            <a:pPr lvl="3"/>
-            <a:r>
-              <a:rPr lang="en-US" dirty="0"/>
-              <a:t>So instead we essentially shard the data by </a:t>
-            </a:r>
-            <a:r>
-              <a:rPr lang="en-US" dirty="0" err="1"/>
-              <a:t>sku</a:t>
-            </a:r>
-            <a:r>
-              <a:rPr lang="en-US" dirty="0"/>
-              <a:t> so that we are able to multithread the processing.</a:t>
-            </a:r>
-            <a:endParaRPr lang="en-US" sz="1800" dirty="0"/>
-          </a:p>
-          <a:p>
-            <a:pPr lvl="1"/>
-            <a:r>
-              <a:rPr lang="en-US" dirty="0"/>
-              <a:t>Another important line here is:</a:t>
-            </a:r>
-            <a:endParaRPr lang="en-US" sz="2400" dirty="0"/>
-          </a:p>
-          <a:p>
-            <a:pPr lvl="2"/>
-            <a:r>
-              <a:rPr lang="en-US" dirty="0" err="1"/>
+              <a:rPr lang="en-US" sz="2400" dirty="0">
+                <a:solidFill>
+                  <a:srgbClr val="0000FF"/>
+                </a:solidFill>
+              </a:rPr>
+              <a:t>], </a:t>
+            </a:r>
+            <a:r>
+              <a:rPr lang="en-US" sz="2400" dirty="0" err="1">
+                <a:solidFill>
+                  <a:srgbClr val="0000FF"/>
+                </a:solidFill>
+              </a:rPr>
+              <a:t>skuString</a:t>
+            </a:r>
+            <a:r>
+              <a:rPr lang="en-US" sz="2400" dirty="0">
+                <a:solidFill>
+                  <a:srgbClr val="0000FF"/>
+                </a:solidFill>
+              </a:rPr>
+              <a:t>, quantity))</a:t>
+            </a:r>
+          </a:p>
+          <a:p>
+            <a:pPr marL="457200" lvl="1" indent="0">
+              <a:buNone/>
+            </a:pPr>
+            <a:r>
+              <a:rPr lang="en-US" sz="2400" dirty="0">
+                <a:solidFill>
+                  <a:srgbClr val="0000FF"/>
+                </a:solidFill>
+              </a:rPr>
+              <a:t>        </a:t>
+            </a:r>
+            <a:r>
+              <a:rPr lang="en-US" sz="2400" dirty="0" err="1">
+                <a:solidFill>
+                  <a:srgbClr val="0000FF"/>
+                </a:solidFill>
+              </a:rPr>
               <a:t>inventoryUpdater</a:t>
             </a:r>
             <a:r>
-              <a:rPr lang="en-US" dirty="0"/>
+              <a:rPr lang="en-US" sz="2400" dirty="0">
+                <a:solidFill>
+                  <a:srgbClr val="0000FF"/>
+                </a:solidFill>
+              </a:rPr>
               <a:t> ! </a:t>
             </a:r>
             <a:r>
-              <a:rPr lang="en-US" dirty="0" err="1"/>
+              <a:rPr lang="en-US" sz="2400" dirty="0" err="1">
+                <a:solidFill>
+                  <a:srgbClr val="0000FF"/>
+                </a:solidFill>
+              </a:rPr>
               <a:t>RegisterListener</a:t>
             </a:r>
             <a:r>
-              <a:rPr lang="en-US" dirty="0"/>
+              <a:rPr lang="en-US" sz="2400" dirty="0">
+                <a:solidFill>
+                  <a:srgbClr val="0000FF"/>
+                </a:solidFill>
+              </a:rPr>
               <a:t>(</a:t>
             </a:r>
             <a:r>
-              <a:rPr lang="en-US" dirty="0" err="1"/>
+              <a:rPr lang="en-US" sz="2400" dirty="0" err="1">
+                <a:solidFill>
+                  <a:srgbClr val="0000FF"/>
+                </a:solidFill>
+              </a:rPr>
               <a:t>routee</a:t>
             </a:r>
             <a:r>
-              <a:rPr lang="en-US" dirty="0"/>
+              <a:rPr lang="en-US" sz="2400" dirty="0">
+                <a:solidFill>
+                  <a:srgbClr val="0000FF"/>
+                </a:solidFill>
+              </a:rPr>
               <a:t>)</a:t>
             </a:r>
-            <a:endParaRPr lang="en-US" sz="2000" dirty="0"/>
-          </a:p>
-          <a:p>
-            <a:pPr lvl="2"/>
-            <a:r>
-              <a:rPr lang="en-US" dirty="0"/>
-              <a:t>We’ll look at the code in the actors related to this later but what is happening here is that each of the 10 </a:t>
-            </a:r>
-            <a:r>
-              <a:rPr lang="en-US" dirty="0" err="1"/>
-              <a:t>InventoryGetter’s</a:t>
-            </a:r>
-            <a:r>
-              <a:rPr lang="en-US" dirty="0"/>
-              <a:t> is registering with the corresponding </a:t>
-            </a:r>
-            <a:r>
-              <a:rPr lang="en-US" dirty="0" err="1"/>
-              <a:t>InventoryUpdater</a:t>
-            </a:r>
-            <a:r>
-              <a:rPr lang="en-US" dirty="0"/>
-              <a:t> so that when it changes the inventory it can send them a message to tell them to update their inventory as well.</a:t>
-            </a:r>
-            <a:endParaRPr lang="en-US" sz="2000" dirty="0"/>
-          </a:p>
-          <a:p>
-            <a:pPr lvl="1"/>
-            <a:r>
-              <a:rPr lang="en-US" dirty="0"/>
-              <a:t>Finally we have the </a:t>
-            </a:r>
-            <a:r>
-              <a:rPr lang="en-US" dirty="0" err="1"/>
-              <a:t>getInventory</a:t>
-            </a:r>
-            <a:r>
-              <a:rPr lang="en-US" dirty="0"/>
-              <a:t> and </a:t>
-            </a:r>
-            <a:r>
-              <a:rPr lang="en-US" dirty="0" err="1"/>
-              <a:t>setInventory</a:t>
-            </a:r>
-            <a:r>
-              <a:rPr lang="en-US" dirty="0"/>
-              <a:t> controller methods. </a:t>
-            </a:r>
-            <a:endParaRPr lang="en-US" sz="2400" dirty="0"/>
-          </a:p>
-          <a:p>
-            <a:pPr lvl="2"/>
-            <a:r>
-              <a:rPr lang="en-US" dirty="0"/>
-              <a:t>They send a message to the appropriate actor</a:t>
-            </a:r>
-            <a:endParaRPr lang="en-US" sz="2000" dirty="0"/>
-          </a:p>
-          <a:p>
-            <a:r>
-              <a:rPr lang="en-US" dirty="0"/>
-              <a:t>Now lets look at some actors. </a:t>
-            </a:r>
-            <a:endParaRPr lang="en-US" sz="2800" dirty="0"/>
-          </a:p>
-          <a:p>
-            <a:r>
-              <a:rPr lang="en-US" dirty="0"/>
-              <a:t>First we’ll look at is the </a:t>
-            </a:r>
-            <a:r>
-              <a:rPr lang="en-US" dirty="0" err="1"/>
-              <a:t>EventSource</a:t>
-            </a:r>
-            <a:r>
-              <a:rPr lang="en-US" dirty="0"/>
-              <a:t> actor. This actor is actually just a trait that we will mix in to the </a:t>
-            </a:r>
-            <a:r>
-              <a:rPr lang="en-US" dirty="0" err="1"/>
-              <a:t>InventoryUpdater</a:t>
-            </a:r>
-            <a:r>
-              <a:rPr lang="en-US" dirty="0"/>
-              <a:t> actor that allows the </a:t>
-            </a:r>
-            <a:r>
-              <a:rPr lang="en-US" dirty="0" err="1"/>
-              <a:t>InventoryGetter</a:t>
-            </a:r>
-            <a:r>
-              <a:rPr lang="en-US" dirty="0"/>
-              <a:t> actors to register to receive messages.</a:t>
-            </a:r>
-            <a:endParaRPr lang="en-US" sz="2800" dirty="0"/>
-          </a:p>
-          <a:p>
-            <a:r>
-              <a:rPr lang="en-US" dirty="0"/>
-              <a:t>In this partial function of type Receive we accept messages to register and unregister listeners and store them in a vector.</a:t>
-            </a:r>
-            <a:endParaRPr lang="en-US" sz="2800" dirty="0"/>
-          </a:p>
-          <a:p>
-            <a:r>
-              <a:rPr lang="en-US" dirty="0"/>
-              <a:t>Now we move to the </a:t>
-            </a:r>
-            <a:r>
-              <a:rPr lang="en-US" dirty="0" err="1"/>
-              <a:t>InventoryUpdater</a:t>
-            </a:r>
-            <a:r>
-              <a:rPr lang="en-US" dirty="0"/>
-              <a:t>. Again we have a companion object defining messages. Then looking at the class, we can see that this actor take constructor parameters to store state: the </a:t>
-            </a:r>
-            <a:r>
-              <a:rPr lang="en-US" dirty="0" err="1"/>
-              <a:t>sku</a:t>
-            </a:r>
-            <a:r>
-              <a:rPr lang="en-US" dirty="0"/>
-              <a:t> controlled by this actor, the current quantity, a reference to the mongo helper for persisting data, and a reference to the </a:t>
-            </a:r>
-            <a:r>
-              <a:rPr lang="en-US" dirty="0" err="1"/>
-              <a:t>statsD</a:t>
-            </a:r>
-            <a:r>
-              <a:rPr lang="en-US" dirty="0"/>
-              <a:t> actor for sending metrics.</a:t>
-            </a:r>
-            <a:endParaRPr lang="en-US" sz="2800" dirty="0"/>
-          </a:p>
-          <a:p>
-            <a:r>
-              <a:rPr lang="en-US" dirty="0"/>
-              <a:t> </a:t>
-            </a:r>
-            <a:endParaRPr lang="en-US" sz="2800" dirty="0"/>
-          </a:p>
-          <a:p>
-            <a:r>
-              <a:rPr lang="en-US" dirty="0"/>
-              <a:t>We can also see that it mixes in several traits- </a:t>
-            </a:r>
-            <a:r>
-              <a:rPr lang="en-US" dirty="0" err="1"/>
-              <a:t>EventSource</a:t>
-            </a:r>
-            <a:r>
-              <a:rPr lang="en-US" dirty="0"/>
-              <a:t> to register listeners it can publish to, </a:t>
-            </a:r>
-            <a:r>
-              <a:rPr lang="en-US" dirty="0" err="1"/>
-              <a:t>ActorLogging</a:t>
-            </a:r>
-            <a:r>
-              <a:rPr lang="en-US" dirty="0"/>
-              <a:t>, which gives us the ability to log from this actor, and </a:t>
-            </a:r>
-            <a:r>
-              <a:rPr lang="en-US" dirty="0" err="1"/>
-              <a:t>InventoryResponse</a:t>
-            </a:r>
-            <a:r>
-              <a:rPr lang="en-US" dirty="0"/>
-              <a:t> which exposes the implicit </a:t>
-            </a:r>
-            <a:r>
-              <a:rPr lang="en-US" dirty="0" err="1"/>
-              <a:t>combinator</a:t>
-            </a:r>
-            <a:r>
-              <a:rPr lang="en-US" dirty="0"/>
-              <a:t> we need to convert </a:t>
-            </a:r>
-            <a:r>
-              <a:rPr lang="en-US" dirty="0" err="1"/>
-              <a:t>InventoryResponseModel</a:t>
-            </a:r>
-            <a:r>
-              <a:rPr lang="en-US" dirty="0"/>
-              <a:t> instances into </a:t>
-            </a:r>
-            <a:r>
-              <a:rPr lang="en-US" dirty="0" err="1"/>
-              <a:t>json</a:t>
-            </a:r>
-            <a:r>
-              <a:rPr lang="en-US" dirty="0"/>
-              <a:t>.</a:t>
-            </a:r>
-            <a:endParaRPr lang="en-US" sz="2800" dirty="0"/>
-          </a:p>
-          <a:p>
-            <a:r>
-              <a:rPr lang="en-US" dirty="0"/>
-              <a:t> </a:t>
-            </a:r>
-            <a:endParaRPr lang="en-US" sz="2800" dirty="0"/>
-          </a:p>
-          <a:p>
-            <a:r>
-              <a:rPr lang="en-US" dirty="0"/>
-              <a:t>The next thing we see is a method to persist the inventory for this </a:t>
-            </a:r>
-            <a:r>
-              <a:rPr lang="en-US" dirty="0" err="1"/>
-              <a:t>sku</a:t>
-            </a:r>
-            <a:r>
-              <a:rPr lang="en-US" dirty="0"/>
-              <a:t> to the database and an immediate call to this method to set the initial inventory when this actor is created. Again, since we are using Reactive Mongo this call is completely non-blocking, resulting in an immediate future being returned. We aren’t handling failure except to log it.</a:t>
-            </a:r>
-            <a:endParaRPr lang="en-US" sz="2800" dirty="0"/>
-          </a:p>
-          <a:p>
-            <a:r>
-              <a:rPr lang="en-US" dirty="0"/>
-              <a:t> </a:t>
-            </a:r>
-            <a:endParaRPr lang="en-US" sz="2800" dirty="0"/>
-          </a:p>
-          <a:p>
-            <a:r>
-              <a:rPr lang="en-US" dirty="0"/>
-              <a:t>Next we define a partial function, to handle incoming requests to modify the inventory. This confirms that the request is valid (i.e. we have enough inventory to satisfy it), updates the quantity, sends a message to all the listeners (the </a:t>
-            </a:r>
-            <a:r>
-              <a:rPr lang="en-US" dirty="0" err="1"/>
-              <a:t>InventoryGetter’s</a:t>
-            </a:r>
-            <a:r>
-              <a:rPr lang="en-US" dirty="0"/>
-              <a:t>) to update their inventory, and persists to mongo if appropriate, completes the future to send the response back to the http client with the appropriate information, and sends metrics.</a:t>
-            </a:r>
-            <a:endParaRPr lang="en-US" sz="2800" dirty="0"/>
-          </a:p>
-          <a:p>
-            <a:r>
-              <a:rPr lang="en-US" dirty="0"/>
-              <a:t> </a:t>
-            </a:r>
-            <a:endParaRPr lang="en-US" sz="2800" dirty="0"/>
-          </a:p>
-          <a:p>
-            <a:r>
-              <a:rPr lang="en-US" dirty="0"/>
-              <a:t>Finally we set the receive method for this actor (where all incoming messages are sent) to a combination of the partial function we just defined and the one from the </a:t>
-            </a:r>
-            <a:r>
-              <a:rPr lang="en-US" dirty="0" err="1"/>
-              <a:t>EventSource</a:t>
-            </a:r>
-            <a:r>
-              <a:rPr lang="en-US" dirty="0"/>
-              <a:t> trait by using </a:t>
-            </a:r>
-            <a:r>
-              <a:rPr lang="en-US" dirty="0" err="1"/>
-              <a:t>orElse</a:t>
-            </a:r>
-            <a:r>
-              <a:rPr lang="en-US" dirty="0"/>
-              <a:t>. Basically this says, if the message isn’t handled by the first partial function, try the 2nd one.</a:t>
-            </a:r>
-            <a:endParaRPr lang="en-US" sz="2800" dirty="0"/>
-          </a:p>
-          <a:p>
-            <a:r>
-              <a:rPr lang="en-US" dirty="0"/>
-              <a:t> </a:t>
-            </a:r>
-            <a:endParaRPr lang="en-US" sz="2800" dirty="0"/>
-          </a:p>
-          <a:p>
-            <a:r>
-              <a:rPr lang="en-US" dirty="0"/>
-              <a:t>Now lets look at the </a:t>
-            </a:r>
-            <a:r>
-              <a:rPr lang="en-US" dirty="0" err="1"/>
-              <a:t>InventoryGetter</a:t>
-            </a:r>
-            <a:r>
-              <a:rPr lang="en-US" dirty="0"/>
-              <a:t>. Nothing new here, companion object, mutable inventory state, updates inventory when it receives a message from the </a:t>
-            </a:r>
-            <a:r>
-              <a:rPr lang="en-US" dirty="0" err="1"/>
-              <a:t>InventoryUpdater</a:t>
-            </a:r>
-            <a:r>
-              <a:rPr lang="en-US" dirty="0"/>
-              <a:t>, responds to requests for the current inventory for the </a:t>
-            </a:r>
-            <a:r>
-              <a:rPr lang="en-US" dirty="0" err="1"/>
-              <a:t>sku</a:t>
-            </a:r>
-            <a:r>
-              <a:rPr lang="en-US" dirty="0"/>
-              <a:t> it controls, and sends metrics.</a:t>
-            </a:r>
-            <a:endParaRPr lang="en-US" sz="2800" dirty="0"/>
-          </a:p>
-          <a:p>
-            <a:pPr lvl="2"/>
+          </a:p>
+          <a:p>
+            <a:pPr marL="457200" lvl="1" indent="0">
+              <a:buNone/>
+            </a:pPr>
+            <a:r>
+              <a:rPr lang="en-US" sz="2400" dirty="0">
+                <a:solidFill>
+                  <a:srgbClr val="0000FF"/>
+                </a:solidFill>
+              </a:rPr>
+              <a:t>        </a:t>
+            </a:r>
+            <a:r>
+              <a:rPr lang="en-US" sz="2400" dirty="0" err="1">
+                <a:solidFill>
+                  <a:srgbClr val="0000FF"/>
+                </a:solidFill>
+              </a:rPr>
+              <a:t>routee</a:t>
+            </a:r>
+            <a:endParaRPr lang="en-US" sz="2400" dirty="0">
+              <a:solidFill>
+                <a:srgbClr val="0000FF"/>
+              </a:solidFill>
+            </a:endParaRPr>
+          </a:p>
+          <a:p>
+            <a:pPr marL="457200" lvl="1" indent="0">
+              <a:buNone/>
+            </a:pPr>
+            <a:r>
+              <a:rPr lang="en-US" sz="2400" dirty="0">
+                <a:solidFill>
+                  <a:srgbClr val="0000FF"/>
+                </a:solidFill>
+              </a:rPr>
+              <a:t>      }</a:t>
+            </a:r>
+          </a:p>
+          <a:p>
+            <a:pPr marL="457200" lvl="1" indent="0">
+              <a:buNone/>
+            </a:pPr>
+            <a:r>
+              <a:rPr lang="en-US" sz="2400" dirty="0">
+                <a:solidFill>
+                  <a:srgbClr val="0000FF"/>
+                </a:solidFill>
+              </a:rPr>
+              <a:t>    </a:t>
+            </a:r>
+            <a:r>
+              <a:rPr lang="en-US" sz="2400" dirty="0" err="1">
+                <a:solidFill>
+                  <a:srgbClr val="0000FF"/>
+                </a:solidFill>
+              </a:rPr>
+              <a:t>inventoryGetters.put</a:t>
+            </a:r>
+            <a:r>
+              <a:rPr lang="en-US" sz="2400" dirty="0">
+                <a:solidFill>
+                  <a:srgbClr val="0000FF"/>
+                </a:solidFill>
+              </a:rPr>
+              <a:t>(</a:t>
+            </a:r>
+          </a:p>
+          <a:p>
+            <a:pPr marL="457200" lvl="1" indent="0">
+              <a:buNone/>
+            </a:pPr>
+            <a:r>
+              <a:rPr lang="en-US" sz="2400" dirty="0">
+                <a:solidFill>
+                  <a:srgbClr val="0000FF"/>
+                </a:solidFill>
+              </a:rPr>
+              <a:t>      </a:t>
+            </a:r>
+            <a:r>
+              <a:rPr lang="en-US" sz="2400" dirty="0" err="1">
+                <a:solidFill>
+                  <a:srgbClr val="0000FF"/>
+                </a:solidFill>
+              </a:rPr>
+              <a:t>sku.toString</a:t>
+            </a:r>
+            <a:r>
+              <a:rPr lang="en-US" sz="2400" dirty="0">
+                <a:solidFill>
+                  <a:srgbClr val="0000FF"/>
+                </a:solidFill>
+              </a:rPr>
+              <a:t>,</a:t>
+            </a:r>
+          </a:p>
+          <a:p>
+            <a:pPr marL="457200" lvl="1" indent="0">
+              <a:buNone/>
+            </a:pPr>
+            <a:r>
+              <a:rPr lang="en-US" sz="2400" dirty="0">
+                <a:solidFill>
+                  <a:srgbClr val="0000FF"/>
+                </a:solidFill>
+              </a:rPr>
+              <a:t>      </a:t>
+            </a:r>
+            <a:r>
+              <a:rPr lang="en-US" sz="2400" dirty="0" err="1">
+                <a:solidFill>
+                  <a:srgbClr val="0000FF"/>
+                </a:solidFill>
+              </a:rPr>
+              <a:t>akkaSystem.actorOf</a:t>
+            </a:r>
+            <a:r>
+              <a:rPr lang="en-US" sz="2400" dirty="0">
+                <a:solidFill>
+                  <a:srgbClr val="0000FF"/>
+                </a:solidFill>
+              </a:rPr>
+              <a:t>(</a:t>
+            </a:r>
+            <a:r>
+              <a:rPr lang="en-US" sz="2400" dirty="0" err="1">
+                <a:solidFill>
+                  <a:srgbClr val="0000FF"/>
+                </a:solidFill>
+              </a:rPr>
+              <a:t>RoundRobinGroup</a:t>
+            </a:r>
+            <a:r>
+              <a:rPr lang="en-US" sz="2400" dirty="0">
+                <a:solidFill>
+                  <a:srgbClr val="0000FF"/>
+                </a:solidFill>
+              </a:rPr>
+              <a:t>(</a:t>
+            </a:r>
+            <a:r>
+              <a:rPr lang="en-US" sz="2400" dirty="0" err="1">
+                <a:solidFill>
+                  <a:srgbClr val="0000FF"/>
+                </a:solidFill>
+              </a:rPr>
+              <a:t>routees.map</a:t>
+            </a:r>
+            <a:r>
+              <a:rPr lang="en-US" sz="2400" dirty="0">
+                <a:solidFill>
+                  <a:srgbClr val="0000FF"/>
+                </a:solidFill>
+              </a:rPr>
+              <a:t>(_.</a:t>
+            </a:r>
+            <a:r>
+              <a:rPr lang="en-US" sz="2400" dirty="0" err="1">
+                <a:solidFill>
+                  <a:srgbClr val="0000FF"/>
+                </a:solidFill>
+              </a:rPr>
+              <a:t>path.toStringWithoutAddress</a:t>
+            </a:r>
+            <a:r>
+              <a:rPr lang="en-US" sz="2400" dirty="0">
+                <a:solidFill>
+                  <a:srgbClr val="0000FF"/>
+                </a:solidFill>
+              </a:rPr>
+              <a:t>).</a:t>
+            </a:r>
+            <a:r>
+              <a:rPr lang="en-US" sz="2400" dirty="0" err="1">
+                <a:solidFill>
+                  <a:srgbClr val="0000FF"/>
+                </a:solidFill>
+              </a:rPr>
+              <a:t>toList</a:t>
+            </a:r>
+            <a:r>
+              <a:rPr lang="en-US" sz="2400" dirty="0">
+                <a:solidFill>
+                  <a:srgbClr val="0000FF"/>
+                </a:solidFill>
+              </a:rPr>
+              <a:t>).props()))</a:t>
+            </a:r>
+          </a:p>
+          <a:p>
+            <a:pPr marL="457200" lvl="1" indent="0">
+              <a:buNone/>
+            </a:pPr>
+            <a:r>
+              <a:rPr lang="en-US" sz="2400" dirty="0">
+                <a:solidFill>
+                  <a:srgbClr val="0000FF"/>
+                </a:solidFill>
+              </a:rPr>
+              <a:t>  }</a:t>
+            </a:r>
             <a:endParaRPr lang="en-US" dirty="0"/>
           </a:p>
           <a:p>
@@ -7871,6 +9146,1894 @@
           <a:lstStyle/>
           <a:p>
             <a:r>
+              <a:rPr lang="en-US" sz="4300" dirty="0" smtClean="0">
+                <a:solidFill>
+                  <a:srgbClr val="FFFFFF"/>
+                </a:solidFill>
+              </a:rPr>
+              <a:t>Reactive Inventory Application </a:t>
+            </a:r>
+            <a:endParaRPr lang="en-US" sz="4300" dirty="0">
+              <a:solidFill>
+                <a:srgbClr val="FFFFFF"/>
+              </a:solidFill>
+            </a:endParaRPr>
+          </a:p>
+        </p:txBody>
+      </p:sp>
+      <p:pic>
+        <p:nvPicPr>
+          <p:cNvPr id="5" name="Picture 4"/>
+          <p:cNvPicPr>
+            <a:picLocks noChangeAspect="1"/>
+          </p:cNvPicPr>
+          <p:nvPr/>
+        </p:nvPicPr>
+        <p:blipFill>
+          <a:blip r:embed="rId3"/>
+          <a:stretch>
+            <a:fillRect/>
+          </a:stretch>
+        </p:blipFill>
+        <p:spPr>
+          <a:xfrm>
+            <a:off x="427268" y="6118657"/>
+            <a:ext cx="529526" cy="356061"/>
+          </a:xfrm>
+          <a:prstGeom prst="rect">
+            <a:avLst/>
+          </a:prstGeom>
+        </p:spPr>
+      </p:pic>
+      <p:sp>
+        <p:nvSpPr>
+          <p:cNvPr id="7" name="Content Placeholder 2"/>
+          <p:cNvSpPr>
+            <a:spLocks noGrp="1"/>
+          </p:cNvSpPr>
+          <p:nvPr>
+            <p:ph idx="1"/>
+          </p:nvPr>
+        </p:nvSpPr>
+        <p:spPr>
+          <a:xfrm>
+            <a:off x="0" y="1202687"/>
+            <a:ext cx="9144000" cy="5272031"/>
+          </a:xfrm>
+        </p:spPr>
+        <p:txBody>
+          <a:bodyPr>
+            <a:normAutofit fontScale="77500" lnSpcReduction="20000"/>
+          </a:bodyPr>
+          <a:lstStyle/>
+          <a:p>
+            <a:r>
+              <a:rPr lang="en-US" sz="2800" dirty="0" smtClean="0"/>
+              <a:t>Application controller (</a:t>
+            </a:r>
+            <a:r>
+              <a:rPr lang="en-US" sz="2800" dirty="0" err="1" smtClean="0"/>
+              <a:t>cont</a:t>
+            </a:r>
+            <a:r>
+              <a:rPr lang="en-US" sz="2800" dirty="0" smtClean="0"/>
+              <a:t>)</a:t>
+            </a:r>
+            <a:endParaRPr lang="en-US" sz="2800" dirty="0"/>
+          </a:p>
+          <a:p>
+            <a:pPr lvl="1"/>
+            <a:r>
+              <a:rPr lang="en-US" dirty="0" err="1" smtClean="0"/>
+              <a:t>inventoryUpdater</a:t>
+            </a:r>
+            <a:r>
+              <a:rPr lang="en-US" dirty="0" smtClean="0"/>
+              <a:t> </a:t>
+            </a:r>
+            <a:r>
+              <a:rPr lang="en-US" dirty="0"/>
+              <a:t>! </a:t>
+            </a:r>
+            <a:r>
+              <a:rPr lang="en-US" dirty="0" err="1"/>
+              <a:t>RegisterListener</a:t>
+            </a:r>
+            <a:r>
+              <a:rPr lang="en-US" dirty="0"/>
+              <a:t>(</a:t>
+            </a:r>
+            <a:r>
+              <a:rPr lang="en-US" dirty="0" err="1"/>
+              <a:t>routee</a:t>
+            </a:r>
+            <a:r>
+              <a:rPr lang="en-US" dirty="0" smtClean="0"/>
+              <a:t>)</a:t>
+            </a:r>
+          </a:p>
+          <a:p>
+            <a:pPr lvl="1"/>
+            <a:r>
+              <a:rPr lang="en-US" dirty="0" smtClean="0"/>
+              <a:t>Handlers</a:t>
+            </a:r>
+          </a:p>
+          <a:p>
+            <a:pPr marL="457200" lvl="1" indent="0">
+              <a:buNone/>
+            </a:pPr>
+            <a:r>
+              <a:rPr lang="en-US" dirty="0">
+                <a:solidFill>
+                  <a:srgbClr val="0000FF"/>
+                </a:solidFill>
+              </a:rPr>
+              <a:t> </a:t>
+            </a:r>
+            <a:r>
+              <a:rPr lang="en-US" dirty="0" err="1">
+                <a:solidFill>
+                  <a:srgbClr val="0000FF"/>
+                </a:solidFill>
+              </a:rPr>
+              <a:t>def</a:t>
+            </a:r>
+            <a:r>
+              <a:rPr lang="en-US" dirty="0">
+                <a:solidFill>
+                  <a:srgbClr val="0000FF"/>
+                </a:solidFill>
+              </a:rPr>
+              <a:t> </a:t>
+            </a:r>
+            <a:r>
+              <a:rPr lang="en-US" dirty="0" err="1">
+                <a:solidFill>
+                  <a:srgbClr val="0000FF"/>
+                </a:solidFill>
+              </a:rPr>
+              <a:t>updateInventory</a:t>
+            </a:r>
+            <a:r>
+              <a:rPr lang="en-US" dirty="0">
+                <a:solidFill>
+                  <a:srgbClr val="0000FF"/>
+                </a:solidFill>
+              </a:rPr>
+              <a:t>(</a:t>
+            </a:r>
+            <a:r>
+              <a:rPr lang="en-US" dirty="0" err="1">
+                <a:solidFill>
+                  <a:srgbClr val="0000FF"/>
+                </a:solidFill>
+              </a:rPr>
+              <a:t>sku</a:t>
+            </a:r>
+            <a:r>
+              <a:rPr lang="en-US" dirty="0">
+                <a:solidFill>
+                  <a:srgbClr val="0000FF"/>
+                </a:solidFill>
+              </a:rPr>
+              <a:t>: String, </a:t>
+            </a:r>
+            <a:r>
+              <a:rPr lang="en-US" dirty="0" err="1">
+                <a:solidFill>
+                  <a:srgbClr val="0000FF"/>
+                </a:solidFill>
+              </a:rPr>
+              <a:t>quantityChange</a:t>
+            </a:r>
+            <a:r>
+              <a:rPr lang="en-US" dirty="0">
+                <a:solidFill>
+                  <a:srgbClr val="0000FF"/>
+                </a:solidFill>
+              </a:rPr>
+              <a:t>: </a:t>
+            </a:r>
+            <a:r>
+              <a:rPr lang="en-US" dirty="0" err="1">
+                <a:solidFill>
+                  <a:srgbClr val="0000FF"/>
+                </a:solidFill>
+              </a:rPr>
+              <a:t>Int</a:t>
+            </a:r>
+            <a:r>
+              <a:rPr lang="en-US" dirty="0">
+                <a:solidFill>
+                  <a:srgbClr val="0000FF"/>
+                </a:solidFill>
+              </a:rPr>
+              <a:t>) = </a:t>
+            </a:r>
+            <a:r>
+              <a:rPr lang="en-US" dirty="0" err="1">
+                <a:solidFill>
+                  <a:srgbClr val="0000FF"/>
+                </a:solidFill>
+              </a:rPr>
+              <a:t>Action.async</a:t>
+            </a:r>
+            <a:r>
+              <a:rPr lang="en-US" dirty="0">
+                <a:solidFill>
+                  <a:srgbClr val="0000FF"/>
+                </a:solidFill>
+              </a:rPr>
+              <a:t> ({</a:t>
+            </a:r>
+          </a:p>
+          <a:p>
+            <a:pPr marL="457200" lvl="1" indent="0">
+              <a:buNone/>
+            </a:pPr>
+            <a:r>
+              <a:rPr lang="en-US" dirty="0">
+                <a:solidFill>
+                  <a:srgbClr val="0000FF"/>
+                </a:solidFill>
+              </a:rPr>
+              <a:t>    </a:t>
+            </a:r>
+            <a:r>
+              <a:rPr lang="en-US" dirty="0" err="1">
+                <a:solidFill>
+                  <a:srgbClr val="0000FF"/>
+                </a:solidFill>
+              </a:rPr>
+              <a:t>val</a:t>
+            </a:r>
+            <a:r>
+              <a:rPr lang="en-US" dirty="0">
+                <a:solidFill>
+                  <a:srgbClr val="0000FF"/>
+                </a:solidFill>
+              </a:rPr>
+              <a:t> </a:t>
+            </a:r>
+            <a:r>
+              <a:rPr lang="en-US" dirty="0" err="1">
+                <a:solidFill>
+                  <a:srgbClr val="0000FF"/>
+                </a:solidFill>
+              </a:rPr>
+              <a:t>startTime</a:t>
+            </a:r>
+            <a:r>
+              <a:rPr lang="en-US" dirty="0">
+                <a:solidFill>
+                  <a:srgbClr val="0000FF"/>
+                </a:solidFill>
+              </a:rPr>
+              <a:t> = </a:t>
+            </a:r>
+            <a:r>
+              <a:rPr lang="en-US" dirty="0" err="1">
+                <a:solidFill>
+                  <a:srgbClr val="0000FF"/>
+                </a:solidFill>
+              </a:rPr>
+              <a:t>System.currentTimeMillis</a:t>
+            </a:r>
+            <a:r>
+              <a:rPr lang="en-US" dirty="0">
+                <a:solidFill>
+                  <a:srgbClr val="0000FF"/>
+                </a:solidFill>
+              </a:rPr>
+              <a:t>()</a:t>
+            </a:r>
+          </a:p>
+          <a:p>
+            <a:pPr marL="457200" lvl="1" indent="0">
+              <a:buNone/>
+            </a:pPr>
+            <a:r>
+              <a:rPr lang="en-US" dirty="0">
+                <a:solidFill>
+                  <a:srgbClr val="0000FF"/>
+                </a:solidFill>
+              </a:rPr>
+              <a:t>    </a:t>
+            </a:r>
+            <a:r>
+              <a:rPr lang="en-US" dirty="0" err="1">
+                <a:solidFill>
+                  <a:srgbClr val="0000FF"/>
+                </a:solidFill>
+              </a:rPr>
+              <a:t>val</a:t>
+            </a:r>
+            <a:r>
+              <a:rPr lang="en-US" dirty="0">
+                <a:solidFill>
+                  <a:srgbClr val="0000FF"/>
+                </a:solidFill>
+              </a:rPr>
+              <a:t> f = (</a:t>
+            </a:r>
+            <a:r>
+              <a:rPr lang="en-US" dirty="0" err="1">
+                <a:solidFill>
+                  <a:srgbClr val="0000FF"/>
+                </a:solidFill>
+              </a:rPr>
+              <a:t>inventoryUpdaters.getOrElse</a:t>
+            </a:r>
+            <a:r>
+              <a:rPr lang="en-US" dirty="0">
+                <a:solidFill>
+                  <a:srgbClr val="0000FF"/>
+                </a:solidFill>
+              </a:rPr>
+              <a:t>(</a:t>
+            </a:r>
+            <a:r>
+              <a:rPr lang="en-US" dirty="0" err="1">
+                <a:solidFill>
+                  <a:srgbClr val="0000FF"/>
+                </a:solidFill>
+              </a:rPr>
+              <a:t>sku,akkaSystem.deadLetters</a:t>
+            </a:r>
+            <a:r>
+              <a:rPr lang="en-US" dirty="0">
+                <a:solidFill>
+                  <a:srgbClr val="0000FF"/>
+                </a:solidFill>
+              </a:rPr>
+              <a:t>) ? </a:t>
+            </a:r>
+            <a:endParaRPr lang="en-US" dirty="0" smtClean="0">
+              <a:solidFill>
+                <a:srgbClr val="0000FF"/>
+              </a:solidFill>
+            </a:endParaRPr>
+          </a:p>
+          <a:p>
+            <a:pPr marL="457200" lvl="1" indent="0">
+              <a:buNone/>
+            </a:pPr>
+            <a:r>
+              <a:rPr lang="en-US" dirty="0">
+                <a:solidFill>
+                  <a:srgbClr val="0000FF"/>
+                </a:solidFill>
+              </a:rPr>
+              <a:t> </a:t>
+            </a:r>
+            <a:r>
+              <a:rPr lang="en-US" dirty="0" smtClean="0">
+                <a:solidFill>
+                  <a:srgbClr val="0000FF"/>
+                </a:solidFill>
+              </a:rPr>
+              <a:t>     </a:t>
+            </a:r>
+            <a:r>
+              <a:rPr lang="en-US" dirty="0" err="1" smtClean="0">
+                <a:solidFill>
+                  <a:srgbClr val="0000FF"/>
+                </a:solidFill>
+              </a:rPr>
+              <a:t>UpdateInventory</a:t>
+            </a:r>
+            <a:r>
+              <a:rPr lang="en-US" dirty="0">
+                <a:solidFill>
+                  <a:srgbClr val="0000FF"/>
+                </a:solidFill>
+              </a:rPr>
+              <a:t>(</a:t>
+            </a:r>
+            <a:r>
+              <a:rPr lang="en-US" dirty="0" err="1">
+                <a:solidFill>
+                  <a:srgbClr val="0000FF"/>
+                </a:solidFill>
+              </a:rPr>
+              <a:t>quantityChange</a:t>
+            </a:r>
+            <a:r>
+              <a:rPr lang="en-US" dirty="0">
+                <a:solidFill>
+                  <a:srgbClr val="0000FF"/>
+                </a:solidFill>
+              </a:rPr>
+              <a:t>)).</a:t>
+            </a:r>
+            <a:r>
+              <a:rPr lang="en-US" dirty="0" err="1">
+                <a:solidFill>
+                  <a:srgbClr val="0000FF"/>
+                </a:solidFill>
+              </a:rPr>
+              <a:t>mapTo</a:t>
+            </a:r>
+            <a:r>
+              <a:rPr lang="en-US" dirty="0">
+                <a:solidFill>
+                  <a:srgbClr val="0000FF"/>
+                </a:solidFill>
+              </a:rPr>
+              <a:t>[Result]</a:t>
+            </a:r>
+          </a:p>
+          <a:p>
+            <a:pPr marL="457200" lvl="1" indent="0">
+              <a:buNone/>
+            </a:pPr>
+            <a:r>
+              <a:rPr lang="en-US" dirty="0">
+                <a:solidFill>
+                  <a:srgbClr val="0000FF"/>
+                </a:solidFill>
+              </a:rPr>
+              <a:t>    </a:t>
+            </a:r>
+            <a:r>
+              <a:rPr lang="en-US" dirty="0" err="1">
+                <a:solidFill>
+                  <a:srgbClr val="0000FF"/>
+                </a:solidFill>
+              </a:rPr>
+              <a:t>f.onComplete</a:t>
+            </a:r>
+            <a:r>
+              <a:rPr lang="en-US" dirty="0">
+                <a:solidFill>
+                  <a:srgbClr val="0000FF"/>
+                </a:solidFill>
+              </a:rPr>
+              <a:t>({case _ =&gt;</a:t>
+            </a:r>
+          </a:p>
+          <a:p>
+            <a:pPr marL="457200" lvl="1" indent="0">
+              <a:buNone/>
+            </a:pPr>
+            <a:r>
+              <a:rPr lang="en-US" dirty="0">
+                <a:solidFill>
+                  <a:srgbClr val="0000FF"/>
+                </a:solidFill>
+              </a:rPr>
+              <a:t>      </a:t>
+            </a:r>
+            <a:r>
+              <a:rPr lang="en-US" dirty="0" err="1">
+                <a:solidFill>
+                  <a:srgbClr val="0000FF"/>
+                </a:solidFill>
+              </a:rPr>
+              <a:t>statsDSender</a:t>
+            </a:r>
+            <a:r>
+              <a:rPr lang="en-US" dirty="0">
+                <a:solidFill>
+                  <a:srgbClr val="0000FF"/>
+                </a:solidFill>
+              </a:rPr>
+              <a:t> ! </a:t>
+            </a:r>
+            <a:r>
+              <a:rPr lang="en-US" dirty="0" err="1">
+                <a:solidFill>
+                  <a:srgbClr val="0000FF"/>
+                </a:solidFill>
+              </a:rPr>
+              <a:t>SendTimer</a:t>
+            </a:r>
+            <a:r>
+              <a:rPr lang="en-US" dirty="0">
+                <a:solidFill>
+                  <a:srgbClr val="0000FF"/>
+                </a:solidFill>
+              </a:rPr>
+              <a:t>("</a:t>
+            </a:r>
+            <a:r>
+              <a:rPr lang="en-US" dirty="0" err="1">
+                <a:solidFill>
+                  <a:srgbClr val="0000FF"/>
+                </a:solidFill>
+              </a:rPr>
+              <a:t>reactive.update.duration</a:t>
+            </a:r>
+            <a:r>
+              <a:rPr lang="en-US" dirty="0">
+                <a:solidFill>
+                  <a:srgbClr val="0000FF"/>
+                </a:solidFill>
+              </a:rPr>
+              <a:t>", </a:t>
+            </a:r>
+            <a:r>
+              <a:rPr lang="en-US" dirty="0" smtClean="0">
+                <a:solidFill>
+                  <a:srgbClr val="0000FF"/>
+                </a:solidFill>
+              </a:rPr>
+              <a:t>    </a:t>
+            </a:r>
+          </a:p>
+          <a:p>
+            <a:pPr marL="457200" lvl="1" indent="0">
+              <a:buNone/>
+            </a:pPr>
+            <a:r>
+              <a:rPr lang="en-US" dirty="0">
+                <a:solidFill>
+                  <a:srgbClr val="0000FF"/>
+                </a:solidFill>
+              </a:rPr>
+              <a:t> </a:t>
+            </a:r>
+            <a:r>
+              <a:rPr lang="en-US" dirty="0" smtClean="0">
+                <a:solidFill>
+                  <a:srgbClr val="0000FF"/>
+                </a:solidFill>
+              </a:rPr>
+              <a:t>       </a:t>
+            </a:r>
+            <a:r>
+              <a:rPr lang="en-US" dirty="0" err="1" smtClean="0">
+                <a:solidFill>
+                  <a:srgbClr val="0000FF"/>
+                </a:solidFill>
+              </a:rPr>
+              <a:t>System.currentTimeMillis</a:t>
+            </a:r>
+            <a:r>
+              <a:rPr lang="en-US" dirty="0" smtClean="0">
+                <a:solidFill>
+                  <a:srgbClr val="0000FF"/>
+                </a:solidFill>
+              </a:rPr>
+              <a:t> </a:t>
+            </a:r>
+            <a:r>
+              <a:rPr lang="en-US" dirty="0">
+                <a:solidFill>
+                  <a:srgbClr val="0000FF"/>
+                </a:solidFill>
+              </a:rPr>
+              <a:t>- </a:t>
+            </a:r>
+            <a:r>
+              <a:rPr lang="en-US" dirty="0" err="1">
+                <a:solidFill>
+                  <a:srgbClr val="0000FF"/>
+                </a:solidFill>
+              </a:rPr>
+              <a:t>startTime</a:t>
+            </a:r>
+            <a:r>
+              <a:rPr lang="en-US" dirty="0">
+                <a:solidFill>
+                  <a:srgbClr val="0000FF"/>
+                </a:solidFill>
+              </a:rPr>
+              <a:t>)</a:t>
+            </a:r>
+          </a:p>
+          <a:p>
+            <a:pPr marL="457200" lvl="1" indent="0">
+              <a:buNone/>
+            </a:pPr>
+            <a:r>
+              <a:rPr lang="en-US" dirty="0">
+                <a:solidFill>
+                  <a:srgbClr val="0000FF"/>
+                </a:solidFill>
+              </a:rPr>
+              <a:t>      </a:t>
+            </a:r>
+            <a:r>
+              <a:rPr lang="en-US" dirty="0" err="1">
+                <a:solidFill>
+                  <a:srgbClr val="0000FF"/>
+                </a:solidFill>
+              </a:rPr>
+              <a:t>statsDSender</a:t>
+            </a:r>
+            <a:r>
+              <a:rPr lang="en-US" dirty="0">
+                <a:solidFill>
+                  <a:srgbClr val="0000FF"/>
+                </a:solidFill>
+              </a:rPr>
+              <a:t> ! </a:t>
+            </a:r>
+            <a:r>
+              <a:rPr lang="en-US" dirty="0" err="1">
+                <a:solidFill>
+                  <a:srgbClr val="0000FF"/>
+                </a:solidFill>
+              </a:rPr>
+              <a:t>IncrementCounter</a:t>
+            </a:r>
+            <a:r>
+              <a:rPr lang="en-US" dirty="0">
+                <a:solidFill>
+                  <a:srgbClr val="0000FF"/>
+                </a:solidFill>
+              </a:rPr>
+              <a:t>("</a:t>
+            </a:r>
+            <a:r>
+              <a:rPr lang="en-US" dirty="0" err="1">
+                <a:solidFill>
+                  <a:srgbClr val="0000FF"/>
+                </a:solidFill>
+              </a:rPr>
+              <a:t>reactive.update.count</a:t>
+            </a:r>
+            <a:r>
+              <a:rPr lang="en-US" dirty="0">
+                <a:solidFill>
+                  <a:srgbClr val="0000FF"/>
+                </a:solidFill>
+              </a:rPr>
+              <a:t>")</a:t>
+            </a:r>
+          </a:p>
+          <a:p>
+            <a:pPr marL="457200" lvl="1" indent="0">
+              <a:buNone/>
+            </a:pPr>
+            <a:r>
+              <a:rPr lang="en-US" dirty="0">
+                <a:solidFill>
+                  <a:srgbClr val="0000FF"/>
+                </a:solidFill>
+              </a:rPr>
+              <a:t>    })</a:t>
+            </a:r>
+          </a:p>
+          <a:p>
+            <a:pPr marL="457200" lvl="1" indent="0">
+              <a:buNone/>
+            </a:pPr>
+            <a:r>
+              <a:rPr lang="en-US" dirty="0">
+                <a:solidFill>
+                  <a:srgbClr val="0000FF"/>
+                </a:solidFill>
+              </a:rPr>
+              <a:t>    f</a:t>
+            </a:r>
+          </a:p>
+          <a:p>
+            <a:pPr marL="457200" lvl="1" indent="0">
+              <a:buNone/>
+            </a:pPr>
+            <a:r>
+              <a:rPr lang="en-US" dirty="0">
+                <a:solidFill>
+                  <a:srgbClr val="0000FF"/>
+                </a:solidFill>
+              </a:rPr>
+              <a:t>  })</a:t>
+            </a:r>
+            <a:endParaRPr lang="en-US" dirty="0">
+              <a:solidFill>
+                <a:srgbClr val="0000FF"/>
+              </a:solidFill>
+            </a:endParaRPr>
+          </a:p>
+          <a:p>
+            <a:pPr marL="914400" lvl="2" indent="0">
+              <a:buNone/>
+            </a:pPr>
+            <a:endParaRPr lang="en-US" dirty="0"/>
+          </a:p>
+          <a:p>
+            <a:endParaRPr lang="en-US" sz="2400" dirty="0" smtClean="0"/>
+          </a:p>
+        </p:txBody>
+      </p:sp>
+    </p:spTree>
+    <p:extLst>
+      <p:ext uri="{BB962C8B-B14F-4D97-AF65-F5344CB8AC3E}">
+        <p14:creationId xmlns:p14="http://schemas.microsoft.com/office/powerpoint/2010/main" val="4081320433"/>
+      </p:ext>
+    </p:extLst>
+  </p:cSld>
+  <p:clrMapOvr>
+    <a:masterClrMapping/>
+  </p:clrMapOvr>
+  <p:timing>
+    <p:tnLst>
+      <p:par>
+        <p:cTn xmlns:p14="http://schemas.microsoft.com/office/powerpoint/2010/main" id="1" dur="indefinite" restart="never" nodeType="tmRoot"/>
+      </p:par>
+    </p:tnLst>
+  </p:timing>
+</p:sld>
+</file>
+
+<file path=ppt/slides/slide16.xml><?xml version="1.0" encoding="utf-8"?>
+<p:sld xmlns:a="http://schemas.openxmlformats.org/drawingml/2006/main" xmlns:r="http://schemas.openxmlformats.org/officeDocument/2006/relationships" xmlns:p="http://schemas.openxmlformats.org/presentationml/2006/main">
+  <p:cSld>
+    <p:spTree>
+      <p:nvGrpSpPr>
+        <p:cNvPr id="1" name=""/>
+        <p:cNvGrpSpPr/>
+        <p:nvPr/>
+      </p:nvGrpSpPr>
+      <p:grpSpPr>
+        <a:xfrm>
+          <a:off x="0" y="0"/>
+          <a:ext cx="0" cy="0"/>
+          <a:chOff x="0" y="0"/>
+          <a:chExt cx="0" cy="0"/>
+        </a:xfrm>
+      </p:grpSpPr>
+      <p:sp>
+        <p:nvSpPr>
+          <p:cNvPr id="4" name="Rectangle 3"/>
+          <p:cNvSpPr/>
+          <p:nvPr/>
+        </p:nvSpPr>
+        <p:spPr>
+          <a:xfrm>
+            <a:off x="0" y="0"/>
+            <a:ext cx="9144000" cy="964642"/>
+          </a:xfrm>
+          <a:prstGeom prst="rect">
+            <a:avLst/>
+          </a:prstGeom>
+          <a:solidFill>
+            <a:srgbClr val="102F4B"/>
+          </a:solidFill>
+          <a:ln>
+            <a:noFill/>
+          </a:ln>
+        </p:spPr>
+        <p:style>
+          <a:lnRef idx="1">
+            <a:schemeClr val="accent1"/>
+          </a:lnRef>
+          <a:fillRef idx="3">
+            <a:schemeClr val="accent1"/>
+          </a:fillRef>
+          <a:effectRef idx="2">
+            <a:schemeClr val="accent1"/>
+          </a:effectRef>
+          <a:fontRef idx="minor">
+            <a:schemeClr val="lt1"/>
+          </a:fontRef>
+        </p:style>
+        <p:txBody>
+          <a:bodyPr rtlCol="0" anchor="ctr"/>
+          <a:lstStyle/>
+          <a:p>
+            <a:r>
+              <a:rPr lang="en-US" sz="4300" dirty="0" smtClean="0">
+                <a:solidFill>
+                  <a:srgbClr val="FFFFFF"/>
+                </a:solidFill>
+              </a:rPr>
+              <a:t>Reactive Inventory Application (Actors) </a:t>
+            </a:r>
+            <a:endParaRPr lang="en-US" sz="4300" dirty="0">
+              <a:solidFill>
+                <a:srgbClr val="FFFFFF"/>
+              </a:solidFill>
+            </a:endParaRPr>
+          </a:p>
+        </p:txBody>
+      </p:sp>
+      <p:pic>
+        <p:nvPicPr>
+          <p:cNvPr id="5" name="Picture 4"/>
+          <p:cNvPicPr>
+            <a:picLocks noChangeAspect="1"/>
+          </p:cNvPicPr>
+          <p:nvPr/>
+        </p:nvPicPr>
+        <p:blipFill>
+          <a:blip r:embed="rId3"/>
+          <a:stretch>
+            <a:fillRect/>
+          </a:stretch>
+        </p:blipFill>
+        <p:spPr>
+          <a:xfrm>
+            <a:off x="427268" y="6118657"/>
+            <a:ext cx="529526" cy="356061"/>
+          </a:xfrm>
+          <a:prstGeom prst="rect">
+            <a:avLst/>
+          </a:prstGeom>
+        </p:spPr>
+      </p:pic>
+      <p:sp>
+        <p:nvSpPr>
+          <p:cNvPr id="7" name="Content Placeholder 2"/>
+          <p:cNvSpPr>
+            <a:spLocks noGrp="1"/>
+          </p:cNvSpPr>
+          <p:nvPr>
+            <p:ph idx="1"/>
+          </p:nvPr>
+        </p:nvSpPr>
+        <p:spPr>
+          <a:xfrm>
+            <a:off x="0" y="1202687"/>
+            <a:ext cx="9144000" cy="5272031"/>
+          </a:xfrm>
+        </p:spPr>
+        <p:txBody>
+          <a:bodyPr>
+            <a:normAutofit fontScale="47500" lnSpcReduction="20000"/>
+          </a:bodyPr>
+          <a:lstStyle/>
+          <a:p>
+            <a:r>
+              <a:rPr lang="en-US" dirty="0" err="1" smtClean="0"/>
+              <a:t>EventSource</a:t>
+            </a:r>
+            <a:r>
+              <a:rPr lang="en-US" dirty="0" smtClean="0"/>
+              <a:t> </a:t>
+            </a:r>
+          </a:p>
+          <a:p>
+            <a:r>
+              <a:rPr lang="en-US" dirty="0" err="1" smtClean="0"/>
+              <a:t>InventoryUpdater</a:t>
+            </a:r>
+            <a:endParaRPr lang="en-US" dirty="0" smtClean="0"/>
+          </a:p>
+          <a:p>
+            <a:pPr marL="457200" lvl="1" indent="0">
+              <a:buNone/>
+            </a:pPr>
+            <a:r>
+              <a:rPr lang="en-US" sz="2400" dirty="0">
+                <a:solidFill>
+                  <a:srgbClr val="0000FF"/>
+                </a:solidFill>
+              </a:rPr>
+              <a:t>object </a:t>
+            </a:r>
+            <a:r>
+              <a:rPr lang="en-US" sz="2400" dirty="0" err="1">
+                <a:solidFill>
+                  <a:srgbClr val="0000FF"/>
+                </a:solidFill>
+              </a:rPr>
+              <a:t>InventoryUpdater</a:t>
+            </a:r>
+            <a:r>
+              <a:rPr lang="en-US" sz="2400" dirty="0">
+                <a:solidFill>
+                  <a:srgbClr val="0000FF"/>
+                </a:solidFill>
+              </a:rPr>
+              <a:t> {</a:t>
+            </a:r>
+          </a:p>
+          <a:p>
+            <a:pPr marL="457200" lvl="1" indent="0">
+              <a:buNone/>
+            </a:pPr>
+            <a:r>
+              <a:rPr lang="en-US" sz="2400" dirty="0">
+                <a:solidFill>
+                  <a:srgbClr val="0000FF"/>
+                </a:solidFill>
+              </a:rPr>
+              <a:t>  case class </a:t>
+            </a:r>
+            <a:r>
+              <a:rPr lang="en-US" sz="2400" dirty="0" err="1">
+                <a:solidFill>
+                  <a:srgbClr val="0000FF"/>
+                </a:solidFill>
+              </a:rPr>
+              <a:t>UpdateInventory</a:t>
+            </a:r>
+            <a:r>
+              <a:rPr lang="en-US" sz="2400" dirty="0">
+                <a:solidFill>
+                  <a:srgbClr val="0000FF"/>
+                </a:solidFill>
+              </a:rPr>
+              <a:t>(quantity: </a:t>
+            </a:r>
+            <a:r>
+              <a:rPr lang="en-US" sz="2400" dirty="0" err="1">
+                <a:solidFill>
+                  <a:srgbClr val="0000FF"/>
+                </a:solidFill>
+              </a:rPr>
+              <a:t>Int</a:t>
+            </a:r>
+            <a:r>
+              <a:rPr lang="en-US" sz="2400" dirty="0">
+                <a:solidFill>
+                  <a:srgbClr val="0000FF"/>
+                </a:solidFill>
+              </a:rPr>
+              <a:t>)</a:t>
+            </a:r>
+          </a:p>
+          <a:p>
+            <a:pPr marL="457200" lvl="1" indent="0">
+              <a:buNone/>
+            </a:pPr>
+            <a:r>
+              <a:rPr lang="en-US" sz="2400" dirty="0" smtClean="0">
+                <a:solidFill>
+                  <a:srgbClr val="0000FF"/>
+                </a:solidFill>
+              </a:rPr>
+              <a:t>}</a:t>
+            </a:r>
+            <a:endParaRPr lang="en-US" sz="2400" dirty="0">
+              <a:solidFill>
+                <a:srgbClr val="0000FF"/>
+              </a:solidFill>
+            </a:endParaRPr>
+          </a:p>
+          <a:p>
+            <a:pPr marL="457200" lvl="1" indent="0">
+              <a:buNone/>
+            </a:pPr>
+            <a:r>
+              <a:rPr lang="en-US" sz="2400" dirty="0">
+                <a:solidFill>
+                  <a:srgbClr val="0000FF"/>
+                </a:solidFill>
+              </a:rPr>
+              <a:t>class </a:t>
+            </a:r>
+            <a:r>
+              <a:rPr lang="en-US" sz="2400" dirty="0" err="1">
+                <a:solidFill>
+                  <a:srgbClr val="0000FF"/>
+                </a:solidFill>
+              </a:rPr>
+              <a:t>InventoryUpdater</a:t>
+            </a:r>
+            <a:r>
+              <a:rPr lang="en-US" sz="2400" dirty="0">
+                <a:solidFill>
+                  <a:srgbClr val="0000FF"/>
+                </a:solidFill>
+              </a:rPr>
+              <a:t>(</a:t>
+            </a:r>
+            <a:r>
+              <a:rPr lang="en-US" sz="2400" dirty="0" err="1">
+                <a:solidFill>
+                  <a:srgbClr val="0000FF"/>
+                </a:solidFill>
+              </a:rPr>
+              <a:t>sku</a:t>
+            </a:r>
+            <a:r>
+              <a:rPr lang="en-US" sz="2400" dirty="0">
+                <a:solidFill>
+                  <a:srgbClr val="0000FF"/>
+                </a:solidFill>
+              </a:rPr>
+              <a:t>: String, </a:t>
+            </a:r>
+            <a:r>
+              <a:rPr lang="en-US" sz="2400" dirty="0" err="1">
+                <a:solidFill>
+                  <a:srgbClr val="0000FF"/>
+                </a:solidFill>
+              </a:rPr>
+              <a:t>var</a:t>
+            </a:r>
+            <a:r>
+              <a:rPr lang="en-US" sz="2400" dirty="0">
+                <a:solidFill>
+                  <a:srgbClr val="0000FF"/>
+                </a:solidFill>
+              </a:rPr>
+              <a:t> quantity: </a:t>
+            </a:r>
+            <a:r>
+              <a:rPr lang="en-US" sz="2400" dirty="0" err="1">
+                <a:solidFill>
+                  <a:srgbClr val="0000FF"/>
+                </a:solidFill>
+              </a:rPr>
+              <a:t>Int</a:t>
+            </a:r>
+            <a:r>
+              <a:rPr lang="en-US" sz="2400" dirty="0">
+                <a:solidFill>
+                  <a:srgbClr val="0000FF"/>
+                </a:solidFill>
+              </a:rPr>
+              <a:t>, </a:t>
+            </a:r>
+            <a:r>
+              <a:rPr lang="en-US" sz="2400" dirty="0" err="1">
+                <a:solidFill>
+                  <a:srgbClr val="0000FF"/>
+                </a:solidFill>
+              </a:rPr>
+              <a:t>mongoRepo</a:t>
+            </a:r>
+            <a:r>
+              <a:rPr lang="en-US" sz="2400" dirty="0">
+                <a:solidFill>
+                  <a:srgbClr val="0000FF"/>
+                </a:solidFill>
+              </a:rPr>
+              <a:t> : </a:t>
+            </a:r>
+            <a:r>
+              <a:rPr lang="en-US" sz="2400" dirty="0" err="1">
+                <a:solidFill>
+                  <a:srgbClr val="0000FF"/>
+                </a:solidFill>
+              </a:rPr>
+              <a:t>MongoRepoLike</a:t>
+            </a:r>
+            <a:r>
+              <a:rPr lang="en-US" sz="2400" dirty="0">
+                <a:solidFill>
+                  <a:srgbClr val="0000FF"/>
+                </a:solidFill>
+              </a:rPr>
+              <a:t>) extends </a:t>
+            </a:r>
+            <a:r>
+              <a:rPr lang="en-US" sz="2400" dirty="0" smtClean="0">
+                <a:solidFill>
+                  <a:srgbClr val="0000FF"/>
+                </a:solidFill>
+              </a:rPr>
+              <a:t>Actor</a:t>
+            </a:r>
+          </a:p>
+          <a:p>
+            <a:pPr marL="457200" lvl="1" indent="0">
+              <a:buNone/>
+            </a:pPr>
+            <a:r>
+              <a:rPr lang="en-US" sz="2400" dirty="0" smtClean="0">
+                <a:solidFill>
+                  <a:srgbClr val="0000FF"/>
+                </a:solidFill>
+              </a:rPr>
+              <a:t>…</a:t>
+            </a:r>
+            <a:endParaRPr lang="en-US" sz="2400" dirty="0">
+              <a:solidFill>
+                <a:srgbClr val="0000FF"/>
+              </a:solidFill>
+            </a:endParaRPr>
+          </a:p>
+          <a:p>
+            <a:pPr marL="457200" lvl="1" indent="0">
+              <a:buNone/>
+            </a:pPr>
+            <a:r>
+              <a:rPr lang="en-US" sz="2400" dirty="0">
+                <a:solidFill>
+                  <a:srgbClr val="0000FF"/>
+                </a:solidFill>
+              </a:rPr>
+              <a:t>  //Persist inventory to Mongo</a:t>
+            </a:r>
+          </a:p>
+          <a:p>
+            <a:pPr marL="457200" lvl="1" indent="0">
+              <a:buNone/>
+            </a:pPr>
+            <a:r>
+              <a:rPr lang="en-US" sz="2400" dirty="0">
+                <a:solidFill>
+                  <a:srgbClr val="0000FF"/>
+                </a:solidFill>
+              </a:rPr>
+              <a:t>  </a:t>
+            </a:r>
+            <a:r>
+              <a:rPr lang="en-US" sz="2400" dirty="0" err="1">
+                <a:solidFill>
+                  <a:srgbClr val="0000FF"/>
+                </a:solidFill>
+              </a:rPr>
+              <a:t>def</a:t>
+            </a:r>
+            <a:r>
+              <a:rPr lang="en-US" sz="2400" dirty="0">
+                <a:solidFill>
+                  <a:srgbClr val="0000FF"/>
+                </a:solidFill>
+              </a:rPr>
+              <a:t> </a:t>
+            </a:r>
+            <a:r>
+              <a:rPr lang="en-US" sz="2400" dirty="0" err="1">
+                <a:solidFill>
+                  <a:srgbClr val="0000FF"/>
+                </a:solidFill>
+              </a:rPr>
+              <a:t>callSetInventory</a:t>
+            </a:r>
+            <a:r>
+              <a:rPr lang="en-US" sz="2400" dirty="0">
+                <a:solidFill>
+                  <a:srgbClr val="0000FF"/>
+                </a:solidFill>
+              </a:rPr>
+              <a:t> (</a:t>
+            </a:r>
+            <a:r>
+              <a:rPr lang="en-US" sz="2400" dirty="0" err="1">
+                <a:solidFill>
+                  <a:srgbClr val="0000FF"/>
+                </a:solidFill>
+              </a:rPr>
+              <a:t>sku</a:t>
+            </a:r>
+            <a:r>
+              <a:rPr lang="en-US" sz="2400" dirty="0">
+                <a:solidFill>
+                  <a:srgbClr val="0000FF"/>
+                </a:solidFill>
+              </a:rPr>
+              <a:t>: String, quantity: </a:t>
+            </a:r>
+            <a:r>
+              <a:rPr lang="en-US" sz="2400" dirty="0" err="1">
+                <a:solidFill>
+                  <a:srgbClr val="0000FF"/>
+                </a:solidFill>
+              </a:rPr>
+              <a:t>Int</a:t>
+            </a:r>
+            <a:r>
+              <a:rPr lang="en-US" sz="2400" dirty="0">
+                <a:solidFill>
+                  <a:srgbClr val="0000FF"/>
+                </a:solidFill>
+              </a:rPr>
+              <a:t>) = {</a:t>
+            </a:r>
+          </a:p>
+          <a:p>
+            <a:pPr marL="457200" lvl="1" indent="0">
+              <a:buNone/>
+            </a:pPr>
+            <a:r>
+              <a:rPr lang="en-US" sz="2400" dirty="0" smtClean="0">
+                <a:solidFill>
+                  <a:srgbClr val="0000FF"/>
+                </a:solidFill>
+              </a:rPr>
+              <a:t>  …</a:t>
+            </a:r>
+            <a:endParaRPr lang="en-US" sz="2400" dirty="0">
+              <a:solidFill>
+                <a:srgbClr val="0000FF"/>
+              </a:solidFill>
+            </a:endParaRPr>
+          </a:p>
+          <a:p>
+            <a:pPr marL="457200" lvl="1" indent="0">
+              <a:buNone/>
+            </a:pPr>
+            <a:r>
+              <a:rPr lang="en-US" sz="2400" dirty="0">
+                <a:solidFill>
+                  <a:srgbClr val="0000FF"/>
+                </a:solidFill>
+              </a:rPr>
+              <a:t>  </a:t>
+            </a:r>
+            <a:r>
+              <a:rPr lang="en-US" sz="2400" dirty="0" smtClean="0">
+                <a:solidFill>
+                  <a:srgbClr val="0000FF"/>
+                </a:solidFill>
+              </a:rPr>
+              <a:t>}</a:t>
+            </a:r>
+            <a:endParaRPr lang="en-US" sz="2400" dirty="0">
+              <a:solidFill>
+                <a:srgbClr val="0000FF"/>
+              </a:solidFill>
+            </a:endParaRPr>
+          </a:p>
+          <a:p>
+            <a:pPr marL="457200" lvl="1" indent="0">
+              <a:buNone/>
+            </a:pPr>
+            <a:r>
+              <a:rPr lang="en-US" sz="2400" dirty="0">
+                <a:solidFill>
+                  <a:srgbClr val="0000FF"/>
+                </a:solidFill>
+              </a:rPr>
+              <a:t>  </a:t>
+            </a:r>
+            <a:r>
+              <a:rPr lang="en-US" sz="2400" dirty="0" err="1">
+                <a:solidFill>
+                  <a:srgbClr val="0000FF"/>
+                </a:solidFill>
+              </a:rPr>
+              <a:t>callSetInventory</a:t>
+            </a:r>
+            <a:r>
+              <a:rPr lang="en-US" sz="2400" dirty="0">
+                <a:solidFill>
+                  <a:srgbClr val="0000FF"/>
+                </a:solidFill>
+              </a:rPr>
+              <a:t> (</a:t>
+            </a:r>
+            <a:r>
+              <a:rPr lang="en-US" sz="2400" dirty="0" err="1">
+                <a:solidFill>
+                  <a:srgbClr val="0000FF"/>
+                </a:solidFill>
+              </a:rPr>
+              <a:t>sku</a:t>
+            </a:r>
+            <a:r>
+              <a:rPr lang="en-US" sz="2400" dirty="0">
+                <a:solidFill>
+                  <a:srgbClr val="0000FF"/>
+                </a:solidFill>
+              </a:rPr>
+              <a:t>, quantity</a:t>
+            </a:r>
+            <a:r>
+              <a:rPr lang="en-US" sz="2400" dirty="0" smtClean="0">
+                <a:solidFill>
+                  <a:srgbClr val="0000FF"/>
+                </a:solidFill>
+              </a:rPr>
+              <a:t>)</a:t>
+            </a:r>
+            <a:endParaRPr lang="en-US" sz="2400" dirty="0">
+              <a:solidFill>
+                <a:srgbClr val="0000FF"/>
+              </a:solidFill>
+            </a:endParaRPr>
+          </a:p>
+          <a:p>
+            <a:pPr marL="457200" lvl="1" indent="0">
+              <a:buNone/>
+            </a:pPr>
+            <a:r>
+              <a:rPr lang="en-US" sz="2400" dirty="0" smtClean="0">
+                <a:solidFill>
+                  <a:srgbClr val="0000FF"/>
+                </a:solidFill>
+              </a:rPr>
+              <a:t>  </a:t>
+            </a:r>
+            <a:r>
+              <a:rPr lang="en-US" sz="2400" dirty="0" err="1" smtClean="0">
+                <a:solidFill>
+                  <a:srgbClr val="0000FF"/>
+                </a:solidFill>
+              </a:rPr>
+              <a:t>def</a:t>
+            </a:r>
+            <a:r>
+              <a:rPr lang="en-US" sz="2400" dirty="0" smtClean="0">
+                <a:solidFill>
+                  <a:srgbClr val="0000FF"/>
+                </a:solidFill>
+              </a:rPr>
+              <a:t> </a:t>
+            </a:r>
+            <a:r>
+              <a:rPr lang="en-US" sz="2400" dirty="0" err="1">
+                <a:solidFill>
+                  <a:srgbClr val="0000FF"/>
+                </a:solidFill>
+              </a:rPr>
+              <a:t>inventoryReceive</a:t>
+            </a:r>
+            <a:r>
+              <a:rPr lang="en-US" sz="2400" dirty="0">
+                <a:solidFill>
+                  <a:srgbClr val="0000FF"/>
+                </a:solidFill>
+              </a:rPr>
+              <a:t>: Receive = {</a:t>
+            </a:r>
+          </a:p>
+          <a:p>
+            <a:pPr marL="457200" lvl="1" indent="0">
+              <a:buNone/>
+            </a:pPr>
+            <a:r>
+              <a:rPr lang="en-US" sz="2400" dirty="0">
+                <a:solidFill>
+                  <a:srgbClr val="0000FF"/>
+                </a:solidFill>
+              </a:rPr>
+              <a:t>    //update inventory</a:t>
+            </a:r>
+          </a:p>
+          <a:p>
+            <a:pPr marL="457200" lvl="1" indent="0">
+              <a:buNone/>
+            </a:pPr>
+            <a:r>
+              <a:rPr lang="en-US" sz="2400" dirty="0">
+                <a:solidFill>
+                  <a:srgbClr val="0000FF"/>
+                </a:solidFill>
+              </a:rPr>
+              <a:t>    case </a:t>
+            </a:r>
+            <a:r>
+              <a:rPr lang="en-US" sz="2400" dirty="0" err="1">
+                <a:solidFill>
+                  <a:srgbClr val="0000FF"/>
+                </a:solidFill>
+              </a:rPr>
+              <a:t>UpdateInventory</a:t>
+            </a:r>
+            <a:r>
+              <a:rPr lang="en-US" sz="2400" dirty="0">
+                <a:solidFill>
+                  <a:srgbClr val="0000FF"/>
+                </a:solidFill>
+              </a:rPr>
+              <a:t>(</a:t>
+            </a:r>
+            <a:r>
+              <a:rPr lang="en-US" sz="2400" dirty="0" err="1">
+                <a:solidFill>
+                  <a:srgbClr val="0000FF"/>
+                </a:solidFill>
+              </a:rPr>
+              <a:t>modQuantity</a:t>
+            </a:r>
+            <a:r>
+              <a:rPr lang="en-US" sz="2400" dirty="0">
+                <a:solidFill>
+                  <a:srgbClr val="0000FF"/>
+                </a:solidFill>
+              </a:rPr>
+              <a:t>) =&gt;</a:t>
+            </a:r>
+          </a:p>
+          <a:p>
+            <a:pPr marL="457200" lvl="1" indent="0">
+              <a:buNone/>
+            </a:pPr>
+            <a:r>
+              <a:rPr lang="en-US" sz="2400" dirty="0">
+                <a:solidFill>
+                  <a:srgbClr val="0000FF"/>
+                </a:solidFill>
+              </a:rPr>
+              <a:t>      </a:t>
+            </a:r>
+            <a:r>
+              <a:rPr lang="en-US" sz="2400" dirty="0" smtClean="0">
+                <a:solidFill>
+                  <a:srgbClr val="0000FF"/>
+                </a:solidFill>
+              </a:rPr>
+              <a:t>…</a:t>
+            </a:r>
+            <a:endParaRPr lang="en-US" sz="2400" dirty="0">
+              <a:solidFill>
+                <a:srgbClr val="0000FF"/>
+              </a:solidFill>
+            </a:endParaRPr>
+          </a:p>
+          <a:p>
+            <a:pPr marL="457200" lvl="1" indent="0">
+              <a:buNone/>
+            </a:pPr>
+            <a:r>
+              <a:rPr lang="en-US" sz="2400" dirty="0">
+                <a:solidFill>
+                  <a:srgbClr val="0000FF"/>
+                </a:solidFill>
+              </a:rPr>
+              <a:t>      </a:t>
+            </a:r>
+            <a:r>
+              <a:rPr lang="en-US" sz="2400" dirty="0" err="1">
+                <a:solidFill>
+                  <a:srgbClr val="0000FF"/>
+                </a:solidFill>
+              </a:rPr>
+              <a:t>modQuantity</a:t>
+            </a:r>
+            <a:r>
+              <a:rPr lang="en-US" sz="2400" dirty="0">
+                <a:solidFill>
+                  <a:srgbClr val="0000FF"/>
+                </a:solidFill>
+              </a:rPr>
+              <a:t> &gt;= 0 || quantity + </a:t>
+            </a:r>
+            <a:r>
+              <a:rPr lang="en-US" sz="2400" dirty="0" err="1">
+                <a:solidFill>
+                  <a:srgbClr val="0000FF"/>
+                </a:solidFill>
+              </a:rPr>
+              <a:t>modQuantity</a:t>
+            </a:r>
+            <a:r>
+              <a:rPr lang="en-US" sz="2400" dirty="0">
+                <a:solidFill>
+                  <a:srgbClr val="0000FF"/>
+                </a:solidFill>
+              </a:rPr>
+              <a:t> &gt;= 0 match {</a:t>
+            </a:r>
+          </a:p>
+          <a:p>
+            <a:pPr marL="457200" lvl="1" indent="0">
+              <a:buNone/>
+            </a:pPr>
+            <a:r>
+              <a:rPr lang="en-US" sz="2400" dirty="0">
+                <a:solidFill>
+                  <a:srgbClr val="0000FF"/>
+                </a:solidFill>
+              </a:rPr>
+              <a:t>        case true =&gt;</a:t>
+            </a:r>
+          </a:p>
+          <a:p>
+            <a:pPr marL="457200" lvl="1" indent="0">
+              <a:buNone/>
+            </a:pPr>
+            <a:r>
+              <a:rPr lang="en-US" sz="2400" dirty="0">
+                <a:solidFill>
+                  <a:srgbClr val="0000FF"/>
+                </a:solidFill>
+              </a:rPr>
+              <a:t>          quantity += </a:t>
+            </a:r>
+            <a:r>
+              <a:rPr lang="en-US" sz="2400" dirty="0" err="1">
+                <a:solidFill>
+                  <a:srgbClr val="0000FF"/>
+                </a:solidFill>
+              </a:rPr>
+              <a:t>modQuantity</a:t>
+            </a:r>
+            <a:endParaRPr lang="en-US" sz="2400" dirty="0">
+              <a:solidFill>
+                <a:srgbClr val="0000FF"/>
+              </a:solidFill>
+            </a:endParaRPr>
+          </a:p>
+          <a:p>
+            <a:pPr marL="457200" lvl="1" indent="0">
+              <a:buNone/>
+            </a:pPr>
+            <a:r>
+              <a:rPr lang="en-US" sz="2400" dirty="0">
+                <a:solidFill>
+                  <a:srgbClr val="0000FF"/>
+                </a:solidFill>
+              </a:rPr>
+              <a:t>          </a:t>
+            </a:r>
+            <a:r>
+              <a:rPr lang="en-US" sz="2400" dirty="0" err="1">
+                <a:solidFill>
+                  <a:srgbClr val="0000FF"/>
+                </a:solidFill>
+              </a:rPr>
+              <a:t>sendEvent</a:t>
+            </a:r>
+            <a:r>
+              <a:rPr lang="en-US" sz="2400" dirty="0">
+                <a:solidFill>
+                  <a:srgbClr val="0000FF"/>
+                </a:solidFill>
+              </a:rPr>
+              <a:t>(</a:t>
+            </a:r>
+            <a:r>
+              <a:rPr lang="en-US" sz="2400" dirty="0" err="1">
+                <a:solidFill>
+                  <a:srgbClr val="0000FF"/>
+                </a:solidFill>
+              </a:rPr>
+              <a:t>UpdateInventory</a:t>
+            </a:r>
+            <a:r>
+              <a:rPr lang="en-US" sz="2400" dirty="0">
+                <a:solidFill>
+                  <a:srgbClr val="0000FF"/>
+                </a:solidFill>
+              </a:rPr>
+              <a:t>(quantity))</a:t>
+            </a:r>
+          </a:p>
+          <a:p>
+            <a:pPr marL="457200" lvl="1" indent="0">
+              <a:buNone/>
+            </a:pPr>
+            <a:r>
+              <a:rPr lang="en-US" sz="2400" dirty="0">
+                <a:solidFill>
+                  <a:srgbClr val="0000FF"/>
+                </a:solidFill>
+              </a:rPr>
+              <a:t>          </a:t>
+            </a:r>
+            <a:r>
+              <a:rPr lang="en-US" sz="2400" dirty="0" err="1">
+                <a:solidFill>
+                  <a:srgbClr val="0000FF"/>
+                </a:solidFill>
+              </a:rPr>
+              <a:t>callSetInventory</a:t>
+            </a:r>
+            <a:r>
+              <a:rPr lang="en-US" sz="2400" dirty="0">
+                <a:solidFill>
+                  <a:srgbClr val="0000FF"/>
+                </a:solidFill>
+              </a:rPr>
+              <a:t>(</a:t>
+            </a:r>
+            <a:r>
+              <a:rPr lang="en-US" sz="2400" dirty="0" err="1">
+                <a:solidFill>
+                  <a:srgbClr val="0000FF"/>
+                </a:solidFill>
+              </a:rPr>
+              <a:t>sku</a:t>
+            </a:r>
+            <a:r>
+              <a:rPr lang="en-US" sz="2400" dirty="0">
+                <a:solidFill>
+                  <a:srgbClr val="0000FF"/>
+                </a:solidFill>
+              </a:rPr>
+              <a:t>, quantity)</a:t>
+            </a:r>
+          </a:p>
+          <a:p>
+            <a:pPr marL="457200" lvl="1" indent="0">
+              <a:buNone/>
+            </a:pPr>
+            <a:r>
+              <a:rPr lang="en-US" sz="2400" dirty="0">
+                <a:solidFill>
+                  <a:srgbClr val="0000FF"/>
+                </a:solidFill>
+              </a:rPr>
+              <a:t> </a:t>
+            </a:r>
+            <a:r>
+              <a:rPr lang="en-US" sz="2400" dirty="0" smtClean="0">
+                <a:solidFill>
+                  <a:srgbClr val="0000FF"/>
+                </a:solidFill>
+              </a:rPr>
+              <a:t>       …</a:t>
+            </a:r>
+            <a:endParaRPr lang="en-US" sz="2400" dirty="0">
+              <a:solidFill>
+                <a:srgbClr val="0000FF"/>
+              </a:solidFill>
+            </a:endParaRPr>
+          </a:p>
+          <a:p>
+            <a:pPr marL="457200" lvl="1" indent="0">
+              <a:buNone/>
+            </a:pPr>
+            <a:r>
+              <a:rPr lang="en-US" sz="2400" dirty="0">
+                <a:solidFill>
+                  <a:srgbClr val="0000FF"/>
+                </a:solidFill>
+              </a:rPr>
+              <a:t>      }</a:t>
+            </a:r>
+          </a:p>
+          <a:p>
+            <a:pPr marL="457200" lvl="1" indent="0">
+              <a:buNone/>
+            </a:pPr>
+            <a:r>
+              <a:rPr lang="en-US" sz="2400" dirty="0">
+                <a:solidFill>
+                  <a:srgbClr val="0000FF"/>
+                </a:solidFill>
+              </a:rPr>
+              <a:t>      sender ! Ok(</a:t>
+            </a:r>
+            <a:r>
+              <a:rPr lang="en-US" sz="2400" dirty="0" err="1">
+                <a:solidFill>
+                  <a:srgbClr val="0000FF"/>
+                </a:solidFill>
+              </a:rPr>
+              <a:t>Json.toJson</a:t>
+            </a:r>
+            <a:r>
+              <a:rPr lang="en-US" sz="2400" dirty="0">
+                <a:solidFill>
+                  <a:srgbClr val="0000FF"/>
+                </a:solidFill>
+              </a:rPr>
+              <a:t>(</a:t>
+            </a:r>
+            <a:r>
+              <a:rPr lang="en-US" sz="2400" dirty="0" err="1">
+                <a:solidFill>
+                  <a:srgbClr val="0000FF"/>
+                </a:solidFill>
+              </a:rPr>
+              <a:t>InventoryResponseModel</a:t>
+            </a:r>
+            <a:r>
+              <a:rPr lang="en-US" sz="2400" dirty="0">
+                <a:solidFill>
+                  <a:srgbClr val="0000FF"/>
+                </a:solidFill>
+              </a:rPr>
+              <a:t>("update", </a:t>
+            </a:r>
+            <a:r>
+              <a:rPr lang="en-US" sz="2400" dirty="0" err="1">
+                <a:solidFill>
+                  <a:srgbClr val="0000FF"/>
+                </a:solidFill>
+              </a:rPr>
+              <a:t>sku</a:t>
+            </a:r>
+            <a:r>
+              <a:rPr lang="en-US" sz="2400" dirty="0">
+                <a:solidFill>
+                  <a:srgbClr val="0000FF"/>
+                </a:solidFill>
+              </a:rPr>
+              <a:t>, success = success, </a:t>
+            </a:r>
+            <a:r>
+              <a:rPr lang="en-US" sz="2400" dirty="0" err="1">
+                <a:solidFill>
+                  <a:srgbClr val="0000FF"/>
+                </a:solidFill>
+              </a:rPr>
+              <a:t>modQuantity</a:t>
+            </a:r>
+            <a:r>
+              <a:rPr lang="en-US" sz="2400" dirty="0">
+                <a:solidFill>
+                  <a:srgbClr val="0000FF"/>
+                </a:solidFill>
+              </a:rPr>
+              <a:t>, message)))</a:t>
+            </a:r>
+          </a:p>
+          <a:p>
+            <a:pPr marL="457200" lvl="1" indent="0">
+              <a:buNone/>
+            </a:pPr>
+            <a:r>
+              <a:rPr lang="en-US" sz="2400" dirty="0">
+                <a:solidFill>
+                  <a:srgbClr val="0000FF"/>
+                </a:solidFill>
+              </a:rPr>
+              <a:t>  </a:t>
+            </a:r>
+            <a:r>
+              <a:rPr lang="en-US" sz="2400" dirty="0" smtClean="0">
+                <a:solidFill>
+                  <a:srgbClr val="0000FF"/>
+                </a:solidFill>
+              </a:rPr>
+              <a:t>}</a:t>
+            </a:r>
+            <a:endParaRPr lang="en-US" sz="2400" dirty="0">
+              <a:solidFill>
+                <a:srgbClr val="0000FF"/>
+              </a:solidFill>
+            </a:endParaRPr>
+          </a:p>
+          <a:p>
+            <a:pPr marL="457200" lvl="1" indent="0">
+              <a:buNone/>
+            </a:pPr>
+            <a:r>
+              <a:rPr lang="en-US" sz="2400" dirty="0">
+                <a:solidFill>
+                  <a:srgbClr val="0000FF"/>
+                </a:solidFill>
+              </a:rPr>
+              <a:t>  </a:t>
+            </a:r>
+            <a:r>
+              <a:rPr lang="en-US" sz="2400" dirty="0" err="1">
+                <a:solidFill>
+                  <a:srgbClr val="0000FF"/>
+                </a:solidFill>
+              </a:rPr>
+              <a:t>def</a:t>
+            </a:r>
+            <a:r>
+              <a:rPr lang="en-US" sz="2400" dirty="0">
+                <a:solidFill>
+                  <a:srgbClr val="0000FF"/>
+                </a:solidFill>
+              </a:rPr>
+              <a:t> receive = </a:t>
+            </a:r>
+            <a:r>
+              <a:rPr lang="en-US" sz="2400" dirty="0" err="1">
+                <a:solidFill>
+                  <a:srgbClr val="0000FF"/>
+                </a:solidFill>
+              </a:rPr>
+              <a:t>eventSourceReceive</a:t>
+            </a:r>
+            <a:r>
+              <a:rPr lang="en-US" sz="2400" dirty="0">
+                <a:solidFill>
+                  <a:srgbClr val="0000FF"/>
+                </a:solidFill>
+              </a:rPr>
+              <a:t> </a:t>
+            </a:r>
+            <a:r>
+              <a:rPr lang="en-US" sz="2400" dirty="0" err="1">
+                <a:solidFill>
+                  <a:srgbClr val="0000FF"/>
+                </a:solidFill>
+              </a:rPr>
+              <a:t>orElse</a:t>
+            </a:r>
+            <a:r>
+              <a:rPr lang="en-US" sz="2400" dirty="0">
+                <a:solidFill>
+                  <a:srgbClr val="0000FF"/>
+                </a:solidFill>
+              </a:rPr>
+              <a:t> </a:t>
+            </a:r>
+            <a:r>
+              <a:rPr lang="en-US" sz="2400" dirty="0" err="1">
+                <a:solidFill>
+                  <a:srgbClr val="0000FF"/>
+                </a:solidFill>
+              </a:rPr>
+              <a:t>inventoryReceive</a:t>
+            </a:r>
+            <a:endParaRPr lang="en-US" sz="2400" dirty="0">
+              <a:solidFill>
+                <a:srgbClr val="0000FF"/>
+              </a:solidFill>
+            </a:endParaRPr>
+          </a:p>
+          <a:p>
+            <a:pPr marL="457200" lvl="1" indent="0">
+              <a:buNone/>
+            </a:pPr>
+            <a:r>
+              <a:rPr lang="en-US" sz="2400" dirty="0">
+                <a:solidFill>
+                  <a:srgbClr val="0000FF"/>
+                </a:solidFill>
+              </a:rPr>
+              <a:t>}</a:t>
+            </a:r>
+          </a:p>
+          <a:p>
+            <a:pPr lvl="1"/>
+            <a:endParaRPr lang="en-US" sz="2400" dirty="0"/>
+          </a:p>
+          <a:p>
+            <a:pPr lvl="2"/>
+            <a:endParaRPr lang="en-US" dirty="0"/>
+          </a:p>
+          <a:p>
+            <a:endParaRPr lang="en-US" sz="2400" dirty="0" smtClean="0"/>
+          </a:p>
+        </p:txBody>
+      </p:sp>
+    </p:spTree>
+    <p:extLst>
+      <p:ext uri="{BB962C8B-B14F-4D97-AF65-F5344CB8AC3E}">
+        <p14:creationId xmlns:p14="http://schemas.microsoft.com/office/powerpoint/2010/main" val="3646083851"/>
+      </p:ext>
+    </p:extLst>
+  </p:cSld>
+  <p:clrMapOvr>
+    <a:masterClrMapping/>
+  </p:clrMapOvr>
+  <p:timing>
+    <p:tnLst>
+      <p:par>
+        <p:cTn xmlns:p14="http://schemas.microsoft.com/office/powerpoint/2010/main" id="1" dur="indefinite" restart="never" nodeType="tmRoot"/>
+      </p:par>
+    </p:tnLst>
+  </p:timing>
+</p:sld>
+</file>
+
+<file path=ppt/slides/slide17.xml><?xml version="1.0" encoding="utf-8"?>
+<p:sld xmlns:a="http://schemas.openxmlformats.org/drawingml/2006/main" xmlns:r="http://schemas.openxmlformats.org/officeDocument/2006/relationships" xmlns:p="http://schemas.openxmlformats.org/presentationml/2006/main">
+  <p:cSld>
+    <p:spTree>
+      <p:nvGrpSpPr>
+        <p:cNvPr id="1" name=""/>
+        <p:cNvGrpSpPr/>
+        <p:nvPr/>
+      </p:nvGrpSpPr>
+      <p:grpSpPr>
+        <a:xfrm>
+          <a:off x="0" y="0"/>
+          <a:ext cx="0" cy="0"/>
+          <a:chOff x="0" y="0"/>
+          <a:chExt cx="0" cy="0"/>
+        </a:xfrm>
+      </p:grpSpPr>
+      <p:sp>
+        <p:nvSpPr>
+          <p:cNvPr id="4" name="Rectangle 3"/>
+          <p:cNvSpPr/>
+          <p:nvPr/>
+        </p:nvSpPr>
+        <p:spPr>
+          <a:xfrm>
+            <a:off x="0" y="0"/>
+            <a:ext cx="9144000" cy="964642"/>
+          </a:xfrm>
+          <a:prstGeom prst="rect">
+            <a:avLst/>
+          </a:prstGeom>
+          <a:solidFill>
+            <a:srgbClr val="102F4B"/>
+          </a:solidFill>
+          <a:ln>
+            <a:noFill/>
+          </a:ln>
+        </p:spPr>
+        <p:style>
+          <a:lnRef idx="1">
+            <a:schemeClr val="accent1"/>
+          </a:lnRef>
+          <a:fillRef idx="3">
+            <a:schemeClr val="accent1"/>
+          </a:fillRef>
+          <a:effectRef idx="2">
+            <a:schemeClr val="accent1"/>
+          </a:effectRef>
+          <a:fontRef idx="minor">
+            <a:schemeClr val="lt1"/>
+          </a:fontRef>
+        </p:style>
+        <p:txBody>
+          <a:bodyPr rtlCol="0" anchor="ctr"/>
+          <a:lstStyle/>
+          <a:p>
+            <a:r>
               <a:rPr lang="en-US" sz="4800" dirty="0" smtClean="0">
                 <a:solidFill>
                   <a:srgbClr val="FFFFFF"/>
@@ -8094,7 +11257,7 @@
 </p:sld>
 </file>
 
-<file path=ppt/slides/slide16.xml><?xml version="1.0" encoding="utf-8"?>
+<file path=ppt/slides/slide18.xml><?xml version="1.0" encoding="utf-8"?>
 <p:sld xmlns:a="http://schemas.openxmlformats.org/drawingml/2006/main" xmlns:r="http://schemas.openxmlformats.org/officeDocument/2006/relationships" xmlns:p="http://schemas.openxmlformats.org/presentationml/2006/main">
   <p:cSld>
     <p:spTree>

--- a/React Vs Shared State Deck.pptx
+++ b/React Vs Shared State Deck.pptx
@@ -209,7 +209,7 @@
           <a:p>
             <a:fld id="{AA264099-19E7-294B-9293-3A85FEE5B6C7}" type="datetimeFigureOut">
               <a:rPr lang="en-US" smtClean="0"/>
-              <a:t>6/16/15</a:t>
+              <a:t>6/17/15</a:t>
             </a:fld>
             <a:endParaRPr lang="en-US"/>
           </a:p>
@@ -2406,7 +2406,7 @@
             <a:fld id="{04AF466F-BDA4-4F18-9C7B-FF0A9A1B0E80}" type="datetime1">
               <a:rPr lang="en-US" smtClean="0"/>
               <a:pPr/>
-              <a:t>6/16/15</a:t>
+              <a:t>6/17/15</a:t>
             </a:fld>
             <a:endParaRPr lang="en-US"/>
           </a:p>
@@ -2578,7 +2578,7 @@
             <a:fld id="{58FB4290-6522-4139-852E-05BD9E7F0D2E}" type="datetime1">
               <a:rPr lang="en-US" smtClean="0"/>
               <a:pPr/>
-              <a:t>6/16/15</a:t>
+              <a:t>6/17/15</a:t>
             </a:fld>
             <a:endParaRPr lang="en-US"/>
           </a:p>
@@ -2760,7 +2760,7 @@
             <a:fld id="{AAB955F9-81EA-47C5-8059-9E5C2B437C70}" type="datetime1">
               <a:rPr lang="en-US" smtClean="0"/>
               <a:pPr/>
-              <a:t>6/16/15</a:t>
+              <a:t>6/17/15</a:t>
             </a:fld>
             <a:endParaRPr lang="en-US"/>
           </a:p>
@@ -2932,7 +2932,7 @@
             <a:fld id="{1CEF607B-A47E-422C-9BEF-122CCDB7C526}" type="datetime1">
               <a:rPr lang="en-US" smtClean="0"/>
               <a:pPr/>
-              <a:t>6/16/15</a:t>
+              <a:t>6/17/15</a:t>
             </a:fld>
             <a:endParaRPr lang="en-US"/>
           </a:p>
@@ -3180,7 +3180,7 @@
             <a:fld id="{63A9A7CB-BEE6-4F99-898E-913F06E8E125}" type="datetime1">
               <a:rPr lang="en-US" smtClean="0"/>
               <a:pPr/>
-              <a:t>6/16/15</a:t>
+              <a:t>6/17/15</a:t>
             </a:fld>
             <a:endParaRPr lang="en-US"/>
           </a:p>
@@ -3470,7 +3470,7 @@
             <a:fld id="{B6EE300C-6FC5-4FC3-AF1A-075E4F50620D}" type="datetime1">
               <a:rPr lang="en-US" smtClean="0"/>
               <a:pPr/>
-              <a:t>6/16/15</a:t>
+              <a:t>6/17/15</a:t>
             </a:fld>
             <a:endParaRPr lang="en-US"/>
           </a:p>
@@ -3894,7 +3894,7 @@
             <a:fld id="{F50D295D-4A77-4DEB-B04C-9F4282A8BC04}" type="datetime1">
               <a:rPr lang="en-US" smtClean="0"/>
               <a:pPr/>
-              <a:t>6/16/15</a:t>
+              <a:t>6/17/15</a:t>
             </a:fld>
             <a:endParaRPr lang="en-US"/>
           </a:p>
@@ -4014,7 +4014,7 @@
             <a:fld id="{02B28685-4D0C-42D5-8013-B5904CD1FCBC}" type="datetime1">
               <a:rPr lang="en-US" smtClean="0"/>
               <a:pPr/>
-              <a:t>6/16/15</a:t>
+              <a:t>6/17/15</a:t>
             </a:fld>
             <a:endParaRPr lang="en-US"/>
           </a:p>
@@ -4111,7 +4111,7 @@
             <a:fld id="{FDF226C0-9885-4BA9-BBFA-A52CBFEBB775}" type="datetime1">
               <a:rPr lang="en-US" smtClean="0"/>
               <a:pPr/>
-              <a:t>6/16/15</a:t>
+              <a:t>6/17/15</a:t>
             </a:fld>
             <a:endParaRPr lang="en-US"/>
           </a:p>
@@ -4390,7 +4390,7 @@
             <a:fld id="{EBEE1B38-C5EB-4D66-9137-0AFE9CDEDE8F}" type="datetime1">
               <a:rPr lang="en-US" smtClean="0"/>
               <a:pPr/>
-              <a:t>6/16/15</a:t>
+              <a:t>6/17/15</a:t>
             </a:fld>
             <a:endParaRPr lang="en-US"/>
           </a:p>
@@ -4645,7 +4645,7 @@
             <a:fld id="{327B613C-1AD7-49D3-885D-F654C5CDBAA6}" type="datetime1">
               <a:rPr lang="en-US" smtClean="0"/>
               <a:pPr/>
-              <a:t>6/16/15</a:t>
+              <a:t>6/17/15</a:t>
             </a:fld>
             <a:endParaRPr lang="en-US" dirty="0"/>
           </a:p>
@@ -4860,7 +4860,7 @@
             <a:fld id="{327B613C-1AD7-49D3-885D-F654C5CDBAA6}" type="datetime1">
               <a:rPr lang="en-US" smtClean="0"/>
               <a:pPr/>
-              <a:t>6/16/15</a:t>
+              <a:t>6/17/15</a:t>
             </a:fld>
             <a:endParaRPr lang="en-US" dirty="0"/>
           </a:p>
@@ -5372,7 +5372,7 @@
           <a:p>
             <a:pPr algn="l"/>
             <a:r>
-              <a:rPr lang="en-US" sz="2800" dirty="0">
+              <a:rPr lang="en-US" sz="2800" b="1" dirty="0">
                 <a:solidFill>
                   <a:srgbClr val="102F4B"/>
                 </a:solidFill>
@@ -5380,7 +5380,7 @@
               <a:t>Benchmarking </a:t>
             </a:r>
             <a:r>
-              <a:rPr lang="en-US" sz="2800" dirty="0" err="1">
+              <a:rPr lang="en-US" sz="2800" b="1" dirty="0" err="1">
                 <a:solidFill>
                   <a:srgbClr val="102F4B"/>
                 </a:solidFill>
@@ -5388,7 +5388,7 @@
               <a:t>Akka</a:t>
             </a:r>
             <a:r>
-              <a:rPr lang="en-US" sz="2800" dirty="0">
+              <a:rPr lang="en-US" sz="2800" b="1" dirty="0">
                 <a:solidFill>
                   <a:srgbClr val="102F4B"/>
                 </a:solidFill>
@@ -5398,7 +5398,7 @@
           </a:p>
           <a:p>
             <a:pPr algn="l"/>
-            <a:endParaRPr lang="en-US" sz="1600" dirty="0" smtClean="0">
+            <a:endParaRPr lang="en-US" sz="1600" b="1" dirty="0" smtClean="0">
               <a:solidFill>
                 <a:srgbClr val="102F4B"/>
               </a:solidFill>
@@ -5409,7 +5409,7 @@
           <a:p>
             <a:pPr algn="l"/>
             <a:r>
-              <a:rPr lang="en-US" sz="1600" dirty="0" smtClean="0">
+              <a:rPr lang="en-US" sz="1600" b="1" dirty="0" smtClean="0">
                 <a:solidFill>
                   <a:srgbClr val="102F4B"/>
                 </a:solidFill>
@@ -5419,7 +5419,7 @@
               <a:t>June 17</a:t>
             </a:r>
             <a:r>
-              <a:rPr lang="en-US" sz="1600" baseline="30000" dirty="0" smtClean="0">
+              <a:rPr lang="en-US" sz="1600" b="1" baseline="30000" dirty="0" smtClean="0">
                 <a:solidFill>
                   <a:srgbClr val="102F4B"/>
                 </a:solidFill>
@@ -5429,7 +5429,7 @@
               <a:t>th</a:t>
             </a:r>
             <a:r>
-              <a:rPr lang="en-US" sz="1600" dirty="0" smtClean="0">
+              <a:rPr lang="en-US" sz="1600" b="1" dirty="0" smtClean="0">
                 <a:solidFill>
                   <a:srgbClr val="102F4B"/>
                 </a:solidFill>
@@ -5438,7 +5438,7 @@
               </a:rPr>
               <a:t>, 2015</a:t>
             </a:r>
-            <a:endParaRPr lang="en-US" sz="1600" dirty="0">
+            <a:endParaRPr lang="en-US" sz="1600" b="1" dirty="0">
               <a:solidFill>
                 <a:srgbClr val="102F4B"/>
               </a:solidFill>
@@ -5612,151 +5612,151 @@
           <a:p>
             <a:pPr lvl="0"/>
             <a:r>
-              <a:rPr lang="en-US" sz="2400" dirty="0" smtClean="0"/>
+              <a:rPr lang="en-US" sz="2400" b="1" dirty="0" smtClean="0"/>
               <a:t>Play</a:t>
             </a:r>
             <a:r>
-              <a:rPr lang="en-US" sz="2400" dirty="0"/>
+              <a:rPr lang="en-US" sz="2400" b="1" dirty="0"/>
               <a:t> </a:t>
             </a:r>
             <a:r>
-              <a:rPr lang="en-US" sz="2400" dirty="0" smtClean="0"/>
+              <a:rPr lang="en-US" sz="2400" b="1" dirty="0" smtClean="0"/>
               <a:t>web framework</a:t>
             </a:r>
-            <a:endParaRPr lang="en-US" sz="2400" dirty="0"/>
+            <a:endParaRPr lang="en-US" sz="2400" b="1" dirty="0"/>
           </a:p>
           <a:p>
             <a:pPr lvl="1"/>
             <a:r>
-              <a:rPr lang="en-US" sz="2000" dirty="0"/>
+              <a:rPr lang="en-US" sz="2000" b="1" dirty="0"/>
               <a:t>Built on </a:t>
             </a:r>
             <a:r>
-              <a:rPr lang="en-US" sz="2000" dirty="0" err="1"/>
+              <a:rPr lang="en-US" sz="2000" b="1" dirty="0" err="1"/>
               <a:t>Akka</a:t>
             </a:r>
-            <a:endParaRPr lang="en-US" sz="2000" dirty="0"/>
+            <a:endParaRPr lang="en-US" sz="2000" b="1" dirty="0"/>
           </a:p>
           <a:p>
             <a:pPr lvl="1"/>
             <a:r>
-              <a:rPr lang="en-US" sz="2000" dirty="0" err="1" smtClean="0"/>
+              <a:rPr lang="en-US" sz="2000" b="1" dirty="0" err="1" smtClean="0"/>
               <a:t>Netty</a:t>
             </a:r>
             <a:r>
-              <a:rPr lang="en-US" sz="2000" dirty="0" smtClean="0"/>
+              <a:rPr lang="en-US" sz="2000" b="1" dirty="0" smtClean="0"/>
               <a:t> web server, </a:t>
             </a:r>
             <a:r>
-              <a:rPr lang="en-US" sz="2000" dirty="0"/>
+              <a:rPr lang="en-US" sz="2000" b="1" dirty="0"/>
               <a:t>a non-blocking I/O client-server framework (Originally developed by </a:t>
             </a:r>
             <a:r>
-              <a:rPr lang="en-US" sz="2000" dirty="0" err="1"/>
+              <a:rPr lang="en-US" sz="2000" b="1" dirty="0" err="1"/>
               <a:t>JBoss</a:t>
             </a:r>
             <a:r>
-              <a:rPr lang="en-US" sz="2000" dirty="0"/>
+              <a:rPr lang="en-US" sz="2000" b="1" dirty="0"/>
               <a:t>)</a:t>
             </a:r>
           </a:p>
           <a:p>
             <a:pPr lvl="1"/>
             <a:r>
-              <a:rPr lang="en-US" sz="2000" dirty="0" smtClean="0"/>
+              <a:rPr lang="en-US" sz="2000" b="1" dirty="0" smtClean="0"/>
               <a:t>Incorporates logging </a:t>
             </a:r>
             <a:r>
-              <a:rPr lang="en-US" sz="2000" dirty="0"/>
+              <a:rPr lang="en-US" sz="2000" b="1" dirty="0"/>
               <a:t>and configuration management</a:t>
             </a:r>
           </a:p>
           <a:p>
             <a:pPr lvl="0"/>
             <a:r>
-              <a:rPr lang="en-US" sz="2400" dirty="0" err="1" smtClean="0"/>
+              <a:rPr lang="en-US" sz="2400" b="1" dirty="0" err="1" smtClean="0"/>
               <a:t>ReactiveMongo</a:t>
             </a:r>
-            <a:endParaRPr lang="en-US" sz="2400" dirty="0"/>
+            <a:endParaRPr lang="en-US" sz="2400" b="1" dirty="0"/>
           </a:p>
           <a:p>
             <a:pPr lvl="1"/>
             <a:r>
-              <a:rPr lang="en-US" sz="2000" dirty="0" smtClean="0"/>
+              <a:rPr lang="en-US" sz="2000" b="1" dirty="0" smtClean="0"/>
               <a:t>Non-</a:t>
             </a:r>
             <a:r>
-              <a:rPr lang="en-US" sz="2000" dirty="0"/>
+              <a:rPr lang="en-US" sz="2000" b="1" dirty="0"/>
               <a:t>blocking, </a:t>
             </a:r>
             <a:r>
-              <a:rPr lang="en-US" sz="2000" dirty="0" smtClean="0"/>
+              <a:rPr lang="en-US" sz="2000" b="1" dirty="0" smtClean="0"/>
               <a:t>asynchronous </a:t>
             </a:r>
             <a:r>
-              <a:rPr lang="en-US" sz="2000" dirty="0" err="1" smtClean="0"/>
+              <a:rPr lang="en-US" sz="2000" b="1" dirty="0" err="1" smtClean="0"/>
               <a:t>MongoDB</a:t>
             </a:r>
             <a:r>
-              <a:rPr lang="en-US" sz="2000" dirty="0" smtClean="0"/>
+              <a:rPr lang="en-US" sz="2000" b="1" dirty="0" smtClean="0"/>
               <a:t> </a:t>
             </a:r>
             <a:r>
-              <a:rPr lang="en-US" sz="2000" dirty="0"/>
+              <a:rPr lang="en-US" sz="2000" b="1" dirty="0"/>
               <a:t>driver built on </a:t>
             </a:r>
             <a:r>
-              <a:rPr lang="en-US" sz="2000" dirty="0" err="1"/>
+              <a:rPr lang="en-US" sz="2000" b="1" dirty="0" err="1"/>
               <a:t>Akka</a:t>
             </a:r>
             <a:r>
-              <a:rPr lang="en-US" sz="2000" dirty="0"/>
+              <a:rPr lang="en-US" sz="2000" b="1" dirty="0"/>
               <a:t> </a:t>
             </a:r>
             <a:r>
-              <a:rPr lang="en-US" sz="2000" dirty="0" smtClean="0"/>
+              <a:rPr lang="en-US" sz="2000" b="1" dirty="0" smtClean="0"/>
               <a:t>Streams</a:t>
             </a:r>
-            <a:endParaRPr lang="en-US" sz="2000" dirty="0"/>
+            <a:endParaRPr lang="en-US" sz="2000" b="1" dirty="0"/>
           </a:p>
           <a:p>
             <a:pPr lvl="1"/>
             <a:r>
-              <a:rPr lang="en-US" sz="2000" dirty="0" smtClean="0"/>
+              <a:rPr lang="en-US" sz="2000" b="1" dirty="0" smtClean="0"/>
               <a:t>Database ops return an immediately future and (may) eventually complete</a:t>
             </a:r>
           </a:p>
           <a:p>
             <a:r>
-              <a:rPr lang="en-US" sz="2400" dirty="0" smtClean="0"/>
+              <a:rPr lang="en-US" sz="2400" b="1" dirty="0" smtClean="0"/>
               <a:t>Metrics</a:t>
             </a:r>
-            <a:endParaRPr lang="en-US" sz="2400" dirty="0"/>
+            <a:endParaRPr lang="en-US" sz="2400" b="1" dirty="0"/>
           </a:p>
           <a:p>
             <a:pPr lvl="1"/>
             <a:r>
-              <a:rPr lang="en-US" sz="2000" dirty="0" err="1" smtClean="0"/>
+              <a:rPr lang="en-US" sz="2000" b="1" dirty="0" err="1" smtClean="0"/>
               <a:t>StatsD</a:t>
             </a:r>
             <a:r>
-              <a:rPr lang="en-US" sz="2000" dirty="0" smtClean="0"/>
+              <a:rPr lang="en-US" sz="2000" b="1" dirty="0" smtClean="0"/>
               <a:t> (aggregator): data received via one-way </a:t>
             </a:r>
             <a:r>
-              <a:rPr lang="en-US" sz="2000" dirty="0" err="1" smtClean="0"/>
+              <a:rPr lang="en-US" sz="2000" b="1" dirty="0" err="1" smtClean="0"/>
               <a:t>udp</a:t>
             </a:r>
             <a:r>
-              <a:rPr lang="en-US" sz="2000" dirty="0" smtClean="0"/>
+              <a:rPr lang="en-US" sz="2000" b="1" dirty="0" smtClean="0"/>
               <a:t> protocol, sends to Graphite</a:t>
             </a:r>
-            <a:endParaRPr lang="en-US" sz="2000" dirty="0"/>
+            <a:endParaRPr lang="en-US" sz="2000" b="1" dirty="0"/>
           </a:p>
           <a:p>
             <a:pPr lvl="1"/>
             <a:r>
-              <a:rPr lang="en-US" sz="2000" dirty="0" smtClean="0"/>
+              <a:rPr lang="en-US" sz="2000" b="1" dirty="0" smtClean="0"/>
               <a:t>Graphite: Dashboard web application</a:t>
             </a:r>
           </a:p>
@@ -5870,7 +5870,7 @@
         </p:blipFill>
         <p:spPr>
           <a:xfrm>
-            <a:off x="427268" y="6118657"/>
+            <a:off x="7937337" y="6145173"/>
             <a:ext cx="529526" cy="356061"/>
           </a:xfrm>
           <a:prstGeom prst="rect">
@@ -5890,8 +5890,8 @@
         </p:nvSpPr>
         <p:spPr>
           <a:xfrm>
-            <a:off x="0" y="1202687"/>
-            <a:ext cx="9144000" cy="5272031"/>
+            <a:off x="0" y="964643"/>
+            <a:ext cx="9144000" cy="5756792"/>
           </a:xfrm>
         </p:spPr>
         <p:txBody>
@@ -5900,372 +5900,373 @@
           </a:bodyPr>
           <a:lstStyle/>
           <a:p>
-            <a:pPr lvl="0"/>
-            <a:r>
-              <a:rPr lang="en-US" dirty="0" smtClean="0"/>
+            <a:pPr marL="0" lvl="0" indent="0">
+              <a:buNone/>
+            </a:pPr>
+            <a:r>
+              <a:rPr lang="en-US" b="1" dirty="0" smtClean="0"/>
               <a:t>Application controller</a:t>
             </a:r>
           </a:p>
           <a:p>
             <a:pPr lvl="1"/>
             <a:r>
-              <a:rPr lang="en-US" sz="2400" dirty="0" smtClean="0"/>
+              <a:rPr lang="en-US" b="1" dirty="0"/>
               <a:t>Uses </a:t>
             </a:r>
             <a:r>
-              <a:rPr lang="en-US" sz="2400" dirty="0" err="1" smtClean="0"/>
+              <a:rPr lang="en-US" b="1" dirty="0" err="1"/>
               <a:t>TrieMap</a:t>
             </a:r>
             <a:r>
-              <a:rPr lang="en-US" sz="2400" dirty="0" smtClean="0"/>
+              <a:rPr lang="en-US" b="1" dirty="0"/>
               <a:t> of </a:t>
             </a:r>
             <a:r>
-              <a:rPr lang="en-US" sz="2400" dirty="0" err="1" smtClean="0"/>
+              <a:rPr lang="en-US" b="1" dirty="0" err="1"/>
               <a:t>InventoryQuantity</a:t>
             </a:r>
             <a:r>
-              <a:rPr lang="en-US" sz="2400" dirty="0" smtClean="0"/>
+              <a:rPr lang="en-US" b="1" dirty="0"/>
               <a:t> instances keyed to product </a:t>
             </a:r>
             <a:r>
-              <a:rPr lang="en-US" sz="2400" dirty="0" err="1" smtClean="0"/>
+              <a:rPr lang="en-US" b="1" dirty="0" err="1"/>
               <a:t>sku</a:t>
             </a:r>
             <a:r>
-              <a:rPr lang="en-US" sz="2400" dirty="0" smtClean="0"/>
-              <a:t> (id)</a:t>
-            </a:r>
-          </a:p>
-          <a:p>
-            <a:pPr marL="914400" lvl="2" indent="0">
-              <a:buNone/>
-            </a:pPr>
-            <a:r>
-              <a:rPr lang="en-US" sz="2000" dirty="0" err="1" smtClean="0">
-                <a:solidFill>
-                  <a:srgbClr val="3366FF"/>
+              <a:rPr lang="en-US" b="1" dirty="0"/>
+              <a:t> (id</a:t>
+            </a:r>
+            <a:r>
+              <a:rPr lang="en-US" b="1" dirty="0" smtClean="0"/>
+              <a:t>)</a:t>
+            </a:r>
+          </a:p>
+          <a:p>
+            <a:pPr marL="457200" lvl="1" indent="0">
+              <a:buNone/>
+            </a:pPr>
+            <a:endParaRPr lang="en-US" dirty="0" smtClean="0"/>
+          </a:p>
+          <a:p>
+            <a:pPr marL="457200" lvl="1" indent="0">
+              <a:lnSpc>
+                <a:spcPct val="80000"/>
+              </a:lnSpc>
+              <a:buNone/>
+            </a:pPr>
+            <a:r>
+              <a:rPr lang="en-US" sz="2400" b="1" dirty="0" err="1">
+                <a:solidFill>
+                  <a:srgbClr val="0000FF"/>
                 </a:solidFill>
               </a:rPr>
               <a:t>val</a:t>
             </a:r>
             <a:r>
-              <a:rPr lang="en-US" sz="2000" dirty="0" smtClean="0">
-                <a:solidFill>
-                  <a:srgbClr val="3366FF"/>
-                </a:solidFill>
-              </a:rPr>
-              <a:t> </a:t>
-            </a:r>
-            <a:r>
-              <a:rPr lang="en-US" sz="2000" dirty="0">
-                <a:solidFill>
-                  <a:srgbClr val="3366FF"/>
-                </a:solidFill>
-              </a:rPr>
-              <a:t>inventory = </a:t>
-            </a:r>
-            <a:r>
-              <a:rPr lang="en-US" sz="2000" dirty="0" err="1">
-                <a:solidFill>
-                  <a:srgbClr val="3366FF"/>
+              <a:rPr lang="en-US" sz="2400" b="1" dirty="0">
+                <a:solidFill>
+                  <a:srgbClr val="0000FF"/>
+                </a:solidFill>
+              </a:rPr>
+              <a:t> inventory = </a:t>
+            </a:r>
+            <a:r>
+              <a:rPr lang="en-US" sz="2400" b="1" dirty="0" err="1">
+                <a:solidFill>
+                  <a:srgbClr val="0000FF"/>
                 </a:solidFill>
               </a:rPr>
               <a:t>TrieMap</a:t>
             </a:r>
             <a:r>
-              <a:rPr lang="en-US" sz="2000" dirty="0">
-                <a:solidFill>
-                  <a:srgbClr val="3366FF"/>
+              <a:rPr lang="en-US" sz="2400" b="1" dirty="0">
+                <a:solidFill>
+                  <a:srgbClr val="0000FF"/>
                 </a:solidFill>
               </a:rPr>
               <a:t>[String, </a:t>
             </a:r>
             <a:r>
-              <a:rPr lang="en-US" sz="2000" dirty="0" err="1">
-                <a:solidFill>
-                  <a:srgbClr val="3366FF"/>
+              <a:rPr lang="en-US" sz="2400" b="1" dirty="0" err="1">
+                <a:solidFill>
+                  <a:srgbClr val="0000FF"/>
                 </a:solidFill>
               </a:rPr>
               <a:t>InventoryQuantity</a:t>
             </a:r>
             <a:r>
-              <a:rPr lang="en-US" sz="2000" dirty="0">
-                <a:solidFill>
-                  <a:srgbClr val="3366FF"/>
-                </a:solidFill>
-              </a:rPr>
-              <a:t>](</a:t>
-            </a:r>
-            <a:r>
-              <a:rPr lang="en-US" sz="2000" dirty="0" smtClean="0">
-                <a:solidFill>
-                  <a:srgbClr val="3366FF"/>
-                </a:solidFill>
-              </a:rPr>
-              <a:t>)</a:t>
-            </a:r>
-            <a:endParaRPr lang="en-US" sz="2000" dirty="0">
+              <a:rPr lang="en-US" sz="2400" b="1" dirty="0">
+                <a:solidFill>
+                  <a:srgbClr val="0000FF"/>
+                </a:solidFill>
+              </a:rPr>
+              <a:t>]()</a:t>
+            </a:r>
+          </a:p>
+          <a:p>
+            <a:pPr marL="457200" lvl="1" indent="0">
+              <a:lnSpc>
+                <a:spcPct val="80000"/>
+              </a:lnSpc>
+              <a:buNone/>
+            </a:pPr>
+            <a:r>
+              <a:rPr lang="en-US" sz="2400" b="1" dirty="0" err="1">
+                <a:solidFill>
+                  <a:srgbClr val="0000FF"/>
+                </a:solidFill>
+              </a:rPr>
+              <a:t>val</a:t>
+            </a:r>
+            <a:r>
+              <a:rPr lang="en-US" sz="2400" b="1" dirty="0">
+                <a:solidFill>
+                  <a:srgbClr val="0000FF"/>
+                </a:solidFill>
+              </a:rPr>
+              <a:t> r = </a:t>
+            </a:r>
+            <a:r>
+              <a:rPr lang="en-US" sz="2400" b="1" dirty="0" err="1">
+                <a:solidFill>
+                  <a:srgbClr val="0000FF"/>
+                </a:solidFill>
+              </a:rPr>
+              <a:t>scala.util.Random</a:t>
+            </a:r>
+            <a:endParaRPr lang="en-US" sz="2400" b="1" dirty="0">
               <a:solidFill>
-                <a:srgbClr val="3366FF"/>
+                <a:srgbClr val="0000FF"/>
               </a:solidFill>
             </a:endParaRPr>
           </a:p>
           <a:p>
+            <a:pPr marL="457200" lvl="1" indent="0">
+              <a:lnSpc>
+                <a:spcPct val="80000"/>
+              </a:lnSpc>
+              <a:buNone/>
+            </a:pPr>
+            <a:r>
+              <a:rPr lang="en-US" sz="2400" b="1" dirty="0">
+                <a:solidFill>
+                  <a:srgbClr val="0000FF"/>
+                </a:solidFill>
+              </a:rPr>
+              <a:t>for (</a:t>
+            </a:r>
+            <a:r>
+              <a:rPr lang="en-US" sz="2400" b="1" dirty="0" err="1">
+                <a:solidFill>
+                  <a:srgbClr val="0000FF"/>
+                </a:solidFill>
+              </a:rPr>
+              <a:t>sku</a:t>
+            </a:r>
+            <a:r>
+              <a:rPr lang="en-US" sz="2400" b="1" dirty="0">
+                <a:solidFill>
+                  <a:srgbClr val="0000FF"/>
+                </a:solidFill>
+              </a:rPr>
+              <a:t> &lt;- 1 to 100) {</a:t>
+            </a:r>
+          </a:p>
+          <a:p>
+            <a:pPr marL="457200" lvl="1" indent="0">
+              <a:lnSpc>
+                <a:spcPct val="80000"/>
+              </a:lnSpc>
+              <a:buNone/>
+            </a:pPr>
+            <a:r>
+              <a:rPr lang="en-US" sz="2400" b="1" dirty="0">
+                <a:solidFill>
+                  <a:srgbClr val="0000FF"/>
+                </a:solidFill>
+              </a:rPr>
+              <a:t>    </a:t>
+            </a:r>
+            <a:r>
+              <a:rPr lang="en-US" sz="2400" b="1" dirty="0" err="1">
+                <a:solidFill>
+                  <a:srgbClr val="0000FF"/>
+                </a:solidFill>
+              </a:rPr>
+              <a:t>val</a:t>
+            </a:r>
+            <a:r>
+              <a:rPr lang="en-US" sz="2400" b="1" dirty="0">
+                <a:solidFill>
+                  <a:srgbClr val="0000FF"/>
+                </a:solidFill>
+              </a:rPr>
+              <a:t> quantity = </a:t>
+            </a:r>
+            <a:r>
+              <a:rPr lang="en-US" sz="2400" b="1" dirty="0" err="1">
+                <a:solidFill>
+                  <a:srgbClr val="0000FF"/>
+                </a:solidFill>
+              </a:rPr>
+              <a:t>r.nextInt</a:t>
+            </a:r>
+            <a:r>
+              <a:rPr lang="en-US" sz="2400" b="1" dirty="0">
+                <a:solidFill>
+                  <a:srgbClr val="0000FF"/>
+                </a:solidFill>
+              </a:rPr>
+              <a:t>(10000) + 10000</a:t>
+            </a:r>
+          </a:p>
+          <a:p>
+            <a:pPr marL="457200" lvl="1" indent="0">
+              <a:lnSpc>
+                <a:spcPct val="80000"/>
+              </a:lnSpc>
+              <a:buNone/>
+            </a:pPr>
+            <a:r>
+              <a:rPr lang="en-US" sz="2400" b="1" dirty="0">
+                <a:solidFill>
+                  <a:srgbClr val="0000FF"/>
+                </a:solidFill>
+              </a:rPr>
+              <a:t>    </a:t>
+            </a:r>
+            <a:r>
+              <a:rPr lang="en-US" sz="2400" b="1" dirty="0" err="1">
+                <a:solidFill>
+                  <a:srgbClr val="0000FF"/>
+                </a:solidFill>
+              </a:rPr>
+              <a:t>inventory.put</a:t>
+            </a:r>
+            <a:r>
+              <a:rPr lang="en-US" sz="2400" b="1" dirty="0">
+                <a:solidFill>
+                  <a:srgbClr val="0000FF"/>
+                </a:solidFill>
+              </a:rPr>
+              <a:t>(</a:t>
+            </a:r>
+            <a:r>
+              <a:rPr lang="en-US" sz="2400" b="1" dirty="0" err="1">
+                <a:solidFill>
+                  <a:srgbClr val="0000FF"/>
+                </a:solidFill>
+              </a:rPr>
+              <a:t>sku.toString</a:t>
+            </a:r>
+            <a:r>
+              <a:rPr lang="en-US" sz="2400" b="1" dirty="0">
+                <a:solidFill>
+                  <a:srgbClr val="0000FF"/>
+                </a:solidFill>
+              </a:rPr>
+              <a:t>, new </a:t>
+            </a:r>
+            <a:r>
+              <a:rPr lang="en-US" sz="2400" b="1" dirty="0" err="1">
+                <a:solidFill>
+                  <a:srgbClr val="0000FF"/>
+                </a:solidFill>
+              </a:rPr>
+              <a:t>InventoryQuantity</a:t>
+            </a:r>
+            <a:r>
+              <a:rPr lang="en-US" sz="2400" b="1" dirty="0">
+                <a:solidFill>
+                  <a:srgbClr val="0000FF"/>
+                </a:solidFill>
+              </a:rPr>
+              <a:t>(quantity))</a:t>
+            </a:r>
+          </a:p>
+          <a:p>
+            <a:pPr marL="457200" lvl="1" indent="0">
+              <a:lnSpc>
+                <a:spcPct val="80000"/>
+              </a:lnSpc>
+              <a:buNone/>
+            </a:pPr>
+            <a:r>
+              <a:rPr lang="en-US" sz="2400" b="1" dirty="0">
+                <a:solidFill>
+                  <a:srgbClr val="0000FF"/>
+                </a:solidFill>
+              </a:rPr>
+              <a:t>    </a:t>
+            </a:r>
+            <a:r>
+              <a:rPr lang="en-US" sz="2400" b="1" dirty="0" err="1">
+                <a:solidFill>
+                  <a:srgbClr val="0000FF"/>
+                </a:solidFill>
+              </a:rPr>
+              <a:t>mongoRepo.setInventory</a:t>
+            </a:r>
+            <a:r>
+              <a:rPr lang="en-US" sz="2400" b="1" dirty="0">
+                <a:solidFill>
+                  <a:srgbClr val="0000FF"/>
+                </a:solidFill>
+              </a:rPr>
+              <a:t>(</a:t>
+            </a:r>
+            <a:r>
+              <a:rPr lang="en-US" sz="2400" b="1" dirty="0" err="1">
+                <a:solidFill>
+                  <a:srgbClr val="0000FF"/>
+                </a:solidFill>
+              </a:rPr>
+              <a:t>sku.toString</a:t>
+            </a:r>
+            <a:r>
+              <a:rPr lang="en-US" sz="2400" b="1" dirty="0">
+                <a:solidFill>
+                  <a:srgbClr val="0000FF"/>
+                </a:solidFill>
+              </a:rPr>
+              <a:t>, quantity)</a:t>
+            </a:r>
+          </a:p>
+          <a:p>
+            <a:pPr marL="457200" lvl="1" indent="0">
+              <a:lnSpc>
+                <a:spcPct val="80000"/>
+              </a:lnSpc>
+              <a:buNone/>
+            </a:pPr>
+            <a:r>
+              <a:rPr lang="en-US" sz="2400" b="1" dirty="0">
+                <a:solidFill>
+                  <a:srgbClr val="0000FF"/>
+                </a:solidFill>
+              </a:rPr>
+              <a:t>  }</a:t>
+            </a:r>
+          </a:p>
+          <a:p>
             <a:pPr marL="914400" lvl="2" indent="0">
               <a:buNone/>
             </a:pPr>
-            <a:r>
-              <a:rPr lang="en-US" sz="2000" dirty="0" err="1" smtClean="0">
-                <a:solidFill>
-                  <a:srgbClr val="3366FF"/>
-                </a:solidFill>
-              </a:rPr>
-              <a:t>val</a:t>
-            </a:r>
-            <a:r>
-              <a:rPr lang="en-US" sz="2000" dirty="0" smtClean="0">
-                <a:solidFill>
-                  <a:srgbClr val="3366FF"/>
-                </a:solidFill>
-              </a:rPr>
-              <a:t> </a:t>
-            </a:r>
-            <a:r>
-              <a:rPr lang="en-US" sz="2000" dirty="0">
-                <a:solidFill>
-                  <a:srgbClr val="3366FF"/>
-                </a:solidFill>
-              </a:rPr>
-              <a:t>r = </a:t>
-            </a:r>
-            <a:r>
-              <a:rPr lang="en-US" sz="2000" dirty="0" err="1">
-                <a:solidFill>
-                  <a:srgbClr val="3366FF"/>
-                </a:solidFill>
-              </a:rPr>
-              <a:t>scala.util.Random</a:t>
-            </a:r>
-            <a:endParaRPr lang="en-US" sz="2000" dirty="0">
+            <a:endParaRPr lang="en-US" sz="2000" b="1" dirty="0" smtClean="0">
               <a:solidFill>
-                <a:srgbClr val="3366FF"/>
+                <a:srgbClr val="002060"/>
               </a:solidFill>
             </a:endParaRPr>
           </a:p>
           <a:p>
-            <a:pPr marL="914400" lvl="2" indent="0">
-              <a:buNone/>
-            </a:pPr>
-            <a:r>
-              <a:rPr lang="en-US" sz="2000" dirty="0" smtClean="0">
-                <a:solidFill>
-                  <a:srgbClr val="3366FF"/>
-                </a:solidFill>
-              </a:rPr>
-              <a:t>for </a:t>
-            </a:r>
-            <a:r>
-              <a:rPr lang="en-US" sz="2000" dirty="0">
-                <a:solidFill>
-                  <a:srgbClr val="3366FF"/>
-                </a:solidFill>
-              </a:rPr>
-              <a:t>(</a:t>
-            </a:r>
-            <a:r>
-              <a:rPr lang="en-US" sz="2000" dirty="0" err="1">
-                <a:solidFill>
-                  <a:srgbClr val="3366FF"/>
-                </a:solidFill>
-              </a:rPr>
-              <a:t>sku</a:t>
-            </a:r>
-            <a:r>
-              <a:rPr lang="en-US" sz="2000" dirty="0">
-                <a:solidFill>
-                  <a:srgbClr val="3366FF"/>
-                </a:solidFill>
-              </a:rPr>
-              <a:t> &lt;- 1 to 100) {</a:t>
-            </a:r>
-          </a:p>
-          <a:p>
-            <a:pPr marL="914400" lvl="2" indent="0">
-              <a:buNone/>
-            </a:pPr>
-            <a:r>
-              <a:rPr lang="en-US" sz="2000" dirty="0">
-                <a:solidFill>
-                  <a:srgbClr val="3366FF"/>
-                </a:solidFill>
-              </a:rPr>
-              <a:t>    </a:t>
-            </a:r>
-            <a:r>
-              <a:rPr lang="en-US" sz="2000" dirty="0" err="1">
-                <a:solidFill>
-                  <a:srgbClr val="3366FF"/>
-                </a:solidFill>
-              </a:rPr>
-              <a:t>val</a:t>
-            </a:r>
-            <a:r>
-              <a:rPr lang="en-US" sz="2000" dirty="0">
-                <a:solidFill>
-                  <a:srgbClr val="3366FF"/>
-                </a:solidFill>
-              </a:rPr>
-              <a:t> quantity = </a:t>
-            </a:r>
-            <a:r>
-              <a:rPr lang="en-US" sz="2000" dirty="0" err="1">
-                <a:solidFill>
-                  <a:srgbClr val="3366FF"/>
-                </a:solidFill>
-              </a:rPr>
-              <a:t>r.nextInt</a:t>
-            </a:r>
-            <a:r>
-              <a:rPr lang="en-US" sz="2000" dirty="0">
-                <a:solidFill>
-                  <a:srgbClr val="3366FF"/>
-                </a:solidFill>
-              </a:rPr>
-              <a:t>(10000) + 10000</a:t>
-            </a:r>
-          </a:p>
-          <a:p>
-            <a:pPr marL="914400" lvl="2" indent="0">
-              <a:buNone/>
-            </a:pPr>
-            <a:r>
-              <a:rPr lang="en-US" sz="2000" dirty="0">
-                <a:solidFill>
-                  <a:srgbClr val="3366FF"/>
-                </a:solidFill>
-              </a:rPr>
-              <a:t>    </a:t>
-            </a:r>
-            <a:r>
-              <a:rPr lang="en-US" sz="2000" dirty="0" err="1">
-                <a:solidFill>
-                  <a:srgbClr val="3366FF"/>
-                </a:solidFill>
-              </a:rPr>
-              <a:t>inventory.put</a:t>
-            </a:r>
-            <a:r>
-              <a:rPr lang="en-US" sz="2000" dirty="0">
-                <a:solidFill>
-                  <a:srgbClr val="3366FF"/>
-                </a:solidFill>
-              </a:rPr>
-              <a:t>(</a:t>
-            </a:r>
-            <a:r>
-              <a:rPr lang="en-US" sz="2000" dirty="0" err="1">
-                <a:solidFill>
-                  <a:srgbClr val="3366FF"/>
-                </a:solidFill>
-              </a:rPr>
-              <a:t>sku.toString</a:t>
-            </a:r>
-            <a:r>
-              <a:rPr lang="en-US" sz="2000" dirty="0">
-                <a:solidFill>
-                  <a:srgbClr val="3366FF"/>
-                </a:solidFill>
-              </a:rPr>
-              <a:t>, new </a:t>
-            </a:r>
-            <a:r>
-              <a:rPr lang="en-US" sz="2000" dirty="0" err="1">
-                <a:solidFill>
-                  <a:srgbClr val="3366FF"/>
-                </a:solidFill>
-              </a:rPr>
-              <a:t>InventoryQuantity</a:t>
-            </a:r>
-            <a:r>
-              <a:rPr lang="en-US" sz="2000" dirty="0">
-                <a:solidFill>
-                  <a:srgbClr val="3366FF"/>
-                </a:solidFill>
-              </a:rPr>
-              <a:t>(quantity))</a:t>
-            </a:r>
-          </a:p>
-          <a:p>
-            <a:pPr marL="914400" lvl="2" indent="0">
-              <a:buNone/>
-            </a:pPr>
-            <a:r>
-              <a:rPr lang="en-US" sz="2000" dirty="0">
-                <a:solidFill>
-                  <a:srgbClr val="3366FF"/>
-                </a:solidFill>
-              </a:rPr>
-              <a:t>    </a:t>
-            </a:r>
-            <a:r>
-              <a:rPr lang="en-US" sz="2000" dirty="0" err="1">
-                <a:solidFill>
-                  <a:srgbClr val="3366FF"/>
-                </a:solidFill>
-              </a:rPr>
-              <a:t>mongoRepo.setInventory</a:t>
-            </a:r>
-            <a:r>
-              <a:rPr lang="en-US" sz="2000" dirty="0">
-                <a:solidFill>
-                  <a:srgbClr val="3366FF"/>
-                </a:solidFill>
-              </a:rPr>
-              <a:t>(</a:t>
-            </a:r>
-            <a:r>
-              <a:rPr lang="en-US" sz="2000" dirty="0" err="1">
-                <a:solidFill>
-                  <a:srgbClr val="3366FF"/>
-                </a:solidFill>
-              </a:rPr>
-              <a:t>sku.toString</a:t>
-            </a:r>
-            <a:r>
-              <a:rPr lang="en-US" sz="2000" dirty="0">
-                <a:solidFill>
-                  <a:srgbClr val="3366FF"/>
-                </a:solidFill>
-              </a:rPr>
-              <a:t>, quantity)</a:t>
-            </a:r>
-          </a:p>
-          <a:p>
-            <a:pPr marL="914400" lvl="2" indent="0">
-              <a:buNone/>
-            </a:pPr>
-            <a:r>
-              <a:rPr lang="en-US" sz="2000" dirty="0">
-                <a:solidFill>
-                  <a:srgbClr val="3366FF"/>
-                </a:solidFill>
-              </a:rPr>
-              <a:t>  }</a:t>
-            </a:r>
-            <a:endParaRPr lang="en-US" sz="2000" dirty="0">
-              <a:solidFill>
-                <a:srgbClr val="3366FF"/>
-              </a:solidFill>
-            </a:endParaRPr>
-          </a:p>
-          <a:p>
             <a:pPr lvl="1"/>
             <a:r>
-              <a:rPr lang="en-US" dirty="0" smtClean="0"/>
+              <a:rPr lang="en-US" b="1" dirty="0" smtClean="0"/>
               <a:t>Handler methods</a:t>
             </a:r>
-            <a:endParaRPr lang="en-US" sz="2400" dirty="0" smtClean="0"/>
+            <a:endParaRPr lang="en-US" sz="2400" b="1" dirty="0" smtClean="0"/>
           </a:p>
         </p:txBody>
       </p:sp>
@@ -6306,77 +6307,6 @@
           <a:chExt cx="0" cy="0"/>
         </a:xfrm>
       </p:grpSpPr>
-      <p:sp>
-        <p:nvSpPr>
-          <p:cNvPr id="4" name="Rectangle 3"/>
-          <p:cNvSpPr/>
-          <p:nvPr/>
-        </p:nvSpPr>
-        <p:spPr>
-          <a:xfrm>
-            <a:off x="0" y="0"/>
-            <a:ext cx="9144000" cy="964642"/>
-          </a:xfrm>
-          <a:prstGeom prst="rect">
-            <a:avLst/>
-          </a:prstGeom>
-          <a:solidFill>
-            <a:srgbClr val="102F4B"/>
-          </a:solidFill>
-          <a:ln>
-            <a:noFill/>
-          </a:ln>
-        </p:spPr>
-        <p:style>
-          <a:lnRef idx="1">
-            <a:schemeClr val="accent1"/>
-          </a:lnRef>
-          <a:fillRef idx="3">
-            <a:schemeClr val="accent1"/>
-          </a:fillRef>
-          <a:effectRef idx="2">
-            <a:schemeClr val="accent1"/>
-          </a:effectRef>
-          <a:fontRef idx="minor">
-            <a:schemeClr val="lt1"/>
-          </a:fontRef>
-        </p:style>
-        <p:txBody>
-          <a:bodyPr rtlCol="0" anchor="ctr"/>
-          <a:lstStyle/>
-          <a:p>
-            <a:r>
-              <a:rPr lang="en-US" sz="4400" dirty="0" smtClean="0">
-                <a:solidFill>
-                  <a:srgbClr val="FFFFFF"/>
-                </a:solidFill>
-              </a:rPr>
-              <a:t>Shared-State: </a:t>
-            </a:r>
-            <a:r>
-              <a:rPr lang="en-US" sz="4400" dirty="0" err="1" smtClean="0">
-                <a:solidFill>
-                  <a:srgbClr val="FFFFFF"/>
-                </a:solidFill>
-              </a:rPr>
-              <a:t>updateInventory</a:t>
-            </a:r>
-            <a:r>
-              <a:rPr lang="en-US" sz="4400" dirty="0" smtClean="0">
-                <a:solidFill>
-                  <a:srgbClr val="FFFFFF"/>
-                </a:solidFill>
-              </a:rPr>
-              <a:t> Handler</a:t>
-            </a:r>
-            <a:endParaRPr lang="en-US" sz="4400" dirty="0">
-              <a:solidFill>
-                <a:srgbClr val="FFFFFF"/>
-              </a:solidFill>
-            </a:endParaRPr>
-          </a:p>
-        </p:txBody>
-      </p:sp>
       <p:pic>
         <p:nvPicPr>
           <p:cNvPr id="5" name="Picture 4"/>
@@ -6393,7 +6323,7 @@
         </p:blipFill>
         <p:spPr>
           <a:xfrm>
-            <a:off x="427268" y="6118657"/>
+            <a:off x="8158104" y="6118657"/>
             <a:ext cx="529526" cy="356061"/>
           </a:xfrm>
           <a:prstGeom prst="rect">
@@ -6413,13 +6343,13 @@
         </p:nvSpPr>
         <p:spPr>
           <a:xfrm>
-            <a:off x="0" y="964643"/>
-            <a:ext cx="9144000" cy="5685876"/>
+            <a:off x="0" y="166253"/>
+            <a:ext cx="9144000" cy="7125195"/>
           </a:xfrm>
         </p:spPr>
         <p:txBody>
           <a:bodyPr>
-            <a:normAutofit fontScale="47500" lnSpcReduction="20000"/>
+            <a:normAutofit fontScale="55000" lnSpcReduction="20000"/>
           </a:bodyPr>
           <a:lstStyle/>
           <a:p>
@@ -6427,107 +6357,55 @@
               <a:buNone/>
             </a:pPr>
             <a:r>
-              <a:rPr lang="en-US" sz="2400" dirty="0">
-                <a:solidFill>
-                  <a:srgbClr val="0000FF"/>
-                </a:solidFill>
-              </a:rPr>
+              <a:rPr lang="en-US" sz="2400" dirty="0"/>
               <a:t> </a:t>
             </a:r>
             <a:r>
-              <a:rPr lang="en-US" sz="2400" dirty="0" err="1">
-                <a:solidFill>
-                  <a:srgbClr val="0000FF"/>
-                </a:solidFill>
-              </a:rPr>
+              <a:rPr lang="en-US" sz="2500" b="1" dirty="0" err="1"/>
               <a:t>def</a:t>
             </a:r>
             <a:r>
-              <a:rPr lang="en-US" sz="2400" dirty="0">
-                <a:solidFill>
-                  <a:srgbClr val="0000FF"/>
-                </a:solidFill>
-              </a:rPr>
+              <a:rPr lang="en-US" sz="2500" b="1" dirty="0"/>
               <a:t> </a:t>
             </a:r>
             <a:r>
-              <a:rPr lang="en-US" sz="2400" dirty="0" err="1">
-                <a:solidFill>
-                  <a:srgbClr val="0000FF"/>
-                </a:solidFill>
-              </a:rPr>
+              <a:rPr lang="en-US" sz="2500" b="1" dirty="0" err="1"/>
               <a:t>updateInventory</a:t>
             </a:r>
             <a:r>
-              <a:rPr lang="en-US" sz="2400" dirty="0">
-                <a:solidFill>
-                  <a:srgbClr val="0000FF"/>
-                </a:solidFill>
-              </a:rPr>
+              <a:rPr lang="en-US" sz="2500" b="1" dirty="0"/>
               <a:t>(</a:t>
             </a:r>
             <a:r>
-              <a:rPr lang="en-US" sz="2400" dirty="0" err="1">
-                <a:solidFill>
-                  <a:srgbClr val="0000FF"/>
-                </a:solidFill>
-              </a:rPr>
+              <a:rPr lang="en-US" sz="2500" b="1" dirty="0" err="1"/>
               <a:t>sku</a:t>
             </a:r>
             <a:r>
-              <a:rPr lang="en-US" sz="2400" dirty="0">
-                <a:solidFill>
-                  <a:srgbClr val="0000FF"/>
-                </a:solidFill>
-              </a:rPr>
+              <a:rPr lang="en-US" sz="2500" b="1" dirty="0"/>
               <a:t>: String, </a:t>
             </a:r>
             <a:r>
-              <a:rPr lang="en-US" sz="2400" dirty="0" err="1">
-                <a:solidFill>
-                  <a:srgbClr val="0000FF"/>
-                </a:solidFill>
-              </a:rPr>
+              <a:rPr lang="en-US" sz="2500" b="1" dirty="0" err="1"/>
               <a:t>quantityChange</a:t>
             </a:r>
             <a:r>
-              <a:rPr lang="en-US" sz="2400" dirty="0">
-                <a:solidFill>
-                  <a:srgbClr val="0000FF"/>
-                </a:solidFill>
-              </a:rPr>
+              <a:rPr lang="en-US" sz="2500" b="1" dirty="0"/>
               <a:t>: </a:t>
             </a:r>
             <a:r>
-              <a:rPr lang="en-US" sz="2400" dirty="0" err="1">
-                <a:solidFill>
-                  <a:srgbClr val="0000FF"/>
-                </a:solidFill>
-              </a:rPr>
+              <a:rPr lang="en-US" sz="2500" b="1" dirty="0" err="1"/>
               <a:t>Int</a:t>
             </a:r>
             <a:r>
-              <a:rPr lang="en-US" sz="2400" dirty="0">
-                <a:solidFill>
-                  <a:srgbClr val="0000FF"/>
-                </a:solidFill>
-              </a:rPr>
+              <a:rPr lang="en-US" sz="2500" b="1" dirty="0"/>
               <a:t>) = </a:t>
             </a:r>
             <a:r>
-              <a:rPr lang="en-US" sz="2400" dirty="0" err="1">
-                <a:solidFill>
-                  <a:srgbClr val="0000FF"/>
-                </a:solidFill>
-              </a:rPr>
+              <a:rPr lang="en-US" sz="2500" b="1" dirty="0" err="1"/>
               <a:t>Action.async</a:t>
             </a:r>
             <a:r>
-              <a:rPr lang="en-US" sz="2400" dirty="0">
-                <a:solidFill>
-                  <a:srgbClr val="0000FF"/>
-                </a:solidFill>
-              </a:rPr>
+              <a:rPr lang="en-US" sz="2500" b="1" dirty="0"/>
               <a:t> ({</a:t>
             </a:r>
           </a:p>
@@ -6536,11 +6414,7 @@
               <a:buNone/>
             </a:pPr>
             <a:r>
-              <a:rPr lang="en-US" sz="2400" dirty="0">
-                <a:solidFill>
-                  <a:srgbClr val="0000FF"/>
-                </a:solidFill>
-              </a:rPr>
+              <a:rPr lang="en-US" sz="2500" b="1" dirty="0"/>
               <a:t>    request =&gt;</a:t>
             </a:r>
           </a:p>
@@ -6549,85 +6423,45 @@
               <a:buNone/>
             </a:pPr>
             <a:r>
-              <a:rPr lang="en-US" sz="2400" dirty="0">
-                <a:solidFill>
-                  <a:srgbClr val="0000FF"/>
-                </a:solidFill>
-              </a:rPr>
+              <a:rPr lang="en-US" sz="2500" b="1" dirty="0"/>
               <a:t>      </a:t>
             </a:r>
             <a:r>
-              <a:rPr lang="en-US" sz="2400" dirty="0" err="1">
-                <a:solidFill>
-                  <a:srgbClr val="0000FF"/>
-                </a:solidFill>
-              </a:rPr>
+              <a:rPr lang="en-US" sz="2500" b="1" dirty="0" err="1"/>
               <a:t>val</a:t>
             </a:r>
             <a:r>
-              <a:rPr lang="en-US" sz="2400" dirty="0">
-                <a:solidFill>
-                  <a:srgbClr val="0000FF"/>
-                </a:solidFill>
-              </a:rPr>
+              <a:rPr lang="en-US" sz="2500" b="1" dirty="0"/>
               <a:t> </a:t>
             </a:r>
             <a:r>
-              <a:rPr lang="en-US" sz="2400" dirty="0" err="1">
-                <a:solidFill>
-                  <a:srgbClr val="0000FF"/>
-                </a:solidFill>
-              </a:rPr>
+              <a:rPr lang="en-US" sz="2500" b="1" dirty="0" err="1"/>
               <a:t>startTime</a:t>
             </a:r>
             <a:r>
-              <a:rPr lang="en-US" sz="2400" dirty="0">
-                <a:solidFill>
-                  <a:srgbClr val="0000FF"/>
-                </a:solidFill>
-              </a:rPr>
+              <a:rPr lang="en-US" sz="2500" b="1" dirty="0"/>
               <a:t> = </a:t>
             </a:r>
             <a:r>
-              <a:rPr lang="en-US" sz="2400" dirty="0" err="1">
-                <a:solidFill>
-                  <a:srgbClr val="0000FF"/>
-                </a:solidFill>
-              </a:rPr>
+              <a:rPr lang="en-US" sz="2500" b="1" dirty="0" err="1"/>
               <a:t>System.currentTimeMillis</a:t>
             </a:r>
-            <a:endParaRPr lang="en-US" sz="2400" dirty="0">
-              <a:solidFill>
-                <a:srgbClr val="0000FF"/>
-              </a:solidFill>
-            </a:endParaRPr>
+            <a:endParaRPr lang="en-US" sz="2500" b="1" dirty="0"/>
           </a:p>
           <a:p>
             <a:pPr marL="0" lvl="0" indent="0">
               <a:buNone/>
             </a:pPr>
             <a:r>
-              <a:rPr lang="en-US" sz="2400" dirty="0">
-                <a:solidFill>
-                  <a:srgbClr val="0000FF"/>
-                </a:solidFill>
-              </a:rPr>
+              <a:rPr lang="en-US" sz="2500" b="1" dirty="0"/>
               <a:t>      </a:t>
             </a:r>
             <a:r>
-              <a:rPr lang="en-US" sz="2400" dirty="0" err="1">
-                <a:solidFill>
-                  <a:srgbClr val="0000FF"/>
-                </a:solidFill>
-              </a:rPr>
+              <a:rPr lang="en-US" sz="2500" b="1" dirty="0" err="1"/>
               <a:t>val</a:t>
             </a:r>
             <a:r>
-              <a:rPr lang="en-US" sz="2400" dirty="0">
-                <a:solidFill>
-                  <a:srgbClr val="0000FF"/>
-                </a:solidFill>
-              </a:rPr>
+              <a:rPr lang="en-US" sz="2500" b="1" dirty="0"/>
               <a:t> f = Future {</a:t>
             </a:r>
           </a:p>
@@ -6636,27 +6470,15 @@
               <a:buNone/>
             </a:pPr>
             <a:r>
-              <a:rPr lang="en-US" sz="2400" dirty="0">
-                <a:solidFill>
-                  <a:srgbClr val="0000FF"/>
-                </a:solidFill>
-              </a:rPr>
+              <a:rPr lang="en-US" sz="2500" b="1" dirty="0"/>
               <a:t>        </a:t>
             </a:r>
             <a:r>
-              <a:rPr lang="en-US" sz="2400" dirty="0" err="1">
-                <a:solidFill>
-                  <a:srgbClr val="0000FF"/>
-                </a:solidFill>
-              </a:rPr>
+              <a:rPr lang="en-US" sz="2500" b="1" dirty="0" err="1"/>
               <a:t>Logger.debug</a:t>
             </a:r>
             <a:r>
-              <a:rPr lang="en-US" sz="2400" dirty="0">
-                <a:solidFill>
-                  <a:srgbClr val="0000FF"/>
-                </a:solidFill>
-              </a:rPr>
+              <a:rPr lang="en-US" sz="2500" b="1" dirty="0"/>
               <a:t>("update inventory called")</a:t>
             </a:r>
           </a:p>
@@ -6665,75 +6487,39 @@
               <a:buNone/>
             </a:pPr>
             <a:r>
-              <a:rPr lang="en-US" sz="2400" dirty="0">
-                <a:solidFill>
-                  <a:srgbClr val="0000FF"/>
-                </a:solidFill>
-              </a:rPr>
+              <a:rPr lang="en-US" sz="2500" b="1" dirty="0"/>
               <a:t>        </a:t>
             </a:r>
             <a:r>
-              <a:rPr lang="en-US" sz="2400" dirty="0" err="1">
-                <a:solidFill>
-                  <a:srgbClr val="0000FF"/>
-                </a:solidFill>
-              </a:rPr>
+              <a:rPr lang="en-US" sz="2500" b="1" dirty="0" err="1"/>
               <a:t>val</a:t>
             </a:r>
             <a:r>
-              <a:rPr lang="en-US" sz="2400" dirty="0">
-                <a:solidFill>
-                  <a:srgbClr val="0000FF"/>
-                </a:solidFill>
-              </a:rPr>
+              <a:rPr lang="en-US" sz="2500" b="1" dirty="0"/>
               <a:t> </a:t>
             </a:r>
             <a:r>
-              <a:rPr lang="en-US" sz="2400" dirty="0" err="1">
-                <a:solidFill>
-                  <a:srgbClr val="0000FF"/>
-                </a:solidFill>
-              </a:rPr>
+              <a:rPr lang="en-US" sz="2500" b="1" dirty="0" err="1"/>
               <a:t>skuInventoryOption</a:t>
             </a:r>
             <a:r>
-              <a:rPr lang="en-US" sz="2400" dirty="0">
-                <a:solidFill>
-                  <a:srgbClr val="0000FF"/>
-                </a:solidFill>
-              </a:rPr>
+              <a:rPr lang="en-US" sz="2500" b="1" dirty="0"/>
               <a:t> = </a:t>
             </a:r>
             <a:r>
-              <a:rPr lang="en-US" sz="2400" dirty="0" err="1">
-                <a:solidFill>
-                  <a:srgbClr val="0000FF"/>
-                </a:solidFill>
-              </a:rPr>
+              <a:rPr lang="en-US" sz="2500" b="1" dirty="0" err="1"/>
               <a:t>inventory.get</a:t>
             </a:r>
             <a:r>
-              <a:rPr lang="en-US" sz="2400" dirty="0">
-                <a:solidFill>
-                  <a:srgbClr val="0000FF"/>
-                </a:solidFill>
-              </a:rPr>
+              <a:rPr lang="en-US" sz="2500" b="1" dirty="0"/>
               <a:t>(</a:t>
             </a:r>
             <a:r>
-              <a:rPr lang="en-US" sz="2400" dirty="0" err="1">
-                <a:solidFill>
-                  <a:srgbClr val="0000FF"/>
-                </a:solidFill>
-              </a:rPr>
+              <a:rPr lang="en-US" sz="2500" b="1" dirty="0" err="1"/>
               <a:t>sku</a:t>
             </a:r>
             <a:r>
-              <a:rPr lang="en-US" sz="2400" dirty="0">
-                <a:solidFill>
-                  <a:srgbClr val="0000FF"/>
-                </a:solidFill>
-              </a:rPr>
+              <a:rPr lang="en-US" sz="2500" b="1" dirty="0"/>
               <a:t>)</a:t>
             </a:r>
           </a:p>
@@ -6742,107 +6528,55 @@
               <a:buNone/>
             </a:pPr>
             <a:r>
-              <a:rPr lang="en-US" sz="2400" dirty="0">
-                <a:solidFill>
-                  <a:srgbClr val="0000FF"/>
-                </a:solidFill>
-              </a:rPr>
+              <a:rPr lang="en-US" sz="2500" b="1" dirty="0"/>
               <a:t>        </a:t>
             </a:r>
             <a:r>
-              <a:rPr lang="en-US" sz="2400" dirty="0" err="1">
-                <a:solidFill>
-                  <a:srgbClr val="0000FF"/>
-                </a:solidFill>
-              </a:rPr>
+              <a:rPr lang="en-US" sz="2500" b="1" dirty="0" err="1"/>
               <a:t>var</a:t>
             </a:r>
             <a:r>
-              <a:rPr lang="en-US" sz="2400" dirty="0">
-                <a:solidFill>
-                  <a:srgbClr val="0000FF"/>
-                </a:solidFill>
-              </a:rPr>
+              <a:rPr lang="en-US" sz="2500" b="1" dirty="0"/>
               <a:t> result = </a:t>
             </a:r>
             <a:r>
-              <a:rPr lang="en-US" sz="2400" dirty="0" err="1">
-                <a:solidFill>
-                  <a:srgbClr val="0000FF"/>
-                </a:solidFill>
-              </a:rPr>
+              <a:rPr lang="en-US" sz="2500" b="1" dirty="0" err="1"/>
               <a:t>NotFound</a:t>
             </a:r>
             <a:r>
-              <a:rPr lang="en-US" sz="2400" dirty="0">
-                <a:solidFill>
-                  <a:srgbClr val="0000FF"/>
-                </a:solidFill>
-              </a:rPr>
+              <a:rPr lang="en-US" sz="2500" b="1" dirty="0"/>
               <a:t>(</a:t>
             </a:r>
             <a:r>
-              <a:rPr lang="en-US" sz="2400" dirty="0" err="1">
-                <a:solidFill>
-                  <a:srgbClr val="0000FF"/>
-                </a:solidFill>
-              </a:rPr>
+              <a:rPr lang="en-US" sz="2500" b="1" dirty="0" err="1"/>
               <a:t>Json.toJson</a:t>
             </a:r>
             <a:r>
-              <a:rPr lang="en-US" sz="2400" dirty="0">
-                <a:solidFill>
-                  <a:srgbClr val="0000FF"/>
-                </a:solidFill>
-              </a:rPr>
+              <a:rPr lang="en-US" sz="2500" b="1" dirty="0"/>
               <a:t>(</a:t>
             </a:r>
             <a:r>
-              <a:rPr lang="en-US" sz="2400" dirty="0" err="1">
-                <a:solidFill>
-                  <a:srgbClr val="0000FF"/>
-                </a:solidFill>
-              </a:rPr>
+              <a:rPr lang="en-US" sz="2500" b="1" dirty="0" err="1"/>
               <a:t>InventoryResponseModel</a:t>
             </a:r>
             <a:r>
-              <a:rPr lang="en-US" sz="2400" dirty="0">
-                <a:solidFill>
-                  <a:srgbClr val="0000FF"/>
-                </a:solidFill>
-              </a:rPr>
+              <a:rPr lang="en-US" sz="2500" b="1" dirty="0"/>
               <a:t>("update", </a:t>
             </a:r>
             <a:r>
-              <a:rPr lang="en-US" sz="2400" dirty="0" err="1">
-                <a:solidFill>
-                  <a:srgbClr val="0000FF"/>
-                </a:solidFill>
-              </a:rPr>
+              <a:rPr lang="en-US" sz="2500" b="1" dirty="0" err="1"/>
               <a:t>sku</a:t>
             </a:r>
             <a:r>
-              <a:rPr lang="en-US" sz="2400" dirty="0">
-                <a:solidFill>
-                  <a:srgbClr val="0000FF"/>
-                </a:solidFill>
-              </a:rPr>
+              <a:rPr lang="en-US" sz="2500" b="1" dirty="0"/>
               <a:t>, success = false, 0, "</a:t>
             </a:r>
             <a:r>
-              <a:rPr lang="en-US" sz="2400" dirty="0" err="1">
-                <a:solidFill>
-                  <a:srgbClr val="0000FF"/>
-                </a:solidFill>
-              </a:rPr>
+              <a:rPr lang="en-US" sz="2500" b="1" dirty="0" err="1"/>
               <a:t>sku</a:t>
             </a:r>
             <a:r>
-              <a:rPr lang="en-US" sz="2400" dirty="0">
-                <a:solidFill>
-                  <a:srgbClr val="0000FF"/>
-                </a:solidFill>
-              </a:rPr>
+              <a:rPr lang="en-US" sz="2500" b="1" dirty="0"/>
               <a:t> not found")))</a:t>
             </a:r>
           </a:p>
@@ -6851,27 +6585,15 @@
               <a:buNone/>
             </a:pPr>
             <a:r>
-              <a:rPr lang="en-US" sz="2400" dirty="0">
-                <a:solidFill>
-                  <a:srgbClr val="0000FF"/>
-                </a:solidFill>
-              </a:rPr>
+              <a:rPr lang="en-US" sz="2500" b="1" dirty="0"/>
               <a:t>        </a:t>
             </a:r>
             <a:r>
-              <a:rPr lang="en-US" sz="2400" dirty="0" err="1">
-                <a:solidFill>
-                  <a:srgbClr val="0000FF"/>
-                </a:solidFill>
-              </a:rPr>
+              <a:rPr lang="en-US" sz="2500" b="1" dirty="0" err="1"/>
               <a:t>skuInventoryOption</a:t>
             </a:r>
             <a:r>
-              <a:rPr lang="en-US" sz="2400" dirty="0">
-                <a:solidFill>
-                  <a:srgbClr val="0000FF"/>
-                </a:solidFill>
-              </a:rPr>
+              <a:rPr lang="en-US" sz="2500" b="1" dirty="0"/>
               <a:t> match {</a:t>
             </a:r>
           </a:p>
@@ -6880,27 +6602,15 @@
               <a:buNone/>
             </a:pPr>
             <a:r>
-              <a:rPr lang="en-US" sz="2400" dirty="0">
-                <a:solidFill>
-                  <a:srgbClr val="0000FF"/>
-                </a:solidFill>
-              </a:rPr>
+              <a:rPr lang="en-US" sz="2500" b="1" dirty="0"/>
               <a:t>          case Some(</a:t>
             </a:r>
             <a:r>
-              <a:rPr lang="en-US" sz="2400" dirty="0" err="1">
-                <a:solidFill>
-                  <a:srgbClr val="0000FF"/>
-                </a:solidFill>
-              </a:rPr>
+              <a:rPr lang="en-US" sz="2500" b="1" dirty="0" err="1"/>
               <a:t>skuInventory</a:t>
             </a:r>
             <a:r>
-              <a:rPr lang="en-US" sz="2400" dirty="0">
-                <a:solidFill>
-                  <a:srgbClr val="0000FF"/>
-                </a:solidFill>
-              </a:rPr>
+              <a:rPr lang="en-US" sz="2500" b="1" dirty="0"/>
               <a:t>) =&gt;</a:t>
             </a:r>
           </a:p>
@@ -6909,59 +6619,31 @@
               <a:buNone/>
             </a:pPr>
             <a:r>
-              <a:rPr lang="en-US" sz="2400" dirty="0">
-                <a:solidFill>
-                  <a:srgbClr val="0000FF"/>
-                </a:solidFill>
-              </a:rPr>
+              <a:rPr lang="en-US" sz="2500" b="1" dirty="0"/>
               <a:t>            </a:t>
             </a:r>
             <a:r>
-              <a:rPr lang="en-US" sz="2400" dirty="0" err="1">
-                <a:solidFill>
-                  <a:srgbClr val="0000FF"/>
-                </a:solidFill>
-              </a:rPr>
+              <a:rPr lang="en-US" sz="2500" b="1" dirty="0" err="1"/>
               <a:t>val</a:t>
             </a:r>
             <a:r>
-              <a:rPr lang="en-US" sz="2400" dirty="0">
-                <a:solidFill>
-                  <a:srgbClr val="0000FF"/>
-                </a:solidFill>
-              </a:rPr>
+              <a:rPr lang="en-US" sz="2500" b="1" dirty="0"/>
               <a:t> response = </a:t>
             </a:r>
             <a:r>
-              <a:rPr lang="en-US" sz="2400" dirty="0" err="1">
-                <a:solidFill>
-                  <a:srgbClr val="0000FF"/>
-                </a:solidFill>
-              </a:rPr>
+              <a:rPr lang="en-US" sz="2500" b="1" dirty="0" err="1"/>
               <a:t>skuInventory.updateQuantity</a:t>
             </a:r>
             <a:r>
-              <a:rPr lang="en-US" sz="2400" dirty="0">
-                <a:solidFill>
-                  <a:srgbClr val="0000FF"/>
-                </a:solidFill>
-              </a:rPr>
+              <a:rPr lang="en-US" sz="2500" b="1" dirty="0"/>
               <a:t>(</a:t>
             </a:r>
             <a:r>
-              <a:rPr lang="en-US" sz="2400" dirty="0" err="1">
-                <a:solidFill>
-                  <a:srgbClr val="0000FF"/>
-                </a:solidFill>
-              </a:rPr>
+              <a:rPr lang="en-US" sz="2500" b="1" dirty="0" err="1"/>
               <a:t>quantityChange</a:t>
             </a:r>
             <a:r>
-              <a:rPr lang="en-US" sz="2400" dirty="0">
-                <a:solidFill>
-                  <a:srgbClr val="0000FF"/>
-                </a:solidFill>
-              </a:rPr>
+              <a:rPr lang="en-US" sz="2500" b="1" dirty="0"/>
               <a:t>)</a:t>
             </a:r>
           </a:p>
@@ -6970,11 +6652,7 @@
               <a:buNone/>
             </a:pPr>
             <a:r>
-              <a:rPr lang="en-US" sz="2400" dirty="0">
-                <a:solidFill>
-                  <a:srgbClr val="0000FF"/>
-                </a:solidFill>
-              </a:rPr>
+              <a:rPr lang="en-US" sz="2500" b="1" dirty="0"/>
               <a:t>            result = Ok(</a:t>
             </a:r>
           </a:p>
@@ -6983,27 +6661,15 @@
               <a:buNone/>
             </a:pPr>
             <a:r>
-              <a:rPr lang="en-US" sz="2400" dirty="0">
-                <a:solidFill>
-                  <a:srgbClr val="0000FF"/>
-                </a:solidFill>
-              </a:rPr>
+              <a:rPr lang="en-US" sz="2500" b="1" dirty="0"/>
               <a:t>              </a:t>
             </a:r>
             <a:r>
-              <a:rPr lang="en-US" sz="2400" dirty="0" err="1">
-                <a:solidFill>
-                  <a:srgbClr val="0000FF"/>
-                </a:solidFill>
-              </a:rPr>
+              <a:rPr lang="en-US" sz="2500" b="1" dirty="0" err="1"/>
               <a:t>Json.toJson</a:t>
             </a:r>
             <a:r>
-              <a:rPr lang="en-US" sz="2400" dirty="0">
-                <a:solidFill>
-                  <a:srgbClr val="0000FF"/>
-                </a:solidFill>
-              </a:rPr>
+              <a:rPr lang="en-US" sz="2500" b="1" dirty="0"/>
               <a:t>(</a:t>
             </a:r>
           </a:p>
@@ -7012,27 +6678,15 @@
               <a:buNone/>
             </a:pPr>
             <a:r>
-              <a:rPr lang="en-US" sz="2400" dirty="0">
-                <a:solidFill>
-                  <a:srgbClr val="0000FF"/>
-                </a:solidFill>
-              </a:rPr>
+              <a:rPr lang="en-US" sz="2500" b="1" dirty="0"/>
               <a:t>                </a:t>
             </a:r>
             <a:r>
-              <a:rPr lang="en-US" sz="2400" dirty="0" err="1">
-                <a:solidFill>
-                  <a:srgbClr val="0000FF"/>
-                </a:solidFill>
-              </a:rPr>
+              <a:rPr lang="en-US" sz="2500" b="1" dirty="0" err="1"/>
               <a:t>InventoryResponseModel</a:t>
             </a:r>
             <a:r>
-              <a:rPr lang="en-US" sz="2400" dirty="0">
-                <a:solidFill>
-                  <a:srgbClr val="0000FF"/>
-                </a:solidFill>
-              </a:rPr>
+              <a:rPr lang="en-US" sz="2500" b="1" dirty="0"/>
               <a:t>(</a:t>
             </a:r>
           </a:p>
@@ -7041,59 +6695,31 @@
               <a:buNone/>
             </a:pPr>
             <a:r>
-              <a:rPr lang="en-US" sz="2400" dirty="0">
-                <a:solidFill>
-                  <a:srgbClr val="0000FF"/>
-                </a:solidFill>
-              </a:rPr>
+              <a:rPr lang="en-US" sz="2500" b="1" dirty="0"/>
               <a:t>                  "update", </a:t>
             </a:r>
             <a:r>
-              <a:rPr lang="en-US" sz="2400" dirty="0" err="1">
-                <a:solidFill>
-                  <a:srgbClr val="0000FF"/>
-                </a:solidFill>
-              </a:rPr>
+              <a:rPr lang="en-US" sz="2500" b="1" dirty="0" err="1"/>
               <a:t>sku</a:t>
             </a:r>
             <a:r>
-              <a:rPr lang="en-US" sz="2400" dirty="0">
-                <a:solidFill>
-                  <a:srgbClr val="0000FF"/>
-                </a:solidFill>
-              </a:rPr>
+              <a:rPr lang="en-US" sz="2500" b="1" dirty="0"/>
               <a:t>, success = response._1, </a:t>
             </a:r>
             <a:r>
-              <a:rPr lang="en-US" sz="2400" dirty="0" err="1">
-                <a:solidFill>
-                  <a:srgbClr val="0000FF"/>
-                </a:solidFill>
-              </a:rPr>
+              <a:rPr lang="en-US" sz="2500" b="1" dirty="0" err="1"/>
               <a:t>quantityChange</a:t>
             </a:r>
             <a:r>
-              <a:rPr lang="en-US" sz="2400" dirty="0">
-                <a:solidFill>
-                  <a:srgbClr val="0000FF"/>
-                </a:solidFill>
-              </a:rPr>
+              <a:rPr lang="en-US" sz="2500" b="1" dirty="0"/>
               <a:t>, if (!response._1) </a:t>
             </a:r>
             <a:r>
-              <a:rPr lang="en-US" sz="2400" dirty="0" err="1">
-                <a:solidFill>
-                  <a:srgbClr val="0000FF"/>
-                </a:solidFill>
-              </a:rPr>
+              <a:rPr lang="en-US" sz="2500" b="1" dirty="0" err="1"/>
               <a:t>s"Only</a:t>
             </a:r>
             <a:r>
-              <a:rPr lang="en-US" sz="2400" dirty="0">
-                <a:solidFill>
-                  <a:srgbClr val="0000FF"/>
-                </a:solidFill>
-              </a:rPr>
+              <a:rPr lang="en-US" sz="2500" b="1" dirty="0"/>
               <a:t> ${response._2} left" else ""</a:t>
             </a:r>
           </a:p>
@@ -7102,11 +6728,7 @@
               <a:buNone/>
             </a:pPr>
             <a:r>
-              <a:rPr lang="en-US" sz="2400" dirty="0">
-                <a:solidFill>
-                  <a:srgbClr val="0000FF"/>
-                </a:solidFill>
-              </a:rPr>
+              <a:rPr lang="en-US" sz="2500" b="1" dirty="0"/>
               <a:t>            )))</a:t>
             </a:r>
           </a:p>
@@ -7115,11 +6737,7 @@
               <a:buNone/>
             </a:pPr>
             <a:r>
-              <a:rPr lang="en-US" sz="2400" dirty="0">
-                <a:solidFill>
-                  <a:srgbClr val="0000FF"/>
-                </a:solidFill>
-              </a:rPr>
+              <a:rPr lang="en-US" sz="2500" b="1" dirty="0"/>
               <a:t>            response._1 match {</a:t>
             </a:r>
           </a:p>
@@ -7128,43 +6746,23 @@
               <a:buNone/>
             </a:pPr>
             <a:r>
-              <a:rPr lang="en-US" sz="2400" dirty="0">
-                <a:solidFill>
-                  <a:srgbClr val="0000FF"/>
-                </a:solidFill>
-              </a:rPr>
+              <a:rPr lang="en-US" sz="2500" b="1" dirty="0"/>
               <a:t>              case true =&gt; </a:t>
             </a:r>
             <a:r>
-              <a:rPr lang="en-US" sz="2400" dirty="0" err="1">
-                <a:solidFill>
-                  <a:srgbClr val="0000FF"/>
-                </a:solidFill>
-              </a:rPr>
+              <a:rPr lang="en-US" sz="2500" b="1" dirty="0" err="1"/>
               <a:t>mongoRepo.setInventory</a:t>
             </a:r>
             <a:r>
-              <a:rPr lang="en-US" sz="2400" dirty="0">
-                <a:solidFill>
-                  <a:srgbClr val="0000FF"/>
-                </a:solidFill>
-              </a:rPr>
+              <a:rPr lang="en-US" sz="2500" b="1" dirty="0"/>
               <a:t>(</a:t>
             </a:r>
             <a:r>
-              <a:rPr lang="en-US" sz="2400" dirty="0" err="1">
-                <a:solidFill>
-                  <a:srgbClr val="0000FF"/>
-                </a:solidFill>
-              </a:rPr>
+              <a:rPr lang="en-US" sz="2500" b="1" dirty="0" err="1"/>
               <a:t>sku.toString</a:t>
             </a:r>
             <a:r>
-              <a:rPr lang="en-US" sz="2400" dirty="0">
-                <a:solidFill>
-                  <a:srgbClr val="0000FF"/>
-                </a:solidFill>
-              </a:rPr>
+              <a:rPr lang="en-US" sz="2500" b="1" dirty="0"/>
               <a:t>, response._2)</a:t>
             </a:r>
           </a:p>
@@ -7173,11 +6771,7 @@
               <a:buNone/>
             </a:pPr>
             <a:r>
-              <a:rPr lang="en-US" sz="2400" dirty="0">
-                <a:solidFill>
-                  <a:srgbClr val="0000FF"/>
-                </a:solidFill>
-              </a:rPr>
+              <a:rPr lang="en-US" sz="2500" b="1" dirty="0"/>
               <a:t>              case _ =&gt;</a:t>
             </a:r>
           </a:p>
@@ -7186,11 +6780,7 @@
               <a:buNone/>
             </a:pPr>
             <a:r>
-              <a:rPr lang="en-US" sz="2400" dirty="0">
-                <a:solidFill>
-                  <a:srgbClr val="0000FF"/>
-                </a:solidFill>
-              </a:rPr>
+              <a:rPr lang="en-US" sz="2500" b="1" dirty="0"/>
               <a:t>          }</a:t>
             </a:r>
           </a:p>
@@ -7199,11 +6789,7 @@
               <a:buNone/>
             </a:pPr>
             <a:r>
-              <a:rPr lang="en-US" sz="2400" dirty="0">
-                <a:solidFill>
-                  <a:srgbClr val="0000FF"/>
-                </a:solidFill>
-              </a:rPr>
+              <a:rPr lang="en-US" sz="2500" b="1" dirty="0"/>
               <a:t>          case _ =&gt;</a:t>
             </a:r>
           </a:p>
@@ -7212,11 +6798,7 @@
               <a:buNone/>
             </a:pPr>
             <a:r>
-              <a:rPr lang="en-US" sz="2400" dirty="0">
-                <a:solidFill>
-                  <a:srgbClr val="0000FF"/>
-                </a:solidFill>
-              </a:rPr>
+              <a:rPr lang="en-US" sz="2500" b="1" dirty="0"/>
               <a:t>        }</a:t>
             </a:r>
           </a:p>
@@ -7225,11 +6807,7 @@
               <a:buNone/>
             </a:pPr>
             <a:r>
-              <a:rPr lang="en-US" sz="2400" dirty="0">
-                <a:solidFill>
-                  <a:srgbClr val="0000FF"/>
-                </a:solidFill>
-              </a:rPr>
+              <a:rPr lang="en-US" sz="2500" b="1" dirty="0"/>
               <a:t>        result</a:t>
             </a:r>
           </a:p>
@@ -7238,11 +6816,7 @@
               <a:buNone/>
             </a:pPr>
             <a:r>
-              <a:rPr lang="en-US" sz="2400" dirty="0">
-                <a:solidFill>
-                  <a:srgbClr val="0000FF"/>
-                </a:solidFill>
-              </a:rPr>
+              <a:rPr lang="en-US" sz="2500" b="1" dirty="0"/>
               <a:t>      }</a:t>
             </a:r>
           </a:p>
@@ -7251,27 +6825,15 @@
               <a:buNone/>
             </a:pPr>
             <a:r>
-              <a:rPr lang="en-US" sz="2400" dirty="0">
-                <a:solidFill>
-                  <a:srgbClr val="0000FF"/>
-                </a:solidFill>
-              </a:rPr>
+              <a:rPr lang="en-US" sz="2500" b="1" dirty="0"/>
               <a:t>      </a:t>
             </a:r>
             <a:r>
-              <a:rPr lang="en-US" sz="2400" dirty="0" err="1">
-                <a:solidFill>
-                  <a:srgbClr val="0000FF"/>
-                </a:solidFill>
-              </a:rPr>
+              <a:rPr lang="en-US" sz="2500" b="1" dirty="0" err="1"/>
               <a:t>f.onComplete</a:t>
             </a:r>
             <a:r>
-              <a:rPr lang="en-US" sz="2400" dirty="0">
-                <a:solidFill>
-                  <a:srgbClr val="0000FF"/>
-                </a:solidFill>
-              </a:rPr>
+              <a:rPr lang="en-US" sz="2500" b="1" dirty="0"/>
               <a:t>({case _ =&gt;</a:t>
             </a:r>
           </a:p>
@@ -7280,91 +6842,47 @@
               <a:buNone/>
             </a:pPr>
             <a:r>
-              <a:rPr lang="en-US" sz="2400" dirty="0">
-                <a:solidFill>
-                  <a:srgbClr val="0000FF"/>
-                </a:solidFill>
-              </a:rPr>
+              <a:rPr lang="en-US" sz="2500" b="1" dirty="0"/>
               <a:t>        </a:t>
             </a:r>
             <a:r>
-              <a:rPr lang="en-US" sz="2400" dirty="0" err="1">
-                <a:solidFill>
-                  <a:srgbClr val="0000FF"/>
-                </a:solidFill>
-              </a:rPr>
+              <a:rPr lang="en-US" sz="2500" b="1" dirty="0" err="1"/>
               <a:t>statsDSender</a:t>
             </a:r>
             <a:r>
-              <a:rPr lang="en-US" sz="2400" dirty="0">
-                <a:solidFill>
-                  <a:srgbClr val="0000FF"/>
-                </a:solidFill>
-              </a:rPr>
+              <a:rPr lang="en-US" sz="2500" b="1" dirty="0"/>
               <a:t> ! </a:t>
             </a:r>
             <a:r>
-              <a:rPr lang="en-US" sz="2400" dirty="0" err="1">
-                <a:solidFill>
-                  <a:srgbClr val="0000FF"/>
-                </a:solidFill>
-              </a:rPr>
+              <a:rPr lang="en-US" sz="2500" b="1" dirty="0" err="1"/>
               <a:t>SendTimer</a:t>
             </a:r>
             <a:r>
-              <a:rPr lang="en-US" sz="2400" dirty="0">
-                <a:solidFill>
-                  <a:srgbClr val="0000FF"/>
-                </a:solidFill>
-              </a:rPr>
+              <a:rPr lang="en-US" sz="2500" b="1" dirty="0"/>
               <a:t>("shared-</a:t>
             </a:r>
             <a:r>
-              <a:rPr lang="en-US" sz="2400" dirty="0" err="1">
-                <a:solidFill>
-                  <a:srgbClr val="0000FF"/>
-                </a:solidFill>
-              </a:rPr>
+              <a:rPr lang="en-US" sz="2500" b="1" dirty="0" err="1"/>
               <a:t>state.update.duration</a:t>
             </a:r>
             <a:r>
-              <a:rPr lang="en-US" sz="2400" dirty="0">
-                <a:solidFill>
-                  <a:srgbClr val="0000FF"/>
-                </a:solidFill>
-              </a:rPr>
+              <a:rPr lang="en-US" sz="2500" b="1" dirty="0"/>
               <a:t>", </a:t>
             </a:r>
             <a:r>
-              <a:rPr lang="en-US" sz="2400" dirty="0" err="1">
-                <a:solidFill>
-                  <a:srgbClr val="0000FF"/>
-                </a:solidFill>
-              </a:rPr>
+              <a:rPr lang="en-US" sz="2500" b="1" dirty="0" err="1"/>
               <a:t>System.currentTimeMillis</a:t>
             </a:r>
             <a:r>
-              <a:rPr lang="en-US" sz="2400" dirty="0">
-                <a:solidFill>
-                  <a:srgbClr val="0000FF"/>
-                </a:solidFill>
-              </a:rPr>
+              <a:rPr lang="en-US" sz="2500" b="1" dirty="0"/>
               <a:t> - </a:t>
             </a:r>
             <a:r>
-              <a:rPr lang="en-US" sz="2400" dirty="0" err="1">
-                <a:solidFill>
-                  <a:srgbClr val="0000FF"/>
-                </a:solidFill>
-              </a:rPr>
+              <a:rPr lang="en-US" sz="2500" b="1" dirty="0" err="1"/>
               <a:t>startTime</a:t>
             </a:r>
             <a:r>
-              <a:rPr lang="en-US" sz="2400" dirty="0">
-                <a:solidFill>
-                  <a:srgbClr val="0000FF"/>
-                </a:solidFill>
-              </a:rPr>
+              <a:rPr lang="en-US" sz="2500" b="1" dirty="0"/>
               <a:t>)</a:t>
             </a:r>
           </a:p>
@@ -7373,59 +6891,31 @@
               <a:buNone/>
             </a:pPr>
             <a:r>
-              <a:rPr lang="en-US" sz="2400" dirty="0">
-                <a:solidFill>
-                  <a:srgbClr val="0000FF"/>
-                </a:solidFill>
-              </a:rPr>
+              <a:rPr lang="en-US" sz="2500" b="1" dirty="0"/>
               <a:t>        </a:t>
             </a:r>
             <a:r>
-              <a:rPr lang="en-US" sz="2400" dirty="0" err="1">
-                <a:solidFill>
-                  <a:srgbClr val="0000FF"/>
-                </a:solidFill>
-              </a:rPr>
+              <a:rPr lang="en-US" sz="2500" b="1" dirty="0" err="1"/>
               <a:t>statsDSender</a:t>
             </a:r>
             <a:r>
-              <a:rPr lang="en-US" sz="2400" dirty="0">
-                <a:solidFill>
-                  <a:srgbClr val="0000FF"/>
-                </a:solidFill>
-              </a:rPr>
+              <a:rPr lang="en-US" sz="2500" b="1" dirty="0"/>
               <a:t> ! </a:t>
             </a:r>
             <a:r>
-              <a:rPr lang="en-US" sz="2400" dirty="0" err="1">
-                <a:solidFill>
-                  <a:srgbClr val="0000FF"/>
-                </a:solidFill>
-              </a:rPr>
+              <a:rPr lang="en-US" sz="2500" b="1" dirty="0" err="1"/>
               <a:t>IncrementCounter</a:t>
             </a:r>
             <a:r>
-              <a:rPr lang="en-US" sz="2400" dirty="0">
-                <a:solidFill>
-                  <a:srgbClr val="0000FF"/>
-                </a:solidFill>
-              </a:rPr>
+              <a:rPr lang="en-US" sz="2500" b="1" dirty="0"/>
               <a:t>("shared-</a:t>
             </a:r>
             <a:r>
-              <a:rPr lang="en-US" sz="2400" dirty="0" err="1">
-                <a:solidFill>
-                  <a:srgbClr val="0000FF"/>
-                </a:solidFill>
-              </a:rPr>
+              <a:rPr lang="en-US" sz="2500" b="1" dirty="0" err="1"/>
               <a:t>state.update.count</a:t>
             </a:r>
             <a:r>
-              <a:rPr lang="en-US" sz="2400" dirty="0">
-                <a:solidFill>
-                  <a:srgbClr val="0000FF"/>
-                </a:solidFill>
-              </a:rPr>
+              <a:rPr lang="en-US" sz="2500" b="1" dirty="0"/>
               <a:t>")</a:t>
             </a:r>
           </a:p>
@@ -7434,11 +6924,7 @@
               <a:buNone/>
             </a:pPr>
             <a:r>
-              <a:rPr lang="en-US" sz="2400" dirty="0">
-                <a:solidFill>
-                  <a:srgbClr val="0000FF"/>
-                </a:solidFill>
-              </a:rPr>
+              <a:rPr lang="en-US" sz="2500" b="1" dirty="0"/>
               <a:t>      })</a:t>
             </a:r>
           </a:p>
@@ -7447,11 +6933,7 @@
               <a:buNone/>
             </a:pPr>
             <a:r>
-              <a:rPr lang="en-US" sz="2400" dirty="0">
-                <a:solidFill>
-                  <a:srgbClr val="0000FF"/>
-                </a:solidFill>
-              </a:rPr>
+              <a:rPr lang="en-US" sz="2500" b="1" dirty="0"/>
               <a:t>      f</a:t>
             </a:r>
           </a:p>
@@ -7460,11 +6942,7 @@
               <a:buNone/>
             </a:pPr>
             <a:r>
-              <a:rPr lang="en-US" sz="2400" dirty="0">
-                <a:solidFill>
-                  <a:srgbClr val="0000FF"/>
-                </a:solidFill>
-              </a:rPr>
+              <a:rPr lang="en-US" sz="2500" b="1" dirty="0"/>
               <a:t>  })</a:t>
             </a:r>
           </a:p>
@@ -7473,18 +6951,9 @@
               <a:buNone/>
             </a:pPr>
             <a:r>
-              <a:rPr lang="en-US" sz="2400" dirty="0">
-                <a:solidFill>
-                  <a:srgbClr val="0000FF"/>
-                </a:solidFill>
-              </a:rPr>
+              <a:rPr lang="en-US" sz="2500" b="1" dirty="0"/>
               <a:t>}</a:t>
             </a:r>
-            <a:endParaRPr lang="en-US" sz="2400" dirty="0">
-              <a:solidFill>
-                <a:srgbClr val="0000FF"/>
-              </a:solidFill>
-            </a:endParaRPr>
           </a:p>
         </p:txBody>
       </p:sp>
@@ -7612,7 +7081,7 @@
         </p:blipFill>
         <p:spPr>
           <a:xfrm>
-            <a:off x="427268" y="6118657"/>
+            <a:off x="7932474" y="6228200"/>
             <a:ext cx="529526" cy="356061"/>
           </a:xfrm>
           <a:prstGeom prst="rect">
@@ -7632,13 +7101,13 @@
         </p:nvSpPr>
         <p:spPr>
           <a:xfrm>
-            <a:off x="0" y="1202687"/>
-            <a:ext cx="9144000" cy="5272031"/>
+            <a:off x="0" y="1202688"/>
+            <a:ext cx="9144000" cy="5655312"/>
           </a:xfrm>
         </p:spPr>
         <p:txBody>
           <a:bodyPr>
-            <a:normAutofit lnSpcReduction="10000"/>
+            <a:normAutofit/>
           </a:bodyPr>
           <a:lstStyle/>
           <a:p>
@@ -7646,7 +7115,7 @@
               <a:buNone/>
             </a:pPr>
             <a:r>
-              <a:rPr lang="en-US" sz="2400" dirty="0" smtClean="0">
+              <a:rPr lang="en-US" sz="2400" b="1" dirty="0" smtClean="0">
                 <a:solidFill>
                   <a:srgbClr val="0000FF"/>
                 </a:solidFill>
@@ -7654,7 +7123,7 @@
               <a:t>	</a:t>
             </a:r>
             <a:r>
-              <a:rPr lang="en-US" sz="2400" dirty="0" err="1" smtClean="0">
+              <a:rPr lang="en-US" sz="2400" b="1" dirty="0" err="1" smtClean="0">
                 <a:solidFill>
                   <a:srgbClr val="0000FF"/>
                 </a:solidFill>
@@ -7662,7 +7131,7 @@
               <a:t>def</a:t>
             </a:r>
             <a:r>
-              <a:rPr lang="en-US" sz="2400" dirty="0" smtClean="0">
+              <a:rPr lang="en-US" sz="2400" b="1" dirty="0" smtClean="0">
                 <a:solidFill>
                   <a:srgbClr val="0000FF"/>
                 </a:solidFill>
@@ -7670,7 +7139,7 @@
               <a:t> </a:t>
             </a:r>
             <a:r>
-              <a:rPr lang="en-US" sz="2400" dirty="0" err="1">
+              <a:rPr lang="en-US" sz="2400" b="1" dirty="0" err="1">
                 <a:solidFill>
                   <a:srgbClr val="0000FF"/>
                 </a:solidFill>
@@ -7678,7 +7147,7 @@
               <a:t>updateQuantity</a:t>
             </a:r>
             <a:r>
-              <a:rPr lang="en-US" sz="2400" dirty="0">
+              <a:rPr lang="en-US" sz="2400" b="1" dirty="0">
                 <a:solidFill>
                   <a:srgbClr val="0000FF"/>
                 </a:solidFill>
@@ -7686,7 +7155,7 @@
               <a:t>(</a:t>
             </a:r>
             <a:r>
-              <a:rPr lang="en-US" sz="2400" dirty="0" err="1">
+              <a:rPr lang="en-US" sz="2400" b="1" dirty="0" err="1">
                 <a:solidFill>
                   <a:srgbClr val="0000FF"/>
                 </a:solidFill>
@@ -7694,7 +7163,7 @@
               <a:t>quantityUpdate</a:t>
             </a:r>
             <a:r>
-              <a:rPr lang="en-US" sz="2400" dirty="0">
+              <a:rPr lang="en-US" sz="2400" b="1" dirty="0">
                 <a:solidFill>
                   <a:srgbClr val="0000FF"/>
                 </a:solidFill>
@@ -7702,7 +7171,7 @@
               <a:t>: </a:t>
             </a:r>
             <a:r>
-              <a:rPr lang="en-US" sz="2400" dirty="0" err="1">
+              <a:rPr lang="en-US" sz="2400" b="1" dirty="0" err="1">
                 <a:solidFill>
                   <a:srgbClr val="0000FF"/>
                 </a:solidFill>
@@ -7710,7 +7179,7 @@
               <a:t>Int</a:t>
             </a:r>
             <a:r>
-              <a:rPr lang="en-US" sz="2400" dirty="0">
+              <a:rPr lang="en-US" sz="2400" b="1" dirty="0">
                 <a:solidFill>
                   <a:srgbClr val="0000FF"/>
                 </a:solidFill>
@@ -7718,7 +7187,7 @@
               <a:t>): (Boolean, </a:t>
             </a:r>
             <a:r>
-              <a:rPr lang="en-US" sz="2400" dirty="0" err="1">
+              <a:rPr lang="en-US" sz="2400" b="1" dirty="0" err="1">
                 <a:solidFill>
                   <a:srgbClr val="0000FF"/>
                 </a:solidFill>
@@ -7726,7 +7195,7 @@
               <a:t>Int</a:t>
             </a:r>
             <a:r>
-              <a:rPr lang="en-US" sz="2400" dirty="0">
+              <a:rPr lang="en-US" sz="2400" b="1" dirty="0">
                 <a:solidFill>
                   <a:srgbClr val="0000FF"/>
                 </a:solidFill>
@@ -7739,7 +7208,7 @@
               <a:buNone/>
             </a:pPr>
             <a:r>
-              <a:rPr lang="en-US" sz="2400" dirty="0">
+              <a:rPr lang="en-US" sz="2400" b="1" dirty="0">
                 <a:solidFill>
                   <a:srgbClr val="0000FF"/>
                 </a:solidFill>
@@ -7747,7 +7216,7 @@
               <a:t>    </a:t>
             </a:r>
             <a:r>
-              <a:rPr lang="en-US" sz="2400" dirty="0" err="1">
+              <a:rPr lang="en-US" sz="2400" b="1" dirty="0" err="1">
                 <a:solidFill>
                   <a:srgbClr val="0000FF"/>
                 </a:solidFill>
@@ -7755,7 +7224,7 @@
               <a:t>var</a:t>
             </a:r>
             <a:r>
-              <a:rPr lang="en-US" sz="2400" dirty="0">
+              <a:rPr lang="en-US" sz="2400" b="1" dirty="0">
                 <a:solidFill>
                   <a:srgbClr val="0000FF"/>
                 </a:solidFill>
@@ -7763,7 +7232,7 @@
               <a:t> </a:t>
             </a:r>
             <a:r>
-              <a:rPr lang="en-US" sz="2400" dirty="0" err="1">
+              <a:rPr lang="en-US" sz="2400" b="1" dirty="0" err="1">
                 <a:solidFill>
                   <a:srgbClr val="0000FF"/>
                 </a:solidFill>
@@ -7771,7 +7240,7 @@
               <a:t>returnValue</a:t>
             </a:r>
             <a:r>
-              <a:rPr lang="en-US" sz="2400" dirty="0">
+              <a:rPr lang="en-US" sz="2400" b="1" dirty="0">
                 <a:solidFill>
                   <a:srgbClr val="0000FF"/>
                 </a:solidFill>
@@ -7779,7 +7248,7 @@
               <a:t>: (Boolean, </a:t>
             </a:r>
             <a:r>
-              <a:rPr lang="en-US" sz="2400" dirty="0" err="1">
+              <a:rPr lang="en-US" sz="2400" b="1" dirty="0" err="1">
                 <a:solidFill>
                   <a:srgbClr val="0000FF"/>
                 </a:solidFill>
@@ -7787,7 +7256,7 @@
               <a:t>Int</a:t>
             </a:r>
             <a:r>
-              <a:rPr lang="en-US" sz="2400" dirty="0">
+              <a:rPr lang="en-US" sz="2400" b="1" dirty="0">
                 <a:solidFill>
                   <a:srgbClr val="0000FF"/>
                 </a:solidFill>
@@ -7800,7 +7269,7 @@
               <a:buNone/>
             </a:pPr>
             <a:r>
-              <a:rPr lang="en-US" sz="2400" dirty="0">
+              <a:rPr lang="en-US" sz="2400" b="1" dirty="0">
                 <a:solidFill>
                   <a:srgbClr val="0000FF"/>
                 </a:solidFill>
@@ -7808,7 +7277,7 @@
               <a:t>    </a:t>
             </a:r>
             <a:r>
-              <a:rPr lang="en-US" sz="2400" dirty="0" err="1">
+              <a:rPr lang="en-US" sz="2400" b="1" dirty="0" err="1">
                 <a:solidFill>
                   <a:srgbClr val="0000FF"/>
                 </a:solidFill>
@@ -7816,7 +7285,7 @@
               <a:t>writeLock.lock</a:t>
             </a:r>
             <a:r>
-              <a:rPr lang="en-US" sz="2400" dirty="0">
+              <a:rPr lang="en-US" sz="2400" b="1" dirty="0">
                 <a:solidFill>
                   <a:srgbClr val="0000FF"/>
                 </a:solidFill>
@@ -7829,7 +7298,7 @@
               <a:buNone/>
             </a:pPr>
             <a:r>
-              <a:rPr lang="en-US" sz="2400" dirty="0">
+              <a:rPr lang="en-US" sz="2400" b="1" dirty="0">
                 <a:solidFill>
                   <a:srgbClr val="0000FF"/>
                 </a:solidFill>
@@ -7837,7 +7306,7 @@
               <a:t>      </a:t>
             </a:r>
             <a:r>
-              <a:rPr lang="en-US" sz="2400" dirty="0" err="1">
+              <a:rPr lang="en-US" sz="2400" b="1" dirty="0" err="1">
                 <a:solidFill>
                   <a:srgbClr val="0000FF"/>
                 </a:solidFill>
@@ -7845,7 +7314,7 @@
               <a:t>quantityUpdate</a:t>
             </a:r>
             <a:r>
-              <a:rPr lang="en-US" sz="2400" dirty="0">
+              <a:rPr lang="en-US" sz="2400" b="1" dirty="0">
                 <a:solidFill>
                   <a:srgbClr val="0000FF"/>
                 </a:solidFill>
@@ -7853,7 +7322,7 @@
               <a:t> &gt;= 0 || quantity + </a:t>
             </a:r>
             <a:r>
-              <a:rPr lang="en-US" sz="2400" dirty="0" err="1">
+              <a:rPr lang="en-US" sz="2400" b="1" dirty="0" err="1">
                 <a:solidFill>
                   <a:srgbClr val="0000FF"/>
                 </a:solidFill>
@@ -7861,7 +7330,7 @@
               <a:t>quantityUpdate</a:t>
             </a:r>
             <a:r>
-              <a:rPr lang="en-US" sz="2400" dirty="0">
+              <a:rPr lang="en-US" sz="2400" b="1" dirty="0">
                 <a:solidFill>
                   <a:srgbClr val="0000FF"/>
                 </a:solidFill>
@@ -7874,7 +7343,7 @@
               <a:buNone/>
             </a:pPr>
             <a:r>
-              <a:rPr lang="en-US" sz="2400" dirty="0">
+              <a:rPr lang="en-US" sz="2400" b="1" dirty="0">
                 <a:solidFill>
                   <a:srgbClr val="0000FF"/>
                 </a:solidFill>
@@ -7887,7 +7356,7 @@
               <a:buNone/>
             </a:pPr>
             <a:r>
-              <a:rPr lang="en-US" sz="2400" dirty="0">
+              <a:rPr lang="en-US" sz="2400" b="1" dirty="0">
                 <a:solidFill>
                   <a:srgbClr val="0000FF"/>
                 </a:solidFill>
@@ -7895,14 +7364,14 @@
               <a:t>          quantity += </a:t>
             </a:r>
             <a:r>
-              <a:rPr lang="en-US" sz="2400" dirty="0" err="1">
+              <a:rPr lang="en-US" sz="2400" b="1" dirty="0" err="1">
                 <a:solidFill>
                   <a:srgbClr val="0000FF"/>
                 </a:solidFill>
               </a:rPr>
               <a:t>quantityUpdate</a:t>
             </a:r>
-            <a:endParaRPr lang="en-US" sz="2400" dirty="0">
+            <a:endParaRPr lang="en-US" sz="2400" b="1" dirty="0">
               <a:solidFill>
                 <a:srgbClr val="0000FF"/>
               </a:solidFill>
@@ -7913,7 +7382,7 @@
               <a:buNone/>
             </a:pPr>
             <a:r>
-              <a:rPr lang="en-US" sz="2400" dirty="0">
+              <a:rPr lang="en-US" sz="2400" b="1" dirty="0">
                 <a:solidFill>
                   <a:srgbClr val="0000FF"/>
                 </a:solidFill>
@@ -7921,7 +7390,7 @@
               <a:t>          </a:t>
             </a:r>
             <a:r>
-              <a:rPr lang="en-US" sz="2400" dirty="0" err="1">
+              <a:rPr lang="en-US" sz="2400" b="1" dirty="0" err="1">
                 <a:solidFill>
                   <a:srgbClr val="0000FF"/>
                 </a:solidFill>
@@ -7929,7 +7398,7 @@
               <a:t>returnValue</a:t>
             </a:r>
             <a:r>
-              <a:rPr lang="en-US" sz="2400" dirty="0">
+              <a:rPr lang="en-US" sz="2400" b="1" dirty="0">
                 <a:solidFill>
                   <a:srgbClr val="0000FF"/>
                 </a:solidFill>
@@ -7942,7 +7411,7 @@
               <a:buNone/>
             </a:pPr>
             <a:r>
-              <a:rPr lang="en-US" sz="2400" dirty="0">
+              <a:rPr lang="en-US" sz="2400" b="1" dirty="0">
                 <a:solidFill>
                   <a:srgbClr val="0000FF"/>
                 </a:solidFill>
@@ -7955,7 +7424,7 @@
               <a:buNone/>
             </a:pPr>
             <a:r>
-              <a:rPr lang="en-US" sz="2400" dirty="0">
+              <a:rPr lang="en-US" sz="2400" b="1" dirty="0">
                 <a:solidFill>
                   <a:srgbClr val="0000FF"/>
                 </a:solidFill>
@@ -7968,7 +7437,7 @@
               <a:buNone/>
             </a:pPr>
             <a:r>
-              <a:rPr lang="en-US" sz="2400" dirty="0">
+              <a:rPr lang="en-US" sz="2400" b="1" dirty="0">
                 <a:solidFill>
                   <a:srgbClr val="0000FF"/>
                 </a:solidFill>
@@ -7976,7 +7445,7 @@
               <a:t>    </a:t>
             </a:r>
             <a:r>
-              <a:rPr lang="en-US" sz="2400" dirty="0" err="1">
+              <a:rPr lang="en-US" sz="2400" b="1" dirty="0" err="1">
                 <a:solidFill>
                   <a:srgbClr val="0000FF"/>
                 </a:solidFill>
@@ -7984,7 +7453,7 @@
               <a:t>writeLock.unlock</a:t>
             </a:r>
             <a:r>
-              <a:rPr lang="en-US" sz="2400" dirty="0">
+              <a:rPr lang="en-US" sz="2400" b="1" dirty="0">
                 <a:solidFill>
                   <a:srgbClr val="0000FF"/>
                 </a:solidFill>
@@ -7997,7 +7466,7 @@
               <a:buNone/>
             </a:pPr>
             <a:r>
-              <a:rPr lang="en-US" sz="2400" dirty="0">
+              <a:rPr lang="en-US" sz="2400" b="1" dirty="0">
                 <a:solidFill>
                   <a:srgbClr val="0000FF"/>
                 </a:solidFill>
@@ -8005,14 +7474,14 @@
               <a:t>    </a:t>
             </a:r>
             <a:r>
-              <a:rPr lang="en-US" sz="2400" dirty="0" err="1">
+              <a:rPr lang="en-US" sz="2400" b="1" dirty="0" err="1">
                 <a:solidFill>
                   <a:srgbClr val="0000FF"/>
                 </a:solidFill>
               </a:rPr>
               <a:t>returnValue</a:t>
             </a:r>
-            <a:endParaRPr lang="en-US" sz="2400" dirty="0">
+            <a:endParaRPr lang="en-US" sz="2400" b="1" dirty="0">
               <a:solidFill>
                 <a:srgbClr val="0000FF"/>
               </a:solidFill>
@@ -8023,7 +7492,7 @@
               <a:buNone/>
             </a:pPr>
             <a:r>
-              <a:rPr lang="en-US" sz="2400" dirty="0">
+              <a:rPr lang="en-US" sz="2400" b="1" dirty="0">
                 <a:solidFill>
                   <a:srgbClr val="0000FF"/>
                 </a:solidFill>
@@ -8031,7 +7500,7 @@
               <a:t>  </a:t>
             </a:r>
             <a:r>
-              <a:rPr lang="en-US" sz="2400" dirty="0" smtClean="0">
+              <a:rPr lang="en-US" sz="2400" b="1" dirty="0" smtClean="0">
                 <a:solidFill>
                   <a:srgbClr val="0000FF"/>
                 </a:solidFill>
@@ -8149,7 +7618,7 @@
         </p:blipFill>
         <p:spPr>
           <a:xfrm>
-            <a:off x="427268" y="6118657"/>
+            <a:off x="8354878" y="6269160"/>
             <a:ext cx="529526" cy="356061"/>
           </a:xfrm>
           <a:prstGeom prst="rect">
@@ -8169,8 +7638,8 @@
         </p:nvSpPr>
         <p:spPr>
           <a:xfrm>
-            <a:off x="0" y="1202687"/>
-            <a:ext cx="9144000" cy="5272031"/>
+            <a:off x="0" y="964642"/>
+            <a:ext cx="9144000" cy="5893358"/>
           </a:xfrm>
         </p:spPr>
         <p:txBody>
@@ -8179,56 +7648,78 @@
           </a:bodyPr>
           <a:lstStyle/>
           <a:p>
-            <a:r>
-              <a:rPr lang="en-US" sz="2800" dirty="0" smtClean="0"/>
+            <a:pPr marL="0" indent="0">
+              <a:buNone/>
+            </a:pPr>
+            <a:r>
+              <a:rPr lang="en-US" b="1" dirty="0" smtClean="0"/>
               <a:t>Application controller</a:t>
             </a:r>
-            <a:endParaRPr lang="en-US" sz="2800" dirty="0"/>
+            <a:endParaRPr lang="en-US" b="1" dirty="0"/>
           </a:p>
           <a:p>
             <a:pPr lvl="1"/>
             <a:r>
-              <a:rPr lang="en-US" sz="2400" dirty="0"/>
+              <a:rPr lang="en-US" sz="2900" b="1" dirty="0"/>
               <a:t>Actor </a:t>
             </a:r>
             <a:r>
-              <a:rPr lang="en-US" sz="2400" dirty="0" smtClean="0"/>
-              <a:t>system</a:t>
-            </a:r>
-          </a:p>
-          <a:p>
-            <a:pPr marL="914400" lvl="2" indent="0">
-              <a:buNone/>
-            </a:pPr>
-            <a:r>
-              <a:rPr lang="en-US" sz="2000" dirty="0" err="1"/>
+              <a:rPr lang="en-US" sz="2900" b="1" smtClean="0"/>
+              <a:t>system: </a:t>
+            </a:r>
+            <a:r>
+              <a:rPr lang="en-US" sz="2900" b="1" smtClean="0">
+                <a:solidFill>
+                  <a:srgbClr val="0000FF"/>
+                </a:solidFill>
+              </a:rPr>
               <a:t>val</a:t>
             </a:r>
             <a:r>
-              <a:rPr lang="en-US" sz="2000" dirty="0"/>
+              <a:rPr lang="en-US" sz="2900" b="1" dirty="0" smtClean="0">
+                <a:solidFill>
+                  <a:srgbClr val="0000FF"/>
+                </a:solidFill>
+              </a:rPr>
               <a:t> </a:t>
             </a:r>
             <a:r>
-              <a:rPr lang="en-US" sz="2000" dirty="0" err="1"/>
+              <a:rPr lang="en-US" sz="2900" b="1" dirty="0" err="1">
+                <a:solidFill>
+                  <a:srgbClr val="0000FF"/>
+                </a:solidFill>
+              </a:rPr>
               <a:t>akkaSystem</a:t>
             </a:r>
             <a:r>
-              <a:rPr lang="en-US" sz="2000" dirty="0"/>
+              <a:rPr lang="en-US" sz="2900" b="1" dirty="0">
+                <a:solidFill>
+                  <a:srgbClr val="0000FF"/>
+                </a:solidFill>
+              </a:rPr>
               <a:t> = </a:t>
             </a:r>
             <a:r>
-              <a:rPr lang="en-US" sz="2000" dirty="0" err="1"/>
+              <a:rPr lang="en-US" sz="2900" b="1" dirty="0" err="1">
+                <a:solidFill>
+                  <a:srgbClr val="0000FF"/>
+                </a:solidFill>
+              </a:rPr>
               <a:t>ActorSystem</a:t>
             </a:r>
             <a:r>
-              <a:rPr lang="en-US" sz="2000" dirty="0"/>
+              <a:rPr lang="en-US" sz="2900" b="1" dirty="0">
+                <a:solidFill>
+                  <a:srgbClr val="0000FF"/>
+                </a:solidFill>
+              </a:rPr>
               <a:t>("reactive-inventory")</a:t>
             </a:r>
           </a:p>
           <a:p>
             <a:pPr lvl="1"/>
             <a:r>
-              <a:rPr lang="en-US" dirty="0" smtClean="0"/>
+              <a:rPr lang="en-US" b="1" dirty="0" smtClean="0"/>
               <a:t>Initialize actors</a:t>
             </a:r>
           </a:p>
@@ -8236,8 +7727,14 @@
             <a:pPr marL="457200" lvl="1" indent="0">
               <a:buNone/>
             </a:pPr>
-            <a:r>
-              <a:rPr lang="en-US" sz="2400" dirty="0" smtClean="0">
+            <a:endParaRPr lang="en-US" dirty="0" smtClean="0"/>
+          </a:p>
+          <a:p>
+            <a:pPr marL="457200" lvl="1" indent="0">
+              <a:buNone/>
+            </a:pPr>
+            <a:r>
+              <a:rPr lang="en-US" sz="2600" b="1" dirty="0" smtClean="0">
                 <a:solidFill>
                   <a:srgbClr val="0000FF"/>
                 </a:solidFill>
@@ -8245,7 +7742,7 @@
               <a:t>for </a:t>
             </a:r>
             <a:r>
-              <a:rPr lang="en-US" sz="2400" dirty="0">
+              <a:rPr lang="en-US" sz="2600" b="1" dirty="0">
                 <a:solidFill>
                   <a:srgbClr val="0000FF"/>
                 </a:solidFill>
@@ -8253,7 +7750,7 @@
               <a:t>(</a:t>
             </a:r>
             <a:r>
-              <a:rPr lang="en-US" sz="2400" dirty="0" err="1">
+              <a:rPr lang="en-US" sz="2600" b="1" dirty="0" err="1">
                 <a:solidFill>
                   <a:srgbClr val="0000FF"/>
                 </a:solidFill>
@@ -8261,7 +7758,7 @@
               <a:t>sku</a:t>
             </a:r>
             <a:r>
-              <a:rPr lang="en-US" sz="2400" dirty="0">
+              <a:rPr lang="en-US" sz="2600" b="1" dirty="0">
                 <a:solidFill>
                   <a:srgbClr val="0000FF"/>
                 </a:solidFill>
@@ -8274,7 +7771,7 @@
               <a:buNone/>
             </a:pPr>
             <a:r>
-              <a:rPr lang="en-US" sz="2400" dirty="0">
+              <a:rPr lang="en-US" sz="2600" b="1" dirty="0">
                 <a:solidFill>
                   <a:srgbClr val="0000FF"/>
                 </a:solidFill>
@@ -8282,7 +7779,7 @@
               <a:t>    </a:t>
             </a:r>
             <a:r>
-              <a:rPr lang="en-US" sz="2400" dirty="0" err="1">
+              <a:rPr lang="en-US" sz="2600" b="1" dirty="0" err="1">
                 <a:solidFill>
                   <a:srgbClr val="0000FF"/>
                 </a:solidFill>
@@ -8290,7 +7787,7 @@
               <a:t>val</a:t>
             </a:r>
             <a:r>
-              <a:rPr lang="en-US" sz="2400" dirty="0">
+              <a:rPr lang="en-US" sz="2600" b="1" dirty="0">
                 <a:solidFill>
                   <a:srgbClr val="0000FF"/>
                 </a:solidFill>
@@ -8298,7 +7795,7 @@
               <a:t> quantity = </a:t>
             </a:r>
             <a:r>
-              <a:rPr lang="en-US" sz="2400" dirty="0" err="1">
+              <a:rPr lang="en-US" sz="2600" b="1" dirty="0" err="1">
                 <a:solidFill>
                   <a:srgbClr val="0000FF"/>
                 </a:solidFill>
@@ -8306,7 +7803,7 @@
               <a:t>r.nextInt</a:t>
             </a:r>
             <a:r>
-              <a:rPr lang="en-US" sz="2400" dirty="0">
+              <a:rPr lang="en-US" sz="2600" b="1" dirty="0">
                 <a:solidFill>
                   <a:srgbClr val="0000FF"/>
                 </a:solidFill>
@@ -8319,7 +7816,7 @@
               <a:buNone/>
             </a:pPr>
             <a:r>
-              <a:rPr lang="en-US" sz="2400" dirty="0">
+              <a:rPr lang="en-US" sz="2600" b="1" dirty="0">
                 <a:solidFill>
                   <a:srgbClr val="0000FF"/>
                 </a:solidFill>
@@ -8327,7 +7824,7 @@
               <a:t>    </a:t>
             </a:r>
             <a:r>
-              <a:rPr lang="en-US" sz="2400" dirty="0" err="1">
+              <a:rPr lang="en-US" sz="2600" b="1" dirty="0" err="1">
                 <a:solidFill>
                   <a:srgbClr val="0000FF"/>
                 </a:solidFill>
@@ -8335,7 +7832,7 @@
               <a:t>val</a:t>
             </a:r>
             <a:r>
-              <a:rPr lang="en-US" sz="2400" dirty="0">
+              <a:rPr lang="en-US" sz="2600" b="1" dirty="0">
                 <a:solidFill>
                   <a:srgbClr val="0000FF"/>
                 </a:solidFill>
@@ -8343,7 +7840,7 @@
               <a:t> </a:t>
             </a:r>
             <a:r>
-              <a:rPr lang="en-US" sz="2400" dirty="0" err="1">
+              <a:rPr lang="en-US" sz="2600" b="1" dirty="0" err="1">
                 <a:solidFill>
                   <a:srgbClr val="0000FF"/>
                 </a:solidFill>
@@ -8351,7 +7848,7 @@
               <a:t>skuString</a:t>
             </a:r>
             <a:r>
-              <a:rPr lang="en-US" sz="2400" dirty="0">
+              <a:rPr lang="en-US" sz="2600" b="1" dirty="0">
                 <a:solidFill>
                   <a:srgbClr val="0000FF"/>
                 </a:solidFill>
@@ -8359,14 +7856,14 @@
               <a:t> = </a:t>
             </a:r>
             <a:r>
-              <a:rPr lang="en-US" sz="2400" dirty="0" err="1">
+              <a:rPr lang="en-US" sz="2600" b="1" dirty="0" err="1">
                 <a:solidFill>
                   <a:srgbClr val="0000FF"/>
                 </a:solidFill>
               </a:rPr>
               <a:t>sku.toString</a:t>
             </a:r>
-            <a:endParaRPr lang="en-US" sz="2400" dirty="0">
+            <a:endParaRPr lang="en-US" sz="2600" b="1" dirty="0">
               <a:solidFill>
                 <a:srgbClr val="0000FF"/>
               </a:solidFill>
@@ -8377,7 +7874,7 @@
               <a:buNone/>
             </a:pPr>
             <a:r>
-              <a:rPr lang="en-US" sz="2400" dirty="0">
+              <a:rPr lang="en-US" sz="2600" b="1" dirty="0">
                 <a:solidFill>
                   <a:srgbClr val="0000FF"/>
                 </a:solidFill>
@@ -8385,7 +7882,7 @@
               <a:t>    </a:t>
             </a:r>
             <a:r>
-              <a:rPr lang="en-US" sz="2400" dirty="0" err="1">
+              <a:rPr lang="en-US" sz="2600" b="1" dirty="0" err="1">
                 <a:solidFill>
                   <a:srgbClr val="0000FF"/>
                 </a:solidFill>
@@ -8393,7 +7890,7 @@
               <a:t>val</a:t>
             </a:r>
             <a:r>
-              <a:rPr lang="en-US" sz="2400" dirty="0">
+              <a:rPr lang="en-US" sz="2600" b="1" dirty="0">
                 <a:solidFill>
                   <a:srgbClr val="0000FF"/>
                 </a:solidFill>
@@ -8401,7 +7898,7 @@
               <a:t> </a:t>
             </a:r>
             <a:r>
-              <a:rPr lang="en-US" sz="2400" dirty="0" err="1">
+              <a:rPr lang="en-US" sz="2600" b="1" dirty="0" err="1">
                 <a:solidFill>
                   <a:srgbClr val="0000FF"/>
                 </a:solidFill>
@@ -8409,7 +7906,7 @@
               <a:t>inventoryUpdater</a:t>
             </a:r>
             <a:r>
-              <a:rPr lang="en-US" sz="2400" dirty="0">
+              <a:rPr lang="en-US" sz="2600" b="1" dirty="0">
                 <a:solidFill>
                   <a:srgbClr val="0000FF"/>
                 </a:solidFill>
@@ -8417,7 +7914,7 @@
               <a:t> = </a:t>
             </a:r>
             <a:r>
-              <a:rPr lang="en-US" sz="2400" dirty="0" err="1">
+              <a:rPr lang="en-US" sz="2600" b="1" dirty="0" err="1">
                 <a:solidFill>
                   <a:srgbClr val="0000FF"/>
                 </a:solidFill>
@@ -8425,7 +7922,7 @@
               <a:t>akkaSystem.actorOf</a:t>
             </a:r>
             <a:r>
-              <a:rPr lang="en-US" sz="2400" dirty="0">
+              <a:rPr lang="en-US" sz="2600" b="1" dirty="0">
                 <a:solidFill>
                   <a:srgbClr val="0000FF"/>
                 </a:solidFill>
@@ -8438,7 +7935,7 @@
               <a:buNone/>
             </a:pPr>
             <a:r>
-              <a:rPr lang="en-US" sz="2400" dirty="0">
+              <a:rPr lang="en-US" sz="2600" b="1" dirty="0">
                 <a:solidFill>
                   <a:srgbClr val="0000FF"/>
                 </a:solidFill>
@@ -8446,7 +7943,7 @@
               <a:t>      Props(</a:t>
             </a:r>
             <a:r>
-              <a:rPr lang="en-US" sz="2400" dirty="0" err="1">
+              <a:rPr lang="en-US" sz="2600" b="1" dirty="0" err="1">
                 <a:solidFill>
                   <a:srgbClr val="0000FF"/>
                 </a:solidFill>
@@ -8454,7 +7951,7 @@
               <a:t>classOf</a:t>
             </a:r>
             <a:r>
-              <a:rPr lang="en-US" sz="2400" dirty="0">
+              <a:rPr lang="en-US" sz="2600" b="1" dirty="0">
                 <a:solidFill>
                   <a:srgbClr val="0000FF"/>
                 </a:solidFill>
@@ -8462,7 +7959,7 @@
               <a:t>[</a:t>
             </a:r>
             <a:r>
-              <a:rPr lang="en-US" sz="2400" dirty="0" err="1">
+              <a:rPr lang="en-US" sz="2600" b="1" dirty="0" err="1">
                 <a:solidFill>
                   <a:srgbClr val="0000FF"/>
                 </a:solidFill>
@@ -8470,7 +7967,7 @@
               <a:t>InventoryUpdater</a:t>
             </a:r>
             <a:r>
-              <a:rPr lang="en-US" sz="2400" dirty="0">
+              <a:rPr lang="en-US" sz="2600" b="1" dirty="0">
                 <a:solidFill>
                   <a:srgbClr val="0000FF"/>
                 </a:solidFill>
@@ -8478,7 +7975,7 @@
               <a:t>], </a:t>
             </a:r>
             <a:r>
-              <a:rPr lang="en-US" sz="2400" dirty="0" err="1">
+              <a:rPr lang="en-US" sz="2600" b="1" dirty="0" err="1">
                 <a:solidFill>
                   <a:srgbClr val="0000FF"/>
                 </a:solidFill>
@@ -8486,7 +7983,7 @@
               <a:t>skuString</a:t>
             </a:r>
             <a:r>
-              <a:rPr lang="en-US" sz="2400" dirty="0">
+              <a:rPr lang="en-US" sz="2600" b="1" dirty="0">
                 <a:solidFill>
                   <a:srgbClr val="0000FF"/>
                 </a:solidFill>
@@ -8494,7 +7991,7 @@
               <a:t>, quantity, </a:t>
             </a:r>
             <a:r>
-              <a:rPr lang="en-US" sz="2400" dirty="0" err="1">
+              <a:rPr lang="en-US" sz="2600" b="1" dirty="0" err="1">
                 <a:solidFill>
                   <a:srgbClr val="0000FF"/>
                 </a:solidFill>
@@ -8502,7 +7999,7 @@
               <a:t>MongoRepo</a:t>
             </a:r>
             <a:r>
-              <a:rPr lang="en-US" sz="2400" dirty="0">
+              <a:rPr lang="en-US" sz="2600" b="1" dirty="0">
                 <a:solidFill>
                   <a:srgbClr val="0000FF"/>
                 </a:solidFill>
@@ -8515,7 +8012,7 @@
               <a:buNone/>
             </a:pPr>
             <a:r>
-              <a:rPr lang="en-US" sz="2400" dirty="0">
+              <a:rPr lang="en-US" sz="2600" b="1" dirty="0">
                 <a:solidFill>
                   <a:srgbClr val="0000FF"/>
                 </a:solidFill>
@@ -8523,7 +8020,7 @@
               <a:t>    </a:t>
             </a:r>
             <a:r>
-              <a:rPr lang="en-US" sz="2400" dirty="0" err="1">
+              <a:rPr lang="en-US" sz="2600" b="1" dirty="0" err="1">
                 <a:solidFill>
                   <a:srgbClr val="0000FF"/>
                 </a:solidFill>
@@ -8531,7 +8028,7 @@
               <a:t>inventoryUpdaters.put</a:t>
             </a:r>
             <a:r>
-              <a:rPr lang="en-US" sz="2400" dirty="0">
+              <a:rPr lang="en-US" sz="2600" b="1" dirty="0">
                 <a:solidFill>
                   <a:srgbClr val="0000FF"/>
                 </a:solidFill>
@@ -8539,7 +8036,7 @@
               <a:t>(</a:t>
             </a:r>
             <a:r>
-              <a:rPr lang="en-US" sz="2400" dirty="0" err="1">
+              <a:rPr lang="en-US" sz="2600" b="1" dirty="0" err="1">
                 <a:solidFill>
                   <a:srgbClr val="0000FF"/>
                 </a:solidFill>
@@ -8547,7 +8044,7 @@
               <a:t>sku.toString</a:t>
             </a:r>
             <a:r>
-              <a:rPr lang="en-US" sz="2400" dirty="0">
+              <a:rPr lang="en-US" sz="2600" b="1" dirty="0">
                 <a:solidFill>
                   <a:srgbClr val="0000FF"/>
                 </a:solidFill>
@@ -8555,7 +8052,7 @@
               <a:t>, </a:t>
             </a:r>
             <a:r>
-              <a:rPr lang="en-US" sz="2400" dirty="0" err="1">
+              <a:rPr lang="en-US" sz="2600" b="1" dirty="0" err="1">
                 <a:solidFill>
                   <a:srgbClr val="0000FF"/>
                 </a:solidFill>
@@ -8563,7 +8060,7 @@
               <a:t>inventoryUpdater</a:t>
             </a:r>
             <a:r>
-              <a:rPr lang="en-US" sz="2400" dirty="0">
+              <a:rPr lang="en-US" sz="2600" b="1" dirty="0">
                 <a:solidFill>
                   <a:srgbClr val="0000FF"/>
                 </a:solidFill>
@@ -8576,7 +8073,7 @@
               <a:buNone/>
             </a:pPr>
             <a:r>
-              <a:rPr lang="en-US" sz="2400" dirty="0">
+              <a:rPr lang="en-US" sz="2600" b="1" dirty="0">
                 <a:solidFill>
                   <a:srgbClr val="0000FF"/>
                 </a:solidFill>
@@ -8584,7 +8081,7 @@
               <a:t>    </a:t>
             </a:r>
             <a:r>
-              <a:rPr lang="en-US" sz="2400" dirty="0" err="1">
+              <a:rPr lang="en-US" sz="2600" b="1" dirty="0" err="1">
                 <a:solidFill>
                   <a:srgbClr val="0000FF"/>
                 </a:solidFill>
@@ -8592,7 +8089,7 @@
               <a:t>val</a:t>
             </a:r>
             <a:r>
-              <a:rPr lang="en-US" sz="2400" dirty="0">
+              <a:rPr lang="en-US" sz="2600" b="1" dirty="0">
                 <a:solidFill>
                   <a:srgbClr val="0000FF"/>
                 </a:solidFill>
@@ -8600,7 +8097,7 @@
               <a:t> </a:t>
             </a:r>
             <a:r>
-              <a:rPr lang="en-US" sz="2400" dirty="0" err="1">
+              <a:rPr lang="en-US" sz="2600" b="1" dirty="0" err="1">
                 <a:solidFill>
                   <a:srgbClr val="0000FF"/>
                 </a:solidFill>
@@ -8608,7 +8105,7 @@
               <a:t>routees</a:t>
             </a:r>
             <a:r>
-              <a:rPr lang="en-US" sz="2400" dirty="0">
+              <a:rPr lang="en-US" sz="2600" b="1" dirty="0">
                 <a:solidFill>
                   <a:srgbClr val="0000FF"/>
                 </a:solidFill>
@@ -8616,7 +8113,7 @@
               <a:t>: </a:t>
             </a:r>
             <a:r>
-              <a:rPr lang="en-US" sz="2400" dirty="0" err="1">
+              <a:rPr lang="en-US" sz="2600" b="1" dirty="0" err="1">
                 <a:solidFill>
                   <a:srgbClr val="0000FF"/>
                 </a:solidFill>
@@ -8624,7 +8121,7 @@
               <a:t>Seq</a:t>
             </a:r>
             <a:r>
-              <a:rPr lang="en-US" sz="2400" dirty="0">
+              <a:rPr lang="en-US" sz="2600" b="1" dirty="0">
                 <a:solidFill>
                   <a:srgbClr val="0000FF"/>
                 </a:solidFill>
@@ -8632,7 +8129,7 @@
               <a:t>[</a:t>
             </a:r>
             <a:r>
-              <a:rPr lang="en-US" sz="2400" dirty="0" err="1">
+              <a:rPr lang="en-US" sz="2600" b="1" dirty="0" err="1">
                 <a:solidFill>
                   <a:srgbClr val="0000FF"/>
                 </a:solidFill>
@@ -8640,7 +8137,7 @@
               <a:t>ActorRef</a:t>
             </a:r>
             <a:r>
-              <a:rPr lang="en-US" sz="2400" dirty="0">
+              <a:rPr lang="en-US" sz="2600" b="1" dirty="0">
                 <a:solidFill>
                   <a:srgbClr val="0000FF"/>
                 </a:solidFill>
@@ -8653,7 +8150,7 @@
               <a:buNone/>
             </a:pPr>
             <a:r>
-              <a:rPr lang="en-US" sz="2400" dirty="0">
+              <a:rPr lang="en-US" sz="2600" b="1" dirty="0">
                 <a:solidFill>
                   <a:srgbClr val="0000FF"/>
                 </a:solidFill>
@@ -8661,7 +8158,7 @@
               <a:t>      for (</a:t>
             </a:r>
             <a:r>
-              <a:rPr lang="en-US" sz="2400" dirty="0" err="1">
+              <a:rPr lang="en-US" sz="2600" b="1" dirty="0" err="1">
                 <a:solidFill>
                   <a:srgbClr val="0000FF"/>
                 </a:solidFill>
@@ -8669,7 +8166,7 @@
               <a:t>routeeId</a:t>
             </a:r>
             <a:r>
-              <a:rPr lang="en-US" sz="2400" dirty="0">
+              <a:rPr lang="en-US" sz="2600" b="1" dirty="0">
                 <a:solidFill>
                   <a:srgbClr val="0000FF"/>
                 </a:solidFill>
@@ -8682,7 +8179,7 @@
               <a:buNone/>
             </a:pPr>
             <a:r>
-              <a:rPr lang="en-US" sz="2400" dirty="0">
+              <a:rPr lang="en-US" sz="2600" b="1" dirty="0">
                 <a:solidFill>
                   <a:srgbClr val="0000FF"/>
                 </a:solidFill>
@@ -8690,7 +8187,7 @@
               <a:t>        </a:t>
             </a:r>
             <a:r>
-              <a:rPr lang="en-US" sz="2400" dirty="0" err="1">
+              <a:rPr lang="en-US" sz="2600" b="1" dirty="0" err="1">
                 <a:solidFill>
                   <a:srgbClr val="0000FF"/>
                 </a:solidFill>
@@ -8698,7 +8195,7 @@
               <a:t>val</a:t>
             </a:r>
             <a:r>
-              <a:rPr lang="en-US" sz="2400" dirty="0">
+              <a:rPr lang="en-US" sz="2600" b="1" dirty="0">
                 <a:solidFill>
                   <a:srgbClr val="0000FF"/>
                 </a:solidFill>
@@ -8706,7 +8203,7 @@
               <a:t> </a:t>
             </a:r>
             <a:r>
-              <a:rPr lang="en-US" sz="2400" dirty="0" err="1">
+              <a:rPr lang="en-US" sz="2600" b="1" dirty="0" err="1">
                 <a:solidFill>
                   <a:srgbClr val="0000FF"/>
                 </a:solidFill>
@@ -8714,7 +8211,7 @@
               <a:t>routee</a:t>
             </a:r>
             <a:r>
-              <a:rPr lang="en-US" sz="2400" dirty="0">
+              <a:rPr lang="en-US" sz="2600" b="1" dirty="0">
                 <a:solidFill>
                   <a:srgbClr val="0000FF"/>
                 </a:solidFill>
@@ -8722,7 +8219,7 @@
               <a:t> = </a:t>
             </a:r>
             <a:r>
-              <a:rPr lang="en-US" sz="2400" dirty="0" err="1">
+              <a:rPr lang="en-US" sz="2600" b="1" dirty="0" err="1">
                 <a:solidFill>
                   <a:srgbClr val="0000FF"/>
                 </a:solidFill>
@@ -8730,7 +8227,7 @@
               <a:t>akkaSystem.actorOf</a:t>
             </a:r>
             <a:r>
-              <a:rPr lang="en-US" sz="2400" dirty="0">
+              <a:rPr lang="en-US" sz="2600" b="1" dirty="0">
                 <a:solidFill>
                   <a:srgbClr val="0000FF"/>
                 </a:solidFill>
@@ -8743,7 +8240,7 @@
               <a:buNone/>
             </a:pPr>
             <a:r>
-              <a:rPr lang="en-US" sz="2400" dirty="0">
+              <a:rPr lang="en-US" sz="2600" b="1" dirty="0">
                 <a:solidFill>
                   <a:srgbClr val="0000FF"/>
                 </a:solidFill>
@@ -8751,7 +8248,7 @@
               <a:t>          Props(</a:t>
             </a:r>
             <a:r>
-              <a:rPr lang="en-US" sz="2400" dirty="0" err="1">
+              <a:rPr lang="en-US" sz="2600" b="1" dirty="0" err="1">
                 <a:solidFill>
                   <a:srgbClr val="0000FF"/>
                 </a:solidFill>
@@ -8759,7 +8256,7 @@
               <a:t>classOf</a:t>
             </a:r>
             <a:r>
-              <a:rPr lang="en-US" sz="2400" dirty="0">
+              <a:rPr lang="en-US" sz="2600" b="1" dirty="0">
                 <a:solidFill>
                   <a:srgbClr val="0000FF"/>
                 </a:solidFill>
@@ -8767,7 +8264,7 @@
               <a:t>[</a:t>
             </a:r>
             <a:r>
-              <a:rPr lang="en-US" sz="2400" dirty="0" err="1">
+              <a:rPr lang="en-US" sz="2600" b="1" dirty="0" err="1">
                 <a:solidFill>
                   <a:srgbClr val="0000FF"/>
                 </a:solidFill>
@@ -8775,7 +8272,7 @@
               <a:t>InventoryGetter</a:t>
             </a:r>
             <a:r>
-              <a:rPr lang="en-US" sz="2400" dirty="0">
+              <a:rPr lang="en-US" sz="2600" b="1" dirty="0">
                 <a:solidFill>
                   <a:srgbClr val="0000FF"/>
                 </a:solidFill>
@@ -8783,7 +8280,7 @@
               <a:t>], </a:t>
             </a:r>
             <a:r>
-              <a:rPr lang="en-US" sz="2400" dirty="0" err="1">
+              <a:rPr lang="en-US" sz="2600" b="1" dirty="0" err="1">
                 <a:solidFill>
                   <a:srgbClr val="0000FF"/>
                 </a:solidFill>
@@ -8791,7 +8288,7 @@
               <a:t>skuString</a:t>
             </a:r>
             <a:r>
-              <a:rPr lang="en-US" sz="2400" dirty="0">
+              <a:rPr lang="en-US" sz="2600" b="1" dirty="0">
                 <a:solidFill>
                   <a:srgbClr val="0000FF"/>
                 </a:solidFill>
@@ -8804,7 +8301,7 @@
               <a:buNone/>
             </a:pPr>
             <a:r>
-              <a:rPr lang="en-US" sz="2400" dirty="0">
+              <a:rPr lang="en-US" sz="2600" b="1" dirty="0">
                 <a:solidFill>
                   <a:srgbClr val="0000FF"/>
                 </a:solidFill>
@@ -8812,7 +8309,7 @@
               <a:t>        </a:t>
             </a:r>
             <a:r>
-              <a:rPr lang="en-US" sz="2400" dirty="0" err="1">
+              <a:rPr lang="en-US" sz="2600" b="1" dirty="0" err="1">
                 <a:solidFill>
                   <a:srgbClr val="0000FF"/>
                 </a:solidFill>
@@ -8820,7 +8317,7 @@
               <a:t>inventoryUpdater</a:t>
             </a:r>
             <a:r>
-              <a:rPr lang="en-US" sz="2400" dirty="0">
+              <a:rPr lang="en-US" sz="2600" b="1" dirty="0">
                 <a:solidFill>
                   <a:srgbClr val="0000FF"/>
                 </a:solidFill>
@@ -8828,7 +8325,7 @@
               <a:t> ! </a:t>
             </a:r>
             <a:r>
-              <a:rPr lang="en-US" sz="2400" dirty="0" err="1">
+              <a:rPr lang="en-US" sz="2600" b="1" dirty="0" err="1">
                 <a:solidFill>
                   <a:srgbClr val="0000FF"/>
                 </a:solidFill>
@@ -8836,7 +8333,7 @@
               <a:t>RegisterListener</a:t>
             </a:r>
             <a:r>
-              <a:rPr lang="en-US" sz="2400" dirty="0">
+              <a:rPr lang="en-US" sz="2600" b="1" dirty="0">
                 <a:solidFill>
                   <a:srgbClr val="0000FF"/>
                 </a:solidFill>
@@ -8844,7 +8341,7 @@
               <a:t>(</a:t>
             </a:r>
             <a:r>
-              <a:rPr lang="en-US" sz="2400" dirty="0" err="1">
+              <a:rPr lang="en-US" sz="2600" b="1" dirty="0" err="1">
                 <a:solidFill>
                   <a:srgbClr val="0000FF"/>
                 </a:solidFill>
@@ -8852,7 +8349,7 @@
               <a:t>routee</a:t>
             </a:r>
             <a:r>
-              <a:rPr lang="en-US" sz="2400" dirty="0">
+              <a:rPr lang="en-US" sz="2600" b="1" dirty="0">
                 <a:solidFill>
                   <a:srgbClr val="0000FF"/>
                 </a:solidFill>
@@ -8865,7 +8362,7 @@
               <a:buNone/>
             </a:pPr>
             <a:r>
-              <a:rPr lang="en-US" sz="2400" dirty="0">
+              <a:rPr lang="en-US" sz="2600" b="1" dirty="0">
                 <a:solidFill>
                   <a:srgbClr val="0000FF"/>
                 </a:solidFill>
@@ -8873,14 +8370,14 @@
               <a:t>        </a:t>
             </a:r>
             <a:r>
-              <a:rPr lang="en-US" sz="2400" dirty="0" err="1">
+              <a:rPr lang="en-US" sz="2600" b="1" dirty="0" err="1">
                 <a:solidFill>
                   <a:srgbClr val="0000FF"/>
                 </a:solidFill>
               </a:rPr>
               <a:t>routee</a:t>
             </a:r>
-            <a:endParaRPr lang="en-US" sz="2400" dirty="0">
+            <a:endParaRPr lang="en-US" sz="2600" b="1" dirty="0">
               <a:solidFill>
                 <a:srgbClr val="0000FF"/>
               </a:solidFill>
@@ -8891,7 +8388,7 @@
               <a:buNone/>
             </a:pPr>
             <a:r>
-              <a:rPr lang="en-US" sz="2400" dirty="0">
+              <a:rPr lang="en-US" sz="2600" b="1" dirty="0">
                 <a:solidFill>
                   <a:srgbClr val="0000FF"/>
                 </a:solidFill>
@@ -8904,7 +8401,7 @@
               <a:buNone/>
             </a:pPr>
             <a:r>
-              <a:rPr lang="en-US" sz="2400" dirty="0">
+              <a:rPr lang="en-US" sz="2600" b="1" dirty="0">
                 <a:solidFill>
                   <a:srgbClr val="0000FF"/>
                 </a:solidFill>
@@ -8912,7 +8409,7 @@
               <a:t>    </a:t>
             </a:r>
             <a:r>
-              <a:rPr lang="en-US" sz="2400" dirty="0" err="1">
+              <a:rPr lang="en-US" sz="2600" b="1" dirty="0" err="1">
                 <a:solidFill>
                   <a:srgbClr val="0000FF"/>
                 </a:solidFill>
@@ -8920,7 +8417,7 @@
               <a:t>inventoryGetters.put</a:t>
             </a:r>
             <a:r>
-              <a:rPr lang="en-US" sz="2400" dirty="0">
+              <a:rPr lang="en-US" sz="2600" b="1" dirty="0">
                 <a:solidFill>
                   <a:srgbClr val="0000FF"/>
                 </a:solidFill>
@@ -8933,7 +8430,7 @@
               <a:buNone/>
             </a:pPr>
             <a:r>
-              <a:rPr lang="en-US" sz="2400" dirty="0">
+              <a:rPr lang="en-US" sz="2600" b="1" dirty="0">
                 <a:solidFill>
                   <a:srgbClr val="0000FF"/>
                 </a:solidFill>
@@ -8941,7 +8438,7 @@
               <a:t>      </a:t>
             </a:r>
             <a:r>
-              <a:rPr lang="en-US" sz="2400" dirty="0" err="1">
+              <a:rPr lang="en-US" sz="2600" b="1" dirty="0" err="1">
                 <a:solidFill>
                   <a:srgbClr val="0000FF"/>
                 </a:solidFill>
@@ -8949,7 +8446,7 @@
               <a:t>sku.toString</a:t>
             </a:r>
             <a:r>
-              <a:rPr lang="en-US" sz="2400" dirty="0">
+              <a:rPr lang="en-US" sz="2600" b="1" dirty="0" smtClean="0">
                 <a:solidFill>
                   <a:srgbClr val="0000FF"/>
                 </a:solidFill>
@@ -8962,7 +8459,7 @@
               <a:buNone/>
             </a:pPr>
             <a:r>
-              <a:rPr lang="en-US" sz="2400" dirty="0">
+              <a:rPr lang="en-US" sz="2600" b="1" dirty="0" smtClean="0">
                 <a:solidFill>
                   <a:srgbClr val="0000FF"/>
                 </a:solidFill>
@@ -8970,7 +8467,7 @@
               <a:t>      </a:t>
             </a:r>
             <a:r>
-              <a:rPr lang="en-US" sz="2400" dirty="0" err="1">
+              <a:rPr lang="en-US" sz="2600" b="1" dirty="0" err="1" smtClean="0">
                 <a:solidFill>
                   <a:srgbClr val="0000FF"/>
                 </a:solidFill>
@@ -8978,15 +8475,28 @@
               <a:t>akkaSystem.actorOf</a:t>
             </a:r>
             <a:r>
-              <a:rPr lang="en-US" sz="2400" dirty="0">
+              <a:rPr lang="en-US" sz="2600" b="1" dirty="0" smtClean="0">
                 <a:solidFill>
                   <a:srgbClr val="0000FF"/>
                 </a:solidFill>
               </a:rPr>
               <a:t>(</a:t>
             </a:r>
-            <a:r>
-              <a:rPr lang="en-US" sz="2400" dirty="0" err="1">
+          </a:p>
+          <a:p>
+            <a:pPr marL="457200" lvl="1" indent="0">
+              <a:buNone/>
+            </a:pPr>
+            <a:r>
+              <a:rPr lang="en-US" sz="2600" b="1" dirty="0" smtClean="0">
+                <a:solidFill>
+                  <a:srgbClr val="0000FF"/>
+                </a:solidFill>
+              </a:rPr>
+              <a:t>        </a:t>
+            </a:r>
+            <a:r>
+              <a:rPr lang="en-US" sz="2600" b="1" dirty="0" err="1" smtClean="0">
                 <a:solidFill>
                   <a:srgbClr val="0000FF"/>
                 </a:solidFill>
@@ -8994,7 +8504,7 @@
               <a:t>RoundRobinGroup</a:t>
             </a:r>
             <a:r>
-              <a:rPr lang="en-US" sz="2400" dirty="0">
+              <a:rPr lang="en-US" sz="2600" b="1" dirty="0" smtClean="0">
                 <a:solidFill>
                   <a:srgbClr val="0000FF"/>
                 </a:solidFill>
@@ -9002,7 +8512,7 @@
               <a:t>(</a:t>
             </a:r>
             <a:r>
-              <a:rPr lang="en-US" sz="2400" dirty="0" err="1">
+              <a:rPr lang="en-US" sz="2600" b="1" dirty="0" err="1" smtClean="0">
                 <a:solidFill>
                   <a:srgbClr val="0000FF"/>
                 </a:solidFill>
@@ -9010,7 +8520,7 @@
               <a:t>routees.map</a:t>
             </a:r>
             <a:r>
-              <a:rPr lang="en-US" sz="2400" dirty="0">
+              <a:rPr lang="en-US" sz="2600" b="1" dirty="0" smtClean="0">
                 <a:solidFill>
                   <a:srgbClr val="0000FF"/>
                 </a:solidFill>
@@ -9018,7 +8528,7 @@
               <a:t>(_.</a:t>
             </a:r>
             <a:r>
-              <a:rPr lang="en-US" sz="2400" dirty="0" err="1">
+              <a:rPr lang="en-US" sz="2600" b="1" dirty="0" err="1" smtClean="0">
                 <a:solidFill>
                   <a:srgbClr val="0000FF"/>
                 </a:solidFill>
@@ -9026,7 +8536,7 @@
               <a:t>path.toStringWithoutAddress</a:t>
             </a:r>
             <a:r>
-              <a:rPr lang="en-US" sz="2400" dirty="0">
+              <a:rPr lang="en-US" sz="2600" b="1" dirty="0" smtClean="0">
                 <a:solidFill>
                   <a:srgbClr val="0000FF"/>
                 </a:solidFill>
@@ -9034,7 +8544,7 @@
               <a:t>).</a:t>
             </a:r>
             <a:r>
-              <a:rPr lang="en-US" sz="2400" dirty="0" err="1">
+              <a:rPr lang="en-US" sz="2600" b="1" dirty="0" err="1" smtClean="0">
                 <a:solidFill>
                   <a:srgbClr val="0000FF"/>
                 </a:solidFill>
@@ -9042,12 +8552,12 @@
               <a:t>toList</a:t>
             </a:r>
             <a:r>
-              <a:rPr lang="en-US" sz="2400" dirty="0">
-                <a:solidFill>
-                  <a:srgbClr val="0000FF"/>
-                </a:solidFill>
-              </a:rPr>
-              <a:t>).props()))</a:t>
+              <a:rPr lang="en-US" sz="2600" b="1" dirty="0" smtClean="0">
+                <a:solidFill>
+                  <a:srgbClr val="0000FF"/>
+                </a:solidFill>
+              </a:rPr>
+              <a:t>).props()</a:t>
             </a:r>
           </a:p>
           <a:p>
@@ -9055,14 +8565,51 @@
               <a:buNone/>
             </a:pPr>
             <a:r>
-              <a:rPr lang="en-US" sz="2400" dirty="0">
-                <a:solidFill>
-                  <a:srgbClr val="0000FF"/>
-                </a:solidFill>
-              </a:rPr>
-              <a:t>  }</a:t>
-            </a:r>
-            <a:endParaRPr lang="en-US" dirty="0"/>
+              <a:rPr lang="en-US" sz="2600" b="1" dirty="0">
+                <a:solidFill>
+                  <a:srgbClr val="0000FF"/>
+                </a:solidFill>
+              </a:rPr>
+              <a:t> </a:t>
+            </a:r>
+            <a:r>
+              <a:rPr lang="en-US" sz="2600" b="1" dirty="0" smtClean="0">
+                <a:solidFill>
+                  <a:srgbClr val="0000FF"/>
+                </a:solidFill>
+              </a:rPr>
+              <a:t>     </a:t>
+            </a:r>
+            <a:r>
+              <a:rPr lang="en-US" sz="2600" b="1" dirty="0" smtClean="0">
+                <a:solidFill>
+                  <a:srgbClr val="0000FF"/>
+                </a:solidFill>
+              </a:rPr>
+              <a:t>))</a:t>
+            </a:r>
+          </a:p>
+          <a:p>
+            <a:pPr marL="457200" lvl="1" indent="0">
+              <a:buNone/>
+            </a:pPr>
+            <a:r>
+              <a:rPr lang="en-US" sz="2600" b="1" dirty="0" smtClean="0">
+                <a:solidFill>
+                  <a:srgbClr val="0000FF"/>
+                </a:solidFill>
+              </a:rPr>
+              <a:t>  </a:t>
+            </a:r>
+            <a:r>
+              <a:rPr lang="en-US" sz="2600" b="1" dirty="0">
+                <a:solidFill>
+                  <a:srgbClr val="0000FF"/>
+                </a:solidFill>
+              </a:rPr>
+              <a:t>}</a:t>
+            </a:r>
+            <a:endParaRPr lang="en-US" sz="3200" b="1" dirty="0"/>
           </a:p>
           <a:p>
             <a:endParaRPr lang="en-US" sz="2400" dirty="0" smtClean="0"/>
@@ -9177,7 +8724,7 @@
         </p:blipFill>
         <p:spPr>
           <a:xfrm>
-            <a:off x="427268" y="6118657"/>
+            <a:off x="7683092" y="6118656"/>
             <a:ext cx="529526" cy="356061"/>
           </a:xfrm>
           <a:prstGeom prst="rect">
@@ -9197,299 +8744,83 @@
         </p:nvSpPr>
         <p:spPr>
           <a:xfrm>
-            <a:off x="0" y="1202687"/>
-            <a:ext cx="9144000" cy="5272031"/>
+            <a:off x="0" y="964643"/>
+            <a:ext cx="9144000" cy="5893357"/>
           </a:xfrm>
         </p:spPr>
         <p:txBody>
           <a:bodyPr>
-            <a:normAutofit fontScale="77500" lnSpcReduction="20000"/>
+            <a:normAutofit/>
           </a:bodyPr>
           <a:lstStyle/>
           <a:p>
-            <a:r>
-              <a:rPr lang="en-US" sz="2800" dirty="0" smtClean="0"/>
+            <a:pPr marL="0" indent="0">
+              <a:buNone/>
+            </a:pPr>
+            <a:r>
+              <a:rPr lang="en-US" sz="2800" b="1" dirty="0" smtClean="0"/>
               <a:t>Application controller (</a:t>
             </a:r>
             <a:r>
-              <a:rPr lang="en-US" sz="2800" dirty="0" err="1" smtClean="0"/>
+              <a:rPr lang="en-US" sz="2800" b="1" dirty="0" err="1" smtClean="0"/>
               <a:t>cont</a:t>
             </a:r>
             <a:r>
-              <a:rPr lang="en-US" sz="2800" dirty="0" smtClean="0"/>
+              <a:rPr lang="en-US" sz="2800" b="1" dirty="0" smtClean="0"/>
               <a:t>)</a:t>
             </a:r>
-            <a:endParaRPr lang="en-US" sz="2800" dirty="0"/>
+            <a:endParaRPr lang="en-US" sz="2800" b="1" dirty="0"/>
           </a:p>
           <a:p>
             <a:pPr lvl="1"/>
             <a:r>
-              <a:rPr lang="en-US" dirty="0" err="1" smtClean="0"/>
+              <a:rPr lang="en-US" b="1" dirty="0" err="1" smtClean="0"/>
               <a:t>inventoryUpdater</a:t>
             </a:r>
             <a:r>
-              <a:rPr lang="en-US" dirty="0" smtClean="0"/>
+              <a:rPr lang="en-US" b="1" dirty="0" smtClean="0"/>
               <a:t> </a:t>
             </a:r>
             <a:r>
-              <a:rPr lang="en-US" dirty="0"/>
+              <a:rPr lang="en-US" b="1" dirty="0"/>
               <a:t>! </a:t>
             </a:r>
             <a:r>
-              <a:rPr lang="en-US" dirty="0" err="1"/>
+              <a:rPr lang="en-US" b="1" dirty="0" err="1"/>
               <a:t>RegisterListener</a:t>
             </a:r>
             <a:r>
-              <a:rPr lang="en-US" dirty="0"/>
+              <a:rPr lang="en-US" b="1" dirty="0"/>
               <a:t>(</a:t>
             </a:r>
             <a:r>
-              <a:rPr lang="en-US" dirty="0" err="1"/>
+              <a:rPr lang="en-US" b="1" dirty="0" err="1"/>
               <a:t>routee</a:t>
             </a:r>
             <a:r>
-              <a:rPr lang="en-US" dirty="0" smtClean="0"/>
+              <a:rPr lang="en-US" b="1" dirty="0" smtClean="0"/>
               <a:t>)</a:t>
             </a:r>
           </a:p>
           <a:p>
-            <a:pPr lvl="1"/>
-            <a:r>
-              <a:rPr lang="en-US" dirty="0" smtClean="0"/>
+            <a:pPr lvl="1">
+              <a:spcBef>
+                <a:spcPts val="0"/>
+              </a:spcBef>
+            </a:pPr>
+            <a:r>
+              <a:rPr lang="en-US" b="1" dirty="0" smtClean="0"/>
               <a:t>Handlers</a:t>
             </a:r>
           </a:p>
           <a:p>
             <a:pPr marL="457200" lvl="1" indent="0">
-              <a:buNone/>
-            </a:pPr>
-            <a:r>
-              <a:rPr lang="en-US" dirty="0">
-                <a:solidFill>
-                  <a:srgbClr val="0000FF"/>
-                </a:solidFill>
-              </a:rPr>
-              <a:t> </a:t>
-            </a:r>
-            <a:r>
-              <a:rPr lang="en-US" dirty="0" err="1">
-                <a:solidFill>
-                  <a:srgbClr val="0000FF"/>
-                </a:solidFill>
-              </a:rPr>
-              <a:t>def</a:t>
-            </a:r>
-            <a:r>
-              <a:rPr lang="en-US" dirty="0">
-                <a:solidFill>
-                  <a:srgbClr val="0000FF"/>
-                </a:solidFill>
-              </a:rPr>
-              <a:t> </a:t>
-            </a:r>
-            <a:r>
-              <a:rPr lang="en-US" dirty="0" err="1">
-                <a:solidFill>
-                  <a:srgbClr val="0000FF"/>
-                </a:solidFill>
-              </a:rPr>
-              <a:t>updateInventory</a:t>
-            </a:r>
-            <a:r>
-              <a:rPr lang="en-US" dirty="0">
-                <a:solidFill>
-                  <a:srgbClr val="0000FF"/>
-                </a:solidFill>
-              </a:rPr>
-              <a:t>(</a:t>
-            </a:r>
-            <a:r>
-              <a:rPr lang="en-US" dirty="0" err="1">
-                <a:solidFill>
-                  <a:srgbClr val="0000FF"/>
-                </a:solidFill>
-              </a:rPr>
-              <a:t>sku</a:t>
-            </a:r>
-            <a:r>
-              <a:rPr lang="en-US" dirty="0">
-                <a:solidFill>
-                  <a:srgbClr val="0000FF"/>
-                </a:solidFill>
-              </a:rPr>
-              <a:t>: String, </a:t>
-            </a:r>
-            <a:r>
-              <a:rPr lang="en-US" dirty="0" err="1">
-                <a:solidFill>
-                  <a:srgbClr val="0000FF"/>
-                </a:solidFill>
-              </a:rPr>
-              <a:t>quantityChange</a:t>
-            </a:r>
-            <a:r>
-              <a:rPr lang="en-US" dirty="0">
-                <a:solidFill>
-                  <a:srgbClr val="0000FF"/>
-                </a:solidFill>
-              </a:rPr>
-              <a:t>: </a:t>
-            </a:r>
-            <a:r>
-              <a:rPr lang="en-US" dirty="0" err="1">
-                <a:solidFill>
-                  <a:srgbClr val="0000FF"/>
-                </a:solidFill>
-              </a:rPr>
-              <a:t>Int</a:t>
-            </a:r>
-            <a:r>
-              <a:rPr lang="en-US" dirty="0">
-                <a:solidFill>
-                  <a:srgbClr val="0000FF"/>
-                </a:solidFill>
-              </a:rPr>
-              <a:t>) = </a:t>
-            </a:r>
-            <a:r>
-              <a:rPr lang="en-US" dirty="0" err="1">
-                <a:solidFill>
-                  <a:srgbClr val="0000FF"/>
-                </a:solidFill>
-              </a:rPr>
-              <a:t>Action.async</a:t>
-            </a:r>
-            <a:r>
-              <a:rPr lang="en-US" dirty="0">
-                <a:solidFill>
-                  <a:srgbClr val="0000FF"/>
-                </a:solidFill>
-              </a:rPr>
-              <a:t> ({</a:t>
-            </a:r>
-          </a:p>
-          <a:p>
-            <a:pPr marL="457200" lvl="1" indent="0">
-              <a:buNone/>
-            </a:pPr>
-            <a:r>
-              <a:rPr lang="en-US" dirty="0">
-                <a:solidFill>
-                  <a:srgbClr val="0000FF"/>
-                </a:solidFill>
-              </a:rPr>
-              <a:t>    </a:t>
-            </a:r>
-            <a:r>
-              <a:rPr lang="en-US" dirty="0" err="1">
-                <a:solidFill>
-                  <a:srgbClr val="0000FF"/>
-                </a:solidFill>
-              </a:rPr>
-              <a:t>val</a:t>
-            </a:r>
-            <a:r>
-              <a:rPr lang="en-US" dirty="0">
-                <a:solidFill>
-                  <a:srgbClr val="0000FF"/>
-                </a:solidFill>
-              </a:rPr>
-              <a:t> </a:t>
-            </a:r>
-            <a:r>
-              <a:rPr lang="en-US" dirty="0" err="1">
-                <a:solidFill>
-                  <a:srgbClr val="0000FF"/>
-                </a:solidFill>
-              </a:rPr>
-              <a:t>startTime</a:t>
-            </a:r>
-            <a:r>
-              <a:rPr lang="en-US" dirty="0">
-                <a:solidFill>
-                  <a:srgbClr val="0000FF"/>
-                </a:solidFill>
-              </a:rPr>
-              <a:t> = </a:t>
-            </a:r>
-            <a:r>
-              <a:rPr lang="en-US" dirty="0" err="1">
-                <a:solidFill>
-                  <a:srgbClr val="0000FF"/>
-                </a:solidFill>
-              </a:rPr>
-              <a:t>System.currentTimeMillis</a:t>
-            </a:r>
-            <a:r>
-              <a:rPr lang="en-US" dirty="0">
-                <a:solidFill>
-                  <a:srgbClr val="0000FF"/>
-                </a:solidFill>
-              </a:rPr>
-              <a:t>()</a:t>
-            </a:r>
-          </a:p>
-          <a:p>
-            <a:pPr marL="457200" lvl="1" indent="0">
-              <a:buNone/>
-            </a:pPr>
-            <a:r>
-              <a:rPr lang="en-US" dirty="0">
-                <a:solidFill>
-                  <a:srgbClr val="0000FF"/>
-                </a:solidFill>
-              </a:rPr>
-              <a:t>    </a:t>
-            </a:r>
-            <a:r>
-              <a:rPr lang="en-US" dirty="0" err="1">
-                <a:solidFill>
-                  <a:srgbClr val="0000FF"/>
-                </a:solidFill>
-              </a:rPr>
-              <a:t>val</a:t>
-            </a:r>
-            <a:r>
-              <a:rPr lang="en-US" dirty="0">
-                <a:solidFill>
-                  <a:srgbClr val="0000FF"/>
-                </a:solidFill>
-              </a:rPr>
-              <a:t> f = (</a:t>
-            </a:r>
-            <a:r>
-              <a:rPr lang="en-US" dirty="0" err="1">
-                <a:solidFill>
-                  <a:srgbClr val="0000FF"/>
-                </a:solidFill>
-              </a:rPr>
-              <a:t>inventoryUpdaters.getOrElse</a:t>
-            </a:r>
-            <a:r>
-              <a:rPr lang="en-US" dirty="0">
-                <a:solidFill>
-                  <a:srgbClr val="0000FF"/>
-                </a:solidFill>
-              </a:rPr>
-              <a:t>(</a:t>
-            </a:r>
-            <a:r>
-              <a:rPr lang="en-US" dirty="0" err="1">
-                <a:solidFill>
-                  <a:srgbClr val="0000FF"/>
-                </a:solidFill>
-              </a:rPr>
-              <a:t>sku,akkaSystem.deadLetters</a:t>
-            </a:r>
-            <a:r>
-              <a:rPr lang="en-US" dirty="0">
-                <a:solidFill>
-                  <a:srgbClr val="0000FF"/>
-                </a:solidFill>
-              </a:rPr>
-              <a:t>) ? </a:t>
-            </a:r>
-            <a:endParaRPr lang="en-US" dirty="0" smtClean="0">
+              <a:spcBef>
+                <a:spcPts val="0"/>
+              </a:spcBef>
+              <a:buNone/>
+            </a:pPr>
+            <a:endParaRPr lang="en-US" sz="2000" b="1" dirty="0" smtClean="0">
               <a:solidFill>
                 <a:srgbClr val="0000FF"/>
               </a:solidFill>
@@ -9497,10 +8828,21 @@
           </a:p>
           <a:p>
             <a:pPr marL="457200" lvl="1" indent="0">
-              <a:buNone/>
-            </a:pPr>
-            <a:r>
-              <a:rPr lang="en-US" dirty="0">
+              <a:spcBef>
+                <a:spcPts val="0"/>
+              </a:spcBef>
+              <a:buNone/>
+            </a:pPr>
+            <a:r>
+              <a:rPr lang="en-US" sz="2000" b="1" dirty="0" err="1" smtClean="0">
+                <a:solidFill>
+                  <a:srgbClr val="0000FF"/>
+                </a:solidFill>
+              </a:rPr>
+              <a:t>def</a:t>
+            </a:r>
+            <a:r>
+              <a:rPr lang="en-US" sz="2000" b="1" dirty="0" smtClean="0">
                 <a:solidFill>
                   <a:srgbClr val="0000FF"/>
                 </a:solidFill>
@@ -9508,15 +8850,231 @@
               <a:t> </a:t>
             </a:r>
             <a:r>
-              <a:rPr lang="en-US" dirty="0" smtClean="0">
-                <a:solidFill>
-                  <a:srgbClr val="0000FF"/>
-                </a:solidFill>
-              </a:rPr>
-              <a:t>     </a:t>
-            </a:r>
-            <a:r>
-              <a:rPr lang="en-US" dirty="0" err="1" smtClean="0">
+              <a:rPr lang="en-US" sz="2000" b="1" dirty="0" err="1">
+                <a:solidFill>
+                  <a:srgbClr val="0000FF"/>
+                </a:solidFill>
+              </a:rPr>
+              <a:t>updateInventory</a:t>
+            </a:r>
+            <a:r>
+              <a:rPr lang="en-US" sz="2000" b="1" dirty="0">
+                <a:solidFill>
+                  <a:srgbClr val="0000FF"/>
+                </a:solidFill>
+              </a:rPr>
+              <a:t>(</a:t>
+            </a:r>
+            <a:r>
+              <a:rPr lang="en-US" sz="2000" b="1" dirty="0" err="1">
+                <a:solidFill>
+                  <a:srgbClr val="0000FF"/>
+                </a:solidFill>
+              </a:rPr>
+              <a:t>sku</a:t>
+            </a:r>
+            <a:r>
+              <a:rPr lang="en-US" sz="2000" b="1" dirty="0">
+                <a:solidFill>
+                  <a:srgbClr val="0000FF"/>
+                </a:solidFill>
+              </a:rPr>
+              <a:t>: String, </a:t>
+            </a:r>
+            <a:r>
+              <a:rPr lang="en-US" sz="2000" b="1" dirty="0" err="1">
+                <a:solidFill>
+                  <a:srgbClr val="0000FF"/>
+                </a:solidFill>
+              </a:rPr>
+              <a:t>quantityChange</a:t>
+            </a:r>
+            <a:r>
+              <a:rPr lang="en-US" sz="2000" b="1" dirty="0">
+                <a:solidFill>
+                  <a:srgbClr val="0000FF"/>
+                </a:solidFill>
+              </a:rPr>
+              <a:t>: </a:t>
+            </a:r>
+            <a:r>
+              <a:rPr lang="en-US" sz="2000" b="1" dirty="0" err="1">
+                <a:solidFill>
+                  <a:srgbClr val="0000FF"/>
+                </a:solidFill>
+              </a:rPr>
+              <a:t>Int</a:t>
+            </a:r>
+            <a:r>
+              <a:rPr lang="en-US" sz="2000" b="1" dirty="0">
+                <a:solidFill>
+                  <a:srgbClr val="0000FF"/>
+                </a:solidFill>
+              </a:rPr>
+              <a:t>) = </a:t>
+            </a:r>
+            <a:r>
+              <a:rPr lang="en-US" sz="2000" b="1" dirty="0" err="1">
+                <a:solidFill>
+                  <a:srgbClr val="0000FF"/>
+                </a:solidFill>
+              </a:rPr>
+              <a:t>Action.async</a:t>
+            </a:r>
+            <a:r>
+              <a:rPr lang="en-US" sz="2000" b="1" dirty="0">
+                <a:solidFill>
+                  <a:srgbClr val="0000FF"/>
+                </a:solidFill>
+              </a:rPr>
+              <a:t> ({</a:t>
+            </a:r>
+          </a:p>
+          <a:p>
+            <a:pPr marL="457200" lvl="1" indent="0">
+              <a:lnSpc>
+                <a:spcPct val="90000"/>
+              </a:lnSpc>
+              <a:buNone/>
+            </a:pPr>
+            <a:r>
+              <a:rPr lang="en-US" sz="2000" b="1" dirty="0">
+                <a:solidFill>
+                  <a:srgbClr val="0000FF"/>
+                </a:solidFill>
+              </a:rPr>
+              <a:t>    </a:t>
+            </a:r>
+            <a:r>
+              <a:rPr lang="en-US" sz="2000" b="1" dirty="0" err="1">
+                <a:solidFill>
+                  <a:srgbClr val="0000FF"/>
+                </a:solidFill>
+              </a:rPr>
+              <a:t>val</a:t>
+            </a:r>
+            <a:r>
+              <a:rPr lang="en-US" sz="2000" b="1" dirty="0">
+                <a:solidFill>
+                  <a:srgbClr val="0000FF"/>
+                </a:solidFill>
+              </a:rPr>
+              <a:t> </a:t>
+            </a:r>
+            <a:r>
+              <a:rPr lang="en-US" sz="2000" b="1" dirty="0" err="1">
+                <a:solidFill>
+                  <a:srgbClr val="0000FF"/>
+                </a:solidFill>
+              </a:rPr>
+              <a:t>startTime</a:t>
+            </a:r>
+            <a:r>
+              <a:rPr lang="en-US" sz="2000" b="1" dirty="0">
+                <a:solidFill>
+                  <a:srgbClr val="0000FF"/>
+                </a:solidFill>
+              </a:rPr>
+              <a:t> = </a:t>
+            </a:r>
+            <a:r>
+              <a:rPr lang="en-US" sz="2000" b="1" dirty="0" err="1">
+                <a:solidFill>
+                  <a:srgbClr val="0000FF"/>
+                </a:solidFill>
+              </a:rPr>
+              <a:t>System.currentTimeMillis</a:t>
+            </a:r>
+            <a:r>
+              <a:rPr lang="en-US" sz="2000" b="1" dirty="0">
+                <a:solidFill>
+                  <a:srgbClr val="0000FF"/>
+                </a:solidFill>
+              </a:rPr>
+              <a:t>()</a:t>
+            </a:r>
+          </a:p>
+          <a:p>
+            <a:pPr marL="457200" lvl="1" indent="0">
+              <a:lnSpc>
+                <a:spcPct val="90000"/>
+              </a:lnSpc>
+              <a:buNone/>
+            </a:pPr>
+            <a:r>
+              <a:rPr lang="en-US" sz="2000" b="1" dirty="0">
+                <a:solidFill>
+                  <a:srgbClr val="0000FF"/>
+                </a:solidFill>
+              </a:rPr>
+              <a:t>    </a:t>
+            </a:r>
+            <a:r>
+              <a:rPr lang="en-US" sz="2000" b="1" dirty="0" err="1">
+                <a:solidFill>
+                  <a:srgbClr val="0000FF"/>
+                </a:solidFill>
+              </a:rPr>
+              <a:t>val</a:t>
+            </a:r>
+            <a:r>
+              <a:rPr lang="en-US" sz="2000" b="1" dirty="0">
+                <a:solidFill>
+                  <a:srgbClr val="0000FF"/>
+                </a:solidFill>
+              </a:rPr>
+              <a:t> f = (</a:t>
+            </a:r>
+            <a:r>
+              <a:rPr lang="en-US" sz="2000" b="1" dirty="0" err="1">
+                <a:solidFill>
+                  <a:srgbClr val="0000FF"/>
+                </a:solidFill>
+              </a:rPr>
+              <a:t>inventoryUpdaters.getOrElse</a:t>
+            </a:r>
+            <a:r>
+              <a:rPr lang="en-US" sz="2000" b="1" dirty="0">
+                <a:solidFill>
+                  <a:srgbClr val="0000FF"/>
+                </a:solidFill>
+              </a:rPr>
+              <a:t>(</a:t>
+            </a:r>
+            <a:r>
+              <a:rPr lang="en-US" sz="2000" b="1" dirty="0" err="1">
+                <a:solidFill>
+                  <a:srgbClr val="0000FF"/>
+                </a:solidFill>
+              </a:rPr>
+              <a:t>sku,akkaSystem.deadLetters</a:t>
+            </a:r>
+            <a:r>
+              <a:rPr lang="en-US" sz="2000" b="1" dirty="0">
+                <a:solidFill>
+                  <a:srgbClr val="0000FF"/>
+                </a:solidFill>
+              </a:rPr>
+              <a:t>) ? </a:t>
+            </a:r>
+          </a:p>
+          <a:p>
+            <a:pPr marL="457200" lvl="1" indent="0">
+              <a:lnSpc>
+                <a:spcPct val="90000"/>
+              </a:lnSpc>
+              <a:buNone/>
+            </a:pPr>
+            <a:r>
+              <a:rPr lang="en-US" sz="2000" b="1" dirty="0">
+                <a:solidFill>
+                  <a:srgbClr val="0000FF"/>
+                </a:solidFill>
+              </a:rPr>
+              <a:t>      </a:t>
+            </a:r>
+            <a:r>
+              <a:rPr lang="en-US" sz="2000" b="1" dirty="0" err="1">
                 <a:solidFill>
                   <a:srgbClr val="0000FF"/>
                 </a:solidFill>
@@ -9524,7 +9082,7 @@
               <a:t>UpdateInventory</a:t>
             </a:r>
             <a:r>
-              <a:rPr lang="en-US" dirty="0">
+              <a:rPr lang="en-US" sz="2000" b="1" dirty="0">
                 <a:solidFill>
                   <a:srgbClr val="0000FF"/>
                 </a:solidFill>
@@ -9532,7 +9090,7 @@
               <a:t>(</a:t>
             </a:r>
             <a:r>
-              <a:rPr lang="en-US" dirty="0" err="1">
+              <a:rPr lang="en-US" sz="2000" b="1" dirty="0" err="1">
                 <a:solidFill>
                   <a:srgbClr val="0000FF"/>
                 </a:solidFill>
@@ -9540,7 +9098,7 @@
               <a:t>quantityChange</a:t>
             </a:r>
             <a:r>
-              <a:rPr lang="en-US" dirty="0">
+              <a:rPr lang="en-US" sz="2000" b="1" dirty="0">
                 <a:solidFill>
                   <a:srgbClr val="0000FF"/>
                 </a:solidFill>
@@ -9548,7 +9106,7 @@
               <a:t>)).</a:t>
             </a:r>
             <a:r>
-              <a:rPr lang="en-US" dirty="0" err="1">
+              <a:rPr lang="en-US" sz="2000" b="1" dirty="0" err="1">
                 <a:solidFill>
                   <a:srgbClr val="0000FF"/>
                 </a:solidFill>
@@ -9556,7 +9114,7 @@
               <a:t>mapTo</a:t>
             </a:r>
             <a:r>
-              <a:rPr lang="en-US" dirty="0">
+              <a:rPr lang="en-US" sz="2000" b="1" dirty="0">
                 <a:solidFill>
                   <a:srgbClr val="0000FF"/>
                 </a:solidFill>
@@ -9566,10 +9124,13 @@
           </a:p>
           <a:p>
             <a:pPr marL="457200" lvl="1" indent="0">
-              <a:buNone/>
-            </a:pPr>
-            <a:r>
-              <a:rPr lang="en-US" dirty="0">
+              <a:lnSpc>
+                <a:spcPct val="90000"/>
+              </a:lnSpc>
+              <a:buNone/>
+            </a:pPr>
+            <a:r>
+              <a:rPr lang="en-US" sz="2000" b="1" dirty="0">
                 <a:solidFill>
                   <a:srgbClr val="0000FF"/>
                 </a:solidFill>
@@ -9577,7 +9138,7 @@
               <a:t>    </a:t>
             </a:r>
             <a:r>
-              <a:rPr lang="en-US" dirty="0" err="1">
+              <a:rPr lang="en-US" sz="2000" b="1" dirty="0" err="1">
                 <a:solidFill>
                   <a:srgbClr val="0000FF"/>
                 </a:solidFill>
@@ -9585,7 +9146,7 @@
               <a:t>f.onComplete</a:t>
             </a:r>
             <a:r>
-              <a:rPr lang="en-US" dirty="0">
+              <a:rPr lang="en-US" sz="2000" b="1" dirty="0">
                 <a:solidFill>
                   <a:srgbClr val="0000FF"/>
                 </a:solidFill>
@@ -9595,10 +9156,13 @@
           </a:p>
           <a:p>
             <a:pPr marL="457200" lvl="1" indent="0">
-              <a:buNone/>
-            </a:pPr>
-            <a:r>
-              <a:rPr lang="en-US" dirty="0">
+              <a:lnSpc>
+                <a:spcPct val="90000"/>
+              </a:lnSpc>
+              <a:buNone/>
+            </a:pPr>
+            <a:r>
+              <a:rPr lang="en-US" sz="2000" b="1" dirty="0">
                 <a:solidFill>
                   <a:srgbClr val="0000FF"/>
                 </a:solidFill>
@@ -9606,7 +9170,7 @@
               <a:t>      </a:t>
             </a:r>
             <a:r>
-              <a:rPr lang="en-US" dirty="0" err="1">
+              <a:rPr lang="en-US" sz="2000" b="1" dirty="0" err="1">
                 <a:solidFill>
                   <a:srgbClr val="0000FF"/>
                 </a:solidFill>
@@ -9614,7 +9178,7 @@
               <a:t>statsDSender</a:t>
             </a:r>
             <a:r>
-              <a:rPr lang="en-US" dirty="0">
+              <a:rPr lang="en-US" sz="2000" b="1" dirty="0">
                 <a:solidFill>
                   <a:srgbClr val="0000FF"/>
                 </a:solidFill>
@@ -9622,7 +9186,7 @@
               <a:t> ! </a:t>
             </a:r>
             <a:r>
-              <a:rPr lang="en-US" dirty="0" err="1">
+              <a:rPr lang="en-US" sz="2000" b="1" dirty="0" err="1">
                 <a:solidFill>
                   <a:srgbClr val="0000FF"/>
                 </a:solidFill>
@@ -9630,7 +9194,7 @@
               <a:t>SendTimer</a:t>
             </a:r>
             <a:r>
-              <a:rPr lang="en-US" dirty="0">
+              <a:rPr lang="en-US" sz="2000" b="1" dirty="0">
                 <a:solidFill>
                   <a:srgbClr val="0000FF"/>
                 </a:solidFill>
@@ -9638,7 +9202,7 @@
               <a:t>("</a:t>
             </a:r>
             <a:r>
-              <a:rPr lang="en-US" dirty="0" err="1">
+              <a:rPr lang="en-US" sz="2000" b="1" dirty="0" err="1">
                 <a:solidFill>
                   <a:srgbClr val="0000FF"/>
                 </a:solidFill>
@@ -9646,44 +9210,31 @@
               <a:t>reactive.update.duration</a:t>
             </a:r>
             <a:r>
-              <a:rPr lang="en-US" dirty="0">
-                <a:solidFill>
-                  <a:srgbClr val="0000FF"/>
-                </a:solidFill>
-              </a:rPr>
-              <a:t>", </a:t>
-            </a:r>
-            <a:r>
-              <a:rPr lang="en-US" dirty="0" smtClean="0">
-                <a:solidFill>
-                  <a:srgbClr val="0000FF"/>
-                </a:solidFill>
-              </a:rPr>
-              <a:t>    </a:t>
+              <a:rPr lang="en-US" sz="2000" b="1" dirty="0">
+                <a:solidFill>
+                  <a:srgbClr val="0000FF"/>
+                </a:solidFill>
+              </a:rPr>
+              <a:t>",     </a:t>
             </a:r>
           </a:p>
           <a:p>
             <a:pPr marL="457200" lvl="1" indent="0">
-              <a:buNone/>
-            </a:pPr>
-            <a:r>
-              <a:rPr lang="en-US" dirty="0">
-                <a:solidFill>
-                  <a:srgbClr val="0000FF"/>
-                </a:solidFill>
-              </a:rPr>
-              <a:t> </a:t>
-            </a:r>
-            <a:r>
-              <a:rPr lang="en-US" dirty="0" smtClean="0">
-                <a:solidFill>
-                  <a:srgbClr val="0000FF"/>
-                </a:solidFill>
-              </a:rPr>
-              <a:t>       </a:t>
-            </a:r>
-            <a:r>
-              <a:rPr lang="en-US" dirty="0" err="1" smtClean="0">
+              <a:lnSpc>
+                <a:spcPct val="90000"/>
+              </a:lnSpc>
+              <a:buNone/>
+            </a:pPr>
+            <a:r>
+              <a:rPr lang="en-US" sz="2000" b="1" dirty="0">
+                <a:solidFill>
+                  <a:srgbClr val="0000FF"/>
+                </a:solidFill>
+              </a:rPr>
+              <a:t>        </a:t>
+            </a:r>
+            <a:r>
+              <a:rPr lang="en-US" sz="2000" b="1" dirty="0" err="1">
                 <a:solidFill>
                   <a:srgbClr val="0000FF"/>
                 </a:solidFill>
@@ -9691,23 +9242,15 @@
               <a:t>System.currentTimeMillis</a:t>
             </a:r>
             <a:r>
-              <a:rPr lang="en-US" dirty="0" smtClean="0">
-                <a:solidFill>
-                  <a:srgbClr val="0000FF"/>
-                </a:solidFill>
-              </a:rPr>
-              <a:t> </a:t>
-            </a:r>
-            <a:r>
-              <a:rPr lang="en-US" dirty="0">
-                <a:solidFill>
-                  <a:srgbClr val="0000FF"/>
-                </a:solidFill>
-              </a:rPr>
-              <a:t>- </a:t>
-            </a:r>
-            <a:r>
-              <a:rPr lang="en-US" dirty="0" err="1">
+              <a:rPr lang="en-US" sz="2000" b="1" dirty="0">
+                <a:solidFill>
+                  <a:srgbClr val="0000FF"/>
+                </a:solidFill>
+              </a:rPr>
+              <a:t> - </a:t>
+            </a:r>
+            <a:r>
+              <a:rPr lang="en-US" sz="2000" b="1" dirty="0" err="1">
                 <a:solidFill>
                   <a:srgbClr val="0000FF"/>
                 </a:solidFill>
@@ -9715,7 +9258,7 @@
               <a:t>startTime</a:t>
             </a:r>
             <a:r>
-              <a:rPr lang="en-US" dirty="0">
+              <a:rPr lang="en-US" sz="2000" b="1" dirty="0">
                 <a:solidFill>
                   <a:srgbClr val="0000FF"/>
                 </a:solidFill>
@@ -9725,10 +9268,13 @@
           </a:p>
           <a:p>
             <a:pPr marL="457200" lvl="1" indent="0">
-              <a:buNone/>
-            </a:pPr>
-            <a:r>
-              <a:rPr lang="en-US" dirty="0">
+              <a:lnSpc>
+                <a:spcPct val="90000"/>
+              </a:lnSpc>
+              <a:buNone/>
+            </a:pPr>
+            <a:r>
+              <a:rPr lang="en-US" sz="2000" b="1" dirty="0">
                 <a:solidFill>
                   <a:srgbClr val="0000FF"/>
                 </a:solidFill>
@@ -9736,7 +9282,7 @@
               <a:t>      </a:t>
             </a:r>
             <a:r>
-              <a:rPr lang="en-US" dirty="0" err="1">
+              <a:rPr lang="en-US" sz="2000" b="1" dirty="0" err="1">
                 <a:solidFill>
                   <a:srgbClr val="0000FF"/>
                 </a:solidFill>
@@ -9744,7 +9290,7 @@
               <a:t>statsDSender</a:t>
             </a:r>
             <a:r>
-              <a:rPr lang="en-US" dirty="0">
+              <a:rPr lang="en-US" sz="2000" b="1" dirty="0">
                 <a:solidFill>
                   <a:srgbClr val="0000FF"/>
                 </a:solidFill>
@@ -9752,7 +9298,7 @@
               <a:t> ! </a:t>
             </a:r>
             <a:r>
-              <a:rPr lang="en-US" dirty="0" err="1">
+              <a:rPr lang="en-US" sz="2000" b="1" dirty="0" err="1">
                 <a:solidFill>
                   <a:srgbClr val="0000FF"/>
                 </a:solidFill>
@@ -9760,7 +9306,7 @@
               <a:t>IncrementCounter</a:t>
             </a:r>
             <a:r>
-              <a:rPr lang="en-US" dirty="0">
+              <a:rPr lang="en-US" sz="2000" b="1" dirty="0">
                 <a:solidFill>
                   <a:srgbClr val="0000FF"/>
                 </a:solidFill>
@@ -9768,7 +9314,7 @@
               <a:t>("</a:t>
             </a:r>
             <a:r>
-              <a:rPr lang="en-US" dirty="0" err="1">
+              <a:rPr lang="en-US" sz="2000" b="1" dirty="0" err="1">
                 <a:solidFill>
                   <a:srgbClr val="0000FF"/>
                 </a:solidFill>
@@ -9776,7 +9322,7 @@
               <a:t>reactive.update.count</a:t>
             </a:r>
             <a:r>
-              <a:rPr lang="en-US" dirty="0">
+              <a:rPr lang="en-US" sz="2000" b="1" dirty="0">
                 <a:solidFill>
                   <a:srgbClr val="0000FF"/>
                 </a:solidFill>
@@ -9786,10 +9332,13 @@
           </a:p>
           <a:p>
             <a:pPr marL="457200" lvl="1" indent="0">
-              <a:buNone/>
-            </a:pPr>
-            <a:r>
-              <a:rPr lang="en-US" dirty="0">
+              <a:lnSpc>
+                <a:spcPct val="90000"/>
+              </a:lnSpc>
+              <a:buNone/>
+            </a:pPr>
+            <a:r>
+              <a:rPr lang="en-US" sz="2000" b="1" dirty="0">
                 <a:solidFill>
                   <a:srgbClr val="0000FF"/>
                 </a:solidFill>
@@ -9799,10 +9348,13 @@
           </a:p>
           <a:p>
             <a:pPr marL="457200" lvl="1" indent="0">
-              <a:buNone/>
-            </a:pPr>
-            <a:r>
-              <a:rPr lang="en-US" dirty="0">
+              <a:lnSpc>
+                <a:spcPct val="90000"/>
+              </a:lnSpc>
+              <a:buNone/>
+            </a:pPr>
+            <a:r>
+              <a:rPr lang="en-US" sz="2000" b="1" dirty="0">
                 <a:solidFill>
                   <a:srgbClr val="0000FF"/>
                 </a:solidFill>
@@ -9812,21 +9364,19 @@
           </a:p>
           <a:p>
             <a:pPr marL="457200" lvl="1" indent="0">
-              <a:buNone/>
-            </a:pPr>
-            <a:r>
-              <a:rPr lang="en-US" dirty="0">
+              <a:lnSpc>
+                <a:spcPct val="90000"/>
+              </a:lnSpc>
+              <a:buNone/>
+            </a:pPr>
+            <a:r>
+              <a:rPr lang="en-US" sz="2000" b="1" dirty="0">
                 <a:solidFill>
                   <a:srgbClr val="0000FF"/>
                 </a:solidFill>
               </a:rPr>
               <a:t>  })</a:t>
             </a:r>
-            <a:endParaRPr lang="en-US" dirty="0">
-              <a:solidFill>
-                <a:srgbClr val="0000FF"/>
-              </a:solidFill>
-            </a:endParaRPr>
           </a:p>
           <a:p>
             <a:pPr marL="914400" lvl="2" indent="0">
@@ -9947,7 +9497,7 @@
         </p:blipFill>
         <p:spPr>
           <a:xfrm>
-            <a:off x="427268" y="6118657"/>
+            <a:off x="7849101" y="6287477"/>
             <a:ext cx="529526" cy="356061"/>
           </a:xfrm>
           <a:prstGeom prst="rect">
@@ -9967,119 +9517,45 @@
         </p:nvSpPr>
         <p:spPr>
           <a:xfrm>
-            <a:off x="0" y="1202687"/>
-            <a:ext cx="9144000" cy="5272031"/>
+            <a:off x="0" y="964643"/>
+            <a:ext cx="9144000" cy="5893357"/>
           </a:xfrm>
         </p:spPr>
         <p:txBody>
           <a:bodyPr>
-            <a:normAutofit fontScale="47500" lnSpcReduction="20000"/>
+            <a:normAutofit fontScale="25000" lnSpcReduction="20000"/>
           </a:bodyPr>
           <a:lstStyle/>
           <a:p>
-            <a:r>
-              <a:rPr lang="en-US" dirty="0" err="1" smtClean="0"/>
+            <a:pPr lvl="1"/>
+            <a:r>
+              <a:rPr lang="en-US" sz="6400" b="1" dirty="0" err="1"/>
               <a:t>EventSource</a:t>
             </a:r>
             <a:r>
-              <a:rPr lang="en-US" dirty="0" smtClean="0"/>
+              <a:rPr lang="en-US" sz="6400" b="1" dirty="0"/>
               <a:t> </a:t>
             </a:r>
           </a:p>
           <a:p>
-            <a:r>
-              <a:rPr lang="en-US" dirty="0" err="1" smtClean="0"/>
+            <a:pPr lvl="1"/>
+            <a:r>
+              <a:rPr lang="en-US" sz="6400" b="1" dirty="0" err="1"/>
               <a:t>InventoryUpdater</a:t>
             </a:r>
-            <a:endParaRPr lang="en-US" dirty="0" smtClean="0"/>
+            <a:endParaRPr lang="en-US" sz="6400" b="1" dirty="0"/>
+          </a:p>
+          <a:p>
+            <a:pPr marL="0" indent="0">
+              <a:buNone/>
+            </a:pPr>
+            <a:endParaRPr lang="en-US" b="1" dirty="0" smtClean="0"/>
           </a:p>
           <a:p>
             <a:pPr marL="457200" lvl="1" indent="0">
               <a:buNone/>
             </a:pPr>
-            <a:r>
-              <a:rPr lang="en-US" sz="2400" dirty="0">
-                <a:solidFill>
-                  <a:srgbClr val="0000FF"/>
-                </a:solidFill>
-              </a:rPr>
-              <a:t>object </a:t>
-            </a:r>
-            <a:r>
-              <a:rPr lang="en-US" sz="2400" dirty="0" err="1">
-                <a:solidFill>
-                  <a:srgbClr val="0000FF"/>
-                </a:solidFill>
-              </a:rPr>
-              <a:t>InventoryUpdater</a:t>
-            </a:r>
-            <a:r>
-              <a:rPr lang="en-US" sz="2400" dirty="0">
-                <a:solidFill>
-                  <a:srgbClr val="0000FF"/>
-                </a:solidFill>
-              </a:rPr>
-              <a:t> {</a:t>
-            </a:r>
-          </a:p>
-          <a:p>
-            <a:pPr marL="457200" lvl="1" indent="0">
-              <a:buNone/>
-            </a:pPr>
-            <a:r>
-              <a:rPr lang="en-US" sz="2400" dirty="0">
-                <a:solidFill>
-                  <a:srgbClr val="0000FF"/>
-                </a:solidFill>
-              </a:rPr>
-              <a:t>  case class </a:t>
-            </a:r>
-            <a:r>
-              <a:rPr lang="en-US" sz="2400" dirty="0" err="1">
-                <a:solidFill>
-                  <a:srgbClr val="0000FF"/>
-                </a:solidFill>
-              </a:rPr>
-              <a:t>UpdateInventory</a:t>
-            </a:r>
-            <a:r>
-              <a:rPr lang="en-US" sz="2400" dirty="0">
-                <a:solidFill>
-                  <a:srgbClr val="0000FF"/>
-                </a:solidFill>
-              </a:rPr>
-              <a:t>(quantity: </a:t>
-            </a:r>
-            <a:r>
-              <a:rPr lang="en-US" sz="2400" dirty="0" err="1">
-                <a:solidFill>
-                  <a:srgbClr val="0000FF"/>
-                </a:solidFill>
-              </a:rPr>
-              <a:t>Int</a:t>
-            </a:r>
-            <a:r>
-              <a:rPr lang="en-US" sz="2400" dirty="0">
-                <a:solidFill>
-                  <a:srgbClr val="0000FF"/>
-                </a:solidFill>
-              </a:rPr>
-              <a:t>)</a:t>
-            </a:r>
-          </a:p>
-          <a:p>
-            <a:pPr marL="457200" lvl="1" indent="0">
-              <a:buNone/>
-            </a:pPr>
-            <a:r>
-              <a:rPr lang="en-US" sz="2400" dirty="0" smtClean="0">
-                <a:solidFill>
-                  <a:srgbClr val="0000FF"/>
-                </a:solidFill>
-              </a:rPr>
-              <a:t>}</a:t>
-            </a:r>
-            <a:endParaRPr lang="en-US" sz="2400" dirty="0">
+            <a:endParaRPr lang="en-US" sz="5200" b="1" dirty="0" smtClean="0">
               <a:solidFill>
                 <a:srgbClr val="0000FF"/>
               </a:solidFill>
@@ -10090,15 +9566,15 @@
               <a:buNone/>
             </a:pPr>
             <a:r>
-              <a:rPr lang="en-US" sz="2400" dirty="0">
-                <a:solidFill>
-                  <a:srgbClr val="0000FF"/>
-                </a:solidFill>
-              </a:rPr>
-              <a:t>class </a:t>
-            </a:r>
-            <a:r>
-              <a:rPr lang="en-US" sz="2400" dirty="0" err="1">
+              <a:rPr lang="en-US" sz="5200" b="1" dirty="0" smtClean="0">
+                <a:solidFill>
+                  <a:srgbClr val="0000FF"/>
+                </a:solidFill>
+              </a:rPr>
+              <a:t>object </a:t>
+            </a:r>
+            <a:r>
+              <a:rPr lang="en-US" sz="5200" b="1" dirty="0" err="1">
                 <a:solidFill>
                   <a:srgbClr val="0000FF"/>
                 </a:solidFill>
@@ -10106,47 +9582,44 @@
               <a:t>InventoryUpdater</a:t>
             </a:r>
             <a:r>
-              <a:rPr lang="en-US" sz="2400" dirty="0">
-                <a:solidFill>
-                  <a:srgbClr val="0000FF"/>
-                </a:solidFill>
-              </a:rPr>
-              <a:t>(</a:t>
-            </a:r>
-            <a:r>
-              <a:rPr lang="en-US" sz="2400" dirty="0" err="1">
-                <a:solidFill>
-                  <a:srgbClr val="0000FF"/>
-                </a:solidFill>
-              </a:rPr>
-              <a:t>sku</a:t>
-            </a:r>
-            <a:r>
-              <a:rPr lang="en-US" sz="2400" dirty="0">
-                <a:solidFill>
-                  <a:srgbClr val="0000FF"/>
-                </a:solidFill>
-              </a:rPr>
-              <a:t>: String, </a:t>
-            </a:r>
-            <a:r>
-              <a:rPr lang="en-US" sz="2400" dirty="0" err="1">
-                <a:solidFill>
-                  <a:srgbClr val="0000FF"/>
-                </a:solidFill>
-              </a:rPr>
-              <a:t>var</a:t>
-            </a:r>
-            <a:r>
-              <a:rPr lang="en-US" sz="2400" dirty="0">
-                <a:solidFill>
-                  <a:srgbClr val="0000FF"/>
-                </a:solidFill>
-              </a:rPr>
-              <a:t> quantity: </a:t>
-            </a:r>
-            <a:r>
-              <a:rPr lang="en-US" sz="2400" dirty="0" err="1">
+              <a:rPr lang="en-US" sz="5200" b="1" dirty="0">
+                <a:solidFill>
+                  <a:srgbClr val="0000FF"/>
+                </a:solidFill>
+              </a:rPr>
+              <a:t> {</a:t>
+            </a:r>
+          </a:p>
+          <a:p>
+            <a:pPr marL="457200" lvl="1" indent="0">
+              <a:buNone/>
+            </a:pPr>
+            <a:r>
+              <a:rPr lang="en-US" sz="5200" b="1" dirty="0">
+                <a:solidFill>
+                  <a:srgbClr val="0000FF"/>
+                </a:solidFill>
+              </a:rPr>
+              <a:t>  case class </a:t>
+            </a:r>
+            <a:r>
+              <a:rPr lang="en-US" sz="5200" b="1" dirty="0" err="1">
+                <a:solidFill>
+                  <a:srgbClr val="0000FF"/>
+                </a:solidFill>
+              </a:rPr>
+              <a:t>UpdateInventory</a:t>
+            </a:r>
+            <a:r>
+              <a:rPr lang="en-US" sz="5200" b="1" dirty="0">
+                <a:solidFill>
+                  <a:srgbClr val="0000FF"/>
+                </a:solidFill>
+              </a:rPr>
+              <a:t>(quantity: </a:t>
+            </a:r>
+            <a:r>
+              <a:rPr lang="en-US" sz="5200" b="1" dirty="0" err="1">
                 <a:solidFill>
                   <a:srgbClr val="0000FF"/>
                 </a:solidFill>
@@ -10154,52 +9627,12 @@
               <a:t>Int</a:t>
             </a:r>
             <a:r>
-              <a:rPr lang="en-US" sz="2400" dirty="0">
-                <a:solidFill>
-                  <a:srgbClr val="0000FF"/>
-                </a:solidFill>
-              </a:rPr>
-              <a:t>, </a:t>
-            </a:r>
-            <a:r>
-              <a:rPr lang="en-US" sz="2400" dirty="0" err="1">
-                <a:solidFill>
-                  <a:srgbClr val="0000FF"/>
-                </a:solidFill>
-              </a:rPr>
-              <a:t>mongoRepo</a:t>
-            </a:r>
-            <a:r>
-              <a:rPr lang="en-US" sz="2400" dirty="0">
-                <a:solidFill>
-                  <a:srgbClr val="0000FF"/>
-                </a:solidFill>
-              </a:rPr>
-              <a:t> : </a:t>
-            </a:r>
-            <a:r>
-              <a:rPr lang="en-US" sz="2400" dirty="0" err="1">
-                <a:solidFill>
-                  <a:srgbClr val="0000FF"/>
-                </a:solidFill>
-              </a:rPr>
-              <a:t>MongoRepoLike</a:t>
-            </a:r>
-            <a:r>
-              <a:rPr lang="en-US" sz="2400" dirty="0">
-                <a:solidFill>
-                  <a:srgbClr val="0000FF"/>
-                </a:solidFill>
-              </a:rPr>
-              <a:t>) extends </a:t>
-            </a:r>
-            <a:r>
-              <a:rPr lang="en-US" sz="2400" dirty="0" smtClean="0">
-                <a:solidFill>
-                  <a:srgbClr val="0000FF"/>
-                </a:solidFill>
-              </a:rPr>
-              <a:t>Actor</a:t>
+              <a:rPr lang="en-US" sz="5200" b="1" dirty="0">
+                <a:solidFill>
+                  <a:srgbClr val="0000FF"/>
+                </a:solidFill>
+              </a:rPr>
+              <a:t>)</a:t>
             </a:r>
           </a:p>
           <a:p>
@@ -10207,14 +9640,14 @@
               <a:buNone/>
             </a:pPr>
             <a:r>
-              <a:rPr lang="en-US" sz="2400" dirty="0" smtClean="0">
-                <a:solidFill>
-                  <a:srgbClr val="0000FF"/>
-                </a:solidFill>
-              </a:rPr>
-              <a:t>…</a:t>
-            </a:r>
-            <a:endParaRPr lang="en-US" sz="2400" dirty="0">
+              <a:rPr lang="en-US" sz="5200" b="1" dirty="0" smtClean="0">
+                <a:solidFill>
+                  <a:srgbClr val="0000FF"/>
+                </a:solidFill>
+              </a:rPr>
+              <a:t>}</a:t>
+            </a:r>
+            <a:endParaRPr lang="en-US" sz="5200" b="1" dirty="0">
               <a:solidFill>
                 <a:srgbClr val="0000FF"/>
               </a:solidFill>
@@ -10225,12 +9658,116 @@
               <a:buNone/>
             </a:pPr>
             <a:r>
-              <a:rPr lang="en-US" sz="2400" dirty="0">
-                <a:solidFill>
-                  <a:srgbClr val="0000FF"/>
-                </a:solidFill>
-              </a:rPr>
-              <a:t>  //Persist inventory to Mongo</a:t>
+              <a:rPr lang="en-US" sz="5200" b="1" dirty="0">
+                <a:solidFill>
+                  <a:srgbClr val="0000FF"/>
+                </a:solidFill>
+              </a:rPr>
+              <a:t>class </a:t>
+            </a:r>
+            <a:r>
+              <a:rPr lang="en-US" sz="5200" b="1" dirty="0" err="1">
+                <a:solidFill>
+                  <a:srgbClr val="0000FF"/>
+                </a:solidFill>
+              </a:rPr>
+              <a:t>InventoryUpdater</a:t>
+            </a:r>
+            <a:r>
+              <a:rPr lang="en-US" sz="5200" b="1" dirty="0">
+                <a:solidFill>
+                  <a:srgbClr val="0000FF"/>
+                </a:solidFill>
+              </a:rPr>
+              <a:t>(</a:t>
+            </a:r>
+            <a:r>
+              <a:rPr lang="en-US" sz="5200" b="1" dirty="0" err="1">
+                <a:solidFill>
+                  <a:srgbClr val="0000FF"/>
+                </a:solidFill>
+              </a:rPr>
+              <a:t>sku</a:t>
+            </a:r>
+            <a:r>
+              <a:rPr lang="en-US" sz="5200" b="1" dirty="0">
+                <a:solidFill>
+                  <a:srgbClr val="0000FF"/>
+                </a:solidFill>
+              </a:rPr>
+              <a:t>: String, </a:t>
+            </a:r>
+            <a:r>
+              <a:rPr lang="en-US" sz="5200" b="1" dirty="0" err="1">
+                <a:solidFill>
+                  <a:srgbClr val="0000FF"/>
+                </a:solidFill>
+              </a:rPr>
+              <a:t>var</a:t>
+            </a:r>
+            <a:r>
+              <a:rPr lang="en-US" sz="5200" b="1" dirty="0">
+                <a:solidFill>
+                  <a:srgbClr val="0000FF"/>
+                </a:solidFill>
+              </a:rPr>
+              <a:t> quantity: </a:t>
+            </a:r>
+            <a:r>
+              <a:rPr lang="en-US" sz="5200" b="1" dirty="0" err="1">
+                <a:solidFill>
+                  <a:srgbClr val="0000FF"/>
+                </a:solidFill>
+              </a:rPr>
+              <a:t>Int</a:t>
+            </a:r>
+            <a:r>
+              <a:rPr lang="en-US" sz="5200" b="1" dirty="0">
+                <a:solidFill>
+                  <a:srgbClr val="0000FF"/>
+                </a:solidFill>
+              </a:rPr>
+              <a:t>, </a:t>
+            </a:r>
+            <a:r>
+              <a:rPr lang="en-US" sz="5200" b="1" dirty="0" err="1">
+                <a:solidFill>
+                  <a:srgbClr val="0000FF"/>
+                </a:solidFill>
+              </a:rPr>
+              <a:t>mongoRepo</a:t>
+            </a:r>
+            <a:r>
+              <a:rPr lang="en-US" sz="5200" b="1" dirty="0">
+                <a:solidFill>
+                  <a:srgbClr val="0000FF"/>
+                </a:solidFill>
+              </a:rPr>
+              <a:t> : </a:t>
+            </a:r>
+            <a:r>
+              <a:rPr lang="en-US" sz="5200" b="1" dirty="0" err="1">
+                <a:solidFill>
+                  <a:srgbClr val="0000FF"/>
+                </a:solidFill>
+              </a:rPr>
+              <a:t>MongoRepoLike</a:t>
+            </a:r>
+            <a:r>
+              <a:rPr lang="en-US" sz="5200" b="1" dirty="0">
+                <a:solidFill>
+                  <a:srgbClr val="0000FF"/>
+                </a:solidFill>
+              </a:rPr>
+              <a:t>) extends </a:t>
+            </a:r>
+            <a:r>
+              <a:rPr lang="en-US" sz="5200" b="1" dirty="0" smtClean="0">
+                <a:solidFill>
+                  <a:srgbClr val="0000FF"/>
+                </a:solidFill>
+              </a:rPr>
+              <a:t>Actor</a:t>
             </a:r>
           </a:p>
           <a:p>
@@ -10238,91 +9775,14 @@
               <a:buNone/>
             </a:pPr>
             <a:r>
-              <a:rPr lang="en-US" sz="2400" dirty="0">
-                <a:solidFill>
-                  <a:srgbClr val="0000FF"/>
-                </a:solidFill>
-              </a:rPr>
-              <a:t>  </a:t>
-            </a:r>
-            <a:r>
-              <a:rPr lang="en-US" sz="2400" dirty="0" err="1">
-                <a:solidFill>
-                  <a:srgbClr val="0000FF"/>
-                </a:solidFill>
-              </a:rPr>
-              <a:t>def</a:t>
-            </a:r>
-            <a:r>
-              <a:rPr lang="en-US" sz="2400" dirty="0">
-                <a:solidFill>
-                  <a:srgbClr val="0000FF"/>
-                </a:solidFill>
-              </a:rPr>
-              <a:t> </a:t>
-            </a:r>
-            <a:r>
-              <a:rPr lang="en-US" sz="2400" dirty="0" err="1">
-                <a:solidFill>
-                  <a:srgbClr val="0000FF"/>
-                </a:solidFill>
-              </a:rPr>
-              <a:t>callSetInventory</a:t>
-            </a:r>
-            <a:r>
-              <a:rPr lang="en-US" sz="2400" dirty="0">
-                <a:solidFill>
-                  <a:srgbClr val="0000FF"/>
-                </a:solidFill>
-              </a:rPr>
-              <a:t> (</a:t>
-            </a:r>
-            <a:r>
-              <a:rPr lang="en-US" sz="2400" dirty="0" err="1">
-                <a:solidFill>
-                  <a:srgbClr val="0000FF"/>
-                </a:solidFill>
-              </a:rPr>
-              <a:t>sku</a:t>
-            </a:r>
-            <a:r>
-              <a:rPr lang="en-US" sz="2400" dirty="0">
-                <a:solidFill>
-                  <a:srgbClr val="0000FF"/>
-                </a:solidFill>
-              </a:rPr>
-              <a:t>: String, quantity: </a:t>
-            </a:r>
-            <a:r>
-              <a:rPr lang="en-US" sz="2400" dirty="0" err="1">
-                <a:solidFill>
-                  <a:srgbClr val="0000FF"/>
-                </a:solidFill>
-              </a:rPr>
-              <a:t>Int</a:t>
-            </a:r>
-            <a:r>
-              <a:rPr lang="en-US" sz="2400" dirty="0">
-                <a:solidFill>
-                  <a:srgbClr val="0000FF"/>
-                </a:solidFill>
-              </a:rPr>
-              <a:t>) = {</a:t>
-            </a:r>
-          </a:p>
-          <a:p>
-            <a:pPr marL="457200" lvl="1" indent="0">
-              <a:buNone/>
-            </a:pPr>
-            <a:r>
-              <a:rPr lang="en-US" sz="2400" dirty="0" smtClean="0">
-                <a:solidFill>
-                  <a:srgbClr val="0000FF"/>
-                </a:solidFill>
-              </a:rPr>
-              <a:t>  …</a:t>
-            </a:r>
-            <a:endParaRPr lang="en-US" sz="2400" dirty="0">
+              <a:rPr lang="en-US" sz="5200" b="1" dirty="0" smtClean="0">
+                <a:solidFill>
+                  <a:srgbClr val="0000FF"/>
+                </a:solidFill>
+              </a:rPr>
+              <a:t>…</a:t>
+            </a:r>
+            <a:endParaRPr lang="en-US" sz="5200" b="1" dirty="0">
               <a:solidFill>
                 <a:srgbClr val="0000FF"/>
               </a:solidFill>
@@ -10333,7 +9793,20 @@
               <a:buNone/>
             </a:pPr>
             <a:r>
-              <a:rPr lang="en-US" sz="2400" dirty="0">
+              <a:rPr lang="en-US" sz="5200" b="1" dirty="0">
+                <a:solidFill>
+                  <a:srgbClr val="0000FF"/>
+                </a:solidFill>
+              </a:rPr>
+              <a:t>  //Persist inventory to Mongo</a:t>
+            </a:r>
+          </a:p>
+          <a:p>
+            <a:pPr marL="457200" lvl="1" indent="0">
+              <a:buNone/>
+            </a:pPr>
+            <a:r>
+              <a:rPr lang="en-US" sz="5200" b="1" dirty="0">
                 <a:solidFill>
                   <a:srgbClr val="0000FF"/>
                 </a:solidFill>
@@ -10341,14 +9814,83 @@
               <a:t>  </a:t>
             </a:r>
             <a:r>
-              <a:rPr lang="en-US" sz="2400" dirty="0" smtClean="0">
-                <a:solidFill>
-                  <a:srgbClr val="0000FF"/>
-                </a:solidFill>
-              </a:rPr>
-              <a:t>}</a:t>
-            </a:r>
-            <a:endParaRPr lang="en-US" sz="2400" dirty="0">
+              <a:rPr lang="en-US" sz="5200" b="1" dirty="0" err="1">
+                <a:solidFill>
+                  <a:srgbClr val="0000FF"/>
+                </a:solidFill>
+              </a:rPr>
+              <a:t>def</a:t>
+            </a:r>
+            <a:r>
+              <a:rPr lang="en-US" sz="5200" b="1" dirty="0">
+                <a:solidFill>
+                  <a:srgbClr val="0000FF"/>
+                </a:solidFill>
+              </a:rPr>
+              <a:t> </a:t>
+            </a:r>
+            <a:r>
+              <a:rPr lang="en-US" sz="5200" b="1" dirty="0" err="1">
+                <a:solidFill>
+                  <a:srgbClr val="0000FF"/>
+                </a:solidFill>
+              </a:rPr>
+              <a:t>callSetInventory</a:t>
+            </a:r>
+            <a:r>
+              <a:rPr lang="en-US" sz="5200" b="1" dirty="0">
+                <a:solidFill>
+                  <a:srgbClr val="0000FF"/>
+                </a:solidFill>
+              </a:rPr>
+              <a:t> (</a:t>
+            </a:r>
+            <a:r>
+              <a:rPr lang="en-US" sz="5200" b="1" dirty="0" err="1">
+                <a:solidFill>
+                  <a:srgbClr val="0000FF"/>
+                </a:solidFill>
+              </a:rPr>
+              <a:t>sku</a:t>
+            </a:r>
+            <a:r>
+              <a:rPr lang="en-US" sz="5200" b="1" dirty="0">
+                <a:solidFill>
+                  <a:srgbClr val="0000FF"/>
+                </a:solidFill>
+              </a:rPr>
+              <a:t>: String, quantity: </a:t>
+            </a:r>
+            <a:r>
+              <a:rPr lang="en-US" sz="5200" b="1" dirty="0" err="1">
+                <a:solidFill>
+                  <a:srgbClr val="0000FF"/>
+                </a:solidFill>
+              </a:rPr>
+              <a:t>Int</a:t>
+            </a:r>
+            <a:r>
+              <a:rPr lang="en-US" sz="5200" b="1" dirty="0">
+                <a:solidFill>
+                  <a:srgbClr val="0000FF"/>
+                </a:solidFill>
+              </a:rPr>
+              <a:t>) = {</a:t>
+            </a:r>
+          </a:p>
+          <a:p>
+            <a:pPr marL="457200" lvl="1" indent="0">
+              <a:buNone/>
+            </a:pPr>
+            <a:r>
+              <a:rPr lang="en-US" sz="5200" b="1" dirty="0" smtClean="0">
+                <a:solidFill>
+                  <a:srgbClr val="0000FF"/>
+                </a:solidFill>
+              </a:rPr>
+              <a:t>  …</a:t>
+            </a:r>
+            <a:endParaRPr lang="en-US" sz="5200" b="1" dirty="0">
               <a:solidFill>
                 <a:srgbClr val="0000FF"/>
               </a:solidFill>
@@ -10359,7 +9901,7 @@
               <a:buNone/>
             </a:pPr>
             <a:r>
-              <a:rPr lang="en-US" sz="2400" dirty="0">
+              <a:rPr lang="en-US" sz="5200" b="1" dirty="0">
                 <a:solidFill>
                   <a:srgbClr val="0000FF"/>
                 </a:solidFill>
@@ -10367,46 +9909,14 @@
               <a:t>  </a:t>
             </a:r>
             <a:r>
-              <a:rPr lang="en-US" sz="2400" dirty="0" err="1">
-                <a:solidFill>
-                  <a:srgbClr val="0000FF"/>
-                </a:solidFill>
-              </a:rPr>
-              <a:t>callSetInventory</a:t>
-            </a:r>
-            <a:r>
-              <a:rPr lang="en-US" sz="2400" dirty="0">
-                <a:solidFill>
-                  <a:srgbClr val="0000FF"/>
-                </a:solidFill>
-              </a:rPr>
-              <a:t> (</a:t>
-            </a:r>
-            <a:r>
-              <a:rPr lang="en-US" sz="2400" dirty="0" err="1">
-                <a:solidFill>
-                  <a:srgbClr val="0000FF"/>
-                </a:solidFill>
-              </a:rPr>
-              <a:t>sku</a:t>
-            </a:r>
-            <a:r>
-              <a:rPr lang="en-US" sz="2400" dirty="0">
-                <a:solidFill>
-                  <a:srgbClr val="0000FF"/>
-                </a:solidFill>
-              </a:rPr>
-              <a:t>, quantity</a:t>
-            </a:r>
-            <a:r>
-              <a:rPr lang="en-US" sz="2400" dirty="0" smtClean="0">
-                <a:solidFill>
-                  <a:srgbClr val="0000FF"/>
-                </a:solidFill>
-              </a:rPr>
-              <a:t>)</a:t>
-            </a:r>
-            <a:endParaRPr lang="en-US" sz="2400" dirty="0">
+              <a:rPr lang="en-US" sz="5200" b="1" dirty="0" smtClean="0">
+                <a:solidFill>
+                  <a:srgbClr val="0000FF"/>
+                </a:solidFill>
+              </a:rPr>
+              <a:t>}</a:t>
+            </a:r>
+            <a:endParaRPr lang="en-US" sz="5200" b="1" dirty="0">
               <a:solidFill>
                 <a:srgbClr val="0000FF"/>
               </a:solidFill>
@@ -10417,7 +9927,7 @@
               <a:buNone/>
             </a:pPr>
             <a:r>
-              <a:rPr lang="en-US" sz="2400" dirty="0" smtClean="0">
+              <a:rPr lang="en-US" sz="5200" b="1" dirty="0">
                 <a:solidFill>
                   <a:srgbClr val="0000FF"/>
                 </a:solidFill>
@@ -10425,117 +9935,46 @@
               <a:t>  </a:t>
             </a:r>
             <a:r>
-              <a:rPr lang="en-US" sz="2400" dirty="0" err="1" smtClean="0">
-                <a:solidFill>
-                  <a:srgbClr val="0000FF"/>
-                </a:solidFill>
-              </a:rPr>
-              <a:t>def</a:t>
-            </a:r>
-            <a:r>
-              <a:rPr lang="en-US" sz="2400" dirty="0" smtClean="0">
-                <a:solidFill>
-                  <a:srgbClr val="0000FF"/>
-                </a:solidFill>
-              </a:rPr>
-              <a:t> </a:t>
-            </a:r>
-            <a:r>
-              <a:rPr lang="en-US" sz="2400" dirty="0" err="1">
-                <a:solidFill>
-                  <a:srgbClr val="0000FF"/>
-                </a:solidFill>
-              </a:rPr>
-              <a:t>inventoryReceive</a:t>
-            </a:r>
-            <a:r>
-              <a:rPr lang="en-US" sz="2400" dirty="0">
-                <a:solidFill>
-                  <a:srgbClr val="0000FF"/>
-                </a:solidFill>
-              </a:rPr>
-              <a:t>: Receive = {</a:t>
-            </a:r>
-          </a:p>
-          <a:p>
-            <a:pPr marL="457200" lvl="1" indent="0">
-              <a:buNone/>
-            </a:pPr>
-            <a:r>
-              <a:rPr lang="en-US" sz="2400" dirty="0">
-                <a:solidFill>
-                  <a:srgbClr val="0000FF"/>
-                </a:solidFill>
-              </a:rPr>
-              <a:t>    //update inventory</a:t>
-            </a:r>
-          </a:p>
-          <a:p>
-            <a:pPr marL="457200" lvl="1" indent="0">
-              <a:buNone/>
-            </a:pPr>
-            <a:r>
-              <a:rPr lang="en-US" sz="2400" dirty="0">
-                <a:solidFill>
-                  <a:srgbClr val="0000FF"/>
-                </a:solidFill>
-              </a:rPr>
-              <a:t>    case </a:t>
-            </a:r>
-            <a:r>
-              <a:rPr lang="en-US" sz="2400" dirty="0" err="1">
-                <a:solidFill>
-                  <a:srgbClr val="0000FF"/>
-                </a:solidFill>
-              </a:rPr>
-              <a:t>UpdateInventory</a:t>
-            </a:r>
-            <a:r>
-              <a:rPr lang="en-US" sz="2400" dirty="0">
-                <a:solidFill>
-                  <a:srgbClr val="0000FF"/>
-                </a:solidFill>
-              </a:rPr>
-              <a:t>(</a:t>
-            </a:r>
-            <a:r>
-              <a:rPr lang="en-US" sz="2400" dirty="0" err="1">
-                <a:solidFill>
-                  <a:srgbClr val="0000FF"/>
-                </a:solidFill>
-              </a:rPr>
-              <a:t>modQuantity</a:t>
-            </a:r>
-            <a:r>
-              <a:rPr lang="en-US" sz="2400" dirty="0">
-                <a:solidFill>
-                  <a:srgbClr val="0000FF"/>
-                </a:solidFill>
-              </a:rPr>
-              <a:t>) =&gt;</a:t>
-            </a:r>
-          </a:p>
-          <a:p>
-            <a:pPr marL="457200" lvl="1" indent="0">
-              <a:buNone/>
-            </a:pPr>
-            <a:r>
-              <a:rPr lang="en-US" sz="2400" dirty="0">
-                <a:solidFill>
-                  <a:srgbClr val="0000FF"/>
-                </a:solidFill>
-              </a:rPr>
-              <a:t>      </a:t>
-            </a:r>
-            <a:r>
-              <a:rPr lang="en-US" sz="2400" dirty="0" smtClean="0">
-                <a:solidFill>
-                  <a:srgbClr val="0000FF"/>
-                </a:solidFill>
-              </a:rPr>
-              <a:t>…</a:t>
-            </a:r>
-            <a:endParaRPr lang="en-US" sz="2400" dirty="0">
+              <a:rPr lang="en-US" sz="5200" b="1" dirty="0" err="1">
+                <a:solidFill>
+                  <a:srgbClr val="0000FF"/>
+                </a:solidFill>
+              </a:rPr>
+              <a:t>callSetInventory</a:t>
+            </a:r>
+            <a:r>
+              <a:rPr lang="en-US" sz="5200" b="1" dirty="0">
+                <a:solidFill>
+                  <a:srgbClr val="0000FF"/>
+                </a:solidFill>
+              </a:rPr>
+              <a:t> (</a:t>
+            </a:r>
+            <a:r>
+              <a:rPr lang="en-US" sz="5200" b="1" dirty="0" err="1">
+                <a:solidFill>
+                  <a:srgbClr val="0000FF"/>
+                </a:solidFill>
+              </a:rPr>
+              <a:t>sku</a:t>
+            </a:r>
+            <a:r>
+              <a:rPr lang="en-US" sz="5200" b="1" dirty="0">
+                <a:solidFill>
+                  <a:srgbClr val="0000FF"/>
+                </a:solidFill>
+              </a:rPr>
+              <a:t>, quantity</a:t>
+            </a:r>
+            <a:r>
+              <a:rPr lang="en-US" sz="5200" b="1" dirty="0" smtClean="0">
+                <a:solidFill>
+                  <a:srgbClr val="0000FF"/>
+                </a:solidFill>
+              </a:rPr>
+              <a:t>)</a:t>
+            </a:r>
+            <a:endParaRPr lang="en-US" sz="5200" b="1" dirty="0">
               <a:solidFill>
                 <a:srgbClr val="0000FF"/>
               </a:solidFill>
@@ -10546,7 +9985,110 @@
               <a:buNone/>
             </a:pPr>
             <a:r>
-              <a:rPr lang="en-US" sz="2400" dirty="0">
+              <a:rPr lang="en-US" sz="5200" b="1" dirty="0" smtClean="0">
+                <a:solidFill>
+                  <a:srgbClr val="0000FF"/>
+                </a:solidFill>
+              </a:rPr>
+              <a:t>  </a:t>
+            </a:r>
+            <a:r>
+              <a:rPr lang="en-US" sz="5200" b="1" dirty="0" err="1" smtClean="0">
+                <a:solidFill>
+                  <a:srgbClr val="0000FF"/>
+                </a:solidFill>
+              </a:rPr>
+              <a:t>def</a:t>
+            </a:r>
+            <a:r>
+              <a:rPr lang="en-US" sz="5200" b="1" dirty="0" smtClean="0">
+                <a:solidFill>
+                  <a:srgbClr val="0000FF"/>
+                </a:solidFill>
+              </a:rPr>
+              <a:t> </a:t>
+            </a:r>
+            <a:r>
+              <a:rPr lang="en-US" sz="5200" b="1" dirty="0" err="1">
+                <a:solidFill>
+                  <a:srgbClr val="0000FF"/>
+                </a:solidFill>
+              </a:rPr>
+              <a:t>inventoryReceive</a:t>
+            </a:r>
+            <a:r>
+              <a:rPr lang="en-US" sz="5200" b="1" dirty="0">
+                <a:solidFill>
+                  <a:srgbClr val="0000FF"/>
+                </a:solidFill>
+              </a:rPr>
+              <a:t>: Receive = {</a:t>
+            </a:r>
+          </a:p>
+          <a:p>
+            <a:pPr marL="457200" lvl="1" indent="0">
+              <a:buNone/>
+            </a:pPr>
+            <a:r>
+              <a:rPr lang="en-US" sz="5200" b="1" dirty="0">
+                <a:solidFill>
+                  <a:srgbClr val="0000FF"/>
+                </a:solidFill>
+              </a:rPr>
+              <a:t>    //update inventory</a:t>
+            </a:r>
+          </a:p>
+          <a:p>
+            <a:pPr marL="457200" lvl="1" indent="0">
+              <a:buNone/>
+            </a:pPr>
+            <a:r>
+              <a:rPr lang="en-US" sz="5200" b="1" dirty="0">
+                <a:solidFill>
+                  <a:srgbClr val="0000FF"/>
+                </a:solidFill>
+              </a:rPr>
+              <a:t>    case </a:t>
+            </a:r>
+            <a:r>
+              <a:rPr lang="en-US" sz="5200" b="1" dirty="0" err="1">
+                <a:solidFill>
+                  <a:srgbClr val="0000FF"/>
+                </a:solidFill>
+              </a:rPr>
+              <a:t>UpdateInventory</a:t>
+            </a:r>
+            <a:r>
+              <a:rPr lang="en-US" sz="5200" b="1" dirty="0">
+                <a:solidFill>
+                  <a:srgbClr val="0000FF"/>
+                </a:solidFill>
+              </a:rPr>
+              <a:t>(</a:t>
+            </a:r>
+            <a:r>
+              <a:rPr lang="en-US" sz="5200" b="1" dirty="0" err="1">
+                <a:solidFill>
+                  <a:srgbClr val="0000FF"/>
+                </a:solidFill>
+              </a:rPr>
+              <a:t>modQuantity</a:t>
+            </a:r>
+            <a:r>
+              <a:rPr lang="en-US" sz="5200" b="1" dirty="0">
+                <a:solidFill>
+                  <a:srgbClr val="0000FF"/>
+                </a:solidFill>
+              </a:rPr>
+              <a:t>) =&gt;</a:t>
+            </a:r>
+          </a:p>
+          <a:p>
+            <a:pPr marL="457200" lvl="1" indent="0">
+              <a:buNone/>
+            </a:pPr>
+            <a:r>
+              <a:rPr lang="en-US" sz="5200" b="1" dirty="0">
                 <a:solidFill>
                   <a:srgbClr val="0000FF"/>
                 </a:solidFill>
@@ -10554,72 +10096,14 @@
               <a:t>      </a:t>
             </a:r>
             <a:r>
-              <a:rPr lang="en-US" sz="2400" dirty="0" err="1">
-                <a:solidFill>
-                  <a:srgbClr val="0000FF"/>
-                </a:solidFill>
-              </a:rPr>
-              <a:t>modQuantity</a:t>
-            </a:r>
-            <a:r>
-              <a:rPr lang="en-US" sz="2400" dirty="0">
-                <a:solidFill>
-                  <a:srgbClr val="0000FF"/>
-                </a:solidFill>
-              </a:rPr>
-              <a:t> &gt;= 0 || quantity + </a:t>
-            </a:r>
-            <a:r>
-              <a:rPr lang="en-US" sz="2400" dirty="0" err="1">
-                <a:solidFill>
-                  <a:srgbClr val="0000FF"/>
-                </a:solidFill>
-              </a:rPr>
-              <a:t>modQuantity</a:t>
-            </a:r>
-            <a:r>
-              <a:rPr lang="en-US" sz="2400" dirty="0">
-                <a:solidFill>
-                  <a:srgbClr val="0000FF"/>
-                </a:solidFill>
-              </a:rPr>
-              <a:t> &gt;= 0 match {</a:t>
-            </a:r>
-          </a:p>
-          <a:p>
-            <a:pPr marL="457200" lvl="1" indent="0">
-              <a:buNone/>
-            </a:pPr>
-            <a:r>
-              <a:rPr lang="en-US" sz="2400" dirty="0">
-                <a:solidFill>
-                  <a:srgbClr val="0000FF"/>
-                </a:solidFill>
-              </a:rPr>
-              <a:t>        case true =&gt;</a:t>
-            </a:r>
-          </a:p>
-          <a:p>
-            <a:pPr marL="457200" lvl="1" indent="0">
-              <a:buNone/>
-            </a:pPr>
-            <a:r>
-              <a:rPr lang="en-US" sz="2400" dirty="0">
-                <a:solidFill>
-                  <a:srgbClr val="0000FF"/>
-                </a:solidFill>
-              </a:rPr>
-              <a:t>          quantity += </a:t>
-            </a:r>
-            <a:r>
-              <a:rPr lang="en-US" sz="2400" dirty="0" err="1">
-                <a:solidFill>
-                  <a:srgbClr val="0000FF"/>
-                </a:solidFill>
-              </a:rPr>
-              <a:t>modQuantity</a:t>
-            </a:r>
-            <a:endParaRPr lang="en-US" sz="2400" dirty="0">
+              <a:rPr lang="en-US" sz="5200" b="1" dirty="0" smtClean="0">
+                <a:solidFill>
+                  <a:srgbClr val="0000FF"/>
+                </a:solidFill>
+              </a:rPr>
+              <a:t>…</a:t>
+            </a:r>
+            <a:endParaRPr lang="en-US" sz="5200" b="1" dirty="0">
               <a:solidFill>
                 <a:srgbClr val="0000FF"/>
               </a:solidFill>
@@ -10630,44 +10114,44 @@
               <a:buNone/>
             </a:pPr>
             <a:r>
-              <a:rPr lang="en-US" sz="2400" dirty="0">
-                <a:solidFill>
-                  <a:srgbClr val="0000FF"/>
-                </a:solidFill>
-              </a:rPr>
-              <a:t>          </a:t>
-            </a:r>
-            <a:r>
-              <a:rPr lang="en-US" sz="2400" dirty="0" err="1">
-                <a:solidFill>
-                  <a:srgbClr val="0000FF"/>
-                </a:solidFill>
-              </a:rPr>
-              <a:t>sendEvent</a:t>
-            </a:r>
-            <a:r>
-              <a:rPr lang="en-US" sz="2400" dirty="0">
-                <a:solidFill>
-                  <a:srgbClr val="0000FF"/>
-                </a:solidFill>
-              </a:rPr>
-              <a:t>(</a:t>
-            </a:r>
-            <a:r>
-              <a:rPr lang="en-US" sz="2400" dirty="0" err="1">
-                <a:solidFill>
-                  <a:srgbClr val="0000FF"/>
-                </a:solidFill>
-              </a:rPr>
-              <a:t>UpdateInventory</a:t>
-            </a:r>
-            <a:r>
-              <a:rPr lang="en-US" sz="2400" dirty="0">
-                <a:solidFill>
-                  <a:srgbClr val="0000FF"/>
-                </a:solidFill>
-              </a:rPr>
-              <a:t>(quantity))</a:t>
+              <a:rPr lang="en-US" sz="5200" b="1" dirty="0">
+                <a:solidFill>
+                  <a:srgbClr val="0000FF"/>
+                </a:solidFill>
+              </a:rPr>
+              <a:t>      </a:t>
+            </a:r>
+            <a:r>
+              <a:rPr lang="en-US" sz="5200" b="1" dirty="0" err="1">
+                <a:solidFill>
+                  <a:srgbClr val="0000FF"/>
+                </a:solidFill>
+              </a:rPr>
+              <a:t>modQuantity</a:t>
+            </a:r>
+            <a:r>
+              <a:rPr lang="en-US" sz="5200" b="1" dirty="0">
+                <a:solidFill>
+                  <a:srgbClr val="0000FF"/>
+                </a:solidFill>
+              </a:rPr>
+              <a:t> &gt;= 0 || quantity + </a:t>
+            </a:r>
+            <a:r>
+              <a:rPr lang="en-US" sz="5200" b="1" dirty="0" err="1">
+                <a:solidFill>
+                  <a:srgbClr val="0000FF"/>
+                </a:solidFill>
+              </a:rPr>
+              <a:t>modQuantity</a:t>
+            </a:r>
+            <a:r>
+              <a:rPr lang="en-US" sz="5200" b="1" dirty="0">
+                <a:solidFill>
+                  <a:srgbClr val="0000FF"/>
+                </a:solidFill>
+              </a:rPr>
+              <a:t> &gt;= 0 match {</a:t>
             </a:r>
           </a:p>
           <a:p>
@@ -10675,44 +10159,12 @@
               <a:buNone/>
             </a:pPr>
             <a:r>
-              <a:rPr lang="en-US" sz="2400" dirty="0">
-                <a:solidFill>
-                  <a:srgbClr val="0000FF"/>
-                </a:solidFill>
-              </a:rPr>
-              <a:t>          </a:t>
-            </a:r>
-            <a:r>
-              <a:rPr lang="en-US" sz="2400" dirty="0" err="1">
-                <a:solidFill>
-                  <a:srgbClr val="0000FF"/>
-                </a:solidFill>
-              </a:rPr>
-              <a:t>callSetInventory</a:t>
-            </a:r>
-            <a:r>
-              <a:rPr lang="en-US" sz="2400" dirty="0">
-                <a:solidFill>
-                  <a:srgbClr val="0000FF"/>
-                </a:solidFill>
-              </a:rPr>
-              <a:t>(</a:t>
-            </a:r>
-            <a:r>
-              <a:rPr lang="en-US" sz="2400" dirty="0" err="1">
-                <a:solidFill>
-                  <a:srgbClr val="0000FF"/>
-                </a:solidFill>
-              </a:rPr>
-              <a:t>sku</a:t>
-            </a:r>
-            <a:r>
-              <a:rPr lang="en-US" sz="2400" dirty="0">
-                <a:solidFill>
-                  <a:srgbClr val="0000FF"/>
-                </a:solidFill>
-              </a:rPr>
-              <a:t>, quantity)</a:t>
+              <a:rPr lang="en-US" sz="5200" b="1" dirty="0">
+                <a:solidFill>
+                  <a:srgbClr val="0000FF"/>
+                </a:solidFill>
+              </a:rPr>
+              <a:t>        case true =&gt;</a:t>
             </a:r>
           </a:p>
           <a:p>
@@ -10720,22 +10172,22 @@
               <a:buNone/>
             </a:pPr>
             <a:r>
-              <a:rPr lang="en-US" sz="2400" dirty="0">
-                <a:solidFill>
-                  <a:srgbClr val="0000FF"/>
-                </a:solidFill>
-              </a:rPr>
-              <a:t> </a:t>
-            </a:r>
-            <a:r>
-              <a:rPr lang="en-US" sz="2400" dirty="0" smtClean="0">
-                <a:solidFill>
-                  <a:srgbClr val="0000FF"/>
-                </a:solidFill>
-              </a:rPr>
-              <a:t>       …</a:t>
-            </a:r>
-            <a:endParaRPr lang="en-US" sz="2400" dirty="0">
+              <a:rPr lang="en-US" sz="5200" b="1" dirty="0">
+                <a:solidFill>
+                  <a:srgbClr val="0000FF"/>
+                </a:solidFill>
+              </a:rPr>
+              <a:t>          quantity += </a:t>
+            </a:r>
+            <a:r>
+              <a:rPr lang="en-US" sz="5200" b="1" dirty="0" err="1">
+                <a:solidFill>
+                  <a:srgbClr val="0000FF"/>
+                </a:solidFill>
+              </a:rPr>
+              <a:t>modQuantity</a:t>
+            </a:r>
+            <a:endParaRPr lang="en-US" sz="5200" b="1" dirty="0">
               <a:solidFill>
                 <a:srgbClr val="0000FF"/>
               </a:solidFill>
@@ -10746,12 +10198,44 @@
               <a:buNone/>
             </a:pPr>
             <a:r>
-              <a:rPr lang="en-US" sz="2400" dirty="0">
-                <a:solidFill>
-                  <a:srgbClr val="0000FF"/>
-                </a:solidFill>
-              </a:rPr>
-              <a:t>      }</a:t>
+              <a:rPr lang="en-US" sz="5200" b="1" dirty="0">
+                <a:solidFill>
+                  <a:srgbClr val="0000FF"/>
+                </a:solidFill>
+              </a:rPr>
+              <a:t>          </a:t>
+            </a:r>
+            <a:r>
+              <a:rPr lang="en-US" sz="5200" b="1" dirty="0" err="1">
+                <a:solidFill>
+                  <a:srgbClr val="0000FF"/>
+                </a:solidFill>
+              </a:rPr>
+              <a:t>sendEvent</a:t>
+            </a:r>
+            <a:r>
+              <a:rPr lang="en-US" sz="5200" b="1" dirty="0">
+                <a:solidFill>
+                  <a:srgbClr val="0000FF"/>
+                </a:solidFill>
+              </a:rPr>
+              <a:t>(</a:t>
+            </a:r>
+            <a:r>
+              <a:rPr lang="en-US" sz="5200" b="1" dirty="0" err="1">
+                <a:solidFill>
+                  <a:srgbClr val="0000FF"/>
+                </a:solidFill>
+              </a:rPr>
+              <a:t>UpdateInventory</a:t>
+            </a:r>
+            <a:r>
+              <a:rPr lang="en-US" sz="5200" b="1" dirty="0">
+                <a:solidFill>
+                  <a:srgbClr val="0000FF"/>
+                </a:solidFill>
+              </a:rPr>
+              <a:t>(quantity))</a:t>
             </a:r>
           </a:p>
           <a:p>
@@ -10759,23 +10243,23 @@
               <a:buNone/>
             </a:pPr>
             <a:r>
-              <a:rPr lang="en-US" sz="2400" dirty="0">
-                <a:solidFill>
-                  <a:srgbClr val="0000FF"/>
-                </a:solidFill>
-              </a:rPr>
-              <a:t>      sender ! Ok(</a:t>
-            </a:r>
-            <a:r>
-              <a:rPr lang="en-US" sz="2400" dirty="0" err="1">
-                <a:solidFill>
-                  <a:srgbClr val="0000FF"/>
-                </a:solidFill>
-              </a:rPr>
-              <a:t>Json.toJson</a:t>
-            </a:r>
-            <a:r>
-              <a:rPr lang="en-US" sz="2400" dirty="0">
+              <a:rPr lang="en-US" sz="5200" b="1" dirty="0">
+                <a:solidFill>
+                  <a:srgbClr val="0000FF"/>
+                </a:solidFill>
+              </a:rPr>
+              <a:t>          </a:t>
+            </a:r>
+            <a:r>
+              <a:rPr lang="en-US" sz="5200" b="1" dirty="0" err="1">
+                <a:solidFill>
+                  <a:srgbClr val="0000FF"/>
+                </a:solidFill>
+              </a:rPr>
+              <a:t>callSetInventory</a:t>
+            </a:r>
+            <a:r>
+              <a:rPr lang="en-US" sz="5200" b="1" dirty="0">
                 <a:solidFill>
                   <a:srgbClr val="0000FF"/>
                 </a:solidFill>
@@ -10783,23 +10267,7 @@
               <a:t>(</a:t>
             </a:r>
             <a:r>
-              <a:rPr lang="en-US" sz="2400" dirty="0" err="1">
-                <a:solidFill>
-                  <a:srgbClr val="0000FF"/>
-                </a:solidFill>
-              </a:rPr>
-              <a:t>InventoryResponseModel</a:t>
-            </a:r>
-            <a:r>
-              <a:rPr lang="en-US" sz="2400" dirty="0">
-                <a:solidFill>
-                  <a:srgbClr val="0000FF"/>
-                </a:solidFill>
-              </a:rPr>
-              <a:t>("update", </a:t>
-            </a:r>
-            <a:r>
-              <a:rPr lang="en-US" sz="2400" dirty="0" err="1">
+              <a:rPr lang="en-US" sz="5200" b="1" dirty="0" err="1">
                 <a:solidFill>
                   <a:srgbClr val="0000FF"/>
                 </a:solidFill>
@@ -10807,28 +10275,12 @@
               <a:t>sku</a:t>
             </a:r>
             <a:r>
-              <a:rPr lang="en-US" sz="2400" dirty="0">
-                <a:solidFill>
-                  <a:srgbClr val="0000FF"/>
-                </a:solidFill>
-              </a:rPr>
-              <a:t>, success = success, </a:t>
-            </a:r>
-            <a:r>
-              <a:rPr lang="en-US" sz="2400" dirty="0" err="1">
-                <a:solidFill>
-                  <a:srgbClr val="0000FF"/>
-                </a:solidFill>
-              </a:rPr>
-              <a:t>modQuantity</a:t>
-            </a:r>
-            <a:r>
-              <a:rPr lang="en-US" sz="2400" dirty="0">
-                <a:solidFill>
-                  <a:srgbClr val="0000FF"/>
-                </a:solidFill>
-              </a:rPr>
-              <a:t>, message)))</a:t>
+              <a:rPr lang="en-US" sz="5200" b="1" dirty="0">
+                <a:solidFill>
+                  <a:srgbClr val="0000FF"/>
+                </a:solidFill>
+              </a:rPr>
+              <a:t>, quantity)</a:t>
             </a:r>
           </a:p>
           <a:p>
@@ -10836,22 +10288,22 @@
               <a:buNone/>
             </a:pPr>
             <a:r>
-              <a:rPr lang="en-US" sz="2400" dirty="0">
-                <a:solidFill>
-                  <a:srgbClr val="0000FF"/>
-                </a:solidFill>
-              </a:rPr>
-              <a:t>  </a:t>
-            </a:r>
-            <a:r>
-              <a:rPr lang="en-US" sz="2400" dirty="0" smtClean="0">
-                <a:solidFill>
-                  <a:srgbClr val="0000FF"/>
-                </a:solidFill>
-              </a:rPr>
-              <a:t>}</a:t>
-            </a:r>
-            <a:endParaRPr lang="en-US" sz="2400" dirty="0">
+              <a:rPr lang="en-US" sz="5200" b="1" dirty="0">
+                <a:solidFill>
+                  <a:srgbClr val="0000FF"/>
+                </a:solidFill>
+              </a:rPr>
+              <a:t> </a:t>
+            </a:r>
+            <a:r>
+              <a:rPr lang="en-US" sz="5200" b="1" dirty="0" smtClean="0">
+                <a:solidFill>
+                  <a:srgbClr val="0000FF"/>
+                </a:solidFill>
+              </a:rPr>
+              <a:t>       …</a:t>
+            </a:r>
+            <a:endParaRPr lang="en-US" sz="5200" b="1" dirty="0">
               <a:solidFill>
                 <a:srgbClr val="0000FF"/>
               </a:solidFill>
@@ -10862,7 +10314,97 @@
               <a:buNone/>
             </a:pPr>
             <a:r>
-              <a:rPr lang="en-US" sz="2400" dirty="0">
+              <a:rPr lang="en-US" sz="5200" b="1" dirty="0">
+                <a:solidFill>
+                  <a:srgbClr val="0000FF"/>
+                </a:solidFill>
+              </a:rPr>
+              <a:t>      }</a:t>
+            </a:r>
+          </a:p>
+          <a:p>
+            <a:pPr marL="457200" lvl="1" indent="0">
+              <a:buNone/>
+            </a:pPr>
+            <a:r>
+              <a:rPr lang="en-US" sz="5200" b="1" dirty="0">
+                <a:solidFill>
+                  <a:srgbClr val="0000FF"/>
+                </a:solidFill>
+              </a:rPr>
+              <a:t>      sender ! Ok(</a:t>
+            </a:r>
+            <a:r>
+              <a:rPr lang="en-US" sz="5200" b="1" dirty="0" err="1">
+                <a:solidFill>
+                  <a:srgbClr val="0000FF"/>
+                </a:solidFill>
+              </a:rPr>
+              <a:t>Json.toJson</a:t>
+            </a:r>
+            <a:r>
+              <a:rPr lang="en-US" sz="5200" b="1" dirty="0">
+                <a:solidFill>
+                  <a:srgbClr val="0000FF"/>
+                </a:solidFill>
+              </a:rPr>
+              <a:t>(</a:t>
+            </a:r>
+            <a:r>
+              <a:rPr lang="en-US" sz="5200" b="1" dirty="0" err="1">
+                <a:solidFill>
+                  <a:srgbClr val="0000FF"/>
+                </a:solidFill>
+              </a:rPr>
+              <a:t>InventoryResponseModel</a:t>
+            </a:r>
+            <a:r>
+              <a:rPr lang="en-US" sz="5200" b="1" dirty="0">
+                <a:solidFill>
+                  <a:srgbClr val="0000FF"/>
+                </a:solidFill>
+              </a:rPr>
+              <a:t>("update", </a:t>
+            </a:r>
+            <a:r>
+              <a:rPr lang="en-US" sz="5200" b="1" dirty="0" err="1">
+                <a:solidFill>
+                  <a:srgbClr val="0000FF"/>
+                </a:solidFill>
+              </a:rPr>
+              <a:t>sku</a:t>
+            </a:r>
+            <a:r>
+              <a:rPr lang="en-US" sz="5200" b="1" dirty="0">
+                <a:solidFill>
+                  <a:srgbClr val="0000FF"/>
+                </a:solidFill>
+              </a:rPr>
+              <a:t>, success = success, </a:t>
+            </a:r>
+            <a:r>
+              <a:rPr lang="en-US" sz="5200" b="1" dirty="0" err="1">
+                <a:solidFill>
+                  <a:srgbClr val="0000FF"/>
+                </a:solidFill>
+              </a:rPr>
+              <a:t>modQuantity</a:t>
+            </a:r>
+            <a:r>
+              <a:rPr lang="en-US" sz="5200" b="1" dirty="0">
+                <a:solidFill>
+                  <a:srgbClr val="0000FF"/>
+                </a:solidFill>
+              </a:rPr>
+              <a:t>, message)))</a:t>
+            </a:r>
+          </a:p>
+          <a:p>
+            <a:pPr marL="457200" lvl="1" indent="0">
+              <a:buNone/>
+            </a:pPr>
+            <a:r>
+              <a:rPr lang="en-US" sz="5200" b="1" dirty="0">
                 <a:solidFill>
                   <a:srgbClr val="0000FF"/>
                 </a:solidFill>
@@ -10870,62 +10412,14 @@
               <a:t>  </a:t>
             </a:r>
             <a:r>
-              <a:rPr lang="en-US" sz="2400" dirty="0" err="1">
-                <a:solidFill>
-                  <a:srgbClr val="0000FF"/>
-                </a:solidFill>
-              </a:rPr>
-              <a:t>def</a:t>
-            </a:r>
-            <a:r>
-              <a:rPr lang="en-US" sz="2400" dirty="0">
-                <a:solidFill>
-                  <a:srgbClr val="0000FF"/>
-                </a:solidFill>
-              </a:rPr>
-              <a:t> receive = </a:t>
-            </a:r>
-            <a:r>
-              <a:rPr lang="en-US" sz="2400" dirty="0" err="1">
-                <a:solidFill>
-                  <a:srgbClr val="0000FF"/>
-                </a:solidFill>
-              </a:rPr>
-              <a:t>eventSourceReceive</a:t>
-            </a:r>
-            <a:r>
-              <a:rPr lang="en-US" sz="2400" dirty="0">
-                <a:solidFill>
-                  <a:srgbClr val="0000FF"/>
-                </a:solidFill>
-              </a:rPr>
-              <a:t> </a:t>
-            </a:r>
-            <a:r>
-              <a:rPr lang="en-US" sz="2400" dirty="0" err="1">
-                <a:solidFill>
-                  <a:srgbClr val="0000FF"/>
-                </a:solidFill>
-              </a:rPr>
-              <a:t>orElse</a:t>
-            </a:r>
-            <a:r>
-              <a:rPr lang="en-US" sz="2400" dirty="0">
-                <a:solidFill>
-                  <a:srgbClr val="0000FF"/>
-                </a:solidFill>
-              </a:rPr>
-              <a:t> </a:t>
-            </a:r>
-            <a:r>
-              <a:rPr lang="en-US" sz="2400" dirty="0" err="1">
-                <a:solidFill>
-                  <a:srgbClr val="0000FF"/>
-                </a:solidFill>
-              </a:rPr>
-              <a:t>inventoryReceive</a:t>
-            </a:r>
-            <a:endParaRPr lang="en-US" sz="2400" dirty="0">
+              <a:rPr lang="en-US" sz="5200" b="1" dirty="0" smtClean="0">
+                <a:solidFill>
+                  <a:srgbClr val="0000FF"/>
+                </a:solidFill>
+              </a:rPr>
+              <a:t>}</a:t>
+            </a:r>
+            <a:endParaRPr lang="en-US" sz="5200" b="1" dirty="0">
               <a:solidFill>
                 <a:srgbClr val="0000FF"/>
               </a:solidFill>
@@ -10936,7 +10430,81 @@
               <a:buNone/>
             </a:pPr>
             <a:r>
-              <a:rPr lang="en-US" sz="2400" dirty="0">
+              <a:rPr lang="en-US" sz="5200" b="1" dirty="0">
+                <a:solidFill>
+                  <a:srgbClr val="0000FF"/>
+                </a:solidFill>
+              </a:rPr>
+              <a:t>  </a:t>
+            </a:r>
+            <a:r>
+              <a:rPr lang="en-US" sz="5200" b="1" dirty="0" err="1">
+                <a:solidFill>
+                  <a:srgbClr val="0000FF"/>
+                </a:solidFill>
+              </a:rPr>
+              <a:t>def</a:t>
+            </a:r>
+            <a:r>
+              <a:rPr lang="en-US" sz="5200" b="1" dirty="0">
+                <a:solidFill>
+                  <a:srgbClr val="0000FF"/>
+                </a:solidFill>
+              </a:rPr>
+              <a:t> receive = </a:t>
+            </a:r>
+            <a:r>
+              <a:rPr lang="en-US" sz="5200" b="1" dirty="0" err="1">
+                <a:solidFill>
+                  <a:srgbClr val="0000FF"/>
+                </a:solidFill>
+              </a:rPr>
+              <a:t>eventSourceReceive</a:t>
+            </a:r>
+            <a:r>
+              <a:rPr lang="en-US" sz="5200" b="1" dirty="0">
+                <a:solidFill>
+                  <a:srgbClr val="0000FF"/>
+                </a:solidFill>
+              </a:rPr>
+              <a:t> </a:t>
+            </a:r>
+            <a:r>
+              <a:rPr lang="en-US" sz="5200" b="1" dirty="0" err="1">
+                <a:solidFill>
+                  <a:srgbClr val="0000FF"/>
+                </a:solidFill>
+              </a:rPr>
+              <a:t>orElse</a:t>
+            </a:r>
+            <a:r>
+              <a:rPr lang="en-US" sz="5200" b="1" dirty="0">
+                <a:solidFill>
+                  <a:srgbClr val="0000FF"/>
+                </a:solidFill>
+              </a:rPr>
+              <a:t> </a:t>
+            </a:r>
+            <a:r>
+              <a:rPr lang="en-US" sz="5200" b="1" dirty="0" err="1">
+                <a:solidFill>
+                  <a:srgbClr val="0000FF"/>
+                </a:solidFill>
+              </a:rPr>
+              <a:t>inventoryReceive</a:t>
+            </a:r>
+            <a:endParaRPr lang="en-US" sz="5200" b="1" dirty="0">
+              <a:solidFill>
+                <a:srgbClr val="0000FF"/>
+              </a:solidFill>
+            </a:endParaRPr>
+          </a:p>
+          <a:p>
+            <a:pPr marL="457200" lvl="1" indent="0">
+              <a:buNone/>
+            </a:pPr>
+            <a:r>
+              <a:rPr lang="en-US" sz="5200" b="1" dirty="0">
                 <a:solidFill>
                   <a:srgbClr val="0000FF"/>
                 </a:solidFill>
@@ -10946,7 +10514,7 @@
           </a:p>
           <a:p>
             <a:pPr lvl="1"/>
-            <a:endParaRPr lang="en-US" sz="2400" dirty="0"/>
+            <a:endParaRPr lang="en-US" sz="5400" dirty="0"/>
           </a:p>
           <a:p>
             <a:pPr lvl="2"/>
@@ -11375,231 +10943,145 @@
               <a:buNone/>
             </a:pPr>
             <a:r>
-              <a:rPr lang="en-US" dirty="0" smtClean="0">
+              <a:rPr lang="en-US" b="1" dirty="0" smtClean="0"/>
+              <a:t>Surprise! </a:t>
+            </a:r>
+            <a:r>
+              <a:rPr lang="en-US" b="1" dirty="0"/>
+              <a:t>W</a:t>
+            </a:r>
+            <a:r>
+              <a:rPr lang="en-US" b="1" dirty="0" smtClean="0"/>
+              <a:t>e are hiring.</a:t>
+            </a:r>
+          </a:p>
+          <a:p>
+            <a:pPr marL="0" indent="0">
+              <a:buNone/>
+            </a:pPr>
+            <a:endParaRPr lang="en-US" b="1" dirty="0" smtClean="0"/>
+          </a:p>
+          <a:p>
+            <a:pPr marL="0" indent="0">
+              <a:buNone/>
+            </a:pPr>
+            <a:r>
+              <a:rPr lang="en-US" b="1" dirty="0" smtClean="0"/>
+              <a:t>Follow </a:t>
+            </a:r>
+            <a:r>
+              <a:rPr lang="en-US" b="1" dirty="0"/>
+              <a:t>us:</a:t>
+            </a:r>
+          </a:p>
+          <a:p>
+            <a:pPr lvl="1"/>
+            <a:r>
+              <a:rPr lang="en-US" b="1" dirty="0"/>
+              <a:t>Twitter: @</a:t>
+            </a:r>
+            <a:r>
+              <a:rPr lang="en-US" b="1" dirty="0" err="1"/>
+              <a:t>HBCDigital</a:t>
+            </a:r>
+            <a:endParaRPr lang="en-US" b="1" dirty="0"/>
+          </a:p>
+          <a:p>
+            <a:pPr lvl="1"/>
+            <a:r>
+              <a:rPr lang="en-US" b="1" dirty="0"/>
+              <a:t>LinkedIn: </a:t>
+            </a:r>
+            <a:r>
+              <a:rPr lang="en-US" b="1" dirty="0">
+                <a:hlinkClick r:id="rId3"/>
+              </a:rPr>
+              <a:t>https://www.linkedin.com/company/hbc_digital?trk=biz-companies-cym</a:t>
+            </a:r>
+            <a:r>
+              <a:rPr lang="en-US" b="1" dirty="0"/>
+              <a:t> </a:t>
+            </a:r>
+          </a:p>
+          <a:p>
+            <a:pPr marL="0" indent="0">
+              <a:buNone/>
+            </a:pPr>
+            <a:endParaRPr lang="en-US" b="1" dirty="0" smtClean="0"/>
+          </a:p>
+          <a:p>
+            <a:pPr marL="0" indent="0">
+              <a:buNone/>
+            </a:pPr>
+            <a:r>
+              <a:rPr lang="en-US" b="1" dirty="0" smtClean="0"/>
+              <a:t>Contact Info:</a:t>
+            </a:r>
+          </a:p>
+          <a:p>
+            <a:pPr lvl="1"/>
+            <a:r>
+              <a:rPr lang="en-US" b="1" dirty="0" smtClean="0">
+                <a:hlinkClick r:id="rId4"/>
+              </a:rPr>
+              <a:t>dana_peele@s5a.com</a:t>
+            </a:r>
+            <a:endParaRPr lang="en-US" b="1" dirty="0" smtClean="0"/>
+          </a:p>
+          <a:p>
+            <a:pPr lvl="1"/>
+            <a:r>
+              <a:rPr lang="en-US" b="1" dirty="0" smtClean="0"/>
+              <a:t>@</a:t>
+            </a:r>
+            <a:r>
+              <a:rPr lang="en-US" b="1" dirty="0" err="1" smtClean="0"/>
+              <a:t>Dana_S_Peele</a:t>
+            </a:r>
+            <a:endParaRPr lang="en-US" b="1" dirty="0" smtClean="0"/>
+          </a:p>
+          <a:p>
+            <a:pPr marL="0" indent="0">
+              <a:buNone/>
+            </a:pPr>
+            <a:endParaRPr lang="en-US" b="1" dirty="0" smtClean="0"/>
+          </a:p>
+          <a:p>
+            <a:pPr marL="0" indent="0">
+              <a:buNone/>
+            </a:pPr>
+            <a:r>
+              <a:rPr lang="en-US" b="1" dirty="0" smtClean="0"/>
+              <a:t>Repo </a:t>
+            </a:r>
+            <a:r>
+              <a:rPr lang="en-US" b="1" dirty="0"/>
+              <a:t>for the demo and slideshow:</a:t>
+            </a:r>
+          </a:p>
+          <a:p>
+            <a:pPr marL="0" indent="0">
+              <a:buNone/>
+            </a:pPr>
+            <a:r>
+              <a:rPr lang="en-US" b="1" dirty="0">
                 <a:solidFill>
                   <a:srgbClr val="102F4B"/>
                 </a:solidFill>
-              </a:rPr>
-              <a:t>Surprise! </a:t>
-            </a:r>
-            <a:r>
-              <a:rPr lang="en-US" dirty="0">
+                <a:hlinkClick r:id="rId5"/>
+              </a:rPr>
+              <a:t>https://</a:t>
+            </a:r>
+            <a:r>
+              <a:rPr lang="en-US" b="1" dirty="0" smtClean="0">
                 <a:solidFill>
                   <a:srgbClr val="102F4B"/>
                 </a:solidFill>
-              </a:rPr>
-              <a:t>W</a:t>
-            </a:r>
-            <a:r>
-              <a:rPr lang="en-US" dirty="0" smtClean="0">
-                <a:solidFill>
-                  <a:srgbClr val="102F4B"/>
-                </a:solidFill>
-              </a:rPr>
-              <a:t>e are hiring.</a:t>
-            </a:r>
-          </a:p>
-          <a:p>
-            <a:pPr marL="0" indent="0">
-              <a:buNone/>
-            </a:pPr>
-            <a:endParaRPr lang="en-US" dirty="0" smtClean="0">
-              <a:solidFill>
-                <a:srgbClr val="102F4B"/>
-              </a:solidFill>
-            </a:endParaRPr>
-          </a:p>
-          <a:p>
-            <a:pPr marL="0" indent="0">
-              <a:buNone/>
-            </a:pPr>
-            <a:r>
-              <a:rPr lang="en-US" dirty="0" smtClean="0">
-                <a:solidFill>
-                  <a:srgbClr val="102F4B"/>
-                </a:solidFill>
-              </a:rPr>
-              <a:t>Follow </a:t>
-            </a:r>
-            <a:r>
-              <a:rPr lang="en-US" dirty="0">
-                <a:solidFill>
-                  <a:srgbClr val="102F4B"/>
-                </a:solidFill>
-              </a:rPr>
-              <a:t>us:</a:t>
-            </a:r>
-          </a:p>
-          <a:p>
-            <a:pPr lvl="1"/>
-            <a:r>
-              <a:rPr lang="en-US" dirty="0">
-                <a:solidFill>
-                  <a:srgbClr val="102F4B"/>
-                </a:solidFill>
-              </a:rPr>
-              <a:t>Twitter: @</a:t>
-            </a:r>
-            <a:r>
-              <a:rPr lang="en-US" dirty="0" err="1">
-                <a:solidFill>
-                  <a:srgbClr val="102F4B"/>
-                </a:solidFill>
-              </a:rPr>
-              <a:t>HBCDigital</a:t>
-            </a:r>
-            <a:endParaRPr lang="en-US" dirty="0">
-              <a:solidFill>
-                <a:srgbClr val="102F4B"/>
-              </a:solidFill>
-            </a:endParaRPr>
-          </a:p>
-          <a:p>
-            <a:pPr lvl="1"/>
-            <a:r>
-              <a:rPr lang="en-US" dirty="0">
-                <a:solidFill>
-                  <a:srgbClr val="102F4B"/>
-                </a:solidFill>
-              </a:rPr>
-              <a:t>LinkedIn: </a:t>
-            </a:r>
-            <a:r>
-              <a:rPr lang="en-US" dirty="0">
-                <a:solidFill>
-                  <a:srgbClr val="102F4B"/>
-                </a:solidFill>
-                <a:hlinkClick r:id="rId3"/>
-              </a:rPr>
-              <a:t>https://www.linkedin.com/company/hbc_digital?trk=biz-companies-cym</a:t>
-            </a:r>
-            <a:r>
-              <a:rPr lang="en-US" dirty="0">
-                <a:solidFill>
-                  <a:srgbClr val="102F4B"/>
-                </a:solidFill>
-              </a:rPr>
-              <a:t> </a:t>
-            </a:r>
-          </a:p>
-          <a:p>
-            <a:pPr marL="0" indent="0">
-              <a:buNone/>
-            </a:pPr>
-            <a:endParaRPr lang="en-US" dirty="0" smtClean="0">
-              <a:solidFill>
-                <a:srgbClr val="102F4B"/>
-              </a:solidFill>
-            </a:endParaRPr>
-          </a:p>
-          <a:p>
-            <a:pPr marL="0" indent="0">
-              <a:buNone/>
-            </a:pPr>
-            <a:r>
-              <a:rPr lang="en-US" dirty="0" smtClean="0">
-                <a:solidFill>
-                  <a:srgbClr val="102F4B"/>
-                </a:solidFill>
-              </a:rPr>
-              <a:t>Contact Info:</a:t>
-            </a:r>
-          </a:p>
-          <a:p>
-            <a:pPr lvl="1"/>
-            <a:r>
-              <a:rPr lang="en-US" dirty="0" smtClean="0">
-                <a:solidFill>
-                  <a:srgbClr val="102F4B"/>
-                </a:solidFill>
-                <a:hlinkClick r:id="rId4"/>
-              </a:rPr>
-              <a:t>dana_peele@s5a.com</a:t>
-            </a:r>
-            <a:endParaRPr lang="en-US" dirty="0" smtClean="0">
-              <a:solidFill>
-                <a:srgbClr val="102F4B"/>
-              </a:solidFill>
-            </a:endParaRPr>
-          </a:p>
-          <a:p>
-            <a:pPr lvl="1"/>
-            <a:r>
-              <a:rPr lang="en-US" dirty="0" smtClean="0">
-                <a:solidFill>
-                  <a:srgbClr val="102F4B"/>
-                </a:solidFill>
-              </a:rPr>
-              <a:t>@</a:t>
-            </a:r>
-            <a:r>
-              <a:rPr lang="en-US" dirty="0" err="1" smtClean="0">
-                <a:solidFill>
-                  <a:srgbClr val="102F4B"/>
-                </a:solidFill>
-              </a:rPr>
-              <a:t>Dana_S_Peele</a:t>
-            </a:r>
-            <a:endParaRPr lang="en-US" dirty="0" smtClean="0">
-              <a:solidFill>
-                <a:srgbClr val="102F4B"/>
-              </a:solidFill>
-            </a:endParaRPr>
-          </a:p>
-          <a:p>
-            <a:pPr marL="0" indent="0">
-              <a:buNone/>
-            </a:pPr>
-            <a:endParaRPr lang="en-US" dirty="0" smtClean="0">
-              <a:solidFill>
-                <a:srgbClr val="102F4B"/>
-              </a:solidFill>
-            </a:endParaRPr>
-          </a:p>
-          <a:p>
-            <a:pPr marL="0" indent="0">
-              <a:buNone/>
-            </a:pPr>
-            <a:r>
-              <a:rPr lang="en-US" dirty="0" smtClean="0">
-                <a:solidFill>
-                  <a:srgbClr val="102F4B"/>
-                </a:solidFill>
-              </a:rPr>
-              <a:t>Repo </a:t>
-            </a:r>
-            <a:r>
-              <a:rPr lang="en-US" dirty="0">
-                <a:solidFill>
-                  <a:srgbClr val="102F4B"/>
-                </a:solidFill>
-              </a:rPr>
-              <a:t>for the demo and slideshow:</a:t>
-            </a:r>
-          </a:p>
-          <a:p>
-            <a:pPr marL="0" indent="0">
-              <a:buNone/>
-            </a:pPr>
-            <a:r>
-              <a:rPr lang="en-US" dirty="0">
-                <a:solidFill>
-                  <a:srgbClr val="102F4B"/>
-                </a:solidFill>
                 <a:hlinkClick r:id="rId5"/>
               </a:rPr>
-              <a:t>https://</a:t>
-            </a:r>
-            <a:r>
-              <a:rPr lang="en-US" dirty="0" smtClean="0">
-                <a:solidFill>
-                  <a:srgbClr val="102F4B"/>
-                </a:solidFill>
-                <a:hlinkClick r:id="rId5"/>
-              </a:rPr>
               <a:t>github.com/saksdirect/react-vs-shared-state-inventory</a:t>
             </a:r>
-            <a:endParaRPr lang="en-US" dirty="0" smtClean="0">
+            <a:endParaRPr lang="en-US" b="1" dirty="0" smtClean="0">
               <a:solidFill>
                 <a:srgbClr val="102F4B"/>
               </a:solidFill>
@@ -11791,11 +11273,7 @@
               <a:buChar char="•"/>
             </a:pPr>
             <a:r>
-              <a:rPr lang="en-US" sz="4000" dirty="0">
-                <a:solidFill>
-                  <a:srgbClr val="102F4B"/>
-                </a:solidFill>
-              </a:rPr>
+              <a:rPr lang="en-US" sz="4000" b="1" dirty="0"/>
               <a:t>Developer</a:t>
             </a:r>
           </a:p>
@@ -11805,11 +11283,7 @@
               <a:buChar char="•"/>
             </a:pPr>
             <a:r>
-              <a:rPr lang="en-US" sz="4000" dirty="0">
-                <a:solidFill>
-                  <a:srgbClr val="102F4B"/>
-                </a:solidFill>
-              </a:rPr>
+              <a:rPr lang="en-US" sz="4000" b="1" dirty="0"/>
               <a:t>Rock climber</a:t>
             </a:r>
           </a:p>
@@ -11819,11 +11293,7 @@
               <a:buChar char="•"/>
             </a:pPr>
             <a:r>
-              <a:rPr lang="en-US" sz="4000" dirty="0">
-                <a:solidFill>
-                  <a:srgbClr val="102F4B"/>
-                </a:solidFill>
-              </a:rPr>
+              <a:rPr lang="en-US" sz="4000" b="1" dirty="0"/>
               <a:t>Dad</a:t>
             </a:r>
           </a:p>
@@ -11833,11 +11303,7 @@
               <a:buChar char="•"/>
             </a:pPr>
             <a:r>
-              <a:rPr lang="en-US" sz="4000" dirty="0">
-                <a:solidFill>
-                  <a:srgbClr val="102F4B"/>
-                </a:solidFill>
-              </a:rPr>
+              <a:rPr lang="en-US" sz="4000" b="1" dirty="0"/>
               <a:t>Scala junkie</a:t>
             </a:r>
           </a:p>
@@ -12105,26 +11571,14 @@
               <a:buChar char="•"/>
             </a:pPr>
             <a:r>
-              <a:rPr lang="en-US" sz="2800" dirty="0">
-                <a:solidFill>
-                  <a:srgbClr val="102F4B"/>
-                </a:solidFill>
-              </a:rPr>
+              <a:rPr lang="en-US" sz="2800" b="1" dirty="0"/>
               <a:t>Four E-commerce </a:t>
             </a:r>
             <a:r>
-              <a:rPr lang="en-US" sz="2800" dirty="0" smtClean="0">
-                <a:solidFill>
-                  <a:srgbClr val="102F4B"/>
-                </a:solidFill>
-              </a:rPr>
+              <a:rPr lang="en-US" sz="2800" b="1" dirty="0" smtClean="0"/>
               <a:t>banners </a:t>
             </a:r>
-            <a:endParaRPr lang="en-US" sz="2800" dirty="0">
-              <a:solidFill>
-                <a:srgbClr val="102F4B"/>
-              </a:solidFill>
-            </a:endParaRPr>
+            <a:endParaRPr lang="en-US" sz="2800" b="1" dirty="0"/>
           </a:p>
           <a:p>
             <a:pPr marL="285750" indent="-285750">
@@ -12132,11 +11586,7 @@
               <a:buChar char="•"/>
             </a:pPr>
             <a:r>
-              <a:rPr lang="en-US" sz="2800" dirty="0">
-                <a:solidFill>
-                  <a:srgbClr val="102F4B"/>
-                </a:solidFill>
-              </a:rPr>
+              <a:rPr lang="en-US" sz="2800" b="1" dirty="0"/>
               <a:t>NOT an agency</a:t>
             </a:r>
           </a:p>
@@ -12146,26 +11596,14 @@
               <a:buChar char="•"/>
             </a:pPr>
             <a:r>
-              <a:rPr lang="en-US" sz="2800" dirty="0">
-                <a:solidFill>
-                  <a:srgbClr val="102F4B"/>
-                </a:solidFill>
-              </a:rPr>
+              <a:rPr lang="en-US" sz="2800" b="1" dirty="0"/>
               <a:t>Strong engineering </a:t>
             </a:r>
             <a:r>
-              <a:rPr lang="en-US" sz="2800" dirty="0" smtClean="0">
-                <a:solidFill>
-                  <a:srgbClr val="102F4B"/>
-                </a:solidFill>
-              </a:rPr>
+              <a:rPr lang="en-US" sz="2800" b="1" dirty="0" smtClean="0"/>
               <a:t>culture</a:t>
             </a:r>
-            <a:endParaRPr lang="en-US" sz="2800" dirty="0">
-              <a:solidFill>
-                <a:srgbClr val="102F4B"/>
-              </a:solidFill>
-            </a:endParaRPr>
+            <a:endParaRPr lang="en-US" sz="2800" b="1" dirty="0"/>
           </a:p>
         </p:txBody>
       </p:sp>
@@ -12198,18 +11636,10 @@
               <a:buChar char="•"/>
             </a:pPr>
             <a:r>
-              <a:rPr lang="en-US" sz="2800" dirty="0" smtClean="0">
-                <a:solidFill>
-                  <a:srgbClr val="102F4B"/>
-                </a:solidFill>
-              </a:rPr>
+              <a:rPr lang="en-US" sz="2800" b="1" dirty="0" smtClean="0"/>
               <a:t>Incredible stacks</a:t>
             </a:r>
-            <a:endParaRPr lang="en-US" sz="2800" dirty="0">
-              <a:solidFill>
-                <a:srgbClr val="102F4B"/>
-              </a:solidFill>
-            </a:endParaRPr>
+            <a:endParaRPr lang="en-US" sz="2800" b="1" dirty="0"/>
           </a:p>
           <a:p>
             <a:pPr marL="742950" lvl="1" indent="-285750" defTabSz="457200">
@@ -12220,27 +11650,15 @@
               <a:buChar char="–"/>
             </a:pPr>
             <a:r>
-              <a:rPr lang="en-US" sz="2800" dirty="0">
-                <a:solidFill>
-                  <a:srgbClr val="102F4B"/>
-                </a:solidFill>
-              </a:rPr>
+              <a:rPr lang="en-US" sz="2800" b="1" dirty="0"/>
               <a:t>Scala/Play/</a:t>
             </a:r>
             <a:r>
-              <a:rPr lang="en-US" sz="2800" dirty="0" err="1">
-                <a:solidFill>
-                  <a:srgbClr val="102F4B"/>
-                </a:solidFill>
-              </a:rPr>
+              <a:rPr lang="en-US" sz="2800" b="1" dirty="0" err="1"/>
               <a:t>Akka</a:t>
             </a:r>
             <a:r>
-              <a:rPr lang="en-US" sz="2800" dirty="0">
-                <a:solidFill>
-                  <a:srgbClr val="102F4B"/>
-                </a:solidFill>
-              </a:rPr>
+              <a:rPr lang="en-US" sz="2800" b="1" dirty="0"/>
               <a:t>/Mongo</a:t>
             </a:r>
           </a:p>
@@ -12253,11 +11671,7 @@
               <a:buChar char="–"/>
             </a:pPr>
             <a:r>
-              <a:rPr lang="en-US" sz="2800" dirty="0">
-                <a:solidFill>
-                  <a:srgbClr val="102F4B"/>
-                </a:solidFill>
-              </a:rPr>
+              <a:rPr lang="en-US" sz="2800" b="1" dirty="0"/>
               <a:t>React/Backbone/Marionette</a:t>
             </a:r>
           </a:p>
@@ -12386,8 +11800,8 @@
         </p:nvSpPr>
         <p:spPr>
           <a:xfrm>
-            <a:off x="457200" y="1440543"/>
-            <a:ext cx="8229599" cy="4525963"/>
+            <a:off x="178130" y="1440543"/>
+            <a:ext cx="8965870" cy="5034175"/>
           </a:xfrm>
         </p:spPr>
         <p:txBody>
@@ -12397,21 +11811,13 @@
           <a:lstStyle/>
           <a:p>
             <a:r>
-              <a:rPr lang="en-US" dirty="0" smtClean="0">
-                <a:solidFill>
-                  <a:srgbClr val="102F4B"/>
-                </a:solidFill>
-              </a:rPr>
+              <a:rPr lang="en-US" b="1" dirty="0" smtClean="0"/>
               <a:t>Multiple threads executing simultaneously</a:t>
             </a:r>
           </a:p>
           <a:p>
             <a:r>
-              <a:rPr lang="en-US" dirty="0" smtClean="0">
-                <a:solidFill>
-                  <a:srgbClr val="102F4B"/>
-                </a:solidFill>
-              </a:rPr>
+              <a:rPr lang="en-US" b="1" dirty="0" smtClean="0"/>
               <a:t>Our example- an inventory web service with multiple clients making requests in parallel</a:t>
             </a:r>
           </a:p>
@@ -12447,11 +11853,7 @@
           </a:p>
           <a:p>
             <a:r>
-              <a:rPr lang="en-US" dirty="0" smtClean="0">
-                <a:solidFill>
-                  <a:srgbClr val="102F4B"/>
-                </a:solidFill>
-              </a:rPr>
+              <a:rPr lang="en-US" b="1" dirty="0" smtClean="0"/>
               <a:t>Challenge- ensure that we don’t sell inventory we don’t have</a:t>
             </a:r>
           </a:p>
@@ -12728,10 +12130,18 @@
             <a:p>
               <a:pPr algn="ctr"/>
               <a:r>
-                <a:rPr lang="en-US" dirty="0" smtClean="0"/>
+                <a:rPr lang="en-US" dirty="0" smtClean="0">
+                  <a:solidFill>
+                    <a:schemeClr val="bg1"/>
+                  </a:solidFill>
+                </a:rPr>
                 <a:t>Inventory Web Service </a:t>
               </a:r>
-              <a:endParaRPr lang="en-US" dirty="0"/>
+              <a:endParaRPr lang="en-US" dirty="0">
+                <a:solidFill>
+                  <a:schemeClr val="bg1"/>
+                </a:solidFill>
+              </a:endParaRPr>
             </a:p>
           </p:txBody>
         </p:sp>
@@ -12870,132 +12280,54 @@
           <a:lstStyle/>
           <a:p>
             <a:r>
-              <a:rPr lang="en-US" dirty="0" smtClean="0">
-                <a:solidFill>
-                  <a:srgbClr val="102F4B"/>
-                </a:solidFill>
-              </a:rPr>
+              <a:rPr lang="en-US" b="1" dirty="0" smtClean="0"/>
               <a:t>Shared-State</a:t>
             </a:r>
           </a:p>
           <a:p>
             <a:r>
-              <a:rPr lang="en-US" dirty="0" err="1" smtClean="0">
-                <a:solidFill>
-                  <a:srgbClr val="102F4B"/>
-                </a:solidFill>
-              </a:rPr>
+              <a:rPr lang="en-US" b="1" dirty="0" err="1" smtClean="0"/>
               <a:t>Akka</a:t>
             </a:r>
             <a:r>
-              <a:rPr lang="en-US" dirty="0" smtClean="0">
-                <a:solidFill>
-                  <a:srgbClr val="102F4B"/>
-                </a:solidFill>
-              </a:rPr>
+              <a:rPr lang="en-US" b="1" dirty="0" smtClean="0"/>
               <a:t> (Reactive)</a:t>
             </a:r>
           </a:p>
           <a:p>
             <a:r>
-              <a:rPr lang="en-US" dirty="0" smtClean="0">
-                <a:solidFill>
-                  <a:srgbClr val="102F4B"/>
-                </a:solidFill>
-              </a:rPr>
+              <a:rPr lang="en-US" b="1" dirty="0" smtClean="0"/>
               <a:t>Other:</a:t>
             </a:r>
           </a:p>
           <a:p>
             <a:pPr lvl="1"/>
             <a:r>
-              <a:rPr lang="en-US" dirty="0" smtClean="0">
-                <a:solidFill>
-                  <a:srgbClr val="102F4B"/>
-                </a:solidFill>
-              </a:rPr>
-              <a:t>Function Reactive </a:t>
-            </a:r>
-            <a:r>
-              <a:rPr lang="en-US" dirty="0" smtClean="0">
-                <a:solidFill>
-                  <a:srgbClr val="102F4B"/>
-                </a:solidFill>
-              </a:rPr>
-              <a:t>Programming</a:t>
-            </a:r>
-            <a:endParaRPr lang="en-US" dirty="0" smtClean="0">
-              <a:solidFill>
-                <a:srgbClr val="102F4B"/>
-              </a:solidFill>
-            </a:endParaRPr>
+              <a:rPr lang="en-US" b="1" dirty="0" smtClean="0"/>
+              <a:t>Function Reactive Programming</a:t>
+            </a:r>
           </a:p>
           <a:p>
             <a:pPr lvl="1"/>
             <a:r>
-              <a:rPr lang="en-US" dirty="0" smtClean="0">
-                <a:solidFill>
-                  <a:srgbClr val="102F4B"/>
-                </a:solidFill>
-              </a:rPr>
-              <a:t>Publisher/</a:t>
-            </a:r>
-            <a:r>
-              <a:rPr lang="en-US" dirty="0" smtClean="0">
-                <a:solidFill>
-                  <a:srgbClr val="102F4B"/>
-                </a:solidFill>
-              </a:rPr>
-              <a:t>Subscriber</a:t>
-            </a:r>
-            <a:endParaRPr lang="en-US" dirty="0" smtClean="0">
-              <a:solidFill>
-                <a:srgbClr val="102F4B"/>
-              </a:solidFill>
-            </a:endParaRPr>
+              <a:rPr lang="en-US" b="1" dirty="0" smtClean="0"/>
+              <a:t>Publisher/Subscriber</a:t>
+            </a:r>
           </a:p>
           <a:p>
             <a:pPr lvl="1"/>
             <a:r>
-              <a:rPr lang="en-US" dirty="0" smtClean="0">
-                <a:solidFill>
-                  <a:srgbClr val="102F4B"/>
-                </a:solidFill>
-              </a:rPr>
-              <a:t>Communicating sequential </a:t>
-            </a:r>
-            <a:r>
-              <a:rPr lang="en-US" dirty="0" smtClean="0">
-                <a:solidFill>
-                  <a:srgbClr val="102F4B"/>
-                </a:solidFill>
-              </a:rPr>
-              <a:t>p</a:t>
-            </a:r>
-            <a:r>
-              <a:rPr lang="en-US" dirty="0" smtClean="0">
-                <a:solidFill>
-                  <a:srgbClr val="102F4B"/>
-                </a:solidFill>
-              </a:rPr>
-              <a:t>rocesses</a:t>
+              <a:rPr lang="en-US" b="1" dirty="0" smtClean="0"/>
+              <a:t>Communicating sequential processes</a:t>
             </a:r>
           </a:p>
           <a:p>
             <a:pPr lvl="1"/>
             <a:r>
-              <a:rPr lang="en-US" dirty="0" smtClean="0">
-                <a:solidFill>
-                  <a:srgbClr val="102F4B"/>
-                </a:solidFill>
-              </a:rPr>
+              <a:rPr lang="en-US" b="1" dirty="0" smtClean="0"/>
               <a:t>Software transactional memory</a:t>
             </a:r>
-            <a:endParaRPr lang="en-US" dirty="0">
-              <a:solidFill>
-                <a:srgbClr val="102F4B"/>
-              </a:solidFill>
-            </a:endParaRPr>
+            <a:endParaRPr lang="en-US" b="1" dirty="0"/>
           </a:p>
         </p:txBody>
       </p:sp>
@@ -13133,106 +12465,54 @@
           <a:lstStyle/>
           <a:p>
             <a:r>
-              <a:rPr lang="en-US" dirty="0" smtClean="0">
-                <a:solidFill>
-                  <a:srgbClr val="102F4B"/>
-                </a:solidFill>
-              </a:rPr>
+              <a:rPr lang="en-US" b="1" dirty="0" smtClean="0"/>
               <a:t>Shares mutable state across threads</a:t>
             </a:r>
           </a:p>
           <a:p>
             <a:r>
-              <a:rPr lang="en-US" dirty="0" smtClean="0">
-                <a:solidFill>
-                  <a:srgbClr val="102F4B"/>
-                </a:solidFill>
-              </a:rPr>
+              <a:rPr lang="en-US" b="1" dirty="0" smtClean="0"/>
               <a:t>Uses locks/synchronized blocks to prevent race conditions</a:t>
             </a:r>
           </a:p>
           <a:p>
             <a:r>
-              <a:rPr lang="en-US" dirty="0" smtClean="0">
-                <a:solidFill>
-                  <a:srgbClr val="102F4B"/>
-                </a:solidFill>
-              </a:rPr>
+              <a:rPr lang="en-US" b="1" dirty="0" smtClean="0"/>
               <a:t>Proven and well understood</a:t>
             </a:r>
           </a:p>
           <a:p>
             <a:pPr lvl="1"/>
             <a:r>
-              <a:rPr lang="en-US" dirty="0" smtClean="0">
-                <a:solidFill>
-                  <a:srgbClr val="102F4B"/>
-                </a:solidFill>
-              </a:rPr>
-              <a:t>In w</a:t>
-            </a:r>
-            <a:r>
-              <a:rPr lang="en-US" dirty="0" smtClean="0">
-                <a:solidFill>
-                  <a:srgbClr val="102F4B"/>
-                </a:solidFill>
-              </a:rPr>
-              <a:t>idespread </a:t>
-            </a:r>
-            <a:r>
-              <a:rPr lang="en-US" dirty="0" smtClean="0">
-                <a:solidFill>
-                  <a:srgbClr val="102F4B"/>
-                </a:solidFill>
-              </a:rPr>
-              <a:t>use for a long time</a:t>
-            </a:r>
-          </a:p>
-          <a:p>
-            <a:r>
-              <a:rPr lang="en-US" dirty="0" smtClean="0">
-                <a:solidFill>
-                  <a:srgbClr val="102F4B"/>
-                </a:solidFill>
-              </a:rPr>
+              <a:rPr lang="en-US" b="1" dirty="0" smtClean="0"/>
+              <a:t>In widespread use for a long time</a:t>
+            </a:r>
+          </a:p>
+          <a:p>
+            <a:r>
+              <a:rPr lang="en-US" b="1" dirty="0" smtClean="0"/>
               <a:t>Simple to reason about for trivial applications</a:t>
             </a:r>
           </a:p>
           <a:p>
             <a:r>
-              <a:rPr lang="en-US" dirty="0" smtClean="0">
-                <a:solidFill>
-                  <a:srgbClr val="102F4B"/>
-                </a:solidFill>
-              </a:rPr>
+              <a:rPr lang="en-US" b="1" dirty="0" smtClean="0"/>
               <a:t>Complex applications are very difficult to model</a:t>
             </a:r>
           </a:p>
           <a:p>
             <a:r>
-              <a:rPr lang="en-US" dirty="0">
-                <a:solidFill>
-                  <a:srgbClr val="102F4B"/>
-                </a:solidFill>
-              </a:rPr>
+              <a:rPr lang="en-US" b="1" dirty="0"/>
               <a:t>Thread sleep/awake is </a:t>
             </a:r>
             <a:r>
-              <a:rPr lang="en-US" dirty="0" smtClean="0">
-                <a:solidFill>
-                  <a:srgbClr val="102F4B"/>
-                </a:solidFill>
-              </a:rPr>
+              <a:rPr lang="en-US" b="1" dirty="0" smtClean="0"/>
               <a:t>expensive</a:t>
             </a:r>
           </a:p>
           <a:p>
             <a:r>
-              <a:rPr lang="en-US" dirty="0" smtClean="0">
-                <a:solidFill>
-                  <a:srgbClr val="102F4B"/>
-                </a:solidFill>
-              </a:rPr>
+              <a:rPr lang="en-US" b="1" dirty="0" smtClean="0"/>
               <a:t>Deadlocks!</a:t>
             </a:r>
           </a:p>
@@ -13395,166 +12675,62 @@
           <a:lstStyle/>
           <a:p>
             <a:r>
-              <a:rPr lang="en-US" sz="3400" dirty="0" smtClean="0">
-                <a:solidFill>
-                  <a:srgbClr val="102F4B"/>
-                </a:solidFill>
-              </a:rPr>
+              <a:rPr lang="en-US" sz="3400" b="1" dirty="0" smtClean="0"/>
               <a:t>Actors instead of threads</a:t>
             </a:r>
           </a:p>
           <a:p>
             <a:r>
-              <a:rPr lang="en-US" sz="3400" dirty="0" smtClean="0">
-                <a:solidFill>
-                  <a:srgbClr val="102F4B"/>
-                </a:solidFill>
-              </a:rPr>
-              <a:t>Actors </a:t>
-            </a:r>
-            <a:r>
-              <a:rPr lang="en-US" sz="3400" dirty="0" smtClean="0">
-                <a:solidFill>
-                  <a:srgbClr val="102F4B"/>
-                </a:solidFill>
-              </a:rPr>
-              <a:t>communicate with message passing</a:t>
-            </a:r>
-            <a:endParaRPr lang="en-US" sz="3000" dirty="0" smtClean="0">
-              <a:solidFill>
-                <a:srgbClr val="102F4B"/>
-              </a:solidFill>
-            </a:endParaRPr>
-          </a:p>
-          <a:p>
-            <a:r>
-              <a:rPr lang="en-US" sz="3400" dirty="0" smtClean="0">
-                <a:solidFill>
-                  <a:srgbClr val="102F4B"/>
-                </a:solidFill>
-              </a:rPr>
+              <a:rPr lang="en-US" sz="3400" b="1" dirty="0" smtClean="0"/>
+              <a:t>Actors communicate with message passing</a:t>
+            </a:r>
+            <a:endParaRPr lang="en-US" sz="3000" b="1" dirty="0" smtClean="0"/>
+          </a:p>
+          <a:p>
+            <a:r>
+              <a:rPr lang="en-US" sz="3400" b="1" dirty="0" smtClean="0"/>
               <a:t>Mutable state, but…</a:t>
             </a:r>
-            <a:endParaRPr lang="en-US" sz="3400" dirty="0">
-              <a:solidFill>
-                <a:srgbClr val="102F4B"/>
-              </a:solidFill>
-            </a:endParaRPr>
-          </a:p>
-          <a:p>
-            <a:r>
-              <a:rPr lang="en-US" sz="3400" dirty="0" smtClean="0">
-                <a:solidFill>
-                  <a:srgbClr val="102F4B"/>
-                </a:solidFill>
-              </a:rPr>
-              <a:t>Each </a:t>
-            </a:r>
-            <a:r>
-              <a:rPr lang="en-US" sz="3400" dirty="0" smtClean="0">
-                <a:solidFill>
-                  <a:srgbClr val="102F4B"/>
-                </a:solidFill>
-              </a:rPr>
-              <a:t>actor has a mailbox (queue)</a:t>
-            </a:r>
-          </a:p>
-          <a:p>
-            <a:r>
-              <a:rPr lang="en-US" sz="3400" dirty="0" smtClean="0">
-                <a:solidFill>
-                  <a:srgbClr val="102F4B"/>
-                </a:solidFill>
-              </a:rPr>
-              <a:t>Loose </a:t>
-            </a:r>
-            <a:r>
-              <a:rPr lang="en-US" sz="3400" dirty="0" smtClean="0">
-                <a:solidFill>
-                  <a:srgbClr val="102F4B"/>
-                </a:solidFill>
-              </a:rPr>
-              <a:t>coupling</a:t>
-            </a:r>
-            <a:endParaRPr lang="en-US" sz="3400" dirty="0">
-              <a:solidFill>
-                <a:srgbClr val="102F4B"/>
-              </a:solidFill>
-            </a:endParaRPr>
-          </a:p>
-          <a:p>
-            <a:r>
-              <a:rPr lang="en-US" sz="3400" dirty="0" smtClean="0">
-                <a:solidFill>
-                  <a:srgbClr val="102F4B"/>
-                </a:solidFill>
-              </a:rPr>
-              <a:t>Requires </a:t>
-            </a:r>
-            <a:r>
-              <a:rPr lang="en-US" sz="3400" dirty="0" smtClean="0">
-                <a:solidFill>
-                  <a:srgbClr val="102F4B"/>
-                </a:solidFill>
-              </a:rPr>
-              <a:t>care in modeling and refactoring to ensure resiliency</a:t>
-            </a:r>
-            <a:r>
-              <a:rPr lang="en-US" sz="3400" dirty="0">
-                <a:solidFill>
-                  <a:srgbClr val="102F4B"/>
-                </a:solidFill>
-              </a:rPr>
+            <a:endParaRPr lang="en-US" sz="3400" b="1" dirty="0"/>
+          </a:p>
+          <a:p>
+            <a:r>
+              <a:rPr lang="en-US" sz="3400" b="1" dirty="0" smtClean="0"/>
+              <a:t>Each actor has a mailbox (queue)</a:t>
+            </a:r>
+          </a:p>
+          <a:p>
+            <a:r>
+              <a:rPr lang="en-US" sz="3400" b="1" dirty="0" smtClean="0"/>
+              <a:t>Loose coupling</a:t>
+            </a:r>
+            <a:endParaRPr lang="en-US" sz="3400" b="1" dirty="0"/>
+          </a:p>
+          <a:p>
+            <a:r>
+              <a:rPr lang="en-US" sz="3400" b="1" dirty="0" smtClean="0"/>
+              <a:t>Requires care in modeling and refactoring to ensure resiliency</a:t>
+            </a:r>
+            <a:r>
+              <a:rPr lang="en-US" sz="3400" b="1" dirty="0"/>
               <a:t> </a:t>
             </a:r>
             <a:r>
-              <a:rPr lang="en-US" sz="3400" dirty="0" smtClean="0">
-                <a:solidFill>
-                  <a:srgbClr val="102F4B"/>
-                </a:solidFill>
-              </a:rPr>
+              <a:rPr lang="en-US" sz="3400" b="1" dirty="0" smtClean="0"/>
               <a:t>and performance </a:t>
             </a:r>
           </a:p>
           <a:p>
             <a:r>
-              <a:rPr lang="en-US" sz="3400" dirty="0" smtClean="0">
-                <a:solidFill>
-                  <a:srgbClr val="102F4B"/>
-                </a:solidFill>
-              </a:rPr>
-              <a:t>Dangerous tasks and mutable state don’t mix and require </a:t>
-            </a:r>
-            <a:r>
-              <a:rPr lang="en-US" sz="3400" dirty="0" smtClean="0">
-                <a:solidFill>
-                  <a:srgbClr val="102F4B"/>
-                </a:solidFill>
-              </a:rPr>
-              <a:t>supervision</a:t>
-            </a:r>
-            <a:endParaRPr lang="en-US" sz="3400" dirty="0">
-              <a:solidFill>
-                <a:srgbClr val="102F4B"/>
-              </a:solidFill>
-            </a:endParaRPr>
-          </a:p>
-          <a:p>
-            <a:r>
-              <a:rPr lang="en-US" sz="3400" dirty="0" smtClean="0">
-                <a:solidFill>
-                  <a:srgbClr val="102F4B"/>
-                </a:solidFill>
-              </a:rPr>
-              <a:t>Can’t multi-thread </a:t>
-            </a:r>
-            <a:r>
-              <a:rPr lang="en-US" sz="3400" dirty="0" smtClean="0">
-                <a:solidFill>
-                  <a:srgbClr val="102F4B"/>
-                </a:solidFill>
-              </a:rPr>
-              <a:t>mutation </a:t>
+              <a:rPr lang="en-US" sz="3400" b="1" dirty="0" smtClean="0"/>
+              <a:t>Dangerous tasks and mutable state don’t mix and require supervision</a:t>
+            </a:r>
+            <a:endParaRPr lang="en-US" sz="3400" b="1" dirty="0"/>
+          </a:p>
+          <a:p>
+            <a:r>
+              <a:rPr lang="en-US" sz="3400" b="1" dirty="0" smtClean="0"/>
+              <a:t>Can’t multi-thread mutation </a:t>
             </a:r>
           </a:p>
         </p:txBody>
@@ -13629,7 +12805,7 @@
           <p:nvPr/>
         </p:nvPicPr>
         <p:blipFill>
-          <a:blip r:embed="rId4">
+          <a:blip r:embed="rId4" cstate="email">
             <a:extLst>
               <a:ext uri="{28A0092B-C50C-407E-A947-70E740481C1C}">
                 <a14:useLocalDpi xmlns:a14="http://schemas.microsoft.com/office/drawing/2010/main" val="0"/>
@@ -13783,75 +12959,50 @@
           </a:bodyPr>
           <a:lstStyle/>
           <a:p>
-            <a:r>
-              <a:rPr lang="en-US" dirty="0" smtClean="0">
-                <a:solidFill>
-                  <a:srgbClr val="102F4B"/>
-                </a:solidFill>
-              </a:rPr>
+            <a:pPr marL="0" indent="0">
+              <a:buNone/>
+            </a:pPr>
+            <a:r>
+              <a:rPr lang="en-US" b="1" dirty="0" smtClean="0"/>
               <a:t>At HBC we are using </a:t>
             </a:r>
           </a:p>
           <a:p>
             <a:pPr lvl="1"/>
             <a:r>
-              <a:rPr lang="en-US" dirty="0" smtClean="0">
-                <a:solidFill>
-                  <a:srgbClr val="102F4B"/>
-                </a:solidFill>
-              </a:rPr>
+              <a:rPr lang="en-US" b="1" dirty="0" smtClean="0"/>
               <a:t>Kitchen (testing)</a:t>
             </a:r>
           </a:p>
           <a:p>
             <a:pPr lvl="1"/>
             <a:r>
-              <a:rPr lang="en-US" dirty="0" smtClean="0">
-                <a:solidFill>
-                  <a:srgbClr val="102F4B"/>
-                </a:solidFill>
-              </a:rPr>
+              <a:rPr lang="en-US" b="1" dirty="0" smtClean="0"/>
               <a:t>Vagrant (virtual machines)</a:t>
             </a:r>
           </a:p>
           <a:p>
             <a:pPr lvl="1"/>
             <a:r>
-              <a:rPr lang="en-US" dirty="0" smtClean="0">
-                <a:solidFill>
-                  <a:srgbClr val="102F4B"/>
-                </a:solidFill>
-              </a:rPr>
+              <a:rPr lang="en-US" b="1" dirty="0" smtClean="0"/>
               <a:t>Puppet (provisioning)</a:t>
             </a:r>
           </a:p>
           <a:p>
             <a:pPr lvl="1"/>
             <a:r>
-              <a:rPr lang="en-US" dirty="0" smtClean="0">
-                <a:solidFill>
-                  <a:srgbClr val="102F4B"/>
-                </a:solidFill>
-              </a:rPr>
+              <a:rPr lang="en-US" b="1" dirty="0" smtClean="0"/>
               <a:t>Librarian Puppet (more provisioning)</a:t>
             </a:r>
           </a:p>
           <a:p>
             <a:pPr lvl="1"/>
             <a:r>
-              <a:rPr lang="en-US" dirty="0" err="1" smtClean="0">
-                <a:solidFill>
-                  <a:srgbClr val="102F4B"/>
-                </a:solidFill>
-              </a:rPr>
+              <a:rPr lang="en-US" b="1" dirty="0" err="1" smtClean="0"/>
               <a:t>Docker</a:t>
             </a:r>
             <a:r>
-              <a:rPr lang="en-US" dirty="0" smtClean="0">
-                <a:solidFill>
-                  <a:srgbClr val="102F4B"/>
-                </a:solidFill>
-              </a:rPr>
+              <a:rPr lang="en-US" b="1" dirty="0" smtClean="0"/>
               <a:t> (containers)</a:t>
             </a:r>
           </a:p>
@@ -13859,81 +13010,52 @@
             <a:pPr marL="457200" lvl="1" indent="0">
               <a:buNone/>
             </a:pPr>
-            <a:endParaRPr lang="en-US" dirty="0" smtClean="0">
-              <a:solidFill>
-                <a:srgbClr val="102F4B"/>
-              </a:solidFill>
-            </a:endParaRPr>
-          </a:p>
-          <a:p>
-            <a:r>
-              <a:rPr lang="en-US" dirty="0" smtClean="0">
-                <a:solidFill>
-                  <a:srgbClr val="102F4B"/>
-                </a:solidFill>
-              </a:rPr>
+            <a:endParaRPr lang="en-US" dirty="0" smtClean="0"/>
+          </a:p>
+          <a:p>
+            <a:pPr marL="0" indent="0">
+              <a:buNone/>
+            </a:pPr>
+            <a:r>
+              <a:rPr lang="en-US" b="1" dirty="0" smtClean="0"/>
               <a:t>We practice Infrastructure as code</a:t>
             </a:r>
           </a:p>
           <a:p>
             <a:pPr lvl="1"/>
             <a:r>
-              <a:rPr lang="en-US" dirty="0" smtClean="0">
-                <a:solidFill>
-                  <a:srgbClr val="102F4B"/>
-                </a:solidFill>
-              </a:rPr>
+              <a:rPr lang="en-US" b="1" dirty="0" smtClean="0"/>
               <a:t>versioning </a:t>
             </a:r>
           </a:p>
           <a:p>
             <a:pPr lvl="1"/>
             <a:r>
-              <a:rPr lang="en-US" dirty="0" smtClean="0">
-                <a:solidFill>
-                  <a:srgbClr val="102F4B"/>
-                </a:solidFill>
-              </a:rPr>
+              <a:rPr lang="en-US" b="1" dirty="0" smtClean="0"/>
               <a:t>pull requests </a:t>
             </a:r>
           </a:p>
           <a:p>
             <a:pPr lvl="1"/>
             <a:r>
-              <a:rPr lang="en-US" dirty="0" smtClean="0">
-                <a:solidFill>
-                  <a:srgbClr val="102F4B"/>
-                </a:solidFill>
-              </a:rPr>
+              <a:rPr lang="en-US" b="1" dirty="0" smtClean="0"/>
               <a:t>code review </a:t>
             </a:r>
           </a:p>
           <a:p>
             <a:pPr lvl="1"/>
             <a:r>
-              <a:rPr lang="en-US" dirty="0" smtClean="0">
-                <a:solidFill>
-                  <a:srgbClr val="102F4B"/>
-                </a:solidFill>
-              </a:rPr>
+              <a:rPr lang="en-US" b="1" dirty="0" smtClean="0"/>
               <a:t>regression testing</a:t>
             </a:r>
           </a:p>
           <a:p>
             <a:pPr lvl="1"/>
             <a:r>
-              <a:rPr lang="en-US" dirty="0" smtClean="0">
-                <a:solidFill>
-                  <a:srgbClr val="102F4B"/>
-                </a:solidFill>
-              </a:rPr>
+              <a:rPr lang="en-US" b="1" dirty="0" smtClean="0"/>
               <a:t>reproducibility</a:t>
             </a:r>
-            <a:endParaRPr lang="en-US" dirty="0">
-              <a:solidFill>
-                <a:srgbClr val="102F4B"/>
-              </a:solidFill>
-            </a:endParaRPr>
+            <a:endParaRPr lang="en-US" b="1" dirty="0"/>
           </a:p>
         </p:txBody>
       </p:sp>
@@ -13946,7 +13068,7 @@
         <p:spPr>
           <a:xfrm>
             <a:off x="4659682" y="1167416"/>
-            <a:ext cx="4176470" cy="4376583"/>
+            <a:ext cx="4176470" cy="4715137"/>
           </a:xfrm>
           <a:prstGeom prst="rect">
             <a:avLst/>
@@ -13970,13 +13092,24 @@
               <a:buChar char="•"/>
             </a:pPr>
             <a:r>
-              <a:rPr lang="en-US" sz="2200" dirty="0">
-                <a:solidFill>
-                  <a:srgbClr val="102F4B"/>
-                </a:solidFill>
-              </a:rPr>
-              <a:t>Linux base box</a:t>
-            </a:r>
+              <a:rPr lang="en-US" sz="2200" b="1" dirty="0"/>
+              <a:t>Linux base </a:t>
+            </a:r>
+            <a:r>
+              <a:rPr lang="en-US" sz="2200" b="1" dirty="0" smtClean="0"/>
+              <a:t>box</a:t>
+            </a:r>
+          </a:p>
+          <a:p>
+            <a:pPr marL="0" lvl="1" defTabSz="914400">
+              <a:lnSpc>
+                <a:spcPct val="80000"/>
+              </a:lnSpc>
+              <a:spcBef>
+                <a:spcPct val="20000"/>
+              </a:spcBef>
+            </a:pPr>
+            <a:endParaRPr lang="en-US" sz="2200" b="1" dirty="0"/>
           </a:p>
           <a:p>
             <a:pPr marL="342900" lvl="1" indent="-342900" defTabSz="914400">
@@ -13990,11 +13123,7 @@
               <a:buChar char="•"/>
             </a:pPr>
             <a:r>
-              <a:rPr lang="en-US" sz="2200" dirty="0">
-                <a:solidFill>
-                  <a:srgbClr val="102F4B"/>
-                </a:solidFill>
-              </a:rPr>
+              <a:rPr lang="en-US" sz="2200" b="1" dirty="0"/>
               <a:t>Puppet Librarian </a:t>
             </a:r>
           </a:p>
@@ -14010,27 +13139,15 @@
               <a:buChar char="–"/>
             </a:pPr>
             <a:r>
-              <a:rPr lang="en-US" sz="2000" dirty="0">
-                <a:solidFill>
-                  <a:srgbClr val="102F4B"/>
-                </a:solidFill>
-              </a:rPr>
+              <a:rPr lang="en-US" sz="2000" b="1" dirty="0"/>
               <a:t>to source modules for SBT, Java, MongoDB, and </a:t>
             </a:r>
             <a:r>
-              <a:rPr lang="en-US" sz="2000" dirty="0" err="1">
-                <a:solidFill>
-                  <a:srgbClr val="102F4B"/>
-                </a:solidFill>
-              </a:rPr>
+              <a:rPr lang="en-US" sz="2000" b="1" dirty="0" err="1"/>
               <a:t>Docker</a:t>
             </a:r>
             <a:r>
-              <a:rPr lang="en-US" sz="2000" dirty="0">
-                <a:solidFill>
-                  <a:srgbClr val="102F4B"/>
-                </a:solidFill>
-              </a:rPr>
+              <a:rPr lang="en-US" sz="2000" b="1" dirty="0"/>
               <a:t> </a:t>
             </a:r>
           </a:p>
@@ -14046,11 +13163,7 @@
               <a:buChar char="–"/>
             </a:pPr>
             <a:r>
-              <a:rPr lang="en-US" sz="2000" dirty="0">
-                <a:solidFill>
-                  <a:srgbClr val="102F4B"/>
-                </a:solidFill>
-              </a:rPr>
+              <a:rPr lang="en-US" sz="2000" b="1" dirty="0"/>
               <a:t>Installed in my base box (provision)</a:t>
             </a:r>
           </a:p>
@@ -14066,51 +13179,27 @@
               <a:buChar char="–"/>
             </a:pPr>
             <a:r>
-              <a:rPr lang="en-US" sz="2000" dirty="0">
-                <a:solidFill>
-                  <a:srgbClr val="102F4B"/>
-                </a:solidFill>
-              </a:rPr>
+              <a:rPr lang="en-US" sz="2000" b="1" dirty="0"/>
               <a:t>spin up and deploy a </a:t>
             </a:r>
             <a:r>
-              <a:rPr lang="en-US" sz="2000" dirty="0" err="1">
-                <a:solidFill>
-                  <a:srgbClr val="102F4B"/>
-                </a:solidFill>
-              </a:rPr>
+              <a:rPr lang="en-US" sz="2000" b="1" dirty="0" err="1"/>
               <a:t>Docker</a:t>
             </a:r>
             <a:r>
-              <a:rPr lang="en-US" sz="2000" dirty="0">
-                <a:solidFill>
-                  <a:srgbClr val="102F4B"/>
-                </a:solidFill>
-              </a:rPr>
+              <a:rPr lang="en-US" sz="2000" b="1" dirty="0"/>
               <a:t> container running </a:t>
             </a:r>
             <a:r>
-              <a:rPr lang="en-US" sz="2000" dirty="0" err="1">
-                <a:solidFill>
-                  <a:srgbClr val="102F4B"/>
-                </a:solidFill>
-              </a:rPr>
+              <a:rPr lang="en-US" sz="2000" b="1" dirty="0" err="1"/>
               <a:t>StatsD</a:t>
             </a:r>
             <a:r>
-              <a:rPr lang="en-US" sz="2000" dirty="0">
-                <a:solidFill>
-                  <a:srgbClr val="102F4B"/>
-                </a:solidFill>
-              </a:rPr>
+              <a:rPr lang="en-US" sz="2000" b="1" dirty="0"/>
               <a:t> and </a:t>
             </a:r>
             <a:r>
-              <a:rPr lang="en-US" sz="2000" dirty="0" smtClean="0">
-                <a:solidFill>
-                  <a:srgbClr val="102F4B"/>
-                </a:solidFill>
-              </a:rPr>
+              <a:rPr lang="en-US" sz="2000" b="1" dirty="0" smtClean="0"/>
               <a:t>Graphite</a:t>
             </a:r>
           </a:p>
@@ -14123,11 +13212,7 @@
                 <a:spcPct val="20000"/>
               </a:spcBef>
             </a:pPr>
-            <a:endParaRPr lang="en-US" sz="2000" dirty="0">
-              <a:solidFill>
-                <a:srgbClr val="102F4B"/>
-              </a:solidFill>
-            </a:endParaRPr>
+            <a:endParaRPr lang="en-US" sz="2000" b="1" dirty="0"/>
           </a:p>
           <a:p>
             <a:pPr marL="342900" lvl="1" indent="-342900" defTabSz="914400">
@@ -14141,53 +13226,34 @@
               <a:buChar char="•"/>
             </a:pPr>
             <a:r>
-              <a:rPr lang="en-US" sz="2200" dirty="0" smtClean="0">
-                <a:solidFill>
-                  <a:srgbClr val="102F4B"/>
-                </a:solidFill>
-              </a:rPr>
+              <a:rPr lang="en-US" sz="2200" b="1" dirty="0" smtClean="0"/>
               <a:t>Run </a:t>
             </a:r>
             <a:r>
-              <a:rPr lang="en-US" sz="2200" dirty="0">
-                <a:solidFill>
-                  <a:srgbClr val="102F4B"/>
-                </a:solidFill>
-              </a:rPr>
+              <a:rPr lang="en-US" sz="2200" b="1" dirty="0"/>
               <a:t>Play applications with SBT </a:t>
             </a:r>
             <a:r>
-              <a:rPr lang="en-US" sz="2200" dirty="0" smtClean="0">
-                <a:solidFill>
-                  <a:srgbClr val="102F4B"/>
-                </a:solidFill>
-              </a:rPr>
+              <a:rPr lang="en-US" sz="2200" b="1" dirty="0" smtClean="0"/>
               <a:t>and Java while running </a:t>
             </a:r>
             <a:r>
-              <a:rPr lang="en-US" sz="2200" dirty="0">
-                <a:solidFill>
-                  <a:srgbClr val="102F4B"/>
-                </a:solidFill>
-              </a:rPr>
+              <a:rPr lang="en-US" sz="2200" b="1" dirty="0"/>
               <a:t>MongoDB, </a:t>
             </a:r>
             <a:r>
-              <a:rPr lang="en-US" sz="2200" dirty="0" err="1">
-                <a:solidFill>
-                  <a:srgbClr val="102F4B"/>
-                </a:solidFill>
-              </a:rPr>
+              <a:rPr lang="en-US" sz="2200" b="1" dirty="0" err="1"/>
               <a:t>StatsD</a:t>
             </a:r>
             <a:r>
-              <a:rPr lang="en-US" sz="2200" dirty="0">
-                <a:solidFill>
-                  <a:srgbClr val="102F4B"/>
-                </a:solidFill>
-              </a:rPr>
-              <a:t>, and Graphite instances ready to use.</a:t>
-            </a:r>
+              <a:rPr lang="en-US" sz="2200" b="1" dirty="0"/>
+              <a:t>, and Graphite instances ready to </a:t>
+            </a:r>
+            <a:r>
+              <a:rPr lang="en-US" sz="2200" b="1" dirty="0" smtClean="0"/>
+              <a:t>use</a:t>
+            </a:r>
+            <a:endParaRPr lang="en-US" sz="2200" dirty="0"/>
           </a:p>
           <a:p>
             <a:pPr marL="742950" lvl="1" indent="-285750" defTabSz="914400">
